--- a/期末報告第五組.pptx
+++ b/期末報告第五組.pptx
@@ -5,22 +5,23 @@
     <p:sldMasterId id="2147483648" r:id="rId1"/>
   </p:sldMasterIdLst>
   <p:notesMasterIdLst>
-    <p:notesMasterId r:id="rId15"/>
+    <p:notesMasterId r:id="rId16"/>
   </p:notesMasterIdLst>
   <p:sldIdLst>
     <p:sldId id="256" r:id="rId2"/>
-    <p:sldId id="266" r:id="rId3"/>
-    <p:sldId id="258" r:id="rId4"/>
-    <p:sldId id="268" r:id="rId5"/>
-    <p:sldId id="259" r:id="rId6"/>
-    <p:sldId id="261" r:id="rId7"/>
-    <p:sldId id="270" r:id="rId8"/>
-    <p:sldId id="265" r:id="rId9"/>
-    <p:sldId id="271" r:id="rId10"/>
-    <p:sldId id="263" r:id="rId11"/>
-    <p:sldId id="272" r:id="rId12"/>
-    <p:sldId id="262" r:id="rId13"/>
-    <p:sldId id="264" r:id="rId14"/>
+    <p:sldId id="273" r:id="rId3"/>
+    <p:sldId id="266" r:id="rId4"/>
+    <p:sldId id="258" r:id="rId5"/>
+    <p:sldId id="268" r:id="rId6"/>
+    <p:sldId id="259" r:id="rId7"/>
+    <p:sldId id="261" r:id="rId8"/>
+    <p:sldId id="270" r:id="rId9"/>
+    <p:sldId id="265" r:id="rId10"/>
+    <p:sldId id="271" r:id="rId11"/>
+    <p:sldId id="263" r:id="rId12"/>
+    <p:sldId id="272" r:id="rId13"/>
+    <p:sldId id="262" r:id="rId14"/>
+    <p:sldId id="264" r:id="rId15"/>
   </p:sldIdLst>
   <p:sldSz cx="12192000" cy="6858000"/>
   <p:notesSz cx="6858000" cy="9144000"/>
@@ -5998,6 +5999,422 @@
       </p:grpSpPr>
       <p:sp>
         <p:nvSpPr>
+          <p:cNvPr id="2" name="標題 1">
+            <a:extLst>
+              <a:ext uri="{FF2B5EF4-FFF2-40B4-BE49-F238E27FC236}">
+                <a16:creationId xmlns:a16="http://schemas.microsoft.com/office/drawing/2014/main" id="{7C682F12-A26B-4A8B-B825-20E4F49F4788}"/>
+              </a:ext>
+            </a:extLst>
+          </p:cNvPr>
+          <p:cNvSpPr>
+            <a:spLocks noGrp="1"/>
+          </p:cNvSpPr>
+          <p:nvPr>
+            <p:ph type="title"/>
+          </p:nvPr>
+        </p:nvSpPr>
+        <p:spPr/>
+        <p:txBody>
+          <a:bodyPr/>
+          <a:lstStyle/>
+          <a:p>
+            <a:endParaRPr lang="zh-TW" altLang="en-US"/>
+          </a:p>
+        </p:txBody>
+      </p:sp>
+      <p:sp>
+        <p:nvSpPr>
+          <p:cNvPr id="3" name="內容版面配置區 2">
+            <a:extLst>
+              <a:ext uri="{FF2B5EF4-FFF2-40B4-BE49-F238E27FC236}">
+                <a16:creationId xmlns:a16="http://schemas.microsoft.com/office/drawing/2014/main" id="{F3205601-1379-454D-8099-B1BD56FD947F}"/>
+              </a:ext>
+            </a:extLst>
+          </p:cNvPr>
+          <p:cNvSpPr>
+            <a:spLocks noGrp="1"/>
+          </p:cNvSpPr>
+          <p:nvPr>
+            <p:ph idx="1"/>
+          </p:nvPr>
+        </p:nvSpPr>
+        <p:spPr/>
+        <p:txBody>
+          <a:bodyPr/>
+          <a:lstStyle/>
+          <a:p>
+            <a:endParaRPr lang="zh-TW" altLang="en-US"/>
+          </a:p>
+        </p:txBody>
+      </p:sp>
+      <p:sp>
+        <p:nvSpPr>
+          <p:cNvPr id="4" name="矩形 3">
+            <a:extLst>
+              <a:ext uri="{FF2B5EF4-FFF2-40B4-BE49-F238E27FC236}">
+                <a16:creationId xmlns:a16="http://schemas.microsoft.com/office/drawing/2014/main" id="{F194E2B7-11F7-4004-84BA-EA643EED2BDD}"/>
+              </a:ext>
+            </a:extLst>
+          </p:cNvPr>
+          <p:cNvSpPr/>
+          <p:nvPr/>
+        </p:nvSpPr>
+        <p:spPr>
+          <a:xfrm>
+            <a:off x="0" y="0"/>
+            <a:ext cx="12192000" cy="6858000"/>
+          </a:xfrm>
+          <a:prstGeom prst="rect">
+            <a:avLst/>
+          </a:prstGeom>
+          <a:solidFill>
+            <a:schemeClr val="tx1">
+              <a:lumMod val="85000"/>
+              <a:lumOff val="15000"/>
+            </a:schemeClr>
+          </a:solidFill>
+          <a:ln>
+            <a:noFill/>
+          </a:ln>
+        </p:spPr>
+        <p:style>
+          <a:lnRef idx="2">
+            <a:schemeClr val="accent1">
+              <a:shade val="50000"/>
+            </a:schemeClr>
+          </a:lnRef>
+          <a:fillRef idx="1">
+            <a:schemeClr val="accent1"/>
+          </a:fillRef>
+          <a:effectRef idx="0">
+            <a:schemeClr val="accent1"/>
+          </a:effectRef>
+          <a:fontRef idx="minor">
+            <a:schemeClr val="lt1"/>
+          </a:fontRef>
+        </p:style>
+        <p:txBody>
+          <a:bodyPr rtlCol="0" anchor="ctr"/>
+          <a:lstStyle/>
+          <a:p>
+            <a:pPr algn="ctr"/>
+            <a:endParaRPr lang="zh-TW" altLang="en-US" dirty="0"/>
+          </a:p>
+        </p:txBody>
+      </p:sp>
+      <p:sp>
+        <p:nvSpPr>
+          <p:cNvPr id="5" name="矩形 4">
+            <a:extLst>
+              <a:ext uri="{FF2B5EF4-FFF2-40B4-BE49-F238E27FC236}">
+                <a16:creationId xmlns:a16="http://schemas.microsoft.com/office/drawing/2014/main" id="{FED41C80-97E6-423F-93F8-2439EA2B8951}"/>
+              </a:ext>
+            </a:extLst>
+          </p:cNvPr>
+          <p:cNvSpPr/>
+          <p:nvPr/>
+        </p:nvSpPr>
+        <p:spPr>
+          <a:xfrm>
+            <a:off x="0" y="0"/>
+            <a:ext cx="12192000" cy="369277"/>
+          </a:xfrm>
+          <a:prstGeom prst="rect">
+            <a:avLst/>
+          </a:prstGeom>
+          <a:solidFill>
+            <a:schemeClr val="bg1"/>
+          </a:solidFill>
+          <a:ln>
+            <a:noFill/>
+          </a:ln>
+        </p:spPr>
+        <p:style>
+          <a:lnRef idx="2">
+            <a:schemeClr val="accent1">
+              <a:shade val="50000"/>
+            </a:schemeClr>
+          </a:lnRef>
+          <a:fillRef idx="1">
+            <a:schemeClr val="accent1"/>
+          </a:fillRef>
+          <a:effectRef idx="0">
+            <a:schemeClr val="accent1"/>
+          </a:effectRef>
+          <a:fontRef idx="minor">
+            <a:schemeClr val="lt1"/>
+          </a:fontRef>
+        </p:style>
+        <p:txBody>
+          <a:bodyPr rtlCol="0" anchor="ctr"/>
+          <a:lstStyle/>
+          <a:p>
+            <a:pPr algn="ctr"/>
+            <a:endParaRPr lang="zh-TW" altLang="en-US"/>
+          </a:p>
+        </p:txBody>
+      </p:sp>
+      <p:sp>
+        <p:nvSpPr>
+          <p:cNvPr id="7" name="文字方塊 6">
+            <a:extLst>
+              <a:ext uri="{FF2B5EF4-FFF2-40B4-BE49-F238E27FC236}">
+                <a16:creationId xmlns:a16="http://schemas.microsoft.com/office/drawing/2014/main" id="{4FEA02E5-9C85-4FB6-B6CC-93C3AB69BD57}"/>
+              </a:ext>
+            </a:extLst>
+          </p:cNvPr>
+          <p:cNvSpPr txBox="1"/>
+          <p:nvPr/>
+        </p:nvSpPr>
+        <p:spPr>
+          <a:xfrm>
+            <a:off x="525718" y="46137"/>
+            <a:ext cx="4198585" cy="276999"/>
+          </a:xfrm>
+          <a:prstGeom prst="rect">
+            <a:avLst/>
+          </a:prstGeom>
+          <a:noFill/>
+        </p:spPr>
+        <p:txBody>
+          <a:bodyPr wrap="none" rtlCol="0">
+            <a:spAutoFit/>
+          </a:bodyPr>
+          <a:lstStyle/>
+          <a:p>
+            <a:r>
+              <a:rPr lang="en-US" altLang="zh-TW" sz="1200" b="1" dirty="0">
+                <a:solidFill>
+                  <a:schemeClr val="tx1">
+                    <a:lumMod val="85000"/>
+                    <a:lumOff val="15000"/>
+                  </a:schemeClr>
+                </a:solidFill>
+                <a:latin typeface="Consolas" panose="020B0609020204030204" pitchFamily="49" charset="0"/>
+              </a:rPr>
+              <a:t>C:\NTUST\WebpagesDevelopment\Team05\</a:t>
+            </a:r>
+            <a:r>
+              <a:rPr lang="zh-TW" altLang="en-US" sz="1200" b="1" dirty="0">
+                <a:solidFill>
+                  <a:schemeClr val="tx1">
+                    <a:lumMod val="85000"/>
+                    <a:lumOff val="15000"/>
+                  </a:schemeClr>
+                </a:solidFill>
+                <a:latin typeface="Microsoft JhengHei UI Light" panose="020B0304030504040204" pitchFamily="34" charset="-120"/>
+                <a:ea typeface="Microsoft JhengHei UI Light" panose="020B0304030504040204" pitchFamily="34" charset="-120"/>
+              </a:rPr>
+              <a:t>碼農天堂</a:t>
+            </a:r>
+            <a:r>
+              <a:rPr lang="en-US" altLang="zh-TW" sz="1200" b="1" dirty="0">
+                <a:solidFill>
+                  <a:schemeClr val="tx1">
+                    <a:lumMod val="85000"/>
+                    <a:lumOff val="15000"/>
+                  </a:schemeClr>
+                </a:solidFill>
+                <a:latin typeface="Consolas" panose="020B0609020204030204" pitchFamily="49" charset="0"/>
+              </a:rPr>
+              <a:t>.exe</a:t>
+            </a:r>
+            <a:endParaRPr lang="zh-TW" altLang="en-US" sz="1200" b="1" dirty="0">
+              <a:solidFill>
+                <a:schemeClr val="tx1">
+                  <a:lumMod val="85000"/>
+                  <a:lumOff val="15000"/>
+                </a:schemeClr>
+              </a:solidFill>
+              <a:latin typeface="Consolas" panose="020B0609020204030204" pitchFamily="49" charset="0"/>
+            </a:endParaRPr>
+          </a:p>
+        </p:txBody>
+      </p:sp>
+      <p:sp>
+        <p:nvSpPr>
+          <p:cNvPr id="8" name="文字方塊 7">
+            <a:extLst>
+              <a:ext uri="{FF2B5EF4-FFF2-40B4-BE49-F238E27FC236}">
+                <a16:creationId xmlns:a16="http://schemas.microsoft.com/office/drawing/2014/main" id="{AB184E4D-4597-480B-A1A5-DB5D6F45804F}"/>
+              </a:ext>
+            </a:extLst>
+          </p:cNvPr>
+          <p:cNvSpPr txBox="1"/>
+          <p:nvPr/>
+        </p:nvSpPr>
+        <p:spPr>
+          <a:xfrm>
+            <a:off x="123092" y="61527"/>
+            <a:ext cx="396262" cy="246221"/>
+          </a:xfrm>
+          <a:prstGeom prst="rect">
+            <a:avLst/>
+          </a:prstGeom>
+          <a:solidFill>
+            <a:schemeClr val="tx1">
+              <a:lumMod val="85000"/>
+              <a:lumOff val="15000"/>
+            </a:schemeClr>
+          </a:solidFill>
+          <a:ln w="28575">
+            <a:solidFill>
+              <a:schemeClr val="bg1">
+                <a:lumMod val="65000"/>
+              </a:schemeClr>
+            </a:solidFill>
+          </a:ln>
+        </p:spPr>
+        <p:txBody>
+          <a:bodyPr wrap="none" rtlCol="0">
+            <a:spAutoFit/>
+          </a:bodyPr>
+          <a:lstStyle/>
+          <a:p>
+            <a:r>
+              <a:rPr lang="en-US" altLang="zh-TW" sz="1000" dirty="0">
+                <a:solidFill>
+                  <a:schemeClr val="bg1"/>
+                </a:solidFill>
+                <a:latin typeface="Consolas" panose="020B0609020204030204" pitchFamily="49" charset="0"/>
+              </a:rPr>
+              <a:t>CPP</a:t>
+            </a:r>
+            <a:endParaRPr lang="zh-TW" altLang="en-US" sz="1000" dirty="0">
+              <a:solidFill>
+                <a:schemeClr val="bg1"/>
+              </a:solidFill>
+              <a:latin typeface="Consolas" panose="020B0609020204030204" pitchFamily="49" charset="0"/>
+            </a:endParaRPr>
+          </a:p>
+        </p:txBody>
+      </p:sp>
+      <p:sp>
+        <p:nvSpPr>
+          <p:cNvPr id="9" name="文字方塊 8">
+            <a:extLst>
+              <a:ext uri="{FF2B5EF4-FFF2-40B4-BE49-F238E27FC236}">
+                <a16:creationId xmlns:a16="http://schemas.microsoft.com/office/drawing/2014/main" id="{D329A510-E83B-4003-AC2A-AEF7EDA692D4}"/>
+              </a:ext>
+            </a:extLst>
+          </p:cNvPr>
+          <p:cNvSpPr txBox="1"/>
+          <p:nvPr/>
+        </p:nvSpPr>
+        <p:spPr>
+          <a:xfrm>
+            <a:off x="0" y="369273"/>
+            <a:ext cx="4259499" cy="954107"/>
+          </a:xfrm>
+          <a:prstGeom prst="rect">
+            <a:avLst/>
+          </a:prstGeom>
+          <a:noFill/>
+        </p:spPr>
+        <p:txBody>
+          <a:bodyPr wrap="none" rtlCol="0">
+            <a:spAutoFit/>
+          </a:bodyPr>
+          <a:lstStyle/>
+          <a:p>
+            <a:r>
+              <a:rPr lang="en-US" altLang="zh-TW" sz="1400" dirty="0">
+                <a:solidFill>
+                  <a:schemeClr val="bg1"/>
+                </a:solidFill>
+                <a:latin typeface="Consolas" panose="020B0609020204030204" pitchFamily="49" charset="0"/>
+              </a:rPr>
+              <a:t>Webpages Development</a:t>
+            </a:r>
+            <a:r>
+              <a:rPr lang="zh-TW" altLang="en-US" sz="1400" dirty="0">
+                <a:solidFill>
+                  <a:schemeClr val="bg1"/>
+                </a:solidFill>
+                <a:latin typeface="Consolas" panose="020B0609020204030204" pitchFamily="49" charset="0"/>
+              </a:rPr>
+              <a:t> </a:t>
+            </a:r>
+            <a:r>
+              <a:rPr lang="en-US" altLang="zh-TW" sz="1400" dirty="0">
+                <a:solidFill>
+                  <a:schemeClr val="bg1"/>
+                </a:solidFill>
+                <a:latin typeface="Consolas" panose="020B0609020204030204" pitchFamily="49" charset="0"/>
+              </a:rPr>
+              <a:t>[Version 2019.04.19]</a:t>
+            </a:r>
+          </a:p>
+          <a:p>
+            <a:r>
+              <a:rPr lang="en-US" altLang="zh-TW" sz="1400" dirty="0">
+                <a:solidFill>
+                  <a:schemeClr val="bg1"/>
+                </a:solidFill>
+                <a:latin typeface="Consolas" panose="020B0609020204030204" pitchFamily="49" charset="0"/>
+              </a:rPr>
+              <a:t>(c) 2019 NTUST</a:t>
+            </a:r>
+          </a:p>
+          <a:p>
+            <a:endParaRPr lang="en-US" altLang="zh-TW" sz="1400" dirty="0">
+              <a:solidFill>
+                <a:schemeClr val="bg1"/>
+              </a:solidFill>
+              <a:latin typeface="Consolas" panose="020B0609020204030204" pitchFamily="49" charset="0"/>
+            </a:endParaRPr>
+          </a:p>
+          <a:p>
+            <a:r>
+              <a:rPr lang="en-US" altLang="zh-TW" sz="1400" dirty="0">
+                <a:solidFill>
+                  <a:schemeClr val="bg1"/>
+                </a:solidFill>
+                <a:latin typeface="Consolas" panose="020B0609020204030204" pitchFamily="49" charset="0"/>
+              </a:rPr>
+              <a:t>C:\Users\student&gt;next</a:t>
+            </a:r>
+            <a:endParaRPr lang="zh-TW" altLang="en-US" sz="1400" dirty="0">
+              <a:solidFill>
+                <a:schemeClr val="bg1"/>
+              </a:solidFill>
+              <a:latin typeface="Consolas" panose="020B0609020204030204" pitchFamily="49" charset="0"/>
+            </a:endParaRPr>
+          </a:p>
+        </p:txBody>
+      </p:sp>
+    </p:spTree>
+    <p:extLst>
+      <p:ext uri="{BB962C8B-B14F-4D97-AF65-F5344CB8AC3E}">
+        <p14:creationId xmlns:p14="http://schemas.microsoft.com/office/powerpoint/2010/main" val="2635789812"/>
+      </p:ext>
+    </p:extLst>
+  </p:cSld>
+  <p:clrMapOvr>
+    <a:masterClrMapping/>
+  </p:clrMapOvr>
+</p:sld>
+</file>
+
+<file path=ppt/slides/slide11.xml><?xml version="1.0" encoding="utf-8"?>
+<p:sld xmlns:a="http://schemas.openxmlformats.org/drawingml/2006/main" xmlns:r="http://schemas.openxmlformats.org/officeDocument/2006/relationships" xmlns:p="http://schemas.openxmlformats.org/presentationml/2006/main">
+  <p:cSld>
+    <p:spTree>
+      <p:nvGrpSpPr>
+        <p:cNvPr id="1" name=""/>
+        <p:cNvGrpSpPr/>
+        <p:nvPr/>
+      </p:nvGrpSpPr>
+      <p:grpSpPr>
+        <a:xfrm>
+          <a:off x="0" y="0"/>
+          <a:ext cx="0" cy="0"/>
+          <a:chOff x="0" y="0"/>
+          <a:chExt cx="0" cy="0"/>
+        </a:xfrm>
+      </p:grpSpPr>
+      <p:sp>
+        <p:nvSpPr>
           <p:cNvPr id="22" name="矩形 3">
             <a:extLst>
               <a:ext uri="{FF2B5EF4-FFF2-40B4-BE49-F238E27FC236}">
@@ -7627,7 +8044,7 @@
 </p:sld>
 </file>
 
-<file path=ppt/slides/slide11.xml><?xml version="1.0" encoding="utf-8"?>
+<file path=ppt/slides/slide12.xml><?xml version="1.0" encoding="utf-8"?>
 <p:sld xmlns:a="http://schemas.openxmlformats.org/drawingml/2006/main" xmlns:r="http://schemas.openxmlformats.org/officeDocument/2006/relationships" xmlns:p="http://schemas.openxmlformats.org/presentationml/2006/main">
   <p:cSld>
     <p:spTree>
@@ -8043,7 +8460,7 @@
 </p:sld>
 </file>
 
-<file path=ppt/slides/slide12.xml><?xml version="1.0" encoding="utf-8"?>
+<file path=ppt/slides/slide13.xml><?xml version="1.0" encoding="utf-8"?>
 <p:sld xmlns:a="http://schemas.openxmlformats.org/drawingml/2006/main" xmlns:r="http://schemas.openxmlformats.org/officeDocument/2006/relationships" xmlns:p="http://schemas.openxmlformats.org/presentationml/2006/main">
   <p:cSld>
     <p:spTree>
@@ -9877,7 +10294,7 @@
 </p:sld>
 </file>
 
-<file path=ppt/slides/slide13.xml><?xml version="1.0" encoding="utf-8"?>
+<file path=ppt/slides/slide14.xml><?xml version="1.0" encoding="utf-8"?>
 <p:sld xmlns:a="http://schemas.openxmlformats.org/drawingml/2006/main" xmlns:r="http://schemas.openxmlformats.org/officeDocument/2006/relationships" xmlns:p="http://schemas.openxmlformats.org/presentationml/2006/main">
   <p:cSld>
     <p:spTree>
@@ -11015,63 +11432,7 @@
       </p:grpSpPr>
       <p:sp>
         <p:nvSpPr>
-          <p:cNvPr id="2" name="標題 1">
-            <a:extLst>
-              <a:ext uri="{FF2B5EF4-FFF2-40B4-BE49-F238E27FC236}">
-                <a16:creationId xmlns:a16="http://schemas.microsoft.com/office/drawing/2014/main" id="{7C682F12-A26B-4A8B-B825-20E4F49F4788}"/>
-              </a:ext>
-            </a:extLst>
-          </p:cNvPr>
-          <p:cNvSpPr>
-            <a:spLocks noGrp="1"/>
-          </p:cNvSpPr>
-          <p:nvPr>
-            <p:ph type="title"/>
-          </p:nvPr>
-        </p:nvSpPr>
-        <p:spPr/>
-        <p:txBody>
-          <a:bodyPr/>
-          <a:lstStyle/>
-          <a:p>
-            <a:endParaRPr lang="zh-TW" altLang="en-US"/>
-          </a:p>
-        </p:txBody>
-      </p:sp>
-      <p:sp>
-        <p:nvSpPr>
-          <p:cNvPr id="3" name="內容版面配置區 2">
-            <a:extLst>
-              <a:ext uri="{FF2B5EF4-FFF2-40B4-BE49-F238E27FC236}">
-                <a16:creationId xmlns:a16="http://schemas.microsoft.com/office/drawing/2014/main" id="{F3205601-1379-454D-8099-B1BD56FD947F}"/>
-              </a:ext>
-            </a:extLst>
-          </p:cNvPr>
-          <p:cNvSpPr>
-            <a:spLocks noGrp="1"/>
-          </p:cNvSpPr>
-          <p:nvPr>
-            <p:ph idx="1"/>
-          </p:nvPr>
-        </p:nvSpPr>
-        <p:spPr/>
-        <p:txBody>
-          <a:bodyPr/>
-          <a:lstStyle/>
-          <a:p>
-            <a:endParaRPr lang="zh-TW" altLang="en-US"/>
-          </a:p>
-        </p:txBody>
-      </p:sp>
-      <p:sp>
-        <p:nvSpPr>
-          <p:cNvPr id="4" name="矩形 3">
-            <a:extLst>
-              <a:ext uri="{FF2B5EF4-FFF2-40B4-BE49-F238E27FC236}">
-                <a16:creationId xmlns:a16="http://schemas.microsoft.com/office/drawing/2014/main" id="{F194E2B7-11F7-4004-84BA-EA643EED2BDD}"/>
-              </a:ext>
-            </a:extLst>
-          </p:cNvPr>
+          <p:cNvPr id="4" name="矩形 3"/>
           <p:cNvSpPr/>
           <p:nvPr/>
         </p:nvSpPr>
@@ -11120,13 +11481,7 @@
       </p:sp>
       <p:sp>
         <p:nvSpPr>
-          <p:cNvPr id="5" name="矩形 4">
-            <a:extLst>
-              <a:ext uri="{FF2B5EF4-FFF2-40B4-BE49-F238E27FC236}">
-                <a16:creationId xmlns:a16="http://schemas.microsoft.com/office/drawing/2014/main" id="{FED41C80-97E6-423F-93F8-2439EA2B8951}"/>
-              </a:ext>
-            </a:extLst>
-          </p:cNvPr>
+          <p:cNvPr id="5" name="矩形 4"/>
           <p:cNvSpPr/>
           <p:nvPr/>
         </p:nvSpPr>
@@ -11172,90 +11527,7 @@
       </p:sp>
       <p:sp>
         <p:nvSpPr>
-          <p:cNvPr id="7" name="文字方塊 6">
-            <a:extLst>
-              <a:ext uri="{FF2B5EF4-FFF2-40B4-BE49-F238E27FC236}">
-                <a16:creationId xmlns:a16="http://schemas.microsoft.com/office/drawing/2014/main" id="{4FEA02E5-9C85-4FB6-B6CC-93C3AB69BD57}"/>
-              </a:ext>
-            </a:extLst>
-          </p:cNvPr>
-          <p:cNvSpPr txBox="1"/>
-          <p:nvPr/>
-        </p:nvSpPr>
-        <p:spPr>
-          <a:xfrm>
-            <a:off x="525718" y="46137"/>
-            <a:ext cx="4198585" cy="276999"/>
-          </a:xfrm>
-          <a:prstGeom prst="rect">
-            <a:avLst/>
-          </a:prstGeom>
-          <a:noFill/>
-        </p:spPr>
-        <p:txBody>
-          <a:bodyPr wrap="none" rtlCol="0">
-            <a:spAutoFit/>
-          </a:bodyPr>
-          <a:lstStyle/>
-          <a:p>
-            <a:r>
-              <a:rPr lang="en-US" altLang="zh-TW" sz="1200" b="1" dirty="0">
-                <a:solidFill>
-                  <a:schemeClr val="tx1">
-                    <a:lumMod val="85000"/>
-                    <a:lumOff val="15000"/>
-                  </a:schemeClr>
-                </a:solidFill>
-                <a:latin typeface="Consolas" panose="020B0609020204030204" pitchFamily="49" charset="0"/>
-              </a:rPr>
-              <a:t>C:\NTUST\WebpagesDevelopment\Team05\</a:t>
-            </a:r>
-            <a:r>
-              <a:rPr lang="zh-TW" altLang="en-US" sz="1200" b="1" dirty="0">
-                <a:solidFill>
-                  <a:schemeClr val="tx1">
-                    <a:lumMod val="85000"/>
-                    <a:lumOff val="15000"/>
-                  </a:schemeClr>
-                </a:solidFill>
-                <a:latin typeface="Microsoft JhengHei UI Light" panose="020B0304030504040204" pitchFamily="34" charset="-120"/>
-                <a:ea typeface="Microsoft JhengHei UI Light" panose="020B0304030504040204" pitchFamily="34" charset="-120"/>
-              </a:rPr>
-              <a:t>碼農天堂</a:t>
-            </a:r>
-            <a:r>
-              <a:rPr lang="en-US" altLang="zh-TW" sz="1200" b="1" dirty="0">
-                <a:solidFill>
-                  <a:schemeClr val="tx1">
-                    <a:lumMod val="85000"/>
-                    <a:lumOff val="15000"/>
-                  </a:schemeClr>
-                </a:solidFill>
-                <a:latin typeface="Consolas" panose="020B0609020204030204" pitchFamily="49" charset="0"/>
-              </a:rPr>
-              <a:t>.exe</a:t>
-            </a:r>
-            <a:endParaRPr lang="zh-TW" altLang="en-US" sz="1200" b="1" dirty="0">
-              <a:solidFill>
-                <a:schemeClr val="tx1">
-                  <a:lumMod val="85000"/>
-                  <a:lumOff val="15000"/>
-                </a:schemeClr>
-              </a:solidFill>
-              <a:latin typeface="Consolas" panose="020B0609020204030204" pitchFamily="49" charset="0"/>
-            </a:endParaRPr>
-          </a:p>
-        </p:txBody>
-      </p:sp>
-      <p:sp>
-        <p:nvSpPr>
-          <p:cNvPr id="8" name="文字方塊 7">
-            <a:extLst>
-              <a:ext uri="{FF2B5EF4-FFF2-40B4-BE49-F238E27FC236}">
-                <a16:creationId xmlns:a16="http://schemas.microsoft.com/office/drawing/2014/main" id="{AB184E4D-4597-480B-A1A5-DB5D6F45804F}"/>
-              </a:ext>
-            </a:extLst>
-          </p:cNvPr>
+          <p:cNvPr id="6" name="文字方塊 5"/>
           <p:cNvSpPr txBox="1"/>
           <p:nvPr/>
         </p:nvSpPr>
@@ -11307,6 +11579,1328 @@
       </p:sp>
       <p:sp>
         <p:nvSpPr>
+          <p:cNvPr id="7" name="文字方塊 6"/>
+          <p:cNvSpPr txBox="1"/>
+          <p:nvPr/>
+        </p:nvSpPr>
+        <p:spPr>
+          <a:xfrm>
+            <a:off x="525718" y="46137"/>
+            <a:ext cx="4198585" cy="276999"/>
+          </a:xfrm>
+          <a:prstGeom prst="rect">
+            <a:avLst/>
+          </a:prstGeom>
+          <a:noFill/>
+        </p:spPr>
+        <p:txBody>
+          <a:bodyPr wrap="none" rtlCol="0">
+            <a:spAutoFit/>
+          </a:bodyPr>
+          <a:lstStyle/>
+          <a:p>
+            <a:r>
+              <a:rPr lang="en-US" altLang="zh-TW" sz="1200" b="1" dirty="0">
+                <a:solidFill>
+                  <a:schemeClr val="tx1">
+                    <a:lumMod val="85000"/>
+                    <a:lumOff val="15000"/>
+                  </a:schemeClr>
+                </a:solidFill>
+                <a:latin typeface="Consolas" panose="020B0609020204030204" pitchFamily="49" charset="0"/>
+              </a:rPr>
+              <a:t>C:\NTUST\WebpagesDevelopment\Team05\</a:t>
+            </a:r>
+            <a:r>
+              <a:rPr lang="zh-TW" altLang="en-US" sz="1200" b="1" dirty="0">
+                <a:solidFill>
+                  <a:schemeClr val="tx1">
+                    <a:lumMod val="85000"/>
+                    <a:lumOff val="15000"/>
+                  </a:schemeClr>
+                </a:solidFill>
+                <a:latin typeface="Microsoft JhengHei UI Light" panose="020B0304030504040204" pitchFamily="34" charset="-120"/>
+                <a:ea typeface="Microsoft JhengHei UI Light" panose="020B0304030504040204" pitchFamily="34" charset="-120"/>
+              </a:rPr>
+              <a:t>碼農天堂</a:t>
+            </a:r>
+            <a:r>
+              <a:rPr lang="en-US" altLang="zh-TW" sz="1200" b="1" dirty="0">
+                <a:solidFill>
+                  <a:schemeClr val="tx1">
+                    <a:lumMod val="85000"/>
+                    <a:lumOff val="15000"/>
+                  </a:schemeClr>
+                </a:solidFill>
+                <a:latin typeface="Consolas" panose="020B0609020204030204" pitchFamily="49" charset="0"/>
+              </a:rPr>
+              <a:t>.exe</a:t>
+            </a:r>
+            <a:endParaRPr lang="zh-TW" altLang="en-US" sz="1200" b="1" dirty="0">
+              <a:solidFill>
+                <a:schemeClr val="tx1">
+                  <a:lumMod val="85000"/>
+                  <a:lumOff val="15000"/>
+                </a:schemeClr>
+              </a:solidFill>
+              <a:latin typeface="Consolas" panose="020B0609020204030204" pitchFamily="49" charset="0"/>
+            </a:endParaRPr>
+          </a:p>
+        </p:txBody>
+      </p:sp>
+      <p:sp>
+        <p:nvSpPr>
+          <p:cNvPr id="8" name="文字方塊 7"/>
+          <p:cNvSpPr txBox="1"/>
+          <p:nvPr/>
+        </p:nvSpPr>
+        <p:spPr>
+          <a:xfrm>
+            <a:off x="10598497" y="15389"/>
+            <a:ext cx="415498" cy="369332"/>
+          </a:xfrm>
+          <a:prstGeom prst="rect">
+            <a:avLst/>
+          </a:prstGeom>
+          <a:noFill/>
+        </p:spPr>
+        <p:txBody>
+          <a:bodyPr wrap="none" rtlCol="0">
+            <a:spAutoFit/>
+          </a:bodyPr>
+          <a:lstStyle/>
+          <a:p>
+            <a:r>
+              <a:rPr lang="zh-TW" altLang="en-US" b="1" dirty="0">
+                <a:solidFill>
+                  <a:schemeClr val="tx1">
+                    <a:lumMod val="85000"/>
+                    <a:lumOff val="15000"/>
+                  </a:schemeClr>
+                </a:solidFill>
+                <a:latin typeface="Consolas" panose="020B0609020204030204" pitchFamily="49" charset="0"/>
+              </a:rPr>
+              <a:t>☺</a:t>
+            </a:r>
+          </a:p>
+        </p:txBody>
+      </p:sp>
+      <p:sp>
+        <p:nvSpPr>
+          <p:cNvPr id="9" name="文字方塊 8"/>
+          <p:cNvSpPr txBox="1"/>
+          <p:nvPr/>
+        </p:nvSpPr>
+        <p:spPr>
+          <a:xfrm>
+            <a:off x="11151953" y="15389"/>
+            <a:ext cx="415498" cy="369332"/>
+          </a:xfrm>
+          <a:prstGeom prst="rect">
+            <a:avLst/>
+          </a:prstGeom>
+          <a:noFill/>
+        </p:spPr>
+        <p:txBody>
+          <a:bodyPr wrap="none" rtlCol="0">
+            <a:spAutoFit/>
+          </a:bodyPr>
+          <a:lstStyle/>
+          <a:p>
+            <a:r>
+              <a:rPr lang="zh-TW" altLang="en-US" b="1" dirty="0">
+                <a:solidFill>
+                  <a:schemeClr val="tx1">
+                    <a:lumMod val="85000"/>
+                    <a:lumOff val="15000"/>
+                  </a:schemeClr>
+                </a:solidFill>
+                <a:latin typeface="Consolas" panose="020B0609020204030204" pitchFamily="49" charset="0"/>
+              </a:rPr>
+              <a:t>☹</a:t>
+            </a:r>
+          </a:p>
+        </p:txBody>
+      </p:sp>
+      <p:sp>
+        <p:nvSpPr>
+          <p:cNvPr id="10" name="文字方塊 9"/>
+          <p:cNvSpPr txBox="1"/>
+          <p:nvPr/>
+        </p:nvSpPr>
+        <p:spPr>
+          <a:xfrm>
+            <a:off x="11705409" y="0"/>
+            <a:ext cx="441146" cy="400110"/>
+          </a:xfrm>
+          <a:prstGeom prst="rect">
+            <a:avLst/>
+          </a:prstGeom>
+          <a:noFill/>
+        </p:spPr>
+        <p:txBody>
+          <a:bodyPr wrap="none" rtlCol="0">
+            <a:spAutoFit/>
+          </a:bodyPr>
+          <a:lstStyle/>
+          <a:p>
+            <a:r>
+              <a:rPr lang="zh-TW" altLang="en-US" sz="2000" dirty="0"/>
+              <a:t>☻</a:t>
+            </a:r>
+          </a:p>
+        </p:txBody>
+      </p:sp>
+      <p:sp>
+        <p:nvSpPr>
+          <p:cNvPr id="11" name="文字方塊 10"/>
+          <p:cNvSpPr txBox="1"/>
+          <p:nvPr/>
+        </p:nvSpPr>
+        <p:spPr>
+          <a:xfrm>
+            <a:off x="0" y="369273"/>
+            <a:ext cx="4259499" cy="954107"/>
+          </a:xfrm>
+          <a:prstGeom prst="rect">
+            <a:avLst/>
+          </a:prstGeom>
+          <a:noFill/>
+        </p:spPr>
+        <p:txBody>
+          <a:bodyPr wrap="none" rtlCol="0">
+            <a:spAutoFit/>
+          </a:bodyPr>
+          <a:lstStyle/>
+          <a:p>
+            <a:r>
+              <a:rPr lang="en-US" altLang="zh-TW" sz="1400" dirty="0">
+                <a:solidFill>
+                  <a:schemeClr val="bg1"/>
+                </a:solidFill>
+                <a:latin typeface="Consolas" panose="020B0609020204030204" pitchFamily="49" charset="0"/>
+              </a:rPr>
+              <a:t>Webpages Development</a:t>
+            </a:r>
+            <a:r>
+              <a:rPr lang="zh-TW" altLang="en-US" sz="1400" dirty="0">
+                <a:solidFill>
+                  <a:schemeClr val="bg1"/>
+                </a:solidFill>
+                <a:latin typeface="Consolas" panose="020B0609020204030204" pitchFamily="49" charset="0"/>
+              </a:rPr>
+              <a:t> </a:t>
+            </a:r>
+            <a:r>
+              <a:rPr lang="en-US" altLang="zh-TW" sz="1400" dirty="0">
+                <a:solidFill>
+                  <a:schemeClr val="bg1"/>
+                </a:solidFill>
+                <a:latin typeface="Consolas" panose="020B0609020204030204" pitchFamily="49" charset="0"/>
+              </a:rPr>
+              <a:t>[Version 2019.04.19]</a:t>
+            </a:r>
+          </a:p>
+          <a:p>
+            <a:r>
+              <a:rPr lang="en-US" altLang="zh-TW" sz="1400" dirty="0">
+                <a:solidFill>
+                  <a:schemeClr val="bg1"/>
+                </a:solidFill>
+                <a:latin typeface="Consolas" panose="020B0609020204030204" pitchFamily="49" charset="0"/>
+              </a:rPr>
+              <a:t>(c) 2019 NTUST</a:t>
+            </a:r>
+          </a:p>
+          <a:p>
+            <a:endParaRPr lang="en-US" altLang="zh-TW" sz="1400" dirty="0">
+              <a:solidFill>
+                <a:schemeClr val="bg1"/>
+              </a:solidFill>
+              <a:latin typeface="Consolas" panose="020B0609020204030204" pitchFamily="49" charset="0"/>
+            </a:endParaRPr>
+          </a:p>
+          <a:p>
+            <a:r>
+              <a:rPr lang="en-US" altLang="zh-TW" sz="1400" dirty="0">
+                <a:solidFill>
+                  <a:schemeClr val="bg1"/>
+                </a:solidFill>
+                <a:latin typeface="Consolas" panose="020B0609020204030204" pitchFamily="49" charset="0"/>
+              </a:rPr>
+              <a:t>C:\Users\student&gt;</a:t>
+            </a:r>
+            <a:endParaRPr lang="zh-TW" altLang="en-US" sz="1400" dirty="0">
+              <a:solidFill>
+                <a:schemeClr val="bg1"/>
+              </a:solidFill>
+              <a:latin typeface="Consolas" panose="020B0609020204030204" pitchFamily="49" charset="0"/>
+            </a:endParaRPr>
+          </a:p>
+        </p:txBody>
+      </p:sp>
+      <p:sp>
+        <p:nvSpPr>
+          <p:cNvPr id="13" name="文字方塊 12"/>
+          <p:cNvSpPr txBox="1"/>
+          <p:nvPr/>
+        </p:nvSpPr>
+        <p:spPr>
+          <a:xfrm>
+            <a:off x="1699377" y="954048"/>
+            <a:ext cx="311304" cy="369332"/>
+          </a:xfrm>
+          <a:prstGeom prst="rect">
+            <a:avLst/>
+          </a:prstGeom>
+          <a:noFill/>
+        </p:spPr>
+        <p:txBody>
+          <a:bodyPr wrap="none" rtlCol="0">
+            <a:spAutoFit/>
+          </a:bodyPr>
+          <a:lstStyle/>
+          <a:p>
+            <a:r>
+              <a:rPr lang="en-US" altLang="zh-TW" b="1" dirty="0">
+                <a:solidFill>
+                  <a:schemeClr val="bg1"/>
+                </a:solidFill>
+                <a:latin typeface="Consolas" panose="020B0609020204030204" pitchFamily="49" charset="0"/>
+              </a:rPr>
+              <a:t>_</a:t>
+            </a:r>
+            <a:endParaRPr lang="zh-TW" altLang="en-US" b="1" dirty="0">
+              <a:solidFill>
+                <a:schemeClr val="bg1"/>
+              </a:solidFill>
+              <a:latin typeface="Consolas" panose="020B0609020204030204" pitchFamily="49" charset="0"/>
+            </a:endParaRPr>
+          </a:p>
+        </p:txBody>
+      </p:sp>
+      <p:sp>
+        <p:nvSpPr>
+          <p:cNvPr id="14" name="矩形 13"/>
+          <p:cNvSpPr/>
+          <p:nvPr/>
+        </p:nvSpPr>
+        <p:spPr>
+          <a:xfrm>
+            <a:off x="11925982" y="369273"/>
+            <a:ext cx="266018" cy="6488727"/>
+          </a:xfrm>
+          <a:prstGeom prst="rect">
+            <a:avLst/>
+          </a:prstGeom>
+          <a:solidFill>
+            <a:schemeClr val="bg1">
+              <a:lumMod val="95000"/>
+            </a:schemeClr>
+          </a:solidFill>
+          <a:ln>
+            <a:noFill/>
+          </a:ln>
+        </p:spPr>
+        <p:style>
+          <a:lnRef idx="2">
+            <a:schemeClr val="accent1">
+              <a:shade val="50000"/>
+            </a:schemeClr>
+          </a:lnRef>
+          <a:fillRef idx="1">
+            <a:schemeClr val="accent1"/>
+          </a:fillRef>
+          <a:effectRef idx="0">
+            <a:schemeClr val="accent1"/>
+          </a:effectRef>
+          <a:fontRef idx="minor">
+            <a:schemeClr val="lt1"/>
+          </a:fontRef>
+        </p:style>
+        <p:txBody>
+          <a:bodyPr rtlCol="0" anchor="ctr"/>
+          <a:lstStyle/>
+          <a:p>
+            <a:pPr algn="ctr"/>
+            <a:endParaRPr lang="zh-TW" altLang="en-US"/>
+          </a:p>
+        </p:txBody>
+      </p:sp>
+      <p:sp>
+        <p:nvSpPr>
+          <p:cNvPr id="16" name="矩形 15"/>
+          <p:cNvSpPr/>
+          <p:nvPr/>
+        </p:nvSpPr>
+        <p:spPr>
+          <a:xfrm>
+            <a:off x="11925982" y="369273"/>
+            <a:ext cx="266018" cy="261663"/>
+          </a:xfrm>
+          <a:prstGeom prst="rect">
+            <a:avLst/>
+          </a:prstGeom>
+          <a:solidFill>
+            <a:schemeClr val="bg1">
+              <a:lumMod val="95000"/>
+            </a:schemeClr>
+          </a:solidFill>
+          <a:ln>
+            <a:noFill/>
+          </a:ln>
+        </p:spPr>
+        <p:style>
+          <a:lnRef idx="2">
+            <a:schemeClr val="accent1">
+              <a:shade val="50000"/>
+            </a:schemeClr>
+          </a:lnRef>
+          <a:fillRef idx="1">
+            <a:schemeClr val="accent1"/>
+          </a:fillRef>
+          <a:effectRef idx="0">
+            <a:schemeClr val="accent1"/>
+          </a:effectRef>
+          <a:fontRef idx="minor">
+            <a:schemeClr val="lt1"/>
+          </a:fontRef>
+        </p:style>
+        <p:txBody>
+          <a:bodyPr rtlCol="0" anchor="ctr"/>
+          <a:lstStyle/>
+          <a:p>
+            <a:pPr algn="ctr"/>
+            <a:r>
+              <a:rPr lang="zh-TW" altLang="en-US" sz="1400" dirty="0">
+                <a:solidFill>
+                  <a:schemeClr val="tx1">
+                    <a:lumMod val="85000"/>
+                    <a:lumOff val="15000"/>
+                  </a:schemeClr>
+                </a:solidFill>
+              </a:rPr>
+              <a:t>▲</a:t>
+            </a:r>
+          </a:p>
+        </p:txBody>
+      </p:sp>
+      <p:sp>
+        <p:nvSpPr>
+          <p:cNvPr id="17" name="矩形 16"/>
+          <p:cNvSpPr/>
+          <p:nvPr/>
+        </p:nvSpPr>
+        <p:spPr>
+          <a:xfrm>
+            <a:off x="11925982" y="6578047"/>
+            <a:ext cx="266018" cy="261663"/>
+          </a:xfrm>
+          <a:prstGeom prst="rect">
+            <a:avLst/>
+          </a:prstGeom>
+          <a:solidFill>
+            <a:schemeClr val="bg1">
+              <a:lumMod val="95000"/>
+            </a:schemeClr>
+          </a:solidFill>
+          <a:ln>
+            <a:noFill/>
+          </a:ln>
+        </p:spPr>
+        <p:style>
+          <a:lnRef idx="2">
+            <a:schemeClr val="accent1">
+              <a:shade val="50000"/>
+            </a:schemeClr>
+          </a:lnRef>
+          <a:fillRef idx="1">
+            <a:schemeClr val="accent1"/>
+          </a:fillRef>
+          <a:effectRef idx="0">
+            <a:schemeClr val="accent1"/>
+          </a:effectRef>
+          <a:fontRef idx="minor">
+            <a:schemeClr val="lt1"/>
+          </a:fontRef>
+        </p:style>
+        <p:txBody>
+          <a:bodyPr rtlCol="0" anchor="ctr"/>
+          <a:lstStyle/>
+          <a:p>
+            <a:pPr algn="ctr"/>
+            <a:r>
+              <a:rPr lang="zh-TW" altLang="en-US" sz="1400" dirty="0">
+                <a:solidFill>
+                  <a:schemeClr val="tx1">
+                    <a:lumMod val="85000"/>
+                    <a:lumOff val="15000"/>
+                  </a:schemeClr>
+                </a:solidFill>
+              </a:rPr>
+              <a:t>▼</a:t>
+            </a:r>
+            <a:endParaRPr lang="zh-TW" altLang="en-US" sz="1100" dirty="0">
+              <a:solidFill>
+                <a:schemeClr val="tx1">
+                  <a:lumMod val="85000"/>
+                  <a:lumOff val="15000"/>
+                </a:schemeClr>
+              </a:solidFill>
+            </a:endParaRPr>
+          </a:p>
+        </p:txBody>
+      </p:sp>
+      <p:sp>
+        <p:nvSpPr>
+          <p:cNvPr id="18" name="矩形 17"/>
+          <p:cNvSpPr/>
+          <p:nvPr/>
+        </p:nvSpPr>
+        <p:spPr>
+          <a:xfrm>
+            <a:off x="11925982" y="630936"/>
+            <a:ext cx="266018" cy="507778"/>
+          </a:xfrm>
+          <a:prstGeom prst="rect">
+            <a:avLst/>
+          </a:prstGeom>
+          <a:solidFill>
+            <a:schemeClr val="bg1">
+              <a:lumMod val="75000"/>
+            </a:schemeClr>
+          </a:solidFill>
+          <a:ln>
+            <a:noFill/>
+          </a:ln>
+        </p:spPr>
+        <p:style>
+          <a:lnRef idx="2">
+            <a:schemeClr val="accent1">
+              <a:shade val="50000"/>
+            </a:schemeClr>
+          </a:lnRef>
+          <a:fillRef idx="1">
+            <a:schemeClr val="accent1"/>
+          </a:fillRef>
+          <a:effectRef idx="0">
+            <a:schemeClr val="accent1"/>
+          </a:effectRef>
+          <a:fontRef idx="minor">
+            <a:schemeClr val="lt1"/>
+          </a:fontRef>
+        </p:style>
+        <p:txBody>
+          <a:bodyPr rtlCol="0" anchor="ctr"/>
+          <a:lstStyle/>
+          <a:p>
+            <a:pPr algn="ctr"/>
+            <a:endParaRPr lang="zh-TW" altLang="en-US"/>
+          </a:p>
+        </p:txBody>
+      </p:sp>
+      <p:sp>
+        <p:nvSpPr>
+          <p:cNvPr id="19" name="文字方塊 18"/>
+          <p:cNvSpPr txBox="1"/>
+          <p:nvPr/>
+        </p:nvSpPr>
+        <p:spPr>
+          <a:xfrm>
+            <a:off x="1699377" y="1006459"/>
+            <a:ext cx="582211" cy="307777"/>
+          </a:xfrm>
+          <a:prstGeom prst="rect">
+            <a:avLst/>
+          </a:prstGeom>
+          <a:noFill/>
+        </p:spPr>
+        <p:txBody>
+          <a:bodyPr wrap="none" rtlCol="0">
+            <a:spAutoFit/>
+          </a:bodyPr>
+          <a:lstStyle/>
+          <a:p>
+            <a:r>
+              <a:rPr lang="en-US" altLang="zh-TW" sz="1400" dirty="0">
+                <a:solidFill>
+                  <a:schemeClr val="bg1"/>
+                </a:solidFill>
+                <a:latin typeface="Consolas" panose="020B0609020204030204" pitchFamily="49" charset="0"/>
+              </a:rPr>
+              <a:t>next</a:t>
+            </a:r>
+            <a:endParaRPr lang="zh-TW" altLang="en-US" sz="1400" b="1" dirty="0">
+              <a:solidFill>
+                <a:schemeClr val="bg1"/>
+              </a:solidFill>
+              <a:latin typeface="Microsoft JhengHei UI Light" panose="020B0304030504040204" pitchFamily="34" charset="-120"/>
+              <a:ea typeface="Microsoft JhengHei UI Light" panose="020B0304030504040204" pitchFamily="34" charset="-120"/>
+            </a:endParaRPr>
+          </a:p>
+        </p:txBody>
+      </p:sp>
+      <p:sp>
+        <p:nvSpPr>
+          <p:cNvPr id="20" name="文字方塊 19"/>
+          <p:cNvSpPr txBox="1"/>
+          <p:nvPr/>
+        </p:nvSpPr>
+        <p:spPr>
+          <a:xfrm>
+            <a:off x="2108645" y="936634"/>
+            <a:ext cx="311304" cy="369332"/>
+          </a:xfrm>
+          <a:prstGeom prst="rect">
+            <a:avLst/>
+          </a:prstGeom>
+          <a:noFill/>
+        </p:spPr>
+        <p:txBody>
+          <a:bodyPr wrap="none" rtlCol="0">
+            <a:spAutoFit/>
+          </a:bodyPr>
+          <a:lstStyle/>
+          <a:p>
+            <a:r>
+              <a:rPr lang="en-US" altLang="zh-TW" b="1" dirty="0">
+                <a:solidFill>
+                  <a:schemeClr val="bg1"/>
+                </a:solidFill>
+                <a:latin typeface="Consolas" panose="020B0609020204030204" pitchFamily="49" charset="0"/>
+              </a:rPr>
+              <a:t>_</a:t>
+            </a:r>
+            <a:endParaRPr lang="zh-TW" altLang="en-US" b="1" dirty="0">
+              <a:solidFill>
+                <a:schemeClr val="bg1"/>
+              </a:solidFill>
+              <a:latin typeface="Consolas" panose="020B0609020204030204" pitchFamily="49" charset="0"/>
+            </a:endParaRPr>
+          </a:p>
+        </p:txBody>
+      </p:sp>
+      <p:sp>
+        <p:nvSpPr>
+          <p:cNvPr id="21" name="文字方塊 20"/>
+          <p:cNvSpPr txBox="1"/>
+          <p:nvPr/>
+        </p:nvSpPr>
+        <p:spPr>
+          <a:xfrm>
+            <a:off x="0" y="1221872"/>
+            <a:ext cx="482824" cy="307777"/>
+          </a:xfrm>
+          <a:prstGeom prst="rect">
+            <a:avLst/>
+          </a:prstGeom>
+          <a:noFill/>
+        </p:spPr>
+        <p:txBody>
+          <a:bodyPr wrap="none" rtlCol="0">
+            <a:spAutoFit/>
+          </a:bodyPr>
+          <a:lstStyle/>
+          <a:p>
+            <a:r>
+              <a:rPr lang="en-US" altLang="zh-TW" sz="1400" dirty="0">
+                <a:solidFill>
+                  <a:schemeClr val="bg1"/>
+                </a:solidFill>
+                <a:latin typeface="Consolas" panose="020B0609020204030204" pitchFamily="49" charset="0"/>
+              </a:rPr>
+              <a:t>&gt;&gt;&gt;</a:t>
+            </a:r>
+            <a:endParaRPr lang="zh-TW" altLang="en-US" sz="1400" dirty="0">
+              <a:solidFill>
+                <a:schemeClr val="bg1"/>
+              </a:solidFill>
+              <a:latin typeface="Consolas" panose="020B0609020204030204" pitchFamily="49" charset="0"/>
+            </a:endParaRPr>
+          </a:p>
+        </p:txBody>
+      </p:sp>
+      <p:sp>
+        <p:nvSpPr>
+          <p:cNvPr id="22" name="文字方塊 21"/>
+          <p:cNvSpPr txBox="1"/>
+          <p:nvPr/>
+        </p:nvSpPr>
+        <p:spPr>
+          <a:xfrm>
+            <a:off x="123092" y="1692653"/>
+            <a:ext cx="184731" cy="830997"/>
+          </a:xfrm>
+          <a:prstGeom prst="rect">
+            <a:avLst/>
+          </a:prstGeom>
+          <a:noFill/>
+        </p:spPr>
+        <p:txBody>
+          <a:bodyPr wrap="none" rtlCol="0">
+            <a:spAutoFit/>
+          </a:bodyPr>
+          <a:lstStyle/>
+          <a:p>
+            <a:endParaRPr lang="zh-TW" altLang="en-US" sz="4800" b="1" dirty="0">
+              <a:solidFill>
+                <a:schemeClr val="bg1"/>
+              </a:solidFill>
+              <a:latin typeface="Microsoft JhengHei UI Light" panose="020B0304030504040204" pitchFamily="34" charset="-120"/>
+              <a:ea typeface="Microsoft JhengHei UI Light" panose="020B0304030504040204" pitchFamily="34" charset="-120"/>
+            </a:endParaRPr>
+          </a:p>
+        </p:txBody>
+      </p:sp>
+    </p:spTree>
+    <p:extLst>
+      <p:ext uri="{BB962C8B-B14F-4D97-AF65-F5344CB8AC3E}">
+        <p14:creationId xmlns:p14="http://schemas.microsoft.com/office/powerpoint/2010/main" val="1488085523"/>
+      </p:ext>
+    </p:extLst>
+  </p:cSld>
+  <p:clrMapOvr>
+    <a:masterClrMapping/>
+  </p:clrMapOvr>
+  <mc:AlternateContent xmlns:mc="http://schemas.openxmlformats.org/markup-compatibility/2006" xmlns:p14="http://schemas.microsoft.com/office/powerpoint/2010/main">
+    <mc:Choice Requires="p14">
+      <p:transition spd="med" p14:dur="700">
+        <p:fade/>
+      </p:transition>
+    </mc:Choice>
+    <mc:Fallback xmlns="">
+      <p:transition spd="med">
+        <p:fade/>
+      </p:transition>
+    </mc:Fallback>
+  </mc:AlternateContent>
+  <p:timing>
+    <p:tnLst>
+      <p:par>
+        <p:cTn id="1" dur="indefinite" restart="never" nodeType="tmRoot">
+          <p:childTnLst>
+            <p:seq concurrent="1" nextAc="seek">
+              <p:cTn id="2" dur="indefinite" nodeType="mainSeq">
+                <p:childTnLst>
+                  <p:par>
+                    <p:cTn id="3" fill="hold">
+                      <p:stCondLst>
+                        <p:cond delay="indefinite"/>
+                        <p:cond evt="onBegin" delay="0">
+                          <p:tn val="2"/>
+                        </p:cond>
+                      </p:stCondLst>
+                      <p:childTnLst>
+                        <p:par>
+                          <p:cTn id="4" fill="hold">
+                            <p:stCondLst>
+                              <p:cond delay="0"/>
+                            </p:stCondLst>
+                            <p:childTnLst>
+                              <p:par>
+                                <p:cTn id="5" presetID="10" presetClass="entr" presetSubtype="0" repeatCount="2000" fill="hold" grpId="0" nodeType="afterEffect">
+                                  <p:stCondLst>
+                                    <p:cond delay="0"/>
+                                  </p:stCondLst>
+                                  <p:childTnLst>
+                                    <p:set>
+                                      <p:cBhvr>
+                                        <p:cTn id="6" dur="1" fill="hold">
+                                          <p:stCondLst>
+                                            <p:cond delay="0"/>
+                                          </p:stCondLst>
+                                        </p:cTn>
+                                        <p:tgtEl>
+                                          <p:spTgt spid="13"/>
+                                        </p:tgtEl>
+                                        <p:attrNameLst>
+                                          <p:attrName>style.visibility</p:attrName>
+                                        </p:attrNameLst>
+                                      </p:cBhvr>
+                                      <p:to>
+                                        <p:strVal val="visible"/>
+                                      </p:to>
+                                    </p:set>
+                                    <p:animEffect transition="in" filter="fade">
+                                      <p:cBhvr>
+                                        <p:cTn id="7" dur="500"/>
+                                        <p:tgtEl>
+                                          <p:spTgt spid="13"/>
+                                        </p:tgtEl>
+                                      </p:cBhvr>
+                                    </p:animEffect>
+                                  </p:childTnLst>
+                                </p:cTn>
+                              </p:par>
+                            </p:childTnLst>
+                          </p:cTn>
+                        </p:par>
+                        <p:par>
+                          <p:cTn id="8" fill="hold">
+                            <p:stCondLst>
+                              <p:cond delay="1000"/>
+                            </p:stCondLst>
+                            <p:childTnLst>
+                              <p:par>
+                                <p:cTn id="9" presetID="22" presetClass="entr" presetSubtype="8" fill="hold" grpId="0" nodeType="afterEffect">
+                                  <p:stCondLst>
+                                    <p:cond delay="0"/>
+                                  </p:stCondLst>
+                                  <p:childTnLst>
+                                    <p:set>
+                                      <p:cBhvr>
+                                        <p:cTn id="10" dur="1" fill="hold">
+                                          <p:stCondLst>
+                                            <p:cond delay="0"/>
+                                          </p:stCondLst>
+                                        </p:cTn>
+                                        <p:tgtEl>
+                                          <p:spTgt spid="19"/>
+                                        </p:tgtEl>
+                                        <p:attrNameLst>
+                                          <p:attrName>style.visibility</p:attrName>
+                                        </p:attrNameLst>
+                                      </p:cBhvr>
+                                      <p:to>
+                                        <p:strVal val="visible"/>
+                                      </p:to>
+                                    </p:set>
+                                    <p:animEffect transition="in" filter="wipe(left)">
+                                      <p:cBhvr>
+                                        <p:cTn id="11" dur="500"/>
+                                        <p:tgtEl>
+                                          <p:spTgt spid="19"/>
+                                        </p:tgtEl>
+                                      </p:cBhvr>
+                                    </p:animEffect>
+                                  </p:childTnLst>
+                                </p:cTn>
+                              </p:par>
+                              <p:par>
+                                <p:cTn id="12" presetID="1" presetClass="exit" presetSubtype="0" fill="hold" grpId="1" nodeType="withEffect">
+                                  <p:stCondLst>
+                                    <p:cond delay="0"/>
+                                  </p:stCondLst>
+                                  <p:childTnLst>
+                                    <p:set>
+                                      <p:cBhvr>
+                                        <p:cTn id="13" dur="1" fill="hold">
+                                          <p:stCondLst>
+                                            <p:cond delay="0"/>
+                                          </p:stCondLst>
+                                        </p:cTn>
+                                        <p:tgtEl>
+                                          <p:spTgt spid="13"/>
+                                        </p:tgtEl>
+                                        <p:attrNameLst>
+                                          <p:attrName>style.visibility</p:attrName>
+                                        </p:attrNameLst>
+                                      </p:cBhvr>
+                                      <p:to>
+                                        <p:strVal val="hidden"/>
+                                      </p:to>
+                                    </p:set>
+                                  </p:childTnLst>
+                                </p:cTn>
+                              </p:par>
+                            </p:childTnLst>
+                          </p:cTn>
+                        </p:par>
+                        <p:par>
+                          <p:cTn id="14" fill="hold">
+                            <p:stCondLst>
+                              <p:cond delay="1500"/>
+                            </p:stCondLst>
+                            <p:childTnLst>
+                              <p:par>
+                                <p:cTn id="15" presetID="10" presetClass="entr" presetSubtype="0" repeatCount="2000" fill="hold" grpId="0" nodeType="afterEffect">
+                                  <p:stCondLst>
+                                    <p:cond delay="0"/>
+                                  </p:stCondLst>
+                                  <p:childTnLst>
+                                    <p:set>
+                                      <p:cBhvr>
+                                        <p:cTn id="16" dur="1" fill="hold">
+                                          <p:stCondLst>
+                                            <p:cond delay="0"/>
+                                          </p:stCondLst>
+                                        </p:cTn>
+                                        <p:tgtEl>
+                                          <p:spTgt spid="20"/>
+                                        </p:tgtEl>
+                                        <p:attrNameLst>
+                                          <p:attrName>style.visibility</p:attrName>
+                                        </p:attrNameLst>
+                                      </p:cBhvr>
+                                      <p:to>
+                                        <p:strVal val="visible"/>
+                                      </p:to>
+                                    </p:set>
+                                    <p:animEffect transition="in" filter="fade">
+                                      <p:cBhvr>
+                                        <p:cTn id="17" dur="500"/>
+                                        <p:tgtEl>
+                                          <p:spTgt spid="20"/>
+                                        </p:tgtEl>
+                                      </p:cBhvr>
+                                    </p:animEffect>
+                                  </p:childTnLst>
+                                </p:cTn>
+                              </p:par>
+                            </p:childTnLst>
+                          </p:cTn>
+                        </p:par>
+                        <p:par>
+                          <p:cTn id="18" fill="hold">
+                            <p:stCondLst>
+                              <p:cond delay="2500"/>
+                            </p:stCondLst>
+                            <p:childTnLst>
+                              <p:par>
+                                <p:cTn id="19" presetID="1" presetClass="exit" presetSubtype="0" fill="hold" grpId="1" nodeType="afterEffect">
+                                  <p:stCondLst>
+                                    <p:cond delay="0"/>
+                                  </p:stCondLst>
+                                  <p:childTnLst>
+                                    <p:set>
+                                      <p:cBhvr>
+                                        <p:cTn id="20" dur="1" fill="hold">
+                                          <p:stCondLst>
+                                            <p:cond delay="0"/>
+                                          </p:stCondLst>
+                                        </p:cTn>
+                                        <p:tgtEl>
+                                          <p:spTgt spid="20"/>
+                                        </p:tgtEl>
+                                        <p:attrNameLst>
+                                          <p:attrName>style.visibility</p:attrName>
+                                        </p:attrNameLst>
+                                      </p:cBhvr>
+                                      <p:to>
+                                        <p:strVal val="hidden"/>
+                                      </p:to>
+                                    </p:set>
+                                  </p:childTnLst>
+                                </p:cTn>
+                              </p:par>
+                              <p:par>
+                                <p:cTn id="21" presetID="1" presetClass="entr" presetSubtype="0" fill="hold" grpId="0" nodeType="withEffect">
+                                  <p:stCondLst>
+                                    <p:cond delay="800"/>
+                                  </p:stCondLst>
+                                  <p:childTnLst>
+                                    <p:set>
+                                      <p:cBhvr>
+                                        <p:cTn id="22" dur="1" fill="hold">
+                                          <p:stCondLst>
+                                            <p:cond delay="0"/>
+                                          </p:stCondLst>
+                                        </p:cTn>
+                                        <p:tgtEl>
+                                          <p:spTgt spid="21"/>
+                                        </p:tgtEl>
+                                        <p:attrNameLst>
+                                          <p:attrName>style.visibility</p:attrName>
+                                        </p:attrNameLst>
+                                      </p:cBhvr>
+                                      <p:to>
+                                        <p:strVal val="visible"/>
+                                      </p:to>
+                                    </p:set>
+                                  </p:childTnLst>
+                                </p:cTn>
+                              </p:par>
+                              <p:par>
+                                <p:cTn id="23" presetID="22" presetClass="entr" presetSubtype="8" fill="hold" grpId="0" nodeType="withEffect" nodePh="1">
+                                  <p:stCondLst>
+                                    <p:cond delay="1500"/>
+                                  </p:stCondLst>
+                                  <p:endCondLst>
+                                    <p:cond evt="begin" delay="0">
+                                      <p:tn val="23"/>
+                                    </p:cond>
+                                  </p:endCondLst>
+                                  <p:childTnLst>
+                                    <p:set>
+                                      <p:cBhvr>
+                                        <p:cTn id="24" dur="1" fill="hold">
+                                          <p:stCondLst>
+                                            <p:cond delay="0"/>
+                                          </p:stCondLst>
+                                        </p:cTn>
+                                        <p:tgtEl>
+                                          <p:spTgt spid="22"/>
+                                        </p:tgtEl>
+                                        <p:attrNameLst>
+                                          <p:attrName>style.visibility</p:attrName>
+                                        </p:attrNameLst>
+                                      </p:cBhvr>
+                                      <p:to>
+                                        <p:strVal val="visible"/>
+                                      </p:to>
+                                    </p:set>
+                                    <p:animEffect transition="in" filter="wipe(left)">
+                                      <p:cBhvr>
+                                        <p:cTn id="25" dur="500"/>
+                                        <p:tgtEl>
+                                          <p:spTgt spid="22"/>
+                                        </p:tgtEl>
+                                      </p:cBhvr>
+                                    </p:animEffect>
+                                  </p:childTnLst>
+                                </p:cTn>
+                              </p:par>
+                            </p:childTnLst>
+                          </p:cTn>
+                        </p:par>
+                      </p:childTnLst>
+                    </p:cTn>
+                  </p:par>
+                </p:childTnLst>
+              </p:cTn>
+              <p:prevCondLst>
+                <p:cond evt="onPrev" delay="0">
+                  <p:tgtEl>
+                    <p:sldTgt/>
+                  </p:tgtEl>
+                </p:cond>
+              </p:prevCondLst>
+              <p:nextCondLst>
+                <p:cond evt="onNext" delay="0">
+                  <p:tgtEl>
+                    <p:sldTgt/>
+                  </p:tgtEl>
+                </p:cond>
+              </p:nextCondLst>
+            </p:seq>
+          </p:childTnLst>
+        </p:cTn>
+      </p:par>
+    </p:tnLst>
+    <p:bldLst>
+      <p:bldP spid="13" grpId="0"/>
+      <p:bldP spid="13" grpId="1"/>
+      <p:bldP spid="19" grpId="0"/>
+      <p:bldP spid="20" grpId="0"/>
+      <p:bldP spid="20" grpId="1"/>
+      <p:bldP spid="21" grpId="0"/>
+      <p:bldP spid="22" grpId="0"/>
+    </p:bldLst>
+  </p:timing>
+</p:sld>
+</file>
+
+<file path=ppt/slides/slide3.xml><?xml version="1.0" encoding="utf-8"?>
+<p:sld xmlns:a="http://schemas.openxmlformats.org/drawingml/2006/main" xmlns:r="http://schemas.openxmlformats.org/officeDocument/2006/relationships" xmlns:p="http://schemas.openxmlformats.org/presentationml/2006/main">
+  <p:cSld>
+    <p:spTree>
+      <p:nvGrpSpPr>
+        <p:cNvPr id="1" name=""/>
+        <p:cNvGrpSpPr/>
+        <p:nvPr/>
+      </p:nvGrpSpPr>
+      <p:grpSpPr>
+        <a:xfrm>
+          <a:off x="0" y="0"/>
+          <a:ext cx="0" cy="0"/>
+          <a:chOff x="0" y="0"/>
+          <a:chExt cx="0" cy="0"/>
+        </a:xfrm>
+      </p:grpSpPr>
+      <p:sp>
+        <p:nvSpPr>
+          <p:cNvPr id="2" name="標題 1">
+            <a:extLst>
+              <a:ext uri="{FF2B5EF4-FFF2-40B4-BE49-F238E27FC236}">
+                <a16:creationId xmlns:a16="http://schemas.microsoft.com/office/drawing/2014/main" id="{7C682F12-A26B-4A8B-B825-20E4F49F4788}"/>
+              </a:ext>
+            </a:extLst>
+          </p:cNvPr>
+          <p:cNvSpPr>
+            <a:spLocks noGrp="1"/>
+          </p:cNvSpPr>
+          <p:nvPr>
+            <p:ph type="title"/>
+          </p:nvPr>
+        </p:nvSpPr>
+        <p:spPr/>
+        <p:txBody>
+          <a:bodyPr/>
+          <a:lstStyle/>
+          <a:p>
+            <a:endParaRPr lang="zh-TW" altLang="en-US"/>
+          </a:p>
+        </p:txBody>
+      </p:sp>
+      <p:sp>
+        <p:nvSpPr>
+          <p:cNvPr id="3" name="內容版面配置區 2">
+            <a:extLst>
+              <a:ext uri="{FF2B5EF4-FFF2-40B4-BE49-F238E27FC236}">
+                <a16:creationId xmlns:a16="http://schemas.microsoft.com/office/drawing/2014/main" id="{F3205601-1379-454D-8099-B1BD56FD947F}"/>
+              </a:ext>
+            </a:extLst>
+          </p:cNvPr>
+          <p:cNvSpPr>
+            <a:spLocks noGrp="1"/>
+          </p:cNvSpPr>
+          <p:nvPr>
+            <p:ph idx="1"/>
+          </p:nvPr>
+        </p:nvSpPr>
+        <p:spPr/>
+        <p:txBody>
+          <a:bodyPr/>
+          <a:lstStyle/>
+          <a:p>
+            <a:endParaRPr lang="zh-TW" altLang="en-US"/>
+          </a:p>
+        </p:txBody>
+      </p:sp>
+      <p:sp>
+        <p:nvSpPr>
+          <p:cNvPr id="4" name="矩形 3">
+            <a:extLst>
+              <a:ext uri="{FF2B5EF4-FFF2-40B4-BE49-F238E27FC236}">
+                <a16:creationId xmlns:a16="http://schemas.microsoft.com/office/drawing/2014/main" id="{F194E2B7-11F7-4004-84BA-EA643EED2BDD}"/>
+              </a:ext>
+            </a:extLst>
+          </p:cNvPr>
+          <p:cNvSpPr/>
+          <p:nvPr/>
+        </p:nvSpPr>
+        <p:spPr>
+          <a:xfrm>
+            <a:off x="0" y="0"/>
+            <a:ext cx="12192000" cy="6858000"/>
+          </a:xfrm>
+          <a:prstGeom prst="rect">
+            <a:avLst/>
+          </a:prstGeom>
+          <a:solidFill>
+            <a:schemeClr val="tx1">
+              <a:lumMod val="85000"/>
+              <a:lumOff val="15000"/>
+            </a:schemeClr>
+          </a:solidFill>
+          <a:ln>
+            <a:noFill/>
+          </a:ln>
+        </p:spPr>
+        <p:style>
+          <a:lnRef idx="2">
+            <a:schemeClr val="accent1">
+              <a:shade val="50000"/>
+            </a:schemeClr>
+          </a:lnRef>
+          <a:fillRef idx="1">
+            <a:schemeClr val="accent1"/>
+          </a:fillRef>
+          <a:effectRef idx="0">
+            <a:schemeClr val="accent1"/>
+          </a:effectRef>
+          <a:fontRef idx="minor">
+            <a:schemeClr val="lt1"/>
+          </a:fontRef>
+        </p:style>
+        <p:txBody>
+          <a:bodyPr rtlCol="0" anchor="ctr"/>
+          <a:lstStyle/>
+          <a:p>
+            <a:pPr algn="ctr"/>
+            <a:endParaRPr lang="zh-TW" altLang="en-US" dirty="0"/>
+          </a:p>
+        </p:txBody>
+      </p:sp>
+      <p:sp>
+        <p:nvSpPr>
+          <p:cNvPr id="5" name="矩形 4">
+            <a:extLst>
+              <a:ext uri="{FF2B5EF4-FFF2-40B4-BE49-F238E27FC236}">
+                <a16:creationId xmlns:a16="http://schemas.microsoft.com/office/drawing/2014/main" id="{FED41C80-97E6-423F-93F8-2439EA2B8951}"/>
+              </a:ext>
+            </a:extLst>
+          </p:cNvPr>
+          <p:cNvSpPr/>
+          <p:nvPr/>
+        </p:nvSpPr>
+        <p:spPr>
+          <a:xfrm>
+            <a:off x="0" y="0"/>
+            <a:ext cx="12192000" cy="369277"/>
+          </a:xfrm>
+          <a:prstGeom prst="rect">
+            <a:avLst/>
+          </a:prstGeom>
+          <a:solidFill>
+            <a:schemeClr val="bg1"/>
+          </a:solidFill>
+          <a:ln>
+            <a:noFill/>
+          </a:ln>
+        </p:spPr>
+        <p:style>
+          <a:lnRef idx="2">
+            <a:schemeClr val="accent1">
+              <a:shade val="50000"/>
+            </a:schemeClr>
+          </a:lnRef>
+          <a:fillRef idx="1">
+            <a:schemeClr val="accent1"/>
+          </a:fillRef>
+          <a:effectRef idx="0">
+            <a:schemeClr val="accent1"/>
+          </a:effectRef>
+          <a:fontRef idx="minor">
+            <a:schemeClr val="lt1"/>
+          </a:fontRef>
+        </p:style>
+        <p:txBody>
+          <a:bodyPr rtlCol="0" anchor="ctr"/>
+          <a:lstStyle/>
+          <a:p>
+            <a:pPr algn="ctr"/>
+            <a:endParaRPr lang="zh-TW" altLang="en-US"/>
+          </a:p>
+        </p:txBody>
+      </p:sp>
+      <p:sp>
+        <p:nvSpPr>
+          <p:cNvPr id="7" name="文字方塊 6">
+            <a:extLst>
+              <a:ext uri="{FF2B5EF4-FFF2-40B4-BE49-F238E27FC236}">
+                <a16:creationId xmlns:a16="http://schemas.microsoft.com/office/drawing/2014/main" id="{4FEA02E5-9C85-4FB6-B6CC-93C3AB69BD57}"/>
+              </a:ext>
+            </a:extLst>
+          </p:cNvPr>
+          <p:cNvSpPr txBox="1"/>
+          <p:nvPr/>
+        </p:nvSpPr>
+        <p:spPr>
+          <a:xfrm>
+            <a:off x="525718" y="46137"/>
+            <a:ext cx="4198585" cy="276999"/>
+          </a:xfrm>
+          <a:prstGeom prst="rect">
+            <a:avLst/>
+          </a:prstGeom>
+          <a:noFill/>
+        </p:spPr>
+        <p:txBody>
+          <a:bodyPr wrap="none" rtlCol="0">
+            <a:spAutoFit/>
+          </a:bodyPr>
+          <a:lstStyle/>
+          <a:p>
+            <a:r>
+              <a:rPr lang="en-US" altLang="zh-TW" sz="1200" b="1" dirty="0">
+                <a:solidFill>
+                  <a:schemeClr val="tx1">
+                    <a:lumMod val="85000"/>
+                    <a:lumOff val="15000"/>
+                  </a:schemeClr>
+                </a:solidFill>
+                <a:latin typeface="Consolas" panose="020B0609020204030204" pitchFamily="49" charset="0"/>
+              </a:rPr>
+              <a:t>C:\NTUST\WebpagesDevelopment\Team05\</a:t>
+            </a:r>
+            <a:r>
+              <a:rPr lang="zh-TW" altLang="en-US" sz="1200" b="1" dirty="0">
+                <a:solidFill>
+                  <a:schemeClr val="tx1">
+                    <a:lumMod val="85000"/>
+                    <a:lumOff val="15000"/>
+                  </a:schemeClr>
+                </a:solidFill>
+                <a:latin typeface="Microsoft JhengHei UI Light" panose="020B0304030504040204" pitchFamily="34" charset="-120"/>
+                <a:ea typeface="Microsoft JhengHei UI Light" panose="020B0304030504040204" pitchFamily="34" charset="-120"/>
+              </a:rPr>
+              <a:t>碼農天堂</a:t>
+            </a:r>
+            <a:r>
+              <a:rPr lang="en-US" altLang="zh-TW" sz="1200" b="1" dirty="0">
+                <a:solidFill>
+                  <a:schemeClr val="tx1">
+                    <a:lumMod val="85000"/>
+                    <a:lumOff val="15000"/>
+                  </a:schemeClr>
+                </a:solidFill>
+                <a:latin typeface="Consolas" panose="020B0609020204030204" pitchFamily="49" charset="0"/>
+              </a:rPr>
+              <a:t>.exe</a:t>
+            </a:r>
+            <a:endParaRPr lang="zh-TW" altLang="en-US" sz="1200" b="1" dirty="0">
+              <a:solidFill>
+                <a:schemeClr val="tx1">
+                  <a:lumMod val="85000"/>
+                  <a:lumOff val="15000"/>
+                </a:schemeClr>
+              </a:solidFill>
+              <a:latin typeface="Consolas" panose="020B0609020204030204" pitchFamily="49" charset="0"/>
+            </a:endParaRPr>
+          </a:p>
+        </p:txBody>
+      </p:sp>
+      <p:sp>
+        <p:nvSpPr>
+          <p:cNvPr id="8" name="文字方塊 7">
+            <a:extLst>
+              <a:ext uri="{FF2B5EF4-FFF2-40B4-BE49-F238E27FC236}">
+                <a16:creationId xmlns:a16="http://schemas.microsoft.com/office/drawing/2014/main" id="{AB184E4D-4597-480B-A1A5-DB5D6F45804F}"/>
+              </a:ext>
+            </a:extLst>
+          </p:cNvPr>
+          <p:cNvSpPr txBox="1"/>
+          <p:nvPr/>
+        </p:nvSpPr>
+        <p:spPr>
+          <a:xfrm>
+            <a:off x="123092" y="61527"/>
+            <a:ext cx="396262" cy="246221"/>
+          </a:xfrm>
+          <a:prstGeom prst="rect">
+            <a:avLst/>
+          </a:prstGeom>
+          <a:solidFill>
+            <a:schemeClr val="tx1">
+              <a:lumMod val="85000"/>
+              <a:lumOff val="15000"/>
+            </a:schemeClr>
+          </a:solidFill>
+          <a:ln w="28575">
+            <a:solidFill>
+              <a:schemeClr val="bg1">
+                <a:lumMod val="65000"/>
+              </a:schemeClr>
+            </a:solidFill>
+          </a:ln>
+        </p:spPr>
+        <p:txBody>
+          <a:bodyPr wrap="none" rtlCol="0">
+            <a:spAutoFit/>
+          </a:bodyPr>
+          <a:lstStyle/>
+          <a:p>
+            <a:r>
+              <a:rPr lang="en-US" altLang="zh-TW" sz="1000" dirty="0">
+                <a:solidFill>
+                  <a:schemeClr val="bg1"/>
+                </a:solidFill>
+                <a:latin typeface="Consolas" panose="020B0609020204030204" pitchFamily="49" charset="0"/>
+              </a:rPr>
+              <a:t>CPP</a:t>
+            </a:r>
+            <a:endParaRPr lang="zh-TW" altLang="en-US" sz="1000" dirty="0">
+              <a:solidFill>
+                <a:schemeClr val="bg1"/>
+              </a:solidFill>
+              <a:latin typeface="Consolas" panose="020B0609020204030204" pitchFamily="49" charset="0"/>
+            </a:endParaRPr>
+          </a:p>
+        </p:txBody>
+      </p:sp>
+      <p:sp>
+        <p:nvSpPr>
           <p:cNvPr id="9" name="文字方塊 8">
             <a:extLst>
               <a:ext uri="{FF2B5EF4-FFF2-40B4-BE49-F238E27FC236}">
@@ -11412,7 +13006,7 @@
 </p:sld>
 </file>
 
-<file path=ppt/slides/slide3.xml><?xml version="1.0" encoding="utf-8"?>
+<file path=ppt/slides/slide4.xml><?xml version="1.0" encoding="utf-8"?>
 <p:sld xmlns:a="http://schemas.openxmlformats.org/drawingml/2006/main" xmlns:r="http://schemas.openxmlformats.org/officeDocument/2006/relationships" xmlns:p="http://schemas.openxmlformats.org/presentationml/2006/main">
   <p:cSld>
     <p:spTree>
@@ -12923,7 +14517,7 @@
 </p:sld>
 </file>
 
-<file path=ppt/slides/slide4.xml><?xml version="1.0" encoding="utf-8"?>
+<file path=ppt/slides/slide5.xml><?xml version="1.0" encoding="utf-8"?>
 <p:sld xmlns:a="http://schemas.openxmlformats.org/drawingml/2006/main" xmlns:r="http://schemas.openxmlformats.org/officeDocument/2006/relationships" xmlns:p="http://schemas.openxmlformats.org/presentationml/2006/main">
   <p:cSld>
     <p:spTree>
@@ -13339,7 +14933,7 @@
 </p:sld>
 </file>
 
-<file path=ppt/slides/slide5.xml><?xml version="1.0" encoding="utf-8"?>
+<file path=ppt/slides/slide6.xml><?xml version="1.0" encoding="utf-8"?>
 <p:sld xmlns:a="http://schemas.openxmlformats.org/drawingml/2006/main" xmlns:r="http://schemas.openxmlformats.org/officeDocument/2006/relationships" xmlns:p="http://schemas.openxmlformats.org/presentationml/2006/main">
   <p:cSld>
     <p:spTree>
@@ -14766,7 +16360,7 @@
 </p:sld>
 </file>
 
-<file path=ppt/slides/slide6.xml><?xml version="1.0" encoding="utf-8"?>
+<file path=ppt/slides/slide7.xml><?xml version="1.0" encoding="utf-8"?>
 <p:sld xmlns:a="http://schemas.openxmlformats.org/drawingml/2006/main" xmlns:r="http://schemas.openxmlformats.org/officeDocument/2006/relationships" xmlns:p="http://schemas.openxmlformats.org/presentationml/2006/main">
   <p:cSld>
     <p:spTree>
@@ -16214,7 +17808,7 @@
 </p:sld>
 </file>
 
-<file path=ppt/slides/slide7.xml><?xml version="1.0" encoding="utf-8"?>
+<file path=ppt/slides/slide8.xml><?xml version="1.0" encoding="utf-8"?>
 <p:sld xmlns:a="http://schemas.openxmlformats.org/drawingml/2006/main" xmlns:r="http://schemas.openxmlformats.org/officeDocument/2006/relationships" xmlns:p="http://schemas.openxmlformats.org/presentationml/2006/main">
   <p:cSld>
     <p:spTree>
@@ -16630,7 +18224,7 @@
 </p:sld>
 </file>
 
-<file path=ppt/slides/slide8.xml><?xml version="1.0" encoding="utf-8"?>
+<file path=ppt/slides/slide9.xml><?xml version="1.0" encoding="utf-8"?>
 <p:sld xmlns:a="http://schemas.openxmlformats.org/drawingml/2006/main" xmlns:r="http://schemas.openxmlformats.org/officeDocument/2006/relationships" xmlns:p="http://schemas.openxmlformats.org/presentationml/2006/main">
   <p:cSld>
     <p:spTree>
@@ -19305,422 +20899,6 @@
 </p:sld>
 </file>
 
-<file path=ppt/slides/slide9.xml><?xml version="1.0" encoding="utf-8"?>
-<p:sld xmlns:a="http://schemas.openxmlformats.org/drawingml/2006/main" xmlns:r="http://schemas.openxmlformats.org/officeDocument/2006/relationships" xmlns:p="http://schemas.openxmlformats.org/presentationml/2006/main">
-  <p:cSld>
-    <p:spTree>
-      <p:nvGrpSpPr>
-        <p:cNvPr id="1" name=""/>
-        <p:cNvGrpSpPr/>
-        <p:nvPr/>
-      </p:nvGrpSpPr>
-      <p:grpSpPr>
-        <a:xfrm>
-          <a:off x="0" y="0"/>
-          <a:ext cx="0" cy="0"/>
-          <a:chOff x="0" y="0"/>
-          <a:chExt cx="0" cy="0"/>
-        </a:xfrm>
-      </p:grpSpPr>
-      <p:sp>
-        <p:nvSpPr>
-          <p:cNvPr id="2" name="標題 1">
-            <a:extLst>
-              <a:ext uri="{FF2B5EF4-FFF2-40B4-BE49-F238E27FC236}">
-                <a16:creationId xmlns:a16="http://schemas.microsoft.com/office/drawing/2014/main" id="{7C682F12-A26B-4A8B-B825-20E4F49F4788}"/>
-              </a:ext>
-            </a:extLst>
-          </p:cNvPr>
-          <p:cNvSpPr>
-            <a:spLocks noGrp="1"/>
-          </p:cNvSpPr>
-          <p:nvPr>
-            <p:ph type="title"/>
-          </p:nvPr>
-        </p:nvSpPr>
-        <p:spPr/>
-        <p:txBody>
-          <a:bodyPr/>
-          <a:lstStyle/>
-          <a:p>
-            <a:endParaRPr lang="zh-TW" altLang="en-US"/>
-          </a:p>
-        </p:txBody>
-      </p:sp>
-      <p:sp>
-        <p:nvSpPr>
-          <p:cNvPr id="3" name="內容版面配置區 2">
-            <a:extLst>
-              <a:ext uri="{FF2B5EF4-FFF2-40B4-BE49-F238E27FC236}">
-                <a16:creationId xmlns:a16="http://schemas.microsoft.com/office/drawing/2014/main" id="{F3205601-1379-454D-8099-B1BD56FD947F}"/>
-              </a:ext>
-            </a:extLst>
-          </p:cNvPr>
-          <p:cNvSpPr>
-            <a:spLocks noGrp="1"/>
-          </p:cNvSpPr>
-          <p:nvPr>
-            <p:ph idx="1"/>
-          </p:nvPr>
-        </p:nvSpPr>
-        <p:spPr/>
-        <p:txBody>
-          <a:bodyPr/>
-          <a:lstStyle/>
-          <a:p>
-            <a:endParaRPr lang="zh-TW" altLang="en-US"/>
-          </a:p>
-        </p:txBody>
-      </p:sp>
-      <p:sp>
-        <p:nvSpPr>
-          <p:cNvPr id="4" name="矩形 3">
-            <a:extLst>
-              <a:ext uri="{FF2B5EF4-FFF2-40B4-BE49-F238E27FC236}">
-                <a16:creationId xmlns:a16="http://schemas.microsoft.com/office/drawing/2014/main" id="{F194E2B7-11F7-4004-84BA-EA643EED2BDD}"/>
-              </a:ext>
-            </a:extLst>
-          </p:cNvPr>
-          <p:cNvSpPr/>
-          <p:nvPr/>
-        </p:nvSpPr>
-        <p:spPr>
-          <a:xfrm>
-            <a:off x="0" y="0"/>
-            <a:ext cx="12192000" cy="6858000"/>
-          </a:xfrm>
-          <a:prstGeom prst="rect">
-            <a:avLst/>
-          </a:prstGeom>
-          <a:solidFill>
-            <a:schemeClr val="tx1">
-              <a:lumMod val="85000"/>
-              <a:lumOff val="15000"/>
-            </a:schemeClr>
-          </a:solidFill>
-          <a:ln>
-            <a:noFill/>
-          </a:ln>
-        </p:spPr>
-        <p:style>
-          <a:lnRef idx="2">
-            <a:schemeClr val="accent1">
-              <a:shade val="50000"/>
-            </a:schemeClr>
-          </a:lnRef>
-          <a:fillRef idx="1">
-            <a:schemeClr val="accent1"/>
-          </a:fillRef>
-          <a:effectRef idx="0">
-            <a:schemeClr val="accent1"/>
-          </a:effectRef>
-          <a:fontRef idx="minor">
-            <a:schemeClr val="lt1"/>
-          </a:fontRef>
-        </p:style>
-        <p:txBody>
-          <a:bodyPr rtlCol="0" anchor="ctr"/>
-          <a:lstStyle/>
-          <a:p>
-            <a:pPr algn="ctr"/>
-            <a:endParaRPr lang="zh-TW" altLang="en-US" dirty="0"/>
-          </a:p>
-        </p:txBody>
-      </p:sp>
-      <p:sp>
-        <p:nvSpPr>
-          <p:cNvPr id="5" name="矩形 4">
-            <a:extLst>
-              <a:ext uri="{FF2B5EF4-FFF2-40B4-BE49-F238E27FC236}">
-                <a16:creationId xmlns:a16="http://schemas.microsoft.com/office/drawing/2014/main" id="{FED41C80-97E6-423F-93F8-2439EA2B8951}"/>
-              </a:ext>
-            </a:extLst>
-          </p:cNvPr>
-          <p:cNvSpPr/>
-          <p:nvPr/>
-        </p:nvSpPr>
-        <p:spPr>
-          <a:xfrm>
-            <a:off x="0" y="0"/>
-            <a:ext cx="12192000" cy="369277"/>
-          </a:xfrm>
-          <a:prstGeom prst="rect">
-            <a:avLst/>
-          </a:prstGeom>
-          <a:solidFill>
-            <a:schemeClr val="bg1"/>
-          </a:solidFill>
-          <a:ln>
-            <a:noFill/>
-          </a:ln>
-        </p:spPr>
-        <p:style>
-          <a:lnRef idx="2">
-            <a:schemeClr val="accent1">
-              <a:shade val="50000"/>
-            </a:schemeClr>
-          </a:lnRef>
-          <a:fillRef idx="1">
-            <a:schemeClr val="accent1"/>
-          </a:fillRef>
-          <a:effectRef idx="0">
-            <a:schemeClr val="accent1"/>
-          </a:effectRef>
-          <a:fontRef idx="minor">
-            <a:schemeClr val="lt1"/>
-          </a:fontRef>
-        </p:style>
-        <p:txBody>
-          <a:bodyPr rtlCol="0" anchor="ctr"/>
-          <a:lstStyle/>
-          <a:p>
-            <a:pPr algn="ctr"/>
-            <a:endParaRPr lang="zh-TW" altLang="en-US"/>
-          </a:p>
-        </p:txBody>
-      </p:sp>
-      <p:sp>
-        <p:nvSpPr>
-          <p:cNvPr id="7" name="文字方塊 6">
-            <a:extLst>
-              <a:ext uri="{FF2B5EF4-FFF2-40B4-BE49-F238E27FC236}">
-                <a16:creationId xmlns:a16="http://schemas.microsoft.com/office/drawing/2014/main" id="{4FEA02E5-9C85-4FB6-B6CC-93C3AB69BD57}"/>
-              </a:ext>
-            </a:extLst>
-          </p:cNvPr>
-          <p:cNvSpPr txBox="1"/>
-          <p:nvPr/>
-        </p:nvSpPr>
-        <p:spPr>
-          <a:xfrm>
-            <a:off x="525718" y="46137"/>
-            <a:ext cx="4198585" cy="276999"/>
-          </a:xfrm>
-          <a:prstGeom prst="rect">
-            <a:avLst/>
-          </a:prstGeom>
-          <a:noFill/>
-        </p:spPr>
-        <p:txBody>
-          <a:bodyPr wrap="none" rtlCol="0">
-            <a:spAutoFit/>
-          </a:bodyPr>
-          <a:lstStyle/>
-          <a:p>
-            <a:r>
-              <a:rPr lang="en-US" altLang="zh-TW" sz="1200" b="1" dirty="0">
-                <a:solidFill>
-                  <a:schemeClr val="tx1">
-                    <a:lumMod val="85000"/>
-                    <a:lumOff val="15000"/>
-                  </a:schemeClr>
-                </a:solidFill>
-                <a:latin typeface="Consolas" panose="020B0609020204030204" pitchFamily="49" charset="0"/>
-              </a:rPr>
-              <a:t>C:\NTUST\WebpagesDevelopment\Team05\</a:t>
-            </a:r>
-            <a:r>
-              <a:rPr lang="zh-TW" altLang="en-US" sz="1200" b="1" dirty="0">
-                <a:solidFill>
-                  <a:schemeClr val="tx1">
-                    <a:lumMod val="85000"/>
-                    <a:lumOff val="15000"/>
-                  </a:schemeClr>
-                </a:solidFill>
-                <a:latin typeface="Microsoft JhengHei UI Light" panose="020B0304030504040204" pitchFamily="34" charset="-120"/>
-                <a:ea typeface="Microsoft JhengHei UI Light" panose="020B0304030504040204" pitchFamily="34" charset="-120"/>
-              </a:rPr>
-              <a:t>碼農天堂</a:t>
-            </a:r>
-            <a:r>
-              <a:rPr lang="en-US" altLang="zh-TW" sz="1200" b="1" dirty="0">
-                <a:solidFill>
-                  <a:schemeClr val="tx1">
-                    <a:lumMod val="85000"/>
-                    <a:lumOff val="15000"/>
-                  </a:schemeClr>
-                </a:solidFill>
-                <a:latin typeface="Consolas" panose="020B0609020204030204" pitchFamily="49" charset="0"/>
-              </a:rPr>
-              <a:t>.exe</a:t>
-            </a:r>
-            <a:endParaRPr lang="zh-TW" altLang="en-US" sz="1200" b="1" dirty="0">
-              <a:solidFill>
-                <a:schemeClr val="tx1">
-                  <a:lumMod val="85000"/>
-                  <a:lumOff val="15000"/>
-                </a:schemeClr>
-              </a:solidFill>
-              <a:latin typeface="Consolas" panose="020B0609020204030204" pitchFamily="49" charset="0"/>
-            </a:endParaRPr>
-          </a:p>
-        </p:txBody>
-      </p:sp>
-      <p:sp>
-        <p:nvSpPr>
-          <p:cNvPr id="8" name="文字方塊 7">
-            <a:extLst>
-              <a:ext uri="{FF2B5EF4-FFF2-40B4-BE49-F238E27FC236}">
-                <a16:creationId xmlns:a16="http://schemas.microsoft.com/office/drawing/2014/main" id="{AB184E4D-4597-480B-A1A5-DB5D6F45804F}"/>
-              </a:ext>
-            </a:extLst>
-          </p:cNvPr>
-          <p:cNvSpPr txBox="1"/>
-          <p:nvPr/>
-        </p:nvSpPr>
-        <p:spPr>
-          <a:xfrm>
-            <a:off x="123092" y="61527"/>
-            <a:ext cx="396262" cy="246221"/>
-          </a:xfrm>
-          <a:prstGeom prst="rect">
-            <a:avLst/>
-          </a:prstGeom>
-          <a:solidFill>
-            <a:schemeClr val="tx1">
-              <a:lumMod val="85000"/>
-              <a:lumOff val="15000"/>
-            </a:schemeClr>
-          </a:solidFill>
-          <a:ln w="28575">
-            <a:solidFill>
-              <a:schemeClr val="bg1">
-                <a:lumMod val="65000"/>
-              </a:schemeClr>
-            </a:solidFill>
-          </a:ln>
-        </p:spPr>
-        <p:txBody>
-          <a:bodyPr wrap="none" rtlCol="0">
-            <a:spAutoFit/>
-          </a:bodyPr>
-          <a:lstStyle/>
-          <a:p>
-            <a:r>
-              <a:rPr lang="en-US" altLang="zh-TW" sz="1000" dirty="0">
-                <a:solidFill>
-                  <a:schemeClr val="bg1"/>
-                </a:solidFill>
-                <a:latin typeface="Consolas" panose="020B0609020204030204" pitchFamily="49" charset="0"/>
-              </a:rPr>
-              <a:t>CPP</a:t>
-            </a:r>
-            <a:endParaRPr lang="zh-TW" altLang="en-US" sz="1000" dirty="0">
-              <a:solidFill>
-                <a:schemeClr val="bg1"/>
-              </a:solidFill>
-              <a:latin typeface="Consolas" panose="020B0609020204030204" pitchFamily="49" charset="0"/>
-            </a:endParaRPr>
-          </a:p>
-        </p:txBody>
-      </p:sp>
-      <p:sp>
-        <p:nvSpPr>
-          <p:cNvPr id="9" name="文字方塊 8">
-            <a:extLst>
-              <a:ext uri="{FF2B5EF4-FFF2-40B4-BE49-F238E27FC236}">
-                <a16:creationId xmlns:a16="http://schemas.microsoft.com/office/drawing/2014/main" id="{D329A510-E83B-4003-AC2A-AEF7EDA692D4}"/>
-              </a:ext>
-            </a:extLst>
-          </p:cNvPr>
-          <p:cNvSpPr txBox="1"/>
-          <p:nvPr/>
-        </p:nvSpPr>
-        <p:spPr>
-          <a:xfrm>
-            <a:off x="0" y="369273"/>
-            <a:ext cx="4259499" cy="954107"/>
-          </a:xfrm>
-          <a:prstGeom prst="rect">
-            <a:avLst/>
-          </a:prstGeom>
-          <a:noFill/>
-        </p:spPr>
-        <p:txBody>
-          <a:bodyPr wrap="none" rtlCol="0">
-            <a:spAutoFit/>
-          </a:bodyPr>
-          <a:lstStyle/>
-          <a:p>
-            <a:r>
-              <a:rPr lang="en-US" altLang="zh-TW" sz="1400" dirty="0">
-                <a:solidFill>
-                  <a:schemeClr val="bg1"/>
-                </a:solidFill>
-                <a:latin typeface="Consolas" panose="020B0609020204030204" pitchFamily="49" charset="0"/>
-              </a:rPr>
-              <a:t>Webpages Development</a:t>
-            </a:r>
-            <a:r>
-              <a:rPr lang="zh-TW" altLang="en-US" sz="1400" dirty="0">
-                <a:solidFill>
-                  <a:schemeClr val="bg1"/>
-                </a:solidFill>
-                <a:latin typeface="Consolas" panose="020B0609020204030204" pitchFamily="49" charset="0"/>
-              </a:rPr>
-              <a:t> </a:t>
-            </a:r>
-            <a:r>
-              <a:rPr lang="en-US" altLang="zh-TW" sz="1400" dirty="0">
-                <a:solidFill>
-                  <a:schemeClr val="bg1"/>
-                </a:solidFill>
-                <a:latin typeface="Consolas" panose="020B0609020204030204" pitchFamily="49" charset="0"/>
-              </a:rPr>
-              <a:t>[Version 2019.04.19]</a:t>
-            </a:r>
-          </a:p>
-          <a:p>
-            <a:r>
-              <a:rPr lang="en-US" altLang="zh-TW" sz="1400" dirty="0">
-                <a:solidFill>
-                  <a:schemeClr val="bg1"/>
-                </a:solidFill>
-                <a:latin typeface="Consolas" panose="020B0609020204030204" pitchFamily="49" charset="0"/>
-              </a:rPr>
-              <a:t>(c) 2019 NTUST</a:t>
-            </a:r>
-          </a:p>
-          <a:p>
-            <a:endParaRPr lang="en-US" altLang="zh-TW" sz="1400" dirty="0">
-              <a:solidFill>
-                <a:schemeClr val="bg1"/>
-              </a:solidFill>
-              <a:latin typeface="Consolas" panose="020B0609020204030204" pitchFamily="49" charset="0"/>
-            </a:endParaRPr>
-          </a:p>
-          <a:p>
-            <a:r>
-              <a:rPr lang="en-US" altLang="zh-TW" sz="1400" dirty="0">
-                <a:solidFill>
-                  <a:schemeClr val="bg1"/>
-                </a:solidFill>
-                <a:latin typeface="Consolas" panose="020B0609020204030204" pitchFamily="49" charset="0"/>
-              </a:rPr>
-              <a:t>C:\Users\student&gt;next</a:t>
-            </a:r>
-            <a:endParaRPr lang="zh-TW" altLang="en-US" sz="1400" dirty="0">
-              <a:solidFill>
-                <a:schemeClr val="bg1"/>
-              </a:solidFill>
-              <a:latin typeface="Consolas" panose="020B0609020204030204" pitchFamily="49" charset="0"/>
-            </a:endParaRPr>
-          </a:p>
-        </p:txBody>
-      </p:sp>
-    </p:spTree>
-    <p:extLst>
-      <p:ext uri="{BB962C8B-B14F-4D97-AF65-F5344CB8AC3E}">
-        <p14:creationId xmlns:p14="http://schemas.microsoft.com/office/powerpoint/2010/main" val="2635789812"/>
-      </p:ext>
-    </p:extLst>
-  </p:cSld>
-  <p:clrMapOvr>
-    <a:masterClrMapping/>
-  </p:clrMapOvr>
-</p:sld>
-</file>
-
 <file path=ppt/theme/theme1.xml><?xml version="1.0" encoding="utf-8"?>
 <a:theme xmlns:a="http://schemas.openxmlformats.org/drawingml/2006/main" name="Office 佈景主題">
   <a:themeElements>

--- a/期末報告第五組.pptx
+++ b/期末報告第五組.pptx
@@ -5,23 +5,22 @@
     <p:sldMasterId id="2147483648" r:id="rId1"/>
   </p:sldMasterIdLst>
   <p:notesMasterIdLst>
-    <p:notesMasterId r:id="rId16"/>
+    <p:notesMasterId r:id="rId15"/>
   </p:notesMasterIdLst>
   <p:sldIdLst>
     <p:sldId id="256" r:id="rId2"/>
     <p:sldId id="273" r:id="rId3"/>
-    <p:sldId id="266" r:id="rId4"/>
-    <p:sldId id="258" r:id="rId5"/>
-    <p:sldId id="268" r:id="rId6"/>
-    <p:sldId id="259" r:id="rId7"/>
-    <p:sldId id="261" r:id="rId8"/>
-    <p:sldId id="270" r:id="rId9"/>
-    <p:sldId id="265" r:id="rId10"/>
-    <p:sldId id="271" r:id="rId11"/>
-    <p:sldId id="263" r:id="rId12"/>
-    <p:sldId id="272" r:id="rId13"/>
-    <p:sldId id="262" r:id="rId14"/>
-    <p:sldId id="264" r:id="rId15"/>
+    <p:sldId id="258" r:id="rId4"/>
+    <p:sldId id="274" r:id="rId5"/>
+    <p:sldId id="259" r:id="rId6"/>
+    <p:sldId id="261" r:id="rId7"/>
+    <p:sldId id="275" r:id="rId8"/>
+    <p:sldId id="265" r:id="rId9"/>
+    <p:sldId id="276" r:id="rId10"/>
+    <p:sldId id="263" r:id="rId11"/>
+    <p:sldId id="277" r:id="rId12"/>
+    <p:sldId id="262" r:id="rId13"/>
+    <p:sldId id="264" r:id="rId14"/>
   </p:sldIdLst>
   <p:sldSz cx="12192000" cy="6858000"/>
   <p:notesSz cx="6858000" cy="9144000"/>
@@ -5999,422 +5998,6 @@
       </p:grpSpPr>
       <p:sp>
         <p:nvSpPr>
-          <p:cNvPr id="2" name="標題 1">
-            <a:extLst>
-              <a:ext uri="{FF2B5EF4-FFF2-40B4-BE49-F238E27FC236}">
-                <a16:creationId xmlns:a16="http://schemas.microsoft.com/office/drawing/2014/main" id="{7C682F12-A26B-4A8B-B825-20E4F49F4788}"/>
-              </a:ext>
-            </a:extLst>
-          </p:cNvPr>
-          <p:cNvSpPr>
-            <a:spLocks noGrp="1"/>
-          </p:cNvSpPr>
-          <p:nvPr>
-            <p:ph type="title"/>
-          </p:nvPr>
-        </p:nvSpPr>
-        <p:spPr/>
-        <p:txBody>
-          <a:bodyPr/>
-          <a:lstStyle/>
-          <a:p>
-            <a:endParaRPr lang="zh-TW" altLang="en-US"/>
-          </a:p>
-        </p:txBody>
-      </p:sp>
-      <p:sp>
-        <p:nvSpPr>
-          <p:cNvPr id="3" name="內容版面配置區 2">
-            <a:extLst>
-              <a:ext uri="{FF2B5EF4-FFF2-40B4-BE49-F238E27FC236}">
-                <a16:creationId xmlns:a16="http://schemas.microsoft.com/office/drawing/2014/main" id="{F3205601-1379-454D-8099-B1BD56FD947F}"/>
-              </a:ext>
-            </a:extLst>
-          </p:cNvPr>
-          <p:cNvSpPr>
-            <a:spLocks noGrp="1"/>
-          </p:cNvSpPr>
-          <p:nvPr>
-            <p:ph idx="1"/>
-          </p:nvPr>
-        </p:nvSpPr>
-        <p:spPr/>
-        <p:txBody>
-          <a:bodyPr/>
-          <a:lstStyle/>
-          <a:p>
-            <a:endParaRPr lang="zh-TW" altLang="en-US"/>
-          </a:p>
-        </p:txBody>
-      </p:sp>
-      <p:sp>
-        <p:nvSpPr>
-          <p:cNvPr id="4" name="矩形 3">
-            <a:extLst>
-              <a:ext uri="{FF2B5EF4-FFF2-40B4-BE49-F238E27FC236}">
-                <a16:creationId xmlns:a16="http://schemas.microsoft.com/office/drawing/2014/main" id="{F194E2B7-11F7-4004-84BA-EA643EED2BDD}"/>
-              </a:ext>
-            </a:extLst>
-          </p:cNvPr>
-          <p:cNvSpPr/>
-          <p:nvPr/>
-        </p:nvSpPr>
-        <p:spPr>
-          <a:xfrm>
-            <a:off x="0" y="0"/>
-            <a:ext cx="12192000" cy="6858000"/>
-          </a:xfrm>
-          <a:prstGeom prst="rect">
-            <a:avLst/>
-          </a:prstGeom>
-          <a:solidFill>
-            <a:schemeClr val="tx1">
-              <a:lumMod val="85000"/>
-              <a:lumOff val="15000"/>
-            </a:schemeClr>
-          </a:solidFill>
-          <a:ln>
-            <a:noFill/>
-          </a:ln>
-        </p:spPr>
-        <p:style>
-          <a:lnRef idx="2">
-            <a:schemeClr val="accent1">
-              <a:shade val="50000"/>
-            </a:schemeClr>
-          </a:lnRef>
-          <a:fillRef idx="1">
-            <a:schemeClr val="accent1"/>
-          </a:fillRef>
-          <a:effectRef idx="0">
-            <a:schemeClr val="accent1"/>
-          </a:effectRef>
-          <a:fontRef idx="minor">
-            <a:schemeClr val="lt1"/>
-          </a:fontRef>
-        </p:style>
-        <p:txBody>
-          <a:bodyPr rtlCol="0" anchor="ctr"/>
-          <a:lstStyle/>
-          <a:p>
-            <a:pPr algn="ctr"/>
-            <a:endParaRPr lang="zh-TW" altLang="en-US" dirty="0"/>
-          </a:p>
-        </p:txBody>
-      </p:sp>
-      <p:sp>
-        <p:nvSpPr>
-          <p:cNvPr id="5" name="矩形 4">
-            <a:extLst>
-              <a:ext uri="{FF2B5EF4-FFF2-40B4-BE49-F238E27FC236}">
-                <a16:creationId xmlns:a16="http://schemas.microsoft.com/office/drawing/2014/main" id="{FED41C80-97E6-423F-93F8-2439EA2B8951}"/>
-              </a:ext>
-            </a:extLst>
-          </p:cNvPr>
-          <p:cNvSpPr/>
-          <p:nvPr/>
-        </p:nvSpPr>
-        <p:spPr>
-          <a:xfrm>
-            <a:off x="0" y="0"/>
-            <a:ext cx="12192000" cy="369277"/>
-          </a:xfrm>
-          <a:prstGeom prst="rect">
-            <a:avLst/>
-          </a:prstGeom>
-          <a:solidFill>
-            <a:schemeClr val="bg1"/>
-          </a:solidFill>
-          <a:ln>
-            <a:noFill/>
-          </a:ln>
-        </p:spPr>
-        <p:style>
-          <a:lnRef idx="2">
-            <a:schemeClr val="accent1">
-              <a:shade val="50000"/>
-            </a:schemeClr>
-          </a:lnRef>
-          <a:fillRef idx="1">
-            <a:schemeClr val="accent1"/>
-          </a:fillRef>
-          <a:effectRef idx="0">
-            <a:schemeClr val="accent1"/>
-          </a:effectRef>
-          <a:fontRef idx="minor">
-            <a:schemeClr val="lt1"/>
-          </a:fontRef>
-        </p:style>
-        <p:txBody>
-          <a:bodyPr rtlCol="0" anchor="ctr"/>
-          <a:lstStyle/>
-          <a:p>
-            <a:pPr algn="ctr"/>
-            <a:endParaRPr lang="zh-TW" altLang="en-US"/>
-          </a:p>
-        </p:txBody>
-      </p:sp>
-      <p:sp>
-        <p:nvSpPr>
-          <p:cNvPr id="7" name="文字方塊 6">
-            <a:extLst>
-              <a:ext uri="{FF2B5EF4-FFF2-40B4-BE49-F238E27FC236}">
-                <a16:creationId xmlns:a16="http://schemas.microsoft.com/office/drawing/2014/main" id="{4FEA02E5-9C85-4FB6-B6CC-93C3AB69BD57}"/>
-              </a:ext>
-            </a:extLst>
-          </p:cNvPr>
-          <p:cNvSpPr txBox="1"/>
-          <p:nvPr/>
-        </p:nvSpPr>
-        <p:spPr>
-          <a:xfrm>
-            <a:off x="525718" y="46137"/>
-            <a:ext cx="4198585" cy="276999"/>
-          </a:xfrm>
-          <a:prstGeom prst="rect">
-            <a:avLst/>
-          </a:prstGeom>
-          <a:noFill/>
-        </p:spPr>
-        <p:txBody>
-          <a:bodyPr wrap="none" rtlCol="0">
-            <a:spAutoFit/>
-          </a:bodyPr>
-          <a:lstStyle/>
-          <a:p>
-            <a:r>
-              <a:rPr lang="en-US" altLang="zh-TW" sz="1200" b="1" dirty="0">
-                <a:solidFill>
-                  <a:schemeClr val="tx1">
-                    <a:lumMod val="85000"/>
-                    <a:lumOff val="15000"/>
-                  </a:schemeClr>
-                </a:solidFill>
-                <a:latin typeface="Consolas" panose="020B0609020204030204" pitchFamily="49" charset="0"/>
-              </a:rPr>
-              <a:t>C:\NTUST\WebpagesDevelopment\Team05\</a:t>
-            </a:r>
-            <a:r>
-              <a:rPr lang="zh-TW" altLang="en-US" sz="1200" b="1" dirty="0">
-                <a:solidFill>
-                  <a:schemeClr val="tx1">
-                    <a:lumMod val="85000"/>
-                    <a:lumOff val="15000"/>
-                  </a:schemeClr>
-                </a:solidFill>
-                <a:latin typeface="Microsoft JhengHei UI Light" panose="020B0304030504040204" pitchFamily="34" charset="-120"/>
-                <a:ea typeface="Microsoft JhengHei UI Light" panose="020B0304030504040204" pitchFamily="34" charset="-120"/>
-              </a:rPr>
-              <a:t>碼農天堂</a:t>
-            </a:r>
-            <a:r>
-              <a:rPr lang="en-US" altLang="zh-TW" sz="1200" b="1" dirty="0">
-                <a:solidFill>
-                  <a:schemeClr val="tx1">
-                    <a:lumMod val="85000"/>
-                    <a:lumOff val="15000"/>
-                  </a:schemeClr>
-                </a:solidFill>
-                <a:latin typeface="Consolas" panose="020B0609020204030204" pitchFamily="49" charset="0"/>
-              </a:rPr>
-              <a:t>.exe</a:t>
-            </a:r>
-            <a:endParaRPr lang="zh-TW" altLang="en-US" sz="1200" b="1" dirty="0">
-              <a:solidFill>
-                <a:schemeClr val="tx1">
-                  <a:lumMod val="85000"/>
-                  <a:lumOff val="15000"/>
-                </a:schemeClr>
-              </a:solidFill>
-              <a:latin typeface="Consolas" panose="020B0609020204030204" pitchFamily="49" charset="0"/>
-            </a:endParaRPr>
-          </a:p>
-        </p:txBody>
-      </p:sp>
-      <p:sp>
-        <p:nvSpPr>
-          <p:cNvPr id="8" name="文字方塊 7">
-            <a:extLst>
-              <a:ext uri="{FF2B5EF4-FFF2-40B4-BE49-F238E27FC236}">
-                <a16:creationId xmlns:a16="http://schemas.microsoft.com/office/drawing/2014/main" id="{AB184E4D-4597-480B-A1A5-DB5D6F45804F}"/>
-              </a:ext>
-            </a:extLst>
-          </p:cNvPr>
-          <p:cNvSpPr txBox="1"/>
-          <p:nvPr/>
-        </p:nvSpPr>
-        <p:spPr>
-          <a:xfrm>
-            <a:off x="123092" y="61527"/>
-            <a:ext cx="396262" cy="246221"/>
-          </a:xfrm>
-          <a:prstGeom prst="rect">
-            <a:avLst/>
-          </a:prstGeom>
-          <a:solidFill>
-            <a:schemeClr val="tx1">
-              <a:lumMod val="85000"/>
-              <a:lumOff val="15000"/>
-            </a:schemeClr>
-          </a:solidFill>
-          <a:ln w="28575">
-            <a:solidFill>
-              <a:schemeClr val="bg1">
-                <a:lumMod val="65000"/>
-              </a:schemeClr>
-            </a:solidFill>
-          </a:ln>
-        </p:spPr>
-        <p:txBody>
-          <a:bodyPr wrap="none" rtlCol="0">
-            <a:spAutoFit/>
-          </a:bodyPr>
-          <a:lstStyle/>
-          <a:p>
-            <a:r>
-              <a:rPr lang="en-US" altLang="zh-TW" sz="1000" dirty="0">
-                <a:solidFill>
-                  <a:schemeClr val="bg1"/>
-                </a:solidFill>
-                <a:latin typeface="Consolas" panose="020B0609020204030204" pitchFamily="49" charset="0"/>
-              </a:rPr>
-              <a:t>CPP</a:t>
-            </a:r>
-            <a:endParaRPr lang="zh-TW" altLang="en-US" sz="1000" dirty="0">
-              <a:solidFill>
-                <a:schemeClr val="bg1"/>
-              </a:solidFill>
-              <a:latin typeface="Consolas" panose="020B0609020204030204" pitchFamily="49" charset="0"/>
-            </a:endParaRPr>
-          </a:p>
-        </p:txBody>
-      </p:sp>
-      <p:sp>
-        <p:nvSpPr>
-          <p:cNvPr id="9" name="文字方塊 8">
-            <a:extLst>
-              <a:ext uri="{FF2B5EF4-FFF2-40B4-BE49-F238E27FC236}">
-                <a16:creationId xmlns:a16="http://schemas.microsoft.com/office/drawing/2014/main" id="{D329A510-E83B-4003-AC2A-AEF7EDA692D4}"/>
-              </a:ext>
-            </a:extLst>
-          </p:cNvPr>
-          <p:cNvSpPr txBox="1"/>
-          <p:nvPr/>
-        </p:nvSpPr>
-        <p:spPr>
-          <a:xfrm>
-            <a:off x="0" y="369273"/>
-            <a:ext cx="4259499" cy="954107"/>
-          </a:xfrm>
-          <a:prstGeom prst="rect">
-            <a:avLst/>
-          </a:prstGeom>
-          <a:noFill/>
-        </p:spPr>
-        <p:txBody>
-          <a:bodyPr wrap="none" rtlCol="0">
-            <a:spAutoFit/>
-          </a:bodyPr>
-          <a:lstStyle/>
-          <a:p>
-            <a:r>
-              <a:rPr lang="en-US" altLang="zh-TW" sz="1400" dirty="0">
-                <a:solidFill>
-                  <a:schemeClr val="bg1"/>
-                </a:solidFill>
-                <a:latin typeface="Consolas" panose="020B0609020204030204" pitchFamily="49" charset="0"/>
-              </a:rPr>
-              <a:t>Webpages Development</a:t>
-            </a:r>
-            <a:r>
-              <a:rPr lang="zh-TW" altLang="en-US" sz="1400" dirty="0">
-                <a:solidFill>
-                  <a:schemeClr val="bg1"/>
-                </a:solidFill>
-                <a:latin typeface="Consolas" panose="020B0609020204030204" pitchFamily="49" charset="0"/>
-              </a:rPr>
-              <a:t> </a:t>
-            </a:r>
-            <a:r>
-              <a:rPr lang="en-US" altLang="zh-TW" sz="1400" dirty="0">
-                <a:solidFill>
-                  <a:schemeClr val="bg1"/>
-                </a:solidFill>
-                <a:latin typeface="Consolas" panose="020B0609020204030204" pitchFamily="49" charset="0"/>
-              </a:rPr>
-              <a:t>[Version 2019.04.19]</a:t>
-            </a:r>
-          </a:p>
-          <a:p>
-            <a:r>
-              <a:rPr lang="en-US" altLang="zh-TW" sz="1400" dirty="0">
-                <a:solidFill>
-                  <a:schemeClr val="bg1"/>
-                </a:solidFill>
-                <a:latin typeface="Consolas" panose="020B0609020204030204" pitchFamily="49" charset="0"/>
-              </a:rPr>
-              <a:t>(c) 2019 NTUST</a:t>
-            </a:r>
-          </a:p>
-          <a:p>
-            <a:endParaRPr lang="en-US" altLang="zh-TW" sz="1400" dirty="0">
-              <a:solidFill>
-                <a:schemeClr val="bg1"/>
-              </a:solidFill>
-              <a:latin typeface="Consolas" panose="020B0609020204030204" pitchFamily="49" charset="0"/>
-            </a:endParaRPr>
-          </a:p>
-          <a:p>
-            <a:r>
-              <a:rPr lang="en-US" altLang="zh-TW" sz="1400" dirty="0">
-                <a:solidFill>
-                  <a:schemeClr val="bg1"/>
-                </a:solidFill>
-                <a:latin typeface="Consolas" panose="020B0609020204030204" pitchFamily="49" charset="0"/>
-              </a:rPr>
-              <a:t>C:\Users\student&gt;next</a:t>
-            </a:r>
-            <a:endParaRPr lang="zh-TW" altLang="en-US" sz="1400" dirty="0">
-              <a:solidFill>
-                <a:schemeClr val="bg1"/>
-              </a:solidFill>
-              <a:latin typeface="Consolas" panose="020B0609020204030204" pitchFamily="49" charset="0"/>
-            </a:endParaRPr>
-          </a:p>
-        </p:txBody>
-      </p:sp>
-    </p:spTree>
-    <p:extLst>
-      <p:ext uri="{BB962C8B-B14F-4D97-AF65-F5344CB8AC3E}">
-        <p14:creationId xmlns:p14="http://schemas.microsoft.com/office/powerpoint/2010/main" val="2635789812"/>
-      </p:ext>
-    </p:extLst>
-  </p:cSld>
-  <p:clrMapOvr>
-    <a:masterClrMapping/>
-  </p:clrMapOvr>
-</p:sld>
-</file>
-
-<file path=ppt/slides/slide11.xml><?xml version="1.0" encoding="utf-8"?>
-<p:sld xmlns:a="http://schemas.openxmlformats.org/drawingml/2006/main" xmlns:r="http://schemas.openxmlformats.org/officeDocument/2006/relationships" xmlns:p="http://schemas.openxmlformats.org/presentationml/2006/main">
-  <p:cSld>
-    <p:spTree>
-      <p:nvGrpSpPr>
-        <p:cNvPr id="1" name=""/>
-        <p:cNvGrpSpPr/>
-        <p:nvPr/>
-      </p:nvGrpSpPr>
-      <p:grpSpPr>
-        <a:xfrm>
-          <a:off x="0" y="0"/>
-          <a:ext cx="0" cy="0"/>
-          <a:chOff x="0" y="0"/>
-          <a:chExt cx="0" cy="0"/>
-        </a:xfrm>
-      </p:grpSpPr>
-      <p:sp>
-        <p:nvSpPr>
           <p:cNvPr id="22" name="矩形 3">
             <a:extLst>
               <a:ext uri="{FF2B5EF4-FFF2-40B4-BE49-F238E27FC236}">
@@ -8044,7 +7627,7 @@
 </p:sld>
 </file>
 
-<file path=ppt/slides/slide12.xml><?xml version="1.0" encoding="utf-8"?>
+<file path=ppt/slides/slide11.xml><?xml version="1.0" encoding="utf-8"?>
 <p:sld xmlns:a="http://schemas.openxmlformats.org/drawingml/2006/main" xmlns:r="http://schemas.openxmlformats.org/officeDocument/2006/relationships" xmlns:p="http://schemas.openxmlformats.org/presentationml/2006/main">
   <p:cSld>
     <p:spTree>
@@ -8063,69 +7646,13 @@
       </p:grpSpPr>
       <p:sp>
         <p:nvSpPr>
-          <p:cNvPr id="2" name="標題 1">
-            <a:extLst>
-              <a:ext uri="{FF2B5EF4-FFF2-40B4-BE49-F238E27FC236}">
-                <a16:creationId xmlns:a16="http://schemas.microsoft.com/office/drawing/2014/main" id="{7C682F12-A26B-4A8B-B825-20E4F49F4788}"/>
-              </a:ext>
-            </a:extLst>
-          </p:cNvPr>
-          <p:cNvSpPr>
-            <a:spLocks noGrp="1"/>
-          </p:cNvSpPr>
-          <p:nvPr>
-            <p:ph type="title"/>
-          </p:nvPr>
-        </p:nvSpPr>
-        <p:spPr/>
-        <p:txBody>
-          <a:bodyPr/>
-          <a:lstStyle/>
-          <a:p>
-            <a:endParaRPr lang="zh-TW" altLang="en-US"/>
-          </a:p>
-        </p:txBody>
-      </p:sp>
-      <p:sp>
-        <p:nvSpPr>
-          <p:cNvPr id="3" name="內容版面配置區 2">
-            <a:extLst>
-              <a:ext uri="{FF2B5EF4-FFF2-40B4-BE49-F238E27FC236}">
-                <a16:creationId xmlns:a16="http://schemas.microsoft.com/office/drawing/2014/main" id="{F3205601-1379-454D-8099-B1BD56FD947F}"/>
-              </a:ext>
-            </a:extLst>
-          </p:cNvPr>
-          <p:cNvSpPr>
-            <a:spLocks noGrp="1"/>
-          </p:cNvSpPr>
-          <p:nvPr>
-            <p:ph idx="1"/>
-          </p:nvPr>
-        </p:nvSpPr>
-        <p:spPr/>
-        <p:txBody>
-          <a:bodyPr/>
-          <a:lstStyle/>
-          <a:p>
-            <a:endParaRPr lang="zh-TW" altLang="en-US"/>
-          </a:p>
-        </p:txBody>
-      </p:sp>
-      <p:sp>
-        <p:nvSpPr>
-          <p:cNvPr id="4" name="矩形 3">
-            <a:extLst>
-              <a:ext uri="{FF2B5EF4-FFF2-40B4-BE49-F238E27FC236}">
-                <a16:creationId xmlns:a16="http://schemas.microsoft.com/office/drawing/2014/main" id="{F194E2B7-11F7-4004-84BA-EA643EED2BDD}"/>
-              </a:ext>
-            </a:extLst>
-          </p:cNvPr>
+          <p:cNvPr id="4" name="矩形 3"/>
           <p:cNvSpPr/>
           <p:nvPr/>
         </p:nvSpPr>
         <p:spPr>
           <a:xfrm>
-            <a:off x="0" y="0"/>
+            <a:off x="-45445" y="-646048"/>
             <a:ext cx="12192000" cy="6858000"/>
           </a:xfrm>
           <a:prstGeom prst="rect">
@@ -8168,13 +7695,7 @@
       </p:sp>
       <p:sp>
         <p:nvSpPr>
-          <p:cNvPr id="5" name="矩形 4">
-            <a:extLst>
-              <a:ext uri="{FF2B5EF4-FFF2-40B4-BE49-F238E27FC236}">
-                <a16:creationId xmlns:a16="http://schemas.microsoft.com/office/drawing/2014/main" id="{FED41C80-97E6-423F-93F8-2439EA2B8951}"/>
-              </a:ext>
-            </a:extLst>
-          </p:cNvPr>
+          <p:cNvPr id="5" name="矩形 4"/>
           <p:cNvSpPr/>
           <p:nvPr/>
         </p:nvSpPr>
@@ -8220,90 +7741,7 @@
       </p:sp>
       <p:sp>
         <p:nvSpPr>
-          <p:cNvPr id="7" name="文字方塊 6">
-            <a:extLst>
-              <a:ext uri="{FF2B5EF4-FFF2-40B4-BE49-F238E27FC236}">
-                <a16:creationId xmlns:a16="http://schemas.microsoft.com/office/drawing/2014/main" id="{4FEA02E5-9C85-4FB6-B6CC-93C3AB69BD57}"/>
-              </a:ext>
-            </a:extLst>
-          </p:cNvPr>
-          <p:cNvSpPr txBox="1"/>
-          <p:nvPr/>
-        </p:nvSpPr>
-        <p:spPr>
-          <a:xfrm>
-            <a:off x="525718" y="46137"/>
-            <a:ext cx="4198585" cy="276999"/>
-          </a:xfrm>
-          <a:prstGeom prst="rect">
-            <a:avLst/>
-          </a:prstGeom>
-          <a:noFill/>
-        </p:spPr>
-        <p:txBody>
-          <a:bodyPr wrap="none" rtlCol="0">
-            <a:spAutoFit/>
-          </a:bodyPr>
-          <a:lstStyle/>
-          <a:p>
-            <a:r>
-              <a:rPr lang="en-US" altLang="zh-TW" sz="1200" b="1" dirty="0">
-                <a:solidFill>
-                  <a:schemeClr val="tx1">
-                    <a:lumMod val="85000"/>
-                    <a:lumOff val="15000"/>
-                  </a:schemeClr>
-                </a:solidFill>
-                <a:latin typeface="Consolas" panose="020B0609020204030204" pitchFamily="49" charset="0"/>
-              </a:rPr>
-              <a:t>C:\NTUST\WebpagesDevelopment\Team05\</a:t>
-            </a:r>
-            <a:r>
-              <a:rPr lang="zh-TW" altLang="en-US" sz="1200" b="1" dirty="0">
-                <a:solidFill>
-                  <a:schemeClr val="tx1">
-                    <a:lumMod val="85000"/>
-                    <a:lumOff val="15000"/>
-                  </a:schemeClr>
-                </a:solidFill>
-                <a:latin typeface="Microsoft JhengHei UI Light" panose="020B0304030504040204" pitchFamily="34" charset="-120"/>
-                <a:ea typeface="Microsoft JhengHei UI Light" panose="020B0304030504040204" pitchFamily="34" charset="-120"/>
-              </a:rPr>
-              <a:t>碼農天堂</a:t>
-            </a:r>
-            <a:r>
-              <a:rPr lang="en-US" altLang="zh-TW" sz="1200" b="1" dirty="0">
-                <a:solidFill>
-                  <a:schemeClr val="tx1">
-                    <a:lumMod val="85000"/>
-                    <a:lumOff val="15000"/>
-                  </a:schemeClr>
-                </a:solidFill>
-                <a:latin typeface="Consolas" panose="020B0609020204030204" pitchFamily="49" charset="0"/>
-              </a:rPr>
-              <a:t>.exe</a:t>
-            </a:r>
-            <a:endParaRPr lang="zh-TW" altLang="en-US" sz="1200" b="1" dirty="0">
-              <a:solidFill>
-                <a:schemeClr val="tx1">
-                  <a:lumMod val="85000"/>
-                  <a:lumOff val="15000"/>
-                </a:schemeClr>
-              </a:solidFill>
-              <a:latin typeface="Consolas" panose="020B0609020204030204" pitchFamily="49" charset="0"/>
-            </a:endParaRPr>
-          </a:p>
-        </p:txBody>
-      </p:sp>
-      <p:sp>
-        <p:nvSpPr>
-          <p:cNvPr id="8" name="文字方塊 7">
-            <a:extLst>
-              <a:ext uri="{FF2B5EF4-FFF2-40B4-BE49-F238E27FC236}">
-                <a16:creationId xmlns:a16="http://schemas.microsoft.com/office/drawing/2014/main" id="{AB184E4D-4597-480B-A1A5-DB5D6F45804F}"/>
-              </a:ext>
-            </a:extLst>
-          </p:cNvPr>
+          <p:cNvPr id="6" name="文字方塊 5"/>
           <p:cNvSpPr txBox="1"/>
           <p:nvPr/>
         </p:nvSpPr>
@@ -8355,13 +7793,181 @@
       </p:sp>
       <p:sp>
         <p:nvSpPr>
-          <p:cNvPr id="9" name="文字方塊 8">
-            <a:extLst>
-              <a:ext uri="{FF2B5EF4-FFF2-40B4-BE49-F238E27FC236}">
-                <a16:creationId xmlns:a16="http://schemas.microsoft.com/office/drawing/2014/main" id="{D329A510-E83B-4003-AC2A-AEF7EDA692D4}"/>
-              </a:ext>
-            </a:extLst>
-          </p:cNvPr>
+          <p:cNvPr id="7" name="文字方塊 6"/>
+          <p:cNvSpPr txBox="1"/>
+          <p:nvPr/>
+        </p:nvSpPr>
+        <p:spPr>
+          <a:xfrm>
+            <a:off x="525718" y="46137"/>
+            <a:ext cx="4198585" cy="276999"/>
+          </a:xfrm>
+          <a:prstGeom prst="rect">
+            <a:avLst/>
+          </a:prstGeom>
+          <a:noFill/>
+        </p:spPr>
+        <p:txBody>
+          <a:bodyPr wrap="none" rtlCol="0">
+            <a:spAutoFit/>
+          </a:bodyPr>
+          <a:lstStyle/>
+          <a:p>
+            <a:r>
+              <a:rPr lang="en-US" altLang="zh-TW" sz="1200" b="1" dirty="0">
+                <a:solidFill>
+                  <a:schemeClr val="tx1">
+                    <a:lumMod val="85000"/>
+                    <a:lumOff val="15000"/>
+                  </a:schemeClr>
+                </a:solidFill>
+                <a:latin typeface="Consolas" panose="020B0609020204030204" pitchFamily="49" charset="0"/>
+              </a:rPr>
+              <a:t>C:\NTUST\WebpagesDevelopment\Team05\</a:t>
+            </a:r>
+            <a:r>
+              <a:rPr lang="zh-TW" altLang="en-US" sz="1200" b="1" dirty="0">
+                <a:solidFill>
+                  <a:schemeClr val="tx1">
+                    <a:lumMod val="85000"/>
+                    <a:lumOff val="15000"/>
+                  </a:schemeClr>
+                </a:solidFill>
+                <a:latin typeface="Microsoft JhengHei UI Light" panose="020B0304030504040204" pitchFamily="34" charset="-120"/>
+                <a:ea typeface="Microsoft JhengHei UI Light" panose="020B0304030504040204" pitchFamily="34" charset="-120"/>
+              </a:rPr>
+              <a:t>碼農天堂</a:t>
+            </a:r>
+            <a:r>
+              <a:rPr lang="en-US" altLang="zh-TW" sz="1200" b="1" dirty="0">
+                <a:solidFill>
+                  <a:schemeClr val="tx1">
+                    <a:lumMod val="85000"/>
+                    <a:lumOff val="15000"/>
+                  </a:schemeClr>
+                </a:solidFill>
+                <a:latin typeface="Consolas" panose="020B0609020204030204" pitchFamily="49" charset="0"/>
+              </a:rPr>
+              <a:t>.exe</a:t>
+            </a:r>
+            <a:endParaRPr lang="zh-TW" altLang="en-US" sz="1200" b="1" dirty="0">
+              <a:solidFill>
+                <a:schemeClr val="tx1">
+                  <a:lumMod val="85000"/>
+                  <a:lumOff val="15000"/>
+                </a:schemeClr>
+              </a:solidFill>
+              <a:latin typeface="Consolas" panose="020B0609020204030204" pitchFamily="49" charset="0"/>
+            </a:endParaRPr>
+          </a:p>
+        </p:txBody>
+      </p:sp>
+      <p:sp>
+        <p:nvSpPr>
+          <p:cNvPr id="8" name="文字方塊 7"/>
+          <p:cNvSpPr txBox="1"/>
+          <p:nvPr/>
+        </p:nvSpPr>
+        <p:spPr>
+          <a:xfrm>
+            <a:off x="10598497" y="15389"/>
+            <a:ext cx="415498" cy="369332"/>
+          </a:xfrm>
+          <a:prstGeom prst="rect">
+            <a:avLst/>
+          </a:prstGeom>
+          <a:noFill/>
+        </p:spPr>
+        <p:txBody>
+          <a:bodyPr wrap="none" rtlCol="0">
+            <a:spAutoFit/>
+          </a:bodyPr>
+          <a:lstStyle/>
+          <a:p>
+            <a:r>
+              <a:rPr lang="zh-TW" altLang="en-US" b="1" dirty="0">
+                <a:solidFill>
+                  <a:schemeClr val="tx1">
+                    <a:lumMod val="85000"/>
+                    <a:lumOff val="15000"/>
+                  </a:schemeClr>
+                </a:solidFill>
+                <a:latin typeface="Consolas" panose="020B0609020204030204" pitchFamily="49" charset="0"/>
+              </a:rPr>
+              <a:t>☺</a:t>
+            </a:r>
+          </a:p>
+        </p:txBody>
+      </p:sp>
+      <p:sp>
+        <p:nvSpPr>
+          <p:cNvPr id="9" name="文字方塊 8"/>
+          <p:cNvSpPr txBox="1"/>
+          <p:nvPr/>
+        </p:nvSpPr>
+        <p:spPr>
+          <a:xfrm>
+            <a:off x="11151953" y="15389"/>
+            <a:ext cx="415498" cy="369332"/>
+          </a:xfrm>
+          <a:prstGeom prst="rect">
+            <a:avLst/>
+          </a:prstGeom>
+          <a:noFill/>
+        </p:spPr>
+        <p:txBody>
+          <a:bodyPr wrap="none" rtlCol="0">
+            <a:spAutoFit/>
+          </a:bodyPr>
+          <a:lstStyle/>
+          <a:p>
+            <a:r>
+              <a:rPr lang="zh-TW" altLang="en-US" b="1" dirty="0">
+                <a:solidFill>
+                  <a:schemeClr val="tx1">
+                    <a:lumMod val="85000"/>
+                    <a:lumOff val="15000"/>
+                  </a:schemeClr>
+                </a:solidFill>
+                <a:latin typeface="Consolas" panose="020B0609020204030204" pitchFamily="49" charset="0"/>
+              </a:rPr>
+              <a:t>☹</a:t>
+            </a:r>
+          </a:p>
+        </p:txBody>
+      </p:sp>
+      <p:sp>
+        <p:nvSpPr>
+          <p:cNvPr id="10" name="文字方塊 9"/>
+          <p:cNvSpPr txBox="1"/>
+          <p:nvPr/>
+        </p:nvSpPr>
+        <p:spPr>
+          <a:xfrm>
+            <a:off x="11705409" y="0"/>
+            <a:ext cx="441146" cy="400110"/>
+          </a:xfrm>
+          <a:prstGeom prst="rect">
+            <a:avLst/>
+          </a:prstGeom>
+          <a:noFill/>
+        </p:spPr>
+        <p:txBody>
+          <a:bodyPr wrap="none" rtlCol="0">
+            <a:spAutoFit/>
+          </a:bodyPr>
+          <a:lstStyle/>
+          <a:p>
+            <a:r>
+              <a:rPr lang="zh-TW" altLang="en-US" sz="2000" dirty="0"/>
+              <a:t>☻</a:t>
+            </a:r>
+          </a:p>
+        </p:txBody>
+      </p:sp>
+      <p:sp>
+        <p:nvSpPr>
+          <p:cNvPr id="11" name="文字方塊 10"/>
           <p:cNvSpPr txBox="1"/>
           <p:nvPr/>
         </p:nvSpPr>
@@ -8436,7 +8042,7 @@
                 </a:solidFill>
                 <a:latin typeface="Consolas" panose="020B0609020204030204" pitchFamily="49" charset="0"/>
               </a:rPr>
-              <a:t>C:\Users\student&gt;next</a:t>
+              <a:t>C:\Users\student&gt;</a:t>
             </a:r>
             <a:endParaRPr lang="zh-TW" altLang="en-US" sz="1400" dirty="0">
               <a:solidFill>
@@ -8447,20 +8053,802 @@
           </a:p>
         </p:txBody>
       </p:sp>
+      <p:sp>
+        <p:nvSpPr>
+          <p:cNvPr id="13" name="文字方塊 12"/>
+          <p:cNvSpPr txBox="1"/>
+          <p:nvPr/>
+        </p:nvSpPr>
+        <p:spPr>
+          <a:xfrm>
+            <a:off x="1699377" y="954048"/>
+            <a:ext cx="311304" cy="369332"/>
+          </a:xfrm>
+          <a:prstGeom prst="rect">
+            <a:avLst/>
+          </a:prstGeom>
+          <a:noFill/>
+        </p:spPr>
+        <p:txBody>
+          <a:bodyPr wrap="none" rtlCol="0">
+            <a:spAutoFit/>
+          </a:bodyPr>
+          <a:lstStyle/>
+          <a:p>
+            <a:r>
+              <a:rPr lang="en-US" altLang="zh-TW" b="1" dirty="0">
+                <a:solidFill>
+                  <a:schemeClr val="bg1"/>
+                </a:solidFill>
+                <a:latin typeface="Consolas" panose="020B0609020204030204" pitchFamily="49" charset="0"/>
+              </a:rPr>
+              <a:t>_</a:t>
+            </a:r>
+            <a:endParaRPr lang="zh-TW" altLang="en-US" b="1" dirty="0">
+              <a:solidFill>
+                <a:schemeClr val="bg1"/>
+              </a:solidFill>
+              <a:latin typeface="Consolas" panose="020B0609020204030204" pitchFamily="49" charset="0"/>
+            </a:endParaRPr>
+          </a:p>
+        </p:txBody>
+      </p:sp>
+      <p:sp>
+        <p:nvSpPr>
+          <p:cNvPr id="14" name="矩形 13"/>
+          <p:cNvSpPr/>
+          <p:nvPr/>
+        </p:nvSpPr>
+        <p:spPr>
+          <a:xfrm>
+            <a:off x="11925982" y="369273"/>
+            <a:ext cx="266018" cy="6488727"/>
+          </a:xfrm>
+          <a:prstGeom prst="rect">
+            <a:avLst/>
+          </a:prstGeom>
+          <a:solidFill>
+            <a:schemeClr val="bg1">
+              <a:lumMod val="95000"/>
+            </a:schemeClr>
+          </a:solidFill>
+          <a:ln>
+            <a:noFill/>
+          </a:ln>
+        </p:spPr>
+        <p:style>
+          <a:lnRef idx="2">
+            <a:schemeClr val="accent1">
+              <a:shade val="50000"/>
+            </a:schemeClr>
+          </a:lnRef>
+          <a:fillRef idx="1">
+            <a:schemeClr val="accent1"/>
+          </a:fillRef>
+          <a:effectRef idx="0">
+            <a:schemeClr val="accent1"/>
+          </a:effectRef>
+          <a:fontRef idx="minor">
+            <a:schemeClr val="lt1"/>
+          </a:fontRef>
+        </p:style>
+        <p:txBody>
+          <a:bodyPr rtlCol="0" anchor="ctr"/>
+          <a:lstStyle/>
+          <a:p>
+            <a:pPr algn="ctr"/>
+            <a:endParaRPr lang="zh-TW" altLang="en-US"/>
+          </a:p>
+        </p:txBody>
+      </p:sp>
+      <p:sp>
+        <p:nvSpPr>
+          <p:cNvPr id="16" name="矩形 15"/>
+          <p:cNvSpPr/>
+          <p:nvPr/>
+        </p:nvSpPr>
+        <p:spPr>
+          <a:xfrm>
+            <a:off x="11925982" y="369273"/>
+            <a:ext cx="266018" cy="261663"/>
+          </a:xfrm>
+          <a:prstGeom prst="rect">
+            <a:avLst/>
+          </a:prstGeom>
+          <a:solidFill>
+            <a:schemeClr val="bg1">
+              <a:lumMod val="95000"/>
+            </a:schemeClr>
+          </a:solidFill>
+          <a:ln>
+            <a:noFill/>
+          </a:ln>
+        </p:spPr>
+        <p:style>
+          <a:lnRef idx="2">
+            <a:schemeClr val="accent1">
+              <a:shade val="50000"/>
+            </a:schemeClr>
+          </a:lnRef>
+          <a:fillRef idx="1">
+            <a:schemeClr val="accent1"/>
+          </a:fillRef>
+          <a:effectRef idx="0">
+            <a:schemeClr val="accent1"/>
+          </a:effectRef>
+          <a:fontRef idx="minor">
+            <a:schemeClr val="lt1"/>
+          </a:fontRef>
+        </p:style>
+        <p:txBody>
+          <a:bodyPr rtlCol="0" anchor="ctr"/>
+          <a:lstStyle/>
+          <a:p>
+            <a:pPr algn="ctr"/>
+            <a:r>
+              <a:rPr lang="zh-TW" altLang="en-US" sz="1400" dirty="0">
+                <a:solidFill>
+                  <a:schemeClr val="tx1">
+                    <a:lumMod val="85000"/>
+                    <a:lumOff val="15000"/>
+                  </a:schemeClr>
+                </a:solidFill>
+              </a:rPr>
+              <a:t>▲</a:t>
+            </a:r>
+          </a:p>
+        </p:txBody>
+      </p:sp>
+      <p:sp>
+        <p:nvSpPr>
+          <p:cNvPr id="17" name="矩形 16"/>
+          <p:cNvSpPr/>
+          <p:nvPr/>
+        </p:nvSpPr>
+        <p:spPr>
+          <a:xfrm>
+            <a:off x="11925982" y="6578047"/>
+            <a:ext cx="266018" cy="261663"/>
+          </a:xfrm>
+          <a:prstGeom prst="rect">
+            <a:avLst/>
+          </a:prstGeom>
+          <a:solidFill>
+            <a:schemeClr val="bg1">
+              <a:lumMod val="95000"/>
+            </a:schemeClr>
+          </a:solidFill>
+          <a:ln>
+            <a:noFill/>
+          </a:ln>
+        </p:spPr>
+        <p:style>
+          <a:lnRef idx="2">
+            <a:schemeClr val="accent1">
+              <a:shade val="50000"/>
+            </a:schemeClr>
+          </a:lnRef>
+          <a:fillRef idx="1">
+            <a:schemeClr val="accent1"/>
+          </a:fillRef>
+          <a:effectRef idx="0">
+            <a:schemeClr val="accent1"/>
+          </a:effectRef>
+          <a:fontRef idx="minor">
+            <a:schemeClr val="lt1"/>
+          </a:fontRef>
+        </p:style>
+        <p:txBody>
+          <a:bodyPr rtlCol="0" anchor="ctr"/>
+          <a:lstStyle/>
+          <a:p>
+            <a:pPr algn="ctr"/>
+            <a:r>
+              <a:rPr lang="zh-TW" altLang="en-US" sz="1400" dirty="0">
+                <a:solidFill>
+                  <a:schemeClr val="tx1">
+                    <a:lumMod val="85000"/>
+                    <a:lumOff val="15000"/>
+                  </a:schemeClr>
+                </a:solidFill>
+              </a:rPr>
+              <a:t>▼</a:t>
+            </a:r>
+            <a:endParaRPr lang="zh-TW" altLang="en-US" sz="1100" dirty="0">
+              <a:solidFill>
+                <a:schemeClr val="tx1">
+                  <a:lumMod val="85000"/>
+                  <a:lumOff val="15000"/>
+                </a:schemeClr>
+              </a:solidFill>
+            </a:endParaRPr>
+          </a:p>
+        </p:txBody>
+      </p:sp>
+      <p:sp>
+        <p:nvSpPr>
+          <p:cNvPr id="18" name="矩形 17"/>
+          <p:cNvSpPr/>
+          <p:nvPr/>
+        </p:nvSpPr>
+        <p:spPr>
+          <a:xfrm>
+            <a:off x="11925982" y="630936"/>
+            <a:ext cx="266018" cy="507778"/>
+          </a:xfrm>
+          <a:prstGeom prst="rect">
+            <a:avLst/>
+          </a:prstGeom>
+          <a:solidFill>
+            <a:schemeClr val="bg1">
+              <a:lumMod val="75000"/>
+            </a:schemeClr>
+          </a:solidFill>
+          <a:ln>
+            <a:noFill/>
+          </a:ln>
+        </p:spPr>
+        <p:style>
+          <a:lnRef idx="2">
+            <a:schemeClr val="accent1">
+              <a:shade val="50000"/>
+            </a:schemeClr>
+          </a:lnRef>
+          <a:fillRef idx="1">
+            <a:schemeClr val="accent1"/>
+          </a:fillRef>
+          <a:effectRef idx="0">
+            <a:schemeClr val="accent1"/>
+          </a:effectRef>
+          <a:fontRef idx="minor">
+            <a:schemeClr val="lt1"/>
+          </a:fontRef>
+        </p:style>
+        <p:txBody>
+          <a:bodyPr rtlCol="0" anchor="ctr"/>
+          <a:lstStyle/>
+          <a:p>
+            <a:pPr algn="ctr"/>
+            <a:endParaRPr lang="zh-TW" altLang="en-US"/>
+          </a:p>
+        </p:txBody>
+      </p:sp>
+      <p:sp>
+        <p:nvSpPr>
+          <p:cNvPr id="19" name="文字方塊 18"/>
+          <p:cNvSpPr txBox="1"/>
+          <p:nvPr/>
+        </p:nvSpPr>
+        <p:spPr>
+          <a:xfrm>
+            <a:off x="1699377" y="1006459"/>
+            <a:ext cx="582211" cy="307777"/>
+          </a:xfrm>
+          <a:prstGeom prst="rect">
+            <a:avLst/>
+          </a:prstGeom>
+          <a:noFill/>
+        </p:spPr>
+        <p:txBody>
+          <a:bodyPr wrap="none" rtlCol="0">
+            <a:spAutoFit/>
+          </a:bodyPr>
+          <a:lstStyle/>
+          <a:p>
+            <a:r>
+              <a:rPr lang="en-US" altLang="zh-TW" sz="1400" dirty="0">
+                <a:solidFill>
+                  <a:schemeClr val="bg1"/>
+                </a:solidFill>
+                <a:latin typeface="Consolas" panose="020B0609020204030204" pitchFamily="49" charset="0"/>
+              </a:rPr>
+              <a:t>next</a:t>
+            </a:r>
+            <a:endParaRPr lang="zh-TW" altLang="en-US" sz="1400" b="1" dirty="0">
+              <a:solidFill>
+                <a:schemeClr val="bg1"/>
+              </a:solidFill>
+              <a:latin typeface="Microsoft JhengHei UI Light" panose="020B0304030504040204" pitchFamily="34" charset="-120"/>
+              <a:ea typeface="Microsoft JhengHei UI Light" panose="020B0304030504040204" pitchFamily="34" charset="-120"/>
+            </a:endParaRPr>
+          </a:p>
+        </p:txBody>
+      </p:sp>
+      <p:sp>
+        <p:nvSpPr>
+          <p:cNvPr id="20" name="文字方塊 19"/>
+          <p:cNvSpPr txBox="1"/>
+          <p:nvPr/>
+        </p:nvSpPr>
+        <p:spPr>
+          <a:xfrm>
+            <a:off x="2108645" y="936634"/>
+            <a:ext cx="311304" cy="369332"/>
+          </a:xfrm>
+          <a:prstGeom prst="rect">
+            <a:avLst/>
+          </a:prstGeom>
+          <a:noFill/>
+        </p:spPr>
+        <p:txBody>
+          <a:bodyPr wrap="none" rtlCol="0">
+            <a:spAutoFit/>
+          </a:bodyPr>
+          <a:lstStyle/>
+          <a:p>
+            <a:r>
+              <a:rPr lang="en-US" altLang="zh-TW" b="1" dirty="0">
+                <a:solidFill>
+                  <a:schemeClr val="bg1"/>
+                </a:solidFill>
+                <a:latin typeface="Consolas" panose="020B0609020204030204" pitchFamily="49" charset="0"/>
+              </a:rPr>
+              <a:t>_</a:t>
+            </a:r>
+            <a:endParaRPr lang="zh-TW" altLang="en-US" b="1" dirty="0">
+              <a:solidFill>
+                <a:schemeClr val="bg1"/>
+              </a:solidFill>
+              <a:latin typeface="Consolas" panose="020B0609020204030204" pitchFamily="49" charset="0"/>
+            </a:endParaRPr>
+          </a:p>
+        </p:txBody>
+      </p:sp>
+      <p:sp>
+        <p:nvSpPr>
+          <p:cNvPr id="21" name="文字方塊 20"/>
+          <p:cNvSpPr txBox="1"/>
+          <p:nvPr/>
+        </p:nvSpPr>
+        <p:spPr>
+          <a:xfrm>
+            <a:off x="0" y="1221872"/>
+            <a:ext cx="482824" cy="307777"/>
+          </a:xfrm>
+          <a:prstGeom prst="rect">
+            <a:avLst/>
+          </a:prstGeom>
+          <a:noFill/>
+        </p:spPr>
+        <p:txBody>
+          <a:bodyPr wrap="none" rtlCol="0">
+            <a:spAutoFit/>
+          </a:bodyPr>
+          <a:lstStyle/>
+          <a:p>
+            <a:r>
+              <a:rPr lang="en-US" altLang="zh-TW" sz="1400" dirty="0">
+                <a:solidFill>
+                  <a:schemeClr val="bg1"/>
+                </a:solidFill>
+                <a:latin typeface="Consolas" panose="020B0609020204030204" pitchFamily="49" charset="0"/>
+              </a:rPr>
+              <a:t>&gt;&gt;&gt;</a:t>
+            </a:r>
+            <a:endParaRPr lang="zh-TW" altLang="en-US" sz="1400" dirty="0">
+              <a:solidFill>
+                <a:schemeClr val="bg1"/>
+              </a:solidFill>
+              <a:latin typeface="Consolas" panose="020B0609020204030204" pitchFamily="49" charset="0"/>
+            </a:endParaRPr>
+          </a:p>
+        </p:txBody>
+      </p:sp>
+      <p:sp>
+        <p:nvSpPr>
+          <p:cNvPr id="22" name="文字方塊 21"/>
+          <p:cNvSpPr txBox="1"/>
+          <p:nvPr/>
+        </p:nvSpPr>
+        <p:spPr>
+          <a:xfrm>
+            <a:off x="123092" y="1692653"/>
+            <a:ext cx="184731" cy="830997"/>
+          </a:xfrm>
+          <a:prstGeom prst="rect">
+            <a:avLst/>
+          </a:prstGeom>
+          <a:noFill/>
+        </p:spPr>
+        <p:txBody>
+          <a:bodyPr wrap="none" rtlCol="0">
+            <a:spAutoFit/>
+          </a:bodyPr>
+          <a:lstStyle/>
+          <a:p>
+            <a:endParaRPr lang="zh-TW" altLang="en-US" sz="4800" b="1" dirty="0">
+              <a:solidFill>
+                <a:schemeClr val="bg1"/>
+              </a:solidFill>
+              <a:latin typeface="Microsoft JhengHei UI Light" panose="020B0304030504040204" pitchFamily="34" charset="-120"/>
+              <a:ea typeface="Microsoft JhengHei UI Light" panose="020B0304030504040204" pitchFamily="34" charset="-120"/>
+            </a:endParaRPr>
+          </a:p>
+        </p:txBody>
+      </p:sp>
+      <p:pic>
+        <p:nvPicPr>
+          <p:cNvPr id="3" name="圖片 2">
+            <a:extLst>
+              <a:ext uri="{FF2B5EF4-FFF2-40B4-BE49-F238E27FC236}">
+                <a16:creationId xmlns:a16="http://schemas.microsoft.com/office/drawing/2014/main" id="{480BF6C6-BC71-477D-B317-346FD878C65F}"/>
+              </a:ext>
+            </a:extLst>
+          </p:cNvPr>
+          <p:cNvPicPr>
+            <a:picLocks noChangeAspect="1"/>
+          </p:cNvPicPr>
+          <p:nvPr/>
+        </p:nvPicPr>
+        <p:blipFill>
+          <a:blip r:embed="rId2">
+            <a:clrChange>
+              <a:clrFrom>
+                <a:srgbClr val="000000"/>
+              </a:clrFrom>
+              <a:clrTo>
+                <a:srgbClr val="000000">
+                  <a:alpha val="0"/>
+                </a:srgbClr>
+              </a:clrTo>
+            </a:clrChange>
+          </a:blip>
+          <a:stretch>
+            <a:fillRect/>
+          </a:stretch>
+        </p:blipFill>
+        <p:spPr>
+          <a:xfrm>
+            <a:off x="123092" y="1529649"/>
+            <a:ext cx="4629150" cy="1200150"/>
+          </a:xfrm>
+          <a:prstGeom prst="rect">
+            <a:avLst/>
+          </a:prstGeom>
+        </p:spPr>
+      </p:pic>
     </p:spTree>
     <p:extLst>
       <p:ext uri="{BB962C8B-B14F-4D97-AF65-F5344CB8AC3E}">
-        <p14:creationId xmlns:p14="http://schemas.microsoft.com/office/powerpoint/2010/main" val="2886484694"/>
+        <p14:creationId xmlns:p14="http://schemas.microsoft.com/office/powerpoint/2010/main" val="1919935610"/>
       </p:ext>
     </p:extLst>
   </p:cSld>
   <p:clrMapOvr>
     <a:masterClrMapping/>
   </p:clrMapOvr>
+  <mc:AlternateContent xmlns:mc="http://schemas.openxmlformats.org/markup-compatibility/2006" xmlns:p14="http://schemas.microsoft.com/office/powerpoint/2010/main">
+    <mc:Choice Requires="p14">
+      <p:transition spd="med" p14:dur="700">
+        <p:fade/>
+      </p:transition>
+    </mc:Choice>
+    <mc:Fallback xmlns="">
+      <p:transition spd="med">
+        <p:fade/>
+      </p:transition>
+    </mc:Fallback>
+  </mc:AlternateContent>
+  <p:timing>
+    <p:tnLst>
+      <p:par>
+        <p:cTn id="1" dur="indefinite" restart="never" nodeType="tmRoot">
+          <p:childTnLst>
+            <p:seq concurrent="1" nextAc="seek">
+              <p:cTn id="2" dur="indefinite" nodeType="mainSeq">
+                <p:childTnLst>
+                  <p:par>
+                    <p:cTn id="3" fill="hold">
+                      <p:stCondLst>
+                        <p:cond delay="indefinite"/>
+                        <p:cond evt="onBegin" delay="0">
+                          <p:tn val="2"/>
+                        </p:cond>
+                      </p:stCondLst>
+                      <p:childTnLst>
+                        <p:par>
+                          <p:cTn id="4" fill="hold">
+                            <p:stCondLst>
+                              <p:cond delay="0"/>
+                            </p:stCondLst>
+                            <p:childTnLst>
+                              <p:par>
+                                <p:cTn id="5" presetID="10" presetClass="entr" presetSubtype="0" repeatCount="2000" fill="hold" grpId="0" nodeType="afterEffect">
+                                  <p:stCondLst>
+                                    <p:cond delay="0"/>
+                                  </p:stCondLst>
+                                  <p:childTnLst>
+                                    <p:set>
+                                      <p:cBhvr>
+                                        <p:cTn id="6" dur="1" fill="hold">
+                                          <p:stCondLst>
+                                            <p:cond delay="0"/>
+                                          </p:stCondLst>
+                                        </p:cTn>
+                                        <p:tgtEl>
+                                          <p:spTgt spid="13"/>
+                                        </p:tgtEl>
+                                        <p:attrNameLst>
+                                          <p:attrName>style.visibility</p:attrName>
+                                        </p:attrNameLst>
+                                      </p:cBhvr>
+                                      <p:to>
+                                        <p:strVal val="visible"/>
+                                      </p:to>
+                                    </p:set>
+                                    <p:animEffect transition="in" filter="fade">
+                                      <p:cBhvr>
+                                        <p:cTn id="7" dur="500"/>
+                                        <p:tgtEl>
+                                          <p:spTgt spid="13"/>
+                                        </p:tgtEl>
+                                      </p:cBhvr>
+                                    </p:animEffect>
+                                  </p:childTnLst>
+                                </p:cTn>
+                              </p:par>
+                            </p:childTnLst>
+                          </p:cTn>
+                        </p:par>
+                        <p:par>
+                          <p:cTn id="8" fill="hold">
+                            <p:stCondLst>
+                              <p:cond delay="1000"/>
+                            </p:stCondLst>
+                            <p:childTnLst>
+                              <p:par>
+                                <p:cTn id="9" presetID="22" presetClass="entr" presetSubtype="8" fill="hold" grpId="0" nodeType="afterEffect">
+                                  <p:stCondLst>
+                                    <p:cond delay="0"/>
+                                  </p:stCondLst>
+                                  <p:childTnLst>
+                                    <p:set>
+                                      <p:cBhvr>
+                                        <p:cTn id="10" dur="1" fill="hold">
+                                          <p:stCondLst>
+                                            <p:cond delay="0"/>
+                                          </p:stCondLst>
+                                        </p:cTn>
+                                        <p:tgtEl>
+                                          <p:spTgt spid="19"/>
+                                        </p:tgtEl>
+                                        <p:attrNameLst>
+                                          <p:attrName>style.visibility</p:attrName>
+                                        </p:attrNameLst>
+                                      </p:cBhvr>
+                                      <p:to>
+                                        <p:strVal val="visible"/>
+                                      </p:to>
+                                    </p:set>
+                                    <p:animEffect transition="in" filter="wipe(left)">
+                                      <p:cBhvr>
+                                        <p:cTn id="11" dur="500"/>
+                                        <p:tgtEl>
+                                          <p:spTgt spid="19"/>
+                                        </p:tgtEl>
+                                      </p:cBhvr>
+                                    </p:animEffect>
+                                  </p:childTnLst>
+                                </p:cTn>
+                              </p:par>
+                              <p:par>
+                                <p:cTn id="12" presetID="1" presetClass="exit" presetSubtype="0" fill="hold" grpId="1" nodeType="withEffect">
+                                  <p:stCondLst>
+                                    <p:cond delay="0"/>
+                                  </p:stCondLst>
+                                  <p:childTnLst>
+                                    <p:set>
+                                      <p:cBhvr>
+                                        <p:cTn id="13" dur="1" fill="hold">
+                                          <p:stCondLst>
+                                            <p:cond delay="0"/>
+                                          </p:stCondLst>
+                                        </p:cTn>
+                                        <p:tgtEl>
+                                          <p:spTgt spid="13"/>
+                                        </p:tgtEl>
+                                        <p:attrNameLst>
+                                          <p:attrName>style.visibility</p:attrName>
+                                        </p:attrNameLst>
+                                      </p:cBhvr>
+                                      <p:to>
+                                        <p:strVal val="hidden"/>
+                                      </p:to>
+                                    </p:set>
+                                  </p:childTnLst>
+                                </p:cTn>
+                              </p:par>
+                            </p:childTnLst>
+                          </p:cTn>
+                        </p:par>
+                        <p:par>
+                          <p:cTn id="14" fill="hold">
+                            <p:stCondLst>
+                              <p:cond delay="1500"/>
+                            </p:stCondLst>
+                            <p:childTnLst>
+                              <p:par>
+                                <p:cTn id="15" presetID="10" presetClass="entr" presetSubtype="0" repeatCount="2000" fill="hold" grpId="0" nodeType="afterEffect">
+                                  <p:stCondLst>
+                                    <p:cond delay="0"/>
+                                  </p:stCondLst>
+                                  <p:childTnLst>
+                                    <p:set>
+                                      <p:cBhvr>
+                                        <p:cTn id="16" dur="1" fill="hold">
+                                          <p:stCondLst>
+                                            <p:cond delay="0"/>
+                                          </p:stCondLst>
+                                        </p:cTn>
+                                        <p:tgtEl>
+                                          <p:spTgt spid="20"/>
+                                        </p:tgtEl>
+                                        <p:attrNameLst>
+                                          <p:attrName>style.visibility</p:attrName>
+                                        </p:attrNameLst>
+                                      </p:cBhvr>
+                                      <p:to>
+                                        <p:strVal val="visible"/>
+                                      </p:to>
+                                    </p:set>
+                                    <p:animEffect transition="in" filter="fade">
+                                      <p:cBhvr>
+                                        <p:cTn id="17" dur="500"/>
+                                        <p:tgtEl>
+                                          <p:spTgt spid="20"/>
+                                        </p:tgtEl>
+                                      </p:cBhvr>
+                                    </p:animEffect>
+                                  </p:childTnLst>
+                                </p:cTn>
+                              </p:par>
+                            </p:childTnLst>
+                          </p:cTn>
+                        </p:par>
+                        <p:par>
+                          <p:cTn id="18" fill="hold">
+                            <p:stCondLst>
+                              <p:cond delay="2500"/>
+                            </p:stCondLst>
+                            <p:childTnLst>
+                              <p:par>
+                                <p:cTn id="19" presetID="1" presetClass="exit" presetSubtype="0" fill="hold" grpId="1" nodeType="afterEffect">
+                                  <p:stCondLst>
+                                    <p:cond delay="0"/>
+                                  </p:stCondLst>
+                                  <p:childTnLst>
+                                    <p:set>
+                                      <p:cBhvr>
+                                        <p:cTn id="20" dur="1" fill="hold">
+                                          <p:stCondLst>
+                                            <p:cond delay="0"/>
+                                          </p:stCondLst>
+                                        </p:cTn>
+                                        <p:tgtEl>
+                                          <p:spTgt spid="20"/>
+                                        </p:tgtEl>
+                                        <p:attrNameLst>
+                                          <p:attrName>style.visibility</p:attrName>
+                                        </p:attrNameLst>
+                                      </p:cBhvr>
+                                      <p:to>
+                                        <p:strVal val="hidden"/>
+                                      </p:to>
+                                    </p:set>
+                                  </p:childTnLst>
+                                </p:cTn>
+                              </p:par>
+                              <p:par>
+                                <p:cTn id="21" presetID="1" presetClass="entr" presetSubtype="0" fill="hold" grpId="0" nodeType="withEffect">
+                                  <p:stCondLst>
+                                    <p:cond delay="800"/>
+                                  </p:stCondLst>
+                                  <p:childTnLst>
+                                    <p:set>
+                                      <p:cBhvr>
+                                        <p:cTn id="22" dur="1" fill="hold">
+                                          <p:stCondLst>
+                                            <p:cond delay="0"/>
+                                          </p:stCondLst>
+                                        </p:cTn>
+                                        <p:tgtEl>
+                                          <p:spTgt spid="21"/>
+                                        </p:tgtEl>
+                                        <p:attrNameLst>
+                                          <p:attrName>style.visibility</p:attrName>
+                                        </p:attrNameLst>
+                                      </p:cBhvr>
+                                      <p:to>
+                                        <p:strVal val="visible"/>
+                                      </p:to>
+                                    </p:set>
+                                  </p:childTnLst>
+                                </p:cTn>
+                              </p:par>
+                            </p:childTnLst>
+                          </p:cTn>
+                        </p:par>
+                        <p:par>
+                          <p:cTn id="23" fill="hold">
+                            <p:stCondLst>
+                              <p:cond delay="3300"/>
+                            </p:stCondLst>
+                            <p:childTnLst>
+                              <p:par>
+                                <p:cTn id="24" presetID="22" presetClass="entr" presetSubtype="8" fill="hold" nodeType="afterEffect">
+                                  <p:stCondLst>
+                                    <p:cond delay="700"/>
+                                  </p:stCondLst>
+                                  <p:childTnLst>
+                                    <p:set>
+                                      <p:cBhvr>
+                                        <p:cTn id="25" dur="1" fill="hold">
+                                          <p:stCondLst>
+                                            <p:cond delay="0"/>
+                                          </p:stCondLst>
+                                        </p:cTn>
+                                        <p:tgtEl>
+                                          <p:spTgt spid="3"/>
+                                        </p:tgtEl>
+                                        <p:attrNameLst>
+                                          <p:attrName>style.visibility</p:attrName>
+                                        </p:attrNameLst>
+                                      </p:cBhvr>
+                                      <p:to>
+                                        <p:strVal val="visible"/>
+                                      </p:to>
+                                    </p:set>
+                                    <p:animEffect transition="in" filter="wipe(left)">
+                                      <p:cBhvr>
+                                        <p:cTn id="26" dur="500"/>
+                                        <p:tgtEl>
+                                          <p:spTgt spid="3"/>
+                                        </p:tgtEl>
+                                      </p:cBhvr>
+                                    </p:animEffect>
+                                  </p:childTnLst>
+                                </p:cTn>
+                              </p:par>
+                            </p:childTnLst>
+                          </p:cTn>
+                        </p:par>
+                      </p:childTnLst>
+                    </p:cTn>
+                  </p:par>
+                </p:childTnLst>
+              </p:cTn>
+              <p:prevCondLst>
+                <p:cond evt="onPrev" delay="0">
+                  <p:tgtEl>
+                    <p:sldTgt/>
+                  </p:tgtEl>
+                </p:cond>
+              </p:prevCondLst>
+              <p:nextCondLst>
+                <p:cond evt="onNext" delay="0">
+                  <p:tgtEl>
+                    <p:sldTgt/>
+                  </p:tgtEl>
+                </p:cond>
+              </p:nextCondLst>
+            </p:seq>
+          </p:childTnLst>
+        </p:cTn>
+      </p:par>
+    </p:tnLst>
+    <p:bldLst>
+      <p:bldP spid="13" grpId="0"/>
+      <p:bldP spid="13" grpId="1"/>
+      <p:bldP spid="19" grpId="0"/>
+      <p:bldP spid="20" grpId="0"/>
+      <p:bldP spid="20" grpId="1"/>
+      <p:bldP spid="21" grpId="0"/>
+    </p:bldLst>
+  </p:timing>
 </p:sld>
 </file>
 
-<file path=ppt/slides/slide13.xml><?xml version="1.0" encoding="utf-8"?>
+<file path=ppt/slides/slide12.xml><?xml version="1.0" encoding="utf-8"?>
 <p:sld xmlns:a="http://schemas.openxmlformats.org/drawingml/2006/main" xmlns:r="http://schemas.openxmlformats.org/officeDocument/2006/relationships" xmlns:p="http://schemas.openxmlformats.org/presentationml/2006/main">
   <p:cSld>
     <p:spTree>
@@ -10294,7 +10682,7 @@
 </p:sld>
 </file>
 
-<file path=ppt/slides/slide14.xml><?xml version="1.0" encoding="utf-8"?>
+<file path=ppt/slides/slide13.xml><?xml version="1.0" encoding="utf-8"?>
 <p:sld xmlns:a="http://schemas.openxmlformats.org/drawingml/2006/main" xmlns:r="http://schemas.openxmlformats.org/officeDocument/2006/relationships" xmlns:p="http://schemas.openxmlformats.org/presentationml/2006/main">
   <p:cSld>
     <p:spTree>
@@ -12252,6 +12640,46 @@
           </a:p>
         </p:txBody>
       </p:sp>
+      <p:pic>
+        <p:nvPicPr>
+          <p:cNvPr id="12" name="圖片 11">
+            <a:extLst>
+              <a:ext uri="{FF2B5EF4-FFF2-40B4-BE49-F238E27FC236}">
+                <a16:creationId xmlns:a16="http://schemas.microsoft.com/office/drawing/2014/main" id="{B9DF6B5C-771F-47F3-86B1-8F20232752D4}"/>
+              </a:ext>
+            </a:extLst>
+          </p:cNvPr>
+          <p:cNvPicPr>
+            <a:picLocks noChangeAspect="1"/>
+          </p:cNvPicPr>
+          <p:nvPr/>
+        </p:nvPicPr>
+        <p:blipFill rotWithShape="1">
+          <a:blip r:embed="rId2">
+            <a:clrChange>
+              <a:clrFrom>
+                <a:srgbClr val="000000"/>
+              </a:clrFrom>
+              <a:clrTo>
+                <a:srgbClr val="000000">
+                  <a:alpha val="0"/>
+                </a:srgbClr>
+              </a:clrTo>
+            </a:clrChange>
+          </a:blip>
+          <a:srcRect l="5071" t="10572" r="10753" b="14642"/>
+          <a:stretch/>
+        </p:blipFill>
+        <p:spPr>
+          <a:xfrm>
+            <a:off x="123092" y="1511984"/>
+            <a:ext cx="4588757" cy="1258363"/>
+          </a:xfrm>
+          <a:prstGeom prst="rect">
+            <a:avLst/>
+          </a:prstGeom>
+        </p:spPr>
+      </p:pic>
     </p:spTree>
     <p:extLst>
       <p:ext uri="{BB962C8B-B14F-4D97-AF65-F5344CB8AC3E}">
@@ -12510,26 +12938,30 @@
                                   </p:childTnLst>
                                 </p:cTn>
                               </p:par>
+                            </p:childTnLst>
+                          </p:cTn>
+                        </p:par>
+                        <p:par>
+                          <p:cTn id="23" fill="hold">
+                            <p:stCondLst>
+                              <p:cond delay="3300"/>
+                            </p:stCondLst>
+                            <p:childTnLst>
                               <p:par>
-                                <p:cTn id="23" presetID="22" presetClass="entr" presetSubtype="8" fill="hold" grpId="0" nodeType="withEffect" nodePh="1">
+                                <p:cTn id="24" presetID="22" presetClass="entr" presetSubtype="8" fill="hold" nodeType="afterEffect">
                                   <p:stCondLst>
-                                    <p:cond delay="1500"/>
+                                    <p:cond delay="700"/>
                                   </p:stCondLst>
-                                  <p:endCondLst>
-                                    <p:cond evt="begin" delay="0">
-                                      <p:tn val="23"/>
-                                    </p:cond>
-                                  </p:endCondLst>
                                   <p:childTnLst>
                                     <p:set>
                                       <p:cBhvr>
-                                        <p:cTn id="24" dur="1" fill="hold">
+                                        <p:cTn id="25" dur="1" fill="hold">
                                           <p:stCondLst>
                                             <p:cond delay="0"/>
                                           </p:stCondLst>
                                         </p:cTn>
                                         <p:tgtEl>
-                                          <p:spTgt spid="22"/>
+                                          <p:spTgt spid="12"/>
                                         </p:tgtEl>
                                         <p:attrNameLst>
                                           <p:attrName>style.visibility</p:attrName>
@@ -12541,9 +12973,9 @@
                                     </p:set>
                                     <p:animEffect transition="in" filter="wipe(left)">
                                       <p:cBhvr>
-                                        <p:cTn id="25" dur="500"/>
+                                        <p:cTn id="26" dur="500"/>
                                         <p:tgtEl>
-                                          <p:spTgt spid="22"/>
+                                          <p:spTgt spid="12"/>
                                         </p:tgtEl>
                                       </p:cBhvr>
                                     </p:animEffect>
@@ -12584,429 +13016,12 @@
       <p:bldP spid="20" grpId="0"/>
       <p:bldP spid="20" grpId="1"/>
       <p:bldP spid="21" grpId="0"/>
-      <p:bldP spid="22" grpId="0"/>
     </p:bldLst>
   </p:timing>
 </p:sld>
 </file>
 
 <file path=ppt/slides/slide3.xml><?xml version="1.0" encoding="utf-8"?>
-<p:sld xmlns:a="http://schemas.openxmlformats.org/drawingml/2006/main" xmlns:r="http://schemas.openxmlformats.org/officeDocument/2006/relationships" xmlns:p="http://schemas.openxmlformats.org/presentationml/2006/main">
-  <p:cSld>
-    <p:spTree>
-      <p:nvGrpSpPr>
-        <p:cNvPr id="1" name=""/>
-        <p:cNvGrpSpPr/>
-        <p:nvPr/>
-      </p:nvGrpSpPr>
-      <p:grpSpPr>
-        <a:xfrm>
-          <a:off x="0" y="0"/>
-          <a:ext cx="0" cy="0"/>
-          <a:chOff x="0" y="0"/>
-          <a:chExt cx="0" cy="0"/>
-        </a:xfrm>
-      </p:grpSpPr>
-      <p:sp>
-        <p:nvSpPr>
-          <p:cNvPr id="2" name="標題 1">
-            <a:extLst>
-              <a:ext uri="{FF2B5EF4-FFF2-40B4-BE49-F238E27FC236}">
-                <a16:creationId xmlns:a16="http://schemas.microsoft.com/office/drawing/2014/main" id="{7C682F12-A26B-4A8B-B825-20E4F49F4788}"/>
-              </a:ext>
-            </a:extLst>
-          </p:cNvPr>
-          <p:cNvSpPr>
-            <a:spLocks noGrp="1"/>
-          </p:cNvSpPr>
-          <p:nvPr>
-            <p:ph type="title"/>
-          </p:nvPr>
-        </p:nvSpPr>
-        <p:spPr/>
-        <p:txBody>
-          <a:bodyPr/>
-          <a:lstStyle/>
-          <a:p>
-            <a:endParaRPr lang="zh-TW" altLang="en-US"/>
-          </a:p>
-        </p:txBody>
-      </p:sp>
-      <p:sp>
-        <p:nvSpPr>
-          <p:cNvPr id="3" name="內容版面配置區 2">
-            <a:extLst>
-              <a:ext uri="{FF2B5EF4-FFF2-40B4-BE49-F238E27FC236}">
-                <a16:creationId xmlns:a16="http://schemas.microsoft.com/office/drawing/2014/main" id="{F3205601-1379-454D-8099-B1BD56FD947F}"/>
-              </a:ext>
-            </a:extLst>
-          </p:cNvPr>
-          <p:cNvSpPr>
-            <a:spLocks noGrp="1"/>
-          </p:cNvSpPr>
-          <p:nvPr>
-            <p:ph idx="1"/>
-          </p:nvPr>
-        </p:nvSpPr>
-        <p:spPr/>
-        <p:txBody>
-          <a:bodyPr/>
-          <a:lstStyle/>
-          <a:p>
-            <a:endParaRPr lang="zh-TW" altLang="en-US"/>
-          </a:p>
-        </p:txBody>
-      </p:sp>
-      <p:sp>
-        <p:nvSpPr>
-          <p:cNvPr id="4" name="矩形 3">
-            <a:extLst>
-              <a:ext uri="{FF2B5EF4-FFF2-40B4-BE49-F238E27FC236}">
-                <a16:creationId xmlns:a16="http://schemas.microsoft.com/office/drawing/2014/main" id="{F194E2B7-11F7-4004-84BA-EA643EED2BDD}"/>
-              </a:ext>
-            </a:extLst>
-          </p:cNvPr>
-          <p:cNvSpPr/>
-          <p:nvPr/>
-        </p:nvSpPr>
-        <p:spPr>
-          <a:xfrm>
-            <a:off x="0" y="0"/>
-            <a:ext cx="12192000" cy="6858000"/>
-          </a:xfrm>
-          <a:prstGeom prst="rect">
-            <a:avLst/>
-          </a:prstGeom>
-          <a:solidFill>
-            <a:schemeClr val="tx1">
-              <a:lumMod val="85000"/>
-              <a:lumOff val="15000"/>
-            </a:schemeClr>
-          </a:solidFill>
-          <a:ln>
-            <a:noFill/>
-          </a:ln>
-        </p:spPr>
-        <p:style>
-          <a:lnRef idx="2">
-            <a:schemeClr val="accent1">
-              <a:shade val="50000"/>
-            </a:schemeClr>
-          </a:lnRef>
-          <a:fillRef idx="1">
-            <a:schemeClr val="accent1"/>
-          </a:fillRef>
-          <a:effectRef idx="0">
-            <a:schemeClr val="accent1"/>
-          </a:effectRef>
-          <a:fontRef idx="minor">
-            <a:schemeClr val="lt1"/>
-          </a:fontRef>
-        </p:style>
-        <p:txBody>
-          <a:bodyPr rtlCol="0" anchor="ctr"/>
-          <a:lstStyle/>
-          <a:p>
-            <a:pPr algn="ctr"/>
-            <a:endParaRPr lang="zh-TW" altLang="en-US" dirty="0"/>
-          </a:p>
-        </p:txBody>
-      </p:sp>
-      <p:sp>
-        <p:nvSpPr>
-          <p:cNvPr id="5" name="矩形 4">
-            <a:extLst>
-              <a:ext uri="{FF2B5EF4-FFF2-40B4-BE49-F238E27FC236}">
-                <a16:creationId xmlns:a16="http://schemas.microsoft.com/office/drawing/2014/main" id="{FED41C80-97E6-423F-93F8-2439EA2B8951}"/>
-              </a:ext>
-            </a:extLst>
-          </p:cNvPr>
-          <p:cNvSpPr/>
-          <p:nvPr/>
-        </p:nvSpPr>
-        <p:spPr>
-          <a:xfrm>
-            <a:off x="0" y="0"/>
-            <a:ext cx="12192000" cy="369277"/>
-          </a:xfrm>
-          <a:prstGeom prst="rect">
-            <a:avLst/>
-          </a:prstGeom>
-          <a:solidFill>
-            <a:schemeClr val="bg1"/>
-          </a:solidFill>
-          <a:ln>
-            <a:noFill/>
-          </a:ln>
-        </p:spPr>
-        <p:style>
-          <a:lnRef idx="2">
-            <a:schemeClr val="accent1">
-              <a:shade val="50000"/>
-            </a:schemeClr>
-          </a:lnRef>
-          <a:fillRef idx="1">
-            <a:schemeClr val="accent1"/>
-          </a:fillRef>
-          <a:effectRef idx="0">
-            <a:schemeClr val="accent1"/>
-          </a:effectRef>
-          <a:fontRef idx="minor">
-            <a:schemeClr val="lt1"/>
-          </a:fontRef>
-        </p:style>
-        <p:txBody>
-          <a:bodyPr rtlCol="0" anchor="ctr"/>
-          <a:lstStyle/>
-          <a:p>
-            <a:pPr algn="ctr"/>
-            <a:endParaRPr lang="zh-TW" altLang="en-US"/>
-          </a:p>
-        </p:txBody>
-      </p:sp>
-      <p:sp>
-        <p:nvSpPr>
-          <p:cNvPr id="7" name="文字方塊 6">
-            <a:extLst>
-              <a:ext uri="{FF2B5EF4-FFF2-40B4-BE49-F238E27FC236}">
-                <a16:creationId xmlns:a16="http://schemas.microsoft.com/office/drawing/2014/main" id="{4FEA02E5-9C85-4FB6-B6CC-93C3AB69BD57}"/>
-              </a:ext>
-            </a:extLst>
-          </p:cNvPr>
-          <p:cNvSpPr txBox="1"/>
-          <p:nvPr/>
-        </p:nvSpPr>
-        <p:spPr>
-          <a:xfrm>
-            <a:off x="525718" y="46137"/>
-            <a:ext cx="4198585" cy="276999"/>
-          </a:xfrm>
-          <a:prstGeom prst="rect">
-            <a:avLst/>
-          </a:prstGeom>
-          <a:noFill/>
-        </p:spPr>
-        <p:txBody>
-          <a:bodyPr wrap="none" rtlCol="0">
-            <a:spAutoFit/>
-          </a:bodyPr>
-          <a:lstStyle/>
-          <a:p>
-            <a:r>
-              <a:rPr lang="en-US" altLang="zh-TW" sz="1200" b="1" dirty="0">
-                <a:solidFill>
-                  <a:schemeClr val="tx1">
-                    <a:lumMod val="85000"/>
-                    <a:lumOff val="15000"/>
-                  </a:schemeClr>
-                </a:solidFill>
-                <a:latin typeface="Consolas" panose="020B0609020204030204" pitchFamily="49" charset="0"/>
-              </a:rPr>
-              <a:t>C:\NTUST\WebpagesDevelopment\Team05\</a:t>
-            </a:r>
-            <a:r>
-              <a:rPr lang="zh-TW" altLang="en-US" sz="1200" b="1" dirty="0">
-                <a:solidFill>
-                  <a:schemeClr val="tx1">
-                    <a:lumMod val="85000"/>
-                    <a:lumOff val="15000"/>
-                  </a:schemeClr>
-                </a:solidFill>
-                <a:latin typeface="Microsoft JhengHei UI Light" panose="020B0304030504040204" pitchFamily="34" charset="-120"/>
-                <a:ea typeface="Microsoft JhengHei UI Light" panose="020B0304030504040204" pitchFamily="34" charset="-120"/>
-              </a:rPr>
-              <a:t>碼農天堂</a:t>
-            </a:r>
-            <a:r>
-              <a:rPr lang="en-US" altLang="zh-TW" sz="1200" b="1" dirty="0">
-                <a:solidFill>
-                  <a:schemeClr val="tx1">
-                    <a:lumMod val="85000"/>
-                    <a:lumOff val="15000"/>
-                  </a:schemeClr>
-                </a:solidFill>
-                <a:latin typeface="Consolas" panose="020B0609020204030204" pitchFamily="49" charset="0"/>
-              </a:rPr>
-              <a:t>.exe</a:t>
-            </a:r>
-            <a:endParaRPr lang="zh-TW" altLang="en-US" sz="1200" b="1" dirty="0">
-              <a:solidFill>
-                <a:schemeClr val="tx1">
-                  <a:lumMod val="85000"/>
-                  <a:lumOff val="15000"/>
-                </a:schemeClr>
-              </a:solidFill>
-              <a:latin typeface="Consolas" panose="020B0609020204030204" pitchFamily="49" charset="0"/>
-            </a:endParaRPr>
-          </a:p>
-        </p:txBody>
-      </p:sp>
-      <p:sp>
-        <p:nvSpPr>
-          <p:cNvPr id="8" name="文字方塊 7">
-            <a:extLst>
-              <a:ext uri="{FF2B5EF4-FFF2-40B4-BE49-F238E27FC236}">
-                <a16:creationId xmlns:a16="http://schemas.microsoft.com/office/drawing/2014/main" id="{AB184E4D-4597-480B-A1A5-DB5D6F45804F}"/>
-              </a:ext>
-            </a:extLst>
-          </p:cNvPr>
-          <p:cNvSpPr txBox="1"/>
-          <p:nvPr/>
-        </p:nvSpPr>
-        <p:spPr>
-          <a:xfrm>
-            <a:off x="123092" y="61527"/>
-            <a:ext cx="396262" cy="246221"/>
-          </a:xfrm>
-          <a:prstGeom prst="rect">
-            <a:avLst/>
-          </a:prstGeom>
-          <a:solidFill>
-            <a:schemeClr val="tx1">
-              <a:lumMod val="85000"/>
-              <a:lumOff val="15000"/>
-            </a:schemeClr>
-          </a:solidFill>
-          <a:ln w="28575">
-            <a:solidFill>
-              <a:schemeClr val="bg1">
-                <a:lumMod val="65000"/>
-              </a:schemeClr>
-            </a:solidFill>
-          </a:ln>
-        </p:spPr>
-        <p:txBody>
-          <a:bodyPr wrap="none" rtlCol="0">
-            <a:spAutoFit/>
-          </a:bodyPr>
-          <a:lstStyle/>
-          <a:p>
-            <a:r>
-              <a:rPr lang="en-US" altLang="zh-TW" sz="1000" dirty="0">
-                <a:solidFill>
-                  <a:schemeClr val="bg1"/>
-                </a:solidFill>
-                <a:latin typeface="Consolas" panose="020B0609020204030204" pitchFamily="49" charset="0"/>
-              </a:rPr>
-              <a:t>CPP</a:t>
-            </a:r>
-            <a:endParaRPr lang="zh-TW" altLang="en-US" sz="1000" dirty="0">
-              <a:solidFill>
-                <a:schemeClr val="bg1"/>
-              </a:solidFill>
-              <a:latin typeface="Consolas" panose="020B0609020204030204" pitchFamily="49" charset="0"/>
-            </a:endParaRPr>
-          </a:p>
-        </p:txBody>
-      </p:sp>
-      <p:sp>
-        <p:nvSpPr>
-          <p:cNvPr id="9" name="文字方塊 8">
-            <a:extLst>
-              <a:ext uri="{FF2B5EF4-FFF2-40B4-BE49-F238E27FC236}">
-                <a16:creationId xmlns:a16="http://schemas.microsoft.com/office/drawing/2014/main" id="{D329A510-E83B-4003-AC2A-AEF7EDA692D4}"/>
-              </a:ext>
-            </a:extLst>
-          </p:cNvPr>
-          <p:cNvSpPr txBox="1"/>
-          <p:nvPr/>
-        </p:nvSpPr>
-        <p:spPr>
-          <a:xfrm>
-            <a:off x="0" y="369273"/>
-            <a:ext cx="4259499" cy="954107"/>
-          </a:xfrm>
-          <a:prstGeom prst="rect">
-            <a:avLst/>
-          </a:prstGeom>
-          <a:noFill/>
-        </p:spPr>
-        <p:txBody>
-          <a:bodyPr wrap="none" rtlCol="0">
-            <a:spAutoFit/>
-          </a:bodyPr>
-          <a:lstStyle/>
-          <a:p>
-            <a:r>
-              <a:rPr lang="en-US" altLang="zh-TW" sz="1400" dirty="0">
-                <a:solidFill>
-                  <a:schemeClr val="bg1"/>
-                </a:solidFill>
-                <a:latin typeface="Consolas" panose="020B0609020204030204" pitchFamily="49" charset="0"/>
-              </a:rPr>
-              <a:t>Webpages Development</a:t>
-            </a:r>
-            <a:r>
-              <a:rPr lang="zh-TW" altLang="en-US" sz="1400" dirty="0">
-                <a:solidFill>
-                  <a:schemeClr val="bg1"/>
-                </a:solidFill>
-                <a:latin typeface="Consolas" panose="020B0609020204030204" pitchFamily="49" charset="0"/>
-              </a:rPr>
-              <a:t> </a:t>
-            </a:r>
-            <a:r>
-              <a:rPr lang="en-US" altLang="zh-TW" sz="1400" dirty="0">
-                <a:solidFill>
-                  <a:schemeClr val="bg1"/>
-                </a:solidFill>
-                <a:latin typeface="Consolas" panose="020B0609020204030204" pitchFamily="49" charset="0"/>
-              </a:rPr>
-              <a:t>[Version 2019.04.19]</a:t>
-            </a:r>
-          </a:p>
-          <a:p>
-            <a:r>
-              <a:rPr lang="en-US" altLang="zh-TW" sz="1400" dirty="0">
-                <a:solidFill>
-                  <a:schemeClr val="bg1"/>
-                </a:solidFill>
-                <a:latin typeface="Consolas" panose="020B0609020204030204" pitchFamily="49" charset="0"/>
-              </a:rPr>
-              <a:t>(c) 2019 NTUST</a:t>
-            </a:r>
-          </a:p>
-          <a:p>
-            <a:endParaRPr lang="en-US" altLang="zh-TW" sz="1400" dirty="0">
-              <a:solidFill>
-                <a:schemeClr val="bg1"/>
-              </a:solidFill>
-              <a:latin typeface="Consolas" panose="020B0609020204030204" pitchFamily="49" charset="0"/>
-            </a:endParaRPr>
-          </a:p>
-          <a:p>
-            <a:r>
-              <a:rPr lang="en-US" altLang="zh-TW" sz="1400" dirty="0">
-                <a:solidFill>
-                  <a:schemeClr val="bg1"/>
-                </a:solidFill>
-                <a:latin typeface="Consolas" panose="020B0609020204030204" pitchFamily="49" charset="0"/>
-              </a:rPr>
-              <a:t>C:\Users\student&gt;next</a:t>
-            </a:r>
-            <a:endParaRPr lang="zh-TW" altLang="en-US" sz="1400" dirty="0">
-              <a:solidFill>
-                <a:schemeClr val="bg1"/>
-              </a:solidFill>
-              <a:latin typeface="Consolas" panose="020B0609020204030204" pitchFamily="49" charset="0"/>
-            </a:endParaRPr>
-          </a:p>
-        </p:txBody>
-      </p:sp>
-    </p:spTree>
-    <p:extLst>
-      <p:ext uri="{BB962C8B-B14F-4D97-AF65-F5344CB8AC3E}">
-        <p14:creationId xmlns:p14="http://schemas.microsoft.com/office/powerpoint/2010/main" val="156957871"/>
-      </p:ext>
-    </p:extLst>
-  </p:cSld>
-  <p:clrMapOvr>
-    <a:masterClrMapping/>
-  </p:clrMapOvr>
-</p:sld>
-</file>
-
-<file path=ppt/slides/slide4.xml><?xml version="1.0" encoding="utf-8"?>
 <p:sld xmlns:a="http://schemas.openxmlformats.org/drawingml/2006/main" xmlns:r="http://schemas.openxmlformats.org/officeDocument/2006/relationships" xmlns:p="http://schemas.openxmlformats.org/presentationml/2006/main">
   <p:cSld>
     <p:spTree>
@@ -14517,7 +14532,7 @@
 </p:sld>
 </file>
 
-<file path=ppt/slides/slide5.xml><?xml version="1.0" encoding="utf-8"?>
+<file path=ppt/slides/slide4.xml><?xml version="1.0" encoding="utf-8"?>
 <p:sld xmlns:a="http://schemas.openxmlformats.org/drawingml/2006/main" xmlns:r="http://schemas.openxmlformats.org/officeDocument/2006/relationships" xmlns:p="http://schemas.openxmlformats.org/presentationml/2006/main">
   <p:cSld>
     <p:spTree>
@@ -14536,69 +14551,13 @@
       </p:grpSpPr>
       <p:sp>
         <p:nvSpPr>
-          <p:cNvPr id="2" name="標題 1">
-            <a:extLst>
-              <a:ext uri="{FF2B5EF4-FFF2-40B4-BE49-F238E27FC236}">
-                <a16:creationId xmlns:a16="http://schemas.microsoft.com/office/drawing/2014/main" id="{7C682F12-A26B-4A8B-B825-20E4F49F4788}"/>
-              </a:ext>
-            </a:extLst>
-          </p:cNvPr>
-          <p:cNvSpPr>
-            <a:spLocks noGrp="1"/>
-          </p:cNvSpPr>
-          <p:nvPr>
-            <p:ph type="title"/>
-          </p:nvPr>
-        </p:nvSpPr>
-        <p:spPr/>
-        <p:txBody>
-          <a:bodyPr/>
-          <a:lstStyle/>
-          <a:p>
-            <a:endParaRPr lang="zh-TW" altLang="en-US"/>
-          </a:p>
-        </p:txBody>
-      </p:sp>
-      <p:sp>
-        <p:nvSpPr>
-          <p:cNvPr id="3" name="內容版面配置區 2">
-            <a:extLst>
-              <a:ext uri="{FF2B5EF4-FFF2-40B4-BE49-F238E27FC236}">
-                <a16:creationId xmlns:a16="http://schemas.microsoft.com/office/drawing/2014/main" id="{F3205601-1379-454D-8099-B1BD56FD947F}"/>
-              </a:ext>
-            </a:extLst>
-          </p:cNvPr>
-          <p:cNvSpPr>
-            <a:spLocks noGrp="1"/>
-          </p:cNvSpPr>
-          <p:nvPr>
-            <p:ph idx="1"/>
-          </p:nvPr>
-        </p:nvSpPr>
-        <p:spPr/>
-        <p:txBody>
-          <a:bodyPr/>
-          <a:lstStyle/>
-          <a:p>
-            <a:endParaRPr lang="zh-TW" altLang="en-US"/>
-          </a:p>
-        </p:txBody>
-      </p:sp>
-      <p:sp>
-        <p:nvSpPr>
-          <p:cNvPr id="4" name="矩形 3">
-            <a:extLst>
-              <a:ext uri="{FF2B5EF4-FFF2-40B4-BE49-F238E27FC236}">
-                <a16:creationId xmlns:a16="http://schemas.microsoft.com/office/drawing/2014/main" id="{F194E2B7-11F7-4004-84BA-EA643EED2BDD}"/>
-              </a:ext>
-            </a:extLst>
-          </p:cNvPr>
+          <p:cNvPr id="4" name="矩形 3"/>
           <p:cNvSpPr/>
           <p:nvPr/>
         </p:nvSpPr>
         <p:spPr>
           <a:xfrm>
-            <a:off x="0" y="0"/>
+            <a:off x="-45445" y="-630936"/>
             <a:ext cx="12192000" cy="6858000"/>
           </a:xfrm>
           <a:prstGeom prst="rect">
@@ -14641,13 +14600,7 @@
       </p:sp>
       <p:sp>
         <p:nvSpPr>
-          <p:cNvPr id="5" name="矩形 4">
-            <a:extLst>
-              <a:ext uri="{FF2B5EF4-FFF2-40B4-BE49-F238E27FC236}">
-                <a16:creationId xmlns:a16="http://schemas.microsoft.com/office/drawing/2014/main" id="{FED41C80-97E6-423F-93F8-2439EA2B8951}"/>
-              </a:ext>
-            </a:extLst>
-          </p:cNvPr>
+          <p:cNvPr id="5" name="矩形 4"/>
           <p:cNvSpPr/>
           <p:nvPr/>
         </p:nvSpPr>
@@ -14693,90 +14646,7 @@
       </p:sp>
       <p:sp>
         <p:nvSpPr>
-          <p:cNvPr id="7" name="文字方塊 6">
-            <a:extLst>
-              <a:ext uri="{FF2B5EF4-FFF2-40B4-BE49-F238E27FC236}">
-                <a16:creationId xmlns:a16="http://schemas.microsoft.com/office/drawing/2014/main" id="{4FEA02E5-9C85-4FB6-B6CC-93C3AB69BD57}"/>
-              </a:ext>
-            </a:extLst>
-          </p:cNvPr>
-          <p:cNvSpPr txBox="1"/>
-          <p:nvPr/>
-        </p:nvSpPr>
-        <p:spPr>
-          <a:xfrm>
-            <a:off x="525718" y="46137"/>
-            <a:ext cx="4198585" cy="276999"/>
-          </a:xfrm>
-          <a:prstGeom prst="rect">
-            <a:avLst/>
-          </a:prstGeom>
-          <a:noFill/>
-        </p:spPr>
-        <p:txBody>
-          <a:bodyPr wrap="none" rtlCol="0">
-            <a:spAutoFit/>
-          </a:bodyPr>
-          <a:lstStyle/>
-          <a:p>
-            <a:r>
-              <a:rPr lang="en-US" altLang="zh-TW" sz="1200" b="1" dirty="0">
-                <a:solidFill>
-                  <a:schemeClr val="tx1">
-                    <a:lumMod val="85000"/>
-                    <a:lumOff val="15000"/>
-                  </a:schemeClr>
-                </a:solidFill>
-                <a:latin typeface="Consolas" panose="020B0609020204030204" pitchFamily="49" charset="0"/>
-              </a:rPr>
-              <a:t>C:\NTUST\WebpagesDevelopment\Team05\</a:t>
-            </a:r>
-            <a:r>
-              <a:rPr lang="zh-TW" altLang="en-US" sz="1200" b="1" dirty="0">
-                <a:solidFill>
-                  <a:schemeClr val="tx1">
-                    <a:lumMod val="85000"/>
-                    <a:lumOff val="15000"/>
-                  </a:schemeClr>
-                </a:solidFill>
-                <a:latin typeface="Microsoft JhengHei UI Light" panose="020B0304030504040204" pitchFamily="34" charset="-120"/>
-                <a:ea typeface="Microsoft JhengHei UI Light" panose="020B0304030504040204" pitchFamily="34" charset="-120"/>
-              </a:rPr>
-              <a:t>碼農天堂</a:t>
-            </a:r>
-            <a:r>
-              <a:rPr lang="en-US" altLang="zh-TW" sz="1200" b="1" dirty="0">
-                <a:solidFill>
-                  <a:schemeClr val="tx1">
-                    <a:lumMod val="85000"/>
-                    <a:lumOff val="15000"/>
-                  </a:schemeClr>
-                </a:solidFill>
-                <a:latin typeface="Consolas" panose="020B0609020204030204" pitchFamily="49" charset="0"/>
-              </a:rPr>
-              <a:t>.exe</a:t>
-            </a:r>
-            <a:endParaRPr lang="zh-TW" altLang="en-US" sz="1200" b="1" dirty="0">
-              <a:solidFill>
-                <a:schemeClr val="tx1">
-                  <a:lumMod val="85000"/>
-                  <a:lumOff val="15000"/>
-                </a:schemeClr>
-              </a:solidFill>
-              <a:latin typeface="Consolas" panose="020B0609020204030204" pitchFamily="49" charset="0"/>
-            </a:endParaRPr>
-          </a:p>
-        </p:txBody>
-      </p:sp>
-      <p:sp>
-        <p:nvSpPr>
-          <p:cNvPr id="8" name="文字方塊 7">
-            <a:extLst>
-              <a:ext uri="{FF2B5EF4-FFF2-40B4-BE49-F238E27FC236}">
-                <a16:creationId xmlns:a16="http://schemas.microsoft.com/office/drawing/2014/main" id="{AB184E4D-4597-480B-A1A5-DB5D6F45804F}"/>
-              </a:ext>
-            </a:extLst>
-          </p:cNvPr>
+          <p:cNvPr id="6" name="文字方塊 5"/>
           <p:cNvSpPr txBox="1"/>
           <p:nvPr/>
         </p:nvSpPr>
@@ -14828,13 +14698,181 @@
       </p:sp>
       <p:sp>
         <p:nvSpPr>
-          <p:cNvPr id="9" name="文字方塊 8">
-            <a:extLst>
-              <a:ext uri="{FF2B5EF4-FFF2-40B4-BE49-F238E27FC236}">
-                <a16:creationId xmlns:a16="http://schemas.microsoft.com/office/drawing/2014/main" id="{D329A510-E83B-4003-AC2A-AEF7EDA692D4}"/>
-              </a:ext>
-            </a:extLst>
-          </p:cNvPr>
+          <p:cNvPr id="7" name="文字方塊 6"/>
+          <p:cNvSpPr txBox="1"/>
+          <p:nvPr/>
+        </p:nvSpPr>
+        <p:spPr>
+          <a:xfrm>
+            <a:off x="525718" y="46137"/>
+            <a:ext cx="4198585" cy="276999"/>
+          </a:xfrm>
+          <a:prstGeom prst="rect">
+            <a:avLst/>
+          </a:prstGeom>
+          <a:noFill/>
+        </p:spPr>
+        <p:txBody>
+          <a:bodyPr wrap="none" rtlCol="0">
+            <a:spAutoFit/>
+          </a:bodyPr>
+          <a:lstStyle/>
+          <a:p>
+            <a:r>
+              <a:rPr lang="en-US" altLang="zh-TW" sz="1200" b="1" dirty="0">
+                <a:solidFill>
+                  <a:schemeClr val="tx1">
+                    <a:lumMod val="85000"/>
+                    <a:lumOff val="15000"/>
+                  </a:schemeClr>
+                </a:solidFill>
+                <a:latin typeface="Consolas" panose="020B0609020204030204" pitchFamily="49" charset="0"/>
+              </a:rPr>
+              <a:t>C:\NTUST\WebpagesDevelopment\Team05\</a:t>
+            </a:r>
+            <a:r>
+              <a:rPr lang="zh-TW" altLang="en-US" sz="1200" b="1" dirty="0">
+                <a:solidFill>
+                  <a:schemeClr val="tx1">
+                    <a:lumMod val="85000"/>
+                    <a:lumOff val="15000"/>
+                  </a:schemeClr>
+                </a:solidFill>
+                <a:latin typeface="Microsoft JhengHei UI Light" panose="020B0304030504040204" pitchFamily="34" charset="-120"/>
+                <a:ea typeface="Microsoft JhengHei UI Light" panose="020B0304030504040204" pitchFamily="34" charset="-120"/>
+              </a:rPr>
+              <a:t>碼農天堂</a:t>
+            </a:r>
+            <a:r>
+              <a:rPr lang="en-US" altLang="zh-TW" sz="1200" b="1" dirty="0">
+                <a:solidFill>
+                  <a:schemeClr val="tx1">
+                    <a:lumMod val="85000"/>
+                    <a:lumOff val="15000"/>
+                  </a:schemeClr>
+                </a:solidFill>
+                <a:latin typeface="Consolas" panose="020B0609020204030204" pitchFamily="49" charset="0"/>
+              </a:rPr>
+              <a:t>.exe</a:t>
+            </a:r>
+            <a:endParaRPr lang="zh-TW" altLang="en-US" sz="1200" b="1" dirty="0">
+              <a:solidFill>
+                <a:schemeClr val="tx1">
+                  <a:lumMod val="85000"/>
+                  <a:lumOff val="15000"/>
+                </a:schemeClr>
+              </a:solidFill>
+              <a:latin typeface="Consolas" panose="020B0609020204030204" pitchFamily="49" charset="0"/>
+            </a:endParaRPr>
+          </a:p>
+        </p:txBody>
+      </p:sp>
+      <p:sp>
+        <p:nvSpPr>
+          <p:cNvPr id="8" name="文字方塊 7"/>
+          <p:cNvSpPr txBox="1"/>
+          <p:nvPr/>
+        </p:nvSpPr>
+        <p:spPr>
+          <a:xfrm>
+            <a:off x="10598497" y="15389"/>
+            <a:ext cx="415498" cy="369332"/>
+          </a:xfrm>
+          <a:prstGeom prst="rect">
+            <a:avLst/>
+          </a:prstGeom>
+          <a:noFill/>
+        </p:spPr>
+        <p:txBody>
+          <a:bodyPr wrap="none" rtlCol="0">
+            <a:spAutoFit/>
+          </a:bodyPr>
+          <a:lstStyle/>
+          <a:p>
+            <a:r>
+              <a:rPr lang="zh-TW" altLang="en-US" b="1" dirty="0">
+                <a:solidFill>
+                  <a:schemeClr val="tx1">
+                    <a:lumMod val="85000"/>
+                    <a:lumOff val="15000"/>
+                  </a:schemeClr>
+                </a:solidFill>
+                <a:latin typeface="Consolas" panose="020B0609020204030204" pitchFamily="49" charset="0"/>
+              </a:rPr>
+              <a:t>☺</a:t>
+            </a:r>
+          </a:p>
+        </p:txBody>
+      </p:sp>
+      <p:sp>
+        <p:nvSpPr>
+          <p:cNvPr id="9" name="文字方塊 8"/>
+          <p:cNvSpPr txBox="1"/>
+          <p:nvPr/>
+        </p:nvSpPr>
+        <p:spPr>
+          <a:xfrm>
+            <a:off x="11151953" y="15389"/>
+            <a:ext cx="415498" cy="369332"/>
+          </a:xfrm>
+          <a:prstGeom prst="rect">
+            <a:avLst/>
+          </a:prstGeom>
+          <a:noFill/>
+        </p:spPr>
+        <p:txBody>
+          <a:bodyPr wrap="none" rtlCol="0">
+            <a:spAutoFit/>
+          </a:bodyPr>
+          <a:lstStyle/>
+          <a:p>
+            <a:r>
+              <a:rPr lang="zh-TW" altLang="en-US" b="1" dirty="0">
+                <a:solidFill>
+                  <a:schemeClr val="tx1">
+                    <a:lumMod val="85000"/>
+                    <a:lumOff val="15000"/>
+                  </a:schemeClr>
+                </a:solidFill>
+                <a:latin typeface="Consolas" panose="020B0609020204030204" pitchFamily="49" charset="0"/>
+              </a:rPr>
+              <a:t>☹</a:t>
+            </a:r>
+          </a:p>
+        </p:txBody>
+      </p:sp>
+      <p:sp>
+        <p:nvSpPr>
+          <p:cNvPr id="10" name="文字方塊 9"/>
+          <p:cNvSpPr txBox="1"/>
+          <p:nvPr/>
+        </p:nvSpPr>
+        <p:spPr>
+          <a:xfrm>
+            <a:off x="11705409" y="0"/>
+            <a:ext cx="441146" cy="400110"/>
+          </a:xfrm>
+          <a:prstGeom prst="rect">
+            <a:avLst/>
+          </a:prstGeom>
+          <a:noFill/>
+        </p:spPr>
+        <p:txBody>
+          <a:bodyPr wrap="none" rtlCol="0">
+            <a:spAutoFit/>
+          </a:bodyPr>
+          <a:lstStyle/>
+          <a:p>
+            <a:r>
+              <a:rPr lang="zh-TW" altLang="en-US" sz="2000" dirty="0"/>
+              <a:t>☻</a:t>
+            </a:r>
+          </a:p>
+        </p:txBody>
+      </p:sp>
+      <p:sp>
+        <p:nvSpPr>
+          <p:cNvPr id="11" name="文字方塊 10"/>
           <p:cNvSpPr txBox="1"/>
           <p:nvPr/>
         </p:nvSpPr>
@@ -14909,7 +14947,7 @@
                 </a:solidFill>
                 <a:latin typeface="Consolas" panose="020B0609020204030204" pitchFamily="49" charset="0"/>
               </a:rPr>
-              <a:t>C:\Users\student&gt;next</a:t>
+              <a:t>C:\Users\student&gt;</a:t>
             </a:r>
             <a:endParaRPr lang="zh-TW" altLang="en-US" sz="1400" dirty="0">
               <a:solidFill>
@@ -14920,20 +14958,793 @@
           </a:p>
         </p:txBody>
       </p:sp>
+      <p:sp>
+        <p:nvSpPr>
+          <p:cNvPr id="13" name="文字方塊 12"/>
+          <p:cNvSpPr txBox="1"/>
+          <p:nvPr/>
+        </p:nvSpPr>
+        <p:spPr>
+          <a:xfrm>
+            <a:off x="1699377" y="954048"/>
+            <a:ext cx="311304" cy="369332"/>
+          </a:xfrm>
+          <a:prstGeom prst="rect">
+            <a:avLst/>
+          </a:prstGeom>
+          <a:noFill/>
+        </p:spPr>
+        <p:txBody>
+          <a:bodyPr wrap="none" rtlCol="0">
+            <a:spAutoFit/>
+          </a:bodyPr>
+          <a:lstStyle/>
+          <a:p>
+            <a:r>
+              <a:rPr lang="en-US" altLang="zh-TW" b="1" dirty="0">
+                <a:solidFill>
+                  <a:schemeClr val="bg1"/>
+                </a:solidFill>
+                <a:latin typeface="Consolas" panose="020B0609020204030204" pitchFamily="49" charset="0"/>
+              </a:rPr>
+              <a:t>_</a:t>
+            </a:r>
+            <a:endParaRPr lang="zh-TW" altLang="en-US" b="1" dirty="0">
+              <a:solidFill>
+                <a:schemeClr val="bg1"/>
+              </a:solidFill>
+              <a:latin typeface="Consolas" panose="020B0609020204030204" pitchFamily="49" charset="0"/>
+            </a:endParaRPr>
+          </a:p>
+        </p:txBody>
+      </p:sp>
+      <p:sp>
+        <p:nvSpPr>
+          <p:cNvPr id="14" name="矩形 13"/>
+          <p:cNvSpPr/>
+          <p:nvPr/>
+        </p:nvSpPr>
+        <p:spPr>
+          <a:xfrm>
+            <a:off x="11925982" y="369273"/>
+            <a:ext cx="266018" cy="6488727"/>
+          </a:xfrm>
+          <a:prstGeom prst="rect">
+            <a:avLst/>
+          </a:prstGeom>
+          <a:solidFill>
+            <a:schemeClr val="bg1">
+              <a:lumMod val="95000"/>
+            </a:schemeClr>
+          </a:solidFill>
+          <a:ln>
+            <a:noFill/>
+          </a:ln>
+        </p:spPr>
+        <p:style>
+          <a:lnRef idx="2">
+            <a:schemeClr val="accent1">
+              <a:shade val="50000"/>
+            </a:schemeClr>
+          </a:lnRef>
+          <a:fillRef idx="1">
+            <a:schemeClr val="accent1"/>
+          </a:fillRef>
+          <a:effectRef idx="0">
+            <a:schemeClr val="accent1"/>
+          </a:effectRef>
+          <a:fontRef idx="minor">
+            <a:schemeClr val="lt1"/>
+          </a:fontRef>
+        </p:style>
+        <p:txBody>
+          <a:bodyPr rtlCol="0" anchor="ctr"/>
+          <a:lstStyle/>
+          <a:p>
+            <a:pPr algn="ctr"/>
+            <a:endParaRPr lang="zh-TW" altLang="en-US"/>
+          </a:p>
+        </p:txBody>
+      </p:sp>
+      <p:sp>
+        <p:nvSpPr>
+          <p:cNvPr id="16" name="矩形 15"/>
+          <p:cNvSpPr/>
+          <p:nvPr/>
+        </p:nvSpPr>
+        <p:spPr>
+          <a:xfrm>
+            <a:off x="11925982" y="369273"/>
+            <a:ext cx="266018" cy="261663"/>
+          </a:xfrm>
+          <a:prstGeom prst="rect">
+            <a:avLst/>
+          </a:prstGeom>
+          <a:solidFill>
+            <a:schemeClr val="bg1">
+              <a:lumMod val="95000"/>
+            </a:schemeClr>
+          </a:solidFill>
+          <a:ln>
+            <a:noFill/>
+          </a:ln>
+        </p:spPr>
+        <p:style>
+          <a:lnRef idx="2">
+            <a:schemeClr val="accent1">
+              <a:shade val="50000"/>
+            </a:schemeClr>
+          </a:lnRef>
+          <a:fillRef idx="1">
+            <a:schemeClr val="accent1"/>
+          </a:fillRef>
+          <a:effectRef idx="0">
+            <a:schemeClr val="accent1"/>
+          </a:effectRef>
+          <a:fontRef idx="minor">
+            <a:schemeClr val="lt1"/>
+          </a:fontRef>
+        </p:style>
+        <p:txBody>
+          <a:bodyPr rtlCol="0" anchor="ctr"/>
+          <a:lstStyle/>
+          <a:p>
+            <a:pPr algn="ctr"/>
+            <a:r>
+              <a:rPr lang="zh-TW" altLang="en-US" sz="1400" dirty="0">
+                <a:solidFill>
+                  <a:schemeClr val="tx1">
+                    <a:lumMod val="85000"/>
+                    <a:lumOff val="15000"/>
+                  </a:schemeClr>
+                </a:solidFill>
+              </a:rPr>
+              <a:t>▲</a:t>
+            </a:r>
+          </a:p>
+        </p:txBody>
+      </p:sp>
+      <p:sp>
+        <p:nvSpPr>
+          <p:cNvPr id="17" name="矩形 16"/>
+          <p:cNvSpPr/>
+          <p:nvPr/>
+        </p:nvSpPr>
+        <p:spPr>
+          <a:xfrm>
+            <a:off x="11925982" y="6578047"/>
+            <a:ext cx="266018" cy="261663"/>
+          </a:xfrm>
+          <a:prstGeom prst="rect">
+            <a:avLst/>
+          </a:prstGeom>
+          <a:solidFill>
+            <a:schemeClr val="bg1">
+              <a:lumMod val="95000"/>
+            </a:schemeClr>
+          </a:solidFill>
+          <a:ln>
+            <a:noFill/>
+          </a:ln>
+        </p:spPr>
+        <p:style>
+          <a:lnRef idx="2">
+            <a:schemeClr val="accent1">
+              <a:shade val="50000"/>
+            </a:schemeClr>
+          </a:lnRef>
+          <a:fillRef idx="1">
+            <a:schemeClr val="accent1"/>
+          </a:fillRef>
+          <a:effectRef idx="0">
+            <a:schemeClr val="accent1"/>
+          </a:effectRef>
+          <a:fontRef idx="minor">
+            <a:schemeClr val="lt1"/>
+          </a:fontRef>
+        </p:style>
+        <p:txBody>
+          <a:bodyPr rtlCol="0" anchor="ctr"/>
+          <a:lstStyle/>
+          <a:p>
+            <a:pPr algn="ctr"/>
+            <a:r>
+              <a:rPr lang="zh-TW" altLang="en-US" sz="1400" dirty="0">
+                <a:solidFill>
+                  <a:schemeClr val="tx1">
+                    <a:lumMod val="85000"/>
+                    <a:lumOff val="15000"/>
+                  </a:schemeClr>
+                </a:solidFill>
+              </a:rPr>
+              <a:t>▼</a:t>
+            </a:r>
+            <a:endParaRPr lang="zh-TW" altLang="en-US" sz="1100" dirty="0">
+              <a:solidFill>
+                <a:schemeClr val="tx1">
+                  <a:lumMod val="85000"/>
+                  <a:lumOff val="15000"/>
+                </a:schemeClr>
+              </a:solidFill>
+            </a:endParaRPr>
+          </a:p>
+        </p:txBody>
+      </p:sp>
+      <p:sp>
+        <p:nvSpPr>
+          <p:cNvPr id="18" name="矩形 17"/>
+          <p:cNvSpPr/>
+          <p:nvPr/>
+        </p:nvSpPr>
+        <p:spPr>
+          <a:xfrm>
+            <a:off x="11925982" y="630936"/>
+            <a:ext cx="266018" cy="507778"/>
+          </a:xfrm>
+          <a:prstGeom prst="rect">
+            <a:avLst/>
+          </a:prstGeom>
+          <a:solidFill>
+            <a:schemeClr val="bg1">
+              <a:lumMod val="75000"/>
+            </a:schemeClr>
+          </a:solidFill>
+          <a:ln>
+            <a:noFill/>
+          </a:ln>
+        </p:spPr>
+        <p:style>
+          <a:lnRef idx="2">
+            <a:schemeClr val="accent1">
+              <a:shade val="50000"/>
+            </a:schemeClr>
+          </a:lnRef>
+          <a:fillRef idx="1">
+            <a:schemeClr val="accent1"/>
+          </a:fillRef>
+          <a:effectRef idx="0">
+            <a:schemeClr val="accent1"/>
+          </a:effectRef>
+          <a:fontRef idx="minor">
+            <a:schemeClr val="lt1"/>
+          </a:fontRef>
+        </p:style>
+        <p:txBody>
+          <a:bodyPr rtlCol="0" anchor="ctr"/>
+          <a:lstStyle/>
+          <a:p>
+            <a:pPr algn="ctr"/>
+            <a:endParaRPr lang="zh-TW" altLang="en-US"/>
+          </a:p>
+        </p:txBody>
+      </p:sp>
+      <p:sp>
+        <p:nvSpPr>
+          <p:cNvPr id="19" name="文字方塊 18"/>
+          <p:cNvSpPr txBox="1"/>
+          <p:nvPr/>
+        </p:nvSpPr>
+        <p:spPr>
+          <a:xfrm>
+            <a:off x="1699377" y="1006459"/>
+            <a:ext cx="582211" cy="307777"/>
+          </a:xfrm>
+          <a:prstGeom prst="rect">
+            <a:avLst/>
+          </a:prstGeom>
+          <a:noFill/>
+        </p:spPr>
+        <p:txBody>
+          <a:bodyPr wrap="none" rtlCol="0">
+            <a:spAutoFit/>
+          </a:bodyPr>
+          <a:lstStyle/>
+          <a:p>
+            <a:r>
+              <a:rPr lang="en-US" altLang="zh-TW" sz="1400" dirty="0">
+                <a:solidFill>
+                  <a:schemeClr val="bg1"/>
+                </a:solidFill>
+                <a:latin typeface="Consolas" panose="020B0609020204030204" pitchFamily="49" charset="0"/>
+              </a:rPr>
+              <a:t>next</a:t>
+            </a:r>
+            <a:endParaRPr lang="zh-TW" altLang="en-US" sz="1400" b="1" dirty="0">
+              <a:solidFill>
+                <a:schemeClr val="bg1"/>
+              </a:solidFill>
+              <a:latin typeface="Microsoft JhengHei UI Light" panose="020B0304030504040204" pitchFamily="34" charset="-120"/>
+              <a:ea typeface="Microsoft JhengHei UI Light" panose="020B0304030504040204" pitchFamily="34" charset="-120"/>
+            </a:endParaRPr>
+          </a:p>
+        </p:txBody>
+      </p:sp>
+      <p:sp>
+        <p:nvSpPr>
+          <p:cNvPr id="20" name="文字方塊 19"/>
+          <p:cNvSpPr txBox="1"/>
+          <p:nvPr/>
+        </p:nvSpPr>
+        <p:spPr>
+          <a:xfrm>
+            <a:off x="2108645" y="936634"/>
+            <a:ext cx="311304" cy="369332"/>
+          </a:xfrm>
+          <a:prstGeom prst="rect">
+            <a:avLst/>
+          </a:prstGeom>
+          <a:noFill/>
+        </p:spPr>
+        <p:txBody>
+          <a:bodyPr wrap="none" rtlCol="0">
+            <a:spAutoFit/>
+          </a:bodyPr>
+          <a:lstStyle/>
+          <a:p>
+            <a:r>
+              <a:rPr lang="en-US" altLang="zh-TW" b="1" dirty="0">
+                <a:solidFill>
+                  <a:schemeClr val="bg1"/>
+                </a:solidFill>
+                <a:latin typeface="Consolas" panose="020B0609020204030204" pitchFamily="49" charset="0"/>
+              </a:rPr>
+              <a:t>_</a:t>
+            </a:r>
+            <a:endParaRPr lang="zh-TW" altLang="en-US" b="1" dirty="0">
+              <a:solidFill>
+                <a:schemeClr val="bg1"/>
+              </a:solidFill>
+              <a:latin typeface="Consolas" panose="020B0609020204030204" pitchFamily="49" charset="0"/>
+            </a:endParaRPr>
+          </a:p>
+        </p:txBody>
+      </p:sp>
+      <p:sp>
+        <p:nvSpPr>
+          <p:cNvPr id="21" name="文字方塊 20"/>
+          <p:cNvSpPr txBox="1"/>
+          <p:nvPr/>
+        </p:nvSpPr>
+        <p:spPr>
+          <a:xfrm>
+            <a:off x="0" y="1221872"/>
+            <a:ext cx="482824" cy="307777"/>
+          </a:xfrm>
+          <a:prstGeom prst="rect">
+            <a:avLst/>
+          </a:prstGeom>
+          <a:noFill/>
+        </p:spPr>
+        <p:txBody>
+          <a:bodyPr wrap="none" rtlCol="0">
+            <a:spAutoFit/>
+          </a:bodyPr>
+          <a:lstStyle/>
+          <a:p>
+            <a:r>
+              <a:rPr lang="en-US" altLang="zh-TW" sz="1400" dirty="0">
+                <a:solidFill>
+                  <a:schemeClr val="bg1"/>
+                </a:solidFill>
+                <a:latin typeface="Consolas" panose="020B0609020204030204" pitchFamily="49" charset="0"/>
+              </a:rPr>
+              <a:t>&gt;&gt;&gt;</a:t>
+            </a:r>
+            <a:endParaRPr lang="zh-TW" altLang="en-US" sz="1400" dirty="0">
+              <a:solidFill>
+                <a:schemeClr val="bg1"/>
+              </a:solidFill>
+              <a:latin typeface="Consolas" panose="020B0609020204030204" pitchFamily="49" charset="0"/>
+            </a:endParaRPr>
+          </a:p>
+        </p:txBody>
+      </p:sp>
+      <p:sp>
+        <p:nvSpPr>
+          <p:cNvPr id="22" name="文字方塊 21"/>
+          <p:cNvSpPr txBox="1"/>
+          <p:nvPr/>
+        </p:nvSpPr>
+        <p:spPr>
+          <a:xfrm>
+            <a:off x="123092" y="1692653"/>
+            <a:ext cx="184731" cy="830997"/>
+          </a:xfrm>
+          <a:prstGeom prst="rect">
+            <a:avLst/>
+          </a:prstGeom>
+          <a:noFill/>
+        </p:spPr>
+        <p:txBody>
+          <a:bodyPr wrap="none" rtlCol="0">
+            <a:spAutoFit/>
+          </a:bodyPr>
+          <a:lstStyle/>
+          <a:p>
+            <a:endParaRPr lang="zh-TW" altLang="en-US" sz="4800" b="1" dirty="0">
+              <a:solidFill>
+                <a:schemeClr val="bg1"/>
+              </a:solidFill>
+              <a:latin typeface="Microsoft JhengHei UI Light" panose="020B0304030504040204" pitchFamily="34" charset="-120"/>
+              <a:ea typeface="Microsoft JhengHei UI Light" panose="020B0304030504040204" pitchFamily="34" charset="-120"/>
+            </a:endParaRPr>
+          </a:p>
+        </p:txBody>
+      </p:sp>
+      <p:pic>
+        <p:nvPicPr>
+          <p:cNvPr id="2" name="圖片 1">
+            <a:extLst>
+              <a:ext uri="{FF2B5EF4-FFF2-40B4-BE49-F238E27FC236}">
+                <a16:creationId xmlns:a16="http://schemas.microsoft.com/office/drawing/2014/main" id="{0A0B0DF2-D706-4ED8-BD06-723163A1E969}"/>
+              </a:ext>
+            </a:extLst>
+          </p:cNvPr>
+          <p:cNvPicPr>
+            <a:picLocks noChangeAspect="1"/>
+          </p:cNvPicPr>
+          <p:nvPr/>
+        </p:nvPicPr>
+        <p:blipFill>
+          <a:blip r:embed="rId2">
+            <a:clrChange>
+              <a:clrFrom>
+                <a:srgbClr val="000000"/>
+              </a:clrFrom>
+              <a:clrTo>
+                <a:srgbClr val="000000">
+                  <a:alpha val="0"/>
+                </a:srgbClr>
+              </a:clrTo>
+            </a:clrChange>
+          </a:blip>
+          <a:stretch>
+            <a:fillRect/>
+          </a:stretch>
+        </p:blipFill>
+        <p:spPr>
+          <a:xfrm>
+            <a:off x="80399" y="1476241"/>
+            <a:ext cx="4581525" cy="1104900"/>
+          </a:xfrm>
+          <a:prstGeom prst="rect">
+            <a:avLst/>
+          </a:prstGeom>
+        </p:spPr>
+      </p:pic>
     </p:spTree>
     <p:extLst>
       <p:ext uri="{BB962C8B-B14F-4D97-AF65-F5344CB8AC3E}">
-        <p14:creationId xmlns:p14="http://schemas.microsoft.com/office/powerpoint/2010/main" val="991612826"/>
+        <p14:creationId xmlns:p14="http://schemas.microsoft.com/office/powerpoint/2010/main" val="2660498557"/>
       </p:ext>
     </p:extLst>
   </p:cSld>
   <p:clrMapOvr>
     <a:masterClrMapping/>
   </p:clrMapOvr>
+  <mc:AlternateContent xmlns:mc="http://schemas.openxmlformats.org/markup-compatibility/2006" xmlns:p14="http://schemas.microsoft.com/office/powerpoint/2010/main">
+    <mc:Choice Requires="p14">
+      <p:transition spd="med" p14:dur="700">
+        <p:fade/>
+      </p:transition>
+    </mc:Choice>
+    <mc:Fallback xmlns="">
+      <p:transition spd="med">
+        <p:fade/>
+      </p:transition>
+    </mc:Fallback>
+  </mc:AlternateContent>
+  <p:timing>
+    <p:tnLst>
+      <p:par>
+        <p:cTn id="1" dur="indefinite" restart="never" nodeType="tmRoot">
+          <p:childTnLst>
+            <p:seq concurrent="1" nextAc="seek">
+              <p:cTn id="2" dur="indefinite" nodeType="mainSeq">
+                <p:childTnLst>
+                  <p:par>
+                    <p:cTn id="3" fill="hold">
+                      <p:stCondLst>
+                        <p:cond delay="indefinite"/>
+                        <p:cond evt="onBegin" delay="0">
+                          <p:tn val="2"/>
+                        </p:cond>
+                      </p:stCondLst>
+                      <p:childTnLst>
+                        <p:par>
+                          <p:cTn id="4" fill="hold">
+                            <p:stCondLst>
+                              <p:cond delay="0"/>
+                            </p:stCondLst>
+                            <p:childTnLst>
+                              <p:par>
+                                <p:cTn id="5" presetID="10" presetClass="entr" presetSubtype="0" repeatCount="2000" fill="hold" grpId="0" nodeType="afterEffect">
+                                  <p:stCondLst>
+                                    <p:cond delay="0"/>
+                                  </p:stCondLst>
+                                  <p:childTnLst>
+                                    <p:set>
+                                      <p:cBhvr>
+                                        <p:cTn id="6" dur="1" fill="hold">
+                                          <p:stCondLst>
+                                            <p:cond delay="0"/>
+                                          </p:stCondLst>
+                                        </p:cTn>
+                                        <p:tgtEl>
+                                          <p:spTgt spid="13"/>
+                                        </p:tgtEl>
+                                        <p:attrNameLst>
+                                          <p:attrName>style.visibility</p:attrName>
+                                        </p:attrNameLst>
+                                      </p:cBhvr>
+                                      <p:to>
+                                        <p:strVal val="visible"/>
+                                      </p:to>
+                                    </p:set>
+                                    <p:animEffect transition="in" filter="fade">
+                                      <p:cBhvr>
+                                        <p:cTn id="7" dur="500"/>
+                                        <p:tgtEl>
+                                          <p:spTgt spid="13"/>
+                                        </p:tgtEl>
+                                      </p:cBhvr>
+                                    </p:animEffect>
+                                  </p:childTnLst>
+                                </p:cTn>
+                              </p:par>
+                            </p:childTnLst>
+                          </p:cTn>
+                        </p:par>
+                        <p:par>
+                          <p:cTn id="8" fill="hold">
+                            <p:stCondLst>
+                              <p:cond delay="1000"/>
+                            </p:stCondLst>
+                            <p:childTnLst>
+                              <p:par>
+                                <p:cTn id="9" presetID="22" presetClass="entr" presetSubtype="8" fill="hold" grpId="0" nodeType="afterEffect">
+                                  <p:stCondLst>
+                                    <p:cond delay="0"/>
+                                  </p:stCondLst>
+                                  <p:childTnLst>
+                                    <p:set>
+                                      <p:cBhvr>
+                                        <p:cTn id="10" dur="1" fill="hold">
+                                          <p:stCondLst>
+                                            <p:cond delay="0"/>
+                                          </p:stCondLst>
+                                        </p:cTn>
+                                        <p:tgtEl>
+                                          <p:spTgt spid="19"/>
+                                        </p:tgtEl>
+                                        <p:attrNameLst>
+                                          <p:attrName>style.visibility</p:attrName>
+                                        </p:attrNameLst>
+                                      </p:cBhvr>
+                                      <p:to>
+                                        <p:strVal val="visible"/>
+                                      </p:to>
+                                    </p:set>
+                                    <p:animEffect transition="in" filter="wipe(left)">
+                                      <p:cBhvr>
+                                        <p:cTn id="11" dur="500"/>
+                                        <p:tgtEl>
+                                          <p:spTgt spid="19"/>
+                                        </p:tgtEl>
+                                      </p:cBhvr>
+                                    </p:animEffect>
+                                  </p:childTnLst>
+                                </p:cTn>
+                              </p:par>
+                              <p:par>
+                                <p:cTn id="12" presetID="1" presetClass="exit" presetSubtype="0" fill="hold" grpId="1" nodeType="withEffect">
+                                  <p:stCondLst>
+                                    <p:cond delay="0"/>
+                                  </p:stCondLst>
+                                  <p:childTnLst>
+                                    <p:set>
+                                      <p:cBhvr>
+                                        <p:cTn id="13" dur="1" fill="hold">
+                                          <p:stCondLst>
+                                            <p:cond delay="0"/>
+                                          </p:stCondLst>
+                                        </p:cTn>
+                                        <p:tgtEl>
+                                          <p:spTgt spid="13"/>
+                                        </p:tgtEl>
+                                        <p:attrNameLst>
+                                          <p:attrName>style.visibility</p:attrName>
+                                        </p:attrNameLst>
+                                      </p:cBhvr>
+                                      <p:to>
+                                        <p:strVal val="hidden"/>
+                                      </p:to>
+                                    </p:set>
+                                  </p:childTnLst>
+                                </p:cTn>
+                              </p:par>
+                            </p:childTnLst>
+                          </p:cTn>
+                        </p:par>
+                        <p:par>
+                          <p:cTn id="14" fill="hold">
+                            <p:stCondLst>
+                              <p:cond delay="1500"/>
+                            </p:stCondLst>
+                            <p:childTnLst>
+                              <p:par>
+                                <p:cTn id="15" presetID="10" presetClass="entr" presetSubtype="0" repeatCount="2000" fill="hold" grpId="0" nodeType="afterEffect">
+                                  <p:stCondLst>
+                                    <p:cond delay="0"/>
+                                  </p:stCondLst>
+                                  <p:childTnLst>
+                                    <p:set>
+                                      <p:cBhvr>
+                                        <p:cTn id="16" dur="1" fill="hold">
+                                          <p:stCondLst>
+                                            <p:cond delay="0"/>
+                                          </p:stCondLst>
+                                        </p:cTn>
+                                        <p:tgtEl>
+                                          <p:spTgt spid="20"/>
+                                        </p:tgtEl>
+                                        <p:attrNameLst>
+                                          <p:attrName>style.visibility</p:attrName>
+                                        </p:attrNameLst>
+                                      </p:cBhvr>
+                                      <p:to>
+                                        <p:strVal val="visible"/>
+                                      </p:to>
+                                    </p:set>
+                                    <p:animEffect transition="in" filter="fade">
+                                      <p:cBhvr>
+                                        <p:cTn id="17" dur="500"/>
+                                        <p:tgtEl>
+                                          <p:spTgt spid="20"/>
+                                        </p:tgtEl>
+                                      </p:cBhvr>
+                                    </p:animEffect>
+                                  </p:childTnLst>
+                                </p:cTn>
+                              </p:par>
+                            </p:childTnLst>
+                          </p:cTn>
+                        </p:par>
+                        <p:par>
+                          <p:cTn id="18" fill="hold">
+                            <p:stCondLst>
+                              <p:cond delay="2500"/>
+                            </p:stCondLst>
+                            <p:childTnLst>
+                              <p:par>
+                                <p:cTn id="19" presetID="1" presetClass="exit" presetSubtype="0" fill="hold" grpId="1" nodeType="afterEffect">
+                                  <p:stCondLst>
+                                    <p:cond delay="0"/>
+                                  </p:stCondLst>
+                                  <p:childTnLst>
+                                    <p:set>
+                                      <p:cBhvr>
+                                        <p:cTn id="20" dur="1" fill="hold">
+                                          <p:stCondLst>
+                                            <p:cond delay="0"/>
+                                          </p:stCondLst>
+                                        </p:cTn>
+                                        <p:tgtEl>
+                                          <p:spTgt spid="20"/>
+                                        </p:tgtEl>
+                                        <p:attrNameLst>
+                                          <p:attrName>style.visibility</p:attrName>
+                                        </p:attrNameLst>
+                                      </p:cBhvr>
+                                      <p:to>
+                                        <p:strVal val="hidden"/>
+                                      </p:to>
+                                    </p:set>
+                                  </p:childTnLst>
+                                </p:cTn>
+                              </p:par>
+                              <p:par>
+                                <p:cTn id="21" presetID="1" presetClass="entr" presetSubtype="0" fill="hold" grpId="0" nodeType="withEffect">
+                                  <p:stCondLst>
+                                    <p:cond delay="800"/>
+                                  </p:stCondLst>
+                                  <p:childTnLst>
+                                    <p:set>
+                                      <p:cBhvr>
+                                        <p:cTn id="22" dur="1" fill="hold">
+                                          <p:stCondLst>
+                                            <p:cond delay="0"/>
+                                          </p:stCondLst>
+                                        </p:cTn>
+                                        <p:tgtEl>
+                                          <p:spTgt spid="21"/>
+                                        </p:tgtEl>
+                                        <p:attrNameLst>
+                                          <p:attrName>style.visibility</p:attrName>
+                                        </p:attrNameLst>
+                                      </p:cBhvr>
+                                      <p:to>
+                                        <p:strVal val="visible"/>
+                                      </p:to>
+                                    </p:set>
+                                  </p:childTnLst>
+                                </p:cTn>
+                              </p:par>
+                              <p:par>
+                                <p:cTn id="23" presetID="22" presetClass="entr" presetSubtype="8" fill="hold" nodeType="withEffect">
+                                  <p:stCondLst>
+                                    <p:cond delay="1500"/>
+                                  </p:stCondLst>
+                                  <p:childTnLst>
+                                    <p:set>
+                                      <p:cBhvr>
+                                        <p:cTn id="24" dur="1" fill="hold">
+                                          <p:stCondLst>
+                                            <p:cond delay="0"/>
+                                          </p:stCondLst>
+                                        </p:cTn>
+                                        <p:tgtEl>
+                                          <p:spTgt spid="2"/>
+                                        </p:tgtEl>
+                                        <p:attrNameLst>
+                                          <p:attrName>style.visibility</p:attrName>
+                                        </p:attrNameLst>
+                                      </p:cBhvr>
+                                      <p:to>
+                                        <p:strVal val="visible"/>
+                                      </p:to>
+                                    </p:set>
+                                    <p:animEffect transition="in" filter="wipe(left)">
+                                      <p:cBhvr>
+                                        <p:cTn id="25" dur="500"/>
+                                        <p:tgtEl>
+                                          <p:spTgt spid="2"/>
+                                        </p:tgtEl>
+                                      </p:cBhvr>
+                                    </p:animEffect>
+                                  </p:childTnLst>
+                                </p:cTn>
+                              </p:par>
+                            </p:childTnLst>
+                          </p:cTn>
+                        </p:par>
+                      </p:childTnLst>
+                    </p:cTn>
+                  </p:par>
+                </p:childTnLst>
+              </p:cTn>
+              <p:prevCondLst>
+                <p:cond evt="onPrev" delay="0">
+                  <p:tgtEl>
+                    <p:sldTgt/>
+                  </p:tgtEl>
+                </p:cond>
+              </p:prevCondLst>
+              <p:nextCondLst>
+                <p:cond evt="onNext" delay="0">
+                  <p:tgtEl>
+                    <p:sldTgt/>
+                  </p:tgtEl>
+                </p:cond>
+              </p:nextCondLst>
+            </p:seq>
+          </p:childTnLst>
+        </p:cTn>
+      </p:par>
+    </p:tnLst>
+    <p:bldLst>
+      <p:bldP spid="13" grpId="0"/>
+      <p:bldP spid="13" grpId="1"/>
+      <p:bldP spid="19" grpId="0"/>
+      <p:bldP spid="20" grpId="0"/>
+      <p:bldP spid="20" grpId="1"/>
+      <p:bldP spid="21" grpId="0"/>
+    </p:bldLst>
+  </p:timing>
 </p:sld>
 </file>
 
-<file path=ppt/slides/slide6.xml><?xml version="1.0" encoding="utf-8"?>
+<file path=ppt/slides/slide5.xml><?xml version="1.0" encoding="utf-8"?>
 <p:sld xmlns:a="http://schemas.openxmlformats.org/drawingml/2006/main" xmlns:r="http://schemas.openxmlformats.org/officeDocument/2006/relationships" xmlns:p="http://schemas.openxmlformats.org/presentationml/2006/main">
   <p:cSld>
     <p:spTree>
@@ -16360,7 +17171,7 @@
 </p:sld>
 </file>
 
-<file path=ppt/slides/slide7.xml><?xml version="1.0" encoding="utf-8"?>
+<file path=ppt/slides/slide6.xml><?xml version="1.0" encoding="utf-8"?>
 <p:sld xmlns:a="http://schemas.openxmlformats.org/drawingml/2006/main" xmlns:r="http://schemas.openxmlformats.org/officeDocument/2006/relationships" xmlns:p="http://schemas.openxmlformats.org/presentationml/2006/main">
   <p:cSld>
     <p:spTree>
@@ -17808,7 +18619,7 @@
 </p:sld>
 </file>
 
-<file path=ppt/slides/slide8.xml><?xml version="1.0" encoding="utf-8"?>
+<file path=ppt/slides/slide7.xml><?xml version="1.0" encoding="utf-8"?>
 <p:sld xmlns:a="http://schemas.openxmlformats.org/drawingml/2006/main" xmlns:r="http://schemas.openxmlformats.org/officeDocument/2006/relationships" xmlns:p="http://schemas.openxmlformats.org/presentationml/2006/main">
   <p:cSld>
     <p:spTree>
@@ -17827,69 +18638,13 @@
       </p:grpSpPr>
       <p:sp>
         <p:nvSpPr>
-          <p:cNvPr id="2" name="標題 1">
-            <a:extLst>
-              <a:ext uri="{FF2B5EF4-FFF2-40B4-BE49-F238E27FC236}">
-                <a16:creationId xmlns:a16="http://schemas.microsoft.com/office/drawing/2014/main" id="{7C682F12-A26B-4A8B-B825-20E4F49F4788}"/>
-              </a:ext>
-            </a:extLst>
-          </p:cNvPr>
-          <p:cNvSpPr>
-            <a:spLocks noGrp="1"/>
-          </p:cNvSpPr>
-          <p:nvPr>
-            <p:ph type="title"/>
-          </p:nvPr>
-        </p:nvSpPr>
-        <p:spPr/>
-        <p:txBody>
-          <a:bodyPr/>
-          <a:lstStyle/>
-          <a:p>
-            <a:endParaRPr lang="zh-TW" altLang="en-US"/>
-          </a:p>
-        </p:txBody>
-      </p:sp>
-      <p:sp>
-        <p:nvSpPr>
-          <p:cNvPr id="3" name="內容版面配置區 2">
-            <a:extLst>
-              <a:ext uri="{FF2B5EF4-FFF2-40B4-BE49-F238E27FC236}">
-                <a16:creationId xmlns:a16="http://schemas.microsoft.com/office/drawing/2014/main" id="{F3205601-1379-454D-8099-B1BD56FD947F}"/>
-              </a:ext>
-            </a:extLst>
-          </p:cNvPr>
-          <p:cNvSpPr>
-            <a:spLocks noGrp="1"/>
-          </p:cNvSpPr>
-          <p:nvPr>
-            <p:ph idx="1"/>
-          </p:nvPr>
-        </p:nvSpPr>
-        <p:spPr/>
-        <p:txBody>
-          <a:bodyPr/>
-          <a:lstStyle/>
-          <a:p>
-            <a:endParaRPr lang="zh-TW" altLang="en-US"/>
-          </a:p>
-        </p:txBody>
-      </p:sp>
-      <p:sp>
-        <p:nvSpPr>
-          <p:cNvPr id="4" name="矩形 3">
-            <a:extLst>
-              <a:ext uri="{FF2B5EF4-FFF2-40B4-BE49-F238E27FC236}">
-                <a16:creationId xmlns:a16="http://schemas.microsoft.com/office/drawing/2014/main" id="{F194E2B7-11F7-4004-84BA-EA643EED2BDD}"/>
-              </a:ext>
-            </a:extLst>
-          </p:cNvPr>
+          <p:cNvPr id="4" name="矩形 3"/>
           <p:cNvSpPr/>
           <p:nvPr/>
         </p:nvSpPr>
         <p:spPr>
           <a:xfrm>
-            <a:off x="0" y="0"/>
+            <a:off x="-45445" y="-646048"/>
             <a:ext cx="12192000" cy="6858000"/>
           </a:xfrm>
           <a:prstGeom prst="rect">
@@ -17932,13 +18687,7 @@
       </p:sp>
       <p:sp>
         <p:nvSpPr>
-          <p:cNvPr id="5" name="矩形 4">
-            <a:extLst>
-              <a:ext uri="{FF2B5EF4-FFF2-40B4-BE49-F238E27FC236}">
-                <a16:creationId xmlns:a16="http://schemas.microsoft.com/office/drawing/2014/main" id="{FED41C80-97E6-423F-93F8-2439EA2B8951}"/>
-              </a:ext>
-            </a:extLst>
-          </p:cNvPr>
+          <p:cNvPr id="5" name="矩形 4"/>
           <p:cNvSpPr/>
           <p:nvPr/>
         </p:nvSpPr>
@@ -17984,90 +18733,7 @@
       </p:sp>
       <p:sp>
         <p:nvSpPr>
-          <p:cNvPr id="7" name="文字方塊 6">
-            <a:extLst>
-              <a:ext uri="{FF2B5EF4-FFF2-40B4-BE49-F238E27FC236}">
-                <a16:creationId xmlns:a16="http://schemas.microsoft.com/office/drawing/2014/main" id="{4FEA02E5-9C85-4FB6-B6CC-93C3AB69BD57}"/>
-              </a:ext>
-            </a:extLst>
-          </p:cNvPr>
-          <p:cNvSpPr txBox="1"/>
-          <p:nvPr/>
-        </p:nvSpPr>
-        <p:spPr>
-          <a:xfrm>
-            <a:off x="525718" y="46137"/>
-            <a:ext cx="4198585" cy="276999"/>
-          </a:xfrm>
-          <a:prstGeom prst="rect">
-            <a:avLst/>
-          </a:prstGeom>
-          <a:noFill/>
-        </p:spPr>
-        <p:txBody>
-          <a:bodyPr wrap="none" rtlCol="0">
-            <a:spAutoFit/>
-          </a:bodyPr>
-          <a:lstStyle/>
-          <a:p>
-            <a:r>
-              <a:rPr lang="en-US" altLang="zh-TW" sz="1200" b="1" dirty="0">
-                <a:solidFill>
-                  <a:schemeClr val="tx1">
-                    <a:lumMod val="85000"/>
-                    <a:lumOff val="15000"/>
-                  </a:schemeClr>
-                </a:solidFill>
-                <a:latin typeface="Consolas" panose="020B0609020204030204" pitchFamily="49" charset="0"/>
-              </a:rPr>
-              <a:t>C:\NTUST\WebpagesDevelopment\Team05\</a:t>
-            </a:r>
-            <a:r>
-              <a:rPr lang="zh-TW" altLang="en-US" sz="1200" b="1" dirty="0">
-                <a:solidFill>
-                  <a:schemeClr val="tx1">
-                    <a:lumMod val="85000"/>
-                    <a:lumOff val="15000"/>
-                  </a:schemeClr>
-                </a:solidFill>
-                <a:latin typeface="Microsoft JhengHei UI Light" panose="020B0304030504040204" pitchFamily="34" charset="-120"/>
-                <a:ea typeface="Microsoft JhengHei UI Light" panose="020B0304030504040204" pitchFamily="34" charset="-120"/>
-              </a:rPr>
-              <a:t>碼農天堂</a:t>
-            </a:r>
-            <a:r>
-              <a:rPr lang="en-US" altLang="zh-TW" sz="1200" b="1" dirty="0">
-                <a:solidFill>
-                  <a:schemeClr val="tx1">
-                    <a:lumMod val="85000"/>
-                    <a:lumOff val="15000"/>
-                  </a:schemeClr>
-                </a:solidFill>
-                <a:latin typeface="Consolas" panose="020B0609020204030204" pitchFamily="49" charset="0"/>
-              </a:rPr>
-              <a:t>.exe</a:t>
-            </a:r>
-            <a:endParaRPr lang="zh-TW" altLang="en-US" sz="1200" b="1" dirty="0">
-              <a:solidFill>
-                <a:schemeClr val="tx1">
-                  <a:lumMod val="85000"/>
-                  <a:lumOff val="15000"/>
-                </a:schemeClr>
-              </a:solidFill>
-              <a:latin typeface="Consolas" panose="020B0609020204030204" pitchFamily="49" charset="0"/>
-            </a:endParaRPr>
-          </a:p>
-        </p:txBody>
-      </p:sp>
-      <p:sp>
-        <p:nvSpPr>
-          <p:cNvPr id="8" name="文字方塊 7">
-            <a:extLst>
-              <a:ext uri="{FF2B5EF4-FFF2-40B4-BE49-F238E27FC236}">
-                <a16:creationId xmlns:a16="http://schemas.microsoft.com/office/drawing/2014/main" id="{AB184E4D-4597-480B-A1A5-DB5D6F45804F}"/>
-              </a:ext>
-            </a:extLst>
-          </p:cNvPr>
+          <p:cNvPr id="6" name="文字方塊 5"/>
           <p:cNvSpPr txBox="1"/>
           <p:nvPr/>
         </p:nvSpPr>
@@ -18119,13 +18785,181 @@
       </p:sp>
       <p:sp>
         <p:nvSpPr>
-          <p:cNvPr id="9" name="文字方塊 8">
-            <a:extLst>
-              <a:ext uri="{FF2B5EF4-FFF2-40B4-BE49-F238E27FC236}">
-                <a16:creationId xmlns:a16="http://schemas.microsoft.com/office/drawing/2014/main" id="{D329A510-E83B-4003-AC2A-AEF7EDA692D4}"/>
-              </a:ext>
-            </a:extLst>
-          </p:cNvPr>
+          <p:cNvPr id="7" name="文字方塊 6"/>
+          <p:cNvSpPr txBox="1"/>
+          <p:nvPr/>
+        </p:nvSpPr>
+        <p:spPr>
+          <a:xfrm>
+            <a:off x="525718" y="46137"/>
+            <a:ext cx="4198585" cy="276999"/>
+          </a:xfrm>
+          <a:prstGeom prst="rect">
+            <a:avLst/>
+          </a:prstGeom>
+          <a:noFill/>
+        </p:spPr>
+        <p:txBody>
+          <a:bodyPr wrap="none" rtlCol="0">
+            <a:spAutoFit/>
+          </a:bodyPr>
+          <a:lstStyle/>
+          <a:p>
+            <a:r>
+              <a:rPr lang="en-US" altLang="zh-TW" sz="1200" b="1" dirty="0">
+                <a:solidFill>
+                  <a:schemeClr val="tx1">
+                    <a:lumMod val="85000"/>
+                    <a:lumOff val="15000"/>
+                  </a:schemeClr>
+                </a:solidFill>
+                <a:latin typeface="Consolas" panose="020B0609020204030204" pitchFamily="49" charset="0"/>
+              </a:rPr>
+              <a:t>C:\NTUST\WebpagesDevelopment\Team05\</a:t>
+            </a:r>
+            <a:r>
+              <a:rPr lang="zh-TW" altLang="en-US" sz="1200" b="1" dirty="0">
+                <a:solidFill>
+                  <a:schemeClr val="tx1">
+                    <a:lumMod val="85000"/>
+                    <a:lumOff val="15000"/>
+                  </a:schemeClr>
+                </a:solidFill>
+                <a:latin typeface="Microsoft JhengHei UI Light" panose="020B0304030504040204" pitchFamily="34" charset="-120"/>
+                <a:ea typeface="Microsoft JhengHei UI Light" panose="020B0304030504040204" pitchFamily="34" charset="-120"/>
+              </a:rPr>
+              <a:t>碼農天堂</a:t>
+            </a:r>
+            <a:r>
+              <a:rPr lang="en-US" altLang="zh-TW" sz="1200" b="1" dirty="0">
+                <a:solidFill>
+                  <a:schemeClr val="tx1">
+                    <a:lumMod val="85000"/>
+                    <a:lumOff val="15000"/>
+                  </a:schemeClr>
+                </a:solidFill>
+                <a:latin typeface="Consolas" panose="020B0609020204030204" pitchFamily="49" charset="0"/>
+              </a:rPr>
+              <a:t>.exe</a:t>
+            </a:r>
+            <a:endParaRPr lang="zh-TW" altLang="en-US" sz="1200" b="1" dirty="0">
+              <a:solidFill>
+                <a:schemeClr val="tx1">
+                  <a:lumMod val="85000"/>
+                  <a:lumOff val="15000"/>
+                </a:schemeClr>
+              </a:solidFill>
+              <a:latin typeface="Consolas" panose="020B0609020204030204" pitchFamily="49" charset="0"/>
+            </a:endParaRPr>
+          </a:p>
+        </p:txBody>
+      </p:sp>
+      <p:sp>
+        <p:nvSpPr>
+          <p:cNvPr id="8" name="文字方塊 7"/>
+          <p:cNvSpPr txBox="1"/>
+          <p:nvPr/>
+        </p:nvSpPr>
+        <p:spPr>
+          <a:xfrm>
+            <a:off x="10598497" y="15389"/>
+            <a:ext cx="415498" cy="369332"/>
+          </a:xfrm>
+          <a:prstGeom prst="rect">
+            <a:avLst/>
+          </a:prstGeom>
+          <a:noFill/>
+        </p:spPr>
+        <p:txBody>
+          <a:bodyPr wrap="none" rtlCol="0">
+            <a:spAutoFit/>
+          </a:bodyPr>
+          <a:lstStyle/>
+          <a:p>
+            <a:r>
+              <a:rPr lang="zh-TW" altLang="en-US" b="1" dirty="0">
+                <a:solidFill>
+                  <a:schemeClr val="tx1">
+                    <a:lumMod val="85000"/>
+                    <a:lumOff val="15000"/>
+                  </a:schemeClr>
+                </a:solidFill>
+                <a:latin typeface="Consolas" panose="020B0609020204030204" pitchFamily="49" charset="0"/>
+              </a:rPr>
+              <a:t>☺</a:t>
+            </a:r>
+          </a:p>
+        </p:txBody>
+      </p:sp>
+      <p:sp>
+        <p:nvSpPr>
+          <p:cNvPr id="9" name="文字方塊 8"/>
+          <p:cNvSpPr txBox="1"/>
+          <p:nvPr/>
+        </p:nvSpPr>
+        <p:spPr>
+          <a:xfrm>
+            <a:off x="11151953" y="15389"/>
+            <a:ext cx="415498" cy="369332"/>
+          </a:xfrm>
+          <a:prstGeom prst="rect">
+            <a:avLst/>
+          </a:prstGeom>
+          <a:noFill/>
+        </p:spPr>
+        <p:txBody>
+          <a:bodyPr wrap="none" rtlCol="0">
+            <a:spAutoFit/>
+          </a:bodyPr>
+          <a:lstStyle/>
+          <a:p>
+            <a:r>
+              <a:rPr lang="zh-TW" altLang="en-US" b="1" dirty="0">
+                <a:solidFill>
+                  <a:schemeClr val="tx1">
+                    <a:lumMod val="85000"/>
+                    <a:lumOff val="15000"/>
+                  </a:schemeClr>
+                </a:solidFill>
+                <a:latin typeface="Consolas" panose="020B0609020204030204" pitchFamily="49" charset="0"/>
+              </a:rPr>
+              <a:t>☹</a:t>
+            </a:r>
+          </a:p>
+        </p:txBody>
+      </p:sp>
+      <p:sp>
+        <p:nvSpPr>
+          <p:cNvPr id="10" name="文字方塊 9"/>
+          <p:cNvSpPr txBox="1"/>
+          <p:nvPr/>
+        </p:nvSpPr>
+        <p:spPr>
+          <a:xfrm>
+            <a:off x="11705409" y="0"/>
+            <a:ext cx="441146" cy="400110"/>
+          </a:xfrm>
+          <a:prstGeom prst="rect">
+            <a:avLst/>
+          </a:prstGeom>
+          <a:noFill/>
+        </p:spPr>
+        <p:txBody>
+          <a:bodyPr wrap="none" rtlCol="0">
+            <a:spAutoFit/>
+          </a:bodyPr>
+          <a:lstStyle/>
+          <a:p>
+            <a:r>
+              <a:rPr lang="zh-TW" altLang="en-US" sz="2000" dirty="0"/>
+              <a:t>☻</a:t>
+            </a:r>
+          </a:p>
+        </p:txBody>
+      </p:sp>
+      <p:sp>
+        <p:nvSpPr>
+          <p:cNvPr id="11" name="文字方塊 10"/>
           <p:cNvSpPr txBox="1"/>
           <p:nvPr/>
         </p:nvSpPr>
@@ -18200,7 +19034,7 @@
                 </a:solidFill>
                 <a:latin typeface="Consolas" panose="020B0609020204030204" pitchFamily="49" charset="0"/>
               </a:rPr>
-              <a:t>C:\Users\student&gt;next</a:t>
+              <a:t>C:\Users\student&gt;</a:t>
             </a:r>
             <a:endParaRPr lang="zh-TW" altLang="en-US" sz="1400" dirty="0">
               <a:solidFill>
@@ -18211,20 +19045,802 @@
           </a:p>
         </p:txBody>
       </p:sp>
+      <p:sp>
+        <p:nvSpPr>
+          <p:cNvPr id="13" name="文字方塊 12"/>
+          <p:cNvSpPr txBox="1"/>
+          <p:nvPr/>
+        </p:nvSpPr>
+        <p:spPr>
+          <a:xfrm>
+            <a:off x="1699377" y="954048"/>
+            <a:ext cx="311304" cy="369332"/>
+          </a:xfrm>
+          <a:prstGeom prst="rect">
+            <a:avLst/>
+          </a:prstGeom>
+          <a:noFill/>
+        </p:spPr>
+        <p:txBody>
+          <a:bodyPr wrap="none" rtlCol="0">
+            <a:spAutoFit/>
+          </a:bodyPr>
+          <a:lstStyle/>
+          <a:p>
+            <a:r>
+              <a:rPr lang="en-US" altLang="zh-TW" b="1" dirty="0">
+                <a:solidFill>
+                  <a:schemeClr val="bg1"/>
+                </a:solidFill>
+                <a:latin typeface="Consolas" panose="020B0609020204030204" pitchFamily="49" charset="0"/>
+              </a:rPr>
+              <a:t>_</a:t>
+            </a:r>
+            <a:endParaRPr lang="zh-TW" altLang="en-US" b="1" dirty="0">
+              <a:solidFill>
+                <a:schemeClr val="bg1"/>
+              </a:solidFill>
+              <a:latin typeface="Consolas" panose="020B0609020204030204" pitchFamily="49" charset="0"/>
+            </a:endParaRPr>
+          </a:p>
+        </p:txBody>
+      </p:sp>
+      <p:sp>
+        <p:nvSpPr>
+          <p:cNvPr id="14" name="矩形 13"/>
+          <p:cNvSpPr/>
+          <p:nvPr/>
+        </p:nvSpPr>
+        <p:spPr>
+          <a:xfrm>
+            <a:off x="11925982" y="369273"/>
+            <a:ext cx="266018" cy="6488727"/>
+          </a:xfrm>
+          <a:prstGeom prst="rect">
+            <a:avLst/>
+          </a:prstGeom>
+          <a:solidFill>
+            <a:schemeClr val="bg1">
+              <a:lumMod val="95000"/>
+            </a:schemeClr>
+          </a:solidFill>
+          <a:ln>
+            <a:noFill/>
+          </a:ln>
+        </p:spPr>
+        <p:style>
+          <a:lnRef idx="2">
+            <a:schemeClr val="accent1">
+              <a:shade val="50000"/>
+            </a:schemeClr>
+          </a:lnRef>
+          <a:fillRef idx="1">
+            <a:schemeClr val="accent1"/>
+          </a:fillRef>
+          <a:effectRef idx="0">
+            <a:schemeClr val="accent1"/>
+          </a:effectRef>
+          <a:fontRef idx="minor">
+            <a:schemeClr val="lt1"/>
+          </a:fontRef>
+        </p:style>
+        <p:txBody>
+          <a:bodyPr rtlCol="0" anchor="ctr"/>
+          <a:lstStyle/>
+          <a:p>
+            <a:pPr algn="ctr"/>
+            <a:endParaRPr lang="zh-TW" altLang="en-US"/>
+          </a:p>
+        </p:txBody>
+      </p:sp>
+      <p:sp>
+        <p:nvSpPr>
+          <p:cNvPr id="16" name="矩形 15"/>
+          <p:cNvSpPr/>
+          <p:nvPr/>
+        </p:nvSpPr>
+        <p:spPr>
+          <a:xfrm>
+            <a:off x="11925982" y="369273"/>
+            <a:ext cx="266018" cy="261663"/>
+          </a:xfrm>
+          <a:prstGeom prst="rect">
+            <a:avLst/>
+          </a:prstGeom>
+          <a:solidFill>
+            <a:schemeClr val="bg1">
+              <a:lumMod val="95000"/>
+            </a:schemeClr>
+          </a:solidFill>
+          <a:ln>
+            <a:noFill/>
+          </a:ln>
+        </p:spPr>
+        <p:style>
+          <a:lnRef idx="2">
+            <a:schemeClr val="accent1">
+              <a:shade val="50000"/>
+            </a:schemeClr>
+          </a:lnRef>
+          <a:fillRef idx="1">
+            <a:schemeClr val="accent1"/>
+          </a:fillRef>
+          <a:effectRef idx="0">
+            <a:schemeClr val="accent1"/>
+          </a:effectRef>
+          <a:fontRef idx="minor">
+            <a:schemeClr val="lt1"/>
+          </a:fontRef>
+        </p:style>
+        <p:txBody>
+          <a:bodyPr rtlCol="0" anchor="ctr"/>
+          <a:lstStyle/>
+          <a:p>
+            <a:pPr algn="ctr"/>
+            <a:r>
+              <a:rPr lang="zh-TW" altLang="en-US" sz="1400" dirty="0">
+                <a:solidFill>
+                  <a:schemeClr val="tx1">
+                    <a:lumMod val="85000"/>
+                    <a:lumOff val="15000"/>
+                  </a:schemeClr>
+                </a:solidFill>
+              </a:rPr>
+              <a:t>▲</a:t>
+            </a:r>
+          </a:p>
+        </p:txBody>
+      </p:sp>
+      <p:sp>
+        <p:nvSpPr>
+          <p:cNvPr id="17" name="矩形 16"/>
+          <p:cNvSpPr/>
+          <p:nvPr/>
+        </p:nvSpPr>
+        <p:spPr>
+          <a:xfrm>
+            <a:off x="11925982" y="6578047"/>
+            <a:ext cx="266018" cy="261663"/>
+          </a:xfrm>
+          <a:prstGeom prst="rect">
+            <a:avLst/>
+          </a:prstGeom>
+          <a:solidFill>
+            <a:schemeClr val="bg1">
+              <a:lumMod val="95000"/>
+            </a:schemeClr>
+          </a:solidFill>
+          <a:ln>
+            <a:noFill/>
+          </a:ln>
+        </p:spPr>
+        <p:style>
+          <a:lnRef idx="2">
+            <a:schemeClr val="accent1">
+              <a:shade val="50000"/>
+            </a:schemeClr>
+          </a:lnRef>
+          <a:fillRef idx="1">
+            <a:schemeClr val="accent1"/>
+          </a:fillRef>
+          <a:effectRef idx="0">
+            <a:schemeClr val="accent1"/>
+          </a:effectRef>
+          <a:fontRef idx="minor">
+            <a:schemeClr val="lt1"/>
+          </a:fontRef>
+        </p:style>
+        <p:txBody>
+          <a:bodyPr rtlCol="0" anchor="ctr"/>
+          <a:lstStyle/>
+          <a:p>
+            <a:pPr algn="ctr"/>
+            <a:r>
+              <a:rPr lang="zh-TW" altLang="en-US" sz="1400" dirty="0">
+                <a:solidFill>
+                  <a:schemeClr val="tx1">
+                    <a:lumMod val="85000"/>
+                    <a:lumOff val="15000"/>
+                  </a:schemeClr>
+                </a:solidFill>
+              </a:rPr>
+              <a:t>▼</a:t>
+            </a:r>
+            <a:endParaRPr lang="zh-TW" altLang="en-US" sz="1100" dirty="0">
+              <a:solidFill>
+                <a:schemeClr val="tx1">
+                  <a:lumMod val="85000"/>
+                  <a:lumOff val="15000"/>
+                </a:schemeClr>
+              </a:solidFill>
+            </a:endParaRPr>
+          </a:p>
+        </p:txBody>
+      </p:sp>
+      <p:sp>
+        <p:nvSpPr>
+          <p:cNvPr id="18" name="矩形 17"/>
+          <p:cNvSpPr/>
+          <p:nvPr/>
+        </p:nvSpPr>
+        <p:spPr>
+          <a:xfrm>
+            <a:off x="11925982" y="630936"/>
+            <a:ext cx="266018" cy="507778"/>
+          </a:xfrm>
+          <a:prstGeom prst="rect">
+            <a:avLst/>
+          </a:prstGeom>
+          <a:solidFill>
+            <a:schemeClr val="bg1">
+              <a:lumMod val="75000"/>
+            </a:schemeClr>
+          </a:solidFill>
+          <a:ln>
+            <a:noFill/>
+          </a:ln>
+        </p:spPr>
+        <p:style>
+          <a:lnRef idx="2">
+            <a:schemeClr val="accent1">
+              <a:shade val="50000"/>
+            </a:schemeClr>
+          </a:lnRef>
+          <a:fillRef idx="1">
+            <a:schemeClr val="accent1"/>
+          </a:fillRef>
+          <a:effectRef idx="0">
+            <a:schemeClr val="accent1"/>
+          </a:effectRef>
+          <a:fontRef idx="minor">
+            <a:schemeClr val="lt1"/>
+          </a:fontRef>
+        </p:style>
+        <p:txBody>
+          <a:bodyPr rtlCol="0" anchor="ctr"/>
+          <a:lstStyle/>
+          <a:p>
+            <a:pPr algn="ctr"/>
+            <a:endParaRPr lang="zh-TW" altLang="en-US"/>
+          </a:p>
+        </p:txBody>
+      </p:sp>
+      <p:sp>
+        <p:nvSpPr>
+          <p:cNvPr id="19" name="文字方塊 18"/>
+          <p:cNvSpPr txBox="1"/>
+          <p:nvPr/>
+        </p:nvSpPr>
+        <p:spPr>
+          <a:xfrm>
+            <a:off x="1699377" y="1006459"/>
+            <a:ext cx="582211" cy="307777"/>
+          </a:xfrm>
+          <a:prstGeom prst="rect">
+            <a:avLst/>
+          </a:prstGeom>
+          <a:noFill/>
+        </p:spPr>
+        <p:txBody>
+          <a:bodyPr wrap="none" rtlCol="0">
+            <a:spAutoFit/>
+          </a:bodyPr>
+          <a:lstStyle/>
+          <a:p>
+            <a:r>
+              <a:rPr lang="en-US" altLang="zh-TW" sz="1400" dirty="0">
+                <a:solidFill>
+                  <a:schemeClr val="bg1"/>
+                </a:solidFill>
+                <a:latin typeface="Consolas" panose="020B0609020204030204" pitchFamily="49" charset="0"/>
+              </a:rPr>
+              <a:t>next</a:t>
+            </a:r>
+            <a:endParaRPr lang="zh-TW" altLang="en-US" sz="1400" b="1" dirty="0">
+              <a:solidFill>
+                <a:schemeClr val="bg1"/>
+              </a:solidFill>
+              <a:latin typeface="Microsoft JhengHei UI Light" panose="020B0304030504040204" pitchFamily="34" charset="-120"/>
+              <a:ea typeface="Microsoft JhengHei UI Light" panose="020B0304030504040204" pitchFamily="34" charset="-120"/>
+            </a:endParaRPr>
+          </a:p>
+        </p:txBody>
+      </p:sp>
+      <p:sp>
+        <p:nvSpPr>
+          <p:cNvPr id="20" name="文字方塊 19"/>
+          <p:cNvSpPr txBox="1"/>
+          <p:nvPr/>
+        </p:nvSpPr>
+        <p:spPr>
+          <a:xfrm>
+            <a:off x="2108645" y="936634"/>
+            <a:ext cx="311304" cy="369332"/>
+          </a:xfrm>
+          <a:prstGeom prst="rect">
+            <a:avLst/>
+          </a:prstGeom>
+          <a:noFill/>
+        </p:spPr>
+        <p:txBody>
+          <a:bodyPr wrap="none" rtlCol="0">
+            <a:spAutoFit/>
+          </a:bodyPr>
+          <a:lstStyle/>
+          <a:p>
+            <a:r>
+              <a:rPr lang="en-US" altLang="zh-TW" b="1" dirty="0">
+                <a:solidFill>
+                  <a:schemeClr val="bg1"/>
+                </a:solidFill>
+                <a:latin typeface="Consolas" panose="020B0609020204030204" pitchFamily="49" charset="0"/>
+              </a:rPr>
+              <a:t>_</a:t>
+            </a:r>
+            <a:endParaRPr lang="zh-TW" altLang="en-US" b="1" dirty="0">
+              <a:solidFill>
+                <a:schemeClr val="bg1"/>
+              </a:solidFill>
+              <a:latin typeface="Consolas" panose="020B0609020204030204" pitchFamily="49" charset="0"/>
+            </a:endParaRPr>
+          </a:p>
+        </p:txBody>
+      </p:sp>
+      <p:sp>
+        <p:nvSpPr>
+          <p:cNvPr id="21" name="文字方塊 20"/>
+          <p:cNvSpPr txBox="1"/>
+          <p:nvPr/>
+        </p:nvSpPr>
+        <p:spPr>
+          <a:xfrm>
+            <a:off x="0" y="1221872"/>
+            <a:ext cx="482824" cy="307777"/>
+          </a:xfrm>
+          <a:prstGeom prst="rect">
+            <a:avLst/>
+          </a:prstGeom>
+          <a:noFill/>
+        </p:spPr>
+        <p:txBody>
+          <a:bodyPr wrap="none" rtlCol="0">
+            <a:spAutoFit/>
+          </a:bodyPr>
+          <a:lstStyle/>
+          <a:p>
+            <a:r>
+              <a:rPr lang="en-US" altLang="zh-TW" sz="1400" dirty="0">
+                <a:solidFill>
+                  <a:schemeClr val="bg1"/>
+                </a:solidFill>
+                <a:latin typeface="Consolas" panose="020B0609020204030204" pitchFamily="49" charset="0"/>
+              </a:rPr>
+              <a:t>&gt;&gt;&gt;</a:t>
+            </a:r>
+            <a:endParaRPr lang="zh-TW" altLang="en-US" sz="1400" dirty="0">
+              <a:solidFill>
+                <a:schemeClr val="bg1"/>
+              </a:solidFill>
+              <a:latin typeface="Consolas" panose="020B0609020204030204" pitchFamily="49" charset="0"/>
+            </a:endParaRPr>
+          </a:p>
+        </p:txBody>
+      </p:sp>
+      <p:sp>
+        <p:nvSpPr>
+          <p:cNvPr id="22" name="文字方塊 21"/>
+          <p:cNvSpPr txBox="1"/>
+          <p:nvPr/>
+        </p:nvSpPr>
+        <p:spPr>
+          <a:xfrm>
+            <a:off x="123092" y="1692653"/>
+            <a:ext cx="184731" cy="830997"/>
+          </a:xfrm>
+          <a:prstGeom prst="rect">
+            <a:avLst/>
+          </a:prstGeom>
+          <a:noFill/>
+        </p:spPr>
+        <p:txBody>
+          <a:bodyPr wrap="none" rtlCol="0">
+            <a:spAutoFit/>
+          </a:bodyPr>
+          <a:lstStyle/>
+          <a:p>
+            <a:endParaRPr lang="zh-TW" altLang="en-US" sz="4800" b="1" dirty="0">
+              <a:solidFill>
+                <a:schemeClr val="bg1"/>
+              </a:solidFill>
+              <a:latin typeface="Microsoft JhengHei UI Light" panose="020B0304030504040204" pitchFamily="34" charset="-120"/>
+              <a:ea typeface="Microsoft JhengHei UI Light" panose="020B0304030504040204" pitchFamily="34" charset="-120"/>
+            </a:endParaRPr>
+          </a:p>
+        </p:txBody>
+      </p:sp>
+      <p:pic>
+        <p:nvPicPr>
+          <p:cNvPr id="3" name="圖片 2">
+            <a:extLst>
+              <a:ext uri="{FF2B5EF4-FFF2-40B4-BE49-F238E27FC236}">
+                <a16:creationId xmlns:a16="http://schemas.microsoft.com/office/drawing/2014/main" id="{1745B14B-7C22-4B69-A242-D95F10627C71}"/>
+              </a:ext>
+            </a:extLst>
+          </p:cNvPr>
+          <p:cNvPicPr>
+            <a:picLocks noChangeAspect="1"/>
+          </p:cNvPicPr>
+          <p:nvPr/>
+        </p:nvPicPr>
+        <p:blipFill>
+          <a:blip r:embed="rId2">
+            <a:clrChange>
+              <a:clrFrom>
+                <a:srgbClr val="000000"/>
+              </a:clrFrom>
+              <a:clrTo>
+                <a:srgbClr val="000000">
+                  <a:alpha val="0"/>
+                </a:srgbClr>
+              </a:clrTo>
+            </a:clrChange>
+          </a:blip>
+          <a:stretch>
+            <a:fillRect/>
+          </a:stretch>
+        </p:blipFill>
+        <p:spPr>
+          <a:xfrm>
+            <a:off x="123092" y="1529649"/>
+            <a:ext cx="4495800" cy="1190625"/>
+          </a:xfrm>
+          <a:prstGeom prst="rect">
+            <a:avLst/>
+          </a:prstGeom>
+        </p:spPr>
+      </p:pic>
     </p:spTree>
     <p:extLst>
       <p:ext uri="{BB962C8B-B14F-4D97-AF65-F5344CB8AC3E}">
-        <p14:creationId xmlns:p14="http://schemas.microsoft.com/office/powerpoint/2010/main" val="439053630"/>
+        <p14:creationId xmlns:p14="http://schemas.microsoft.com/office/powerpoint/2010/main" val="3026392836"/>
       </p:ext>
     </p:extLst>
   </p:cSld>
   <p:clrMapOvr>
     <a:masterClrMapping/>
   </p:clrMapOvr>
+  <mc:AlternateContent xmlns:mc="http://schemas.openxmlformats.org/markup-compatibility/2006" xmlns:p14="http://schemas.microsoft.com/office/powerpoint/2010/main">
+    <mc:Choice Requires="p14">
+      <p:transition spd="med" p14:dur="700">
+        <p:fade/>
+      </p:transition>
+    </mc:Choice>
+    <mc:Fallback xmlns="">
+      <p:transition spd="med">
+        <p:fade/>
+      </p:transition>
+    </mc:Fallback>
+  </mc:AlternateContent>
+  <p:timing>
+    <p:tnLst>
+      <p:par>
+        <p:cTn id="1" dur="indefinite" restart="never" nodeType="tmRoot">
+          <p:childTnLst>
+            <p:seq concurrent="1" nextAc="seek">
+              <p:cTn id="2" dur="indefinite" nodeType="mainSeq">
+                <p:childTnLst>
+                  <p:par>
+                    <p:cTn id="3" fill="hold">
+                      <p:stCondLst>
+                        <p:cond delay="indefinite"/>
+                        <p:cond evt="onBegin" delay="0">
+                          <p:tn val="2"/>
+                        </p:cond>
+                      </p:stCondLst>
+                      <p:childTnLst>
+                        <p:par>
+                          <p:cTn id="4" fill="hold">
+                            <p:stCondLst>
+                              <p:cond delay="0"/>
+                            </p:stCondLst>
+                            <p:childTnLst>
+                              <p:par>
+                                <p:cTn id="5" presetID="10" presetClass="entr" presetSubtype="0" repeatCount="2000" fill="hold" grpId="0" nodeType="afterEffect">
+                                  <p:stCondLst>
+                                    <p:cond delay="0"/>
+                                  </p:stCondLst>
+                                  <p:childTnLst>
+                                    <p:set>
+                                      <p:cBhvr>
+                                        <p:cTn id="6" dur="1" fill="hold">
+                                          <p:stCondLst>
+                                            <p:cond delay="0"/>
+                                          </p:stCondLst>
+                                        </p:cTn>
+                                        <p:tgtEl>
+                                          <p:spTgt spid="13"/>
+                                        </p:tgtEl>
+                                        <p:attrNameLst>
+                                          <p:attrName>style.visibility</p:attrName>
+                                        </p:attrNameLst>
+                                      </p:cBhvr>
+                                      <p:to>
+                                        <p:strVal val="visible"/>
+                                      </p:to>
+                                    </p:set>
+                                    <p:animEffect transition="in" filter="fade">
+                                      <p:cBhvr>
+                                        <p:cTn id="7" dur="500"/>
+                                        <p:tgtEl>
+                                          <p:spTgt spid="13"/>
+                                        </p:tgtEl>
+                                      </p:cBhvr>
+                                    </p:animEffect>
+                                  </p:childTnLst>
+                                </p:cTn>
+                              </p:par>
+                            </p:childTnLst>
+                          </p:cTn>
+                        </p:par>
+                        <p:par>
+                          <p:cTn id="8" fill="hold">
+                            <p:stCondLst>
+                              <p:cond delay="1000"/>
+                            </p:stCondLst>
+                            <p:childTnLst>
+                              <p:par>
+                                <p:cTn id="9" presetID="22" presetClass="entr" presetSubtype="8" fill="hold" grpId="0" nodeType="afterEffect">
+                                  <p:stCondLst>
+                                    <p:cond delay="0"/>
+                                  </p:stCondLst>
+                                  <p:childTnLst>
+                                    <p:set>
+                                      <p:cBhvr>
+                                        <p:cTn id="10" dur="1" fill="hold">
+                                          <p:stCondLst>
+                                            <p:cond delay="0"/>
+                                          </p:stCondLst>
+                                        </p:cTn>
+                                        <p:tgtEl>
+                                          <p:spTgt spid="19"/>
+                                        </p:tgtEl>
+                                        <p:attrNameLst>
+                                          <p:attrName>style.visibility</p:attrName>
+                                        </p:attrNameLst>
+                                      </p:cBhvr>
+                                      <p:to>
+                                        <p:strVal val="visible"/>
+                                      </p:to>
+                                    </p:set>
+                                    <p:animEffect transition="in" filter="wipe(left)">
+                                      <p:cBhvr>
+                                        <p:cTn id="11" dur="500"/>
+                                        <p:tgtEl>
+                                          <p:spTgt spid="19"/>
+                                        </p:tgtEl>
+                                      </p:cBhvr>
+                                    </p:animEffect>
+                                  </p:childTnLst>
+                                </p:cTn>
+                              </p:par>
+                              <p:par>
+                                <p:cTn id="12" presetID="1" presetClass="exit" presetSubtype="0" fill="hold" grpId="1" nodeType="withEffect">
+                                  <p:stCondLst>
+                                    <p:cond delay="0"/>
+                                  </p:stCondLst>
+                                  <p:childTnLst>
+                                    <p:set>
+                                      <p:cBhvr>
+                                        <p:cTn id="13" dur="1" fill="hold">
+                                          <p:stCondLst>
+                                            <p:cond delay="0"/>
+                                          </p:stCondLst>
+                                        </p:cTn>
+                                        <p:tgtEl>
+                                          <p:spTgt spid="13"/>
+                                        </p:tgtEl>
+                                        <p:attrNameLst>
+                                          <p:attrName>style.visibility</p:attrName>
+                                        </p:attrNameLst>
+                                      </p:cBhvr>
+                                      <p:to>
+                                        <p:strVal val="hidden"/>
+                                      </p:to>
+                                    </p:set>
+                                  </p:childTnLst>
+                                </p:cTn>
+                              </p:par>
+                            </p:childTnLst>
+                          </p:cTn>
+                        </p:par>
+                        <p:par>
+                          <p:cTn id="14" fill="hold">
+                            <p:stCondLst>
+                              <p:cond delay="1500"/>
+                            </p:stCondLst>
+                            <p:childTnLst>
+                              <p:par>
+                                <p:cTn id="15" presetID="10" presetClass="entr" presetSubtype="0" repeatCount="2000" fill="hold" grpId="0" nodeType="afterEffect">
+                                  <p:stCondLst>
+                                    <p:cond delay="0"/>
+                                  </p:stCondLst>
+                                  <p:childTnLst>
+                                    <p:set>
+                                      <p:cBhvr>
+                                        <p:cTn id="16" dur="1" fill="hold">
+                                          <p:stCondLst>
+                                            <p:cond delay="0"/>
+                                          </p:stCondLst>
+                                        </p:cTn>
+                                        <p:tgtEl>
+                                          <p:spTgt spid="20"/>
+                                        </p:tgtEl>
+                                        <p:attrNameLst>
+                                          <p:attrName>style.visibility</p:attrName>
+                                        </p:attrNameLst>
+                                      </p:cBhvr>
+                                      <p:to>
+                                        <p:strVal val="visible"/>
+                                      </p:to>
+                                    </p:set>
+                                    <p:animEffect transition="in" filter="fade">
+                                      <p:cBhvr>
+                                        <p:cTn id="17" dur="500"/>
+                                        <p:tgtEl>
+                                          <p:spTgt spid="20"/>
+                                        </p:tgtEl>
+                                      </p:cBhvr>
+                                    </p:animEffect>
+                                  </p:childTnLst>
+                                </p:cTn>
+                              </p:par>
+                            </p:childTnLst>
+                          </p:cTn>
+                        </p:par>
+                        <p:par>
+                          <p:cTn id="18" fill="hold">
+                            <p:stCondLst>
+                              <p:cond delay="2500"/>
+                            </p:stCondLst>
+                            <p:childTnLst>
+                              <p:par>
+                                <p:cTn id="19" presetID="1" presetClass="exit" presetSubtype="0" fill="hold" grpId="1" nodeType="afterEffect">
+                                  <p:stCondLst>
+                                    <p:cond delay="0"/>
+                                  </p:stCondLst>
+                                  <p:childTnLst>
+                                    <p:set>
+                                      <p:cBhvr>
+                                        <p:cTn id="20" dur="1" fill="hold">
+                                          <p:stCondLst>
+                                            <p:cond delay="0"/>
+                                          </p:stCondLst>
+                                        </p:cTn>
+                                        <p:tgtEl>
+                                          <p:spTgt spid="20"/>
+                                        </p:tgtEl>
+                                        <p:attrNameLst>
+                                          <p:attrName>style.visibility</p:attrName>
+                                        </p:attrNameLst>
+                                      </p:cBhvr>
+                                      <p:to>
+                                        <p:strVal val="hidden"/>
+                                      </p:to>
+                                    </p:set>
+                                  </p:childTnLst>
+                                </p:cTn>
+                              </p:par>
+                              <p:par>
+                                <p:cTn id="21" presetID="1" presetClass="entr" presetSubtype="0" fill="hold" grpId="0" nodeType="withEffect">
+                                  <p:stCondLst>
+                                    <p:cond delay="800"/>
+                                  </p:stCondLst>
+                                  <p:childTnLst>
+                                    <p:set>
+                                      <p:cBhvr>
+                                        <p:cTn id="22" dur="1" fill="hold">
+                                          <p:stCondLst>
+                                            <p:cond delay="0"/>
+                                          </p:stCondLst>
+                                        </p:cTn>
+                                        <p:tgtEl>
+                                          <p:spTgt spid="21"/>
+                                        </p:tgtEl>
+                                        <p:attrNameLst>
+                                          <p:attrName>style.visibility</p:attrName>
+                                        </p:attrNameLst>
+                                      </p:cBhvr>
+                                      <p:to>
+                                        <p:strVal val="visible"/>
+                                      </p:to>
+                                    </p:set>
+                                  </p:childTnLst>
+                                </p:cTn>
+                              </p:par>
+                            </p:childTnLst>
+                          </p:cTn>
+                        </p:par>
+                        <p:par>
+                          <p:cTn id="23" fill="hold">
+                            <p:stCondLst>
+                              <p:cond delay="3300"/>
+                            </p:stCondLst>
+                            <p:childTnLst>
+                              <p:par>
+                                <p:cTn id="24" presetID="22" presetClass="entr" presetSubtype="8" fill="hold" nodeType="afterEffect">
+                                  <p:stCondLst>
+                                    <p:cond delay="700"/>
+                                  </p:stCondLst>
+                                  <p:childTnLst>
+                                    <p:set>
+                                      <p:cBhvr>
+                                        <p:cTn id="25" dur="1" fill="hold">
+                                          <p:stCondLst>
+                                            <p:cond delay="0"/>
+                                          </p:stCondLst>
+                                        </p:cTn>
+                                        <p:tgtEl>
+                                          <p:spTgt spid="3"/>
+                                        </p:tgtEl>
+                                        <p:attrNameLst>
+                                          <p:attrName>style.visibility</p:attrName>
+                                        </p:attrNameLst>
+                                      </p:cBhvr>
+                                      <p:to>
+                                        <p:strVal val="visible"/>
+                                      </p:to>
+                                    </p:set>
+                                    <p:animEffect transition="in" filter="wipe(left)">
+                                      <p:cBhvr>
+                                        <p:cTn id="26" dur="500"/>
+                                        <p:tgtEl>
+                                          <p:spTgt spid="3"/>
+                                        </p:tgtEl>
+                                      </p:cBhvr>
+                                    </p:animEffect>
+                                  </p:childTnLst>
+                                </p:cTn>
+                              </p:par>
+                            </p:childTnLst>
+                          </p:cTn>
+                        </p:par>
+                      </p:childTnLst>
+                    </p:cTn>
+                  </p:par>
+                </p:childTnLst>
+              </p:cTn>
+              <p:prevCondLst>
+                <p:cond evt="onPrev" delay="0">
+                  <p:tgtEl>
+                    <p:sldTgt/>
+                  </p:tgtEl>
+                </p:cond>
+              </p:prevCondLst>
+              <p:nextCondLst>
+                <p:cond evt="onNext" delay="0">
+                  <p:tgtEl>
+                    <p:sldTgt/>
+                  </p:tgtEl>
+                </p:cond>
+              </p:nextCondLst>
+            </p:seq>
+          </p:childTnLst>
+        </p:cTn>
+      </p:par>
+    </p:tnLst>
+    <p:bldLst>
+      <p:bldP spid="13" grpId="0"/>
+      <p:bldP spid="13" grpId="1"/>
+      <p:bldP spid="19" grpId="0"/>
+      <p:bldP spid="20" grpId="0"/>
+      <p:bldP spid="20" grpId="1"/>
+      <p:bldP spid="21" grpId="0"/>
+    </p:bldLst>
+  </p:timing>
 </p:sld>
 </file>
 
-<file path=ppt/slides/slide9.xml><?xml version="1.0" encoding="utf-8"?>
+<file path=ppt/slides/slide8.xml><?xml version="1.0" encoding="utf-8"?>
 <p:sld xmlns:a="http://schemas.openxmlformats.org/drawingml/2006/main" xmlns:r="http://schemas.openxmlformats.org/officeDocument/2006/relationships" xmlns:p="http://schemas.openxmlformats.org/presentationml/2006/main">
   <p:cSld>
     <p:spTree>
@@ -20899,6 +22515,1227 @@
 </p:sld>
 </file>
 
+<file path=ppt/slides/slide9.xml><?xml version="1.0" encoding="utf-8"?>
+<p:sld xmlns:a="http://schemas.openxmlformats.org/drawingml/2006/main" xmlns:r="http://schemas.openxmlformats.org/officeDocument/2006/relationships" xmlns:p="http://schemas.openxmlformats.org/presentationml/2006/main">
+  <p:cSld>
+    <p:spTree>
+      <p:nvGrpSpPr>
+        <p:cNvPr id="1" name=""/>
+        <p:cNvGrpSpPr/>
+        <p:nvPr/>
+      </p:nvGrpSpPr>
+      <p:grpSpPr>
+        <a:xfrm>
+          <a:off x="0" y="0"/>
+          <a:ext cx="0" cy="0"/>
+          <a:chOff x="0" y="0"/>
+          <a:chExt cx="0" cy="0"/>
+        </a:xfrm>
+      </p:grpSpPr>
+      <p:sp>
+        <p:nvSpPr>
+          <p:cNvPr id="4" name="矩形 3"/>
+          <p:cNvSpPr/>
+          <p:nvPr/>
+        </p:nvSpPr>
+        <p:spPr>
+          <a:xfrm>
+            <a:off x="-45445" y="-646048"/>
+            <a:ext cx="12192000" cy="6858000"/>
+          </a:xfrm>
+          <a:prstGeom prst="rect">
+            <a:avLst/>
+          </a:prstGeom>
+          <a:solidFill>
+            <a:schemeClr val="tx1">
+              <a:lumMod val="85000"/>
+              <a:lumOff val="15000"/>
+            </a:schemeClr>
+          </a:solidFill>
+          <a:ln>
+            <a:noFill/>
+          </a:ln>
+        </p:spPr>
+        <p:style>
+          <a:lnRef idx="2">
+            <a:schemeClr val="accent1">
+              <a:shade val="50000"/>
+            </a:schemeClr>
+          </a:lnRef>
+          <a:fillRef idx="1">
+            <a:schemeClr val="accent1"/>
+          </a:fillRef>
+          <a:effectRef idx="0">
+            <a:schemeClr val="accent1"/>
+          </a:effectRef>
+          <a:fontRef idx="minor">
+            <a:schemeClr val="lt1"/>
+          </a:fontRef>
+        </p:style>
+        <p:txBody>
+          <a:bodyPr rtlCol="0" anchor="ctr"/>
+          <a:lstStyle/>
+          <a:p>
+            <a:pPr algn="ctr"/>
+            <a:endParaRPr lang="zh-TW" altLang="en-US" dirty="0"/>
+          </a:p>
+        </p:txBody>
+      </p:sp>
+      <p:sp>
+        <p:nvSpPr>
+          <p:cNvPr id="5" name="矩形 4"/>
+          <p:cNvSpPr/>
+          <p:nvPr/>
+        </p:nvSpPr>
+        <p:spPr>
+          <a:xfrm>
+            <a:off x="0" y="0"/>
+            <a:ext cx="12192000" cy="369277"/>
+          </a:xfrm>
+          <a:prstGeom prst="rect">
+            <a:avLst/>
+          </a:prstGeom>
+          <a:solidFill>
+            <a:schemeClr val="bg1"/>
+          </a:solidFill>
+          <a:ln>
+            <a:noFill/>
+          </a:ln>
+        </p:spPr>
+        <p:style>
+          <a:lnRef idx="2">
+            <a:schemeClr val="accent1">
+              <a:shade val="50000"/>
+            </a:schemeClr>
+          </a:lnRef>
+          <a:fillRef idx="1">
+            <a:schemeClr val="accent1"/>
+          </a:fillRef>
+          <a:effectRef idx="0">
+            <a:schemeClr val="accent1"/>
+          </a:effectRef>
+          <a:fontRef idx="minor">
+            <a:schemeClr val="lt1"/>
+          </a:fontRef>
+        </p:style>
+        <p:txBody>
+          <a:bodyPr rtlCol="0" anchor="ctr"/>
+          <a:lstStyle/>
+          <a:p>
+            <a:pPr algn="ctr"/>
+            <a:endParaRPr lang="zh-TW" altLang="en-US"/>
+          </a:p>
+        </p:txBody>
+      </p:sp>
+      <p:sp>
+        <p:nvSpPr>
+          <p:cNvPr id="6" name="文字方塊 5"/>
+          <p:cNvSpPr txBox="1"/>
+          <p:nvPr/>
+        </p:nvSpPr>
+        <p:spPr>
+          <a:xfrm>
+            <a:off x="123092" y="61527"/>
+            <a:ext cx="396262" cy="246221"/>
+          </a:xfrm>
+          <a:prstGeom prst="rect">
+            <a:avLst/>
+          </a:prstGeom>
+          <a:solidFill>
+            <a:schemeClr val="tx1">
+              <a:lumMod val="85000"/>
+              <a:lumOff val="15000"/>
+            </a:schemeClr>
+          </a:solidFill>
+          <a:ln w="28575">
+            <a:solidFill>
+              <a:schemeClr val="bg1">
+                <a:lumMod val="65000"/>
+              </a:schemeClr>
+            </a:solidFill>
+          </a:ln>
+        </p:spPr>
+        <p:txBody>
+          <a:bodyPr wrap="none" rtlCol="0">
+            <a:spAutoFit/>
+          </a:bodyPr>
+          <a:lstStyle/>
+          <a:p>
+            <a:r>
+              <a:rPr lang="en-US" altLang="zh-TW" sz="1000" dirty="0">
+                <a:solidFill>
+                  <a:schemeClr val="bg1"/>
+                </a:solidFill>
+                <a:latin typeface="Consolas" panose="020B0609020204030204" pitchFamily="49" charset="0"/>
+              </a:rPr>
+              <a:t>CPP</a:t>
+            </a:r>
+            <a:endParaRPr lang="zh-TW" altLang="en-US" sz="1000" dirty="0">
+              <a:solidFill>
+                <a:schemeClr val="bg1"/>
+              </a:solidFill>
+              <a:latin typeface="Consolas" panose="020B0609020204030204" pitchFamily="49" charset="0"/>
+            </a:endParaRPr>
+          </a:p>
+        </p:txBody>
+      </p:sp>
+      <p:sp>
+        <p:nvSpPr>
+          <p:cNvPr id="7" name="文字方塊 6"/>
+          <p:cNvSpPr txBox="1"/>
+          <p:nvPr/>
+        </p:nvSpPr>
+        <p:spPr>
+          <a:xfrm>
+            <a:off x="525718" y="46137"/>
+            <a:ext cx="4198585" cy="276999"/>
+          </a:xfrm>
+          <a:prstGeom prst="rect">
+            <a:avLst/>
+          </a:prstGeom>
+          <a:noFill/>
+        </p:spPr>
+        <p:txBody>
+          <a:bodyPr wrap="none" rtlCol="0">
+            <a:spAutoFit/>
+          </a:bodyPr>
+          <a:lstStyle/>
+          <a:p>
+            <a:r>
+              <a:rPr lang="en-US" altLang="zh-TW" sz="1200" b="1" dirty="0">
+                <a:solidFill>
+                  <a:schemeClr val="tx1">
+                    <a:lumMod val="85000"/>
+                    <a:lumOff val="15000"/>
+                  </a:schemeClr>
+                </a:solidFill>
+                <a:latin typeface="Consolas" panose="020B0609020204030204" pitchFamily="49" charset="0"/>
+              </a:rPr>
+              <a:t>C:\NTUST\WebpagesDevelopment\Team05\</a:t>
+            </a:r>
+            <a:r>
+              <a:rPr lang="zh-TW" altLang="en-US" sz="1200" b="1" dirty="0">
+                <a:solidFill>
+                  <a:schemeClr val="tx1">
+                    <a:lumMod val="85000"/>
+                    <a:lumOff val="15000"/>
+                  </a:schemeClr>
+                </a:solidFill>
+                <a:latin typeface="Microsoft JhengHei UI Light" panose="020B0304030504040204" pitchFamily="34" charset="-120"/>
+                <a:ea typeface="Microsoft JhengHei UI Light" panose="020B0304030504040204" pitchFamily="34" charset="-120"/>
+              </a:rPr>
+              <a:t>碼農天堂</a:t>
+            </a:r>
+            <a:r>
+              <a:rPr lang="en-US" altLang="zh-TW" sz="1200" b="1" dirty="0">
+                <a:solidFill>
+                  <a:schemeClr val="tx1">
+                    <a:lumMod val="85000"/>
+                    <a:lumOff val="15000"/>
+                  </a:schemeClr>
+                </a:solidFill>
+                <a:latin typeface="Consolas" panose="020B0609020204030204" pitchFamily="49" charset="0"/>
+              </a:rPr>
+              <a:t>.exe</a:t>
+            </a:r>
+            <a:endParaRPr lang="zh-TW" altLang="en-US" sz="1200" b="1" dirty="0">
+              <a:solidFill>
+                <a:schemeClr val="tx1">
+                  <a:lumMod val="85000"/>
+                  <a:lumOff val="15000"/>
+                </a:schemeClr>
+              </a:solidFill>
+              <a:latin typeface="Consolas" panose="020B0609020204030204" pitchFamily="49" charset="0"/>
+            </a:endParaRPr>
+          </a:p>
+        </p:txBody>
+      </p:sp>
+      <p:sp>
+        <p:nvSpPr>
+          <p:cNvPr id="8" name="文字方塊 7"/>
+          <p:cNvSpPr txBox="1"/>
+          <p:nvPr/>
+        </p:nvSpPr>
+        <p:spPr>
+          <a:xfrm>
+            <a:off x="10598497" y="15389"/>
+            <a:ext cx="415498" cy="369332"/>
+          </a:xfrm>
+          <a:prstGeom prst="rect">
+            <a:avLst/>
+          </a:prstGeom>
+          <a:noFill/>
+        </p:spPr>
+        <p:txBody>
+          <a:bodyPr wrap="none" rtlCol="0">
+            <a:spAutoFit/>
+          </a:bodyPr>
+          <a:lstStyle/>
+          <a:p>
+            <a:r>
+              <a:rPr lang="zh-TW" altLang="en-US" b="1" dirty="0">
+                <a:solidFill>
+                  <a:schemeClr val="tx1">
+                    <a:lumMod val="85000"/>
+                    <a:lumOff val="15000"/>
+                  </a:schemeClr>
+                </a:solidFill>
+                <a:latin typeface="Consolas" panose="020B0609020204030204" pitchFamily="49" charset="0"/>
+              </a:rPr>
+              <a:t>☺</a:t>
+            </a:r>
+          </a:p>
+        </p:txBody>
+      </p:sp>
+      <p:sp>
+        <p:nvSpPr>
+          <p:cNvPr id="9" name="文字方塊 8"/>
+          <p:cNvSpPr txBox="1"/>
+          <p:nvPr/>
+        </p:nvSpPr>
+        <p:spPr>
+          <a:xfrm>
+            <a:off x="11151953" y="15389"/>
+            <a:ext cx="415498" cy="369332"/>
+          </a:xfrm>
+          <a:prstGeom prst="rect">
+            <a:avLst/>
+          </a:prstGeom>
+          <a:noFill/>
+        </p:spPr>
+        <p:txBody>
+          <a:bodyPr wrap="none" rtlCol="0">
+            <a:spAutoFit/>
+          </a:bodyPr>
+          <a:lstStyle/>
+          <a:p>
+            <a:r>
+              <a:rPr lang="zh-TW" altLang="en-US" b="1" dirty="0">
+                <a:solidFill>
+                  <a:schemeClr val="tx1">
+                    <a:lumMod val="85000"/>
+                    <a:lumOff val="15000"/>
+                  </a:schemeClr>
+                </a:solidFill>
+                <a:latin typeface="Consolas" panose="020B0609020204030204" pitchFamily="49" charset="0"/>
+              </a:rPr>
+              <a:t>☹</a:t>
+            </a:r>
+          </a:p>
+        </p:txBody>
+      </p:sp>
+      <p:sp>
+        <p:nvSpPr>
+          <p:cNvPr id="10" name="文字方塊 9"/>
+          <p:cNvSpPr txBox="1"/>
+          <p:nvPr/>
+        </p:nvSpPr>
+        <p:spPr>
+          <a:xfrm>
+            <a:off x="11705409" y="0"/>
+            <a:ext cx="441146" cy="400110"/>
+          </a:xfrm>
+          <a:prstGeom prst="rect">
+            <a:avLst/>
+          </a:prstGeom>
+          <a:noFill/>
+        </p:spPr>
+        <p:txBody>
+          <a:bodyPr wrap="none" rtlCol="0">
+            <a:spAutoFit/>
+          </a:bodyPr>
+          <a:lstStyle/>
+          <a:p>
+            <a:r>
+              <a:rPr lang="zh-TW" altLang="en-US" sz="2000" dirty="0"/>
+              <a:t>☻</a:t>
+            </a:r>
+          </a:p>
+        </p:txBody>
+      </p:sp>
+      <p:sp>
+        <p:nvSpPr>
+          <p:cNvPr id="11" name="文字方塊 10"/>
+          <p:cNvSpPr txBox="1"/>
+          <p:nvPr/>
+        </p:nvSpPr>
+        <p:spPr>
+          <a:xfrm>
+            <a:off x="0" y="369273"/>
+            <a:ext cx="4259499" cy="954107"/>
+          </a:xfrm>
+          <a:prstGeom prst="rect">
+            <a:avLst/>
+          </a:prstGeom>
+          <a:noFill/>
+        </p:spPr>
+        <p:txBody>
+          <a:bodyPr wrap="none" rtlCol="0">
+            <a:spAutoFit/>
+          </a:bodyPr>
+          <a:lstStyle/>
+          <a:p>
+            <a:r>
+              <a:rPr lang="en-US" altLang="zh-TW" sz="1400" dirty="0">
+                <a:solidFill>
+                  <a:schemeClr val="bg1"/>
+                </a:solidFill>
+                <a:latin typeface="Consolas" panose="020B0609020204030204" pitchFamily="49" charset="0"/>
+              </a:rPr>
+              <a:t>Webpages Development</a:t>
+            </a:r>
+            <a:r>
+              <a:rPr lang="zh-TW" altLang="en-US" sz="1400" dirty="0">
+                <a:solidFill>
+                  <a:schemeClr val="bg1"/>
+                </a:solidFill>
+                <a:latin typeface="Consolas" panose="020B0609020204030204" pitchFamily="49" charset="0"/>
+              </a:rPr>
+              <a:t> </a:t>
+            </a:r>
+            <a:r>
+              <a:rPr lang="en-US" altLang="zh-TW" sz="1400" dirty="0">
+                <a:solidFill>
+                  <a:schemeClr val="bg1"/>
+                </a:solidFill>
+                <a:latin typeface="Consolas" panose="020B0609020204030204" pitchFamily="49" charset="0"/>
+              </a:rPr>
+              <a:t>[Version 2019.04.19]</a:t>
+            </a:r>
+          </a:p>
+          <a:p>
+            <a:r>
+              <a:rPr lang="en-US" altLang="zh-TW" sz="1400" dirty="0">
+                <a:solidFill>
+                  <a:schemeClr val="bg1"/>
+                </a:solidFill>
+                <a:latin typeface="Consolas" panose="020B0609020204030204" pitchFamily="49" charset="0"/>
+              </a:rPr>
+              <a:t>(c) 2019 NTUST</a:t>
+            </a:r>
+          </a:p>
+          <a:p>
+            <a:endParaRPr lang="en-US" altLang="zh-TW" sz="1400" dirty="0">
+              <a:solidFill>
+                <a:schemeClr val="bg1"/>
+              </a:solidFill>
+              <a:latin typeface="Consolas" panose="020B0609020204030204" pitchFamily="49" charset="0"/>
+            </a:endParaRPr>
+          </a:p>
+          <a:p>
+            <a:r>
+              <a:rPr lang="en-US" altLang="zh-TW" sz="1400" dirty="0">
+                <a:solidFill>
+                  <a:schemeClr val="bg1"/>
+                </a:solidFill>
+                <a:latin typeface="Consolas" panose="020B0609020204030204" pitchFamily="49" charset="0"/>
+              </a:rPr>
+              <a:t>C:\Users\student&gt;</a:t>
+            </a:r>
+            <a:endParaRPr lang="zh-TW" altLang="en-US" sz="1400" dirty="0">
+              <a:solidFill>
+                <a:schemeClr val="bg1"/>
+              </a:solidFill>
+              <a:latin typeface="Consolas" panose="020B0609020204030204" pitchFamily="49" charset="0"/>
+            </a:endParaRPr>
+          </a:p>
+        </p:txBody>
+      </p:sp>
+      <p:sp>
+        <p:nvSpPr>
+          <p:cNvPr id="13" name="文字方塊 12"/>
+          <p:cNvSpPr txBox="1"/>
+          <p:nvPr/>
+        </p:nvSpPr>
+        <p:spPr>
+          <a:xfrm>
+            <a:off x="1699377" y="954048"/>
+            <a:ext cx="311304" cy="369332"/>
+          </a:xfrm>
+          <a:prstGeom prst="rect">
+            <a:avLst/>
+          </a:prstGeom>
+          <a:noFill/>
+        </p:spPr>
+        <p:txBody>
+          <a:bodyPr wrap="none" rtlCol="0">
+            <a:spAutoFit/>
+          </a:bodyPr>
+          <a:lstStyle/>
+          <a:p>
+            <a:r>
+              <a:rPr lang="en-US" altLang="zh-TW" b="1" dirty="0">
+                <a:solidFill>
+                  <a:schemeClr val="bg1"/>
+                </a:solidFill>
+                <a:latin typeface="Consolas" panose="020B0609020204030204" pitchFamily="49" charset="0"/>
+              </a:rPr>
+              <a:t>_</a:t>
+            </a:r>
+            <a:endParaRPr lang="zh-TW" altLang="en-US" b="1" dirty="0">
+              <a:solidFill>
+                <a:schemeClr val="bg1"/>
+              </a:solidFill>
+              <a:latin typeface="Consolas" panose="020B0609020204030204" pitchFamily="49" charset="0"/>
+            </a:endParaRPr>
+          </a:p>
+        </p:txBody>
+      </p:sp>
+      <p:sp>
+        <p:nvSpPr>
+          <p:cNvPr id="14" name="矩形 13"/>
+          <p:cNvSpPr/>
+          <p:nvPr/>
+        </p:nvSpPr>
+        <p:spPr>
+          <a:xfrm>
+            <a:off x="11925982" y="369273"/>
+            <a:ext cx="266018" cy="6488727"/>
+          </a:xfrm>
+          <a:prstGeom prst="rect">
+            <a:avLst/>
+          </a:prstGeom>
+          <a:solidFill>
+            <a:schemeClr val="bg1">
+              <a:lumMod val="95000"/>
+            </a:schemeClr>
+          </a:solidFill>
+          <a:ln>
+            <a:noFill/>
+          </a:ln>
+        </p:spPr>
+        <p:style>
+          <a:lnRef idx="2">
+            <a:schemeClr val="accent1">
+              <a:shade val="50000"/>
+            </a:schemeClr>
+          </a:lnRef>
+          <a:fillRef idx="1">
+            <a:schemeClr val="accent1"/>
+          </a:fillRef>
+          <a:effectRef idx="0">
+            <a:schemeClr val="accent1"/>
+          </a:effectRef>
+          <a:fontRef idx="minor">
+            <a:schemeClr val="lt1"/>
+          </a:fontRef>
+        </p:style>
+        <p:txBody>
+          <a:bodyPr rtlCol="0" anchor="ctr"/>
+          <a:lstStyle/>
+          <a:p>
+            <a:pPr algn="ctr"/>
+            <a:endParaRPr lang="zh-TW" altLang="en-US"/>
+          </a:p>
+        </p:txBody>
+      </p:sp>
+      <p:sp>
+        <p:nvSpPr>
+          <p:cNvPr id="16" name="矩形 15"/>
+          <p:cNvSpPr/>
+          <p:nvPr/>
+        </p:nvSpPr>
+        <p:spPr>
+          <a:xfrm>
+            <a:off x="11925982" y="369273"/>
+            <a:ext cx="266018" cy="261663"/>
+          </a:xfrm>
+          <a:prstGeom prst="rect">
+            <a:avLst/>
+          </a:prstGeom>
+          <a:solidFill>
+            <a:schemeClr val="bg1">
+              <a:lumMod val="95000"/>
+            </a:schemeClr>
+          </a:solidFill>
+          <a:ln>
+            <a:noFill/>
+          </a:ln>
+        </p:spPr>
+        <p:style>
+          <a:lnRef idx="2">
+            <a:schemeClr val="accent1">
+              <a:shade val="50000"/>
+            </a:schemeClr>
+          </a:lnRef>
+          <a:fillRef idx="1">
+            <a:schemeClr val="accent1"/>
+          </a:fillRef>
+          <a:effectRef idx="0">
+            <a:schemeClr val="accent1"/>
+          </a:effectRef>
+          <a:fontRef idx="minor">
+            <a:schemeClr val="lt1"/>
+          </a:fontRef>
+        </p:style>
+        <p:txBody>
+          <a:bodyPr rtlCol="0" anchor="ctr"/>
+          <a:lstStyle/>
+          <a:p>
+            <a:pPr algn="ctr"/>
+            <a:r>
+              <a:rPr lang="zh-TW" altLang="en-US" sz="1400" dirty="0">
+                <a:solidFill>
+                  <a:schemeClr val="tx1">
+                    <a:lumMod val="85000"/>
+                    <a:lumOff val="15000"/>
+                  </a:schemeClr>
+                </a:solidFill>
+              </a:rPr>
+              <a:t>▲</a:t>
+            </a:r>
+          </a:p>
+        </p:txBody>
+      </p:sp>
+      <p:sp>
+        <p:nvSpPr>
+          <p:cNvPr id="17" name="矩形 16"/>
+          <p:cNvSpPr/>
+          <p:nvPr/>
+        </p:nvSpPr>
+        <p:spPr>
+          <a:xfrm>
+            <a:off x="11925982" y="6578047"/>
+            <a:ext cx="266018" cy="261663"/>
+          </a:xfrm>
+          <a:prstGeom prst="rect">
+            <a:avLst/>
+          </a:prstGeom>
+          <a:solidFill>
+            <a:schemeClr val="bg1">
+              <a:lumMod val="95000"/>
+            </a:schemeClr>
+          </a:solidFill>
+          <a:ln>
+            <a:noFill/>
+          </a:ln>
+        </p:spPr>
+        <p:style>
+          <a:lnRef idx="2">
+            <a:schemeClr val="accent1">
+              <a:shade val="50000"/>
+            </a:schemeClr>
+          </a:lnRef>
+          <a:fillRef idx="1">
+            <a:schemeClr val="accent1"/>
+          </a:fillRef>
+          <a:effectRef idx="0">
+            <a:schemeClr val="accent1"/>
+          </a:effectRef>
+          <a:fontRef idx="minor">
+            <a:schemeClr val="lt1"/>
+          </a:fontRef>
+        </p:style>
+        <p:txBody>
+          <a:bodyPr rtlCol="0" anchor="ctr"/>
+          <a:lstStyle/>
+          <a:p>
+            <a:pPr algn="ctr"/>
+            <a:r>
+              <a:rPr lang="zh-TW" altLang="en-US" sz="1400" dirty="0">
+                <a:solidFill>
+                  <a:schemeClr val="tx1">
+                    <a:lumMod val="85000"/>
+                    <a:lumOff val="15000"/>
+                  </a:schemeClr>
+                </a:solidFill>
+              </a:rPr>
+              <a:t>▼</a:t>
+            </a:r>
+            <a:endParaRPr lang="zh-TW" altLang="en-US" sz="1100" dirty="0">
+              <a:solidFill>
+                <a:schemeClr val="tx1">
+                  <a:lumMod val="85000"/>
+                  <a:lumOff val="15000"/>
+                </a:schemeClr>
+              </a:solidFill>
+            </a:endParaRPr>
+          </a:p>
+        </p:txBody>
+      </p:sp>
+      <p:sp>
+        <p:nvSpPr>
+          <p:cNvPr id="18" name="矩形 17"/>
+          <p:cNvSpPr/>
+          <p:nvPr/>
+        </p:nvSpPr>
+        <p:spPr>
+          <a:xfrm>
+            <a:off x="11925982" y="630936"/>
+            <a:ext cx="266018" cy="507778"/>
+          </a:xfrm>
+          <a:prstGeom prst="rect">
+            <a:avLst/>
+          </a:prstGeom>
+          <a:solidFill>
+            <a:schemeClr val="bg1">
+              <a:lumMod val="75000"/>
+            </a:schemeClr>
+          </a:solidFill>
+          <a:ln>
+            <a:noFill/>
+          </a:ln>
+        </p:spPr>
+        <p:style>
+          <a:lnRef idx="2">
+            <a:schemeClr val="accent1">
+              <a:shade val="50000"/>
+            </a:schemeClr>
+          </a:lnRef>
+          <a:fillRef idx="1">
+            <a:schemeClr val="accent1"/>
+          </a:fillRef>
+          <a:effectRef idx="0">
+            <a:schemeClr val="accent1"/>
+          </a:effectRef>
+          <a:fontRef idx="minor">
+            <a:schemeClr val="lt1"/>
+          </a:fontRef>
+        </p:style>
+        <p:txBody>
+          <a:bodyPr rtlCol="0" anchor="ctr"/>
+          <a:lstStyle/>
+          <a:p>
+            <a:pPr algn="ctr"/>
+            <a:endParaRPr lang="zh-TW" altLang="en-US"/>
+          </a:p>
+        </p:txBody>
+      </p:sp>
+      <p:sp>
+        <p:nvSpPr>
+          <p:cNvPr id="19" name="文字方塊 18"/>
+          <p:cNvSpPr txBox="1"/>
+          <p:nvPr/>
+        </p:nvSpPr>
+        <p:spPr>
+          <a:xfrm>
+            <a:off x="1699377" y="1006459"/>
+            <a:ext cx="582211" cy="307777"/>
+          </a:xfrm>
+          <a:prstGeom prst="rect">
+            <a:avLst/>
+          </a:prstGeom>
+          <a:noFill/>
+        </p:spPr>
+        <p:txBody>
+          <a:bodyPr wrap="none" rtlCol="0">
+            <a:spAutoFit/>
+          </a:bodyPr>
+          <a:lstStyle/>
+          <a:p>
+            <a:r>
+              <a:rPr lang="en-US" altLang="zh-TW" sz="1400" dirty="0">
+                <a:solidFill>
+                  <a:schemeClr val="bg1"/>
+                </a:solidFill>
+                <a:latin typeface="Consolas" panose="020B0609020204030204" pitchFamily="49" charset="0"/>
+              </a:rPr>
+              <a:t>next</a:t>
+            </a:r>
+            <a:endParaRPr lang="zh-TW" altLang="en-US" sz="1400" b="1" dirty="0">
+              <a:solidFill>
+                <a:schemeClr val="bg1"/>
+              </a:solidFill>
+              <a:latin typeface="Microsoft JhengHei UI Light" panose="020B0304030504040204" pitchFamily="34" charset="-120"/>
+              <a:ea typeface="Microsoft JhengHei UI Light" panose="020B0304030504040204" pitchFamily="34" charset="-120"/>
+            </a:endParaRPr>
+          </a:p>
+        </p:txBody>
+      </p:sp>
+      <p:sp>
+        <p:nvSpPr>
+          <p:cNvPr id="20" name="文字方塊 19"/>
+          <p:cNvSpPr txBox="1"/>
+          <p:nvPr/>
+        </p:nvSpPr>
+        <p:spPr>
+          <a:xfrm>
+            <a:off x="2108645" y="936634"/>
+            <a:ext cx="311304" cy="369332"/>
+          </a:xfrm>
+          <a:prstGeom prst="rect">
+            <a:avLst/>
+          </a:prstGeom>
+          <a:noFill/>
+        </p:spPr>
+        <p:txBody>
+          <a:bodyPr wrap="none" rtlCol="0">
+            <a:spAutoFit/>
+          </a:bodyPr>
+          <a:lstStyle/>
+          <a:p>
+            <a:r>
+              <a:rPr lang="en-US" altLang="zh-TW" b="1" dirty="0">
+                <a:solidFill>
+                  <a:schemeClr val="bg1"/>
+                </a:solidFill>
+                <a:latin typeface="Consolas" panose="020B0609020204030204" pitchFamily="49" charset="0"/>
+              </a:rPr>
+              <a:t>_</a:t>
+            </a:r>
+            <a:endParaRPr lang="zh-TW" altLang="en-US" b="1" dirty="0">
+              <a:solidFill>
+                <a:schemeClr val="bg1"/>
+              </a:solidFill>
+              <a:latin typeface="Consolas" panose="020B0609020204030204" pitchFamily="49" charset="0"/>
+            </a:endParaRPr>
+          </a:p>
+        </p:txBody>
+      </p:sp>
+      <p:sp>
+        <p:nvSpPr>
+          <p:cNvPr id="21" name="文字方塊 20"/>
+          <p:cNvSpPr txBox="1"/>
+          <p:nvPr/>
+        </p:nvSpPr>
+        <p:spPr>
+          <a:xfrm>
+            <a:off x="0" y="1221872"/>
+            <a:ext cx="482824" cy="307777"/>
+          </a:xfrm>
+          <a:prstGeom prst="rect">
+            <a:avLst/>
+          </a:prstGeom>
+          <a:noFill/>
+        </p:spPr>
+        <p:txBody>
+          <a:bodyPr wrap="none" rtlCol="0">
+            <a:spAutoFit/>
+          </a:bodyPr>
+          <a:lstStyle/>
+          <a:p>
+            <a:r>
+              <a:rPr lang="en-US" altLang="zh-TW" sz="1400" dirty="0">
+                <a:solidFill>
+                  <a:schemeClr val="bg1"/>
+                </a:solidFill>
+                <a:latin typeface="Consolas" panose="020B0609020204030204" pitchFamily="49" charset="0"/>
+              </a:rPr>
+              <a:t>&gt;&gt;&gt;</a:t>
+            </a:r>
+            <a:endParaRPr lang="zh-TW" altLang="en-US" sz="1400" dirty="0">
+              <a:solidFill>
+                <a:schemeClr val="bg1"/>
+              </a:solidFill>
+              <a:latin typeface="Consolas" panose="020B0609020204030204" pitchFamily="49" charset="0"/>
+            </a:endParaRPr>
+          </a:p>
+        </p:txBody>
+      </p:sp>
+      <p:sp>
+        <p:nvSpPr>
+          <p:cNvPr id="22" name="文字方塊 21"/>
+          <p:cNvSpPr txBox="1"/>
+          <p:nvPr/>
+        </p:nvSpPr>
+        <p:spPr>
+          <a:xfrm>
+            <a:off x="123092" y="1692653"/>
+            <a:ext cx="184731" cy="830997"/>
+          </a:xfrm>
+          <a:prstGeom prst="rect">
+            <a:avLst/>
+          </a:prstGeom>
+          <a:noFill/>
+        </p:spPr>
+        <p:txBody>
+          <a:bodyPr wrap="none" rtlCol="0">
+            <a:spAutoFit/>
+          </a:bodyPr>
+          <a:lstStyle/>
+          <a:p>
+            <a:endParaRPr lang="zh-TW" altLang="en-US" sz="4800" b="1" dirty="0">
+              <a:solidFill>
+                <a:schemeClr val="bg1"/>
+              </a:solidFill>
+              <a:latin typeface="Microsoft JhengHei UI Light" panose="020B0304030504040204" pitchFamily="34" charset="-120"/>
+              <a:ea typeface="Microsoft JhengHei UI Light" panose="020B0304030504040204" pitchFamily="34" charset="-120"/>
+            </a:endParaRPr>
+          </a:p>
+        </p:txBody>
+      </p:sp>
+      <p:pic>
+        <p:nvPicPr>
+          <p:cNvPr id="2" name="圖片 1">
+            <a:extLst>
+              <a:ext uri="{FF2B5EF4-FFF2-40B4-BE49-F238E27FC236}">
+                <a16:creationId xmlns:a16="http://schemas.microsoft.com/office/drawing/2014/main" id="{E8B22EB0-87D9-4736-A052-C95EBDD10AB4}"/>
+              </a:ext>
+            </a:extLst>
+          </p:cNvPr>
+          <p:cNvPicPr>
+            <a:picLocks noChangeAspect="1"/>
+          </p:cNvPicPr>
+          <p:nvPr/>
+        </p:nvPicPr>
+        <p:blipFill>
+          <a:blip r:embed="rId2">
+            <a:clrChange>
+              <a:clrFrom>
+                <a:srgbClr val="000000"/>
+              </a:clrFrom>
+              <a:clrTo>
+                <a:srgbClr val="000000">
+                  <a:alpha val="0"/>
+                </a:srgbClr>
+              </a:clrTo>
+            </a:clrChange>
+          </a:blip>
+          <a:stretch>
+            <a:fillRect/>
+          </a:stretch>
+        </p:blipFill>
+        <p:spPr>
+          <a:xfrm>
+            <a:off x="123092" y="1527126"/>
+            <a:ext cx="4638675" cy="1162050"/>
+          </a:xfrm>
+          <a:prstGeom prst="rect">
+            <a:avLst/>
+          </a:prstGeom>
+        </p:spPr>
+      </p:pic>
+    </p:spTree>
+    <p:extLst>
+      <p:ext uri="{BB962C8B-B14F-4D97-AF65-F5344CB8AC3E}">
+        <p14:creationId xmlns:p14="http://schemas.microsoft.com/office/powerpoint/2010/main" val="2870464205"/>
+      </p:ext>
+    </p:extLst>
+  </p:cSld>
+  <p:clrMapOvr>
+    <a:masterClrMapping/>
+  </p:clrMapOvr>
+  <mc:AlternateContent xmlns:mc="http://schemas.openxmlformats.org/markup-compatibility/2006" xmlns:p14="http://schemas.microsoft.com/office/powerpoint/2010/main">
+    <mc:Choice Requires="p14">
+      <p:transition spd="med" p14:dur="700">
+        <p:fade/>
+      </p:transition>
+    </mc:Choice>
+    <mc:Fallback xmlns="">
+      <p:transition spd="med">
+        <p:fade/>
+      </p:transition>
+    </mc:Fallback>
+  </mc:AlternateContent>
+  <p:timing>
+    <p:tnLst>
+      <p:par>
+        <p:cTn id="1" dur="indefinite" restart="never" nodeType="tmRoot">
+          <p:childTnLst>
+            <p:seq concurrent="1" nextAc="seek">
+              <p:cTn id="2" dur="indefinite" nodeType="mainSeq">
+                <p:childTnLst>
+                  <p:par>
+                    <p:cTn id="3" fill="hold">
+                      <p:stCondLst>
+                        <p:cond delay="indefinite"/>
+                        <p:cond evt="onBegin" delay="0">
+                          <p:tn val="2"/>
+                        </p:cond>
+                      </p:stCondLst>
+                      <p:childTnLst>
+                        <p:par>
+                          <p:cTn id="4" fill="hold">
+                            <p:stCondLst>
+                              <p:cond delay="0"/>
+                            </p:stCondLst>
+                            <p:childTnLst>
+                              <p:par>
+                                <p:cTn id="5" presetID="10" presetClass="entr" presetSubtype="0" repeatCount="2000" fill="hold" grpId="0" nodeType="afterEffect">
+                                  <p:stCondLst>
+                                    <p:cond delay="0"/>
+                                  </p:stCondLst>
+                                  <p:childTnLst>
+                                    <p:set>
+                                      <p:cBhvr>
+                                        <p:cTn id="6" dur="1" fill="hold">
+                                          <p:stCondLst>
+                                            <p:cond delay="0"/>
+                                          </p:stCondLst>
+                                        </p:cTn>
+                                        <p:tgtEl>
+                                          <p:spTgt spid="13"/>
+                                        </p:tgtEl>
+                                        <p:attrNameLst>
+                                          <p:attrName>style.visibility</p:attrName>
+                                        </p:attrNameLst>
+                                      </p:cBhvr>
+                                      <p:to>
+                                        <p:strVal val="visible"/>
+                                      </p:to>
+                                    </p:set>
+                                    <p:animEffect transition="in" filter="fade">
+                                      <p:cBhvr>
+                                        <p:cTn id="7" dur="500"/>
+                                        <p:tgtEl>
+                                          <p:spTgt spid="13"/>
+                                        </p:tgtEl>
+                                      </p:cBhvr>
+                                    </p:animEffect>
+                                  </p:childTnLst>
+                                </p:cTn>
+                              </p:par>
+                            </p:childTnLst>
+                          </p:cTn>
+                        </p:par>
+                        <p:par>
+                          <p:cTn id="8" fill="hold">
+                            <p:stCondLst>
+                              <p:cond delay="1000"/>
+                            </p:stCondLst>
+                            <p:childTnLst>
+                              <p:par>
+                                <p:cTn id="9" presetID="22" presetClass="entr" presetSubtype="8" fill="hold" grpId="0" nodeType="afterEffect">
+                                  <p:stCondLst>
+                                    <p:cond delay="0"/>
+                                  </p:stCondLst>
+                                  <p:childTnLst>
+                                    <p:set>
+                                      <p:cBhvr>
+                                        <p:cTn id="10" dur="1" fill="hold">
+                                          <p:stCondLst>
+                                            <p:cond delay="0"/>
+                                          </p:stCondLst>
+                                        </p:cTn>
+                                        <p:tgtEl>
+                                          <p:spTgt spid="19"/>
+                                        </p:tgtEl>
+                                        <p:attrNameLst>
+                                          <p:attrName>style.visibility</p:attrName>
+                                        </p:attrNameLst>
+                                      </p:cBhvr>
+                                      <p:to>
+                                        <p:strVal val="visible"/>
+                                      </p:to>
+                                    </p:set>
+                                    <p:animEffect transition="in" filter="wipe(left)">
+                                      <p:cBhvr>
+                                        <p:cTn id="11" dur="500"/>
+                                        <p:tgtEl>
+                                          <p:spTgt spid="19"/>
+                                        </p:tgtEl>
+                                      </p:cBhvr>
+                                    </p:animEffect>
+                                  </p:childTnLst>
+                                </p:cTn>
+                              </p:par>
+                              <p:par>
+                                <p:cTn id="12" presetID="1" presetClass="exit" presetSubtype="0" fill="hold" grpId="1" nodeType="withEffect">
+                                  <p:stCondLst>
+                                    <p:cond delay="0"/>
+                                  </p:stCondLst>
+                                  <p:childTnLst>
+                                    <p:set>
+                                      <p:cBhvr>
+                                        <p:cTn id="13" dur="1" fill="hold">
+                                          <p:stCondLst>
+                                            <p:cond delay="0"/>
+                                          </p:stCondLst>
+                                        </p:cTn>
+                                        <p:tgtEl>
+                                          <p:spTgt spid="13"/>
+                                        </p:tgtEl>
+                                        <p:attrNameLst>
+                                          <p:attrName>style.visibility</p:attrName>
+                                        </p:attrNameLst>
+                                      </p:cBhvr>
+                                      <p:to>
+                                        <p:strVal val="hidden"/>
+                                      </p:to>
+                                    </p:set>
+                                  </p:childTnLst>
+                                </p:cTn>
+                              </p:par>
+                            </p:childTnLst>
+                          </p:cTn>
+                        </p:par>
+                        <p:par>
+                          <p:cTn id="14" fill="hold">
+                            <p:stCondLst>
+                              <p:cond delay="1500"/>
+                            </p:stCondLst>
+                            <p:childTnLst>
+                              <p:par>
+                                <p:cTn id="15" presetID="10" presetClass="entr" presetSubtype="0" repeatCount="2000" fill="hold" grpId="0" nodeType="afterEffect">
+                                  <p:stCondLst>
+                                    <p:cond delay="0"/>
+                                  </p:stCondLst>
+                                  <p:childTnLst>
+                                    <p:set>
+                                      <p:cBhvr>
+                                        <p:cTn id="16" dur="1" fill="hold">
+                                          <p:stCondLst>
+                                            <p:cond delay="0"/>
+                                          </p:stCondLst>
+                                        </p:cTn>
+                                        <p:tgtEl>
+                                          <p:spTgt spid="20"/>
+                                        </p:tgtEl>
+                                        <p:attrNameLst>
+                                          <p:attrName>style.visibility</p:attrName>
+                                        </p:attrNameLst>
+                                      </p:cBhvr>
+                                      <p:to>
+                                        <p:strVal val="visible"/>
+                                      </p:to>
+                                    </p:set>
+                                    <p:animEffect transition="in" filter="fade">
+                                      <p:cBhvr>
+                                        <p:cTn id="17" dur="500"/>
+                                        <p:tgtEl>
+                                          <p:spTgt spid="20"/>
+                                        </p:tgtEl>
+                                      </p:cBhvr>
+                                    </p:animEffect>
+                                  </p:childTnLst>
+                                </p:cTn>
+                              </p:par>
+                            </p:childTnLst>
+                          </p:cTn>
+                        </p:par>
+                        <p:par>
+                          <p:cTn id="18" fill="hold">
+                            <p:stCondLst>
+                              <p:cond delay="2500"/>
+                            </p:stCondLst>
+                            <p:childTnLst>
+                              <p:par>
+                                <p:cTn id="19" presetID="1" presetClass="exit" presetSubtype="0" fill="hold" grpId="1" nodeType="afterEffect">
+                                  <p:stCondLst>
+                                    <p:cond delay="0"/>
+                                  </p:stCondLst>
+                                  <p:childTnLst>
+                                    <p:set>
+                                      <p:cBhvr>
+                                        <p:cTn id="20" dur="1" fill="hold">
+                                          <p:stCondLst>
+                                            <p:cond delay="0"/>
+                                          </p:stCondLst>
+                                        </p:cTn>
+                                        <p:tgtEl>
+                                          <p:spTgt spid="20"/>
+                                        </p:tgtEl>
+                                        <p:attrNameLst>
+                                          <p:attrName>style.visibility</p:attrName>
+                                        </p:attrNameLst>
+                                      </p:cBhvr>
+                                      <p:to>
+                                        <p:strVal val="hidden"/>
+                                      </p:to>
+                                    </p:set>
+                                  </p:childTnLst>
+                                </p:cTn>
+                              </p:par>
+                              <p:par>
+                                <p:cTn id="21" presetID="1" presetClass="entr" presetSubtype="0" fill="hold" grpId="0" nodeType="withEffect">
+                                  <p:stCondLst>
+                                    <p:cond delay="800"/>
+                                  </p:stCondLst>
+                                  <p:childTnLst>
+                                    <p:set>
+                                      <p:cBhvr>
+                                        <p:cTn id="22" dur="1" fill="hold">
+                                          <p:stCondLst>
+                                            <p:cond delay="0"/>
+                                          </p:stCondLst>
+                                        </p:cTn>
+                                        <p:tgtEl>
+                                          <p:spTgt spid="21"/>
+                                        </p:tgtEl>
+                                        <p:attrNameLst>
+                                          <p:attrName>style.visibility</p:attrName>
+                                        </p:attrNameLst>
+                                      </p:cBhvr>
+                                      <p:to>
+                                        <p:strVal val="visible"/>
+                                      </p:to>
+                                    </p:set>
+                                  </p:childTnLst>
+                                </p:cTn>
+                              </p:par>
+                            </p:childTnLst>
+                          </p:cTn>
+                        </p:par>
+                        <p:par>
+                          <p:cTn id="23" fill="hold">
+                            <p:stCondLst>
+                              <p:cond delay="3300"/>
+                            </p:stCondLst>
+                            <p:childTnLst>
+                              <p:par>
+                                <p:cTn id="24" presetID="22" presetClass="entr" presetSubtype="8" fill="hold" nodeType="afterEffect">
+                                  <p:stCondLst>
+                                    <p:cond delay="700"/>
+                                  </p:stCondLst>
+                                  <p:childTnLst>
+                                    <p:set>
+                                      <p:cBhvr>
+                                        <p:cTn id="25" dur="1" fill="hold">
+                                          <p:stCondLst>
+                                            <p:cond delay="0"/>
+                                          </p:stCondLst>
+                                        </p:cTn>
+                                        <p:tgtEl>
+                                          <p:spTgt spid="2"/>
+                                        </p:tgtEl>
+                                        <p:attrNameLst>
+                                          <p:attrName>style.visibility</p:attrName>
+                                        </p:attrNameLst>
+                                      </p:cBhvr>
+                                      <p:to>
+                                        <p:strVal val="visible"/>
+                                      </p:to>
+                                    </p:set>
+                                    <p:animEffect transition="in" filter="wipe(left)">
+                                      <p:cBhvr>
+                                        <p:cTn id="26" dur="500"/>
+                                        <p:tgtEl>
+                                          <p:spTgt spid="2"/>
+                                        </p:tgtEl>
+                                      </p:cBhvr>
+                                    </p:animEffect>
+                                  </p:childTnLst>
+                                </p:cTn>
+                              </p:par>
+                            </p:childTnLst>
+                          </p:cTn>
+                        </p:par>
+                      </p:childTnLst>
+                    </p:cTn>
+                  </p:par>
+                </p:childTnLst>
+              </p:cTn>
+              <p:prevCondLst>
+                <p:cond evt="onPrev" delay="0">
+                  <p:tgtEl>
+                    <p:sldTgt/>
+                  </p:tgtEl>
+                </p:cond>
+              </p:prevCondLst>
+              <p:nextCondLst>
+                <p:cond evt="onNext" delay="0">
+                  <p:tgtEl>
+                    <p:sldTgt/>
+                  </p:tgtEl>
+                </p:cond>
+              </p:nextCondLst>
+            </p:seq>
+          </p:childTnLst>
+        </p:cTn>
+      </p:par>
+    </p:tnLst>
+    <p:bldLst>
+      <p:bldP spid="13" grpId="0"/>
+      <p:bldP spid="13" grpId="1"/>
+      <p:bldP spid="19" grpId="0"/>
+      <p:bldP spid="20" grpId="0"/>
+      <p:bldP spid="20" grpId="1"/>
+      <p:bldP spid="21" grpId="0"/>
+    </p:bldLst>
+  </p:timing>
+</p:sld>
+</file>
+
 <file path=ppt/theme/theme1.xml><?xml version="1.0" encoding="utf-8"?>
 <a:theme xmlns:a="http://schemas.openxmlformats.org/drawingml/2006/main" name="Office 佈景主題">
   <a:themeElements>

--- a/期末報告第五組.pptx
+++ b/期末報告第五組.pptx
@@ -122,7 +122,7 @@
   </p:defaultTextStyle>
   <p:extLst>
     <p:ext uri="{EFAFB233-063F-42B5-8137-9DF3F51BA10A}">
-      <p15:sldGuideLst xmlns:p15="http://schemas.microsoft.com/office/powerpoint/2012/main">
+      <p15:sldGuideLst xmlns:p15="http://schemas.microsoft.com/office/powerpoint/2012/main" xmlns="">
         <p15:guide id="1" orient="horz" pos="2160">
           <p15:clr>
             <a:srgbClr val="A4A3A4"/>
@@ -5132,7 +5132,7 @@
           <p:cNvPr id="23" name="文字方塊 21">
             <a:extLst>
               <a:ext uri="{FF2B5EF4-FFF2-40B4-BE49-F238E27FC236}">
-                <a16:creationId xmlns:a16="http://schemas.microsoft.com/office/drawing/2014/main" id="{3D9B36AE-58AD-4057-9A2E-208528ED6C65}"/>
+                <a16:creationId xmlns:a16="http://schemas.microsoft.com/office/drawing/2014/main" xmlns="" id="{3D9B36AE-58AD-4057-9A2E-208528ED6C65}"/>
               </a:ext>
             </a:extLst>
           </p:cNvPr>
@@ -5322,7 +5322,7 @@
           <p:cNvPr id="24" name="Picture 23">
             <a:extLst>
               <a:ext uri="{FF2B5EF4-FFF2-40B4-BE49-F238E27FC236}">
-                <a16:creationId xmlns:a16="http://schemas.microsoft.com/office/drawing/2014/main" id="{20762925-80B8-4714-8FA3-6D5F436302D1}"/>
+                <a16:creationId xmlns:a16="http://schemas.microsoft.com/office/drawing/2014/main" xmlns="" id="{20762925-80B8-4714-8FA3-6D5F436302D1}"/>
               </a:ext>
             </a:extLst>
           </p:cNvPr>
@@ -5377,7 +5377,7 @@
           <p:cNvPr id="25" name="文字方塊 20">
             <a:extLst>
               <a:ext uri="{FF2B5EF4-FFF2-40B4-BE49-F238E27FC236}">
-                <a16:creationId xmlns:a16="http://schemas.microsoft.com/office/drawing/2014/main" id="{B406FC50-9BD0-44E0-868E-A9C003F3010A}"/>
+                <a16:creationId xmlns:a16="http://schemas.microsoft.com/office/drawing/2014/main" xmlns="" id="{B406FC50-9BD0-44E0-868E-A9C003F3010A}"/>
               </a:ext>
             </a:extLst>
           </p:cNvPr>
@@ -5423,7 +5423,7 @@
           <p:cNvPr id="3" name="Picture 2">
             <a:extLst>
               <a:ext uri="{FF2B5EF4-FFF2-40B4-BE49-F238E27FC236}">
-                <a16:creationId xmlns:a16="http://schemas.microsoft.com/office/drawing/2014/main" id="{E0098788-F88C-498B-B9AE-0596277B0F25}"/>
+                <a16:creationId xmlns:a16="http://schemas.microsoft.com/office/drawing/2014/main" xmlns="" id="{E0098788-F88C-498B-B9AE-0596277B0F25}"/>
               </a:ext>
             </a:extLst>
           </p:cNvPr>
@@ -6002,7 +6002,7 @@
           <p:cNvPr id="2" name="標題 1">
             <a:extLst>
               <a:ext uri="{FF2B5EF4-FFF2-40B4-BE49-F238E27FC236}">
-                <a16:creationId xmlns:a16="http://schemas.microsoft.com/office/drawing/2014/main" id="{7C682F12-A26B-4A8B-B825-20E4F49F4788}"/>
+                <a16:creationId xmlns:a16="http://schemas.microsoft.com/office/drawing/2014/main" xmlns="" id="{7C682F12-A26B-4A8B-B825-20E4F49F4788}"/>
               </a:ext>
             </a:extLst>
           </p:cNvPr>
@@ -6027,7 +6027,7 @@
           <p:cNvPr id="3" name="內容版面配置區 2">
             <a:extLst>
               <a:ext uri="{FF2B5EF4-FFF2-40B4-BE49-F238E27FC236}">
-                <a16:creationId xmlns:a16="http://schemas.microsoft.com/office/drawing/2014/main" id="{F3205601-1379-454D-8099-B1BD56FD947F}"/>
+                <a16:creationId xmlns:a16="http://schemas.microsoft.com/office/drawing/2014/main" xmlns="" id="{F3205601-1379-454D-8099-B1BD56FD947F}"/>
               </a:ext>
             </a:extLst>
           </p:cNvPr>
@@ -6052,7 +6052,7 @@
           <p:cNvPr id="4" name="矩形 3">
             <a:extLst>
               <a:ext uri="{FF2B5EF4-FFF2-40B4-BE49-F238E27FC236}">
-                <a16:creationId xmlns:a16="http://schemas.microsoft.com/office/drawing/2014/main" id="{F194E2B7-11F7-4004-84BA-EA643EED2BDD}"/>
+                <a16:creationId xmlns:a16="http://schemas.microsoft.com/office/drawing/2014/main" xmlns="" id="{F194E2B7-11F7-4004-84BA-EA643EED2BDD}"/>
               </a:ext>
             </a:extLst>
           </p:cNvPr>
@@ -6107,7 +6107,7 @@
           <p:cNvPr id="5" name="矩形 4">
             <a:extLst>
               <a:ext uri="{FF2B5EF4-FFF2-40B4-BE49-F238E27FC236}">
-                <a16:creationId xmlns:a16="http://schemas.microsoft.com/office/drawing/2014/main" id="{FED41C80-97E6-423F-93F8-2439EA2B8951}"/>
+                <a16:creationId xmlns:a16="http://schemas.microsoft.com/office/drawing/2014/main" xmlns="" id="{FED41C80-97E6-423F-93F8-2439EA2B8951}"/>
               </a:ext>
             </a:extLst>
           </p:cNvPr>
@@ -6159,7 +6159,7 @@
           <p:cNvPr id="7" name="文字方塊 6">
             <a:extLst>
               <a:ext uri="{FF2B5EF4-FFF2-40B4-BE49-F238E27FC236}">
-                <a16:creationId xmlns:a16="http://schemas.microsoft.com/office/drawing/2014/main" id="{4FEA02E5-9C85-4FB6-B6CC-93C3AB69BD57}"/>
+                <a16:creationId xmlns:a16="http://schemas.microsoft.com/office/drawing/2014/main" xmlns="" id="{4FEA02E5-9C85-4FB6-B6CC-93C3AB69BD57}"/>
               </a:ext>
             </a:extLst>
           </p:cNvPr>
@@ -6236,7 +6236,7 @@
           <p:cNvPr id="8" name="文字方塊 7">
             <a:extLst>
               <a:ext uri="{FF2B5EF4-FFF2-40B4-BE49-F238E27FC236}">
-                <a16:creationId xmlns:a16="http://schemas.microsoft.com/office/drawing/2014/main" id="{AB184E4D-4597-480B-A1A5-DB5D6F45804F}"/>
+                <a16:creationId xmlns:a16="http://schemas.microsoft.com/office/drawing/2014/main" xmlns="" id="{AB184E4D-4597-480B-A1A5-DB5D6F45804F}"/>
               </a:ext>
             </a:extLst>
           </p:cNvPr>
@@ -6294,7 +6294,7 @@
           <p:cNvPr id="9" name="文字方塊 8">
             <a:extLst>
               <a:ext uri="{FF2B5EF4-FFF2-40B4-BE49-F238E27FC236}">
-                <a16:creationId xmlns:a16="http://schemas.microsoft.com/office/drawing/2014/main" id="{D329A510-E83B-4003-AC2A-AEF7EDA692D4}"/>
+                <a16:creationId xmlns:a16="http://schemas.microsoft.com/office/drawing/2014/main" xmlns="" id="{D329A510-E83B-4003-AC2A-AEF7EDA692D4}"/>
               </a:ext>
             </a:extLst>
           </p:cNvPr>
@@ -6393,6 +6393,13 @@
   <p:clrMapOvr>
     <a:masterClrMapping/>
   </p:clrMapOvr>
+  <p:timing>
+    <p:tnLst>
+      <p:par>
+        <p:cTn id="1" dur="indefinite" restart="never" nodeType="tmRoot"/>
+      </p:par>
+    </p:tnLst>
+  </p:timing>
 </p:sld>
 </file>
 
@@ -6418,7 +6425,7 @@
           <p:cNvPr id="22" name="矩形 3">
             <a:extLst>
               <a:ext uri="{FF2B5EF4-FFF2-40B4-BE49-F238E27FC236}">
-                <a16:creationId xmlns:a16="http://schemas.microsoft.com/office/drawing/2014/main" id="{AC167845-82AC-4B39-8198-B9E73F081CCD}"/>
+                <a16:creationId xmlns:a16="http://schemas.microsoft.com/office/drawing/2014/main" xmlns="" id="{AC167845-82AC-4B39-8198-B9E73F081CCD}"/>
               </a:ext>
             </a:extLst>
           </p:cNvPr>
@@ -6477,7 +6484,7 @@
           <p:cNvPr id="23" name="矩形 4">
             <a:extLst>
               <a:ext uri="{FF2B5EF4-FFF2-40B4-BE49-F238E27FC236}">
-                <a16:creationId xmlns:a16="http://schemas.microsoft.com/office/drawing/2014/main" id="{BFF19E05-7F0B-4D53-80A0-D5568C6C5E7E}"/>
+                <a16:creationId xmlns:a16="http://schemas.microsoft.com/office/drawing/2014/main" xmlns="" id="{BFF19E05-7F0B-4D53-80A0-D5568C6C5E7E}"/>
               </a:ext>
             </a:extLst>
           </p:cNvPr>
@@ -6529,7 +6536,7 @@
           <p:cNvPr id="24" name="文字方塊 5">
             <a:extLst>
               <a:ext uri="{FF2B5EF4-FFF2-40B4-BE49-F238E27FC236}">
-                <a16:creationId xmlns:a16="http://schemas.microsoft.com/office/drawing/2014/main" id="{345E91AF-1F31-4DE1-ABCD-8C0326089302}"/>
+                <a16:creationId xmlns:a16="http://schemas.microsoft.com/office/drawing/2014/main" xmlns="" id="{345E91AF-1F31-4DE1-ABCD-8C0326089302}"/>
               </a:ext>
             </a:extLst>
           </p:cNvPr>
@@ -6587,7 +6594,7 @@
           <p:cNvPr id="25" name="文字方塊 6">
             <a:extLst>
               <a:ext uri="{FF2B5EF4-FFF2-40B4-BE49-F238E27FC236}">
-                <a16:creationId xmlns:a16="http://schemas.microsoft.com/office/drawing/2014/main" id="{AFA5128D-FDC6-49CF-B065-490ED7618382}"/>
+                <a16:creationId xmlns:a16="http://schemas.microsoft.com/office/drawing/2014/main" xmlns="" id="{AFA5128D-FDC6-49CF-B065-490ED7618382}"/>
               </a:ext>
             </a:extLst>
           </p:cNvPr>
@@ -6664,7 +6671,7 @@
           <p:cNvPr id="26" name="文字方塊 7">
             <a:extLst>
               <a:ext uri="{FF2B5EF4-FFF2-40B4-BE49-F238E27FC236}">
-                <a16:creationId xmlns:a16="http://schemas.microsoft.com/office/drawing/2014/main" id="{500E8BF5-A714-4F7E-B7D2-041B71BE2C03}"/>
+                <a16:creationId xmlns:a16="http://schemas.microsoft.com/office/drawing/2014/main" xmlns="" id="{500E8BF5-A714-4F7E-B7D2-041B71BE2C03}"/>
               </a:ext>
             </a:extLst>
           </p:cNvPr>
@@ -6707,7 +6714,7 @@
           <p:cNvPr id="27" name="文字方塊 8">
             <a:extLst>
               <a:ext uri="{FF2B5EF4-FFF2-40B4-BE49-F238E27FC236}">
-                <a16:creationId xmlns:a16="http://schemas.microsoft.com/office/drawing/2014/main" id="{FFE8DD17-A16E-4199-9B5D-237044F47F7E}"/>
+                <a16:creationId xmlns:a16="http://schemas.microsoft.com/office/drawing/2014/main" xmlns="" id="{FFE8DD17-A16E-4199-9B5D-237044F47F7E}"/>
               </a:ext>
             </a:extLst>
           </p:cNvPr>
@@ -6750,7 +6757,7 @@
           <p:cNvPr id="28" name="文字方塊 9">
             <a:extLst>
               <a:ext uri="{FF2B5EF4-FFF2-40B4-BE49-F238E27FC236}">
-                <a16:creationId xmlns:a16="http://schemas.microsoft.com/office/drawing/2014/main" id="{8EB946F6-2EEC-44AF-B2BF-2AA8B4F2CBC4}"/>
+                <a16:creationId xmlns:a16="http://schemas.microsoft.com/office/drawing/2014/main" xmlns="" id="{8EB946F6-2EEC-44AF-B2BF-2AA8B4F2CBC4}"/>
               </a:ext>
             </a:extLst>
           </p:cNvPr>
@@ -6785,7 +6792,7 @@
           <p:cNvPr id="29" name="文字方塊 10">
             <a:extLst>
               <a:ext uri="{FF2B5EF4-FFF2-40B4-BE49-F238E27FC236}">
-                <a16:creationId xmlns:a16="http://schemas.microsoft.com/office/drawing/2014/main" id="{582EF791-130E-440F-A226-EA7E4EB5AC28}"/>
+                <a16:creationId xmlns:a16="http://schemas.microsoft.com/office/drawing/2014/main" xmlns="" id="{582EF791-130E-440F-A226-EA7E4EB5AC28}"/>
               </a:ext>
             </a:extLst>
           </p:cNvPr>
@@ -6879,7 +6886,7 @@
           <p:cNvPr id="30" name="文字方塊 12">
             <a:extLst>
               <a:ext uri="{FF2B5EF4-FFF2-40B4-BE49-F238E27FC236}">
-                <a16:creationId xmlns:a16="http://schemas.microsoft.com/office/drawing/2014/main" id="{0B05D7D0-BAE6-4995-934B-E00CFFD98FA0}"/>
+                <a16:creationId xmlns:a16="http://schemas.microsoft.com/office/drawing/2014/main" xmlns="" id="{0B05D7D0-BAE6-4995-934B-E00CFFD98FA0}"/>
               </a:ext>
             </a:extLst>
           </p:cNvPr>
@@ -6925,7 +6932,7 @@
           <p:cNvPr id="31" name="矩形 13">
             <a:extLst>
               <a:ext uri="{FF2B5EF4-FFF2-40B4-BE49-F238E27FC236}">
-                <a16:creationId xmlns:a16="http://schemas.microsoft.com/office/drawing/2014/main" id="{C47076D3-12F2-455B-91A6-C3C4BA991D9D}"/>
+                <a16:creationId xmlns:a16="http://schemas.microsoft.com/office/drawing/2014/main" xmlns="" id="{C47076D3-12F2-455B-91A6-C3C4BA991D9D}"/>
               </a:ext>
             </a:extLst>
           </p:cNvPr>
@@ -6979,7 +6986,7 @@
           <p:cNvPr id="32" name="矩形 15">
             <a:extLst>
               <a:ext uri="{FF2B5EF4-FFF2-40B4-BE49-F238E27FC236}">
-                <a16:creationId xmlns:a16="http://schemas.microsoft.com/office/drawing/2014/main" id="{14A1C11C-261E-440B-8C29-2C2422867D77}"/>
+                <a16:creationId xmlns:a16="http://schemas.microsoft.com/office/drawing/2014/main" xmlns="" id="{14A1C11C-261E-440B-8C29-2C2422867D77}"/>
               </a:ext>
             </a:extLst>
           </p:cNvPr>
@@ -7043,7 +7050,7 @@
           <p:cNvPr id="33" name="矩形 16">
             <a:extLst>
               <a:ext uri="{FF2B5EF4-FFF2-40B4-BE49-F238E27FC236}">
-                <a16:creationId xmlns:a16="http://schemas.microsoft.com/office/drawing/2014/main" id="{1E099F5A-27A1-4829-80DF-E9BA27A29F6A}"/>
+                <a16:creationId xmlns:a16="http://schemas.microsoft.com/office/drawing/2014/main" xmlns="" id="{1E099F5A-27A1-4829-80DF-E9BA27A29F6A}"/>
               </a:ext>
             </a:extLst>
           </p:cNvPr>
@@ -7115,7 +7122,7 @@
           <p:cNvPr id="34" name="矩形 17">
             <a:extLst>
               <a:ext uri="{FF2B5EF4-FFF2-40B4-BE49-F238E27FC236}">
-                <a16:creationId xmlns:a16="http://schemas.microsoft.com/office/drawing/2014/main" id="{C2F7121F-64BF-4D27-90CA-E3A5761DB752}"/>
+                <a16:creationId xmlns:a16="http://schemas.microsoft.com/office/drawing/2014/main" xmlns="" id="{C2F7121F-64BF-4D27-90CA-E3A5761DB752}"/>
               </a:ext>
             </a:extLst>
           </p:cNvPr>
@@ -7169,7 +7176,7 @@
           <p:cNvPr id="35" name="文字方塊 18">
             <a:extLst>
               <a:ext uri="{FF2B5EF4-FFF2-40B4-BE49-F238E27FC236}">
-                <a16:creationId xmlns:a16="http://schemas.microsoft.com/office/drawing/2014/main" id="{1D29CB4A-5938-486A-9B69-1C4863EBF835}"/>
+                <a16:creationId xmlns:a16="http://schemas.microsoft.com/office/drawing/2014/main" xmlns="" id="{1D29CB4A-5938-486A-9B69-1C4863EBF835}"/>
               </a:ext>
             </a:extLst>
           </p:cNvPr>
@@ -7217,7 +7224,7 @@
           <p:cNvPr id="36" name="文字方塊 19">
             <a:extLst>
               <a:ext uri="{FF2B5EF4-FFF2-40B4-BE49-F238E27FC236}">
-                <a16:creationId xmlns:a16="http://schemas.microsoft.com/office/drawing/2014/main" id="{5D01598A-BC8E-452D-99D7-9A19476E2209}"/>
+                <a16:creationId xmlns:a16="http://schemas.microsoft.com/office/drawing/2014/main" xmlns="" id="{5D01598A-BC8E-452D-99D7-9A19476E2209}"/>
               </a:ext>
             </a:extLst>
           </p:cNvPr>
@@ -7263,7 +7270,7 @@
           <p:cNvPr id="37" name="文字方塊 20">
             <a:extLst>
               <a:ext uri="{FF2B5EF4-FFF2-40B4-BE49-F238E27FC236}">
-                <a16:creationId xmlns:a16="http://schemas.microsoft.com/office/drawing/2014/main" id="{710C7FF3-F020-484B-AE3E-C742E1A1ECA1}"/>
+                <a16:creationId xmlns:a16="http://schemas.microsoft.com/office/drawing/2014/main" xmlns="" id="{710C7FF3-F020-484B-AE3E-C742E1A1ECA1}"/>
               </a:ext>
             </a:extLst>
           </p:cNvPr>
@@ -7309,7 +7316,7 @@
           <p:cNvPr id="39" name="文字方塊 21">
             <a:extLst>
               <a:ext uri="{FF2B5EF4-FFF2-40B4-BE49-F238E27FC236}">
-                <a16:creationId xmlns:a16="http://schemas.microsoft.com/office/drawing/2014/main" id="{868EF06B-C63A-4856-A7C5-B77CB5CD2DD6}"/>
+                <a16:creationId xmlns:a16="http://schemas.microsoft.com/office/drawing/2014/main" xmlns="" id="{868EF06B-C63A-4856-A7C5-B77CB5CD2DD6}"/>
               </a:ext>
             </a:extLst>
           </p:cNvPr>
@@ -8066,7 +8073,7 @@
           <p:cNvPr id="2" name="標題 1">
             <a:extLst>
               <a:ext uri="{FF2B5EF4-FFF2-40B4-BE49-F238E27FC236}">
-                <a16:creationId xmlns:a16="http://schemas.microsoft.com/office/drawing/2014/main" id="{7C682F12-A26B-4A8B-B825-20E4F49F4788}"/>
+                <a16:creationId xmlns:a16="http://schemas.microsoft.com/office/drawing/2014/main" xmlns="" id="{7C682F12-A26B-4A8B-B825-20E4F49F4788}"/>
               </a:ext>
             </a:extLst>
           </p:cNvPr>
@@ -8091,7 +8098,7 @@
           <p:cNvPr id="3" name="內容版面配置區 2">
             <a:extLst>
               <a:ext uri="{FF2B5EF4-FFF2-40B4-BE49-F238E27FC236}">
-                <a16:creationId xmlns:a16="http://schemas.microsoft.com/office/drawing/2014/main" id="{F3205601-1379-454D-8099-B1BD56FD947F}"/>
+                <a16:creationId xmlns:a16="http://schemas.microsoft.com/office/drawing/2014/main" xmlns="" id="{F3205601-1379-454D-8099-B1BD56FD947F}"/>
               </a:ext>
             </a:extLst>
           </p:cNvPr>
@@ -8116,7 +8123,7 @@
           <p:cNvPr id="4" name="矩形 3">
             <a:extLst>
               <a:ext uri="{FF2B5EF4-FFF2-40B4-BE49-F238E27FC236}">
-                <a16:creationId xmlns:a16="http://schemas.microsoft.com/office/drawing/2014/main" id="{F194E2B7-11F7-4004-84BA-EA643EED2BDD}"/>
+                <a16:creationId xmlns:a16="http://schemas.microsoft.com/office/drawing/2014/main" xmlns="" id="{F194E2B7-11F7-4004-84BA-EA643EED2BDD}"/>
               </a:ext>
             </a:extLst>
           </p:cNvPr>
@@ -8171,7 +8178,7 @@
           <p:cNvPr id="5" name="矩形 4">
             <a:extLst>
               <a:ext uri="{FF2B5EF4-FFF2-40B4-BE49-F238E27FC236}">
-                <a16:creationId xmlns:a16="http://schemas.microsoft.com/office/drawing/2014/main" id="{FED41C80-97E6-423F-93F8-2439EA2B8951}"/>
+                <a16:creationId xmlns:a16="http://schemas.microsoft.com/office/drawing/2014/main" xmlns="" id="{FED41C80-97E6-423F-93F8-2439EA2B8951}"/>
               </a:ext>
             </a:extLst>
           </p:cNvPr>
@@ -8223,7 +8230,7 @@
           <p:cNvPr id="7" name="文字方塊 6">
             <a:extLst>
               <a:ext uri="{FF2B5EF4-FFF2-40B4-BE49-F238E27FC236}">
-                <a16:creationId xmlns:a16="http://schemas.microsoft.com/office/drawing/2014/main" id="{4FEA02E5-9C85-4FB6-B6CC-93C3AB69BD57}"/>
+                <a16:creationId xmlns:a16="http://schemas.microsoft.com/office/drawing/2014/main" xmlns="" id="{4FEA02E5-9C85-4FB6-B6CC-93C3AB69BD57}"/>
               </a:ext>
             </a:extLst>
           </p:cNvPr>
@@ -8300,7 +8307,7 @@
           <p:cNvPr id="8" name="文字方塊 7">
             <a:extLst>
               <a:ext uri="{FF2B5EF4-FFF2-40B4-BE49-F238E27FC236}">
-                <a16:creationId xmlns:a16="http://schemas.microsoft.com/office/drawing/2014/main" id="{AB184E4D-4597-480B-A1A5-DB5D6F45804F}"/>
+                <a16:creationId xmlns:a16="http://schemas.microsoft.com/office/drawing/2014/main" xmlns="" id="{AB184E4D-4597-480B-A1A5-DB5D6F45804F}"/>
               </a:ext>
             </a:extLst>
           </p:cNvPr>
@@ -8358,7 +8365,7 @@
           <p:cNvPr id="9" name="文字方塊 8">
             <a:extLst>
               <a:ext uri="{FF2B5EF4-FFF2-40B4-BE49-F238E27FC236}">
-                <a16:creationId xmlns:a16="http://schemas.microsoft.com/office/drawing/2014/main" id="{D329A510-E83B-4003-AC2A-AEF7EDA692D4}"/>
+                <a16:creationId xmlns:a16="http://schemas.microsoft.com/office/drawing/2014/main" xmlns="" id="{D329A510-E83B-4003-AC2A-AEF7EDA692D4}"/>
               </a:ext>
             </a:extLst>
           </p:cNvPr>
@@ -8482,7 +8489,7 @@
           <p:cNvPr id="22" name="矩形 3">
             <a:extLst>
               <a:ext uri="{FF2B5EF4-FFF2-40B4-BE49-F238E27FC236}">
-                <a16:creationId xmlns:a16="http://schemas.microsoft.com/office/drawing/2014/main" id="{AC167845-82AC-4B39-8198-B9E73F081CCD}"/>
+                <a16:creationId xmlns:a16="http://schemas.microsoft.com/office/drawing/2014/main" xmlns="" id="{AC167845-82AC-4B39-8198-B9E73F081CCD}"/>
               </a:ext>
             </a:extLst>
           </p:cNvPr>
@@ -8541,7 +8548,7 @@
           <p:cNvPr id="23" name="矩形 4">
             <a:extLst>
               <a:ext uri="{FF2B5EF4-FFF2-40B4-BE49-F238E27FC236}">
-                <a16:creationId xmlns:a16="http://schemas.microsoft.com/office/drawing/2014/main" id="{BFF19E05-7F0B-4D53-80A0-D5568C6C5E7E}"/>
+                <a16:creationId xmlns:a16="http://schemas.microsoft.com/office/drawing/2014/main" xmlns="" id="{BFF19E05-7F0B-4D53-80A0-D5568C6C5E7E}"/>
               </a:ext>
             </a:extLst>
           </p:cNvPr>
@@ -8593,7 +8600,7 @@
           <p:cNvPr id="24" name="文字方塊 5">
             <a:extLst>
               <a:ext uri="{FF2B5EF4-FFF2-40B4-BE49-F238E27FC236}">
-                <a16:creationId xmlns:a16="http://schemas.microsoft.com/office/drawing/2014/main" id="{345E91AF-1F31-4DE1-ABCD-8C0326089302}"/>
+                <a16:creationId xmlns:a16="http://schemas.microsoft.com/office/drawing/2014/main" xmlns="" id="{345E91AF-1F31-4DE1-ABCD-8C0326089302}"/>
               </a:ext>
             </a:extLst>
           </p:cNvPr>
@@ -8651,7 +8658,7 @@
           <p:cNvPr id="25" name="文字方塊 6">
             <a:extLst>
               <a:ext uri="{FF2B5EF4-FFF2-40B4-BE49-F238E27FC236}">
-                <a16:creationId xmlns:a16="http://schemas.microsoft.com/office/drawing/2014/main" id="{AFA5128D-FDC6-49CF-B065-490ED7618382}"/>
+                <a16:creationId xmlns:a16="http://schemas.microsoft.com/office/drawing/2014/main" xmlns="" id="{AFA5128D-FDC6-49CF-B065-490ED7618382}"/>
               </a:ext>
             </a:extLst>
           </p:cNvPr>
@@ -8728,7 +8735,7 @@
           <p:cNvPr id="26" name="文字方塊 7">
             <a:extLst>
               <a:ext uri="{FF2B5EF4-FFF2-40B4-BE49-F238E27FC236}">
-                <a16:creationId xmlns:a16="http://schemas.microsoft.com/office/drawing/2014/main" id="{500E8BF5-A714-4F7E-B7D2-041B71BE2C03}"/>
+                <a16:creationId xmlns:a16="http://schemas.microsoft.com/office/drawing/2014/main" xmlns="" id="{500E8BF5-A714-4F7E-B7D2-041B71BE2C03}"/>
               </a:ext>
             </a:extLst>
           </p:cNvPr>
@@ -8771,7 +8778,7 @@
           <p:cNvPr id="27" name="文字方塊 8">
             <a:extLst>
               <a:ext uri="{FF2B5EF4-FFF2-40B4-BE49-F238E27FC236}">
-                <a16:creationId xmlns:a16="http://schemas.microsoft.com/office/drawing/2014/main" id="{FFE8DD17-A16E-4199-9B5D-237044F47F7E}"/>
+                <a16:creationId xmlns:a16="http://schemas.microsoft.com/office/drawing/2014/main" xmlns="" id="{FFE8DD17-A16E-4199-9B5D-237044F47F7E}"/>
               </a:ext>
             </a:extLst>
           </p:cNvPr>
@@ -8814,7 +8821,7 @@
           <p:cNvPr id="28" name="文字方塊 9">
             <a:extLst>
               <a:ext uri="{FF2B5EF4-FFF2-40B4-BE49-F238E27FC236}">
-                <a16:creationId xmlns:a16="http://schemas.microsoft.com/office/drawing/2014/main" id="{8EB946F6-2EEC-44AF-B2BF-2AA8B4F2CBC4}"/>
+                <a16:creationId xmlns:a16="http://schemas.microsoft.com/office/drawing/2014/main" xmlns="" id="{8EB946F6-2EEC-44AF-B2BF-2AA8B4F2CBC4}"/>
               </a:ext>
             </a:extLst>
           </p:cNvPr>
@@ -8849,7 +8856,7 @@
           <p:cNvPr id="29" name="文字方塊 10">
             <a:extLst>
               <a:ext uri="{FF2B5EF4-FFF2-40B4-BE49-F238E27FC236}">
-                <a16:creationId xmlns:a16="http://schemas.microsoft.com/office/drawing/2014/main" id="{582EF791-130E-440F-A226-EA7E4EB5AC28}"/>
+                <a16:creationId xmlns:a16="http://schemas.microsoft.com/office/drawing/2014/main" xmlns="" id="{582EF791-130E-440F-A226-EA7E4EB5AC28}"/>
               </a:ext>
             </a:extLst>
           </p:cNvPr>
@@ -8943,7 +8950,7 @@
           <p:cNvPr id="30" name="文字方塊 12">
             <a:extLst>
               <a:ext uri="{FF2B5EF4-FFF2-40B4-BE49-F238E27FC236}">
-                <a16:creationId xmlns:a16="http://schemas.microsoft.com/office/drawing/2014/main" id="{0B05D7D0-BAE6-4995-934B-E00CFFD98FA0}"/>
+                <a16:creationId xmlns:a16="http://schemas.microsoft.com/office/drawing/2014/main" xmlns="" id="{0B05D7D0-BAE6-4995-934B-E00CFFD98FA0}"/>
               </a:ext>
             </a:extLst>
           </p:cNvPr>
@@ -8989,7 +8996,7 @@
           <p:cNvPr id="31" name="矩形 13">
             <a:extLst>
               <a:ext uri="{FF2B5EF4-FFF2-40B4-BE49-F238E27FC236}">
-                <a16:creationId xmlns:a16="http://schemas.microsoft.com/office/drawing/2014/main" id="{C47076D3-12F2-455B-91A6-C3C4BA991D9D}"/>
+                <a16:creationId xmlns:a16="http://schemas.microsoft.com/office/drawing/2014/main" xmlns="" id="{C47076D3-12F2-455B-91A6-C3C4BA991D9D}"/>
               </a:ext>
             </a:extLst>
           </p:cNvPr>
@@ -9043,7 +9050,7 @@
           <p:cNvPr id="32" name="矩形 15">
             <a:extLst>
               <a:ext uri="{FF2B5EF4-FFF2-40B4-BE49-F238E27FC236}">
-                <a16:creationId xmlns:a16="http://schemas.microsoft.com/office/drawing/2014/main" id="{14A1C11C-261E-440B-8C29-2C2422867D77}"/>
+                <a16:creationId xmlns:a16="http://schemas.microsoft.com/office/drawing/2014/main" xmlns="" id="{14A1C11C-261E-440B-8C29-2C2422867D77}"/>
               </a:ext>
             </a:extLst>
           </p:cNvPr>
@@ -9107,7 +9114,7 @@
           <p:cNvPr id="33" name="矩形 16">
             <a:extLst>
               <a:ext uri="{FF2B5EF4-FFF2-40B4-BE49-F238E27FC236}">
-                <a16:creationId xmlns:a16="http://schemas.microsoft.com/office/drawing/2014/main" id="{1E099F5A-27A1-4829-80DF-E9BA27A29F6A}"/>
+                <a16:creationId xmlns:a16="http://schemas.microsoft.com/office/drawing/2014/main" xmlns="" id="{1E099F5A-27A1-4829-80DF-E9BA27A29F6A}"/>
               </a:ext>
             </a:extLst>
           </p:cNvPr>
@@ -9179,7 +9186,7 @@
           <p:cNvPr id="34" name="矩形 17">
             <a:extLst>
               <a:ext uri="{FF2B5EF4-FFF2-40B4-BE49-F238E27FC236}">
-                <a16:creationId xmlns:a16="http://schemas.microsoft.com/office/drawing/2014/main" id="{C2F7121F-64BF-4D27-90CA-E3A5761DB752}"/>
+                <a16:creationId xmlns:a16="http://schemas.microsoft.com/office/drawing/2014/main" xmlns="" id="{C2F7121F-64BF-4D27-90CA-E3A5761DB752}"/>
               </a:ext>
             </a:extLst>
           </p:cNvPr>
@@ -9233,7 +9240,7 @@
           <p:cNvPr id="35" name="文字方塊 18">
             <a:extLst>
               <a:ext uri="{FF2B5EF4-FFF2-40B4-BE49-F238E27FC236}">
-                <a16:creationId xmlns:a16="http://schemas.microsoft.com/office/drawing/2014/main" id="{1D29CB4A-5938-486A-9B69-1C4863EBF835}"/>
+                <a16:creationId xmlns:a16="http://schemas.microsoft.com/office/drawing/2014/main" xmlns="" id="{1D29CB4A-5938-486A-9B69-1C4863EBF835}"/>
               </a:ext>
             </a:extLst>
           </p:cNvPr>
@@ -9281,7 +9288,7 @@
           <p:cNvPr id="36" name="文字方塊 19">
             <a:extLst>
               <a:ext uri="{FF2B5EF4-FFF2-40B4-BE49-F238E27FC236}">
-                <a16:creationId xmlns:a16="http://schemas.microsoft.com/office/drawing/2014/main" id="{5D01598A-BC8E-452D-99D7-9A19476E2209}"/>
+                <a16:creationId xmlns:a16="http://schemas.microsoft.com/office/drawing/2014/main" xmlns="" id="{5D01598A-BC8E-452D-99D7-9A19476E2209}"/>
               </a:ext>
             </a:extLst>
           </p:cNvPr>
@@ -9327,7 +9334,7 @@
           <p:cNvPr id="37" name="文字方塊 20">
             <a:extLst>
               <a:ext uri="{FF2B5EF4-FFF2-40B4-BE49-F238E27FC236}">
-                <a16:creationId xmlns:a16="http://schemas.microsoft.com/office/drawing/2014/main" id="{710C7FF3-F020-484B-AE3E-C742E1A1ECA1}"/>
+                <a16:creationId xmlns:a16="http://schemas.microsoft.com/office/drawing/2014/main" xmlns="" id="{710C7FF3-F020-484B-AE3E-C742E1A1ECA1}"/>
               </a:ext>
             </a:extLst>
           </p:cNvPr>
@@ -9373,7 +9380,7 @@
           <p:cNvPr id="39" name="文字方塊 21">
             <a:extLst>
               <a:ext uri="{FF2B5EF4-FFF2-40B4-BE49-F238E27FC236}">
-                <a16:creationId xmlns:a16="http://schemas.microsoft.com/office/drawing/2014/main" id="{868EF06B-C63A-4856-A7C5-B77CB5CD2DD6}"/>
+                <a16:creationId xmlns:a16="http://schemas.microsoft.com/office/drawing/2014/main" xmlns="" id="{868EF06B-C63A-4856-A7C5-B77CB5CD2DD6}"/>
               </a:ext>
             </a:extLst>
           </p:cNvPr>
@@ -10316,7 +10323,7 @@
           <p:cNvPr id="22" name="矩形 3">
             <a:extLst>
               <a:ext uri="{FF2B5EF4-FFF2-40B4-BE49-F238E27FC236}">
-                <a16:creationId xmlns:a16="http://schemas.microsoft.com/office/drawing/2014/main" id="{AC167845-82AC-4B39-8198-B9E73F081CCD}"/>
+                <a16:creationId xmlns:a16="http://schemas.microsoft.com/office/drawing/2014/main" xmlns="" id="{AC167845-82AC-4B39-8198-B9E73F081CCD}"/>
               </a:ext>
             </a:extLst>
           </p:cNvPr>
@@ -10375,7 +10382,7 @@
           <p:cNvPr id="23" name="矩形 4">
             <a:extLst>
               <a:ext uri="{FF2B5EF4-FFF2-40B4-BE49-F238E27FC236}">
-                <a16:creationId xmlns:a16="http://schemas.microsoft.com/office/drawing/2014/main" id="{BFF19E05-7F0B-4D53-80A0-D5568C6C5E7E}"/>
+                <a16:creationId xmlns:a16="http://schemas.microsoft.com/office/drawing/2014/main" xmlns="" id="{BFF19E05-7F0B-4D53-80A0-D5568C6C5E7E}"/>
               </a:ext>
             </a:extLst>
           </p:cNvPr>
@@ -10427,7 +10434,7 @@
           <p:cNvPr id="24" name="文字方塊 5">
             <a:extLst>
               <a:ext uri="{FF2B5EF4-FFF2-40B4-BE49-F238E27FC236}">
-                <a16:creationId xmlns:a16="http://schemas.microsoft.com/office/drawing/2014/main" id="{345E91AF-1F31-4DE1-ABCD-8C0326089302}"/>
+                <a16:creationId xmlns:a16="http://schemas.microsoft.com/office/drawing/2014/main" xmlns="" id="{345E91AF-1F31-4DE1-ABCD-8C0326089302}"/>
               </a:ext>
             </a:extLst>
           </p:cNvPr>
@@ -10485,7 +10492,7 @@
           <p:cNvPr id="25" name="文字方塊 6">
             <a:extLst>
               <a:ext uri="{FF2B5EF4-FFF2-40B4-BE49-F238E27FC236}">
-                <a16:creationId xmlns:a16="http://schemas.microsoft.com/office/drawing/2014/main" id="{AFA5128D-FDC6-49CF-B065-490ED7618382}"/>
+                <a16:creationId xmlns:a16="http://schemas.microsoft.com/office/drawing/2014/main" xmlns="" id="{AFA5128D-FDC6-49CF-B065-490ED7618382}"/>
               </a:ext>
             </a:extLst>
           </p:cNvPr>
@@ -10562,7 +10569,7 @@
           <p:cNvPr id="26" name="文字方塊 7">
             <a:extLst>
               <a:ext uri="{FF2B5EF4-FFF2-40B4-BE49-F238E27FC236}">
-                <a16:creationId xmlns:a16="http://schemas.microsoft.com/office/drawing/2014/main" id="{500E8BF5-A714-4F7E-B7D2-041B71BE2C03}"/>
+                <a16:creationId xmlns:a16="http://schemas.microsoft.com/office/drawing/2014/main" xmlns="" id="{500E8BF5-A714-4F7E-B7D2-041B71BE2C03}"/>
               </a:ext>
             </a:extLst>
           </p:cNvPr>
@@ -10605,7 +10612,7 @@
           <p:cNvPr id="27" name="文字方塊 8">
             <a:extLst>
               <a:ext uri="{FF2B5EF4-FFF2-40B4-BE49-F238E27FC236}">
-                <a16:creationId xmlns:a16="http://schemas.microsoft.com/office/drawing/2014/main" id="{FFE8DD17-A16E-4199-9B5D-237044F47F7E}"/>
+                <a16:creationId xmlns:a16="http://schemas.microsoft.com/office/drawing/2014/main" xmlns="" id="{FFE8DD17-A16E-4199-9B5D-237044F47F7E}"/>
               </a:ext>
             </a:extLst>
           </p:cNvPr>
@@ -10648,7 +10655,7 @@
           <p:cNvPr id="28" name="文字方塊 9">
             <a:extLst>
               <a:ext uri="{FF2B5EF4-FFF2-40B4-BE49-F238E27FC236}">
-                <a16:creationId xmlns:a16="http://schemas.microsoft.com/office/drawing/2014/main" id="{8EB946F6-2EEC-44AF-B2BF-2AA8B4F2CBC4}"/>
+                <a16:creationId xmlns:a16="http://schemas.microsoft.com/office/drawing/2014/main" xmlns="" id="{8EB946F6-2EEC-44AF-B2BF-2AA8B4F2CBC4}"/>
               </a:ext>
             </a:extLst>
           </p:cNvPr>
@@ -10683,7 +10690,7 @@
           <p:cNvPr id="29" name="文字方塊 10">
             <a:extLst>
               <a:ext uri="{FF2B5EF4-FFF2-40B4-BE49-F238E27FC236}">
-                <a16:creationId xmlns:a16="http://schemas.microsoft.com/office/drawing/2014/main" id="{582EF791-130E-440F-A226-EA7E4EB5AC28}"/>
+                <a16:creationId xmlns:a16="http://schemas.microsoft.com/office/drawing/2014/main" xmlns="" id="{582EF791-130E-440F-A226-EA7E4EB5AC28}"/>
               </a:ext>
             </a:extLst>
           </p:cNvPr>
@@ -10777,7 +10784,7 @@
           <p:cNvPr id="30" name="文字方塊 12">
             <a:extLst>
               <a:ext uri="{FF2B5EF4-FFF2-40B4-BE49-F238E27FC236}">
-                <a16:creationId xmlns:a16="http://schemas.microsoft.com/office/drawing/2014/main" id="{0B05D7D0-BAE6-4995-934B-E00CFFD98FA0}"/>
+                <a16:creationId xmlns:a16="http://schemas.microsoft.com/office/drawing/2014/main" xmlns="" id="{0B05D7D0-BAE6-4995-934B-E00CFFD98FA0}"/>
               </a:ext>
             </a:extLst>
           </p:cNvPr>
@@ -10823,7 +10830,7 @@
           <p:cNvPr id="31" name="矩形 13">
             <a:extLst>
               <a:ext uri="{FF2B5EF4-FFF2-40B4-BE49-F238E27FC236}">
-                <a16:creationId xmlns:a16="http://schemas.microsoft.com/office/drawing/2014/main" id="{C47076D3-12F2-455B-91A6-C3C4BA991D9D}"/>
+                <a16:creationId xmlns:a16="http://schemas.microsoft.com/office/drawing/2014/main" xmlns="" id="{C47076D3-12F2-455B-91A6-C3C4BA991D9D}"/>
               </a:ext>
             </a:extLst>
           </p:cNvPr>
@@ -10877,7 +10884,7 @@
           <p:cNvPr id="32" name="矩形 15">
             <a:extLst>
               <a:ext uri="{FF2B5EF4-FFF2-40B4-BE49-F238E27FC236}">
-                <a16:creationId xmlns:a16="http://schemas.microsoft.com/office/drawing/2014/main" id="{14A1C11C-261E-440B-8C29-2C2422867D77}"/>
+                <a16:creationId xmlns:a16="http://schemas.microsoft.com/office/drawing/2014/main" xmlns="" id="{14A1C11C-261E-440B-8C29-2C2422867D77}"/>
               </a:ext>
             </a:extLst>
           </p:cNvPr>
@@ -10941,7 +10948,7 @@
           <p:cNvPr id="33" name="矩形 16">
             <a:extLst>
               <a:ext uri="{FF2B5EF4-FFF2-40B4-BE49-F238E27FC236}">
-                <a16:creationId xmlns:a16="http://schemas.microsoft.com/office/drawing/2014/main" id="{1E099F5A-27A1-4829-80DF-E9BA27A29F6A}"/>
+                <a16:creationId xmlns:a16="http://schemas.microsoft.com/office/drawing/2014/main" xmlns="" id="{1E099F5A-27A1-4829-80DF-E9BA27A29F6A}"/>
               </a:ext>
             </a:extLst>
           </p:cNvPr>
@@ -11013,7 +11020,7 @@
           <p:cNvPr id="34" name="矩形 17">
             <a:extLst>
               <a:ext uri="{FF2B5EF4-FFF2-40B4-BE49-F238E27FC236}">
-                <a16:creationId xmlns:a16="http://schemas.microsoft.com/office/drawing/2014/main" id="{C2F7121F-64BF-4D27-90CA-E3A5761DB752}"/>
+                <a16:creationId xmlns:a16="http://schemas.microsoft.com/office/drawing/2014/main" xmlns="" id="{C2F7121F-64BF-4D27-90CA-E3A5761DB752}"/>
               </a:ext>
             </a:extLst>
           </p:cNvPr>
@@ -11067,7 +11074,7 @@
           <p:cNvPr id="35" name="文字方塊 18">
             <a:extLst>
               <a:ext uri="{FF2B5EF4-FFF2-40B4-BE49-F238E27FC236}">
-                <a16:creationId xmlns:a16="http://schemas.microsoft.com/office/drawing/2014/main" id="{1D29CB4A-5938-486A-9B69-1C4863EBF835}"/>
+                <a16:creationId xmlns:a16="http://schemas.microsoft.com/office/drawing/2014/main" xmlns="" id="{1D29CB4A-5938-486A-9B69-1C4863EBF835}"/>
               </a:ext>
             </a:extLst>
           </p:cNvPr>
@@ -11115,7 +11122,7 @@
           <p:cNvPr id="36" name="文字方塊 19">
             <a:extLst>
               <a:ext uri="{FF2B5EF4-FFF2-40B4-BE49-F238E27FC236}">
-                <a16:creationId xmlns:a16="http://schemas.microsoft.com/office/drawing/2014/main" id="{5D01598A-BC8E-452D-99D7-9A19476E2209}"/>
+                <a16:creationId xmlns:a16="http://schemas.microsoft.com/office/drawing/2014/main" xmlns="" id="{5D01598A-BC8E-452D-99D7-9A19476E2209}"/>
               </a:ext>
             </a:extLst>
           </p:cNvPr>
@@ -12612,7 +12619,7 @@
           <p:cNvPr id="2" name="標題 1">
             <a:extLst>
               <a:ext uri="{FF2B5EF4-FFF2-40B4-BE49-F238E27FC236}">
-                <a16:creationId xmlns:a16="http://schemas.microsoft.com/office/drawing/2014/main" id="{7C682F12-A26B-4A8B-B825-20E4F49F4788}"/>
+                <a16:creationId xmlns:a16="http://schemas.microsoft.com/office/drawing/2014/main" xmlns="" id="{7C682F12-A26B-4A8B-B825-20E4F49F4788}"/>
               </a:ext>
             </a:extLst>
           </p:cNvPr>
@@ -12637,7 +12644,7 @@
           <p:cNvPr id="3" name="內容版面配置區 2">
             <a:extLst>
               <a:ext uri="{FF2B5EF4-FFF2-40B4-BE49-F238E27FC236}">
-                <a16:creationId xmlns:a16="http://schemas.microsoft.com/office/drawing/2014/main" id="{F3205601-1379-454D-8099-B1BD56FD947F}"/>
+                <a16:creationId xmlns:a16="http://schemas.microsoft.com/office/drawing/2014/main" xmlns="" id="{F3205601-1379-454D-8099-B1BD56FD947F}"/>
               </a:ext>
             </a:extLst>
           </p:cNvPr>
@@ -12662,7 +12669,7 @@
           <p:cNvPr id="4" name="矩形 3">
             <a:extLst>
               <a:ext uri="{FF2B5EF4-FFF2-40B4-BE49-F238E27FC236}">
-                <a16:creationId xmlns:a16="http://schemas.microsoft.com/office/drawing/2014/main" id="{F194E2B7-11F7-4004-84BA-EA643EED2BDD}"/>
+                <a16:creationId xmlns:a16="http://schemas.microsoft.com/office/drawing/2014/main" xmlns="" id="{F194E2B7-11F7-4004-84BA-EA643EED2BDD}"/>
               </a:ext>
             </a:extLst>
           </p:cNvPr>
@@ -12717,7 +12724,7 @@
           <p:cNvPr id="5" name="矩形 4">
             <a:extLst>
               <a:ext uri="{FF2B5EF4-FFF2-40B4-BE49-F238E27FC236}">
-                <a16:creationId xmlns:a16="http://schemas.microsoft.com/office/drawing/2014/main" id="{FED41C80-97E6-423F-93F8-2439EA2B8951}"/>
+                <a16:creationId xmlns:a16="http://schemas.microsoft.com/office/drawing/2014/main" xmlns="" id="{FED41C80-97E6-423F-93F8-2439EA2B8951}"/>
               </a:ext>
             </a:extLst>
           </p:cNvPr>
@@ -12769,7 +12776,7 @@
           <p:cNvPr id="7" name="文字方塊 6">
             <a:extLst>
               <a:ext uri="{FF2B5EF4-FFF2-40B4-BE49-F238E27FC236}">
-                <a16:creationId xmlns:a16="http://schemas.microsoft.com/office/drawing/2014/main" id="{4FEA02E5-9C85-4FB6-B6CC-93C3AB69BD57}"/>
+                <a16:creationId xmlns:a16="http://schemas.microsoft.com/office/drawing/2014/main" xmlns="" id="{4FEA02E5-9C85-4FB6-B6CC-93C3AB69BD57}"/>
               </a:ext>
             </a:extLst>
           </p:cNvPr>
@@ -12846,7 +12853,7 @@
           <p:cNvPr id="8" name="文字方塊 7">
             <a:extLst>
               <a:ext uri="{FF2B5EF4-FFF2-40B4-BE49-F238E27FC236}">
-                <a16:creationId xmlns:a16="http://schemas.microsoft.com/office/drawing/2014/main" id="{AB184E4D-4597-480B-A1A5-DB5D6F45804F}"/>
+                <a16:creationId xmlns:a16="http://schemas.microsoft.com/office/drawing/2014/main" xmlns="" id="{AB184E4D-4597-480B-A1A5-DB5D6F45804F}"/>
               </a:ext>
             </a:extLst>
           </p:cNvPr>
@@ -12904,7 +12911,7 @@
           <p:cNvPr id="9" name="文字方塊 8">
             <a:extLst>
               <a:ext uri="{FF2B5EF4-FFF2-40B4-BE49-F238E27FC236}">
-                <a16:creationId xmlns:a16="http://schemas.microsoft.com/office/drawing/2014/main" id="{D329A510-E83B-4003-AC2A-AEF7EDA692D4}"/>
+                <a16:creationId xmlns:a16="http://schemas.microsoft.com/office/drawing/2014/main" xmlns="" id="{D329A510-E83B-4003-AC2A-AEF7EDA692D4}"/>
               </a:ext>
             </a:extLst>
           </p:cNvPr>
@@ -13028,7 +13035,7 @@
           <p:cNvPr id="22" name="矩形 3">
             <a:extLst>
               <a:ext uri="{FF2B5EF4-FFF2-40B4-BE49-F238E27FC236}">
-                <a16:creationId xmlns:a16="http://schemas.microsoft.com/office/drawing/2014/main" id="{AC167845-82AC-4B39-8198-B9E73F081CCD}"/>
+                <a16:creationId xmlns:a16="http://schemas.microsoft.com/office/drawing/2014/main" xmlns="" id="{AC167845-82AC-4B39-8198-B9E73F081CCD}"/>
               </a:ext>
             </a:extLst>
           </p:cNvPr>
@@ -13087,7 +13094,7 @@
           <p:cNvPr id="23" name="矩形 4">
             <a:extLst>
               <a:ext uri="{FF2B5EF4-FFF2-40B4-BE49-F238E27FC236}">
-                <a16:creationId xmlns:a16="http://schemas.microsoft.com/office/drawing/2014/main" id="{BFF19E05-7F0B-4D53-80A0-D5568C6C5E7E}"/>
+                <a16:creationId xmlns:a16="http://schemas.microsoft.com/office/drawing/2014/main" xmlns="" id="{BFF19E05-7F0B-4D53-80A0-D5568C6C5E7E}"/>
               </a:ext>
             </a:extLst>
           </p:cNvPr>
@@ -13139,7 +13146,7 @@
           <p:cNvPr id="24" name="文字方塊 5">
             <a:extLst>
               <a:ext uri="{FF2B5EF4-FFF2-40B4-BE49-F238E27FC236}">
-                <a16:creationId xmlns:a16="http://schemas.microsoft.com/office/drawing/2014/main" id="{345E91AF-1F31-4DE1-ABCD-8C0326089302}"/>
+                <a16:creationId xmlns:a16="http://schemas.microsoft.com/office/drawing/2014/main" xmlns="" id="{345E91AF-1F31-4DE1-ABCD-8C0326089302}"/>
               </a:ext>
             </a:extLst>
           </p:cNvPr>
@@ -13197,7 +13204,7 @@
           <p:cNvPr id="25" name="文字方塊 6">
             <a:extLst>
               <a:ext uri="{FF2B5EF4-FFF2-40B4-BE49-F238E27FC236}">
-                <a16:creationId xmlns:a16="http://schemas.microsoft.com/office/drawing/2014/main" id="{AFA5128D-FDC6-49CF-B065-490ED7618382}"/>
+                <a16:creationId xmlns:a16="http://schemas.microsoft.com/office/drawing/2014/main" xmlns="" id="{AFA5128D-FDC6-49CF-B065-490ED7618382}"/>
               </a:ext>
             </a:extLst>
           </p:cNvPr>
@@ -13274,7 +13281,7 @@
           <p:cNvPr id="26" name="文字方塊 7">
             <a:extLst>
               <a:ext uri="{FF2B5EF4-FFF2-40B4-BE49-F238E27FC236}">
-                <a16:creationId xmlns:a16="http://schemas.microsoft.com/office/drawing/2014/main" id="{500E8BF5-A714-4F7E-B7D2-041B71BE2C03}"/>
+                <a16:creationId xmlns:a16="http://schemas.microsoft.com/office/drawing/2014/main" xmlns="" id="{500E8BF5-A714-4F7E-B7D2-041B71BE2C03}"/>
               </a:ext>
             </a:extLst>
           </p:cNvPr>
@@ -13317,7 +13324,7 @@
           <p:cNvPr id="27" name="文字方塊 8">
             <a:extLst>
               <a:ext uri="{FF2B5EF4-FFF2-40B4-BE49-F238E27FC236}">
-                <a16:creationId xmlns:a16="http://schemas.microsoft.com/office/drawing/2014/main" id="{FFE8DD17-A16E-4199-9B5D-237044F47F7E}"/>
+                <a16:creationId xmlns:a16="http://schemas.microsoft.com/office/drawing/2014/main" xmlns="" id="{FFE8DD17-A16E-4199-9B5D-237044F47F7E}"/>
               </a:ext>
             </a:extLst>
           </p:cNvPr>
@@ -13360,7 +13367,7 @@
           <p:cNvPr id="28" name="文字方塊 9">
             <a:extLst>
               <a:ext uri="{FF2B5EF4-FFF2-40B4-BE49-F238E27FC236}">
-                <a16:creationId xmlns:a16="http://schemas.microsoft.com/office/drawing/2014/main" id="{8EB946F6-2EEC-44AF-B2BF-2AA8B4F2CBC4}"/>
+                <a16:creationId xmlns:a16="http://schemas.microsoft.com/office/drawing/2014/main" xmlns="" id="{8EB946F6-2EEC-44AF-B2BF-2AA8B4F2CBC4}"/>
               </a:ext>
             </a:extLst>
           </p:cNvPr>
@@ -13395,7 +13402,7 @@
           <p:cNvPr id="29" name="文字方塊 10">
             <a:extLst>
               <a:ext uri="{FF2B5EF4-FFF2-40B4-BE49-F238E27FC236}">
-                <a16:creationId xmlns:a16="http://schemas.microsoft.com/office/drawing/2014/main" id="{582EF791-130E-440F-A226-EA7E4EB5AC28}"/>
+                <a16:creationId xmlns:a16="http://schemas.microsoft.com/office/drawing/2014/main" xmlns="" id="{582EF791-130E-440F-A226-EA7E4EB5AC28}"/>
               </a:ext>
             </a:extLst>
           </p:cNvPr>
@@ -13489,7 +13496,7 @@
           <p:cNvPr id="30" name="文字方塊 12">
             <a:extLst>
               <a:ext uri="{FF2B5EF4-FFF2-40B4-BE49-F238E27FC236}">
-                <a16:creationId xmlns:a16="http://schemas.microsoft.com/office/drawing/2014/main" id="{0B05D7D0-BAE6-4995-934B-E00CFFD98FA0}"/>
+                <a16:creationId xmlns:a16="http://schemas.microsoft.com/office/drawing/2014/main" xmlns="" id="{0B05D7D0-BAE6-4995-934B-E00CFFD98FA0}"/>
               </a:ext>
             </a:extLst>
           </p:cNvPr>
@@ -13535,7 +13542,7 @@
           <p:cNvPr id="31" name="矩形 13">
             <a:extLst>
               <a:ext uri="{FF2B5EF4-FFF2-40B4-BE49-F238E27FC236}">
-                <a16:creationId xmlns:a16="http://schemas.microsoft.com/office/drawing/2014/main" id="{C47076D3-12F2-455B-91A6-C3C4BA991D9D}"/>
+                <a16:creationId xmlns:a16="http://schemas.microsoft.com/office/drawing/2014/main" xmlns="" id="{C47076D3-12F2-455B-91A6-C3C4BA991D9D}"/>
               </a:ext>
             </a:extLst>
           </p:cNvPr>
@@ -13589,7 +13596,7 @@
           <p:cNvPr id="32" name="矩形 15">
             <a:extLst>
               <a:ext uri="{FF2B5EF4-FFF2-40B4-BE49-F238E27FC236}">
-                <a16:creationId xmlns:a16="http://schemas.microsoft.com/office/drawing/2014/main" id="{14A1C11C-261E-440B-8C29-2C2422867D77}"/>
+                <a16:creationId xmlns:a16="http://schemas.microsoft.com/office/drawing/2014/main" xmlns="" id="{14A1C11C-261E-440B-8C29-2C2422867D77}"/>
               </a:ext>
             </a:extLst>
           </p:cNvPr>
@@ -13653,7 +13660,7 @@
           <p:cNvPr id="33" name="矩形 16">
             <a:extLst>
               <a:ext uri="{FF2B5EF4-FFF2-40B4-BE49-F238E27FC236}">
-                <a16:creationId xmlns:a16="http://schemas.microsoft.com/office/drawing/2014/main" id="{1E099F5A-27A1-4829-80DF-E9BA27A29F6A}"/>
+                <a16:creationId xmlns:a16="http://schemas.microsoft.com/office/drawing/2014/main" xmlns="" id="{1E099F5A-27A1-4829-80DF-E9BA27A29F6A}"/>
               </a:ext>
             </a:extLst>
           </p:cNvPr>
@@ -13725,7 +13732,7 @@
           <p:cNvPr id="34" name="矩形 17">
             <a:extLst>
               <a:ext uri="{FF2B5EF4-FFF2-40B4-BE49-F238E27FC236}">
-                <a16:creationId xmlns:a16="http://schemas.microsoft.com/office/drawing/2014/main" id="{C2F7121F-64BF-4D27-90CA-E3A5761DB752}"/>
+                <a16:creationId xmlns:a16="http://schemas.microsoft.com/office/drawing/2014/main" xmlns="" id="{C2F7121F-64BF-4D27-90CA-E3A5761DB752}"/>
               </a:ext>
             </a:extLst>
           </p:cNvPr>
@@ -13779,7 +13786,7 @@
           <p:cNvPr id="35" name="文字方塊 18">
             <a:extLst>
               <a:ext uri="{FF2B5EF4-FFF2-40B4-BE49-F238E27FC236}">
-                <a16:creationId xmlns:a16="http://schemas.microsoft.com/office/drawing/2014/main" id="{1D29CB4A-5938-486A-9B69-1C4863EBF835}"/>
+                <a16:creationId xmlns:a16="http://schemas.microsoft.com/office/drawing/2014/main" xmlns="" id="{1D29CB4A-5938-486A-9B69-1C4863EBF835}"/>
               </a:ext>
             </a:extLst>
           </p:cNvPr>
@@ -13826,7 +13833,7 @@
           <p:cNvPr id="36" name="文字方塊 19">
             <a:extLst>
               <a:ext uri="{FF2B5EF4-FFF2-40B4-BE49-F238E27FC236}">
-                <a16:creationId xmlns:a16="http://schemas.microsoft.com/office/drawing/2014/main" id="{5D01598A-BC8E-452D-99D7-9A19476E2209}"/>
+                <a16:creationId xmlns:a16="http://schemas.microsoft.com/office/drawing/2014/main" xmlns="" id="{5D01598A-BC8E-452D-99D7-9A19476E2209}"/>
               </a:ext>
             </a:extLst>
           </p:cNvPr>
@@ -13872,7 +13879,7 @@
           <p:cNvPr id="37" name="文字方塊 20">
             <a:extLst>
               <a:ext uri="{FF2B5EF4-FFF2-40B4-BE49-F238E27FC236}">
-                <a16:creationId xmlns:a16="http://schemas.microsoft.com/office/drawing/2014/main" id="{710C7FF3-F020-484B-AE3E-C742E1A1ECA1}"/>
+                <a16:creationId xmlns:a16="http://schemas.microsoft.com/office/drawing/2014/main" xmlns="" id="{710C7FF3-F020-484B-AE3E-C742E1A1ECA1}"/>
               </a:ext>
             </a:extLst>
           </p:cNvPr>
@@ -13918,7 +13925,7 @@
           <p:cNvPr id="41" name="文字方塊 21">
             <a:extLst>
               <a:ext uri="{FF2B5EF4-FFF2-40B4-BE49-F238E27FC236}">
-                <a16:creationId xmlns:a16="http://schemas.microsoft.com/office/drawing/2014/main" id="{E44FE225-C03F-4FC4-AF79-884B9E2A38A6}"/>
+                <a16:creationId xmlns:a16="http://schemas.microsoft.com/office/drawing/2014/main" xmlns="" id="{E44FE225-C03F-4FC4-AF79-884B9E2A38A6}"/>
               </a:ext>
             </a:extLst>
           </p:cNvPr>
@@ -14025,7 +14032,7 @@
           <p:cNvPr id="42" name="文字方塊 20">
             <a:extLst>
               <a:ext uri="{FF2B5EF4-FFF2-40B4-BE49-F238E27FC236}">
-                <a16:creationId xmlns:a16="http://schemas.microsoft.com/office/drawing/2014/main" id="{4A52D2E5-6117-4902-9AC4-728FF7B5C906}"/>
+                <a16:creationId xmlns:a16="http://schemas.microsoft.com/office/drawing/2014/main" xmlns="" id="{4A52D2E5-6117-4902-9AC4-728FF7B5C906}"/>
               </a:ext>
             </a:extLst>
           </p:cNvPr>
@@ -14071,7 +14078,7 @@
           <p:cNvPr id="43" name="文字方塊 21">
             <a:extLst>
               <a:ext uri="{FF2B5EF4-FFF2-40B4-BE49-F238E27FC236}">
-                <a16:creationId xmlns:a16="http://schemas.microsoft.com/office/drawing/2014/main" id="{5CD9B923-72F3-44D0-BBB7-F9B4509B796C}"/>
+                <a16:creationId xmlns:a16="http://schemas.microsoft.com/office/drawing/2014/main" xmlns="" id="{5CD9B923-72F3-44D0-BBB7-F9B4509B796C}"/>
               </a:ext>
             </a:extLst>
           </p:cNvPr>
@@ -14539,7 +14546,7 @@
           <p:cNvPr id="2" name="標題 1">
             <a:extLst>
               <a:ext uri="{FF2B5EF4-FFF2-40B4-BE49-F238E27FC236}">
-                <a16:creationId xmlns:a16="http://schemas.microsoft.com/office/drawing/2014/main" id="{7C682F12-A26B-4A8B-B825-20E4F49F4788}"/>
+                <a16:creationId xmlns:a16="http://schemas.microsoft.com/office/drawing/2014/main" xmlns="" id="{7C682F12-A26B-4A8B-B825-20E4F49F4788}"/>
               </a:ext>
             </a:extLst>
           </p:cNvPr>
@@ -14564,7 +14571,7 @@
           <p:cNvPr id="3" name="內容版面配置區 2">
             <a:extLst>
               <a:ext uri="{FF2B5EF4-FFF2-40B4-BE49-F238E27FC236}">
-                <a16:creationId xmlns:a16="http://schemas.microsoft.com/office/drawing/2014/main" id="{F3205601-1379-454D-8099-B1BD56FD947F}"/>
+                <a16:creationId xmlns:a16="http://schemas.microsoft.com/office/drawing/2014/main" xmlns="" id="{F3205601-1379-454D-8099-B1BD56FD947F}"/>
               </a:ext>
             </a:extLst>
           </p:cNvPr>
@@ -14589,7 +14596,7 @@
           <p:cNvPr id="4" name="矩形 3">
             <a:extLst>
               <a:ext uri="{FF2B5EF4-FFF2-40B4-BE49-F238E27FC236}">
-                <a16:creationId xmlns:a16="http://schemas.microsoft.com/office/drawing/2014/main" id="{F194E2B7-11F7-4004-84BA-EA643EED2BDD}"/>
+                <a16:creationId xmlns:a16="http://schemas.microsoft.com/office/drawing/2014/main" xmlns="" id="{F194E2B7-11F7-4004-84BA-EA643EED2BDD}"/>
               </a:ext>
             </a:extLst>
           </p:cNvPr>
@@ -14644,7 +14651,7 @@
           <p:cNvPr id="5" name="矩形 4">
             <a:extLst>
               <a:ext uri="{FF2B5EF4-FFF2-40B4-BE49-F238E27FC236}">
-                <a16:creationId xmlns:a16="http://schemas.microsoft.com/office/drawing/2014/main" id="{FED41C80-97E6-423F-93F8-2439EA2B8951}"/>
+                <a16:creationId xmlns:a16="http://schemas.microsoft.com/office/drawing/2014/main" xmlns="" id="{FED41C80-97E6-423F-93F8-2439EA2B8951}"/>
               </a:ext>
             </a:extLst>
           </p:cNvPr>
@@ -14696,7 +14703,7 @@
           <p:cNvPr id="7" name="文字方塊 6">
             <a:extLst>
               <a:ext uri="{FF2B5EF4-FFF2-40B4-BE49-F238E27FC236}">
-                <a16:creationId xmlns:a16="http://schemas.microsoft.com/office/drawing/2014/main" id="{4FEA02E5-9C85-4FB6-B6CC-93C3AB69BD57}"/>
+                <a16:creationId xmlns:a16="http://schemas.microsoft.com/office/drawing/2014/main" xmlns="" id="{4FEA02E5-9C85-4FB6-B6CC-93C3AB69BD57}"/>
               </a:ext>
             </a:extLst>
           </p:cNvPr>
@@ -14773,7 +14780,7 @@
           <p:cNvPr id="8" name="文字方塊 7">
             <a:extLst>
               <a:ext uri="{FF2B5EF4-FFF2-40B4-BE49-F238E27FC236}">
-                <a16:creationId xmlns:a16="http://schemas.microsoft.com/office/drawing/2014/main" id="{AB184E4D-4597-480B-A1A5-DB5D6F45804F}"/>
+                <a16:creationId xmlns:a16="http://schemas.microsoft.com/office/drawing/2014/main" xmlns="" id="{AB184E4D-4597-480B-A1A5-DB5D6F45804F}"/>
               </a:ext>
             </a:extLst>
           </p:cNvPr>
@@ -14831,7 +14838,7 @@
           <p:cNvPr id="9" name="文字方塊 8">
             <a:extLst>
               <a:ext uri="{FF2B5EF4-FFF2-40B4-BE49-F238E27FC236}">
-                <a16:creationId xmlns:a16="http://schemas.microsoft.com/office/drawing/2014/main" id="{D329A510-E83B-4003-AC2A-AEF7EDA692D4}"/>
+                <a16:creationId xmlns:a16="http://schemas.microsoft.com/office/drawing/2014/main" xmlns="" id="{D329A510-E83B-4003-AC2A-AEF7EDA692D4}"/>
               </a:ext>
             </a:extLst>
           </p:cNvPr>
@@ -14955,7 +14962,7 @@
           <p:cNvPr id="22" name="矩形 3">
             <a:extLst>
               <a:ext uri="{FF2B5EF4-FFF2-40B4-BE49-F238E27FC236}">
-                <a16:creationId xmlns:a16="http://schemas.microsoft.com/office/drawing/2014/main" id="{AC167845-82AC-4B39-8198-B9E73F081CCD}"/>
+                <a16:creationId xmlns:a16="http://schemas.microsoft.com/office/drawing/2014/main" xmlns="" id="{AC167845-82AC-4B39-8198-B9E73F081CCD}"/>
               </a:ext>
             </a:extLst>
           </p:cNvPr>
@@ -15014,7 +15021,7 @@
           <p:cNvPr id="23" name="矩形 4">
             <a:extLst>
               <a:ext uri="{FF2B5EF4-FFF2-40B4-BE49-F238E27FC236}">
-                <a16:creationId xmlns:a16="http://schemas.microsoft.com/office/drawing/2014/main" id="{BFF19E05-7F0B-4D53-80A0-D5568C6C5E7E}"/>
+                <a16:creationId xmlns:a16="http://schemas.microsoft.com/office/drawing/2014/main" xmlns="" id="{BFF19E05-7F0B-4D53-80A0-D5568C6C5E7E}"/>
               </a:ext>
             </a:extLst>
           </p:cNvPr>
@@ -15066,7 +15073,7 @@
           <p:cNvPr id="24" name="文字方塊 5">
             <a:extLst>
               <a:ext uri="{FF2B5EF4-FFF2-40B4-BE49-F238E27FC236}">
-                <a16:creationId xmlns:a16="http://schemas.microsoft.com/office/drawing/2014/main" id="{345E91AF-1F31-4DE1-ABCD-8C0326089302}"/>
+                <a16:creationId xmlns:a16="http://schemas.microsoft.com/office/drawing/2014/main" xmlns="" id="{345E91AF-1F31-4DE1-ABCD-8C0326089302}"/>
               </a:ext>
             </a:extLst>
           </p:cNvPr>
@@ -15124,7 +15131,7 @@
           <p:cNvPr id="25" name="文字方塊 6">
             <a:extLst>
               <a:ext uri="{FF2B5EF4-FFF2-40B4-BE49-F238E27FC236}">
-                <a16:creationId xmlns:a16="http://schemas.microsoft.com/office/drawing/2014/main" id="{AFA5128D-FDC6-49CF-B065-490ED7618382}"/>
+                <a16:creationId xmlns:a16="http://schemas.microsoft.com/office/drawing/2014/main" xmlns="" id="{AFA5128D-FDC6-49CF-B065-490ED7618382}"/>
               </a:ext>
             </a:extLst>
           </p:cNvPr>
@@ -15201,7 +15208,7 @@
           <p:cNvPr id="26" name="文字方塊 7">
             <a:extLst>
               <a:ext uri="{FF2B5EF4-FFF2-40B4-BE49-F238E27FC236}">
-                <a16:creationId xmlns:a16="http://schemas.microsoft.com/office/drawing/2014/main" id="{500E8BF5-A714-4F7E-B7D2-041B71BE2C03}"/>
+                <a16:creationId xmlns:a16="http://schemas.microsoft.com/office/drawing/2014/main" xmlns="" id="{500E8BF5-A714-4F7E-B7D2-041B71BE2C03}"/>
               </a:ext>
             </a:extLst>
           </p:cNvPr>
@@ -15244,7 +15251,7 @@
           <p:cNvPr id="27" name="文字方塊 8">
             <a:extLst>
               <a:ext uri="{FF2B5EF4-FFF2-40B4-BE49-F238E27FC236}">
-                <a16:creationId xmlns:a16="http://schemas.microsoft.com/office/drawing/2014/main" id="{FFE8DD17-A16E-4199-9B5D-237044F47F7E}"/>
+                <a16:creationId xmlns:a16="http://schemas.microsoft.com/office/drawing/2014/main" xmlns="" id="{FFE8DD17-A16E-4199-9B5D-237044F47F7E}"/>
               </a:ext>
             </a:extLst>
           </p:cNvPr>
@@ -15287,7 +15294,7 @@
           <p:cNvPr id="28" name="文字方塊 9">
             <a:extLst>
               <a:ext uri="{FF2B5EF4-FFF2-40B4-BE49-F238E27FC236}">
-                <a16:creationId xmlns:a16="http://schemas.microsoft.com/office/drawing/2014/main" id="{8EB946F6-2EEC-44AF-B2BF-2AA8B4F2CBC4}"/>
+                <a16:creationId xmlns:a16="http://schemas.microsoft.com/office/drawing/2014/main" xmlns="" id="{8EB946F6-2EEC-44AF-B2BF-2AA8B4F2CBC4}"/>
               </a:ext>
             </a:extLst>
           </p:cNvPr>
@@ -15322,7 +15329,7 @@
           <p:cNvPr id="29" name="文字方塊 10">
             <a:extLst>
               <a:ext uri="{FF2B5EF4-FFF2-40B4-BE49-F238E27FC236}">
-                <a16:creationId xmlns:a16="http://schemas.microsoft.com/office/drawing/2014/main" id="{582EF791-130E-440F-A226-EA7E4EB5AC28}"/>
+                <a16:creationId xmlns:a16="http://schemas.microsoft.com/office/drawing/2014/main" xmlns="" id="{582EF791-130E-440F-A226-EA7E4EB5AC28}"/>
               </a:ext>
             </a:extLst>
           </p:cNvPr>
@@ -15416,7 +15423,7 @@
           <p:cNvPr id="30" name="文字方塊 12">
             <a:extLst>
               <a:ext uri="{FF2B5EF4-FFF2-40B4-BE49-F238E27FC236}">
-                <a16:creationId xmlns:a16="http://schemas.microsoft.com/office/drawing/2014/main" id="{0B05D7D0-BAE6-4995-934B-E00CFFD98FA0}"/>
+                <a16:creationId xmlns:a16="http://schemas.microsoft.com/office/drawing/2014/main" xmlns="" id="{0B05D7D0-BAE6-4995-934B-E00CFFD98FA0}"/>
               </a:ext>
             </a:extLst>
           </p:cNvPr>
@@ -15462,7 +15469,7 @@
           <p:cNvPr id="31" name="矩形 13">
             <a:extLst>
               <a:ext uri="{FF2B5EF4-FFF2-40B4-BE49-F238E27FC236}">
-                <a16:creationId xmlns:a16="http://schemas.microsoft.com/office/drawing/2014/main" id="{C47076D3-12F2-455B-91A6-C3C4BA991D9D}"/>
+                <a16:creationId xmlns:a16="http://schemas.microsoft.com/office/drawing/2014/main" xmlns="" id="{C47076D3-12F2-455B-91A6-C3C4BA991D9D}"/>
               </a:ext>
             </a:extLst>
           </p:cNvPr>
@@ -15516,7 +15523,7 @@
           <p:cNvPr id="32" name="矩形 15">
             <a:extLst>
               <a:ext uri="{FF2B5EF4-FFF2-40B4-BE49-F238E27FC236}">
-                <a16:creationId xmlns:a16="http://schemas.microsoft.com/office/drawing/2014/main" id="{14A1C11C-261E-440B-8C29-2C2422867D77}"/>
+                <a16:creationId xmlns:a16="http://schemas.microsoft.com/office/drawing/2014/main" xmlns="" id="{14A1C11C-261E-440B-8C29-2C2422867D77}"/>
               </a:ext>
             </a:extLst>
           </p:cNvPr>
@@ -15580,7 +15587,7 @@
           <p:cNvPr id="33" name="矩形 16">
             <a:extLst>
               <a:ext uri="{FF2B5EF4-FFF2-40B4-BE49-F238E27FC236}">
-                <a16:creationId xmlns:a16="http://schemas.microsoft.com/office/drawing/2014/main" id="{1E099F5A-27A1-4829-80DF-E9BA27A29F6A}"/>
+                <a16:creationId xmlns:a16="http://schemas.microsoft.com/office/drawing/2014/main" xmlns="" id="{1E099F5A-27A1-4829-80DF-E9BA27A29F6A}"/>
               </a:ext>
             </a:extLst>
           </p:cNvPr>
@@ -15652,7 +15659,7 @@
           <p:cNvPr id="34" name="矩形 17">
             <a:extLst>
               <a:ext uri="{FF2B5EF4-FFF2-40B4-BE49-F238E27FC236}">
-                <a16:creationId xmlns:a16="http://schemas.microsoft.com/office/drawing/2014/main" id="{C2F7121F-64BF-4D27-90CA-E3A5761DB752}"/>
+                <a16:creationId xmlns:a16="http://schemas.microsoft.com/office/drawing/2014/main" xmlns="" id="{C2F7121F-64BF-4D27-90CA-E3A5761DB752}"/>
               </a:ext>
             </a:extLst>
           </p:cNvPr>
@@ -15706,7 +15713,7 @@
           <p:cNvPr id="35" name="文字方塊 18">
             <a:extLst>
               <a:ext uri="{FF2B5EF4-FFF2-40B4-BE49-F238E27FC236}">
-                <a16:creationId xmlns:a16="http://schemas.microsoft.com/office/drawing/2014/main" id="{1D29CB4A-5938-486A-9B69-1C4863EBF835}"/>
+                <a16:creationId xmlns:a16="http://schemas.microsoft.com/office/drawing/2014/main" xmlns="" id="{1D29CB4A-5938-486A-9B69-1C4863EBF835}"/>
               </a:ext>
             </a:extLst>
           </p:cNvPr>
@@ -15753,7 +15760,7 @@
           <p:cNvPr id="36" name="文字方塊 19">
             <a:extLst>
               <a:ext uri="{FF2B5EF4-FFF2-40B4-BE49-F238E27FC236}">
-                <a16:creationId xmlns:a16="http://schemas.microsoft.com/office/drawing/2014/main" id="{5D01598A-BC8E-452D-99D7-9A19476E2209}"/>
+                <a16:creationId xmlns:a16="http://schemas.microsoft.com/office/drawing/2014/main" xmlns="" id="{5D01598A-BC8E-452D-99D7-9A19476E2209}"/>
               </a:ext>
             </a:extLst>
           </p:cNvPr>
@@ -15799,7 +15806,7 @@
           <p:cNvPr id="37" name="文字方塊 20">
             <a:extLst>
               <a:ext uri="{FF2B5EF4-FFF2-40B4-BE49-F238E27FC236}">
-                <a16:creationId xmlns:a16="http://schemas.microsoft.com/office/drawing/2014/main" id="{710C7FF3-F020-484B-AE3E-C742E1A1ECA1}"/>
+                <a16:creationId xmlns:a16="http://schemas.microsoft.com/office/drawing/2014/main" xmlns="" id="{710C7FF3-F020-484B-AE3E-C742E1A1ECA1}"/>
               </a:ext>
             </a:extLst>
           </p:cNvPr>
@@ -15845,7 +15852,7 @@
           <p:cNvPr id="5" name="Group 4">
             <a:extLst>
               <a:ext uri="{FF2B5EF4-FFF2-40B4-BE49-F238E27FC236}">
-                <a16:creationId xmlns:a16="http://schemas.microsoft.com/office/drawing/2014/main" id="{046CB3DE-0C4C-4AA2-8F91-9AC21EE8EC24}"/>
+                <a16:creationId xmlns:a16="http://schemas.microsoft.com/office/drawing/2014/main" xmlns="" id="{046CB3DE-0C4C-4AA2-8F91-9AC21EE8EC24}"/>
               </a:ext>
             </a:extLst>
           </p:cNvPr>
@@ -15865,7 +15872,7 @@
             <p:cNvPr id="21" name="Google Shape;83;p16">
               <a:extLst>
                 <a:ext uri="{FF2B5EF4-FFF2-40B4-BE49-F238E27FC236}">
-                  <a16:creationId xmlns:a16="http://schemas.microsoft.com/office/drawing/2014/main" id="{8D1A771A-F97B-49E3-90A1-AE79093DC861}"/>
+                  <a16:creationId xmlns:a16="http://schemas.microsoft.com/office/drawing/2014/main" xmlns="" id="{8D1A771A-F97B-49E3-90A1-AE79093DC861}"/>
                 </a:ext>
               </a:extLst>
             </p:cNvPr>
@@ -15899,7 +15906,7 @@
             <p:cNvPr id="38" name="矩形 4">
               <a:extLst>
                 <a:ext uri="{FF2B5EF4-FFF2-40B4-BE49-F238E27FC236}">
-                  <a16:creationId xmlns:a16="http://schemas.microsoft.com/office/drawing/2014/main" id="{81712B43-F474-4202-9B8A-E15A20669DAA}"/>
+                  <a16:creationId xmlns:a16="http://schemas.microsoft.com/office/drawing/2014/main" xmlns="" id="{81712B43-F474-4202-9B8A-E15A20669DAA}"/>
                 </a:ext>
               </a:extLst>
             </p:cNvPr>
@@ -15953,7 +15960,7 @@
             <p:cNvPr id="40" name="文字方塊 6">
               <a:extLst>
                 <a:ext uri="{FF2B5EF4-FFF2-40B4-BE49-F238E27FC236}">
-                  <a16:creationId xmlns:a16="http://schemas.microsoft.com/office/drawing/2014/main" id="{01D20FCD-BA91-4B70-835D-3E1BDE452024}"/>
+                  <a16:creationId xmlns:a16="http://schemas.microsoft.com/office/drawing/2014/main" xmlns="" id="{01D20FCD-BA91-4B70-835D-3E1BDE452024}"/>
                 </a:ext>
               </a:extLst>
             </p:cNvPr>
@@ -16005,7 +16012,7 @@
             <p:cNvPr id="4" name="Picture 3">
               <a:extLst>
                 <a:ext uri="{FF2B5EF4-FFF2-40B4-BE49-F238E27FC236}">
-                  <a16:creationId xmlns:a16="http://schemas.microsoft.com/office/drawing/2014/main" id="{EF5B2090-F61C-4DC1-89B6-18D641C29427}"/>
+                  <a16:creationId xmlns:a16="http://schemas.microsoft.com/office/drawing/2014/main" xmlns="" id="{EF5B2090-F61C-4DC1-89B6-18D641C29427}"/>
                 </a:ext>
               </a:extLst>
             </p:cNvPr>
@@ -16382,7 +16389,7 @@
           <p:cNvPr id="22" name="矩形 3">
             <a:extLst>
               <a:ext uri="{FF2B5EF4-FFF2-40B4-BE49-F238E27FC236}">
-                <a16:creationId xmlns:a16="http://schemas.microsoft.com/office/drawing/2014/main" id="{AC167845-82AC-4B39-8198-B9E73F081CCD}"/>
+                <a16:creationId xmlns:a16="http://schemas.microsoft.com/office/drawing/2014/main" xmlns="" id="{AC167845-82AC-4B39-8198-B9E73F081CCD}"/>
               </a:ext>
             </a:extLst>
           </p:cNvPr>
@@ -16441,7 +16448,7 @@
           <p:cNvPr id="23" name="矩形 4">
             <a:extLst>
               <a:ext uri="{FF2B5EF4-FFF2-40B4-BE49-F238E27FC236}">
-                <a16:creationId xmlns:a16="http://schemas.microsoft.com/office/drawing/2014/main" id="{BFF19E05-7F0B-4D53-80A0-D5568C6C5E7E}"/>
+                <a16:creationId xmlns:a16="http://schemas.microsoft.com/office/drawing/2014/main" xmlns="" id="{BFF19E05-7F0B-4D53-80A0-D5568C6C5E7E}"/>
               </a:ext>
             </a:extLst>
           </p:cNvPr>
@@ -16493,7 +16500,7 @@
           <p:cNvPr id="24" name="文字方塊 5">
             <a:extLst>
               <a:ext uri="{FF2B5EF4-FFF2-40B4-BE49-F238E27FC236}">
-                <a16:creationId xmlns:a16="http://schemas.microsoft.com/office/drawing/2014/main" id="{345E91AF-1F31-4DE1-ABCD-8C0326089302}"/>
+                <a16:creationId xmlns:a16="http://schemas.microsoft.com/office/drawing/2014/main" xmlns="" id="{345E91AF-1F31-4DE1-ABCD-8C0326089302}"/>
               </a:ext>
             </a:extLst>
           </p:cNvPr>
@@ -16551,7 +16558,7 @@
           <p:cNvPr id="25" name="文字方塊 6">
             <a:extLst>
               <a:ext uri="{FF2B5EF4-FFF2-40B4-BE49-F238E27FC236}">
-                <a16:creationId xmlns:a16="http://schemas.microsoft.com/office/drawing/2014/main" id="{AFA5128D-FDC6-49CF-B065-490ED7618382}"/>
+                <a16:creationId xmlns:a16="http://schemas.microsoft.com/office/drawing/2014/main" xmlns="" id="{AFA5128D-FDC6-49CF-B065-490ED7618382}"/>
               </a:ext>
             </a:extLst>
           </p:cNvPr>
@@ -16628,7 +16635,7 @@
           <p:cNvPr id="26" name="文字方塊 7">
             <a:extLst>
               <a:ext uri="{FF2B5EF4-FFF2-40B4-BE49-F238E27FC236}">
-                <a16:creationId xmlns:a16="http://schemas.microsoft.com/office/drawing/2014/main" id="{500E8BF5-A714-4F7E-B7D2-041B71BE2C03}"/>
+                <a16:creationId xmlns:a16="http://schemas.microsoft.com/office/drawing/2014/main" xmlns="" id="{500E8BF5-A714-4F7E-B7D2-041B71BE2C03}"/>
               </a:ext>
             </a:extLst>
           </p:cNvPr>
@@ -16671,7 +16678,7 @@
           <p:cNvPr id="27" name="文字方塊 8">
             <a:extLst>
               <a:ext uri="{FF2B5EF4-FFF2-40B4-BE49-F238E27FC236}">
-                <a16:creationId xmlns:a16="http://schemas.microsoft.com/office/drawing/2014/main" id="{FFE8DD17-A16E-4199-9B5D-237044F47F7E}"/>
+                <a16:creationId xmlns:a16="http://schemas.microsoft.com/office/drawing/2014/main" xmlns="" id="{FFE8DD17-A16E-4199-9B5D-237044F47F7E}"/>
               </a:ext>
             </a:extLst>
           </p:cNvPr>
@@ -16714,7 +16721,7 @@
           <p:cNvPr id="28" name="文字方塊 9">
             <a:extLst>
               <a:ext uri="{FF2B5EF4-FFF2-40B4-BE49-F238E27FC236}">
-                <a16:creationId xmlns:a16="http://schemas.microsoft.com/office/drawing/2014/main" id="{8EB946F6-2EEC-44AF-B2BF-2AA8B4F2CBC4}"/>
+                <a16:creationId xmlns:a16="http://schemas.microsoft.com/office/drawing/2014/main" xmlns="" id="{8EB946F6-2EEC-44AF-B2BF-2AA8B4F2CBC4}"/>
               </a:ext>
             </a:extLst>
           </p:cNvPr>
@@ -16749,7 +16756,7 @@
           <p:cNvPr id="29" name="文字方塊 10">
             <a:extLst>
               <a:ext uri="{FF2B5EF4-FFF2-40B4-BE49-F238E27FC236}">
-                <a16:creationId xmlns:a16="http://schemas.microsoft.com/office/drawing/2014/main" id="{582EF791-130E-440F-A226-EA7E4EB5AC28}"/>
+                <a16:creationId xmlns:a16="http://schemas.microsoft.com/office/drawing/2014/main" xmlns="" id="{582EF791-130E-440F-A226-EA7E4EB5AC28}"/>
               </a:ext>
             </a:extLst>
           </p:cNvPr>
@@ -16843,7 +16850,7 @@
           <p:cNvPr id="30" name="文字方塊 12">
             <a:extLst>
               <a:ext uri="{FF2B5EF4-FFF2-40B4-BE49-F238E27FC236}">
-                <a16:creationId xmlns:a16="http://schemas.microsoft.com/office/drawing/2014/main" id="{0B05D7D0-BAE6-4995-934B-E00CFFD98FA0}"/>
+                <a16:creationId xmlns:a16="http://schemas.microsoft.com/office/drawing/2014/main" xmlns="" id="{0B05D7D0-BAE6-4995-934B-E00CFFD98FA0}"/>
               </a:ext>
             </a:extLst>
           </p:cNvPr>
@@ -16889,7 +16896,7 @@
           <p:cNvPr id="31" name="矩形 13">
             <a:extLst>
               <a:ext uri="{FF2B5EF4-FFF2-40B4-BE49-F238E27FC236}">
-                <a16:creationId xmlns:a16="http://schemas.microsoft.com/office/drawing/2014/main" id="{C47076D3-12F2-455B-91A6-C3C4BA991D9D}"/>
+                <a16:creationId xmlns:a16="http://schemas.microsoft.com/office/drawing/2014/main" xmlns="" id="{C47076D3-12F2-455B-91A6-C3C4BA991D9D}"/>
               </a:ext>
             </a:extLst>
           </p:cNvPr>
@@ -16943,7 +16950,7 @@
           <p:cNvPr id="32" name="矩形 15">
             <a:extLst>
               <a:ext uri="{FF2B5EF4-FFF2-40B4-BE49-F238E27FC236}">
-                <a16:creationId xmlns:a16="http://schemas.microsoft.com/office/drawing/2014/main" id="{14A1C11C-261E-440B-8C29-2C2422867D77}"/>
+                <a16:creationId xmlns:a16="http://schemas.microsoft.com/office/drawing/2014/main" xmlns="" id="{14A1C11C-261E-440B-8C29-2C2422867D77}"/>
               </a:ext>
             </a:extLst>
           </p:cNvPr>
@@ -17007,7 +17014,7 @@
           <p:cNvPr id="33" name="矩形 16">
             <a:extLst>
               <a:ext uri="{FF2B5EF4-FFF2-40B4-BE49-F238E27FC236}">
-                <a16:creationId xmlns:a16="http://schemas.microsoft.com/office/drawing/2014/main" id="{1E099F5A-27A1-4829-80DF-E9BA27A29F6A}"/>
+                <a16:creationId xmlns:a16="http://schemas.microsoft.com/office/drawing/2014/main" xmlns="" id="{1E099F5A-27A1-4829-80DF-E9BA27A29F6A}"/>
               </a:ext>
             </a:extLst>
           </p:cNvPr>
@@ -17079,7 +17086,7 @@
           <p:cNvPr id="34" name="矩形 17">
             <a:extLst>
               <a:ext uri="{FF2B5EF4-FFF2-40B4-BE49-F238E27FC236}">
-                <a16:creationId xmlns:a16="http://schemas.microsoft.com/office/drawing/2014/main" id="{C2F7121F-64BF-4D27-90CA-E3A5761DB752}"/>
+                <a16:creationId xmlns:a16="http://schemas.microsoft.com/office/drawing/2014/main" xmlns="" id="{C2F7121F-64BF-4D27-90CA-E3A5761DB752}"/>
               </a:ext>
             </a:extLst>
           </p:cNvPr>
@@ -17133,7 +17140,7 @@
           <p:cNvPr id="35" name="文字方塊 18">
             <a:extLst>
               <a:ext uri="{FF2B5EF4-FFF2-40B4-BE49-F238E27FC236}">
-                <a16:creationId xmlns:a16="http://schemas.microsoft.com/office/drawing/2014/main" id="{1D29CB4A-5938-486A-9B69-1C4863EBF835}"/>
+                <a16:creationId xmlns:a16="http://schemas.microsoft.com/office/drawing/2014/main" xmlns="" id="{1D29CB4A-5938-486A-9B69-1C4863EBF835}"/>
               </a:ext>
             </a:extLst>
           </p:cNvPr>
@@ -17180,7 +17187,7 @@
           <p:cNvPr id="36" name="文字方塊 19">
             <a:extLst>
               <a:ext uri="{FF2B5EF4-FFF2-40B4-BE49-F238E27FC236}">
-                <a16:creationId xmlns:a16="http://schemas.microsoft.com/office/drawing/2014/main" id="{5D01598A-BC8E-452D-99D7-9A19476E2209}"/>
+                <a16:creationId xmlns:a16="http://schemas.microsoft.com/office/drawing/2014/main" xmlns="" id="{5D01598A-BC8E-452D-99D7-9A19476E2209}"/>
               </a:ext>
             </a:extLst>
           </p:cNvPr>
@@ -17226,7 +17233,7 @@
           <p:cNvPr id="37" name="文字方塊 20">
             <a:extLst>
               <a:ext uri="{FF2B5EF4-FFF2-40B4-BE49-F238E27FC236}">
-                <a16:creationId xmlns:a16="http://schemas.microsoft.com/office/drawing/2014/main" id="{710C7FF3-F020-484B-AE3E-C742E1A1ECA1}"/>
+                <a16:creationId xmlns:a16="http://schemas.microsoft.com/office/drawing/2014/main" xmlns="" id="{710C7FF3-F020-484B-AE3E-C742E1A1ECA1}"/>
               </a:ext>
             </a:extLst>
           </p:cNvPr>
@@ -17269,22 +17276,16 @@
       </p:sp>
       <p:grpSp>
         <p:nvGrpSpPr>
-          <p:cNvPr id="2" name="Group 1">
-            <a:extLst>
-              <a:ext uri="{FF2B5EF4-FFF2-40B4-BE49-F238E27FC236}">
-                <a16:creationId xmlns:a16="http://schemas.microsoft.com/office/drawing/2014/main" id="{2192AEB9-F942-4141-BB8F-D0C2853316B1}"/>
-              </a:ext>
-            </a:extLst>
-          </p:cNvPr>
+          <p:cNvPr id="6" name="群組 5"/>
           <p:cNvGrpSpPr/>
           <p:nvPr/>
         </p:nvGrpSpPr>
         <p:grpSpPr>
           <a:xfrm>
-            <a:off x="532080" y="1872415"/>
-            <a:ext cx="11308218" cy="4157226"/>
-            <a:chOff x="532080" y="1872415"/>
-            <a:chExt cx="11308218" cy="4157226"/>
+            <a:off x="532081" y="1601325"/>
+            <a:ext cx="11308217" cy="4976722"/>
+            <a:chOff x="532081" y="1862988"/>
+            <a:chExt cx="11308217" cy="4976722"/>
           </a:xfrm>
         </p:grpSpPr>
         <p:grpSp>
@@ -17292,7 +17293,7 @@
             <p:cNvPr id="5" name="Group 4">
               <a:extLst>
                 <a:ext uri="{FF2B5EF4-FFF2-40B4-BE49-F238E27FC236}">
-                  <a16:creationId xmlns:a16="http://schemas.microsoft.com/office/drawing/2014/main" id="{046CB3DE-0C4C-4AA2-8F91-9AC21EE8EC24}"/>
+                  <a16:creationId xmlns:a16="http://schemas.microsoft.com/office/drawing/2014/main" xmlns="" id="{046CB3DE-0C4C-4AA2-8F91-9AC21EE8EC24}"/>
                 </a:ext>
               </a:extLst>
             </p:cNvPr>
@@ -17301,9 +17302,9 @@
           </p:nvGrpSpPr>
           <p:grpSpPr>
             <a:xfrm>
-              <a:off x="532081" y="1872415"/>
+              <a:off x="532081" y="1862988"/>
               <a:ext cx="11308217" cy="327322"/>
-              <a:chOff x="-491558" y="1587920"/>
+              <a:chOff x="-491558" y="1577285"/>
               <a:chExt cx="9988365" cy="369277"/>
             </a:xfrm>
           </p:grpSpPr>
@@ -17312,7 +17313,7 @@
               <p:cNvPr id="38" name="矩形 4">
                 <a:extLst>
                   <a:ext uri="{FF2B5EF4-FFF2-40B4-BE49-F238E27FC236}">
-                    <a16:creationId xmlns:a16="http://schemas.microsoft.com/office/drawing/2014/main" id="{81712B43-F474-4202-9B8A-E15A20669DAA}"/>
+                    <a16:creationId xmlns:a16="http://schemas.microsoft.com/office/drawing/2014/main" xmlns="" id="{81712B43-F474-4202-9B8A-E15A20669DAA}"/>
                   </a:ext>
                 </a:extLst>
               </p:cNvPr>
@@ -17321,7 +17322,7 @@
             </p:nvSpPr>
             <p:spPr>
               <a:xfrm>
-                <a:off x="-491558" y="1587920"/>
+                <a:off x="-491558" y="1577285"/>
                 <a:ext cx="9988365" cy="369277"/>
               </a:xfrm>
               <a:prstGeom prst="rect">
@@ -17366,7 +17367,7 @@
               <p:cNvPr id="40" name="文字方塊 6">
                 <a:extLst>
                   <a:ext uri="{FF2B5EF4-FFF2-40B4-BE49-F238E27FC236}">
-                    <a16:creationId xmlns:a16="http://schemas.microsoft.com/office/drawing/2014/main" id="{01D20FCD-BA91-4B70-835D-3E1BDE452024}"/>
+                    <a16:creationId xmlns:a16="http://schemas.microsoft.com/office/drawing/2014/main" xmlns="" id="{01D20FCD-BA91-4B70-835D-3E1BDE452024}"/>
                   </a:ext>
                 </a:extLst>
               </p:cNvPr>
@@ -17418,7 +17419,7 @@
               <p:cNvPr id="4" name="Picture 3">
                 <a:extLst>
                   <a:ext uri="{FF2B5EF4-FFF2-40B4-BE49-F238E27FC236}">
-                    <a16:creationId xmlns:a16="http://schemas.microsoft.com/office/drawing/2014/main" id="{EF5B2090-F61C-4DC1-89B6-18D641C29427}"/>
+                    <a16:creationId xmlns:a16="http://schemas.microsoft.com/office/drawing/2014/main" xmlns="" id="{EF5B2090-F61C-4DC1-89B6-18D641C29427}"/>
                   </a:ext>
                 </a:extLst>
               </p:cNvPr>
@@ -17446,19 +17447,19 @@
         </p:grpSp>
         <p:pic>
           <p:nvPicPr>
-            <p:cNvPr id="41" name="Google Shape;90;p17">
-              <a:extLst>
-                <a:ext uri="{FF2B5EF4-FFF2-40B4-BE49-F238E27FC236}">
-                  <a16:creationId xmlns:a16="http://schemas.microsoft.com/office/drawing/2014/main" id="{6597ECB6-9703-4F53-8FBF-91103ED93C15}"/>
-                </a:ext>
-              </a:extLst>
-            </p:cNvPr>
-            <p:cNvPicPr preferRelativeResize="0"/>
+            <p:cNvPr id="3" name="圖片 2"/>
+            <p:cNvPicPr>
+              <a:picLocks noChangeAspect="1"/>
+            </p:cNvPicPr>
             <p:nvPr/>
           </p:nvPicPr>
           <p:blipFill>
             <a:blip r:embed="rId3">
-              <a:alphaModFix/>
+              <a:extLst>
+                <a:ext uri="{28A0092B-C50C-407E-A947-70E740481C1C}">
+                  <a14:useLocalDpi xmlns:a14="http://schemas.microsoft.com/office/drawing/2010/main" val="0"/>
+                </a:ext>
+              </a:extLst>
             </a:blip>
             <a:stretch>
               <a:fillRect/>
@@ -17466,16 +17467,12 @@
           </p:blipFill>
           <p:spPr>
             <a:xfrm>
-              <a:off x="532080" y="2174737"/>
-              <a:ext cx="11308218" cy="3854904"/>
+              <a:off x="532081" y="2199737"/>
+              <a:ext cx="11308217" cy="4639973"/>
             </a:xfrm>
             <a:prstGeom prst="rect">
               <a:avLst/>
             </a:prstGeom>
-            <a:noFill/>
-            <a:ln>
-              <a:noFill/>
-            </a:ln>
           </p:spPr>
         </p:pic>
       </p:grpSp>
@@ -17748,7 +17745,7 @@
                                           </p:stCondLst>
                                         </p:cTn>
                                         <p:tgtEl>
-                                          <p:spTgt spid="2"/>
+                                          <p:spTgt spid="6"/>
                                         </p:tgtEl>
                                         <p:attrNameLst>
                                           <p:attrName>style.visibility</p:attrName>
@@ -17762,7 +17759,7 @@
                                       <p:cBhvr>
                                         <p:cTn id="26" dur="500"/>
                                         <p:tgtEl>
-                                          <p:spTgt spid="2"/>
+                                          <p:spTgt spid="6"/>
                                         </p:tgtEl>
                                       </p:cBhvr>
                                     </p:animEffect>
@@ -17830,7 +17827,7 @@
           <p:cNvPr id="2" name="標題 1">
             <a:extLst>
               <a:ext uri="{FF2B5EF4-FFF2-40B4-BE49-F238E27FC236}">
-                <a16:creationId xmlns:a16="http://schemas.microsoft.com/office/drawing/2014/main" id="{7C682F12-A26B-4A8B-B825-20E4F49F4788}"/>
+                <a16:creationId xmlns:a16="http://schemas.microsoft.com/office/drawing/2014/main" xmlns="" id="{7C682F12-A26B-4A8B-B825-20E4F49F4788}"/>
               </a:ext>
             </a:extLst>
           </p:cNvPr>
@@ -17855,7 +17852,7 @@
           <p:cNvPr id="3" name="內容版面配置區 2">
             <a:extLst>
               <a:ext uri="{FF2B5EF4-FFF2-40B4-BE49-F238E27FC236}">
-                <a16:creationId xmlns:a16="http://schemas.microsoft.com/office/drawing/2014/main" id="{F3205601-1379-454D-8099-B1BD56FD947F}"/>
+                <a16:creationId xmlns:a16="http://schemas.microsoft.com/office/drawing/2014/main" xmlns="" id="{F3205601-1379-454D-8099-B1BD56FD947F}"/>
               </a:ext>
             </a:extLst>
           </p:cNvPr>
@@ -17880,7 +17877,7 @@
           <p:cNvPr id="4" name="矩形 3">
             <a:extLst>
               <a:ext uri="{FF2B5EF4-FFF2-40B4-BE49-F238E27FC236}">
-                <a16:creationId xmlns:a16="http://schemas.microsoft.com/office/drawing/2014/main" id="{F194E2B7-11F7-4004-84BA-EA643EED2BDD}"/>
+                <a16:creationId xmlns:a16="http://schemas.microsoft.com/office/drawing/2014/main" xmlns="" id="{F194E2B7-11F7-4004-84BA-EA643EED2BDD}"/>
               </a:ext>
             </a:extLst>
           </p:cNvPr>
@@ -17935,7 +17932,7 @@
           <p:cNvPr id="5" name="矩形 4">
             <a:extLst>
               <a:ext uri="{FF2B5EF4-FFF2-40B4-BE49-F238E27FC236}">
-                <a16:creationId xmlns:a16="http://schemas.microsoft.com/office/drawing/2014/main" id="{FED41C80-97E6-423F-93F8-2439EA2B8951}"/>
+                <a16:creationId xmlns:a16="http://schemas.microsoft.com/office/drawing/2014/main" xmlns="" id="{FED41C80-97E6-423F-93F8-2439EA2B8951}"/>
               </a:ext>
             </a:extLst>
           </p:cNvPr>
@@ -17987,7 +17984,7 @@
           <p:cNvPr id="7" name="文字方塊 6">
             <a:extLst>
               <a:ext uri="{FF2B5EF4-FFF2-40B4-BE49-F238E27FC236}">
-                <a16:creationId xmlns:a16="http://schemas.microsoft.com/office/drawing/2014/main" id="{4FEA02E5-9C85-4FB6-B6CC-93C3AB69BD57}"/>
+                <a16:creationId xmlns:a16="http://schemas.microsoft.com/office/drawing/2014/main" xmlns="" id="{4FEA02E5-9C85-4FB6-B6CC-93C3AB69BD57}"/>
               </a:ext>
             </a:extLst>
           </p:cNvPr>
@@ -18064,7 +18061,7 @@
           <p:cNvPr id="8" name="文字方塊 7">
             <a:extLst>
               <a:ext uri="{FF2B5EF4-FFF2-40B4-BE49-F238E27FC236}">
-                <a16:creationId xmlns:a16="http://schemas.microsoft.com/office/drawing/2014/main" id="{AB184E4D-4597-480B-A1A5-DB5D6F45804F}"/>
+                <a16:creationId xmlns:a16="http://schemas.microsoft.com/office/drawing/2014/main" xmlns="" id="{AB184E4D-4597-480B-A1A5-DB5D6F45804F}"/>
               </a:ext>
             </a:extLst>
           </p:cNvPr>
@@ -18122,7 +18119,7 @@
           <p:cNvPr id="9" name="文字方塊 8">
             <a:extLst>
               <a:ext uri="{FF2B5EF4-FFF2-40B4-BE49-F238E27FC236}">
-                <a16:creationId xmlns:a16="http://schemas.microsoft.com/office/drawing/2014/main" id="{D329A510-E83B-4003-AC2A-AEF7EDA692D4}"/>
+                <a16:creationId xmlns:a16="http://schemas.microsoft.com/office/drawing/2014/main" xmlns="" id="{D329A510-E83B-4003-AC2A-AEF7EDA692D4}"/>
               </a:ext>
             </a:extLst>
           </p:cNvPr>
@@ -18221,6 +18218,13 @@
   <p:clrMapOvr>
     <a:masterClrMapping/>
   </p:clrMapOvr>
+  <p:timing>
+    <p:tnLst>
+      <p:par>
+        <p:cTn id="1" dur="indefinite" restart="never" nodeType="tmRoot"/>
+      </p:par>
+    </p:tnLst>
+  </p:timing>
 </p:sld>
 </file>
 
@@ -18246,7 +18250,7 @@
           <p:cNvPr id="22" name="矩形 3">
             <a:extLst>
               <a:ext uri="{FF2B5EF4-FFF2-40B4-BE49-F238E27FC236}">
-                <a16:creationId xmlns:a16="http://schemas.microsoft.com/office/drawing/2014/main" id="{AC167845-82AC-4B39-8198-B9E73F081CCD}"/>
+                <a16:creationId xmlns:a16="http://schemas.microsoft.com/office/drawing/2014/main" xmlns="" id="{AC167845-82AC-4B39-8198-B9E73F081CCD}"/>
               </a:ext>
             </a:extLst>
           </p:cNvPr>
@@ -18305,7 +18309,7 @@
           <p:cNvPr id="23" name="矩形 4">
             <a:extLst>
               <a:ext uri="{FF2B5EF4-FFF2-40B4-BE49-F238E27FC236}">
-                <a16:creationId xmlns:a16="http://schemas.microsoft.com/office/drawing/2014/main" id="{BFF19E05-7F0B-4D53-80A0-D5568C6C5E7E}"/>
+                <a16:creationId xmlns:a16="http://schemas.microsoft.com/office/drawing/2014/main" xmlns="" id="{BFF19E05-7F0B-4D53-80A0-D5568C6C5E7E}"/>
               </a:ext>
             </a:extLst>
           </p:cNvPr>
@@ -18357,7 +18361,7 @@
           <p:cNvPr id="24" name="文字方塊 5">
             <a:extLst>
               <a:ext uri="{FF2B5EF4-FFF2-40B4-BE49-F238E27FC236}">
-                <a16:creationId xmlns:a16="http://schemas.microsoft.com/office/drawing/2014/main" id="{345E91AF-1F31-4DE1-ABCD-8C0326089302}"/>
+                <a16:creationId xmlns:a16="http://schemas.microsoft.com/office/drawing/2014/main" xmlns="" id="{345E91AF-1F31-4DE1-ABCD-8C0326089302}"/>
               </a:ext>
             </a:extLst>
           </p:cNvPr>
@@ -18415,7 +18419,7 @@
           <p:cNvPr id="25" name="文字方塊 6">
             <a:extLst>
               <a:ext uri="{FF2B5EF4-FFF2-40B4-BE49-F238E27FC236}">
-                <a16:creationId xmlns:a16="http://schemas.microsoft.com/office/drawing/2014/main" id="{AFA5128D-FDC6-49CF-B065-490ED7618382}"/>
+                <a16:creationId xmlns:a16="http://schemas.microsoft.com/office/drawing/2014/main" xmlns="" id="{AFA5128D-FDC6-49CF-B065-490ED7618382}"/>
               </a:ext>
             </a:extLst>
           </p:cNvPr>
@@ -18492,7 +18496,7 @@
           <p:cNvPr id="26" name="文字方塊 7">
             <a:extLst>
               <a:ext uri="{FF2B5EF4-FFF2-40B4-BE49-F238E27FC236}">
-                <a16:creationId xmlns:a16="http://schemas.microsoft.com/office/drawing/2014/main" id="{500E8BF5-A714-4F7E-B7D2-041B71BE2C03}"/>
+                <a16:creationId xmlns:a16="http://schemas.microsoft.com/office/drawing/2014/main" xmlns="" id="{500E8BF5-A714-4F7E-B7D2-041B71BE2C03}"/>
               </a:ext>
             </a:extLst>
           </p:cNvPr>
@@ -18535,7 +18539,7 @@
           <p:cNvPr id="27" name="文字方塊 8">
             <a:extLst>
               <a:ext uri="{FF2B5EF4-FFF2-40B4-BE49-F238E27FC236}">
-                <a16:creationId xmlns:a16="http://schemas.microsoft.com/office/drawing/2014/main" id="{FFE8DD17-A16E-4199-9B5D-237044F47F7E}"/>
+                <a16:creationId xmlns:a16="http://schemas.microsoft.com/office/drawing/2014/main" xmlns="" id="{FFE8DD17-A16E-4199-9B5D-237044F47F7E}"/>
               </a:ext>
             </a:extLst>
           </p:cNvPr>
@@ -18578,7 +18582,7 @@
           <p:cNvPr id="28" name="文字方塊 9">
             <a:extLst>
               <a:ext uri="{FF2B5EF4-FFF2-40B4-BE49-F238E27FC236}">
-                <a16:creationId xmlns:a16="http://schemas.microsoft.com/office/drawing/2014/main" id="{8EB946F6-2EEC-44AF-B2BF-2AA8B4F2CBC4}"/>
+                <a16:creationId xmlns:a16="http://schemas.microsoft.com/office/drawing/2014/main" xmlns="" id="{8EB946F6-2EEC-44AF-B2BF-2AA8B4F2CBC4}"/>
               </a:ext>
             </a:extLst>
           </p:cNvPr>
@@ -18613,7 +18617,7 @@
           <p:cNvPr id="29" name="文字方塊 10">
             <a:extLst>
               <a:ext uri="{FF2B5EF4-FFF2-40B4-BE49-F238E27FC236}">
-                <a16:creationId xmlns:a16="http://schemas.microsoft.com/office/drawing/2014/main" id="{582EF791-130E-440F-A226-EA7E4EB5AC28}"/>
+                <a16:creationId xmlns:a16="http://schemas.microsoft.com/office/drawing/2014/main" xmlns="" id="{582EF791-130E-440F-A226-EA7E4EB5AC28}"/>
               </a:ext>
             </a:extLst>
           </p:cNvPr>
@@ -18707,7 +18711,7 @@
           <p:cNvPr id="31" name="矩形 13">
             <a:extLst>
               <a:ext uri="{FF2B5EF4-FFF2-40B4-BE49-F238E27FC236}">
-                <a16:creationId xmlns:a16="http://schemas.microsoft.com/office/drawing/2014/main" id="{C47076D3-12F2-455B-91A6-C3C4BA991D9D}"/>
+                <a16:creationId xmlns:a16="http://schemas.microsoft.com/office/drawing/2014/main" xmlns="" id="{C47076D3-12F2-455B-91A6-C3C4BA991D9D}"/>
               </a:ext>
             </a:extLst>
           </p:cNvPr>
@@ -18761,7 +18765,7 @@
           <p:cNvPr id="32" name="矩形 15">
             <a:extLst>
               <a:ext uri="{FF2B5EF4-FFF2-40B4-BE49-F238E27FC236}">
-                <a16:creationId xmlns:a16="http://schemas.microsoft.com/office/drawing/2014/main" id="{14A1C11C-261E-440B-8C29-2C2422867D77}"/>
+                <a16:creationId xmlns:a16="http://schemas.microsoft.com/office/drawing/2014/main" xmlns="" id="{14A1C11C-261E-440B-8C29-2C2422867D77}"/>
               </a:ext>
             </a:extLst>
           </p:cNvPr>
@@ -18825,7 +18829,7 @@
           <p:cNvPr id="33" name="矩形 16">
             <a:extLst>
               <a:ext uri="{FF2B5EF4-FFF2-40B4-BE49-F238E27FC236}">
-                <a16:creationId xmlns:a16="http://schemas.microsoft.com/office/drawing/2014/main" id="{1E099F5A-27A1-4829-80DF-E9BA27A29F6A}"/>
+                <a16:creationId xmlns:a16="http://schemas.microsoft.com/office/drawing/2014/main" xmlns="" id="{1E099F5A-27A1-4829-80DF-E9BA27A29F6A}"/>
               </a:ext>
             </a:extLst>
           </p:cNvPr>
@@ -18897,7 +18901,7 @@
           <p:cNvPr id="34" name="矩形 17">
             <a:extLst>
               <a:ext uri="{FF2B5EF4-FFF2-40B4-BE49-F238E27FC236}">
-                <a16:creationId xmlns:a16="http://schemas.microsoft.com/office/drawing/2014/main" id="{C2F7121F-64BF-4D27-90CA-E3A5761DB752}"/>
+                <a16:creationId xmlns:a16="http://schemas.microsoft.com/office/drawing/2014/main" xmlns="" id="{C2F7121F-64BF-4D27-90CA-E3A5761DB752}"/>
               </a:ext>
             </a:extLst>
           </p:cNvPr>
@@ -18951,7 +18955,7 @@
           <p:cNvPr id="35" name="文字方塊 18">
             <a:extLst>
               <a:ext uri="{FF2B5EF4-FFF2-40B4-BE49-F238E27FC236}">
-                <a16:creationId xmlns:a16="http://schemas.microsoft.com/office/drawing/2014/main" id="{1D29CB4A-5938-486A-9B69-1C4863EBF835}"/>
+                <a16:creationId xmlns:a16="http://schemas.microsoft.com/office/drawing/2014/main" xmlns="" id="{1D29CB4A-5938-486A-9B69-1C4863EBF835}"/>
               </a:ext>
             </a:extLst>
           </p:cNvPr>
@@ -18998,7 +19002,7 @@
           <p:cNvPr id="36" name="文字方塊 19">
             <a:extLst>
               <a:ext uri="{FF2B5EF4-FFF2-40B4-BE49-F238E27FC236}">
-                <a16:creationId xmlns:a16="http://schemas.microsoft.com/office/drawing/2014/main" id="{5D01598A-BC8E-452D-99D7-9A19476E2209}"/>
+                <a16:creationId xmlns:a16="http://schemas.microsoft.com/office/drawing/2014/main" xmlns="" id="{5D01598A-BC8E-452D-99D7-9A19476E2209}"/>
               </a:ext>
             </a:extLst>
           </p:cNvPr>
@@ -19127,7 +19131,7 @@
           <p:cNvPr id="39" name="文字方塊 19">
             <a:extLst>
               <a:ext uri="{FF2B5EF4-FFF2-40B4-BE49-F238E27FC236}">
-                <a16:creationId xmlns:a16="http://schemas.microsoft.com/office/drawing/2014/main" id="{5D01598A-BC8E-452D-99D7-9A19476E2209}"/>
+                <a16:creationId xmlns:a16="http://schemas.microsoft.com/office/drawing/2014/main" xmlns="" id="{5D01598A-BC8E-452D-99D7-9A19476E2209}"/>
               </a:ext>
             </a:extLst>
           </p:cNvPr>
@@ -19265,7 +19269,7 @@
           <p:cNvPr id="44" name="文字方塊 19">
             <a:extLst>
               <a:ext uri="{FF2B5EF4-FFF2-40B4-BE49-F238E27FC236}">
-                <a16:creationId xmlns:a16="http://schemas.microsoft.com/office/drawing/2014/main" id="{5D01598A-BC8E-452D-99D7-9A19476E2209}"/>
+                <a16:creationId xmlns:a16="http://schemas.microsoft.com/office/drawing/2014/main" xmlns="" id="{5D01598A-BC8E-452D-99D7-9A19476E2209}"/>
               </a:ext>
             </a:extLst>
           </p:cNvPr>
@@ -19403,7 +19407,7 @@
           <p:cNvPr id="47" name="文字方塊 19">
             <a:extLst>
               <a:ext uri="{FF2B5EF4-FFF2-40B4-BE49-F238E27FC236}">
-                <a16:creationId xmlns:a16="http://schemas.microsoft.com/office/drawing/2014/main" id="{5D01598A-BC8E-452D-99D7-9A19476E2209}"/>
+                <a16:creationId xmlns:a16="http://schemas.microsoft.com/office/drawing/2014/main" xmlns="" id="{5D01598A-BC8E-452D-99D7-9A19476E2209}"/>
               </a:ext>
             </a:extLst>
           </p:cNvPr>
@@ -19614,7 +19618,7 @@
           <p:cNvPr id="50" name="文字方塊 12">
             <a:extLst>
               <a:ext uri="{FF2B5EF4-FFF2-40B4-BE49-F238E27FC236}">
-                <a16:creationId xmlns:a16="http://schemas.microsoft.com/office/drawing/2014/main" id="{0B05D7D0-BAE6-4995-934B-E00CFFD98FA0}"/>
+                <a16:creationId xmlns:a16="http://schemas.microsoft.com/office/drawing/2014/main" xmlns="" id="{0B05D7D0-BAE6-4995-934B-E00CFFD98FA0}"/>
               </a:ext>
             </a:extLst>
           </p:cNvPr>
@@ -19660,7 +19664,7 @@
           <p:cNvPr id="51" name="文字方塊 12">
             <a:extLst>
               <a:ext uri="{FF2B5EF4-FFF2-40B4-BE49-F238E27FC236}">
-                <a16:creationId xmlns:a16="http://schemas.microsoft.com/office/drawing/2014/main" id="{0B05D7D0-BAE6-4995-934B-E00CFFD98FA0}"/>
+                <a16:creationId xmlns:a16="http://schemas.microsoft.com/office/drawing/2014/main" xmlns="" id="{0B05D7D0-BAE6-4995-934B-E00CFFD98FA0}"/>
               </a:ext>
             </a:extLst>
           </p:cNvPr>
@@ -19706,7 +19710,7 @@
           <p:cNvPr id="52" name="文字方塊 12">
             <a:extLst>
               <a:ext uri="{FF2B5EF4-FFF2-40B4-BE49-F238E27FC236}">
-                <a16:creationId xmlns:a16="http://schemas.microsoft.com/office/drawing/2014/main" id="{0B05D7D0-BAE6-4995-934B-E00CFFD98FA0}"/>
+                <a16:creationId xmlns:a16="http://schemas.microsoft.com/office/drawing/2014/main" xmlns="" id="{0B05D7D0-BAE6-4995-934B-E00CFFD98FA0}"/>
               </a:ext>
             </a:extLst>
           </p:cNvPr>
@@ -19752,7 +19756,7 @@
           <p:cNvPr id="53" name="文字方塊 12">
             <a:extLst>
               <a:ext uri="{FF2B5EF4-FFF2-40B4-BE49-F238E27FC236}">
-                <a16:creationId xmlns:a16="http://schemas.microsoft.com/office/drawing/2014/main" id="{0B05D7D0-BAE6-4995-934B-E00CFFD98FA0}"/>
+                <a16:creationId xmlns:a16="http://schemas.microsoft.com/office/drawing/2014/main" xmlns="" id="{0B05D7D0-BAE6-4995-934B-E00CFFD98FA0}"/>
               </a:ext>
             </a:extLst>
           </p:cNvPr>
@@ -19798,7 +19802,7 @@
           <p:cNvPr id="54" name="文字方塊 12">
             <a:extLst>
               <a:ext uri="{FF2B5EF4-FFF2-40B4-BE49-F238E27FC236}">
-                <a16:creationId xmlns:a16="http://schemas.microsoft.com/office/drawing/2014/main" id="{0B05D7D0-BAE6-4995-934B-E00CFFD98FA0}"/>
+                <a16:creationId xmlns:a16="http://schemas.microsoft.com/office/drawing/2014/main" xmlns="" id="{0B05D7D0-BAE6-4995-934B-E00CFFD98FA0}"/>
               </a:ext>
             </a:extLst>
           </p:cNvPr>
@@ -21154,7 +21158,7 @@
   <a:extraClrSchemeLst/>
   <a:extLst>
     <a:ext uri="{05A4C25C-085E-4340-85A3-A5531E510DB2}">
-      <thm15:themeFamily xmlns:thm15="http://schemas.microsoft.com/office/thememl/2012/main" name="Office Theme" id="{62F939B6-93AF-4DB8-9C6B-D6C7DFDC589F}" vid="{4A3C46E8-61CC-4603-A589-7422A47A8E4A}"/>
+      <thm15:themeFamily xmlns:thm15="http://schemas.microsoft.com/office/thememl/2012/main" xmlns="" name="Office Theme" id="{62F939B6-93AF-4DB8-9C6B-D6C7DFDC589F}" vid="{4A3C46E8-61CC-4603-A589-7422A47A8E4A}"/>
     </a:ext>
   </a:extLst>
 </a:theme>
@@ -21415,7 +21419,7 @@
   <a:extraClrSchemeLst/>
   <a:extLst>
     <a:ext uri="{05A4C25C-085E-4340-85A3-A5531E510DB2}">
-      <thm15:themeFamily xmlns:thm15="http://schemas.microsoft.com/office/thememl/2012/main" name="Office Theme" id="{62F939B6-93AF-4DB8-9C6B-D6C7DFDC589F}" vid="{4A3C46E8-61CC-4603-A589-7422A47A8E4A}"/>
+      <thm15:themeFamily xmlns:thm15="http://schemas.microsoft.com/office/thememl/2012/main" xmlns="" name="Office Theme" id="{62F939B6-93AF-4DB8-9C6B-D6C7DFDC589F}" vid="{4A3C46E8-61CC-4603-A589-7422A47A8E4A}"/>
     </a:ext>
   </a:extLst>
 </a:theme>

--- a/期末報告第五組.pptx
+++ b/期末報告第五組.pptx
@@ -121,7 +121,7 @@
   </p:defaultTextStyle>
   <p:extLst>
     <p:ext uri="{EFAFB233-063F-42B5-8137-9DF3F51BA10A}">
-      <p15:sldGuideLst xmlns:p15="http://schemas.microsoft.com/office/powerpoint/2012/main">
+      <p15:sldGuideLst xmlns:p15="http://schemas.microsoft.com/office/powerpoint/2012/main" xmlns="">
         <p15:guide id="1" orient="horz" pos="2160">
           <p15:clr>
             <a:srgbClr val="A4A3A4"/>
@@ -5131,7 +5131,7 @@
           <p:cNvPr id="23" name="文字方塊 21">
             <a:extLst>
               <a:ext uri="{FF2B5EF4-FFF2-40B4-BE49-F238E27FC236}">
-                <a16:creationId xmlns:a16="http://schemas.microsoft.com/office/drawing/2014/main" id="{3D9B36AE-58AD-4057-9A2E-208528ED6C65}"/>
+                <a16:creationId xmlns:a16="http://schemas.microsoft.com/office/drawing/2014/main" xmlns="" id="{3D9B36AE-58AD-4057-9A2E-208528ED6C65}"/>
               </a:ext>
             </a:extLst>
           </p:cNvPr>
@@ -5321,7 +5321,7 @@
           <p:cNvPr id="24" name="Picture 23">
             <a:extLst>
               <a:ext uri="{FF2B5EF4-FFF2-40B4-BE49-F238E27FC236}">
-                <a16:creationId xmlns:a16="http://schemas.microsoft.com/office/drawing/2014/main" id="{20762925-80B8-4714-8FA3-6D5F436302D1}"/>
+                <a16:creationId xmlns:a16="http://schemas.microsoft.com/office/drawing/2014/main" xmlns="" id="{20762925-80B8-4714-8FA3-6D5F436302D1}"/>
               </a:ext>
             </a:extLst>
           </p:cNvPr>
@@ -5376,7 +5376,7 @@
           <p:cNvPr id="25" name="文字方塊 20">
             <a:extLst>
               <a:ext uri="{FF2B5EF4-FFF2-40B4-BE49-F238E27FC236}">
-                <a16:creationId xmlns:a16="http://schemas.microsoft.com/office/drawing/2014/main" id="{B406FC50-9BD0-44E0-868E-A9C003F3010A}"/>
+                <a16:creationId xmlns:a16="http://schemas.microsoft.com/office/drawing/2014/main" xmlns="" id="{B406FC50-9BD0-44E0-868E-A9C003F3010A}"/>
               </a:ext>
             </a:extLst>
           </p:cNvPr>
@@ -5422,7 +5422,7 @@
           <p:cNvPr id="3" name="Picture 2">
             <a:extLst>
               <a:ext uri="{FF2B5EF4-FFF2-40B4-BE49-F238E27FC236}">
-                <a16:creationId xmlns:a16="http://schemas.microsoft.com/office/drawing/2014/main" id="{E0098788-F88C-498B-B9AE-0596277B0F25}"/>
+                <a16:creationId xmlns:a16="http://schemas.microsoft.com/office/drawing/2014/main" xmlns="" id="{E0098788-F88C-498B-B9AE-0596277B0F25}"/>
               </a:ext>
             </a:extLst>
           </p:cNvPr>
@@ -6001,7 +6001,7 @@
           <p:cNvPr id="22" name="矩形 3">
             <a:extLst>
               <a:ext uri="{FF2B5EF4-FFF2-40B4-BE49-F238E27FC236}">
-                <a16:creationId xmlns:a16="http://schemas.microsoft.com/office/drawing/2014/main" id="{AC167845-82AC-4B39-8198-B9E73F081CCD}"/>
+                <a16:creationId xmlns:a16="http://schemas.microsoft.com/office/drawing/2014/main" xmlns="" id="{AC167845-82AC-4B39-8198-B9E73F081CCD}"/>
               </a:ext>
             </a:extLst>
           </p:cNvPr>
@@ -6060,7 +6060,7 @@
           <p:cNvPr id="23" name="矩形 4">
             <a:extLst>
               <a:ext uri="{FF2B5EF4-FFF2-40B4-BE49-F238E27FC236}">
-                <a16:creationId xmlns:a16="http://schemas.microsoft.com/office/drawing/2014/main" id="{BFF19E05-7F0B-4D53-80A0-D5568C6C5E7E}"/>
+                <a16:creationId xmlns:a16="http://schemas.microsoft.com/office/drawing/2014/main" xmlns="" id="{BFF19E05-7F0B-4D53-80A0-D5568C6C5E7E}"/>
               </a:ext>
             </a:extLst>
           </p:cNvPr>
@@ -6112,7 +6112,7 @@
           <p:cNvPr id="24" name="文字方塊 5">
             <a:extLst>
               <a:ext uri="{FF2B5EF4-FFF2-40B4-BE49-F238E27FC236}">
-                <a16:creationId xmlns:a16="http://schemas.microsoft.com/office/drawing/2014/main" id="{345E91AF-1F31-4DE1-ABCD-8C0326089302}"/>
+                <a16:creationId xmlns:a16="http://schemas.microsoft.com/office/drawing/2014/main" xmlns="" id="{345E91AF-1F31-4DE1-ABCD-8C0326089302}"/>
               </a:ext>
             </a:extLst>
           </p:cNvPr>
@@ -6170,7 +6170,7 @@
           <p:cNvPr id="25" name="文字方塊 6">
             <a:extLst>
               <a:ext uri="{FF2B5EF4-FFF2-40B4-BE49-F238E27FC236}">
-                <a16:creationId xmlns:a16="http://schemas.microsoft.com/office/drawing/2014/main" id="{AFA5128D-FDC6-49CF-B065-490ED7618382}"/>
+                <a16:creationId xmlns:a16="http://schemas.microsoft.com/office/drawing/2014/main" xmlns="" id="{AFA5128D-FDC6-49CF-B065-490ED7618382}"/>
               </a:ext>
             </a:extLst>
           </p:cNvPr>
@@ -6247,7 +6247,7 @@
           <p:cNvPr id="26" name="文字方塊 7">
             <a:extLst>
               <a:ext uri="{FF2B5EF4-FFF2-40B4-BE49-F238E27FC236}">
-                <a16:creationId xmlns:a16="http://schemas.microsoft.com/office/drawing/2014/main" id="{500E8BF5-A714-4F7E-B7D2-041B71BE2C03}"/>
+                <a16:creationId xmlns:a16="http://schemas.microsoft.com/office/drawing/2014/main" xmlns="" id="{500E8BF5-A714-4F7E-B7D2-041B71BE2C03}"/>
               </a:ext>
             </a:extLst>
           </p:cNvPr>
@@ -6290,7 +6290,7 @@
           <p:cNvPr id="27" name="文字方塊 8">
             <a:extLst>
               <a:ext uri="{FF2B5EF4-FFF2-40B4-BE49-F238E27FC236}">
-                <a16:creationId xmlns:a16="http://schemas.microsoft.com/office/drawing/2014/main" id="{FFE8DD17-A16E-4199-9B5D-237044F47F7E}"/>
+                <a16:creationId xmlns:a16="http://schemas.microsoft.com/office/drawing/2014/main" xmlns="" id="{FFE8DD17-A16E-4199-9B5D-237044F47F7E}"/>
               </a:ext>
             </a:extLst>
           </p:cNvPr>
@@ -6333,7 +6333,7 @@
           <p:cNvPr id="28" name="文字方塊 9">
             <a:extLst>
               <a:ext uri="{FF2B5EF4-FFF2-40B4-BE49-F238E27FC236}">
-                <a16:creationId xmlns:a16="http://schemas.microsoft.com/office/drawing/2014/main" id="{8EB946F6-2EEC-44AF-B2BF-2AA8B4F2CBC4}"/>
+                <a16:creationId xmlns:a16="http://schemas.microsoft.com/office/drawing/2014/main" xmlns="" id="{8EB946F6-2EEC-44AF-B2BF-2AA8B4F2CBC4}"/>
               </a:ext>
             </a:extLst>
           </p:cNvPr>
@@ -6368,7 +6368,7 @@
           <p:cNvPr id="29" name="文字方塊 10">
             <a:extLst>
               <a:ext uri="{FF2B5EF4-FFF2-40B4-BE49-F238E27FC236}">
-                <a16:creationId xmlns:a16="http://schemas.microsoft.com/office/drawing/2014/main" id="{582EF791-130E-440F-A226-EA7E4EB5AC28}"/>
+                <a16:creationId xmlns:a16="http://schemas.microsoft.com/office/drawing/2014/main" xmlns="" id="{582EF791-130E-440F-A226-EA7E4EB5AC28}"/>
               </a:ext>
             </a:extLst>
           </p:cNvPr>
@@ -6462,7 +6462,7 @@
           <p:cNvPr id="30" name="文字方塊 12">
             <a:extLst>
               <a:ext uri="{FF2B5EF4-FFF2-40B4-BE49-F238E27FC236}">
-                <a16:creationId xmlns:a16="http://schemas.microsoft.com/office/drawing/2014/main" id="{0B05D7D0-BAE6-4995-934B-E00CFFD98FA0}"/>
+                <a16:creationId xmlns:a16="http://schemas.microsoft.com/office/drawing/2014/main" xmlns="" id="{0B05D7D0-BAE6-4995-934B-E00CFFD98FA0}"/>
               </a:ext>
             </a:extLst>
           </p:cNvPr>
@@ -6508,7 +6508,7 @@
           <p:cNvPr id="31" name="矩形 13">
             <a:extLst>
               <a:ext uri="{FF2B5EF4-FFF2-40B4-BE49-F238E27FC236}">
-                <a16:creationId xmlns:a16="http://schemas.microsoft.com/office/drawing/2014/main" id="{C47076D3-12F2-455B-91A6-C3C4BA991D9D}"/>
+                <a16:creationId xmlns:a16="http://schemas.microsoft.com/office/drawing/2014/main" xmlns="" id="{C47076D3-12F2-455B-91A6-C3C4BA991D9D}"/>
               </a:ext>
             </a:extLst>
           </p:cNvPr>
@@ -6562,7 +6562,7 @@
           <p:cNvPr id="32" name="矩形 15">
             <a:extLst>
               <a:ext uri="{FF2B5EF4-FFF2-40B4-BE49-F238E27FC236}">
-                <a16:creationId xmlns:a16="http://schemas.microsoft.com/office/drawing/2014/main" id="{14A1C11C-261E-440B-8C29-2C2422867D77}"/>
+                <a16:creationId xmlns:a16="http://schemas.microsoft.com/office/drawing/2014/main" xmlns="" id="{14A1C11C-261E-440B-8C29-2C2422867D77}"/>
               </a:ext>
             </a:extLst>
           </p:cNvPr>
@@ -6626,7 +6626,7 @@
           <p:cNvPr id="33" name="矩形 16">
             <a:extLst>
               <a:ext uri="{FF2B5EF4-FFF2-40B4-BE49-F238E27FC236}">
-                <a16:creationId xmlns:a16="http://schemas.microsoft.com/office/drawing/2014/main" id="{1E099F5A-27A1-4829-80DF-E9BA27A29F6A}"/>
+                <a16:creationId xmlns:a16="http://schemas.microsoft.com/office/drawing/2014/main" xmlns="" id="{1E099F5A-27A1-4829-80DF-E9BA27A29F6A}"/>
               </a:ext>
             </a:extLst>
           </p:cNvPr>
@@ -6698,7 +6698,7 @@
           <p:cNvPr id="34" name="矩形 17">
             <a:extLst>
               <a:ext uri="{FF2B5EF4-FFF2-40B4-BE49-F238E27FC236}">
-                <a16:creationId xmlns:a16="http://schemas.microsoft.com/office/drawing/2014/main" id="{C2F7121F-64BF-4D27-90CA-E3A5761DB752}"/>
+                <a16:creationId xmlns:a16="http://schemas.microsoft.com/office/drawing/2014/main" xmlns="" id="{C2F7121F-64BF-4D27-90CA-E3A5761DB752}"/>
               </a:ext>
             </a:extLst>
           </p:cNvPr>
@@ -6752,7 +6752,7 @@
           <p:cNvPr id="35" name="文字方塊 18">
             <a:extLst>
               <a:ext uri="{FF2B5EF4-FFF2-40B4-BE49-F238E27FC236}">
-                <a16:creationId xmlns:a16="http://schemas.microsoft.com/office/drawing/2014/main" id="{1D29CB4A-5938-486A-9B69-1C4863EBF835}"/>
+                <a16:creationId xmlns:a16="http://schemas.microsoft.com/office/drawing/2014/main" xmlns="" id="{1D29CB4A-5938-486A-9B69-1C4863EBF835}"/>
               </a:ext>
             </a:extLst>
           </p:cNvPr>
@@ -6800,7 +6800,7 @@
           <p:cNvPr id="36" name="文字方塊 19">
             <a:extLst>
               <a:ext uri="{FF2B5EF4-FFF2-40B4-BE49-F238E27FC236}">
-                <a16:creationId xmlns:a16="http://schemas.microsoft.com/office/drawing/2014/main" id="{5D01598A-BC8E-452D-99D7-9A19476E2209}"/>
+                <a16:creationId xmlns:a16="http://schemas.microsoft.com/office/drawing/2014/main" xmlns="" id="{5D01598A-BC8E-452D-99D7-9A19476E2209}"/>
               </a:ext>
             </a:extLst>
           </p:cNvPr>
@@ -6846,7 +6846,7 @@
           <p:cNvPr id="37" name="文字方塊 20">
             <a:extLst>
               <a:ext uri="{FF2B5EF4-FFF2-40B4-BE49-F238E27FC236}">
-                <a16:creationId xmlns:a16="http://schemas.microsoft.com/office/drawing/2014/main" id="{710C7FF3-F020-484B-AE3E-C742E1A1ECA1}"/>
+                <a16:creationId xmlns:a16="http://schemas.microsoft.com/office/drawing/2014/main" xmlns="" id="{710C7FF3-F020-484B-AE3E-C742E1A1ECA1}"/>
               </a:ext>
             </a:extLst>
           </p:cNvPr>
@@ -6892,7 +6892,7 @@
           <p:cNvPr id="39" name="文字方塊 21">
             <a:extLst>
               <a:ext uri="{FF2B5EF4-FFF2-40B4-BE49-F238E27FC236}">
-                <a16:creationId xmlns:a16="http://schemas.microsoft.com/office/drawing/2014/main" id="{868EF06B-C63A-4856-A7C5-B77CB5CD2DD6}"/>
+                <a16:creationId xmlns:a16="http://schemas.microsoft.com/office/drawing/2014/main" xmlns="" id="{868EF06B-C63A-4856-A7C5-B77CB5CD2DD6}"/>
               </a:ext>
             </a:extLst>
           </p:cNvPr>
@@ -7652,7 +7652,7 @@
         </p:nvSpPr>
         <p:spPr>
           <a:xfrm>
-            <a:off x="-45445" y="-646048"/>
+            <a:off x="-45445" y="46137"/>
             <a:ext cx="12192000" cy="6858000"/>
           </a:xfrm>
           <a:prstGeom prst="rect">
@@ -8471,7 +8471,7 @@
           <p:cNvPr id="3" name="圖片 2">
             <a:extLst>
               <a:ext uri="{FF2B5EF4-FFF2-40B4-BE49-F238E27FC236}">
-                <a16:creationId xmlns:a16="http://schemas.microsoft.com/office/drawing/2014/main" id="{480BF6C6-BC71-477D-B317-346FD878C65F}"/>
+                <a16:creationId xmlns:a16="http://schemas.microsoft.com/office/drawing/2014/main" xmlns="" id="{480BF6C6-BC71-477D-B317-346FD878C65F}"/>
               </a:ext>
             </a:extLst>
           </p:cNvPr>
@@ -8870,7 +8870,7 @@
           <p:cNvPr id="22" name="矩形 3">
             <a:extLst>
               <a:ext uri="{FF2B5EF4-FFF2-40B4-BE49-F238E27FC236}">
-                <a16:creationId xmlns:a16="http://schemas.microsoft.com/office/drawing/2014/main" id="{AC167845-82AC-4B39-8198-B9E73F081CCD}"/>
+                <a16:creationId xmlns:a16="http://schemas.microsoft.com/office/drawing/2014/main" xmlns="" id="{AC167845-82AC-4B39-8198-B9E73F081CCD}"/>
               </a:ext>
             </a:extLst>
           </p:cNvPr>
@@ -8929,7 +8929,7 @@
           <p:cNvPr id="23" name="矩形 4">
             <a:extLst>
               <a:ext uri="{FF2B5EF4-FFF2-40B4-BE49-F238E27FC236}">
-                <a16:creationId xmlns:a16="http://schemas.microsoft.com/office/drawing/2014/main" id="{BFF19E05-7F0B-4D53-80A0-D5568C6C5E7E}"/>
+                <a16:creationId xmlns:a16="http://schemas.microsoft.com/office/drawing/2014/main" xmlns="" id="{BFF19E05-7F0B-4D53-80A0-D5568C6C5E7E}"/>
               </a:ext>
             </a:extLst>
           </p:cNvPr>
@@ -8981,7 +8981,7 @@
           <p:cNvPr id="24" name="文字方塊 5">
             <a:extLst>
               <a:ext uri="{FF2B5EF4-FFF2-40B4-BE49-F238E27FC236}">
-                <a16:creationId xmlns:a16="http://schemas.microsoft.com/office/drawing/2014/main" id="{345E91AF-1F31-4DE1-ABCD-8C0326089302}"/>
+                <a16:creationId xmlns:a16="http://schemas.microsoft.com/office/drawing/2014/main" xmlns="" id="{345E91AF-1F31-4DE1-ABCD-8C0326089302}"/>
               </a:ext>
             </a:extLst>
           </p:cNvPr>
@@ -9039,7 +9039,7 @@
           <p:cNvPr id="25" name="文字方塊 6">
             <a:extLst>
               <a:ext uri="{FF2B5EF4-FFF2-40B4-BE49-F238E27FC236}">
-                <a16:creationId xmlns:a16="http://schemas.microsoft.com/office/drawing/2014/main" id="{AFA5128D-FDC6-49CF-B065-490ED7618382}"/>
+                <a16:creationId xmlns:a16="http://schemas.microsoft.com/office/drawing/2014/main" xmlns="" id="{AFA5128D-FDC6-49CF-B065-490ED7618382}"/>
               </a:ext>
             </a:extLst>
           </p:cNvPr>
@@ -9116,7 +9116,7 @@
           <p:cNvPr id="26" name="文字方塊 7">
             <a:extLst>
               <a:ext uri="{FF2B5EF4-FFF2-40B4-BE49-F238E27FC236}">
-                <a16:creationId xmlns:a16="http://schemas.microsoft.com/office/drawing/2014/main" id="{500E8BF5-A714-4F7E-B7D2-041B71BE2C03}"/>
+                <a16:creationId xmlns:a16="http://schemas.microsoft.com/office/drawing/2014/main" xmlns="" id="{500E8BF5-A714-4F7E-B7D2-041B71BE2C03}"/>
               </a:ext>
             </a:extLst>
           </p:cNvPr>
@@ -9159,7 +9159,7 @@
           <p:cNvPr id="27" name="文字方塊 8">
             <a:extLst>
               <a:ext uri="{FF2B5EF4-FFF2-40B4-BE49-F238E27FC236}">
-                <a16:creationId xmlns:a16="http://schemas.microsoft.com/office/drawing/2014/main" id="{FFE8DD17-A16E-4199-9B5D-237044F47F7E}"/>
+                <a16:creationId xmlns:a16="http://schemas.microsoft.com/office/drawing/2014/main" xmlns="" id="{FFE8DD17-A16E-4199-9B5D-237044F47F7E}"/>
               </a:ext>
             </a:extLst>
           </p:cNvPr>
@@ -9202,7 +9202,7 @@
           <p:cNvPr id="28" name="文字方塊 9">
             <a:extLst>
               <a:ext uri="{FF2B5EF4-FFF2-40B4-BE49-F238E27FC236}">
-                <a16:creationId xmlns:a16="http://schemas.microsoft.com/office/drawing/2014/main" id="{8EB946F6-2EEC-44AF-B2BF-2AA8B4F2CBC4}"/>
+                <a16:creationId xmlns:a16="http://schemas.microsoft.com/office/drawing/2014/main" xmlns="" id="{8EB946F6-2EEC-44AF-B2BF-2AA8B4F2CBC4}"/>
               </a:ext>
             </a:extLst>
           </p:cNvPr>
@@ -9237,7 +9237,7 @@
           <p:cNvPr id="29" name="文字方塊 10">
             <a:extLst>
               <a:ext uri="{FF2B5EF4-FFF2-40B4-BE49-F238E27FC236}">
-                <a16:creationId xmlns:a16="http://schemas.microsoft.com/office/drawing/2014/main" id="{582EF791-130E-440F-A226-EA7E4EB5AC28}"/>
+                <a16:creationId xmlns:a16="http://schemas.microsoft.com/office/drawing/2014/main" xmlns="" id="{582EF791-130E-440F-A226-EA7E4EB5AC28}"/>
               </a:ext>
             </a:extLst>
           </p:cNvPr>
@@ -9331,7 +9331,7 @@
           <p:cNvPr id="30" name="文字方塊 12">
             <a:extLst>
               <a:ext uri="{FF2B5EF4-FFF2-40B4-BE49-F238E27FC236}">
-                <a16:creationId xmlns:a16="http://schemas.microsoft.com/office/drawing/2014/main" id="{0B05D7D0-BAE6-4995-934B-E00CFFD98FA0}"/>
+                <a16:creationId xmlns:a16="http://schemas.microsoft.com/office/drawing/2014/main" xmlns="" id="{0B05D7D0-BAE6-4995-934B-E00CFFD98FA0}"/>
               </a:ext>
             </a:extLst>
           </p:cNvPr>
@@ -9377,7 +9377,7 @@
           <p:cNvPr id="31" name="矩形 13">
             <a:extLst>
               <a:ext uri="{FF2B5EF4-FFF2-40B4-BE49-F238E27FC236}">
-                <a16:creationId xmlns:a16="http://schemas.microsoft.com/office/drawing/2014/main" id="{C47076D3-12F2-455B-91A6-C3C4BA991D9D}"/>
+                <a16:creationId xmlns:a16="http://schemas.microsoft.com/office/drawing/2014/main" xmlns="" id="{C47076D3-12F2-455B-91A6-C3C4BA991D9D}"/>
               </a:ext>
             </a:extLst>
           </p:cNvPr>
@@ -9431,7 +9431,7 @@
           <p:cNvPr id="32" name="矩形 15">
             <a:extLst>
               <a:ext uri="{FF2B5EF4-FFF2-40B4-BE49-F238E27FC236}">
-                <a16:creationId xmlns:a16="http://schemas.microsoft.com/office/drawing/2014/main" id="{14A1C11C-261E-440B-8C29-2C2422867D77}"/>
+                <a16:creationId xmlns:a16="http://schemas.microsoft.com/office/drawing/2014/main" xmlns="" id="{14A1C11C-261E-440B-8C29-2C2422867D77}"/>
               </a:ext>
             </a:extLst>
           </p:cNvPr>
@@ -9495,7 +9495,7 @@
           <p:cNvPr id="33" name="矩形 16">
             <a:extLst>
               <a:ext uri="{FF2B5EF4-FFF2-40B4-BE49-F238E27FC236}">
-                <a16:creationId xmlns:a16="http://schemas.microsoft.com/office/drawing/2014/main" id="{1E099F5A-27A1-4829-80DF-E9BA27A29F6A}"/>
+                <a16:creationId xmlns:a16="http://schemas.microsoft.com/office/drawing/2014/main" xmlns="" id="{1E099F5A-27A1-4829-80DF-E9BA27A29F6A}"/>
               </a:ext>
             </a:extLst>
           </p:cNvPr>
@@ -9567,7 +9567,7 @@
           <p:cNvPr id="34" name="矩形 17">
             <a:extLst>
               <a:ext uri="{FF2B5EF4-FFF2-40B4-BE49-F238E27FC236}">
-                <a16:creationId xmlns:a16="http://schemas.microsoft.com/office/drawing/2014/main" id="{C2F7121F-64BF-4D27-90CA-E3A5761DB752}"/>
+                <a16:creationId xmlns:a16="http://schemas.microsoft.com/office/drawing/2014/main" xmlns="" id="{C2F7121F-64BF-4D27-90CA-E3A5761DB752}"/>
               </a:ext>
             </a:extLst>
           </p:cNvPr>
@@ -9621,7 +9621,7 @@
           <p:cNvPr id="35" name="文字方塊 18">
             <a:extLst>
               <a:ext uri="{FF2B5EF4-FFF2-40B4-BE49-F238E27FC236}">
-                <a16:creationId xmlns:a16="http://schemas.microsoft.com/office/drawing/2014/main" id="{1D29CB4A-5938-486A-9B69-1C4863EBF835}"/>
+                <a16:creationId xmlns:a16="http://schemas.microsoft.com/office/drawing/2014/main" xmlns="" id="{1D29CB4A-5938-486A-9B69-1C4863EBF835}"/>
               </a:ext>
             </a:extLst>
           </p:cNvPr>
@@ -9631,7 +9631,7 @@
         <p:spPr>
           <a:xfrm>
             <a:off x="1699377" y="1006459"/>
-            <a:ext cx="1774845" cy="307777"/>
+            <a:ext cx="4060727" cy="307777"/>
           </a:xfrm>
           <a:prstGeom prst="rect">
             <a:avLst/>
@@ -9645,7 +9645,7 @@
           <a:lstStyle/>
           <a:p>
             <a:r>
-              <a:rPr lang="en-GB" altLang="zh-TW" sz="1400" b="1" dirty="0" err="1">
+              <a:rPr lang="en-GB" altLang="zh-TW" sz="1400" b="1" dirty="0" err="1" smtClean="0">
                 <a:solidFill>
                   <a:schemeClr val="bg1"/>
                 </a:solidFill>
@@ -9653,6 +9653,46 @@
                 <a:ea typeface="Microsoft JhengHei UI Light" panose="020B0304030504040204" pitchFamily="34" charset="-120"/>
               </a:rPr>
               <a:t>Division_of_work</a:t>
+            </a:r>
+            <a:r>
+              <a:rPr lang="zh-TW" altLang="en-US" sz="1400" b="1" dirty="0" smtClean="0">
+                <a:solidFill>
+                  <a:schemeClr val="bg1"/>
+                </a:solidFill>
+                <a:latin typeface="Consolas" panose="020B0609020204030204" pitchFamily="49" charset="0"/>
+                <a:ea typeface="Microsoft JhengHei UI Light" panose="020B0304030504040204" pitchFamily="34" charset="-120"/>
+              </a:rPr>
+              <a:t> </a:t>
+            </a:r>
+            <a:r>
+              <a:rPr lang="en-US" altLang="zh-TW" sz="1400" b="1" dirty="0" smtClean="0">
+                <a:solidFill>
+                  <a:schemeClr val="bg1"/>
+                </a:solidFill>
+                <a:latin typeface="Consolas" panose="020B0609020204030204" pitchFamily="49" charset="0"/>
+                <a:ea typeface="Microsoft JhengHei UI Light" panose="020B0304030504040204" pitchFamily="34" charset="-120"/>
+              </a:rPr>
+              <a:t>&amp;</a:t>
+            </a:r>
+            <a:r>
+              <a:rPr lang="zh-TW" altLang="en-US" sz="1400" b="1" dirty="0" smtClean="0">
+                <a:solidFill>
+                  <a:schemeClr val="bg1"/>
+                </a:solidFill>
+                <a:latin typeface="Consolas" panose="020B0609020204030204" pitchFamily="49" charset="0"/>
+                <a:ea typeface="Microsoft JhengHei UI Light" panose="020B0304030504040204" pitchFamily="34" charset="-120"/>
+              </a:rPr>
+              <a:t> </a:t>
+            </a:r>
+            <a:r>
+              <a:rPr lang="en-US" altLang="zh-TW" sz="1400" b="1" dirty="0" err="1" smtClean="0">
+                <a:solidFill>
+                  <a:schemeClr val="bg1"/>
+                </a:solidFill>
+                <a:latin typeface="Consolas" panose="020B0609020204030204" pitchFamily="49" charset="0"/>
+                <a:ea typeface="Microsoft JhengHei UI Light" panose="020B0304030504040204" pitchFamily="34" charset="-120"/>
+              </a:rPr>
+              <a:t>Score_for_yourselves</a:t>
             </a:r>
             <a:endParaRPr lang="zh-TW" altLang="en-US" sz="1400" b="1" dirty="0">
               <a:solidFill>
@@ -9669,7 +9709,7 @@
           <p:cNvPr id="36" name="文字方塊 19">
             <a:extLst>
               <a:ext uri="{FF2B5EF4-FFF2-40B4-BE49-F238E27FC236}">
-                <a16:creationId xmlns:a16="http://schemas.microsoft.com/office/drawing/2014/main" id="{5D01598A-BC8E-452D-99D7-9A19476E2209}"/>
+                <a16:creationId xmlns:a16="http://schemas.microsoft.com/office/drawing/2014/main" xmlns="" id="{5D01598A-BC8E-452D-99D7-9A19476E2209}"/>
               </a:ext>
             </a:extLst>
           </p:cNvPr>
@@ -9678,7 +9718,7 @@
         </p:nvSpPr>
         <p:spPr>
           <a:xfrm>
-            <a:off x="3290025" y="936180"/>
+            <a:off x="5604452" y="949432"/>
             <a:ext cx="311304" cy="369332"/>
           </a:xfrm>
           <a:prstGeom prst="rect">
@@ -9715,7 +9755,7 @@
           <p:cNvPr id="37" name="文字方塊 20">
             <a:extLst>
               <a:ext uri="{FF2B5EF4-FFF2-40B4-BE49-F238E27FC236}">
-                <a16:creationId xmlns:a16="http://schemas.microsoft.com/office/drawing/2014/main" id="{710C7FF3-F020-484B-AE3E-C742E1A1ECA1}"/>
+                <a16:creationId xmlns:a16="http://schemas.microsoft.com/office/drawing/2014/main" xmlns="" id="{710C7FF3-F020-484B-AE3E-C742E1A1ECA1}"/>
               </a:ext>
             </a:extLst>
           </p:cNvPr>
@@ -9761,7 +9801,7 @@
           <p:cNvPr id="39" name="文字方塊 21">
             <a:extLst>
               <a:ext uri="{FF2B5EF4-FFF2-40B4-BE49-F238E27FC236}">
-                <a16:creationId xmlns:a16="http://schemas.microsoft.com/office/drawing/2014/main" id="{868EF06B-C63A-4856-A7C5-B77CB5CD2DD6}"/>
+                <a16:creationId xmlns:a16="http://schemas.microsoft.com/office/drawing/2014/main" xmlns="" id="{868EF06B-C63A-4856-A7C5-B77CB5CD2DD6}"/>
               </a:ext>
             </a:extLst>
           </p:cNvPr>
@@ -9770,7 +9810,7 @@
         </p:nvSpPr>
         <p:spPr>
           <a:xfrm>
-            <a:off x="246897" y="1692653"/>
+            <a:off x="260149" y="1692653"/>
             <a:ext cx="9385376" cy="3477875"/>
           </a:xfrm>
           <a:prstGeom prst="rect">
@@ -9785,7 +9825,7 @@
           <a:lstStyle/>
           <a:p>
             <a:r>
-              <a:rPr lang="en-GB" altLang="zh-TW" sz="2000" dirty="0">
+              <a:rPr lang="en-GB" altLang="zh-TW" sz="2000" dirty="0" smtClean="0">
                 <a:solidFill>
                   <a:schemeClr val="bg1"/>
                 </a:solidFill>
@@ -9794,191 +9834,15 @@
               </a:rPr>
               <a:t>--------------------------------------</a:t>
             </a:r>
-          </a:p>
-          <a:p>
-            <a:r>
-              <a:rPr lang="en-GB" altLang="zh-TW" sz="2000" dirty="0">
+            <a:r>
+              <a:rPr lang="en-US" altLang="zh-TW" sz="2000" dirty="0" smtClean="0">
                 <a:solidFill>
                   <a:schemeClr val="bg1"/>
                 </a:solidFill>
                 <a:latin typeface="Consolas" panose="020B0609020204030204" pitchFamily="49" charset="0"/>
                 <a:ea typeface="Microsoft JhengHei UI Light" panose="020B0304030504040204" pitchFamily="34" charset="-120"/>
               </a:rPr>
-              <a:t>|	 |</a:t>
-            </a:r>
-            <a:r>
-              <a:rPr lang="zh-TW" altLang="en-US" sz="2000" dirty="0">
-                <a:solidFill>
-                  <a:schemeClr val="bg1"/>
-                </a:solidFill>
-                <a:latin typeface="Consolas" panose="020B0609020204030204" pitchFamily="49" charset="0"/>
-                <a:ea typeface="Microsoft JhengHei UI Light" panose="020B0304030504040204" pitchFamily="34" charset="-120"/>
-              </a:rPr>
-              <a:t>前端設計 </a:t>
-            </a:r>
-            <a:r>
-              <a:rPr lang="en-GB" altLang="zh-TW" sz="2000" dirty="0">
-                <a:solidFill>
-                  <a:schemeClr val="bg1"/>
-                </a:solidFill>
-                <a:latin typeface="Consolas" panose="020B0609020204030204" pitchFamily="49" charset="0"/>
-                <a:ea typeface="Microsoft JhengHei UI Light" panose="020B0304030504040204" pitchFamily="34" charset="-120"/>
-              </a:rPr>
-              <a:t>|</a:t>
-            </a:r>
-            <a:r>
-              <a:rPr lang="zh-TW" altLang="en-US" sz="2000" dirty="0">
-                <a:solidFill>
-                  <a:schemeClr val="bg1"/>
-                </a:solidFill>
-                <a:latin typeface="Consolas" panose="020B0609020204030204" pitchFamily="49" charset="0"/>
-                <a:ea typeface="Microsoft JhengHei UI Light" panose="020B0304030504040204" pitchFamily="34" charset="-120"/>
-              </a:rPr>
-              <a:t>後端程式 </a:t>
-            </a:r>
-            <a:r>
-              <a:rPr lang="en-US" altLang="zh-TW" sz="2000" dirty="0">
-                <a:solidFill>
-                  <a:schemeClr val="bg1"/>
-                </a:solidFill>
-                <a:latin typeface="Consolas" panose="020B0609020204030204" pitchFamily="49" charset="0"/>
-                <a:ea typeface="Microsoft JhengHei UI Light" panose="020B0304030504040204" pitchFamily="34" charset="-120"/>
-              </a:rPr>
-              <a:t>|</a:t>
-            </a:r>
-            <a:r>
-              <a:rPr lang="zh-TW" altLang="en-US" sz="2000" dirty="0">
-                <a:solidFill>
-                  <a:schemeClr val="bg1"/>
-                </a:solidFill>
-                <a:latin typeface="Consolas" panose="020B0609020204030204" pitchFamily="49" charset="0"/>
-                <a:ea typeface="Microsoft JhengHei UI Light" panose="020B0304030504040204" pitchFamily="34" charset="-120"/>
-              </a:rPr>
-              <a:t>資料庫設計 </a:t>
-            </a:r>
-            <a:r>
-              <a:rPr lang="en-GB" altLang="zh-TW" sz="2000" dirty="0">
-                <a:solidFill>
-                  <a:schemeClr val="bg1"/>
-                </a:solidFill>
-                <a:latin typeface="Consolas" panose="020B0609020204030204" pitchFamily="49" charset="0"/>
-                <a:ea typeface="Microsoft JhengHei UI Light" panose="020B0304030504040204" pitchFamily="34" charset="-120"/>
-              </a:rPr>
-              <a:t>| </a:t>
-            </a:r>
-          </a:p>
-          <a:p>
-            <a:r>
-              <a:rPr lang="en-GB" altLang="zh-TW" sz="2000" dirty="0">
-                <a:solidFill>
-                  <a:schemeClr val="bg1"/>
-                </a:solidFill>
-                <a:latin typeface="Consolas" panose="020B0609020204030204" pitchFamily="49" charset="0"/>
-                <a:ea typeface="Microsoft JhengHei UI Light" panose="020B0304030504040204" pitchFamily="34" charset="-120"/>
-              </a:rPr>
-              <a:t>|-------------------------------------</a:t>
-            </a:r>
-          </a:p>
-          <a:p>
-            <a:r>
-              <a:rPr lang="en-GB" altLang="zh-TW" sz="2000" dirty="0">
-                <a:solidFill>
-                  <a:schemeClr val="bg1"/>
-                </a:solidFill>
-                <a:latin typeface="Consolas" panose="020B0609020204030204" pitchFamily="49" charset="0"/>
-                <a:ea typeface="Microsoft JhengHei UI Light" panose="020B0304030504040204" pitchFamily="34" charset="-120"/>
-              </a:rPr>
-              <a:t>|</a:t>
-            </a:r>
-            <a:r>
-              <a:rPr lang="zh-TW" altLang="en-US" sz="2000" dirty="0">
-                <a:solidFill>
-                  <a:schemeClr val="bg1"/>
-                </a:solidFill>
-                <a:latin typeface="Consolas" panose="020B0609020204030204" pitchFamily="49" charset="0"/>
-                <a:ea typeface="Microsoft JhengHei UI Light" panose="020B0304030504040204" pitchFamily="34" charset="-120"/>
-              </a:rPr>
-              <a:t>郭訓佑 </a:t>
-            </a:r>
-            <a:r>
-              <a:rPr lang="en-GB" altLang="zh-TW" sz="2000" dirty="0">
-                <a:solidFill>
-                  <a:schemeClr val="bg1"/>
-                </a:solidFill>
-                <a:latin typeface="Consolas" panose="020B0609020204030204" pitchFamily="49" charset="0"/>
-                <a:ea typeface="Microsoft JhengHei UI Light" panose="020B0304030504040204" pitchFamily="34" charset="-120"/>
-              </a:rPr>
-              <a:t>|X</a:t>
-            </a:r>
-            <a:r>
-              <a:rPr lang="zh-TW" altLang="en-US" sz="2000" dirty="0">
-                <a:solidFill>
-                  <a:srgbClr val="262626"/>
-                </a:solidFill>
-                <a:latin typeface="Consolas" panose="020B0609020204030204" pitchFamily="49" charset="0"/>
-                <a:ea typeface="Microsoft JhengHei UI Light" panose="020B0304030504040204" pitchFamily="34" charset="-120"/>
-              </a:rPr>
-              <a:t>端設計  </a:t>
-            </a:r>
-            <a:r>
-              <a:rPr lang="en-US" altLang="zh-TW" sz="2000" dirty="0">
-                <a:solidFill>
-                  <a:schemeClr val="bg1"/>
-                </a:solidFill>
-                <a:latin typeface="Consolas" panose="020B0609020204030204" pitchFamily="49" charset="0"/>
-                <a:ea typeface="Microsoft JhengHei UI Light" panose="020B0304030504040204" pitchFamily="34" charset="-120"/>
-              </a:rPr>
-              <a:t>|</a:t>
-            </a:r>
-            <a:r>
-              <a:rPr lang="en-GB" altLang="zh-TW" sz="2000" dirty="0">
-                <a:solidFill>
-                  <a:schemeClr val="bg1"/>
-                </a:solidFill>
-                <a:latin typeface="Consolas" panose="020B0609020204030204" pitchFamily="49" charset="0"/>
-                <a:ea typeface="Microsoft JhengHei UI Light" panose="020B0304030504040204" pitchFamily="34" charset="-120"/>
-              </a:rPr>
-              <a:t>V</a:t>
-            </a:r>
-            <a:r>
-              <a:rPr lang="zh-TW" altLang="en-US" sz="2000" dirty="0">
-                <a:solidFill>
-                  <a:srgbClr val="262626"/>
-                </a:solidFill>
-                <a:latin typeface="Consolas" panose="020B0609020204030204" pitchFamily="49" charset="0"/>
-                <a:ea typeface="Microsoft JhengHei UI Light" panose="020B0304030504040204" pitchFamily="34" charset="-120"/>
-              </a:rPr>
-              <a:t>後端程式</a:t>
-            </a:r>
-            <a:r>
-              <a:rPr lang="en-US" altLang="zh-TW" sz="2000" dirty="0">
-                <a:solidFill>
-                  <a:schemeClr val="bg1"/>
-                </a:solidFill>
-                <a:latin typeface="Consolas" panose="020B0609020204030204" pitchFamily="49" charset="0"/>
-                <a:ea typeface="Microsoft JhengHei UI Light" panose="020B0304030504040204" pitchFamily="34" charset="-120"/>
-              </a:rPr>
-              <a:t>|V</a:t>
-            </a:r>
-            <a:r>
-              <a:rPr lang="zh-TW" altLang="en-US" sz="2000" dirty="0">
-                <a:solidFill>
-                  <a:srgbClr val="262626"/>
-                </a:solidFill>
-                <a:latin typeface="Consolas" panose="020B0609020204030204" pitchFamily="49" charset="0"/>
-                <a:ea typeface="Microsoft JhengHei UI Light" panose="020B0304030504040204" pitchFamily="34" charset="-120"/>
-              </a:rPr>
-              <a:t>資料庫設計</a:t>
-            </a:r>
-            <a:r>
-              <a:rPr lang="en-US" altLang="zh-TW" sz="2000" dirty="0">
-                <a:solidFill>
-                  <a:schemeClr val="bg1"/>
-                </a:solidFill>
-                <a:latin typeface="Consolas" panose="020B0609020204030204" pitchFamily="49" charset="0"/>
-                <a:ea typeface="Microsoft JhengHei UI Light" panose="020B0304030504040204" pitchFamily="34" charset="-120"/>
-              </a:rPr>
-              <a:t>|</a:t>
+              <a:t>----------------------</a:t>
             </a:r>
             <a:endParaRPr lang="en-GB" altLang="zh-TW" sz="2000" dirty="0">
               <a:solidFill>
@@ -9997,8 +9861,134 @@
                 <a:latin typeface="Consolas" panose="020B0609020204030204" pitchFamily="49" charset="0"/>
                 <a:ea typeface="Microsoft JhengHei UI Light" panose="020B0304030504040204" pitchFamily="34" charset="-120"/>
               </a:rPr>
+              <a:t>|	 |</a:t>
+            </a:r>
+            <a:r>
+              <a:rPr lang="zh-TW" altLang="en-US" sz="2000" dirty="0">
+                <a:solidFill>
+                  <a:schemeClr val="bg1"/>
+                </a:solidFill>
+                <a:latin typeface="Consolas" panose="020B0609020204030204" pitchFamily="49" charset="0"/>
+                <a:ea typeface="Microsoft JhengHei UI Light" panose="020B0304030504040204" pitchFamily="34" charset="-120"/>
+              </a:rPr>
+              <a:t>前端設計 </a:t>
+            </a:r>
+            <a:r>
+              <a:rPr lang="en-GB" altLang="zh-TW" sz="2000" dirty="0">
+                <a:solidFill>
+                  <a:schemeClr val="bg1"/>
+                </a:solidFill>
+                <a:latin typeface="Consolas" panose="020B0609020204030204" pitchFamily="49" charset="0"/>
+                <a:ea typeface="Microsoft JhengHei UI Light" panose="020B0304030504040204" pitchFamily="34" charset="-120"/>
+              </a:rPr>
+              <a:t>|</a:t>
+            </a:r>
+            <a:r>
+              <a:rPr lang="zh-TW" altLang="en-US" sz="2000" dirty="0">
+                <a:solidFill>
+                  <a:schemeClr val="bg1"/>
+                </a:solidFill>
+                <a:latin typeface="Consolas" panose="020B0609020204030204" pitchFamily="49" charset="0"/>
+                <a:ea typeface="Microsoft JhengHei UI Light" panose="020B0304030504040204" pitchFamily="34" charset="-120"/>
+              </a:rPr>
+              <a:t>後端程式 </a:t>
+            </a:r>
+            <a:r>
+              <a:rPr lang="en-US" altLang="zh-TW" sz="2000" dirty="0">
+                <a:solidFill>
+                  <a:schemeClr val="bg1"/>
+                </a:solidFill>
+                <a:latin typeface="Consolas" panose="020B0609020204030204" pitchFamily="49" charset="0"/>
+                <a:ea typeface="Microsoft JhengHei UI Light" panose="020B0304030504040204" pitchFamily="34" charset="-120"/>
+              </a:rPr>
+              <a:t>|</a:t>
+            </a:r>
+            <a:r>
+              <a:rPr lang="zh-TW" altLang="en-US" sz="2000" dirty="0">
+                <a:solidFill>
+                  <a:schemeClr val="bg1"/>
+                </a:solidFill>
+                <a:latin typeface="Consolas" panose="020B0609020204030204" pitchFamily="49" charset="0"/>
+                <a:ea typeface="Microsoft JhengHei UI Light" panose="020B0304030504040204" pitchFamily="34" charset="-120"/>
+              </a:rPr>
+              <a:t>資料庫設計 </a:t>
+            </a:r>
+            <a:r>
+              <a:rPr lang="en-GB" altLang="zh-TW" sz="2000" dirty="0" smtClean="0">
+                <a:solidFill>
+                  <a:schemeClr val="bg1"/>
+                </a:solidFill>
+                <a:latin typeface="Consolas" panose="020B0609020204030204" pitchFamily="49" charset="0"/>
+                <a:ea typeface="Microsoft JhengHei UI Light" panose="020B0304030504040204" pitchFamily="34" charset="-120"/>
+              </a:rPr>
+              <a:t>|</a:t>
+            </a:r>
+            <a:r>
+              <a:rPr lang="zh-TW" altLang="en-US" sz="2000" dirty="0" smtClean="0">
+                <a:solidFill>
+                  <a:schemeClr val="bg1"/>
+                </a:solidFill>
+                <a:latin typeface="Consolas" panose="020B0609020204030204" pitchFamily="49" charset="0"/>
+                <a:ea typeface="Microsoft JhengHei UI Light" panose="020B0304030504040204" pitchFamily="34" charset="-120"/>
+              </a:rPr>
+              <a:t>作品</a:t>
+            </a:r>
+            <a:r>
+              <a:rPr lang="zh-TW" altLang="en-US" sz="2000" dirty="0" smtClean="0">
+                <a:solidFill>
+                  <a:schemeClr val="bg1"/>
+                </a:solidFill>
+                <a:latin typeface="Consolas" panose="020B0609020204030204" pitchFamily="49" charset="0"/>
+                <a:ea typeface="Microsoft JhengHei UI Light" panose="020B0304030504040204" pitchFamily="34" charset="-120"/>
+              </a:rPr>
+              <a:t>自評分           </a:t>
+            </a:r>
+            <a:r>
+              <a:rPr lang="en-US" altLang="zh-TW" sz="2000" dirty="0" smtClean="0">
+                <a:solidFill>
+                  <a:schemeClr val="bg1"/>
+                </a:solidFill>
+                <a:latin typeface="Consolas" panose="020B0609020204030204" pitchFamily="49" charset="0"/>
+                <a:ea typeface="Microsoft JhengHei UI Light" panose="020B0304030504040204" pitchFamily="34" charset="-120"/>
+              </a:rPr>
+              <a:t>	|</a:t>
+            </a:r>
+            <a:endParaRPr lang="en-GB" altLang="zh-TW" sz="2000" dirty="0">
+              <a:solidFill>
+                <a:schemeClr val="bg1"/>
+              </a:solidFill>
+              <a:latin typeface="Consolas" panose="020B0609020204030204" pitchFamily="49" charset="0"/>
+              <a:ea typeface="Microsoft JhengHei UI Light" panose="020B0304030504040204" pitchFamily="34" charset="-120"/>
+            </a:endParaRPr>
+          </a:p>
+          <a:p>
+            <a:r>
+              <a:rPr lang="en-GB" altLang="zh-TW" sz="2000" dirty="0" smtClean="0">
+                <a:solidFill>
+                  <a:schemeClr val="bg1"/>
+                </a:solidFill>
+                <a:latin typeface="Consolas" panose="020B0609020204030204" pitchFamily="49" charset="0"/>
+                <a:ea typeface="Microsoft JhengHei UI Light" panose="020B0304030504040204" pitchFamily="34" charset="-120"/>
+              </a:rPr>
               <a:t>|-------------------------------------</a:t>
             </a:r>
+            <a:r>
+              <a:rPr lang="en-US" altLang="zh-TW" sz="2000" dirty="0" smtClean="0">
+                <a:solidFill>
+                  <a:schemeClr val="bg1"/>
+                </a:solidFill>
+                <a:latin typeface="Consolas" panose="020B0609020204030204" pitchFamily="49" charset="0"/>
+                <a:ea typeface="Microsoft JhengHei UI Light" panose="020B0304030504040204" pitchFamily="34" charset="-120"/>
+              </a:rPr>
+              <a:t>----------------------</a:t>
+            </a:r>
+            <a:endParaRPr lang="en-GB" altLang="zh-TW" sz="2000" dirty="0">
+              <a:solidFill>
+                <a:schemeClr val="bg1"/>
+              </a:solidFill>
+              <a:latin typeface="Consolas" panose="020B0609020204030204" pitchFamily="49" charset="0"/>
+              <a:ea typeface="Microsoft JhengHei UI Light" panose="020B0304030504040204" pitchFamily="34" charset="-120"/>
+            </a:endParaRPr>
           </a:p>
           <a:p>
             <a:r>
@@ -10019,6 +10009,214 @@
                 <a:latin typeface="Consolas" panose="020B0609020204030204" pitchFamily="49" charset="0"/>
                 <a:ea typeface="Microsoft JhengHei UI Light" panose="020B0304030504040204" pitchFamily="34" charset="-120"/>
               </a:rPr>
+              <a:t>郭訓佑 </a:t>
+            </a:r>
+            <a:r>
+              <a:rPr lang="en-GB" altLang="zh-TW" sz="2000" dirty="0">
+                <a:solidFill>
+                  <a:schemeClr val="bg1"/>
+                </a:solidFill>
+                <a:latin typeface="Consolas" panose="020B0609020204030204" pitchFamily="49" charset="0"/>
+                <a:ea typeface="Microsoft JhengHei UI Light" panose="020B0304030504040204" pitchFamily="34" charset="-120"/>
+              </a:rPr>
+              <a:t>|X</a:t>
+            </a:r>
+            <a:r>
+              <a:rPr lang="zh-TW" altLang="en-US" sz="2000" dirty="0">
+                <a:solidFill>
+                  <a:srgbClr val="262626"/>
+                </a:solidFill>
+                <a:latin typeface="Consolas" panose="020B0609020204030204" pitchFamily="49" charset="0"/>
+                <a:ea typeface="Microsoft JhengHei UI Light" panose="020B0304030504040204" pitchFamily="34" charset="-120"/>
+              </a:rPr>
+              <a:t>端設計  </a:t>
+            </a:r>
+            <a:r>
+              <a:rPr lang="en-US" altLang="zh-TW" sz="2000" dirty="0">
+                <a:solidFill>
+                  <a:schemeClr val="bg1"/>
+                </a:solidFill>
+                <a:latin typeface="Consolas" panose="020B0609020204030204" pitchFamily="49" charset="0"/>
+                <a:ea typeface="Microsoft JhengHei UI Light" panose="020B0304030504040204" pitchFamily="34" charset="-120"/>
+              </a:rPr>
+              <a:t>|</a:t>
+            </a:r>
+            <a:r>
+              <a:rPr lang="en-GB" altLang="zh-TW" sz="2000" dirty="0">
+                <a:solidFill>
+                  <a:schemeClr val="bg1"/>
+                </a:solidFill>
+                <a:latin typeface="Consolas" panose="020B0609020204030204" pitchFamily="49" charset="0"/>
+                <a:ea typeface="Microsoft JhengHei UI Light" panose="020B0304030504040204" pitchFamily="34" charset="-120"/>
+              </a:rPr>
+              <a:t>V</a:t>
+            </a:r>
+            <a:r>
+              <a:rPr lang="zh-TW" altLang="en-US" sz="2000" dirty="0">
+                <a:solidFill>
+                  <a:srgbClr val="262626"/>
+                </a:solidFill>
+                <a:latin typeface="Consolas" panose="020B0609020204030204" pitchFamily="49" charset="0"/>
+                <a:ea typeface="Microsoft JhengHei UI Light" panose="020B0304030504040204" pitchFamily="34" charset="-120"/>
+              </a:rPr>
+              <a:t>後端程式</a:t>
+            </a:r>
+            <a:r>
+              <a:rPr lang="en-US" altLang="zh-TW" sz="2000" dirty="0">
+                <a:solidFill>
+                  <a:schemeClr val="bg1"/>
+                </a:solidFill>
+                <a:latin typeface="Consolas" panose="020B0609020204030204" pitchFamily="49" charset="0"/>
+                <a:ea typeface="Microsoft JhengHei UI Light" panose="020B0304030504040204" pitchFamily="34" charset="-120"/>
+              </a:rPr>
+              <a:t>|V</a:t>
+            </a:r>
+            <a:r>
+              <a:rPr lang="zh-TW" altLang="en-US" sz="2000" dirty="0">
+                <a:solidFill>
+                  <a:srgbClr val="262626"/>
+                </a:solidFill>
+                <a:latin typeface="Consolas" panose="020B0609020204030204" pitchFamily="49" charset="0"/>
+                <a:ea typeface="Microsoft JhengHei UI Light" panose="020B0304030504040204" pitchFamily="34" charset="-120"/>
+              </a:rPr>
+              <a:t>資料庫設計</a:t>
+            </a:r>
+            <a:r>
+              <a:rPr lang="en-US" altLang="zh-TW" sz="2000" dirty="0" smtClean="0">
+                <a:solidFill>
+                  <a:schemeClr val="bg1"/>
+                </a:solidFill>
+                <a:latin typeface="Consolas" panose="020B0609020204030204" pitchFamily="49" charset="0"/>
+                <a:ea typeface="Microsoft JhengHei UI Light" panose="020B0304030504040204" pitchFamily="34" charset="-120"/>
+              </a:rPr>
+              <a:t>|</a:t>
+            </a:r>
+            <a:r>
+              <a:rPr lang="zh-TW" altLang="en-US" sz="2000" dirty="0" smtClean="0">
+                <a:solidFill>
+                  <a:schemeClr val="bg1"/>
+                </a:solidFill>
+                <a:latin typeface="Consolas" panose="020B0609020204030204" pitchFamily="49" charset="0"/>
+                <a:ea typeface="Microsoft JhengHei UI Light" panose="020B0304030504040204" pitchFamily="34" charset="-120"/>
+              </a:rPr>
+              <a:t>我</a:t>
+            </a:r>
+            <a:r>
+              <a:rPr lang="zh-TW" altLang="en-US" sz="2000" dirty="0">
+                <a:solidFill>
+                  <a:schemeClr val="bg1"/>
+                </a:solidFill>
+                <a:latin typeface="Consolas" panose="020B0609020204030204" pitchFamily="49" charset="0"/>
+                <a:ea typeface="Microsoft JhengHei UI Light" panose="020B0304030504040204" pitchFamily="34" charset="-120"/>
+              </a:rPr>
+              <a:t>覺得</a:t>
+            </a:r>
+            <a:r>
+              <a:rPr lang="en-US" altLang="zh-TW" sz="2000" dirty="0">
+                <a:solidFill>
+                  <a:schemeClr val="bg1"/>
+                </a:solidFill>
+                <a:latin typeface="Consolas" panose="020B0609020204030204" pitchFamily="49" charset="0"/>
+                <a:ea typeface="Microsoft JhengHei UI Light" panose="020B0304030504040204" pitchFamily="34" charset="-120"/>
+              </a:rPr>
+              <a:t>90</a:t>
+            </a:r>
+            <a:r>
+              <a:rPr lang="zh-TW" altLang="en-US" sz="2000" dirty="0" smtClean="0">
+                <a:solidFill>
+                  <a:schemeClr val="bg1"/>
+                </a:solidFill>
+                <a:latin typeface="Consolas" panose="020B0609020204030204" pitchFamily="49" charset="0"/>
+                <a:ea typeface="Microsoft JhengHei UI Light" panose="020B0304030504040204" pitchFamily="34" charset="-120"/>
+              </a:rPr>
+              <a:t>分再加</a:t>
+            </a:r>
+            <a:r>
+              <a:rPr lang="en-US" altLang="zh-TW" sz="2000" dirty="0" smtClean="0">
+                <a:solidFill>
+                  <a:schemeClr val="bg1"/>
+                </a:solidFill>
+                <a:latin typeface="Consolas" panose="020B0609020204030204" pitchFamily="49" charset="0"/>
+                <a:ea typeface="Microsoft JhengHei UI Light" panose="020B0304030504040204" pitchFamily="34" charset="-120"/>
+              </a:rPr>
+              <a:t>10</a:t>
+            </a:r>
+            <a:r>
+              <a:rPr lang="zh-TW" altLang="en-US" sz="2000" dirty="0" smtClean="0">
+                <a:solidFill>
+                  <a:schemeClr val="bg1"/>
+                </a:solidFill>
+                <a:latin typeface="Consolas" panose="020B0609020204030204" pitchFamily="49" charset="0"/>
+                <a:ea typeface="Microsoft JhengHei UI Light" panose="020B0304030504040204" pitchFamily="34" charset="-120"/>
+              </a:rPr>
+              <a:t>分    </a:t>
+            </a:r>
+            <a:r>
+              <a:rPr lang="en-US" altLang="zh-TW" sz="2000" dirty="0" smtClean="0">
+                <a:solidFill>
+                  <a:schemeClr val="bg1"/>
+                </a:solidFill>
+                <a:latin typeface="Consolas" panose="020B0609020204030204" pitchFamily="49" charset="0"/>
+                <a:ea typeface="Microsoft JhengHei UI Light" panose="020B0304030504040204" pitchFamily="34" charset="-120"/>
+              </a:rPr>
+              <a:t>|</a:t>
+            </a:r>
+            <a:endParaRPr lang="en-GB" altLang="zh-TW" sz="2000" dirty="0" smtClean="0">
+              <a:solidFill>
+                <a:schemeClr val="bg1"/>
+              </a:solidFill>
+              <a:latin typeface="Consolas" panose="020B0609020204030204" pitchFamily="49" charset="0"/>
+              <a:ea typeface="Microsoft JhengHei UI Light" panose="020B0304030504040204" pitchFamily="34" charset="-120"/>
+            </a:endParaRPr>
+          </a:p>
+          <a:p>
+            <a:r>
+              <a:rPr lang="en-GB" altLang="zh-TW" sz="2000" dirty="0" smtClean="0">
+                <a:solidFill>
+                  <a:schemeClr val="bg1"/>
+                </a:solidFill>
+                <a:latin typeface="Consolas" panose="020B0609020204030204" pitchFamily="49" charset="0"/>
+                <a:ea typeface="Microsoft JhengHei UI Light" panose="020B0304030504040204" pitchFamily="34" charset="-120"/>
+              </a:rPr>
+              <a:t>|-------------------------------------</a:t>
+            </a:r>
+            <a:r>
+              <a:rPr lang="en-US" altLang="zh-TW" sz="2000" dirty="0" smtClean="0">
+                <a:solidFill>
+                  <a:schemeClr val="bg1"/>
+                </a:solidFill>
+                <a:latin typeface="Consolas" panose="020B0609020204030204" pitchFamily="49" charset="0"/>
+                <a:ea typeface="Microsoft JhengHei UI Light" panose="020B0304030504040204" pitchFamily="34" charset="-120"/>
+              </a:rPr>
+              <a:t>----------------------</a:t>
+            </a:r>
+            <a:endParaRPr lang="en-GB" altLang="zh-TW" sz="2000" dirty="0" smtClean="0">
+              <a:solidFill>
+                <a:schemeClr val="bg1"/>
+              </a:solidFill>
+              <a:latin typeface="Consolas" panose="020B0609020204030204" pitchFamily="49" charset="0"/>
+              <a:ea typeface="Microsoft JhengHei UI Light" panose="020B0304030504040204" pitchFamily="34" charset="-120"/>
+            </a:endParaRPr>
+          </a:p>
+          <a:p>
+            <a:r>
+              <a:rPr lang="en-GB" altLang="zh-TW" sz="2000" dirty="0" smtClean="0">
+                <a:solidFill>
+                  <a:schemeClr val="bg1"/>
+                </a:solidFill>
+                <a:latin typeface="Consolas" panose="020B0609020204030204" pitchFamily="49" charset="0"/>
+                <a:ea typeface="Microsoft JhengHei UI Light" panose="020B0304030504040204" pitchFamily="34" charset="-120"/>
+              </a:rPr>
+              <a:t>|</a:t>
+            </a:r>
+            <a:r>
+              <a:rPr lang="zh-TW" altLang="en-US" sz="2000" dirty="0">
+                <a:solidFill>
+                  <a:schemeClr val="bg1"/>
+                </a:solidFill>
+                <a:latin typeface="Consolas" panose="020B0609020204030204" pitchFamily="49" charset="0"/>
+                <a:ea typeface="Microsoft JhengHei UI Light" panose="020B0304030504040204" pitchFamily="34" charset="-120"/>
+              </a:rPr>
               <a:t>彭鉅展 </a:t>
             </a:r>
             <a:r>
@@ -10092,6 +10290,104 @@
               <a:t>資料庫設計</a:t>
             </a:r>
             <a:r>
+              <a:rPr lang="en-GB" altLang="zh-TW" sz="2000" dirty="0" smtClean="0">
+                <a:solidFill>
+                  <a:schemeClr val="bg1"/>
+                </a:solidFill>
+                <a:latin typeface="Consolas" panose="020B0609020204030204" pitchFamily="49" charset="0"/>
+                <a:ea typeface="Microsoft JhengHei UI Light" panose="020B0304030504040204" pitchFamily="34" charset="-120"/>
+              </a:rPr>
+              <a:t>|</a:t>
+            </a:r>
+            <a:r>
+              <a:rPr lang="zh-TW" altLang="en-US" sz="2000" dirty="0" smtClean="0">
+                <a:solidFill>
+                  <a:schemeClr val="bg1"/>
+                </a:solidFill>
+                <a:latin typeface="Consolas" panose="020B0609020204030204" pitchFamily="49" charset="0"/>
+                <a:ea typeface="Microsoft JhengHei UI Light" panose="020B0304030504040204" pitchFamily="34" charset="-120"/>
+              </a:rPr>
+              <a:t>這我給</a:t>
+            </a:r>
+            <a:r>
+              <a:rPr lang="en-US" altLang="zh-TW" sz="2000" dirty="0" smtClean="0">
+                <a:solidFill>
+                  <a:schemeClr val="bg1"/>
+                </a:solidFill>
+                <a:latin typeface="Consolas" panose="020B0609020204030204" pitchFamily="49" charset="0"/>
+                <a:ea typeface="Microsoft JhengHei UI Light" panose="020B0304030504040204" pitchFamily="34" charset="-120"/>
+              </a:rPr>
+              <a:t>99</a:t>
+            </a:r>
+            <a:r>
+              <a:rPr lang="zh-TW" altLang="en-US" sz="2000" dirty="0" smtClean="0">
+                <a:solidFill>
+                  <a:schemeClr val="bg1"/>
+                </a:solidFill>
+                <a:latin typeface="Consolas" panose="020B0609020204030204" pitchFamily="49" charset="0"/>
+                <a:ea typeface="Microsoft JhengHei UI Light" panose="020B0304030504040204" pitchFamily="34" charset="-120"/>
+              </a:rPr>
+              <a:t>分</a:t>
+            </a:r>
+            <a:r>
+              <a:rPr lang="en-US" altLang="zh-TW" sz="2000" dirty="0" smtClean="0">
+                <a:solidFill>
+                  <a:schemeClr val="bg1"/>
+                </a:solidFill>
+                <a:latin typeface="Consolas" panose="020B0609020204030204" pitchFamily="49" charset="0"/>
+                <a:ea typeface="Microsoft JhengHei UI Light" panose="020B0304030504040204" pitchFamily="34" charset="-120"/>
+              </a:rPr>
+              <a:t>	</a:t>
+            </a:r>
+            <a:r>
+              <a:rPr lang="en-US" altLang="zh-TW" sz="2000" dirty="0" smtClean="0">
+                <a:solidFill>
+                  <a:schemeClr val="bg1"/>
+                </a:solidFill>
+                <a:latin typeface="Consolas" panose="020B0609020204030204" pitchFamily="49" charset="0"/>
+                <a:ea typeface="Microsoft JhengHei UI Light" panose="020B0304030504040204" pitchFamily="34" charset="-120"/>
+              </a:rPr>
+              <a:t>	|</a:t>
+            </a:r>
+            <a:endParaRPr lang="en-GB" altLang="zh-TW" sz="2000" dirty="0">
+              <a:solidFill>
+                <a:schemeClr val="bg1"/>
+              </a:solidFill>
+              <a:latin typeface="Consolas" panose="020B0609020204030204" pitchFamily="49" charset="0"/>
+              <a:ea typeface="Microsoft JhengHei UI Light" panose="020B0304030504040204" pitchFamily="34" charset="-120"/>
+            </a:endParaRPr>
+          </a:p>
+          <a:p>
+            <a:r>
+              <a:rPr lang="en-GB" altLang="zh-TW" sz="2000" dirty="0" smtClean="0">
+                <a:solidFill>
+                  <a:schemeClr val="bg1"/>
+                </a:solidFill>
+                <a:latin typeface="Consolas" panose="020B0609020204030204" pitchFamily="49" charset="0"/>
+                <a:ea typeface="Microsoft JhengHei UI Light" panose="020B0304030504040204" pitchFamily="34" charset="-120"/>
+              </a:rPr>
+              <a:t>|-------------------------------------</a:t>
+            </a:r>
+            <a:r>
+              <a:rPr lang="en-US" altLang="zh-TW" sz="2000" dirty="0" smtClean="0">
+                <a:solidFill>
+                  <a:schemeClr val="bg1"/>
+                </a:solidFill>
+                <a:latin typeface="Consolas" panose="020B0609020204030204" pitchFamily="49" charset="0"/>
+                <a:ea typeface="Microsoft JhengHei UI Light" panose="020B0304030504040204" pitchFamily="34" charset="-120"/>
+              </a:rPr>
+              <a:t>----------------------</a:t>
+            </a:r>
+            <a:endParaRPr lang="en-GB" altLang="zh-TW" sz="2000" dirty="0">
+              <a:solidFill>
+                <a:schemeClr val="bg1"/>
+              </a:solidFill>
+              <a:latin typeface="Consolas" panose="020B0609020204030204" pitchFamily="49" charset="0"/>
+              <a:ea typeface="Microsoft JhengHei UI Light" panose="020B0304030504040204" pitchFamily="34" charset="-120"/>
+            </a:endParaRPr>
+          </a:p>
+          <a:p>
+            <a:r>
               <a:rPr lang="en-GB" altLang="zh-TW" sz="2000" dirty="0">
                 <a:solidFill>
                   <a:schemeClr val="bg1"/>
@@ -10101,8 +10397,16 @@
               </a:rPr>
               <a:t>|</a:t>
             </a:r>
-          </a:p>
-          <a:p>
+            <a:r>
+              <a:rPr lang="zh-TW" altLang="en-US" sz="2000" dirty="0">
+                <a:solidFill>
+                  <a:schemeClr val="bg1"/>
+                </a:solidFill>
+                <a:latin typeface="Consolas" panose="020B0609020204030204" pitchFamily="49" charset="0"/>
+                <a:ea typeface="Microsoft JhengHei UI Light" panose="020B0304030504040204" pitchFamily="34" charset="-120"/>
+              </a:rPr>
+              <a:t>陳明賢 </a:t>
+            </a:r>
             <a:r>
               <a:rPr lang="en-GB" altLang="zh-TW" sz="2000" dirty="0">
                 <a:solidFill>
@@ -10111,10 +10415,28 @@
                 <a:latin typeface="Consolas" panose="020B0609020204030204" pitchFamily="49" charset="0"/>
                 <a:ea typeface="Microsoft JhengHei UI Light" panose="020B0304030504040204" pitchFamily="34" charset="-120"/>
               </a:rPr>
-              <a:t>|-------------------------------------</a:t>
-            </a:r>
-          </a:p>
-          <a:p>
+              <a:t>|V</a:t>
+            </a:r>
+            <a:r>
+              <a:rPr lang="zh-TW" altLang="en-US" sz="2000" dirty="0">
+                <a:solidFill>
+                  <a:srgbClr val="262626"/>
+                </a:solidFill>
+                <a:latin typeface="Consolas" panose="020B0609020204030204" pitchFamily="49" charset="0"/>
+                <a:ea typeface="Microsoft JhengHei UI Light" panose="020B0304030504040204" pitchFamily="34" charset="-120"/>
+              </a:rPr>
+              <a:t>端設計  </a:t>
+            </a:r>
+            <a:r>
+              <a:rPr lang="en-US" altLang="zh-TW" sz="2000" dirty="0">
+                <a:solidFill>
+                  <a:schemeClr val="bg1"/>
+                </a:solidFill>
+                <a:latin typeface="Consolas" panose="020B0609020204030204" pitchFamily="49" charset="0"/>
+                <a:ea typeface="Microsoft JhengHei UI Light" panose="020B0304030504040204" pitchFamily="34" charset="-120"/>
+              </a:rPr>
+              <a:t>|</a:t>
+            </a:r>
             <a:r>
               <a:rPr lang="en-GB" altLang="zh-TW" sz="2000" dirty="0">
                 <a:solidFill>
@@ -10123,38 +10445,97 @@
                 <a:latin typeface="Consolas" panose="020B0609020204030204" pitchFamily="49" charset="0"/>
                 <a:ea typeface="Microsoft JhengHei UI Light" panose="020B0304030504040204" pitchFamily="34" charset="-120"/>
               </a:rPr>
+              <a:t>X</a:t>
+            </a:r>
+            <a:r>
+              <a:rPr lang="zh-TW" altLang="en-US" sz="2000" dirty="0">
+                <a:solidFill>
+                  <a:srgbClr val="262626"/>
+                </a:solidFill>
+                <a:latin typeface="Consolas" panose="020B0609020204030204" pitchFamily="49" charset="0"/>
+                <a:ea typeface="Microsoft JhengHei UI Light" panose="020B0304030504040204" pitchFamily="34" charset="-120"/>
+              </a:rPr>
+              <a:t>後端程式</a:t>
+            </a:r>
+            <a:r>
+              <a:rPr lang="en-US" altLang="zh-TW" sz="2000" dirty="0">
+                <a:solidFill>
+                  <a:schemeClr val="bg1"/>
+                </a:solidFill>
+                <a:latin typeface="Consolas" panose="020B0609020204030204" pitchFamily="49" charset="0"/>
+                <a:ea typeface="Microsoft JhengHei UI Light" panose="020B0304030504040204" pitchFamily="34" charset="-120"/>
+              </a:rPr>
+              <a:t>|V</a:t>
+            </a:r>
+            <a:r>
+              <a:rPr lang="zh-TW" altLang="en-US" sz="2000" dirty="0">
+                <a:solidFill>
+                  <a:srgbClr val="262626"/>
+                </a:solidFill>
+                <a:latin typeface="Consolas" panose="020B0609020204030204" pitchFamily="49" charset="0"/>
+                <a:ea typeface="Microsoft JhengHei UI Light" panose="020B0304030504040204" pitchFamily="34" charset="-120"/>
+              </a:rPr>
+              <a:t>資料庫設計</a:t>
+            </a:r>
+            <a:r>
+              <a:rPr lang="en-GB" altLang="zh-TW" sz="2000" dirty="0" smtClean="0">
+                <a:solidFill>
+                  <a:schemeClr val="bg1"/>
+                </a:solidFill>
+                <a:latin typeface="Consolas" panose="020B0609020204030204" pitchFamily="49" charset="0"/>
+                <a:ea typeface="Microsoft JhengHei UI Light" panose="020B0304030504040204" pitchFamily="34" charset="-120"/>
+              </a:rPr>
               <a:t>|</a:t>
             </a:r>
             <a:r>
-              <a:rPr lang="zh-TW" altLang="en-US" sz="2000" dirty="0">
+              <a:rPr lang="zh-TW" altLang="en-US" sz="2000" dirty="0" smtClean="0">
                 <a:solidFill>
                   <a:schemeClr val="bg1"/>
                 </a:solidFill>
                 <a:latin typeface="Consolas" panose="020B0609020204030204" pitchFamily="49" charset="0"/>
                 <a:ea typeface="Microsoft JhengHei UI Light" panose="020B0304030504040204" pitchFamily="34" charset="-120"/>
               </a:rPr>
-              <a:t>陳明賢 </a:t>
-            </a:r>
-            <a:r>
-              <a:rPr lang="en-GB" altLang="zh-TW" sz="2000" dirty="0">
+              <a:t> </a:t>
+            </a:r>
+            <a:r>
+              <a:rPr lang="en-US" altLang="zh-TW" sz="2000" dirty="0" smtClean="0">
                 <a:solidFill>
                   <a:schemeClr val="bg1"/>
                 </a:solidFill>
                 <a:latin typeface="Consolas" panose="020B0609020204030204" pitchFamily="49" charset="0"/>
                 <a:ea typeface="Microsoft JhengHei UI Light" panose="020B0304030504040204" pitchFamily="34" charset="-120"/>
               </a:rPr>
-              <a:t>|V</a:t>
-            </a:r>
-            <a:r>
-              <a:rPr lang="zh-TW" altLang="en-US" sz="2000" dirty="0">
-                <a:solidFill>
-                  <a:srgbClr val="262626"/>
+              <a:t>70</a:t>
+            </a:r>
+            <a:r>
+              <a:rPr lang="zh-TW" altLang="en-US" sz="2000" dirty="0" smtClean="0">
+                <a:solidFill>
+                  <a:schemeClr val="bg1"/>
                 </a:solidFill>
                 <a:latin typeface="Consolas" panose="020B0609020204030204" pitchFamily="49" charset="0"/>
                 <a:ea typeface="Microsoft JhengHei UI Light" panose="020B0304030504040204" pitchFamily="34" charset="-120"/>
               </a:rPr>
-              <a:t>端設計  </a:t>
-            </a:r>
+              <a:t>         </a:t>
+            </a:r>
+            <a:r>
+              <a:rPr lang="en-US" altLang="zh-TW" sz="2000" dirty="0" smtClean="0">
+                <a:solidFill>
+                  <a:schemeClr val="bg1"/>
+                </a:solidFill>
+                <a:latin typeface="Consolas" panose="020B0609020204030204" pitchFamily="49" charset="0"/>
+                <a:ea typeface="Microsoft JhengHei UI Light" panose="020B0304030504040204" pitchFamily="34" charset="-120"/>
+              </a:rPr>
+              <a:t>		|</a:t>
+            </a:r>
+            <a:endParaRPr lang="en-GB" altLang="zh-TW" sz="2000" dirty="0">
+              <a:solidFill>
+                <a:schemeClr val="bg1"/>
+              </a:solidFill>
+              <a:latin typeface="Consolas" panose="020B0609020204030204" pitchFamily="49" charset="0"/>
+              <a:ea typeface="Microsoft JhengHei UI Light" panose="020B0304030504040204" pitchFamily="34" charset="-120"/>
+            </a:endParaRPr>
+          </a:p>
+          <a:p>
             <a:r>
               <a:rPr lang="en-US" altLang="zh-TW" sz="2000" dirty="0">
                 <a:solidFill>
@@ -10163,79 +10544,27 @@
                 <a:latin typeface="Consolas" panose="020B0609020204030204" pitchFamily="49" charset="0"/>
                 <a:ea typeface="Microsoft JhengHei UI Light" panose="020B0304030504040204" pitchFamily="34" charset="-120"/>
               </a:rPr>
-              <a:t>|</a:t>
-            </a:r>
-            <a:r>
-              <a:rPr lang="en-GB" altLang="zh-TW" sz="2000" dirty="0">
+              <a:t>|-------</a:t>
+            </a:r>
+            <a:r>
+              <a:rPr lang="en-GB" altLang="zh-TW" sz="2000" dirty="0" smtClean="0">
                 <a:solidFill>
                   <a:schemeClr val="bg1"/>
                 </a:solidFill>
                 <a:latin typeface="Consolas" panose="020B0609020204030204" pitchFamily="49" charset="0"/>
                 <a:ea typeface="Microsoft JhengHei UI Light" panose="020B0304030504040204" pitchFamily="34" charset="-120"/>
               </a:rPr>
-              <a:t>X</a:t>
-            </a:r>
-            <a:r>
-              <a:rPr lang="zh-TW" altLang="en-US" sz="2000" dirty="0">
-                <a:solidFill>
-                  <a:srgbClr val="262626"/>
+              <a:t>------------------------------</a:t>
+            </a:r>
+            <a:r>
+              <a:rPr lang="en-US" altLang="zh-TW" sz="2000" dirty="0" smtClean="0">
+                <a:solidFill>
+                  <a:schemeClr val="bg1"/>
                 </a:solidFill>
                 <a:latin typeface="Consolas" panose="020B0609020204030204" pitchFamily="49" charset="0"/>
                 <a:ea typeface="Microsoft JhengHei UI Light" panose="020B0304030504040204" pitchFamily="34" charset="-120"/>
               </a:rPr>
-              <a:t>後端程式</a:t>
-            </a:r>
-            <a:r>
-              <a:rPr lang="en-US" altLang="zh-TW" sz="2000" dirty="0">
-                <a:solidFill>
-                  <a:schemeClr val="bg1"/>
-                </a:solidFill>
-                <a:latin typeface="Consolas" panose="020B0609020204030204" pitchFamily="49" charset="0"/>
-                <a:ea typeface="Microsoft JhengHei UI Light" panose="020B0304030504040204" pitchFamily="34" charset="-120"/>
-              </a:rPr>
-              <a:t>|V</a:t>
-            </a:r>
-            <a:r>
-              <a:rPr lang="zh-TW" altLang="en-US" sz="2000" dirty="0">
-                <a:solidFill>
-                  <a:srgbClr val="262626"/>
-                </a:solidFill>
-                <a:latin typeface="Consolas" panose="020B0609020204030204" pitchFamily="49" charset="0"/>
-                <a:ea typeface="Microsoft JhengHei UI Light" panose="020B0304030504040204" pitchFamily="34" charset="-120"/>
-              </a:rPr>
-              <a:t>資料庫設計</a:t>
-            </a:r>
-            <a:r>
-              <a:rPr lang="en-GB" altLang="zh-TW" sz="2000" dirty="0">
-                <a:solidFill>
-                  <a:schemeClr val="bg1"/>
-                </a:solidFill>
-                <a:latin typeface="Consolas" panose="020B0609020204030204" pitchFamily="49" charset="0"/>
-                <a:ea typeface="Microsoft JhengHei UI Light" panose="020B0304030504040204" pitchFamily="34" charset="-120"/>
-              </a:rPr>
-              <a:t>|</a:t>
-            </a:r>
-          </a:p>
-          <a:p>
-            <a:r>
-              <a:rPr lang="en-US" altLang="zh-TW" sz="2000" dirty="0">
-                <a:solidFill>
-                  <a:schemeClr val="bg1"/>
-                </a:solidFill>
-                <a:latin typeface="Consolas" panose="020B0609020204030204" pitchFamily="49" charset="0"/>
-                <a:ea typeface="Microsoft JhengHei UI Light" panose="020B0304030504040204" pitchFamily="34" charset="-120"/>
-              </a:rPr>
-              <a:t>|-------</a:t>
-            </a:r>
-            <a:r>
-              <a:rPr lang="en-GB" altLang="zh-TW" sz="2000" dirty="0">
-                <a:solidFill>
-                  <a:schemeClr val="bg1"/>
-                </a:solidFill>
-                <a:latin typeface="Consolas" panose="020B0609020204030204" pitchFamily="49" charset="0"/>
-                <a:ea typeface="Microsoft JhengHei UI Light" panose="020B0304030504040204" pitchFamily="34" charset="-120"/>
-              </a:rPr>
-              <a:t>------------------------------</a:t>
+              <a:t>----------------------</a:t>
             </a:r>
             <a:endParaRPr lang="en-US" altLang="zh-TW" sz="2000" dirty="0">
               <a:solidFill>
@@ -10337,7 +10666,7 @@
               <a:t>資料庫設計</a:t>
             </a:r>
             <a:r>
-              <a:rPr lang="en-GB" altLang="zh-TW" sz="2000" dirty="0">
+              <a:rPr lang="en-GB" altLang="zh-TW" sz="2000" dirty="0" smtClean="0">
                 <a:solidFill>
                   <a:schemeClr val="bg1"/>
                 </a:solidFill>
@@ -10346,18 +10675,62 @@
               </a:rPr>
               <a:t>|</a:t>
             </a:r>
-          </a:p>
-          <a:p>
-            <a:r>
-              <a:rPr lang="en-GB" altLang="zh-TW" sz="2000" dirty="0">
+            <a:r>
+              <a:rPr lang="zh-TW" altLang="en-US" sz="2000" dirty="0" smtClean="0">
                 <a:solidFill>
                   <a:schemeClr val="bg1"/>
                 </a:solidFill>
                 <a:latin typeface="Consolas" panose="020B0609020204030204" pitchFamily="49" charset="0"/>
                 <a:ea typeface="Microsoft JhengHei UI Light" panose="020B0304030504040204" pitchFamily="34" charset="-120"/>
               </a:rPr>
+              <a:t>            </a:t>
+            </a:r>
+            <a:r>
+              <a:rPr lang="en-US" altLang="zh-TW" sz="2000" dirty="0" smtClean="0">
+                <a:solidFill>
+                  <a:schemeClr val="bg1"/>
+                </a:solidFill>
+                <a:latin typeface="Consolas" panose="020B0609020204030204" pitchFamily="49" charset="0"/>
+                <a:ea typeface="Microsoft JhengHei UI Light" panose="020B0304030504040204" pitchFamily="34" charset="-120"/>
+              </a:rPr>
+              <a:t>		|</a:t>
+            </a:r>
+            <a:endParaRPr lang="en-GB" altLang="zh-TW" sz="2000" dirty="0">
+              <a:solidFill>
+                <a:schemeClr val="bg1"/>
+              </a:solidFill>
+              <a:latin typeface="Consolas" panose="020B0609020204030204" pitchFamily="49" charset="0"/>
+              <a:ea typeface="Microsoft JhengHei UI Light" panose="020B0304030504040204" pitchFamily="34" charset="-120"/>
+            </a:endParaRPr>
+          </a:p>
+          <a:p>
+            <a:r>
+              <a:rPr lang="en-GB" altLang="zh-TW" sz="2000" dirty="0" smtClean="0">
+                <a:solidFill>
+                  <a:schemeClr val="bg1"/>
+                </a:solidFill>
+                <a:latin typeface="Consolas" panose="020B0609020204030204" pitchFamily="49" charset="0"/>
+                <a:ea typeface="Microsoft JhengHei UI Light" panose="020B0304030504040204" pitchFamily="34" charset="-120"/>
+              </a:rPr>
               <a:t>|-------------------------------------</a:t>
             </a:r>
+            <a:r>
+              <a:rPr lang="en-US" altLang="zh-TW" sz="2000" dirty="0" smtClean="0">
+                <a:solidFill>
+                  <a:schemeClr val="bg1"/>
+                </a:solidFill>
+                <a:latin typeface="Consolas" panose="020B0609020204030204" pitchFamily="49" charset="0"/>
+                <a:ea typeface="Microsoft JhengHei UI Light" panose="020B0304030504040204" pitchFamily="34" charset="-120"/>
+              </a:rPr>
+              <a:t>----------------------</a:t>
+            </a:r>
+            <a:endParaRPr lang="en-GB" altLang="zh-TW" sz="2000" dirty="0">
+              <a:solidFill>
+                <a:schemeClr val="bg1"/>
+              </a:solidFill>
+              <a:latin typeface="Consolas" panose="020B0609020204030204" pitchFamily="49" charset="0"/>
+              <a:ea typeface="Microsoft JhengHei UI Light" panose="020B0304030504040204" pitchFamily="34" charset="-120"/>
+            </a:endParaRPr>
           </a:p>
         </p:txBody>
       </p:sp>
@@ -10704,7 +11077,7 @@
           <p:cNvPr id="22" name="矩形 3">
             <a:extLst>
               <a:ext uri="{FF2B5EF4-FFF2-40B4-BE49-F238E27FC236}">
-                <a16:creationId xmlns:a16="http://schemas.microsoft.com/office/drawing/2014/main" id="{AC167845-82AC-4B39-8198-B9E73F081CCD}"/>
+                <a16:creationId xmlns:a16="http://schemas.microsoft.com/office/drawing/2014/main" xmlns="" id="{AC167845-82AC-4B39-8198-B9E73F081CCD}"/>
               </a:ext>
             </a:extLst>
           </p:cNvPr>
@@ -10763,7 +11136,7 @@
           <p:cNvPr id="23" name="矩形 4">
             <a:extLst>
               <a:ext uri="{FF2B5EF4-FFF2-40B4-BE49-F238E27FC236}">
-                <a16:creationId xmlns:a16="http://schemas.microsoft.com/office/drawing/2014/main" id="{BFF19E05-7F0B-4D53-80A0-D5568C6C5E7E}"/>
+                <a16:creationId xmlns:a16="http://schemas.microsoft.com/office/drawing/2014/main" xmlns="" id="{BFF19E05-7F0B-4D53-80A0-D5568C6C5E7E}"/>
               </a:ext>
             </a:extLst>
           </p:cNvPr>
@@ -10815,7 +11188,7 @@
           <p:cNvPr id="24" name="文字方塊 5">
             <a:extLst>
               <a:ext uri="{FF2B5EF4-FFF2-40B4-BE49-F238E27FC236}">
-                <a16:creationId xmlns:a16="http://schemas.microsoft.com/office/drawing/2014/main" id="{345E91AF-1F31-4DE1-ABCD-8C0326089302}"/>
+                <a16:creationId xmlns:a16="http://schemas.microsoft.com/office/drawing/2014/main" xmlns="" id="{345E91AF-1F31-4DE1-ABCD-8C0326089302}"/>
               </a:ext>
             </a:extLst>
           </p:cNvPr>
@@ -10873,7 +11246,7 @@
           <p:cNvPr id="25" name="文字方塊 6">
             <a:extLst>
               <a:ext uri="{FF2B5EF4-FFF2-40B4-BE49-F238E27FC236}">
-                <a16:creationId xmlns:a16="http://schemas.microsoft.com/office/drawing/2014/main" id="{AFA5128D-FDC6-49CF-B065-490ED7618382}"/>
+                <a16:creationId xmlns:a16="http://schemas.microsoft.com/office/drawing/2014/main" xmlns="" id="{AFA5128D-FDC6-49CF-B065-490ED7618382}"/>
               </a:ext>
             </a:extLst>
           </p:cNvPr>
@@ -10950,7 +11323,7 @@
           <p:cNvPr id="26" name="文字方塊 7">
             <a:extLst>
               <a:ext uri="{FF2B5EF4-FFF2-40B4-BE49-F238E27FC236}">
-                <a16:creationId xmlns:a16="http://schemas.microsoft.com/office/drawing/2014/main" id="{500E8BF5-A714-4F7E-B7D2-041B71BE2C03}"/>
+                <a16:creationId xmlns:a16="http://schemas.microsoft.com/office/drawing/2014/main" xmlns="" id="{500E8BF5-A714-4F7E-B7D2-041B71BE2C03}"/>
               </a:ext>
             </a:extLst>
           </p:cNvPr>
@@ -10993,7 +11366,7 @@
           <p:cNvPr id="27" name="文字方塊 8">
             <a:extLst>
               <a:ext uri="{FF2B5EF4-FFF2-40B4-BE49-F238E27FC236}">
-                <a16:creationId xmlns:a16="http://schemas.microsoft.com/office/drawing/2014/main" id="{FFE8DD17-A16E-4199-9B5D-237044F47F7E}"/>
+                <a16:creationId xmlns:a16="http://schemas.microsoft.com/office/drawing/2014/main" xmlns="" id="{FFE8DD17-A16E-4199-9B5D-237044F47F7E}"/>
               </a:ext>
             </a:extLst>
           </p:cNvPr>
@@ -11036,7 +11409,7 @@
           <p:cNvPr id="28" name="文字方塊 9">
             <a:extLst>
               <a:ext uri="{FF2B5EF4-FFF2-40B4-BE49-F238E27FC236}">
-                <a16:creationId xmlns:a16="http://schemas.microsoft.com/office/drawing/2014/main" id="{8EB946F6-2EEC-44AF-B2BF-2AA8B4F2CBC4}"/>
+                <a16:creationId xmlns:a16="http://schemas.microsoft.com/office/drawing/2014/main" xmlns="" id="{8EB946F6-2EEC-44AF-B2BF-2AA8B4F2CBC4}"/>
               </a:ext>
             </a:extLst>
           </p:cNvPr>
@@ -11071,7 +11444,7 @@
           <p:cNvPr id="29" name="文字方塊 10">
             <a:extLst>
               <a:ext uri="{FF2B5EF4-FFF2-40B4-BE49-F238E27FC236}">
-                <a16:creationId xmlns:a16="http://schemas.microsoft.com/office/drawing/2014/main" id="{582EF791-130E-440F-A226-EA7E4EB5AC28}"/>
+                <a16:creationId xmlns:a16="http://schemas.microsoft.com/office/drawing/2014/main" xmlns="" id="{582EF791-130E-440F-A226-EA7E4EB5AC28}"/>
               </a:ext>
             </a:extLst>
           </p:cNvPr>
@@ -11165,7 +11538,7 @@
           <p:cNvPr id="30" name="文字方塊 12">
             <a:extLst>
               <a:ext uri="{FF2B5EF4-FFF2-40B4-BE49-F238E27FC236}">
-                <a16:creationId xmlns:a16="http://schemas.microsoft.com/office/drawing/2014/main" id="{0B05D7D0-BAE6-4995-934B-E00CFFD98FA0}"/>
+                <a16:creationId xmlns:a16="http://schemas.microsoft.com/office/drawing/2014/main" xmlns="" id="{0B05D7D0-BAE6-4995-934B-E00CFFD98FA0}"/>
               </a:ext>
             </a:extLst>
           </p:cNvPr>
@@ -11211,7 +11584,7 @@
           <p:cNvPr id="31" name="矩形 13">
             <a:extLst>
               <a:ext uri="{FF2B5EF4-FFF2-40B4-BE49-F238E27FC236}">
-                <a16:creationId xmlns:a16="http://schemas.microsoft.com/office/drawing/2014/main" id="{C47076D3-12F2-455B-91A6-C3C4BA991D9D}"/>
+                <a16:creationId xmlns:a16="http://schemas.microsoft.com/office/drawing/2014/main" xmlns="" id="{C47076D3-12F2-455B-91A6-C3C4BA991D9D}"/>
               </a:ext>
             </a:extLst>
           </p:cNvPr>
@@ -11265,7 +11638,7 @@
           <p:cNvPr id="32" name="矩形 15">
             <a:extLst>
               <a:ext uri="{FF2B5EF4-FFF2-40B4-BE49-F238E27FC236}">
-                <a16:creationId xmlns:a16="http://schemas.microsoft.com/office/drawing/2014/main" id="{14A1C11C-261E-440B-8C29-2C2422867D77}"/>
+                <a16:creationId xmlns:a16="http://schemas.microsoft.com/office/drawing/2014/main" xmlns="" id="{14A1C11C-261E-440B-8C29-2C2422867D77}"/>
               </a:ext>
             </a:extLst>
           </p:cNvPr>
@@ -11329,7 +11702,7 @@
           <p:cNvPr id="33" name="矩形 16">
             <a:extLst>
               <a:ext uri="{FF2B5EF4-FFF2-40B4-BE49-F238E27FC236}">
-                <a16:creationId xmlns:a16="http://schemas.microsoft.com/office/drawing/2014/main" id="{1E099F5A-27A1-4829-80DF-E9BA27A29F6A}"/>
+                <a16:creationId xmlns:a16="http://schemas.microsoft.com/office/drawing/2014/main" xmlns="" id="{1E099F5A-27A1-4829-80DF-E9BA27A29F6A}"/>
               </a:ext>
             </a:extLst>
           </p:cNvPr>
@@ -11401,7 +11774,7 @@
           <p:cNvPr id="34" name="矩形 17">
             <a:extLst>
               <a:ext uri="{FF2B5EF4-FFF2-40B4-BE49-F238E27FC236}">
-                <a16:creationId xmlns:a16="http://schemas.microsoft.com/office/drawing/2014/main" id="{C2F7121F-64BF-4D27-90CA-E3A5761DB752}"/>
+                <a16:creationId xmlns:a16="http://schemas.microsoft.com/office/drawing/2014/main" xmlns="" id="{C2F7121F-64BF-4D27-90CA-E3A5761DB752}"/>
               </a:ext>
             </a:extLst>
           </p:cNvPr>
@@ -11455,7 +11828,7 @@
           <p:cNvPr id="35" name="文字方塊 18">
             <a:extLst>
               <a:ext uri="{FF2B5EF4-FFF2-40B4-BE49-F238E27FC236}">
-                <a16:creationId xmlns:a16="http://schemas.microsoft.com/office/drawing/2014/main" id="{1D29CB4A-5938-486A-9B69-1C4863EBF835}"/>
+                <a16:creationId xmlns:a16="http://schemas.microsoft.com/office/drawing/2014/main" xmlns="" id="{1D29CB4A-5938-486A-9B69-1C4863EBF835}"/>
               </a:ext>
             </a:extLst>
           </p:cNvPr>
@@ -11503,7 +11876,7 @@
           <p:cNvPr id="36" name="文字方塊 19">
             <a:extLst>
               <a:ext uri="{FF2B5EF4-FFF2-40B4-BE49-F238E27FC236}">
-                <a16:creationId xmlns:a16="http://schemas.microsoft.com/office/drawing/2014/main" id="{5D01598A-BC8E-452D-99D7-9A19476E2209}"/>
+                <a16:creationId xmlns:a16="http://schemas.microsoft.com/office/drawing/2014/main" xmlns="" id="{5D01598A-BC8E-452D-99D7-9A19476E2209}"/>
               </a:ext>
             </a:extLst>
           </p:cNvPr>
@@ -12645,7 +13018,7 @@
           <p:cNvPr id="12" name="圖片 11">
             <a:extLst>
               <a:ext uri="{FF2B5EF4-FFF2-40B4-BE49-F238E27FC236}">
-                <a16:creationId xmlns:a16="http://schemas.microsoft.com/office/drawing/2014/main" id="{B9DF6B5C-771F-47F3-86B1-8F20232752D4}"/>
+                <a16:creationId xmlns:a16="http://schemas.microsoft.com/office/drawing/2014/main" xmlns="" id="{B9DF6B5C-771F-47F3-86B1-8F20232752D4}"/>
               </a:ext>
             </a:extLst>
           </p:cNvPr>
@@ -13043,7 +13416,7 @@
           <p:cNvPr id="22" name="矩形 3">
             <a:extLst>
               <a:ext uri="{FF2B5EF4-FFF2-40B4-BE49-F238E27FC236}">
-                <a16:creationId xmlns:a16="http://schemas.microsoft.com/office/drawing/2014/main" id="{AC167845-82AC-4B39-8198-B9E73F081CCD}"/>
+                <a16:creationId xmlns:a16="http://schemas.microsoft.com/office/drawing/2014/main" xmlns="" id="{AC167845-82AC-4B39-8198-B9E73F081CCD}"/>
               </a:ext>
             </a:extLst>
           </p:cNvPr>
@@ -13102,7 +13475,7 @@
           <p:cNvPr id="23" name="矩形 4">
             <a:extLst>
               <a:ext uri="{FF2B5EF4-FFF2-40B4-BE49-F238E27FC236}">
-                <a16:creationId xmlns:a16="http://schemas.microsoft.com/office/drawing/2014/main" id="{BFF19E05-7F0B-4D53-80A0-D5568C6C5E7E}"/>
+                <a16:creationId xmlns:a16="http://schemas.microsoft.com/office/drawing/2014/main" xmlns="" id="{BFF19E05-7F0B-4D53-80A0-D5568C6C5E7E}"/>
               </a:ext>
             </a:extLst>
           </p:cNvPr>
@@ -13154,7 +13527,7 @@
           <p:cNvPr id="24" name="文字方塊 5">
             <a:extLst>
               <a:ext uri="{FF2B5EF4-FFF2-40B4-BE49-F238E27FC236}">
-                <a16:creationId xmlns:a16="http://schemas.microsoft.com/office/drawing/2014/main" id="{345E91AF-1F31-4DE1-ABCD-8C0326089302}"/>
+                <a16:creationId xmlns:a16="http://schemas.microsoft.com/office/drawing/2014/main" xmlns="" id="{345E91AF-1F31-4DE1-ABCD-8C0326089302}"/>
               </a:ext>
             </a:extLst>
           </p:cNvPr>
@@ -13212,7 +13585,7 @@
           <p:cNvPr id="25" name="文字方塊 6">
             <a:extLst>
               <a:ext uri="{FF2B5EF4-FFF2-40B4-BE49-F238E27FC236}">
-                <a16:creationId xmlns:a16="http://schemas.microsoft.com/office/drawing/2014/main" id="{AFA5128D-FDC6-49CF-B065-490ED7618382}"/>
+                <a16:creationId xmlns:a16="http://schemas.microsoft.com/office/drawing/2014/main" xmlns="" id="{AFA5128D-FDC6-49CF-B065-490ED7618382}"/>
               </a:ext>
             </a:extLst>
           </p:cNvPr>
@@ -13289,7 +13662,7 @@
           <p:cNvPr id="26" name="文字方塊 7">
             <a:extLst>
               <a:ext uri="{FF2B5EF4-FFF2-40B4-BE49-F238E27FC236}">
-                <a16:creationId xmlns:a16="http://schemas.microsoft.com/office/drawing/2014/main" id="{500E8BF5-A714-4F7E-B7D2-041B71BE2C03}"/>
+                <a16:creationId xmlns:a16="http://schemas.microsoft.com/office/drawing/2014/main" xmlns="" id="{500E8BF5-A714-4F7E-B7D2-041B71BE2C03}"/>
               </a:ext>
             </a:extLst>
           </p:cNvPr>
@@ -13332,7 +13705,7 @@
           <p:cNvPr id="27" name="文字方塊 8">
             <a:extLst>
               <a:ext uri="{FF2B5EF4-FFF2-40B4-BE49-F238E27FC236}">
-                <a16:creationId xmlns:a16="http://schemas.microsoft.com/office/drawing/2014/main" id="{FFE8DD17-A16E-4199-9B5D-237044F47F7E}"/>
+                <a16:creationId xmlns:a16="http://schemas.microsoft.com/office/drawing/2014/main" xmlns="" id="{FFE8DD17-A16E-4199-9B5D-237044F47F7E}"/>
               </a:ext>
             </a:extLst>
           </p:cNvPr>
@@ -13375,7 +13748,7 @@
           <p:cNvPr id="28" name="文字方塊 9">
             <a:extLst>
               <a:ext uri="{FF2B5EF4-FFF2-40B4-BE49-F238E27FC236}">
-                <a16:creationId xmlns:a16="http://schemas.microsoft.com/office/drawing/2014/main" id="{8EB946F6-2EEC-44AF-B2BF-2AA8B4F2CBC4}"/>
+                <a16:creationId xmlns:a16="http://schemas.microsoft.com/office/drawing/2014/main" xmlns="" id="{8EB946F6-2EEC-44AF-B2BF-2AA8B4F2CBC4}"/>
               </a:ext>
             </a:extLst>
           </p:cNvPr>
@@ -13410,7 +13783,7 @@
           <p:cNvPr id="29" name="文字方塊 10">
             <a:extLst>
               <a:ext uri="{FF2B5EF4-FFF2-40B4-BE49-F238E27FC236}">
-                <a16:creationId xmlns:a16="http://schemas.microsoft.com/office/drawing/2014/main" id="{582EF791-130E-440F-A226-EA7E4EB5AC28}"/>
+                <a16:creationId xmlns:a16="http://schemas.microsoft.com/office/drawing/2014/main" xmlns="" id="{582EF791-130E-440F-A226-EA7E4EB5AC28}"/>
               </a:ext>
             </a:extLst>
           </p:cNvPr>
@@ -13504,7 +13877,7 @@
           <p:cNvPr id="30" name="文字方塊 12">
             <a:extLst>
               <a:ext uri="{FF2B5EF4-FFF2-40B4-BE49-F238E27FC236}">
-                <a16:creationId xmlns:a16="http://schemas.microsoft.com/office/drawing/2014/main" id="{0B05D7D0-BAE6-4995-934B-E00CFFD98FA0}"/>
+                <a16:creationId xmlns:a16="http://schemas.microsoft.com/office/drawing/2014/main" xmlns="" id="{0B05D7D0-BAE6-4995-934B-E00CFFD98FA0}"/>
               </a:ext>
             </a:extLst>
           </p:cNvPr>
@@ -13550,7 +13923,7 @@
           <p:cNvPr id="31" name="矩形 13">
             <a:extLst>
               <a:ext uri="{FF2B5EF4-FFF2-40B4-BE49-F238E27FC236}">
-                <a16:creationId xmlns:a16="http://schemas.microsoft.com/office/drawing/2014/main" id="{C47076D3-12F2-455B-91A6-C3C4BA991D9D}"/>
+                <a16:creationId xmlns:a16="http://schemas.microsoft.com/office/drawing/2014/main" xmlns="" id="{C47076D3-12F2-455B-91A6-C3C4BA991D9D}"/>
               </a:ext>
             </a:extLst>
           </p:cNvPr>
@@ -13604,7 +13977,7 @@
           <p:cNvPr id="32" name="矩形 15">
             <a:extLst>
               <a:ext uri="{FF2B5EF4-FFF2-40B4-BE49-F238E27FC236}">
-                <a16:creationId xmlns:a16="http://schemas.microsoft.com/office/drawing/2014/main" id="{14A1C11C-261E-440B-8C29-2C2422867D77}"/>
+                <a16:creationId xmlns:a16="http://schemas.microsoft.com/office/drawing/2014/main" xmlns="" id="{14A1C11C-261E-440B-8C29-2C2422867D77}"/>
               </a:ext>
             </a:extLst>
           </p:cNvPr>
@@ -13668,7 +14041,7 @@
           <p:cNvPr id="33" name="矩形 16">
             <a:extLst>
               <a:ext uri="{FF2B5EF4-FFF2-40B4-BE49-F238E27FC236}">
-                <a16:creationId xmlns:a16="http://schemas.microsoft.com/office/drawing/2014/main" id="{1E099F5A-27A1-4829-80DF-E9BA27A29F6A}"/>
+                <a16:creationId xmlns:a16="http://schemas.microsoft.com/office/drawing/2014/main" xmlns="" id="{1E099F5A-27A1-4829-80DF-E9BA27A29F6A}"/>
               </a:ext>
             </a:extLst>
           </p:cNvPr>
@@ -13740,7 +14113,7 @@
           <p:cNvPr id="34" name="矩形 17">
             <a:extLst>
               <a:ext uri="{FF2B5EF4-FFF2-40B4-BE49-F238E27FC236}">
-                <a16:creationId xmlns:a16="http://schemas.microsoft.com/office/drawing/2014/main" id="{C2F7121F-64BF-4D27-90CA-E3A5761DB752}"/>
+                <a16:creationId xmlns:a16="http://schemas.microsoft.com/office/drawing/2014/main" xmlns="" id="{C2F7121F-64BF-4D27-90CA-E3A5761DB752}"/>
               </a:ext>
             </a:extLst>
           </p:cNvPr>
@@ -13794,7 +14167,7 @@
           <p:cNvPr id="35" name="文字方塊 18">
             <a:extLst>
               <a:ext uri="{FF2B5EF4-FFF2-40B4-BE49-F238E27FC236}">
-                <a16:creationId xmlns:a16="http://schemas.microsoft.com/office/drawing/2014/main" id="{1D29CB4A-5938-486A-9B69-1C4863EBF835}"/>
+                <a16:creationId xmlns:a16="http://schemas.microsoft.com/office/drawing/2014/main" xmlns="" id="{1D29CB4A-5938-486A-9B69-1C4863EBF835}"/>
               </a:ext>
             </a:extLst>
           </p:cNvPr>
@@ -13841,7 +14214,7 @@
           <p:cNvPr id="36" name="文字方塊 19">
             <a:extLst>
               <a:ext uri="{FF2B5EF4-FFF2-40B4-BE49-F238E27FC236}">
-                <a16:creationId xmlns:a16="http://schemas.microsoft.com/office/drawing/2014/main" id="{5D01598A-BC8E-452D-99D7-9A19476E2209}"/>
+                <a16:creationId xmlns:a16="http://schemas.microsoft.com/office/drawing/2014/main" xmlns="" id="{5D01598A-BC8E-452D-99D7-9A19476E2209}"/>
               </a:ext>
             </a:extLst>
           </p:cNvPr>
@@ -13887,7 +14260,7 @@
           <p:cNvPr id="37" name="文字方塊 20">
             <a:extLst>
               <a:ext uri="{FF2B5EF4-FFF2-40B4-BE49-F238E27FC236}">
-                <a16:creationId xmlns:a16="http://schemas.microsoft.com/office/drawing/2014/main" id="{710C7FF3-F020-484B-AE3E-C742E1A1ECA1}"/>
+                <a16:creationId xmlns:a16="http://schemas.microsoft.com/office/drawing/2014/main" xmlns="" id="{710C7FF3-F020-484B-AE3E-C742E1A1ECA1}"/>
               </a:ext>
             </a:extLst>
           </p:cNvPr>
@@ -13933,7 +14306,7 @@
           <p:cNvPr id="41" name="文字方塊 21">
             <a:extLst>
               <a:ext uri="{FF2B5EF4-FFF2-40B4-BE49-F238E27FC236}">
-                <a16:creationId xmlns:a16="http://schemas.microsoft.com/office/drawing/2014/main" id="{E44FE225-C03F-4FC4-AF79-884B9E2A38A6}"/>
+                <a16:creationId xmlns:a16="http://schemas.microsoft.com/office/drawing/2014/main" xmlns="" id="{E44FE225-C03F-4FC4-AF79-884B9E2A38A6}"/>
               </a:ext>
             </a:extLst>
           </p:cNvPr>
@@ -14040,7 +14413,7 @@
           <p:cNvPr id="42" name="文字方塊 20">
             <a:extLst>
               <a:ext uri="{FF2B5EF4-FFF2-40B4-BE49-F238E27FC236}">
-                <a16:creationId xmlns:a16="http://schemas.microsoft.com/office/drawing/2014/main" id="{4A52D2E5-6117-4902-9AC4-728FF7B5C906}"/>
+                <a16:creationId xmlns:a16="http://schemas.microsoft.com/office/drawing/2014/main" xmlns="" id="{4A52D2E5-6117-4902-9AC4-728FF7B5C906}"/>
               </a:ext>
             </a:extLst>
           </p:cNvPr>
@@ -14086,7 +14459,7 @@
           <p:cNvPr id="43" name="文字方塊 21">
             <a:extLst>
               <a:ext uri="{FF2B5EF4-FFF2-40B4-BE49-F238E27FC236}">
-                <a16:creationId xmlns:a16="http://schemas.microsoft.com/office/drawing/2014/main" id="{5CD9B923-72F3-44D0-BBB7-F9B4509B796C}"/>
+                <a16:creationId xmlns:a16="http://schemas.microsoft.com/office/drawing/2014/main" xmlns="" id="{5CD9B923-72F3-44D0-BBB7-F9B4509B796C}"/>
               </a:ext>
             </a:extLst>
           </p:cNvPr>
@@ -14557,7 +14930,7 @@
         </p:nvSpPr>
         <p:spPr>
           <a:xfrm>
-            <a:off x="-45445" y="-630936"/>
+            <a:off x="7563" y="18412"/>
             <a:ext cx="12192000" cy="6858000"/>
           </a:xfrm>
           <a:prstGeom prst="rect">
@@ -15376,7 +15749,7 @@
           <p:cNvPr id="2" name="圖片 1">
             <a:extLst>
               <a:ext uri="{FF2B5EF4-FFF2-40B4-BE49-F238E27FC236}">
-                <a16:creationId xmlns:a16="http://schemas.microsoft.com/office/drawing/2014/main" id="{0A0B0DF2-D706-4ED8-BD06-723163A1E969}"/>
+                <a16:creationId xmlns:a16="http://schemas.microsoft.com/office/drawing/2014/main" xmlns="" id="{0A0B0DF2-D706-4ED8-BD06-723163A1E969}"/>
               </a:ext>
             </a:extLst>
           </p:cNvPr>
@@ -15766,7 +16139,7 @@
           <p:cNvPr id="22" name="矩形 3">
             <a:extLst>
               <a:ext uri="{FF2B5EF4-FFF2-40B4-BE49-F238E27FC236}">
-                <a16:creationId xmlns:a16="http://schemas.microsoft.com/office/drawing/2014/main" id="{AC167845-82AC-4B39-8198-B9E73F081CCD}"/>
+                <a16:creationId xmlns:a16="http://schemas.microsoft.com/office/drawing/2014/main" xmlns="" id="{AC167845-82AC-4B39-8198-B9E73F081CCD}"/>
               </a:ext>
             </a:extLst>
           </p:cNvPr>
@@ -15825,7 +16198,7 @@
           <p:cNvPr id="23" name="矩形 4">
             <a:extLst>
               <a:ext uri="{FF2B5EF4-FFF2-40B4-BE49-F238E27FC236}">
-                <a16:creationId xmlns:a16="http://schemas.microsoft.com/office/drawing/2014/main" id="{BFF19E05-7F0B-4D53-80A0-D5568C6C5E7E}"/>
+                <a16:creationId xmlns:a16="http://schemas.microsoft.com/office/drawing/2014/main" xmlns="" id="{BFF19E05-7F0B-4D53-80A0-D5568C6C5E7E}"/>
               </a:ext>
             </a:extLst>
           </p:cNvPr>
@@ -15877,7 +16250,7 @@
           <p:cNvPr id="24" name="文字方塊 5">
             <a:extLst>
               <a:ext uri="{FF2B5EF4-FFF2-40B4-BE49-F238E27FC236}">
-                <a16:creationId xmlns:a16="http://schemas.microsoft.com/office/drawing/2014/main" id="{345E91AF-1F31-4DE1-ABCD-8C0326089302}"/>
+                <a16:creationId xmlns:a16="http://schemas.microsoft.com/office/drawing/2014/main" xmlns="" id="{345E91AF-1F31-4DE1-ABCD-8C0326089302}"/>
               </a:ext>
             </a:extLst>
           </p:cNvPr>
@@ -15935,7 +16308,7 @@
           <p:cNvPr id="25" name="文字方塊 6">
             <a:extLst>
               <a:ext uri="{FF2B5EF4-FFF2-40B4-BE49-F238E27FC236}">
-                <a16:creationId xmlns:a16="http://schemas.microsoft.com/office/drawing/2014/main" id="{AFA5128D-FDC6-49CF-B065-490ED7618382}"/>
+                <a16:creationId xmlns:a16="http://schemas.microsoft.com/office/drawing/2014/main" xmlns="" id="{AFA5128D-FDC6-49CF-B065-490ED7618382}"/>
               </a:ext>
             </a:extLst>
           </p:cNvPr>
@@ -16012,7 +16385,7 @@
           <p:cNvPr id="26" name="文字方塊 7">
             <a:extLst>
               <a:ext uri="{FF2B5EF4-FFF2-40B4-BE49-F238E27FC236}">
-                <a16:creationId xmlns:a16="http://schemas.microsoft.com/office/drawing/2014/main" id="{500E8BF5-A714-4F7E-B7D2-041B71BE2C03}"/>
+                <a16:creationId xmlns:a16="http://schemas.microsoft.com/office/drawing/2014/main" xmlns="" id="{500E8BF5-A714-4F7E-B7D2-041B71BE2C03}"/>
               </a:ext>
             </a:extLst>
           </p:cNvPr>
@@ -16055,7 +16428,7 @@
           <p:cNvPr id="27" name="文字方塊 8">
             <a:extLst>
               <a:ext uri="{FF2B5EF4-FFF2-40B4-BE49-F238E27FC236}">
-                <a16:creationId xmlns:a16="http://schemas.microsoft.com/office/drawing/2014/main" id="{FFE8DD17-A16E-4199-9B5D-237044F47F7E}"/>
+                <a16:creationId xmlns:a16="http://schemas.microsoft.com/office/drawing/2014/main" xmlns="" id="{FFE8DD17-A16E-4199-9B5D-237044F47F7E}"/>
               </a:ext>
             </a:extLst>
           </p:cNvPr>
@@ -16098,7 +16471,7 @@
           <p:cNvPr id="28" name="文字方塊 9">
             <a:extLst>
               <a:ext uri="{FF2B5EF4-FFF2-40B4-BE49-F238E27FC236}">
-                <a16:creationId xmlns:a16="http://schemas.microsoft.com/office/drawing/2014/main" id="{8EB946F6-2EEC-44AF-B2BF-2AA8B4F2CBC4}"/>
+                <a16:creationId xmlns:a16="http://schemas.microsoft.com/office/drawing/2014/main" xmlns="" id="{8EB946F6-2EEC-44AF-B2BF-2AA8B4F2CBC4}"/>
               </a:ext>
             </a:extLst>
           </p:cNvPr>
@@ -16133,7 +16506,7 @@
           <p:cNvPr id="29" name="文字方塊 10">
             <a:extLst>
               <a:ext uri="{FF2B5EF4-FFF2-40B4-BE49-F238E27FC236}">
-                <a16:creationId xmlns:a16="http://schemas.microsoft.com/office/drawing/2014/main" id="{582EF791-130E-440F-A226-EA7E4EB5AC28}"/>
+                <a16:creationId xmlns:a16="http://schemas.microsoft.com/office/drawing/2014/main" xmlns="" id="{582EF791-130E-440F-A226-EA7E4EB5AC28}"/>
               </a:ext>
             </a:extLst>
           </p:cNvPr>
@@ -16227,7 +16600,7 @@
           <p:cNvPr id="30" name="文字方塊 12">
             <a:extLst>
               <a:ext uri="{FF2B5EF4-FFF2-40B4-BE49-F238E27FC236}">
-                <a16:creationId xmlns:a16="http://schemas.microsoft.com/office/drawing/2014/main" id="{0B05D7D0-BAE6-4995-934B-E00CFFD98FA0}"/>
+                <a16:creationId xmlns:a16="http://schemas.microsoft.com/office/drawing/2014/main" xmlns="" id="{0B05D7D0-BAE6-4995-934B-E00CFFD98FA0}"/>
               </a:ext>
             </a:extLst>
           </p:cNvPr>
@@ -16273,7 +16646,7 @@
           <p:cNvPr id="31" name="矩形 13">
             <a:extLst>
               <a:ext uri="{FF2B5EF4-FFF2-40B4-BE49-F238E27FC236}">
-                <a16:creationId xmlns:a16="http://schemas.microsoft.com/office/drawing/2014/main" id="{C47076D3-12F2-455B-91A6-C3C4BA991D9D}"/>
+                <a16:creationId xmlns:a16="http://schemas.microsoft.com/office/drawing/2014/main" xmlns="" id="{C47076D3-12F2-455B-91A6-C3C4BA991D9D}"/>
               </a:ext>
             </a:extLst>
           </p:cNvPr>
@@ -16327,7 +16700,7 @@
           <p:cNvPr id="32" name="矩形 15">
             <a:extLst>
               <a:ext uri="{FF2B5EF4-FFF2-40B4-BE49-F238E27FC236}">
-                <a16:creationId xmlns:a16="http://schemas.microsoft.com/office/drawing/2014/main" id="{14A1C11C-261E-440B-8C29-2C2422867D77}"/>
+                <a16:creationId xmlns:a16="http://schemas.microsoft.com/office/drawing/2014/main" xmlns="" id="{14A1C11C-261E-440B-8C29-2C2422867D77}"/>
               </a:ext>
             </a:extLst>
           </p:cNvPr>
@@ -16391,7 +16764,7 @@
           <p:cNvPr id="33" name="矩形 16">
             <a:extLst>
               <a:ext uri="{FF2B5EF4-FFF2-40B4-BE49-F238E27FC236}">
-                <a16:creationId xmlns:a16="http://schemas.microsoft.com/office/drawing/2014/main" id="{1E099F5A-27A1-4829-80DF-E9BA27A29F6A}"/>
+                <a16:creationId xmlns:a16="http://schemas.microsoft.com/office/drawing/2014/main" xmlns="" id="{1E099F5A-27A1-4829-80DF-E9BA27A29F6A}"/>
               </a:ext>
             </a:extLst>
           </p:cNvPr>
@@ -16463,7 +16836,7 @@
           <p:cNvPr id="34" name="矩形 17">
             <a:extLst>
               <a:ext uri="{FF2B5EF4-FFF2-40B4-BE49-F238E27FC236}">
-                <a16:creationId xmlns:a16="http://schemas.microsoft.com/office/drawing/2014/main" id="{C2F7121F-64BF-4D27-90CA-E3A5761DB752}"/>
+                <a16:creationId xmlns:a16="http://schemas.microsoft.com/office/drawing/2014/main" xmlns="" id="{C2F7121F-64BF-4D27-90CA-E3A5761DB752}"/>
               </a:ext>
             </a:extLst>
           </p:cNvPr>
@@ -16517,7 +16890,7 @@
           <p:cNvPr id="35" name="文字方塊 18">
             <a:extLst>
               <a:ext uri="{FF2B5EF4-FFF2-40B4-BE49-F238E27FC236}">
-                <a16:creationId xmlns:a16="http://schemas.microsoft.com/office/drawing/2014/main" id="{1D29CB4A-5938-486A-9B69-1C4863EBF835}"/>
+                <a16:creationId xmlns:a16="http://schemas.microsoft.com/office/drawing/2014/main" xmlns="" id="{1D29CB4A-5938-486A-9B69-1C4863EBF835}"/>
               </a:ext>
             </a:extLst>
           </p:cNvPr>
@@ -16564,7 +16937,7 @@
           <p:cNvPr id="36" name="文字方塊 19">
             <a:extLst>
               <a:ext uri="{FF2B5EF4-FFF2-40B4-BE49-F238E27FC236}">
-                <a16:creationId xmlns:a16="http://schemas.microsoft.com/office/drawing/2014/main" id="{5D01598A-BC8E-452D-99D7-9A19476E2209}"/>
+                <a16:creationId xmlns:a16="http://schemas.microsoft.com/office/drawing/2014/main" xmlns="" id="{5D01598A-BC8E-452D-99D7-9A19476E2209}"/>
               </a:ext>
             </a:extLst>
           </p:cNvPr>
@@ -16610,7 +16983,7 @@
           <p:cNvPr id="37" name="文字方塊 20">
             <a:extLst>
               <a:ext uri="{FF2B5EF4-FFF2-40B4-BE49-F238E27FC236}">
-                <a16:creationId xmlns:a16="http://schemas.microsoft.com/office/drawing/2014/main" id="{710C7FF3-F020-484B-AE3E-C742E1A1ECA1}"/>
+                <a16:creationId xmlns:a16="http://schemas.microsoft.com/office/drawing/2014/main" xmlns="" id="{710C7FF3-F020-484B-AE3E-C742E1A1ECA1}"/>
               </a:ext>
             </a:extLst>
           </p:cNvPr>
@@ -16656,7 +17029,7 @@
           <p:cNvPr id="5" name="Group 4">
             <a:extLst>
               <a:ext uri="{FF2B5EF4-FFF2-40B4-BE49-F238E27FC236}">
-                <a16:creationId xmlns:a16="http://schemas.microsoft.com/office/drawing/2014/main" id="{046CB3DE-0C4C-4AA2-8F91-9AC21EE8EC24}"/>
+                <a16:creationId xmlns:a16="http://schemas.microsoft.com/office/drawing/2014/main" xmlns="" id="{046CB3DE-0C4C-4AA2-8F91-9AC21EE8EC24}"/>
               </a:ext>
             </a:extLst>
           </p:cNvPr>
@@ -16676,7 +17049,7 @@
             <p:cNvPr id="21" name="Google Shape;83;p16">
               <a:extLst>
                 <a:ext uri="{FF2B5EF4-FFF2-40B4-BE49-F238E27FC236}">
-                  <a16:creationId xmlns:a16="http://schemas.microsoft.com/office/drawing/2014/main" id="{8D1A771A-F97B-49E3-90A1-AE79093DC861}"/>
+                  <a16:creationId xmlns:a16="http://schemas.microsoft.com/office/drawing/2014/main" xmlns="" id="{8D1A771A-F97B-49E3-90A1-AE79093DC861}"/>
                 </a:ext>
               </a:extLst>
             </p:cNvPr>
@@ -16710,7 +17083,7 @@
             <p:cNvPr id="38" name="矩形 4">
               <a:extLst>
                 <a:ext uri="{FF2B5EF4-FFF2-40B4-BE49-F238E27FC236}">
-                  <a16:creationId xmlns:a16="http://schemas.microsoft.com/office/drawing/2014/main" id="{81712B43-F474-4202-9B8A-E15A20669DAA}"/>
+                  <a16:creationId xmlns:a16="http://schemas.microsoft.com/office/drawing/2014/main" xmlns="" id="{81712B43-F474-4202-9B8A-E15A20669DAA}"/>
                 </a:ext>
               </a:extLst>
             </p:cNvPr>
@@ -16764,7 +17137,7 @@
             <p:cNvPr id="40" name="文字方塊 6">
               <a:extLst>
                 <a:ext uri="{FF2B5EF4-FFF2-40B4-BE49-F238E27FC236}">
-                  <a16:creationId xmlns:a16="http://schemas.microsoft.com/office/drawing/2014/main" id="{01D20FCD-BA91-4B70-835D-3E1BDE452024}"/>
+                  <a16:creationId xmlns:a16="http://schemas.microsoft.com/office/drawing/2014/main" xmlns="" id="{01D20FCD-BA91-4B70-835D-3E1BDE452024}"/>
                 </a:ext>
               </a:extLst>
             </p:cNvPr>
@@ -16816,7 +17189,7 @@
             <p:cNvPr id="4" name="Picture 3">
               <a:extLst>
                 <a:ext uri="{FF2B5EF4-FFF2-40B4-BE49-F238E27FC236}">
-                  <a16:creationId xmlns:a16="http://schemas.microsoft.com/office/drawing/2014/main" id="{EF5B2090-F61C-4DC1-89B6-18D641C29427}"/>
+                  <a16:creationId xmlns:a16="http://schemas.microsoft.com/office/drawing/2014/main" xmlns="" id="{EF5B2090-F61C-4DC1-89B6-18D641C29427}"/>
                 </a:ext>
               </a:extLst>
             </p:cNvPr>
@@ -17193,7 +17566,7 @@
           <p:cNvPr id="22" name="矩形 3">
             <a:extLst>
               <a:ext uri="{FF2B5EF4-FFF2-40B4-BE49-F238E27FC236}">
-                <a16:creationId xmlns:a16="http://schemas.microsoft.com/office/drawing/2014/main" id="{AC167845-82AC-4B39-8198-B9E73F081CCD}"/>
+                <a16:creationId xmlns:a16="http://schemas.microsoft.com/office/drawing/2014/main" xmlns="" id="{AC167845-82AC-4B39-8198-B9E73F081CCD}"/>
               </a:ext>
             </a:extLst>
           </p:cNvPr>
@@ -17252,7 +17625,7 @@
           <p:cNvPr id="23" name="矩形 4">
             <a:extLst>
               <a:ext uri="{FF2B5EF4-FFF2-40B4-BE49-F238E27FC236}">
-                <a16:creationId xmlns:a16="http://schemas.microsoft.com/office/drawing/2014/main" id="{BFF19E05-7F0B-4D53-80A0-D5568C6C5E7E}"/>
+                <a16:creationId xmlns:a16="http://schemas.microsoft.com/office/drawing/2014/main" xmlns="" id="{BFF19E05-7F0B-4D53-80A0-D5568C6C5E7E}"/>
               </a:ext>
             </a:extLst>
           </p:cNvPr>
@@ -17304,7 +17677,7 @@
           <p:cNvPr id="24" name="文字方塊 5">
             <a:extLst>
               <a:ext uri="{FF2B5EF4-FFF2-40B4-BE49-F238E27FC236}">
-                <a16:creationId xmlns:a16="http://schemas.microsoft.com/office/drawing/2014/main" id="{345E91AF-1F31-4DE1-ABCD-8C0326089302}"/>
+                <a16:creationId xmlns:a16="http://schemas.microsoft.com/office/drawing/2014/main" xmlns="" id="{345E91AF-1F31-4DE1-ABCD-8C0326089302}"/>
               </a:ext>
             </a:extLst>
           </p:cNvPr>
@@ -17362,7 +17735,7 @@
           <p:cNvPr id="25" name="文字方塊 6">
             <a:extLst>
               <a:ext uri="{FF2B5EF4-FFF2-40B4-BE49-F238E27FC236}">
-                <a16:creationId xmlns:a16="http://schemas.microsoft.com/office/drawing/2014/main" id="{AFA5128D-FDC6-49CF-B065-490ED7618382}"/>
+                <a16:creationId xmlns:a16="http://schemas.microsoft.com/office/drawing/2014/main" xmlns="" id="{AFA5128D-FDC6-49CF-B065-490ED7618382}"/>
               </a:ext>
             </a:extLst>
           </p:cNvPr>
@@ -17439,7 +17812,7 @@
           <p:cNvPr id="26" name="文字方塊 7">
             <a:extLst>
               <a:ext uri="{FF2B5EF4-FFF2-40B4-BE49-F238E27FC236}">
-                <a16:creationId xmlns:a16="http://schemas.microsoft.com/office/drawing/2014/main" id="{500E8BF5-A714-4F7E-B7D2-041B71BE2C03}"/>
+                <a16:creationId xmlns:a16="http://schemas.microsoft.com/office/drawing/2014/main" xmlns="" id="{500E8BF5-A714-4F7E-B7D2-041B71BE2C03}"/>
               </a:ext>
             </a:extLst>
           </p:cNvPr>
@@ -17482,7 +17855,7 @@
           <p:cNvPr id="27" name="文字方塊 8">
             <a:extLst>
               <a:ext uri="{FF2B5EF4-FFF2-40B4-BE49-F238E27FC236}">
-                <a16:creationId xmlns:a16="http://schemas.microsoft.com/office/drawing/2014/main" id="{FFE8DD17-A16E-4199-9B5D-237044F47F7E}"/>
+                <a16:creationId xmlns:a16="http://schemas.microsoft.com/office/drawing/2014/main" xmlns="" id="{FFE8DD17-A16E-4199-9B5D-237044F47F7E}"/>
               </a:ext>
             </a:extLst>
           </p:cNvPr>
@@ -17525,7 +17898,7 @@
           <p:cNvPr id="28" name="文字方塊 9">
             <a:extLst>
               <a:ext uri="{FF2B5EF4-FFF2-40B4-BE49-F238E27FC236}">
-                <a16:creationId xmlns:a16="http://schemas.microsoft.com/office/drawing/2014/main" id="{8EB946F6-2EEC-44AF-B2BF-2AA8B4F2CBC4}"/>
+                <a16:creationId xmlns:a16="http://schemas.microsoft.com/office/drawing/2014/main" xmlns="" id="{8EB946F6-2EEC-44AF-B2BF-2AA8B4F2CBC4}"/>
               </a:ext>
             </a:extLst>
           </p:cNvPr>
@@ -17560,7 +17933,7 @@
           <p:cNvPr id="29" name="文字方塊 10">
             <a:extLst>
               <a:ext uri="{FF2B5EF4-FFF2-40B4-BE49-F238E27FC236}">
-                <a16:creationId xmlns:a16="http://schemas.microsoft.com/office/drawing/2014/main" id="{582EF791-130E-440F-A226-EA7E4EB5AC28}"/>
+                <a16:creationId xmlns:a16="http://schemas.microsoft.com/office/drawing/2014/main" xmlns="" id="{582EF791-130E-440F-A226-EA7E4EB5AC28}"/>
               </a:ext>
             </a:extLst>
           </p:cNvPr>
@@ -17654,7 +18027,7 @@
           <p:cNvPr id="30" name="文字方塊 12">
             <a:extLst>
               <a:ext uri="{FF2B5EF4-FFF2-40B4-BE49-F238E27FC236}">
-                <a16:creationId xmlns:a16="http://schemas.microsoft.com/office/drawing/2014/main" id="{0B05D7D0-BAE6-4995-934B-E00CFFD98FA0}"/>
+                <a16:creationId xmlns:a16="http://schemas.microsoft.com/office/drawing/2014/main" xmlns="" id="{0B05D7D0-BAE6-4995-934B-E00CFFD98FA0}"/>
               </a:ext>
             </a:extLst>
           </p:cNvPr>
@@ -17700,7 +18073,7 @@
           <p:cNvPr id="31" name="矩形 13">
             <a:extLst>
               <a:ext uri="{FF2B5EF4-FFF2-40B4-BE49-F238E27FC236}">
-                <a16:creationId xmlns:a16="http://schemas.microsoft.com/office/drawing/2014/main" id="{C47076D3-12F2-455B-91A6-C3C4BA991D9D}"/>
+                <a16:creationId xmlns:a16="http://schemas.microsoft.com/office/drawing/2014/main" xmlns="" id="{C47076D3-12F2-455B-91A6-C3C4BA991D9D}"/>
               </a:ext>
             </a:extLst>
           </p:cNvPr>
@@ -17754,7 +18127,7 @@
           <p:cNvPr id="32" name="矩形 15">
             <a:extLst>
               <a:ext uri="{FF2B5EF4-FFF2-40B4-BE49-F238E27FC236}">
-                <a16:creationId xmlns:a16="http://schemas.microsoft.com/office/drawing/2014/main" id="{14A1C11C-261E-440B-8C29-2C2422867D77}"/>
+                <a16:creationId xmlns:a16="http://schemas.microsoft.com/office/drawing/2014/main" xmlns="" id="{14A1C11C-261E-440B-8C29-2C2422867D77}"/>
               </a:ext>
             </a:extLst>
           </p:cNvPr>
@@ -17818,7 +18191,7 @@
           <p:cNvPr id="33" name="矩形 16">
             <a:extLst>
               <a:ext uri="{FF2B5EF4-FFF2-40B4-BE49-F238E27FC236}">
-                <a16:creationId xmlns:a16="http://schemas.microsoft.com/office/drawing/2014/main" id="{1E099F5A-27A1-4829-80DF-E9BA27A29F6A}"/>
+                <a16:creationId xmlns:a16="http://schemas.microsoft.com/office/drawing/2014/main" xmlns="" id="{1E099F5A-27A1-4829-80DF-E9BA27A29F6A}"/>
               </a:ext>
             </a:extLst>
           </p:cNvPr>
@@ -17890,7 +18263,7 @@
           <p:cNvPr id="34" name="矩形 17">
             <a:extLst>
               <a:ext uri="{FF2B5EF4-FFF2-40B4-BE49-F238E27FC236}">
-                <a16:creationId xmlns:a16="http://schemas.microsoft.com/office/drawing/2014/main" id="{C2F7121F-64BF-4D27-90CA-E3A5761DB752}"/>
+                <a16:creationId xmlns:a16="http://schemas.microsoft.com/office/drawing/2014/main" xmlns="" id="{C2F7121F-64BF-4D27-90CA-E3A5761DB752}"/>
               </a:ext>
             </a:extLst>
           </p:cNvPr>
@@ -17944,7 +18317,7 @@
           <p:cNvPr id="35" name="文字方塊 18">
             <a:extLst>
               <a:ext uri="{FF2B5EF4-FFF2-40B4-BE49-F238E27FC236}">
-                <a16:creationId xmlns:a16="http://schemas.microsoft.com/office/drawing/2014/main" id="{1D29CB4A-5938-486A-9B69-1C4863EBF835}"/>
+                <a16:creationId xmlns:a16="http://schemas.microsoft.com/office/drawing/2014/main" xmlns="" id="{1D29CB4A-5938-486A-9B69-1C4863EBF835}"/>
               </a:ext>
             </a:extLst>
           </p:cNvPr>
@@ -17991,7 +18364,7 @@
           <p:cNvPr id="36" name="文字方塊 19">
             <a:extLst>
               <a:ext uri="{FF2B5EF4-FFF2-40B4-BE49-F238E27FC236}">
-                <a16:creationId xmlns:a16="http://schemas.microsoft.com/office/drawing/2014/main" id="{5D01598A-BC8E-452D-99D7-9A19476E2209}"/>
+                <a16:creationId xmlns:a16="http://schemas.microsoft.com/office/drawing/2014/main" xmlns="" id="{5D01598A-BC8E-452D-99D7-9A19476E2209}"/>
               </a:ext>
             </a:extLst>
           </p:cNvPr>
@@ -18037,7 +18410,7 @@
           <p:cNvPr id="37" name="文字方塊 20">
             <a:extLst>
               <a:ext uri="{FF2B5EF4-FFF2-40B4-BE49-F238E27FC236}">
-                <a16:creationId xmlns:a16="http://schemas.microsoft.com/office/drawing/2014/main" id="{710C7FF3-F020-484B-AE3E-C742E1A1ECA1}"/>
+                <a16:creationId xmlns:a16="http://schemas.microsoft.com/office/drawing/2014/main" xmlns="" id="{710C7FF3-F020-484B-AE3E-C742E1A1ECA1}"/>
               </a:ext>
             </a:extLst>
           </p:cNvPr>
@@ -18086,8 +18459,8 @@
         </p:nvGrpSpPr>
         <p:grpSpPr>
           <a:xfrm>
-            <a:off x="532081" y="1601325"/>
-            <a:ext cx="11308217" cy="4976722"/>
+            <a:off x="532081" y="1601324"/>
+            <a:ext cx="11308217" cy="5107553"/>
             <a:chOff x="532081" y="1862988"/>
             <a:chExt cx="11308217" cy="4976722"/>
           </a:xfrm>
@@ -18097,7 +18470,7 @@
             <p:cNvPr id="5" name="Group 4">
               <a:extLst>
                 <a:ext uri="{FF2B5EF4-FFF2-40B4-BE49-F238E27FC236}">
-                  <a16:creationId xmlns:a16="http://schemas.microsoft.com/office/drawing/2014/main" id="{046CB3DE-0C4C-4AA2-8F91-9AC21EE8EC24}"/>
+                  <a16:creationId xmlns:a16="http://schemas.microsoft.com/office/drawing/2014/main" xmlns="" id="{046CB3DE-0C4C-4AA2-8F91-9AC21EE8EC24}"/>
                 </a:ext>
               </a:extLst>
             </p:cNvPr>
@@ -18117,7 +18490,7 @@
               <p:cNvPr id="38" name="矩形 4">
                 <a:extLst>
                   <a:ext uri="{FF2B5EF4-FFF2-40B4-BE49-F238E27FC236}">
-                    <a16:creationId xmlns:a16="http://schemas.microsoft.com/office/drawing/2014/main" id="{81712B43-F474-4202-9B8A-E15A20669DAA}"/>
+                    <a16:creationId xmlns:a16="http://schemas.microsoft.com/office/drawing/2014/main" xmlns="" id="{81712B43-F474-4202-9B8A-E15A20669DAA}"/>
                   </a:ext>
                 </a:extLst>
               </p:cNvPr>
@@ -18171,7 +18544,7 @@
               <p:cNvPr id="40" name="文字方塊 6">
                 <a:extLst>
                   <a:ext uri="{FF2B5EF4-FFF2-40B4-BE49-F238E27FC236}">
-                    <a16:creationId xmlns:a16="http://schemas.microsoft.com/office/drawing/2014/main" id="{01D20FCD-BA91-4B70-835D-3E1BDE452024}"/>
+                    <a16:creationId xmlns:a16="http://schemas.microsoft.com/office/drawing/2014/main" xmlns="" id="{01D20FCD-BA91-4B70-835D-3E1BDE452024}"/>
                   </a:ext>
                 </a:extLst>
               </p:cNvPr>
@@ -18223,7 +18596,7 @@
               <p:cNvPr id="4" name="Picture 3">
                 <a:extLst>
                   <a:ext uri="{FF2B5EF4-FFF2-40B4-BE49-F238E27FC236}">
-                    <a16:creationId xmlns:a16="http://schemas.microsoft.com/office/drawing/2014/main" id="{EF5B2090-F61C-4DC1-89B6-18D641C29427}"/>
+                    <a16:creationId xmlns:a16="http://schemas.microsoft.com/office/drawing/2014/main" xmlns="" id="{EF5B2090-F61C-4DC1-89B6-18D641C29427}"/>
                   </a:ext>
                 </a:extLst>
               </p:cNvPr>
@@ -18634,7 +19007,7 @@
         </p:nvSpPr>
         <p:spPr>
           <a:xfrm>
-            <a:off x="-45445" y="-646048"/>
+            <a:off x="-5689" y="16552"/>
             <a:ext cx="12192000" cy="6858000"/>
           </a:xfrm>
           <a:prstGeom prst="rect">
@@ -19453,7 +19826,7 @@
           <p:cNvPr id="3" name="圖片 2">
             <a:extLst>
               <a:ext uri="{FF2B5EF4-FFF2-40B4-BE49-F238E27FC236}">
-                <a16:creationId xmlns:a16="http://schemas.microsoft.com/office/drawing/2014/main" id="{1745B14B-7C22-4B69-A242-D95F10627C71}"/>
+                <a16:creationId xmlns:a16="http://schemas.microsoft.com/office/drawing/2014/main" xmlns="" id="{1745B14B-7C22-4B69-A242-D95F10627C71}"/>
               </a:ext>
             </a:extLst>
           </p:cNvPr>
@@ -19852,7 +20225,7 @@
           <p:cNvPr id="22" name="矩形 3">
             <a:extLst>
               <a:ext uri="{FF2B5EF4-FFF2-40B4-BE49-F238E27FC236}">
-                <a16:creationId xmlns:a16="http://schemas.microsoft.com/office/drawing/2014/main" id="{AC167845-82AC-4B39-8198-B9E73F081CCD}"/>
+                <a16:creationId xmlns:a16="http://schemas.microsoft.com/office/drawing/2014/main" xmlns="" id="{AC167845-82AC-4B39-8198-B9E73F081CCD}"/>
               </a:ext>
             </a:extLst>
           </p:cNvPr>
@@ -19911,7 +20284,7 @@
           <p:cNvPr id="23" name="矩形 4">
             <a:extLst>
               <a:ext uri="{FF2B5EF4-FFF2-40B4-BE49-F238E27FC236}">
-                <a16:creationId xmlns:a16="http://schemas.microsoft.com/office/drawing/2014/main" id="{BFF19E05-7F0B-4D53-80A0-D5568C6C5E7E}"/>
+                <a16:creationId xmlns:a16="http://schemas.microsoft.com/office/drawing/2014/main" xmlns="" id="{BFF19E05-7F0B-4D53-80A0-D5568C6C5E7E}"/>
               </a:ext>
             </a:extLst>
           </p:cNvPr>
@@ -19963,7 +20336,7 @@
           <p:cNvPr id="24" name="文字方塊 5">
             <a:extLst>
               <a:ext uri="{FF2B5EF4-FFF2-40B4-BE49-F238E27FC236}">
-                <a16:creationId xmlns:a16="http://schemas.microsoft.com/office/drawing/2014/main" id="{345E91AF-1F31-4DE1-ABCD-8C0326089302}"/>
+                <a16:creationId xmlns:a16="http://schemas.microsoft.com/office/drawing/2014/main" xmlns="" id="{345E91AF-1F31-4DE1-ABCD-8C0326089302}"/>
               </a:ext>
             </a:extLst>
           </p:cNvPr>
@@ -20021,7 +20394,7 @@
           <p:cNvPr id="25" name="文字方塊 6">
             <a:extLst>
               <a:ext uri="{FF2B5EF4-FFF2-40B4-BE49-F238E27FC236}">
-                <a16:creationId xmlns:a16="http://schemas.microsoft.com/office/drawing/2014/main" id="{AFA5128D-FDC6-49CF-B065-490ED7618382}"/>
+                <a16:creationId xmlns:a16="http://schemas.microsoft.com/office/drawing/2014/main" xmlns="" id="{AFA5128D-FDC6-49CF-B065-490ED7618382}"/>
               </a:ext>
             </a:extLst>
           </p:cNvPr>
@@ -20098,7 +20471,7 @@
           <p:cNvPr id="26" name="文字方塊 7">
             <a:extLst>
               <a:ext uri="{FF2B5EF4-FFF2-40B4-BE49-F238E27FC236}">
-                <a16:creationId xmlns:a16="http://schemas.microsoft.com/office/drawing/2014/main" id="{500E8BF5-A714-4F7E-B7D2-041B71BE2C03}"/>
+                <a16:creationId xmlns:a16="http://schemas.microsoft.com/office/drawing/2014/main" xmlns="" id="{500E8BF5-A714-4F7E-B7D2-041B71BE2C03}"/>
               </a:ext>
             </a:extLst>
           </p:cNvPr>
@@ -20141,7 +20514,7 @@
           <p:cNvPr id="27" name="文字方塊 8">
             <a:extLst>
               <a:ext uri="{FF2B5EF4-FFF2-40B4-BE49-F238E27FC236}">
-                <a16:creationId xmlns:a16="http://schemas.microsoft.com/office/drawing/2014/main" id="{FFE8DD17-A16E-4199-9B5D-237044F47F7E}"/>
+                <a16:creationId xmlns:a16="http://schemas.microsoft.com/office/drawing/2014/main" xmlns="" id="{FFE8DD17-A16E-4199-9B5D-237044F47F7E}"/>
               </a:ext>
             </a:extLst>
           </p:cNvPr>
@@ -20184,7 +20557,7 @@
           <p:cNvPr id="28" name="文字方塊 9">
             <a:extLst>
               <a:ext uri="{FF2B5EF4-FFF2-40B4-BE49-F238E27FC236}">
-                <a16:creationId xmlns:a16="http://schemas.microsoft.com/office/drawing/2014/main" id="{8EB946F6-2EEC-44AF-B2BF-2AA8B4F2CBC4}"/>
+                <a16:creationId xmlns:a16="http://schemas.microsoft.com/office/drawing/2014/main" xmlns="" id="{8EB946F6-2EEC-44AF-B2BF-2AA8B4F2CBC4}"/>
               </a:ext>
             </a:extLst>
           </p:cNvPr>
@@ -20219,7 +20592,7 @@
           <p:cNvPr id="29" name="文字方塊 10">
             <a:extLst>
               <a:ext uri="{FF2B5EF4-FFF2-40B4-BE49-F238E27FC236}">
-                <a16:creationId xmlns:a16="http://schemas.microsoft.com/office/drawing/2014/main" id="{582EF791-130E-440F-A226-EA7E4EB5AC28}"/>
+                <a16:creationId xmlns:a16="http://schemas.microsoft.com/office/drawing/2014/main" xmlns="" id="{582EF791-130E-440F-A226-EA7E4EB5AC28}"/>
               </a:ext>
             </a:extLst>
           </p:cNvPr>
@@ -20313,7 +20686,7 @@
           <p:cNvPr id="31" name="矩形 13">
             <a:extLst>
               <a:ext uri="{FF2B5EF4-FFF2-40B4-BE49-F238E27FC236}">
-                <a16:creationId xmlns:a16="http://schemas.microsoft.com/office/drawing/2014/main" id="{C47076D3-12F2-455B-91A6-C3C4BA991D9D}"/>
+                <a16:creationId xmlns:a16="http://schemas.microsoft.com/office/drawing/2014/main" xmlns="" id="{C47076D3-12F2-455B-91A6-C3C4BA991D9D}"/>
               </a:ext>
             </a:extLst>
           </p:cNvPr>
@@ -20367,7 +20740,7 @@
           <p:cNvPr id="32" name="矩形 15">
             <a:extLst>
               <a:ext uri="{FF2B5EF4-FFF2-40B4-BE49-F238E27FC236}">
-                <a16:creationId xmlns:a16="http://schemas.microsoft.com/office/drawing/2014/main" id="{14A1C11C-261E-440B-8C29-2C2422867D77}"/>
+                <a16:creationId xmlns:a16="http://schemas.microsoft.com/office/drawing/2014/main" xmlns="" id="{14A1C11C-261E-440B-8C29-2C2422867D77}"/>
               </a:ext>
             </a:extLst>
           </p:cNvPr>
@@ -20431,7 +20804,7 @@
           <p:cNvPr id="33" name="矩形 16">
             <a:extLst>
               <a:ext uri="{FF2B5EF4-FFF2-40B4-BE49-F238E27FC236}">
-                <a16:creationId xmlns:a16="http://schemas.microsoft.com/office/drawing/2014/main" id="{1E099F5A-27A1-4829-80DF-E9BA27A29F6A}"/>
+                <a16:creationId xmlns:a16="http://schemas.microsoft.com/office/drawing/2014/main" xmlns="" id="{1E099F5A-27A1-4829-80DF-E9BA27A29F6A}"/>
               </a:ext>
             </a:extLst>
           </p:cNvPr>
@@ -20503,7 +20876,7 @@
           <p:cNvPr id="34" name="矩形 17">
             <a:extLst>
               <a:ext uri="{FF2B5EF4-FFF2-40B4-BE49-F238E27FC236}">
-                <a16:creationId xmlns:a16="http://schemas.microsoft.com/office/drawing/2014/main" id="{C2F7121F-64BF-4D27-90CA-E3A5761DB752}"/>
+                <a16:creationId xmlns:a16="http://schemas.microsoft.com/office/drawing/2014/main" xmlns="" id="{C2F7121F-64BF-4D27-90CA-E3A5761DB752}"/>
               </a:ext>
             </a:extLst>
           </p:cNvPr>
@@ -20557,7 +20930,7 @@
           <p:cNvPr id="35" name="文字方塊 18">
             <a:extLst>
               <a:ext uri="{FF2B5EF4-FFF2-40B4-BE49-F238E27FC236}">
-                <a16:creationId xmlns:a16="http://schemas.microsoft.com/office/drawing/2014/main" id="{1D29CB4A-5938-486A-9B69-1C4863EBF835}"/>
+                <a16:creationId xmlns:a16="http://schemas.microsoft.com/office/drawing/2014/main" xmlns="" id="{1D29CB4A-5938-486A-9B69-1C4863EBF835}"/>
               </a:ext>
             </a:extLst>
           </p:cNvPr>
@@ -20604,7 +20977,7 @@
           <p:cNvPr id="36" name="文字方塊 19">
             <a:extLst>
               <a:ext uri="{FF2B5EF4-FFF2-40B4-BE49-F238E27FC236}">
-                <a16:creationId xmlns:a16="http://schemas.microsoft.com/office/drawing/2014/main" id="{5D01598A-BC8E-452D-99D7-9A19476E2209}"/>
+                <a16:creationId xmlns:a16="http://schemas.microsoft.com/office/drawing/2014/main" xmlns="" id="{5D01598A-BC8E-452D-99D7-9A19476E2209}"/>
               </a:ext>
             </a:extLst>
           </p:cNvPr>
@@ -20733,7 +21106,7 @@
           <p:cNvPr id="39" name="文字方塊 19">
             <a:extLst>
               <a:ext uri="{FF2B5EF4-FFF2-40B4-BE49-F238E27FC236}">
-                <a16:creationId xmlns:a16="http://schemas.microsoft.com/office/drawing/2014/main" id="{5D01598A-BC8E-452D-99D7-9A19476E2209}"/>
+                <a16:creationId xmlns:a16="http://schemas.microsoft.com/office/drawing/2014/main" xmlns="" id="{5D01598A-BC8E-452D-99D7-9A19476E2209}"/>
               </a:ext>
             </a:extLst>
           </p:cNvPr>
@@ -20871,7 +21244,7 @@
           <p:cNvPr id="44" name="文字方塊 19">
             <a:extLst>
               <a:ext uri="{FF2B5EF4-FFF2-40B4-BE49-F238E27FC236}">
-                <a16:creationId xmlns:a16="http://schemas.microsoft.com/office/drawing/2014/main" id="{5D01598A-BC8E-452D-99D7-9A19476E2209}"/>
+                <a16:creationId xmlns:a16="http://schemas.microsoft.com/office/drawing/2014/main" xmlns="" id="{5D01598A-BC8E-452D-99D7-9A19476E2209}"/>
               </a:ext>
             </a:extLst>
           </p:cNvPr>
@@ -21009,7 +21382,7 @@
           <p:cNvPr id="47" name="文字方塊 19">
             <a:extLst>
               <a:ext uri="{FF2B5EF4-FFF2-40B4-BE49-F238E27FC236}">
-                <a16:creationId xmlns:a16="http://schemas.microsoft.com/office/drawing/2014/main" id="{5D01598A-BC8E-452D-99D7-9A19476E2209}"/>
+                <a16:creationId xmlns:a16="http://schemas.microsoft.com/office/drawing/2014/main" xmlns="" id="{5D01598A-BC8E-452D-99D7-9A19476E2209}"/>
               </a:ext>
             </a:extLst>
           </p:cNvPr>
@@ -21220,7 +21593,7 @@
           <p:cNvPr id="50" name="文字方塊 12">
             <a:extLst>
               <a:ext uri="{FF2B5EF4-FFF2-40B4-BE49-F238E27FC236}">
-                <a16:creationId xmlns:a16="http://schemas.microsoft.com/office/drawing/2014/main" id="{0B05D7D0-BAE6-4995-934B-E00CFFD98FA0}"/>
+                <a16:creationId xmlns:a16="http://schemas.microsoft.com/office/drawing/2014/main" xmlns="" id="{0B05D7D0-BAE6-4995-934B-E00CFFD98FA0}"/>
               </a:ext>
             </a:extLst>
           </p:cNvPr>
@@ -21266,7 +21639,7 @@
           <p:cNvPr id="51" name="文字方塊 12">
             <a:extLst>
               <a:ext uri="{FF2B5EF4-FFF2-40B4-BE49-F238E27FC236}">
-                <a16:creationId xmlns:a16="http://schemas.microsoft.com/office/drawing/2014/main" id="{0B05D7D0-BAE6-4995-934B-E00CFFD98FA0}"/>
+                <a16:creationId xmlns:a16="http://schemas.microsoft.com/office/drawing/2014/main" xmlns="" id="{0B05D7D0-BAE6-4995-934B-E00CFFD98FA0}"/>
               </a:ext>
             </a:extLst>
           </p:cNvPr>
@@ -21312,7 +21685,7 @@
           <p:cNvPr id="52" name="文字方塊 12">
             <a:extLst>
               <a:ext uri="{FF2B5EF4-FFF2-40B4-BE49-F238E27FC236}">
-                <a16:creationId xmlns:a16="http://schemas.microsoft.com/office/drawing/2014/main" id="{0B05D7D0-BAE6-4995-934B-E00CFFD98FA0}"/>
+                <a16:creationId xmlns:a16="http://schemas.microsoft.com/office/drawing/2014/main" xmlns="" id="{0B05D7D0-BAE6-4995-934B-E00CFFD98FA0}"/>
               </a:ext>
             </a:extLst>
           </p:cNvPr>
@@ -21358,7 +21731,7 @@
           <p:cNvPr id="53" name="文字方塊 12">
             <a:extLst>
               <a:ext uri="{FF2B5EF4-FFF2-40B4-BE49-F238E27FC236}">
-                <a16:creationId xmlns:a16="http://schemas.microsoft.com/office/drawing/2014/main" id="{0B05D7D0-BAE6-4995-934B-E00CFFD98FA0}"/>
+                <a16:creationId xmlns:a16="http://schemas.microsoft.com/office/drawing/2014/main" xmlns="" id="{0B05D7D0-BAE6-4995-934B-E00CFFD98FA0}"/>
               </a:ext>
             </a:extLst>
           </p:cNvPr>
@@ -21404,7 +21777,7 @@
           <p:cNvPr id="54" name="文字方塊 12">
             <a:extLst>
               <a:ext uri="{FF2B5EF4-FFF2-40B4-BE49-F238E27FC236}">
-                <a16:creationId xmlns:a16="http://schemas.microsoft.com/office/drawing/2014/main" id="{0B05D7D0-BAE6-4995-934B-E00CFFD98FA0}"/>
+                <a16:creationId xmlns:a16="http://schemas.microsoft.com/office/drawing/2014/main" xmlns="" id="{0B05D7D0-BAE6-4995-934B-E00CFFD98FA0}"/>
               </a:ext>
             </a:extLst>
           </p:cNvPr>
@@ -22530,7 +22903,7 @@
         </p:nvSpPr>
         <p:spPr>
           <a:xfrm>
-            <a:off x="-45445" y="-646048"/>
+            <a:off x="7563" y="16552"/>
             <a:ext cx="12192000" cy="6858000"/>
           </a:xfrm>
           <a:prstGeom prst="rect">
@@ -23349,7 +23722,7 @@
           <p:cNvPr id="2" name="圖片 1">
             <a:extLst>
               <a:ext uri="{FF2B5EF4-FFF2-40B4-BE49-F238E27FC236}">
-                <a16:creationId xmlns:a16="http://schemas.microsoft.com/office/drawing/2014/main" id="{E8B22EB0-87D9-4736-A052-C95EBDD10AB4}"/>
+                <a16:creationId xmlns:a16="http://schemas.microsoft.com/office/drawing/2014/main" xmlns="" id="{E8B22EB0-87D9-4736-A052-C95EBDD10AB4}"/>
               </a:ext>
             </a:extLst>
           </p:cNvPr>
@@ -23981,7 +24354,7 @@
   <a:extraClrSchemeLst/>
   <a:extLst>
     <a:ext uri="{05A4C25C-085E-4340-85A3-A5531E510DB2}">
-      <thm15:themeFamily xmlns:thm15="http://schemas.microsoft.com/office/thememl/2012/main" name="Office Theme" id="{62F939B6-93AF-4DB8-9C6B-D6C7DFDC589F}" vid="{4A3C46E8-61CC-4603-A589-7422A47A8E4A}"/>
+      <thm15:themeFamily xmlns:thm15="http://schemas.microsoft.com/office/thememl/2012/main" xmlns="" name="Office Theme" id="{62F939B6-93AF-4DB8-9C6B-D6C7DFDC589F}" vid="{4A3C46E8-61CC-4603-A589-7422A47A8E4A}"/>
     </a:ext>
   </a:extLst>
 </a:theme>
@@ -24242,7 +24615,7 @@
   <a:extraClrSchemeLst/>
   <a:extLst>
     <a:ext uri="{05A4C25C-085E-4340-85A3-A5531E510DB2}">
-      <thm15:themeFamily xmlns:thm15="http://schemas.microsoft.com/office/thememl/2012/main" name="Office Theme" id="{62F939B6-93AF-4DB8-9C6B-D6C7DFDC589F}" vid="{4A3C46E8-61CC-4603-A589-7422A47A8E4A}"/>
+      <thm15:themeFamily xmlns:thm15="http://schemas.microsoft.com/office/thememl/2012/main" xmlns="" name="Office Theme" id="{62F939B6-93AF-4DB8-9C6B-D6C7DFDC589F}" vid="{4A3C46E8-61CC-4603-A589-7422A47A8E4A}"/>
     </a:ext>
   </a:extLst>
 </a:theme>

--- a/期末報告第五組.pptx
+++ b/期末報告第五組.pptx
@@ -5,7 +5,7 @@
     <p:sldMasterId id="2147483648" r:id="rId1"/>
   </p:sldMasterIdLst>
   <p:notesMasterIdLst>
-    <p:notesMasterId r:id="rId15"/>
+    <p:notesMasterId r:id="rId16"/>
   </p:notesMasterIdLst>
   <p:sldIdLst>
     <p:sldId id="256" r:id="rId2"/>
@@ -16,11 +16,12 @@
     <p:sldId id="261" r:id="rId7"/>
     <p:sldId id="275" r:id="rId8"/>
     <p:sldId id="265" r:id="rId9"/>
-    <p:sldId id="276" r:id="rId10"/>
-    <p:sldId id="263" r:id="rId11"/>
-    <p:sldId id="277" r:id="rId12"/>
-    <p:sldId id="262" r:id="rId13"/>
-    <p:sldId id="264" r:id="rId14"/>
+    <p:sldId id="278" r:id="rId10"/>
+    <p:sldId id="279" r:id="rId11"/>
+    <p:sldId id="263" r:id="rId12"/>
+    <p:sldId id="277" r:id="rId13"/>
+    <p:sldId id="262" r:id="rId14"/>
+    <p:sldId id="264" r:id="rId15"/>
   </p:sldIdLst>
   <p:sldSz cx="12192000" cy="6858000"/>
   <p:notesSz cx="6858000" cy="9144000"/>
@@ -121,7 +122,7 @@
   </p:defaultTextStyle>
   <p:extLst>
     <p:ext uri="{EFAFB233-063F-42B5-8137-9DF3F51BA10A}">
-      <p15:sldGuideLst xmlns:p15="http://schemas.microsoft.com/office/powerpoint/2012/main" xmlns="">
+      <p15:sldGuideLst xmlns="" xmlns:p15="http://schemas.microsoft.com/office/powerpoint/2012/main">
         <p15:guide id="1" orient="horz" pos="2160">
           <p15:clr>
             <a:srgbClr val="A4A3A4"/>
@@ -5131,7 +5132,7 @@
           <p:cNvPr id="23" name="文字方塊 21">
             <a:extLst>
               <a:ext uri="{FF2B5EF4-FFF2-40B4-BE49-F238E27FC236}">
-                <a16:creationId xmlns:a16="http://schemas.microsoft.com/office/drawing/2014/main" xmlns="" id="{3D9B36AE-58AD-4057-9A2E-208528ED6C65}"/>
+                <a16:creationId xmlns="" xmlns:a16="http://schemas.microsoft.com/office/drawing/2014/main" id="{3D9B36AE-58AD-4057-9A2E-208528ED6C65}"/>
               </a:ext>
             </a:extLst>
           </p:cNvPr>
@@ -5321,7 +5322,7 @@
           <p:cNvPr id="24" name="Picture 23">
             <a:extLst>
               <a:ext uri="{FF2B5EF4-FFF2-40B4-BE49-F238E27FC236}">
-                <a16:creationId xmlns:a16="http://schemas.microsoft.com/office/drawing/2014/main" xmlns="" id="{20762925-80B8-4714-8FA3-6D5F436302D1}"/>
+                <a16:creationId xmlns="" xmlns:a16="http://schemas.microsoft.com/office/drawing/2014/main" id="{20762925-80B8-4714-8FA3-6D5F436302D1}"/>
               </a:ext>
             </a:extLst>
           </p:cNvPr>
@@ -5376,7 +5377,7 @@
           <p:cNvPr id="25" name="文字方塊 20">
             <a:extLst>
               <a:ext uri="{FF2B5EF4-FFF2-40B4-BE49-F238E27FC236}">
-                <a16:creationId xmlns:a16="http://schemas.microsoft.com/office/drawing/2014/main" xmlns="" id="{B406FC50-9BD0-44E0-868E-A9C003F3010A}"/>
+                <a16:creationId xmlns="" xmlns:a16="http://schemas.microsoft.com/office/drawing/2014/main" id="{B406FC50-9BD0-44E0-868E-A9C003F3010A}"/>
               </a:ext>
             </a:extLst>
           </p:cNvPr>
@@ -5422,7 +5423,7 @@
           <p:cNvPr id="3" name="Picture 2">
             <a:extLst>
               <a:ext uri="{FF2B5EF4-FFF2-40B4-BE49-F238E27FC236}">
-                <a16:creationId xmlns:a16="http://schemas.microsoft.com/office/drawing/2014/main" xmlns="" id="{E0098788-F88C-498B-B9AE-0596277B0F25}"/>
+                <a16:creationId xmlns="" xmlns:a16="http://schemas.microsoft.com/office/drawing/2014/main" id="{E0098788-F88C-498B-B9AE-0596277B0F25}"/>
               </a:ext>
             </a:extLst>
           </p:cNvPr>
@@ -5998,19 +5999,13 @@
       </p:grpSpPr>
       <p:sp>
         <p:nvSpPr>
-          <p:cNvPr id="22" name="矩形 3">
-            <a:extLst>
-              <a:ext uri="{FF2B5EF4-FFF2-40B4-BE49-F238E27FC236}">
-                <a16:creationId xmlns:a16="http://schemas.microsoft.com/office/drawing/2014/main" xmlns="" id="{AC167845-82AC-4B39-8198-B9E73F081CCD}"/>
-              </a:ext>
-            </a:extLst>
-          </p:cNvPr>
+          <p:cNvPr id="4" name="矩形 3"/>
           <p:cNvSpPr/>
           <p:nvPr/>
         </p:nvSpPr>
         <p:spPr>
           <a:xfrm>
-            <a:off x="0" y="0"/>
+            <a:off x="7563" y="16552"/>
             <a:ext cx="12192000" cy="6858000"/>
           </a:xfrm>
           <a:prstGeom prst="rect">
@@ -6047,23 +6042,13 @@
           <a:lstStyle/>
           <a:p>
             <a:pPr algn="ctr"/>
-            <a:endParaRPr lang="zh-TW" altLang="en-US" dirty="0">
-              <a:solidFill>
-                <a:schemeClr val="bg1"/>
-              </a:solidFill>
-            </a:endParaRPr>
-          </a:p>
-        </p:txBody>
-      </p:sp>
-      <p:sp>
-        <p:nvSpPr>
-          <p:cNvPr id="23" name="矩形 4">
-            <a:extLst>
-              <a:ext uri="{FF2B5EF4-FFF2-40B4-BE49-F238E27FC236}">
-                <a16:creationId xmlns:a16="http://schemas.microsoft.com/office/drawing/2014/main" xmlns="" id="{BFF19E05-7F0B-4D53-80A0-D5568C6C5E7E}"/>
-              </a:ext>
-            </a:extLst>
-          </p:cNvPr>
+            <a:endParaRPr lang="zh-TW" altLang="en-US" dirty="0"/>
+          </a:p>
+        </p:txBody>
+      </p:sp>
+      <p:sp>
+        <p:nvSpPr>
+          <p:cNvPr id="5" name="矩形 4"/>
           <p:cNvSpPr/>
           <p:nvPr/>
         </p:nvSpPr>
@@ -6109,13 +6094,7 @@
       </p:sp>
       <p:sp>
         <p:nvSpPr>
-          <p:cNvPr id="24" name="文字方塊 5">
-            <a:extLst>
-              <a:ext uri="{FF2B5EF4-FFF2-40B4-BE49-F238E27FC236}">
-                <a16:creationId xmlns:a16="http://schemas.microsoft.com/office/drawing/2014/main" xmlns="" id="{345E91AF-1F31-4DE1-ABCD-8C0326089302}"/>
-              </a:ext>
-            </a:extLst>
-          </p:cNvPr>
+          <p:cNvPr id="6" name="文字方塊 5"/>
           <p:cNvSpPr txBox="1"/>
           <p:nvPr/>
         </p:nvSpPr>
@@ -6167,13 +6146,7 @@
       </p:sp>
       <p:sp>
         <p:nvSpPr>
-          <p:cNvPr id="25" name="文字方塊 6">
-            <a:extLst>
-              <a:ext uri="{FF2B5EF4-FFF2-40B4-BE49-F238E27FC236}">
-                <a16:creationId xmlns:a16="http://schemas.microsoft.com/office/drawing/2014/main" xmlns="" id="{AFA5128D-FDC6-49CF-B065-490ED7618382}"/>
-              </a:ext>
-            </a:extLst>
-          </p:cNvPr>
+          <p:cNvPr id="7" name="文字方塊 6"/>
           <p:cNvSpPr txBox="1"/>
           <p:nvPr/>
         </p:nvSpPr>
@@ -6244,13 +6217,7 @@
       </p:sp>
       <p:sp>
         <p:nvSpPr>
-          <p:cNvPr id="26" name="文字方塊 7">
-            <a:extLst>
-              <a:ext uri="{FF2B5EF4-FFF2-40B4-BE49-F238E27FC236}">
-                <a16:creationId xmlns:a16="http://schemas.microsoft.com/office/drawing/2014/main" xmlns="" id="{500E8BF5-A714-4F7E-B7D2-041B71BE2C03}"/>
-              </a:ext>
-            </a:extLst>
-          </p:cNvPr>
+          <p:cNvPr id="8" name="文字方塊 7"/>
           <p:cNvSpPr txBox="1"/>
           <p:nvPr/>
         </p:nvSpPr>
@@ -6287,13 +6254,7 @@
       </p:sp>
       <p:sp>
         <p:nvSpPr>
-          <p:cNvPr id="27" name="文字方塊 8">
-            <a:extLst>
-              <a:ext uri="{FF2B5EF4-FFF2-40B4-BE49-F238E27FC236}">
-                <a16:creationId xmlns:a16="http://schemas.microsoft.com/office/drawing/2014/main" xmlns="" id="{FFE8DD17-A16E-4199-9B5D-237044F47F7E}"/>
-              </a:ext>
-            </a:extLst>
-          </p:cNvPr>
+          <p:cNvPr id="9" name="文字方塊 8"/>
           <p:cNvSpPr txBox="1"/>
           <p:nvPr/>
         </p:nvSpPr>
@@ -6330,13 +6291,7 @@
       </p:sp>
       <p:sp>
         <p:nvSpPr>
-          <p:cNvPr id="28" name="文字方塊 9">
-            <a:extLst>
-              <a:ext uri="{FF2B5EF4-FFF2-40B4-BE49-F238E27FC236}">
-                <a16:creationId xmlns:a16="http://schemas.microsoft.com/office/drawing/2014/main" xmlns="" id="{8EB946F6-2EEC-44AF-B2BF-2AA8B4F2CBC4}"/>
-              </a:ext>
-            </a:extLst>
-          </p:cNvPr>
+          <p:cNvPr id="10" name="文字方塊 9"/>
           <p:cNvSpPr txBox="1"/>
           <p:nvPr/>
         </p:nvSpPr>
@@ -6365,13 +6320,7 @@
       </p:sp>
       <p:sp>
         <p:nvSpPr>
-          <p:cNvPr id="29" name="文字方塊 10">
-            <a:extLst>
-              <a:ext uri="{FF2B5EF4-FFF2-40B4-BE49-F238E27FC236}">
-                <a16:creationId xmlns:a16="http://schemas.microsoft.com/office/drawing/2014/main" xmlns="" id="{582EF791-130E-440F-A226-EA7E4EB5AC28}"/>
-              </a:ext>
-            </a:extLst>
-          </p:cNvPr>
+          <p:cNvPr id="11" name="文字方塊 10"/>
           <p:cNvSpPr txBox="1"/>
           <p:nvPr/>
         </p:nvSpPr>
@@ -6459,13 +6408,7 @@
       </p:sp>
       <p:sp>
         <p:nvSpPr>
-          <p:cNvPr id="30" name="文字方塊 12">
-            <a:extLst>
-              <a:ext uri="{FF2B5EF4-FFF2-40B4-BE49-F238E27FC236}">
-                <a16:creationId xmlns:a16="http://schemas.microsoft.com/office/drawing/2014/main" xmlns="" id="{0B05D7D0-BAE6-4995-934B-E00CFFD98FA0}"/>
-              </a:ext>
-            </a:extLst>
-          </p:cNvPr>
+          <p:cNvPr id="13" name="文字方塊 12"/>
           <p:cNvSpPr txBox="1"/>
           <p:nvPr/>
         </p:nvSpPr>
@@ -6505,13 +6448,7 @@
       </p:sp>
       <p:sp>
         <p:nvSpPr>
-          <p:cNvPr id="31" name="矩形 13">
-            <a:extLst>
-              <a:ext uri="{FF2B5EF4-FFF2-40B4-BE49-F238E27FC236}">
-                <a16:creationId xmlns:a16="http://schemas.microsoft.com/office/drawing/2014/main" xmlns="" id="{C47076D3-12F2-455B-91A6-C3C4BA991D9D}"/>
-              </a:ext>
-            </a:extLst>
-          </p:cNvPr>
+          <p:cNvPr id="14" name="矩形 13"/>
           <p:cNvSpPr/>
           <p:nvPr/>
         </p:nvSpPr>
@@ -6559,13 +6496,7 @@
       </p:sp>
       <p:sp>
         <p:nvSpPr>
-          <p:cNvPr id="32" name="矩形 15">
-            <a:extLst>
-              <a:ext uri="{FF2B5EF4-FFF2-40B4-BE49-F238E27FC236}">
-                <a16:creationId xmlns:a16="http://schemas.microsoft.com/office/drawing/2014/main" xmlns="" id="{14A1C11C-261E-440B-8C29-2C2422867D77}"/>
-              </a:ext>
-            </a:extLst>
-          </p:cNvPr>
+          <p:cNvPr id="16" name="矩形 15"/>
           <p:cNvSpPr/>
           <p:nvPr/>
         </p:nvSpPr>
@@ -6623,13 +6554,7 @@
       </p:sp>
       <p:sp>
         <p:nvSpPr>
-          <p:cNvPr id="33" name="矩形 16">
-            <a:extLst>
-              <a:ext uri="{FF2B5EF4-FFF2-40B4-BE49-F238E27FC236}">
-                <a16:creationId xmlns:a16="http://schemas.microsoft.com/office/drawing/2014/main" xmlns="" id="{1E099F5A-27A1-4829-80DF-E9BA27A29F6A}"/>
-              </a:ext>
-            </a:extLst>
-          </p:cNvPr>
+          <p:cNvPr id="17" name="矩形 16"/>
           <p:cNvSpPr/>
           <p:nvPr/>
         </p:nvSpPr>
@@ -6695,13 +6620,7 @@
       </p:sp>
       <p:sp>
         <p:nvSpPr>
-          <p:cNvPr id="34" name="矩形 17">
-            <a:extLst>
-              <a:ext uri="{FF2B5EF4-FFF2-40B4-BE49-F238E27FC236}">
-                <a16:creationId xmlns:a16="http://schemas.microsoft.com/office/drawing/2014/main" xmlns="" id="{C2F7121F-64BF-4D27-90CA-E3A5761DB752}"/>
-              </a:ext>
-            </a:extLst>
-          </p:cNvPr>
+          <p:cNvPr id="18" name="矩形 17"/>
           <p:cNvSpPr/>
           <p:nvPr/>
         </p:nvSpPr>
@@ -6749,10 +6668,1313 @@
       </p:sp>
       <p:sp>
         <p:nvSpPr>
+          <p:cNvPr id="19" name="文字方塊 18"/>
+          <p:cNvSpPr txBox="1"/>
+          <p:nvPr/>
+        </p:nvSpPr>
+        <p:spPr>
+          <a:xfrm>
+            <a:off x="1699377" y="1006459"/>
+            <a:ext cx="582211" cy="307777"/>
+          </a:xfrm>
+          <a:prstGeom prst="rect">
+            <a:avLst/>
+          </a:prstGeom>
+          <a:noFill/>
+        </p:spPr>
+        <p:txBody>
+          <a:bodyPr wrap="none" rtlCol="0">
+            <a:spAutoFit/>
+          </a:bodyPr>
+          <a:lstStyle/>
+          <a:p>
+            <a:r>
+              <a:rPr lang="en-US" altLang="zh-TW" sz="1400" dirty="0">
+                <a:solidFill>
+                  <a:schemeClr val="bg1"/>
+                </a:solidFill>
+                <a:latin typeface="Consolas" panose="020B0609020204030204" pitchFamily="49" charset="0"/>
+              </a:rPr>
+              <a:t>next</a:t>
+            </a:r>
+            <a:endParaRPr lang="zh-TW" altLang="en-US" sz="1400" b="1" dirty="0">
+              <a:solidFill>
+                <a:schemeClr val="bg1"/>
+              </a:solidFill>
+              <a:latin typeface="Microsoft JhengHei UI Light" panose="020B0304030504040204" pitchFamily="34" charset="-120"/>
+              <a:ea typeface="Microsoft JhengHei UI Light" panose="020B0304030504040204" pitchFamily="34" charset="-120"/>
+            </a:endParaRPr>
+          </a:p>
+        </p:txBody>
+      </p:sp>
+      <p:sp>
+        <p:nvSpPr>
+          <p:cNvPr id="20" name="文字方塊 19"/>
+          <p:cNvSpPr txBox="1"/>
+          <p:nvPr/>
+        </p:nvSpPr>
+        <p:spPr>
+          <a:xfrm>
+            <a:off x="2108645" y="936634"/>
+            <a:ext cx="311304" cy="369332"/>
+          </a:xfrm>
+          <a:prstGeom prst="rect">
+            <a:avLst/>
+          </a:prstGeom>
+          <a:noFill/>
+        </p:spPr>
+        <p:txBody>
+          <a:bodyPr wrap="none" rtlCol="0">
+            <a:spAutoFit/>
+          </a:bodyPr>
+          <a:lstStyle/>
+          <a:p>
+            <a:r>
+              <a:rPr lang="en-US" altLang="zh-TW" b="1" dirty="0">
+                <a:solidFill>
+                  <a:schemeClr val="bg1"/>
+                </a:solidFill>
+                <a:latin typeface="Consolas" panose="020B0609020204030204" pitchFamily="49" charset="0"/>
+              </a:rPr>
+              <a:t>_</a:t>
+            </a:r>
+            <a:endParaRPr lang="zh-TW" altLang="en-US" b="1" dirty="0">
+              <a:solidFill>
+                <a:schemeClr val="bg1"/>
+              </a:solidFill>
+              <a:latin typeface="Consolas" panose="020B0609020204030204" pitchFamily="49" charset="0"/>
+            </a:endParaRPr>
+          </a:p>
+        </p:txBody>
+      </p:sp>
+      <p:sp>
+        <p:nvSpPr>
+          <p:cNvPr id="21" name="文字方塊 20"/>
+          <p:cNvSpPr txBox="1"/>
+          <p:nvPr/>
+        </p:nvSpPr>
+        <p:spPr>
+          <a:xfrm>
+            <a:off x="0" y="1221872"/>
+            <a:ext cx="482824" cy="307777"/>
+          </a:xfrm>
+          <a:prstGeom prst="rect">
+            <a:avLst/>
+          </a:prstGeom>
+          <a:noFill/>
+        </p:spPr>
+        <p:txBody>
+          <a:bodyPr wrap="none" rtlCol="0">
+            <a:spAutoFit/>
+          </a:bodyPr>
+          <a:lstStyle/>
+          <a:p>
+            <a:r>
+              <a:rPr lang="en-US" altLang="zh-TW" sz="1400" dirty="0">
+                <a:solidFill>
+                  <a:schemeClr val="bg1"/>
+                </a:solidFill>
+                <a:latin typeface="Consolas" panose="020B0609020204030204" pitchFamily="49" charset="0"/>
+              </a:rPr>
+              <a:t>&gt;&gt;&gt;</a:t>
+            </a:r>
+            <a:endParaRPr lang="zh-TW" altLang="en-US" sz="1400" dirty="0">
+              <a:solidFill>
+                <a:schemeClr val="bg1"/>
+              </a:solidFill>
+              <a:latin typeface="Consolas" panose="020B0609020204030204" pitchFamily="49" charset="0"/>
+            </a:endParaRPr>
+          </a:p>
+        </p:txBody>
+      </p:sp>
+      <p:sp>
+        <p:nvSpPr>
+          <p:cNvPr id="22" name="文字方塊 21"/>
+          <p:cNvSpPr txBox="1"/>
+          <p:nvPr/>
+        </p:nvSpPr>
+        <p:spPr>
+          <a:xfrm>
+            <a:off x="123092" y="1692653"/>
+            <a:ext cx="184731" cy="830997"/>
+          </a:xfrm>
+          <a:prstGeom prst="rect">
+            <a:avLst/>
+          </a:prstGeom>
+          <a:noFill/>
+        </p:spPr>
+        <p:txBody>
+          <a:bodyPr wrap="none" rtlCol="0">
+            <a:spAutoFit/>
+          </a:bodyPr>
+          <a:lstStyle/>
+          <a:p>
+            <a:endParaRPr lang="zh-TW" altLang="en-US" sz="4800" b="1" dirty="0">
+              <a:solidFill>
+                <a:schemeClr val="bg1"/>
+              </a:solidFill>
+              <a:latin typeface="Microsoft JhengHei UI Light" panose="020B0304030504040204" pitchFamily="34" charset="-120"/>
+              <a:ea typeface="Microsoft JhengHei UI Light" panose="020B0304030504040204" pitchFamily="34" charset="-120"/>
+            </a:endParaRPr>
+          </a:p>
+        </p:txBody>
+      </p:sp>
+      <p:pic>
+        <p:nvPicPr>
+          <p:cNvPr id="2" name="圖片 1">
+            <a:extLst>
+              <a:ext uri="{FF2B5EF4-FFF2-40B4-BE49-F238E27FC236}">
+                <a16:creationId xmlns="" xmlns:a16="http://schemas.microsoft.com/office/drawing/2014/main" id="{E8B22EB0-87D9-4736-A052-C95EBDD10AB4}"/>
+              </a:ext>
+            </a:extLst>
+          </p:cNvPr>
+          <p:cNvPicPr>
+            <a:picLocks noChangeAspect="1"/>
+          </p:cNvPicPr>
+          <p:nvPr/>
+        </p:nvPicPr>
+        <p:blipFill>
+          <a:blip r:embed="rId2">
+            <a:clrChange>
+              <a:clrFrom>
+                <a:srgbClr val="000000"/>
+              </a:clrFrom>
+              <a:clrTo>
+                <a:srgbClr val="000000">
+                  <a:alpha val="0"/>
+                </a:srgbClr>
+              </a:clrTo>
+            </a:clrChange>
+          </a:blip>
+          <a:stretch>
+            <a:fillRect/>
+          </a:stretch>
+        </p:blipFill>
+        <p:spPr>
+          <a:xfrm>
+            <a:off x="123092" y="1527126"/>
+            <a:ext cx="4638675" cy="1162050"/>
+          </a:xfrm>
+          <a:prstGeom prst="rect">
+            <a:avLst/>
+          </a:prstGeom>
+        </p:spPr>
+      </p:pic>
+    </p:spTree>
+    <p:extLst>
+      <p:ext uri="{BB962C8B-B14F-4D97-AF65-F5344CB8AC3E}">
+        <p14:creationId xmlns:p14="http://schemas.microsoft.com/office/powerpoint/2010/main" val="1974738050"/>
+      </p:ext>
+    </p:extLst>
+  </p:cSld>
+  <p:clrMapOvr>
+    <a:masterClrMapping/>
+  </p:clrMapOvr>
+  <mc:AlternateContent xmlns:mc="http://schemas.openxmlformats.org/markup-compatibility/2006" xmlns:p14="http://schemas.microsoft.com/office/powerpoint/2010/main">
+    <mc:Choice Requires="p14">
+      <p:transition spd="med" p14:dur="700">
+        <p:fade/>
+      </p:transition>
+    </mc:Choice>
+    <mc:Fallback xmlns="">
+      <p:transition spd="med">
+        <p:fade/>
+      </p:transition>
+    </mc:Fallback>
+  </mc:AlternateContent>
+  <p:timing>
+    <p:tnLst>
+      <p:par>
+        <p:cTn id="1" dur="indefinite" restart="never" nodeType="tmRoot">
+          <p:childTnLst>
+            <p:seq concurrent="1" nextAc="seek">
+              <p:cTn id="2" dur="indefinite" nodeType="mainSeq">
+                <p:childTnLst>
+                  <p:par>
+                    <p:cTn id="3" fill="hold">
+                      <p:stCondLst>
+                        <p:cond delay="indefinite"/>
+                        <p:cond evt="onBegin" delay="0">
+                          <p:tn val="2"/>
+                        </p:cond>
+                      </p:stCondLst>
+                      <p:childTnLst>
+                        <p:par>
+                          <p:cTn id="4" fill="hold">
+                            <p:stCondLst>
+                              <p:cond delay="0"/>
+                            </p:stCondLst>
+                            <p:childTnLst>
+                              <p:par>
+                                <p:cTn id="5" presetID="10" presetClass="entr" presetSubtype="0" repeatCount="2000" fill="hold" grpId="0" nodeType="afterEffect">
+                                  <p:stCondLst>
+                                    <p:cond delay="0"/>
+                                  </p:stCondLst>
+                                  <p:childTnLst>
+                                    <p:set>
+                                      <p:cBhvr>
+                                        <p:cTn id="6" dur="1" fill="hold">
+                                          <p:stCondLst>
+                                            <p:cond delay="0"/>
+                                          </p:stCondLst>
+                                        </p:cTn>
+                                        <p:tgtEl>
+                                          <p:spTgt spid="13"/>
+                                        </p:tgtEl>
+                                        <p:attrNameLst>
+                                          <p:attrName>style.visibility</p:attrName>
+                                        </p:attrNameLst>
+                                      </p:cBhvr>
+                                      <p:to>
+                                        <p:strVal val="visible"/>
+                                      </p:to>
+                                    </p:set>
+                                    <p:animEffect transition="in" filter="fade">
+                                      <p:cBhvr>
+                                        <p:cTn id="7" dur="500"/>
+                                        <p:tgtEl>
+                                          <p:spTgt spid="13"/>
+                                        </p:tgtEl>
+                                      </p:cBhvr>
+                                    </p:animEffect>
+                                  </p:childTnLst>
+                                </p:cTn>
+                              </p:par>
+                            </p:childTnLst>
+                          </p:cTn>
+                        </p:par>
+                        <p:par>
+                          <p:cTn id="8" fill="hold">
+                            <p:stCondLst>
+                              <p:cond delay="1000"/>
+                            </p:stCondLst>
+                            <p:childTnLst>
+                              <p:par>
+                                <p:cTn id="9" presetID="22" presetClass="entr" presetSubtype="8" fill="hold" grpId="0" nodeType="afterEffect">
+                                  <p:stCondLst>
+                                    <p:cond delay="0"/>
+                                  </p:stCondLst>
+                                  <p:childTnLst>
+                                    <p:set>
+                                      <p:cBhvr>
+                                        <p:cTn id="10" dur="1" fill="hold">
+                                          <p:stCondLst>
+                                            <p:cond delay="0"/>
+                                          </p:stCondLst>
+                                        </p:cTn>
+                                        <p:tgtEl>
+                                          <p:spTgt spid="19"/>
+                                        </p:tgtEl>
+                                        <p:attrNameLst>
+                                          <p:attrName>style.visibility</p:attrName>
+                                        </p:attrNameLst>
+                                      </p:cBhvr>
+                                      <p:to>
+                                        <p:strVal val="visible"/>
+                                      </p:to>
+                                    </p:set>
+                                    <p:animEffect transition="in" filter="wipe(left)">
+                                      <p:cBhvr>
+                                        <p:cTn id="11" dur="500"/>
+                                        <p:tgtEl>
+                                          <p:spTgt spid="19"/>
+                                        </p:tgtEl>
+                                      </p:cBhvr>
+                                    </p:animEffect>
+                                  </p:childTnLst>
+                                </p:cTn>
+                              </p:par>
+                              <p:par>
+                                <p:cTn id="12" presetID="1" presetClass="exit" presetSubtype="0" fill="hold" grpId="1" nodeType="withEffect">
+                                  <p:stCondLst>
+                                    <p:cond delay="0"/>
+                                  </p:stCondLst>
+                                  <p:childTnLst>
+                                    <p:set>
+                                      <p:cBhvr>
+                                        <p:cTn id="13" dur="1" fill="hold">
+                                          <p:stCondLst>
+                                            <p:cond delay="0"/>
+                                          </p:stCondLst>
+                                        </p:cTn>
+                                        <p:tgtEl>
+                                          <p:spTgt spid="13"/>
+                                        </p:tgtEl>
+                                        <p:attrNameLst>
+                                          <p:attrName>style.visibility</p:attrName>
+                                        </p:attrNameLst>
+                                      </p:cBhvr>
+                                      <p:to>
+                                        <p:strVal val="hidden"/>
+                                      </p:to>
+                                    </p:set>
+                                  </p:childTnLst>
+                                </p:cTn>
+                              </p:par>
+                            </p:childTnLst>
+                          </p:cTn>
+                        </p:par>
+                        <p:par>
+                          <p:cTn id="14" fill="hold">
+                            <p:stCondLst>
+                              <p:cond delay="1500"/>
+                            </p:stCondLst>
+                            <p:childTnLst>
+                              <p:par>
+                                <p:cTn id="15" presetID="10" presetClass="entr" presetSubtype="0" repeatCount="2000" fill="hold" grpId="0" nodeType="afterEffect">
+                                  <p:stCondLst>
+                                    <p:cond delay="0"/>
+                                  </p:stCondLst>
+                                  <p:childTnLst>
+                                    <p:set>
+                                      <p:cBhvr>
+                                        <p:cTn id="16" dur="1" fill="hold">
+                                          <p:stCondLst>
+                                            <p:cond delay="0"/>
+                                          </p:stCondLst>
+                                        </p:cTn>
+                                        <p:tgtEl>
+                                          <p:spTgt spid="20"/>
+                                        </p:tgtEl>
+                                        <p:attrNameLst>
+                                          <p:attrName>style.visibility</p:attrName>
+                                        </p:attrNameLst>
+                                      </p:cBhvr>
+                                      <p:to>
+                                        <p:strVal val="visible"/>
+                                      </p:to>
+                                    </p:set>
+                                    <p:animEffect transition="in" filter="fade">
+                                      <p:cBhvr>
+                                        <p:cTn id="17" dur="500"/>
+                                        <p:tgtEl>
+                                          <p:spTgt spid="20"/>
+                                        </p:tgtEl>
+                                      </p:cBhvr>
+                                    </p:animEffect>
+                                  </p:childTnLst>
+                                </p:cTn>
+                              </p:par>
+                            </p:childTnLst>
+                          </p:cTn>
+                        </p:par>
+                        <p:par>
+                          <p:cTn id="18" fill="hold">
+                            <p:stCondLst>
+                              <p:cond delay="2500"/>
+                            </p:stCondLst>
+                            <p:childTnLst>
+                              <p:par>
+                                <p:cTn id="19" presetID="1" presetClass="exit" presetSubtype="0" fill="hold" grpId="1" nodeType="afterEffect">
+                                  <p:stCondLst>
+                                    <p:cond delay="0"/>
+                                  </p:stCondLst>
+                                  <p:childTnLst>
+                                    <p:set>
+                                      <p:cBhvr>
+                                        <p:cTn id="20" dur="1" fill="hold">
+                                          <p:stCondLst>
+                                            <p:cond delay="0"/>
+                                          </p:stCondLst>
+                                        </p:cTn>
+                                        <p:tgtEl>
+                                          <p:spTgt spid="20"/>
+                                        </p:tgtEl>
+                                        <p:attrNameLst>
+                                          <p:attrName>style.visibility</p:attrName>
+                                        </p:attrNameLst>
+                                      </p:cBhvr>
+                                      <p:to>
+                                        <p:strVal val="hidden"/>
+                                      </p:to>
+                                    </p:set>
+                                  </p:childTnLst>
+                                </p:cTn>
+                              </p:par>
+                              <p:par>
+                                <p:cTn id="21" presetID="1" presetClass="entr" presetSubtype="0" fill="hold" grpId="0" nodeType="withEffect">
+                                  <p:stCondLst>
+                                    <p:cond delay="800"/>
+                                  </p:stCondLst>
+                                  <p:childTnLst>
+                                    <p:set>
+                                      <p:cBhvr>
+                                        <p:cTn id="22" dur="1" fill="hold">
+                                          <p:stCondLst>
+                                            <p:cond delay="0"/>
+                                          </p:stCondLst>
+                                        </p:cTn>
+                                        <p:tgtEl>
+                                          <p:spTgt spid="21"/>
+                                        </p:tgtEl>
+                                        <p:attrNameLst>
+                                          <p:attrName>style.visibility</p:attrName>
+                                        </p:attrNameLst>
+                                      </p:cBhvr>
+                                      <p:to>
+                                        <p:strVal val="visible"/>
+                                      </p:to>
+                                    </p:set>
+                                  </p:childTnLst>
+                                </p:cTn>
+                              </p:par>
+                            </p:childTnLst>
+                          </p:cTn>
+                        </p:par>
+                        <p:par>
+                          <p:cTn id="23" fill="hold">
+                            <p:stCondLst>
+                              <p:cond delay="3300"/>
+                            </p:stCondLst>
+                            <p:childTnLst>
+                              <p:par>
+                                <p:cTn id="24" presetID="22" presetClass="entr" presetSubtype="8" fill="hold" nodeType="afterEffect">
+                                  <p:stCondLst>
+                                    <p:cond delay="700"/>
+                                  </p:stCondLst>
+                                  <p:childTnLst>
+                                    <p:set>
+                                      <p:cBhvr>
+                                        <p:cTn id="25" dur="1" fill="hold">
+                                          <p:stCondLst>
+                                            <p:cond delay="0"/>
+                                          </p:stCondLst>
+                                        </p:cTn>
+                                        <p:tgtEl>
+                                          <p:spTgt spid="2"/>
+                                        </p:tgtEl>
+                                        <p:attrNameLst>
+                                          <p:attrName>style.visibility</p:attrName>
+                                        </p:attrNameLst>
+                                      </p:cBhvr>
+                                      <p:to>
+                                        <p:strVal val="visible"/>
+                                      </p:to>
+                                    </p:set>
+                                    <p:animEffect transition="in" filter="wipe(left)">
+                                      <p:cBhvr>
+                                        <p:cTn id="26" dur="500"/>
+                                        <p:tgtEl>
+                                          <p:spTgt spid="2"/>
+                                        </p:tgtEl>
+                                      </p:cBhvr>
+                                    </p:animEffect>
+                                  </p:childTnLst>
+                                </p:cTn>
+                              </p:par>
+                            </p:childTnLst>
+                          </p:cTn>
+                        </p:par>
+                      </p:childTnLst>
+                    </p:cTn>
+                  </p:par>
+                </p:childTnLst>
+              </p:cTn>
+              <p:prevCondLst>
+                <p:cond evt="onPrev" delay="0">
+                  <p:tgtEl>
+                    <p:sldTgt/>
+                  </p:tgtEl>
+                </p:cond>
+              </p:prevCondLst>
+              <p:nextCondLst>
+                <p:cond evt="onNext" delay="0">
+                  <p:tgtEl>
+                    <p:sldTgt/>
+                  </p:tgtEl>
+                </p:cond>
+              </p:nextCondLst>
+            </p:seq>
+          </p:childTnLst>
+        </p:cTn>
+      </p:par>
+    </p:tnLst>
+    <p:bldLst>
+      <p:bldP spid="13" grpId="0"/>
+      <p:bldP spid="13" grpId="1"/>
+      <p:bldP spid="19" grpId="0"/>
+      <p:bldP spid="20" grpId="0"/>
+      <p:bldP spid="20" grpId="1"/>
+      <p:bldP spid="21" grpId="0"/>
+    </p:bldLst>
+  </p:timing>
+</p:sld>
+</file>
+
+<file path=ppt/slides/slide11.xml><?xml version="1.0" encoding="utf-8"?>
+<p:sld xmlns:a="http://schemas.openxmlformats.org/drawingml/2006/main" xmlns:r="http://schemas.openxmlformats.org/officeDocument/2006/relationships" xmlns:p="http://schemas.openxmlformats.org/presentationml/2006/main">
+  <p:cSld>
+    <p:spTree>
+      <p:nvGrpSpPr>
+        <p:cNvPr id="1" name=""/>
+        <p:cNvGrpSpPr/>
+        <p:nvPr/>
+      </p:nvGrpSpPr>
+      <p:grpSpPr>
+        <a:xfrm>
+          <a:off x="0" y="0"/>
+          <a:ext cx="0" cy="0"/>
+          <a:chOff x="0" y="0"/>
+          <a:chExt cx="0" cy="0"/>
+        </a:xfrm>
+      </p:grpSpPr>
+      <p:sp>
+        <p:nvSpPr>
+          <p:cNvPr id="22" name="矩形 3">
+            <a:extLst>
+              <a:ext uri="{FF2B5EF4-FFF2-40B4-BE49-F238E27FC236}">
+                <a16:creationId xmlns="" xmlns:a16="http://schemas.microsoft.com/office/drawing/2014/main" id="{AC167845-82AC-4B39-8198-B9E73F081CCD}"/>
+              </a:ext>
+            </a:extLst>
+          </p:cNvPr>
+          <p:cNvSpPr/>
+          <p:nvPr/>
+        </p:nvSpPr>
+        <p:spPr>
+          <a:xfrm>
+            <a:off x="0" y="0"/>
+            <a:ext cx="12192000" cy="6858000"/>
+          </a:xfrm>
+          <a:prstGeom prst="rect">
+            <a:avLst/>
+          </a:prstGeom>
+          <a:solidFill>
+            <a:schemeClr val="tx1">
+              <a:lumMod val="85000"/>
+              <a:lumOff val="15000"/>
+            </a:schemeClr>
+          </a:solidFill>
+          <a:ln>
+            <a:noFill/>
+          </a:ln>
+        </p:spPr>
+        <p:style>
+          <a:lnRef idx="2">
+            <a:schemeClr val="accent1">
+              <a:shade val="50000"/>
+            </a:schemeClr>
+          </a:lnRef>
+          <a:fillRef idx="1">
+            <a:schemeClr val="accent1"/>
+          </a:fillRef>
+          <a:effectRef idx="0">
+            <a:schemeClr val="accent1"/>
+          </a:effectRef>
+          <a:fontRef idx="minor">
+            <a:schemeClr val="lt1"/>
+          </a:fontRef>
+        </p:style>
+        <p:txBody>
+          <a:bodyPr rtlCol="0" anchor="ctr"/>
+          <a:lstStyle/>
+          <a:p>
+            <a:pPr algn="ctr"/>
+            <a:endParaRPr lang="zh-TW" altLang="en-US" dirty="0">
+              <a:solidFill>
+                <a:schemeClr val="bg1"/>
+              </a:solidFill>
+            </a:endParaRPr>
+          </a:p>
+        </p:txBody>
+      </p:sp>
+      <p:sp>
+        <p:nvSpPr>
+          <p:cNvPr id="23" name="矩形 4">
+            <a:extLst>
+              <a:ext uri="{FF2B5EF4-FFF2-40B4-BE49-F238E27FC236}">
+                <a16:creationId xmlns="" xmlns:a16="http://schemas.microsoft.com/office/drawing/2014/main" id="{BFF19E05-7F0B-4D53-80A0-D5568C6C5E7E}"/>
+              </a:ext>
+            </a:extLst>
+          </p:cNvPr>
+          <p:cNvSpPr/>
+          <p:nvPr/>
+        </p:nvSpPr>
+        <p:spPr>
+          <a:xfrm>
+            <a:off x="0" y="0"/>
+            <a:ext cx="12192000" cy="369277"/>
+          </a:xfrm>
+          <a:prstGeom prst="rect">
+            <a:avLst/>
+          </a:prstGeom>
+          <a:solidFill>
+            <a:schemeClr val="bg1"/>
+          </a:solidFill>
+          <a:ln>
+            <a:noFill/>
+          </a:ln>
+        </p:spPr>
+        <p:style>
+          <a:lnRef idx="2">
+            <a:schemeClr val="accent1">
+              <a:shade val="50000"/>
+            </a:schemeClr>
+          </a:lnRef>
+          <a:fillRef idx="1">
+            <a:schemeClr val="accent1"/>
+          </a:fillRef>
+          <a:effectRef idx="0">
+            <a:schemeClr val="accent1"/>
+          </a:effectRef>
+          <a:fontRef idx="minor">
+            <a:schemeClr val="lt1"/>
+          </a:fontRef>
+        </p:style>
+        <p:txBody>
+          <a:bodyPr rtlCol="0" anchor="ctr"/>
+          <a:lstStyle/>
+          <a:p>
+            <a:pPr algn="ctr"/>
+            <a:endParaRPr lang="zh-TW" altLang="en-US"/>
+          </a:p>
+        </p:txBody>
+      </p:sp>
+      <p:sp>
+        <p:nvSpPr>
+          <p:cNvPr id="24" name="文字方塊 5">
+            <a:extLst>
+              <a:ext uri="{FF2B5EF4-FFF2-40B4-BE49-F238E27FC236}">
+                <a16:creationId xmlns="" xmlns:a16="http://schemas.microsoft.com/office/drawing/2014/main" id="{345E91AF-1F31-4DE1-ABCD-8C0326089302}"/>
+              </a:ext>
+            </a:extLst>
+          </p:cNvPr>
+          <p:cNvSpPr txBox="1"/>
+          <p:nvPr/>
+        </p:nvSpPr>
+        <p:spPr>
+          <a:xfrm>
+            <a:off x="123092" y="61527"/>
+            <a:ext cx="396262" cy="246221"/>
+          </a:xfrm>
+          <a:prstGeom prst="rect">
+            <a:avLst/>
+          </a:prstGeom>
+          <a:solidFill>
+            <a:schemeClr val="tx1">
+              <a:lumMod val="85000"/>
+              <a:lumOff val="15000"/>
+            </a:schemeClr>
+          </a:solidFill>
+          <a:ln w="28575">
+            <a:solidFill>
+              <a:schemeClr val="bg1">
+                <a:lumMod val="65000"/>
+              </a:schemeClr>
+            </a:solidFill>
+          </a:ln>
+        </p:spPr>
+        <p:txBody>
+          <a:bodyPr wrap="none" rtlCol="0">
+            <a:spAutoFit/>
+          </a:bodyPr>
+          <a:lstStyle/>
+          <a:p>
+            <a:r>
+              <a:rPr lang="en-US" altLang="zh-TW" sz="1000" dirty="0">
+                <a:solidFill>
+                  <a:schemeClr val="bg1"/>
+                </a:solidFill>
+                <a:latin typeface="Consolas" panose="020B0609020204030204" pitchFamily="49" charset="0"/>
+              </a:rPr>
+              <a:t>CPP</a:t>
+            </a:r>
+            <a:endParaRPr lang="zh-TW" altLang="en-US" sz="1000" dirty="0">
+              <a:solidFill>
+                <a:schemeClr val="bg1"/>
+              </a:solidFill>
+              <a:latin typeface="Consolas" panose="020B0609020204030204" pitchFamily="49" charset="0"/>
+            </a:endParaRPr>
+          </a:p>
+        </p:txBody>
+      </p:sp>
+      <p:sp>
+        <p:nvSpPr>
+          <p:cNvPr id="25" name="文字方塊 6">
+            <a:extLst>
+              <a:ext uri="{FF2B5EF4-FFF2-40B4-BE49-F238E27FC236}">
+                <a16:creationId xmlns="" xmlns:a16="http://schemas.microsoft.com/office/drawing/2014/main" id="{AFA5128D-FDC6-49CF-B065-490ED7618382}"/>
+              </a:ext>
+            </a:extLst>
+          </p:cNvPr>
+          <p:cNvSpPr txBox="1"/>
+          <p:nvPr/>
+        </p:nvSpPr>
+        <p:spPr>
+          <a:xfrm>
+            <a:off x="525718" y="46137"/>
+            <a:ext cx="4198585" cy="276999"/>
+          </a:xfrm>
+          <a:prstGeom prst="rect">
+            <a:avLst/>
+          </a:prstGeom>
+          <a:noFill/>
+        </p:spPr>
+        <p:txBody>
+          <a:bodyPr wrap="none" rtlCol="0">
+            <a:spAutoFit/>
+          </a:bodyPr>
+          <a:lstStyle/>
+          <a:p>
+            <a:r>
+              <a:rPr lang="en-US" altLang="zh-TW" sz="1200" b="1" dirty="0">
+                <a:solidFill>
+                  <a:schemeClr val="tx1">
+                    <a:lumMod val="85000"/>
+                    <a:lumOff val="15000"/>
+                  </a:schemeClr>
+                </a:solidFill>
+                <a:latin typeface="Consolas" panose="020B0609020204030204" pitchFamily="49" charset="0"/>
+              </a:rPr>
+              <a:t>C:\NTUST\WebpagesDevelopment\Team05\</a:t>
+            </a:r>
+            <a:r>
+              <a:rPr lang="zh-TW" altLang="en-US" sz="1200" b="1" dirty="0">
+                <a:solidFill>
+                  <a:schemeClr val="tx1">
+                    <a:lumMod val="85000"/>
+                    <a:lumOff val="15000"/>
+                  </a:schemeClr>
+                </a:solidFill>
+                <a:latin typeface="Microsoft JhengHei UI Light" panose="020B0304030504040204" pitchFamily="34" charset="-120"/>
+                <a:ea typeface="Microsoft JhengHei UI Light" panose="020B0304030504040204" pitchFamily="34" charset="-120"/>
+              </a:rPr>
+              <a:t>碼農天堂</a:t>
+            </a:r>
+            <a:r>
+              <a:rPr lang="en-US" altLang="zh-TW" sz="1200" b="1" dirty="0">
+                <a:solidFill>
+                  <a:schemeClr val="tx1">
+                    <a:lumMod val="85000"/>
+                    <a:lumOff val="15000"/>
+                  </a:schemeClr>
+                </a:solidFill>
+                <a:latin typeface="Consolas" panose="020B0609020204030204" pitchFamily="49" charset="0"/>
+              </a:rPr>
+              <a:t>.exe</a:t>
+            </a:r>
+            <a:endParaRPr lang="zh-TW" altLang="en-US" sz="1200" b="1" dirty="0">
+              <a:solidFill>
+                <a:schemeClr val="tx1">
+                  <a:lumMod val="85000"/>
+                  <a:lumOff val="15000"/>
+                </a:schemeClr>
+              </a:solidFill>
+              <a:latin typeface="Consolas" panose="020B0609020204030204" pitchFamily="49" charset="0"/>
+            </a:endParaRPr>
+          </a:p>
+        </p:txBody>
+      </p:sp>
+      <p:sp>
+        <p:nvSpPr>
+          <p:cNvPr id="26" name="文字方塊 7">
+            <a:extLst>
+              <a:ext uri="{FF2B5EF4-FFF2-40B4-BE49-F238E27FC236}">
+                <a16:creationId xmlns="" xmlns:a16="http://schemas.microsoft.com/office/drawing/2014/main" id="{500E8BF5-A714-4F7E-B7D2-041B71BE2C03}"/>
+              </a:ext>
+            </a:extLst>
+          </p:cNvPr>
+          <p:cNvSpPr txBox="1"/>
+          <p:nvPr/>
+        </p:nvSpPr>
+        <p:spPr>
+          <a:xfrm>
+            <a:off x="10598497" y="15389"/>
+            <a:ext cx="415498" cy="369332"/>
+          </a:xfrm>
+          <a:prstGeom prst="rect">
+            <a:avLst/>
+          </a:prstGeom>
+          <a:noFill/>
+        </p:spPr>
+        <p:txBody>
+          <a:bodyPr wrap="none" rtlCol="0">
+            <a:spAutoFit/>
+          </a:bodyPr>
+          <a:lstStyle/>
+          <a:p>
+            <a:r>
+              <a:rPr lang="zh-TW" altLang="en-US" b="1" dirty="0">
+                <a:solidFill>
+                  <a:schemeClr val="tx1">
+                    <a:lumMod val="85000"/>
+                    <a:lumOff val="15000"/>
+                  </a:schemeClr>
+                </a:solidFill>
+                <a:latin typeface="Consolas" panose="020B0609020204030204" pitchFamily="49" charset="0"/>
+              </a:rPr>
+              <a:t>☺</a:t>
+            </a:r>
+          </a:p>
+        </p:txBody>
+      </p:sp>
+      <p:sp>
+        <p:nvSpPr>
+          <p:cNvPr id="27" name="文字方塊 8">
+            <a:extLst>
+              <a:ext uri="{FF2B5EF4-FFF2-40B4-BE49-F238E27FC236}">
+                <a16:creationId xmlns="" xmlns:a16="http://schemas.microsoft.com/office/drawing/2014/main" id="{FFE8DD17-A16E-4199-9B5D-237044F47F7E}"/>
+              </a:ext>
+            </a:extLst>
+          </p:cNvPr>
+          <p:cNvSpPr txBox="1"/>
+          <p:nvPr/>
+        </p:nvSpPr>
+        <p:spPr>
+          <a:xfrm>
+            <a:off x="11151953" y="15389"/>
+            <a:ext cx="415498" cy="369332"/>
+          </a:xfrm>
+          <a:prstGeom prst="rect">
+            <a:avLst/>
+          </a:prstGeom>
+          <a:noFill/>
+        </p:spPr>
+        <p:txBody>
+          <a:bodyPr wrap="none" rtlCol="0">
+            <a:spAutoFit/>
+          </a:bodyPr>
+          <a:lstStyle/>
+          <a:p>
+            <a:r>
+              <a:rPr lang="zh-TW" altLang="en-US" b="1" dirty="0">
+                <a:solidFill>
+                  <a:schemeClr val="tx1">
+                    <a:lumMod val="85000"/>
+                    <a:lumOff val="15000"/>
+                  </a:schemeClr>
+                </a:solidFill>
+                <a:latin typeface="Consolas" panose="020B0609020204030204" pitchFamily="49" charset="0"/>
+              </a:rPr>
+              <a:t>☹</a:t>
+            </a:r>
+          </a:p>
+        </p:txBody>
+      </p:sp>
+      <p:sp>
+        <p:nvSpPr>
+          <p:cNvPr id="28" name="文字方塊 9">
+            <a:extLst>
+              <a:ext uri="{FF2B5EF4-FFF2-40B4-BE49-F238E27FC236}">
+                <a16:creationId xmlns="" xmlns:a16="http://schemas.microsoft.com/office/drawing/2014/main" id="{8EB946F6-2EEC-44AF-B2BF-2AA8B4F2CBC4}"/>
+              </a:ext>
+            </a:extLst>
+          </p:cNvPr>
+          <p:cNvSpPr txBox="1"/>
+          <p:nvPr/>
+        </p:nvSpPr>
+        <p:spPr>
+          <a:xfrm>
+            <a:off x="11705409" y="0"/>
+            <a:ext cx="441146" cy="400110"/>
+          </a:xfrm>
+          <a:prstGeom prst="rect">
+            <a:avLst/>
+          </a:prstGeom>
+          <a:noFill/>
+        </p:spPr>
+        <p:txBody>
+          <a:bodyPr wrap="none" rtlCol="0">
+            <a:spAutoFit/>
+          </a:bodyPr>
+          <a:lstStyle/>
+          <a:p>
+            <a:r>
+              <a:rPr lang="zh-TW" altLang="en-US" sz="2000" dirty="0"/>
+              <a:t>☻</a:t>
+            </a:r>
+          </a:p>
+        </p:txBody>
+      </p:sp>
+      <p:sp>
+        <p:nvSpPr>
+          <p:cNvPr id="29" name="文字方塊 10">
+            <a:extLst>
+              <a:ext uri="{FF2B5EF4-FFF2-40B4-BE49-F238E27FC236}">
+                <a16:creationId xmlns="" xmlns:a16="http://schemas.microsoft.com/office/drawing/2014/main" id="{582EF791-130E-440F-A226-EA7E4EB5AC28}"/>
+              </a:ext>
+            </a:extLst>
+          </p:cNvPr>
+          <p:cNvSpPr txBox="1"/>
+          <p:nvPr/>
+        </p:nvSpPr>
+        <p:spPr>
+          <a:xfrm>
+            <a:off x="0" y="369273"/>
+            <a:ext cx="4259499" cy="954107"/>
+          </a:xfrm>
+          <a:prstGeom prst="rect">
+            <a:avLst/>
+          </a:prstGeom>
+          <a:noFill/>
+        </p:spPr>
+        <p:txBody>
+          <a:bodyPr wrap="none" rtlCol="0">
+            <a:spAutoFit/>
+          </a:bodyPr>
+          <a:lstStyle/>
+          <a:p>
+            <a:r>
+              <a:rPr lang="en-US" altLang="zh-TW" sz="1400" dirty="0">
+                <a:solidFill>
+                  <a:schemeClr val="bg1"/>
+                </a:solidFill>
+                <a:latin typeface="Consolas" panose="020B0609020204030204" pitchFamily="49" charset="0"/>
+              </a:rPr>
+              <a:t>Webpages Development</a:t>
+            </a:r>
+            <a:r>
+              <a:rPr lang="zh-TW" altLang="en-US" sz="1400" dirty="0">
+                <a:solidFill>
+                  <a:schemeClr val="bg1"/>
+                </a:solidFill>
+                <a:latin typeface="Consolas" panose="020B0609020204030204" pitchFamily="49" charset="0"/>
+              </a:rPr>
+              <a:t> </a:t>
+            </a:r>
+            <a:r>
+              <a:rPr lang="en-US" altLang="zh-TW" sz="1400" dirty="0">
+                <a:solidFill>
+                  <a:schemeClr val="bg1"/>
+                </a:solidFill>
+                <a:latin typeface="Consolas" panose="020B0609020204030204" pitchFamily="49" charset="0"/>
+              </a:rPr>
+              <a:t>[Version 2019.04.19]</a:t>
+            </a:r>
+          </a:p>
+          <a:p>
+            <a:r>
+              <a:rPr lang="en-US" altLang="zh-TW" sz="1400" dirty="0">
+                <a:solidFill>
+                  <a:schemeClr val="bg1"/>
+                </a:solidFill>
+                <a:latin typeface="Consolas" panose="020B0609020204030204" pitchFamily="49" charset="0"/>
+              </a:rPr>
+              <a:t>(c) 2019 NTUST</a:t>
+            </a:r>
+          </a:p>
+          <a:p>
+            <a:endParaRPr lang="en-US" altLang="zh-TW" sz="1400" dirty="0">
+              <a:solidFill>
+                <a:schemeClr val="bg1"/>
+              </a:solidFill>
+              <a:latin typeface="Consolas" panose="020B0609020204030204" pitchFamily="49" charset="0"/>
+            </a:endParaRPr>
+          </a:p>
+          <a:p>
+            <a:r>
+              <a:rPr lang="en-US" altLang="zh-TW" sz="1400" dirty="0">
+                <a:solidFill>
+                  <a:schemeClr val="bg1"/>
+                </a:solidFill>
+                <a:latin typeface="Consolas" panose="020B0609020204030204" pitchFamily="49" charset="0"/>
+              </a:rPr>
+              <a:t>C:\Users\student&gt;</a:t>
+            </a:r>
+            <a:endParaRPr lang="zh-TW" altLang="en-US" sz="1400" dirty="0">
+              <a:solidFill>
+                <a:schemeClr val="bg1"/>
+              </a:solidFill>
+              <a:latin typeface="Consolas" panose="020B0609020204030204" pitchFamily="49" charset="0"/>
+            </a:endParaRPr>
+          </a:p>
+        </p:txBody>
+      </p:sp>
+      <p:sp>
+        <p:nvSpPr>
+          <p:cNvPr id="30" name="文字方塊 12">
+            <a:extLst>
+              <a:ext uri="{FF2B5EF4-FFF2-40B4-BE49-F238E27FC236}">
+                <a16:creationId xmlns="" xmlns:a16="http://schemas.microsoft.com/office/drawing/2014/main" id="{0B05D7D0-BAE6-4995-934B-E00CFFD98FA0}"/>
+              </a:ext>
+            </a:extLst>
+          </p:cNvPr>
+          <p:cNvSpPr txBox="1"/>
+          <p:nvPr/>
+        </p:nvSpPr>
+        <p:spPr>
+          <a:xfrm>
+            <a:off x="1699377" y="954048"/>
+            <a:ext cx="311304" cy="369332"/>
+          </a:xfrm>
+          <a:prstGeom prst="rect">
+            <a:avLst/>
+          </a:prstGeom>
+          <a:noFill/>
+        </p:spPr>
+        <p:txBody>
+          <a:bodyPr wrap="none" rtlCol="0">
+            <a:spAutoFit/>
+          </a:bodyPr>
+          <a:lstStyle/>
+          <a:p>
+            <a:r>
+              <a:rPr lang="en-US" altLang="zh-TW" b="1" dirty="0">
+                <a:solidFill>
+                  <a:schemeClr val="bg1"/>
+                </a:solidFill>
+                <a:latin typeface="Consolas" panose="020B0609020204030204" pitchFamily="49" charset="0"/>
+              </a:rPr>
+              <a:t>_</a:t>
+            </a:r>
+            <a:endParaRPr lang="zh-TW" altLang="en-US" b="1" dirty="0">
+              <a:solidFill>
+                <a:schemeClr val="bg1"/>
+              </a:solidFill>
+              <a:latin typeface="Consolas" panose="020B0609020204030204" pitchFamily="49" charset="0"/>
+            </a:endParaRPr>
+          </a:p>
+        </p:txBody>
+      </p:sp>
+      <p:sp>
+        <p:nvSpPr>
+          <p:cNvPr id="31" name="矩形 13">
+            <a:extLst>
+              <a:ext uri="{FF2B5EF4-FFF2-40B4-BE49-F238E27FC236}">
+                <a16:creationId xmlns="" xmlns:a16="http://schemas.microsoft.com/office/drawing/2014/main" id="{C47076D3-12F2-455B-91A6-C3C4BA991D9D}"/>
+              </a:ext>
+            </a:extLst>
+          </p:cNvPr>
+          <p:cNvSpPr/>
+          <p:nvPr/>
+        </p:nvSpPr>
+        <p:spPr>
+          <a:xfrm>
+            <a:off x="11925982" y="369273"/>
+            <a:ext cx="266018" cy="6488727"/>
+          </a:xfrm>
+          <a:prstGeom prst="rect">
+            <a:avLst/>
+          </a:prstGeom>
+          <a:solidFill>
+            <a:schemeClr val="bg1">
+              <a:lumMod val="95000"/>
+            </a:schemeClr>
+          </a:solidFill>
+          <a:ln>
+            <a:noFill/>
+          </a:ln>
+        </p:spPr>
+        <p:style>
+          <a:lnRef idx="2">
+            <a:schemeClr val="accent1">
+              <a:shade val="50000"/>
+            </a:schemeClr>
+          </a:lnRef>
+          <a:fillRef idx="1">
+            <a:schemeClr val="accent1"/>
+          </a:fillRef>
+          <a:effectRef idx="0">
+            <a:schemeClr val="accent1"/>
+          </a:effectRef>
+          <a:fontRef idx="minor">
+            <a:schemeClr val="lt1"/>
+          </a:fontRef>
+        </p:style>
+        <p:txBody>
+          <a:bodyPr rtlCol="0" anchor="ctr"/>
+          <a:lstStyle/>
+          <a:p>
+            <a:pPr algn="ctr"/>
+            <a:endParaRPr lang="zh-TW" altLang="en-US"/>
+          </a:p>
+        </p:txBody>
+      </p:sp>
+      <p:sp>
+        <p:nvSpPr>
+          <p:cNvPr id="32" name="矩形 15">
+            <a:extLst>
+              <a:ext uri="{FF2B5EF4-FFF2-40B4-BE49-F238E27FC236}">
+                <a16:creationId xmlns="" xmlns:a16="http://schemas.microsoft.com/office/drawing/2014/main" id="{14A1C11C-261E-440B-8C29-2C2422867D77}"/>
+              </a:ext>
+            </a:extLst>
+          </p:cNvPr>
+          <p:cNvSpPr/>
+          <p:nvPr/>
+        </p:nvSpPr>
+        <p:spPr>
+          <a:xfrm>
+            <a:off x="11925982" y="369273"/>
+            <a:ext cx="266018" cy="261663"/>
+          </a:xfrm>
+          <a:prstGeom prst="rect">
+            <a:avLst/>
+          </a:prstGeom>
+          <a:solidFill>
+            <a:schemeClr val="bg1">
+              <a:lumMod val="95000"/>
+            </a:schemeClr>
+          </a:solidFill>
+          <a:ln>
+            <a:noFill/>
+          </a:ln>
+        </p:spPr>
+        <p:style>
+          <a:lnRef idx="2">
+            <a:schemeClr val="accent1">
+              <a:shade val="50000"/>
+            </a:schemeClr>
+          </a:lnRef>
+          <a:fillRef idx="1">
+            <a:schemeClr val="accent1"/>
+          </a:fillRef>
+          <a:effectRef idx="0">
+            <a:schemeClr val="accent1"/>
+          </a:effectRef>
+          <a:fontRef idx="minor">
+            <a:schemeClr val="lt1"/>
+          </a:fontRef>
+        </p:style>
+        <p:txBody>
+          <a:bodyPr rtlCol="0" anchor="ctr"/>
+          <a:lstStyle/>
+          <a:p>
+            <a:pPr algn="ctr"/>
+            <a:r>
+              <a:rPr lang="zh-TW" altLang="en-US" sz="1400" dirty="0">
+                <a:solidFill>
+                  <a:schemeClr val="tx1">
+                    <a:lumMod val="85000"/>
+                    <a:lumOff val="15000"/>
+                  </a:schemeClr>
+                </a:solidFill>
+              </a:rPr>
+              <a:t>▲</a:t>
+            </a:r>
+          </a:p>
+        </p:txBody>
+      </p:sp>
+      <p:sp>
+        <p:nvSpPr>
+          <p:cNvPr id="33" name="矩形 16">
+            <a:extLst>
+              <a:ext uri="{FF2B5EF4-FFF2-40B4-BE49-F238E27FC236}">
+                <a16:creationId xmlns="" xmlns:a16="http://schemas.microsoft.com/office/drawing/2014/main" id="{1E099F5A-27A1-4829-80DF-E9BA27A29F6A}"/>
+              </a:ext>
+            </a:extLst>
+          </p:cNvPr>
+          <p:cNvSpPr/>
+          <p:nvPr/>
+        </p:nvSpPr>
+        <p:spPr>
+          <a:xfrm>
+            <a:off x="11925982" y="6578047"/>
+            <a:ext cx="266018" cy="261663"/>
+          </a:xfrm>
+          <a:prstGeom prst="rect">
+            <a:avLst/>
+          </a:prstGeom>
+          <a:solidFill>
+            <a:schemeClr val="bg1">
+              <a:lumMod val="95000"/>
+            </a:schemeClr>
+          </a:solidFill>
+          <a:ln>
+            <a:noFill/>
+          </a:ln>
+        </p:spPr>
+        <p:style>
+          <a:lnRef idx="2">
+            <a:schemeClr val="accent1">
+              <a:shade val="50000"/>
+            </a:schemeClr>
+          </a:lnRef>
+          <a:fillRef idx="1">
+            <a:schemeClr val="accent1"/>
+          </a:fillRef>
+          <a:effectRef idx="0">
+            <a:schemeClr val="accent1"/>
+          </a:effectRef>
+          <a:fontRef idx="minor">
+            <a:schemeClr val="lt1"/>
+          </a:fontRef>
+        </p:style>
+        <p:txBody>
+          <a:bodyPr rtlCol="0" anchor="ctr"/>
+          <a:lstStyle/>
+          <a:p>
+            <a:pPr algn="ctr"/>
+            <a:r>
+              <a:rPr lang="zh-TW" altLang="en-US" sz="1400" dirty="0">
+                <a:solidFill>
+                  <a:schemeClr val="tx1">
+                    <a:lumMod val="85000"/>
+                    <a:lumOff val="15000"/>
+                  </a:schemeClr>
+                </a:solidFill>
+              </a:rPr>
+              <a:t>▼</a:t>
+            </a:r>
+            <a:endParaRPr lang="zh-TW" altLang="en-US" sz="1100" dirty="0">
+              <a:solidFill>
+                <a:schemeClr val="tx1">
+                  <a:lumMod val="85000"/>
+                  <a:lumOff val="15000"/>
+                </a:schemeClr>
+              </a:solidFill>
+            </a:endParaRPr>
+          </a:p>
+        </p:txBody>
+      </p:sp>
+      <p:sp>
+        <p:nvSpPr>
+          <p:cNvPr id="34" name="矩形 17">
+            <a:extLst>
+              <a:ext uri="{FF2B5EF4-FFF2-40B4-BE49-F238E27FC236}">
+                <a16:creationId xmlns="" xmlns:a16="http://schemas.microsoft.com/office/drawing/2014/main" id="{C2F7121F-64BF-4D27-90CA-E3A5761DB752}"/>
+              </a:ext>
+            </a:extLst>
+          </p:cNvPr>
+          <p:cNvSpPr/>
+          <p:nvPr/>
+        </p:nvSpPr>
+        <p:spPr>
+          <a:xfrm>
+            <a:off x="11925982" y="630936"/>
+            <a:ext cx="266018" cy="507778"/>
+          </a:xfrm>
+          <a:prstGeom prst="rect">
+            <a:avLst/>
+          </a:prstGeom>
+          <a:solidFill>
+            <a:schemeClr val="bg1">
+              <a:lumMod val="75000"/>
+            </a:schemeClr>
+          </a:solidFill>
+          <a:ln>
+            <a:noFill/>
+          </a:ln>
+        </p:spPr>
+        <p:style>
+          <a:lnRef idx="2">
+            <a:schemeClr val="accent1">
+              <a:shade val="50000"/>
+            </a:schemeClr>
+          </a:lnRef>
+          <a:fillRef idx="1">
+            <a:schemeClr val="accent1"/>
+          </a:fillRef>
+          <a:effectRef idx="0">
+            <a:schemeClr val="accent1"/>
+          </a:effectRef>
+          <a:fontRef idx="minor">
+            <a:schemeClr val="lt1"/>
+          </a:fontRef>
+        </p:style>
+        <p:txBody>
+          <a:bodyPr rtlCol="0" anchor="ctr"/>
+          <a:lstStyle/>
+          <a:p>
+            <a:pPr algn="ctr"/>
+            <a:endParaRPr lang="zh-TW" altLang="en-US"/>
+          </a:p>
+        </p:txBody>
+      </p:sp>
+      <p:sp>
+        <p:nvSpPr>
           <p:cNvPr id="35" name="文字方塊 18">
             <a:extLst>
               <a:ext uri="{FF2B5EF4-FFF2-40B4-BE49-F238E27FC236}">
-                <a16:creationId xmlns:a16="http://schemas.microsoft.com/office/drawing/2014/main" xmlns="" id="{1D29CB4A-5938-486A-9B69-1C4863EBF835}"/>
+                <a16:creationId xmlns="" xmlns:a16="http://schemas.microsoft.com/office/drawing/2014/main" id="{1D29CB4A-5938-486A-9B69-1C4863EBF835}"/>
               </a:ext>
             </a:extLst>
           </p:cNvPr>
@@ -6800,7 +8022,7 @@
           <p:cNvPr id="36" name="文字方塊 19">
             <a:extLst>
               <a:ext uri="{FF2B5EF4-FFF2-40B4-BE49-F238E27FC236}">
-                <a16:creationId xmlns:a16="http://schemas.microsoft.com/office/drawing/2014/main" xmlns="" id="{5D01598A-BC8E-452D-99D7-9A19476E2209}"/>
+                <a16:creationId xmlns="" xmlns:a16="http://schemas.microsoft.com/office/drawing/2014/main" id="{5D01598A-BC8E-452D-99D7-9A19476E2209}"/>
               </a:ext>
             </a:extLst>
           </p:cNvPr>
@@ -6846,7 +8068,7 @@
           <p:cNvPr id="37" name="文字方塊 20">
             <a:extLst>
               <a:ext uri="{FF2B5EF4-FFF2-40B4-BE49-F238E27FC236}">
-                <a16:creationId xmlns:a16="http://schemas.microsoft.com/office/drawing/2014/main" xmlns="" id="{710C7FF3-F020-484B-AE3E-C742E1A1ECA1}"/>
+                <a16:creationId xmlns="" xmlns:a16="http://schemas.microsoft.com/office/drawing/2014/main" id="{710C7FF3-F020-484B-AE3E-C742E1A1ECA1}"/>
               </a:ext>
             </a:extLst>
           </p:cNvPr>
@@ -6892,7 +8114,7 @@
           <p:cNvPr id="39" name="文字方塊 21">
             <a:extLst>
               <a:ext uri="{FF2B5EF4-FFF2-40B4-BE49-F238E27FC236}">
-                <a16:creationId xmlns:a16="http://schemas.microsoft.com/office/drawing/2014/main" xmlns="" id="{868EF06B-C63A-4856-A7C5-B77CB5CD2DD6}"/>
+                <a16:creationId xmlns="" xmlns:a16="http://schemas.microsoft.com/office/drawing/2014/main" id="{868EF06B-C63A-4856-A7C5-B77CB5CD2DD6}"/>
               </a:ext>
             </a:extLst>
           </p:cNvPr>
@@ -7003,9 +8225,19 @@
                 <a:latin typeface="Consolas" panose="020B0609020204030204" pitchFamily="49" charset="0"/>
                 <a:ea typeface="Microsoft JhengHei UI Light" panose="020B0304030504040204" pitchFamily="34" charset="-120"/>
               </a:rPr>
-              <a:t>前後端分別開發完成</a:t>
-            </a:r>
-            <a:endParaRPr lang="en-GB" altLang="zh-TW" sz="2000" dirty="0">
+              <a:t>前後端分別</a:t>
+            </a:r>
+            <a:r>
+              <a:rPr lang="zh-TW" altLang="en-US" sz="2000" dirty="0" smtClean="0">
+                <a:solidFill>
+                  <a:schemeClr val="bg1"/>
+                </a:solidFill>
+                <a:latin typeface="Consolas" panose="020B0609020204030204" pitchFamily="49" charset="0"/>
+                <a:ea typeface="Microsoft JhengHei UI Light" panose="020B0304030504040204" pitchFamily="34" charset="-120"/>
+              </a:rPr>
+              <a:t>開發完成</a:t>
+            </a:r>
+            <a:endParaRPr lang="en-GB" altLang="zh-TW" sz="2000" dirty="0" smtClean="0">
               <a:solidFill>
                 <a:schemeClr val="bg1"/>
               </a:solidFill>
@@ -7015,7 +8247,7 @@
           </a:p>
           <a:p>
             <a:r>
-              <a:rPr lang="en-GB" altLang="zh-TW" sz="2000" dirty="0">
+              <a:rPr lang="en-GB" altLang="zh-TW" sz="2000" dirty="0" smtClean="0">
                 <a:solidFill>
                   <a:schemeClr val="bg1"/>
                 </a:solidFill>
@@ -7025,7 +8257,7 @@
               <a:t>   2019/0</a:t>
             </a:r>
             <a:r>
-              <a:rPr lang="en-US" altLang="zh-TW" sz="2000" dirty="0">
+              <a:rPr lang="en-US" altLang="zh-TW" sz="2000" dirty="0" smtClean="0">
                 <a:solidFill>
                   <a:schemeClr val="bg1"/>
                 </a:solidFill>
@@ -7034,7 +8266,7 @@
               <a:t>3/12 </a:t>
             </a:r>
             <a:r>
-              <a:rPr lang="en-GB" altLang="zh-TW" sz="2000" dirty="0">
+              <a:rPr lang="en-GB" altLang="zh-TW" sz="2000" dirty="0" smtClean="0">
                 <a:solidFill>
                   <a:schemeClr val="bg1"/>
                 </a:solidFill>
@@ -7044,7 +8276,7 @@
               <a:t>	2019/0</a:t>
             </a:r>
             <a:r>
-              <a:rPr lang="en-US" altLang="zh-TW" sz="2000" dirty="0">
+              <a:rPr lang="en-US" altLang="zh-TW" sz="2000" dirty="0" smtClean="0">
                 <a:solidFill>
                   <a:schemeClr val="bg1"/>
                 </a:solidFill>
@@ -7053,7 +8285,7 @@
               <a:t>4/02 			</a:t>
             </a:r>
             <a:r>
-              <a:rPr lang="en-GB" altLang="zh-TW" sz="2000" dirty="0">
+              <a:rPr lang="en-GB" altLang="zh-TW" sz="2000" dirty="0" smtClean="0">
                 <a:solidFill>
                   <a:schemeClr val="bg1"/>
                 </a:solidFill>
@@ -7063,15 +8295,15 @@
               <a:t>2019/0</a:t>
             </a:r>
             <a:r>
-              <a:rPr lang="en-US" altLang="zh-TW" sz="2000" dirty="0">
-                <a:solidFill>
-                  <a:schemeClr val="bg1"/>
-                </a:solidFill>
-                <a:latin typeface="Consolas" panose="020B0609020204030204" pitchFamily="49" charset="0"/>
-              </a:rPr>
-              <a:t>5/21 </a:t>
-            </a:r>
-            <a:endParaRPr lang="en-GB" altLang="zh-TW" sz="2000" dirty="0">
+              <a:rPr lang="en-US" altLang="zh-TW" sz="2000" dirty="0" smtClean="0">
+                <a:solidFill>
+                  <a:schemeClr val="bg1"/>
+                </a:solidFill>
+                <a:latin typeface="Consolas" panose="020B0609020204030204" pitchFamily="49" charset="0"/>
+              </a:rPr>
+              <a:t>5/31 </a:t>
+            </a:r>
+            <a:endParaRPr lang="en-GB" altLang="zh-TW" sz="2000" dirty="0" smtClean="0">
               <a:solidFill>
                 <a:schemeClr val="bg1"/>
               </a:solidFill>
@@ -7627,7 +8859,7 @@
 </p:sld>
 </file>
 
-<file path=ppt/slides/slide11.xml><?xml version="1.0" encoding="utf-8"?>
+<file path=ppt/slides/slide12.xml><?xml version="1.0" encoding="utf-8"?>
 <p:sld xmlns:a="http://schemas.openxmlformats.org/drawingml/2006/main" xmlns:r="http://schemas.openxmlformats.org/officeDocument/2006/relationships" xmlns:p="http://schemas.openxmlformats.org/presentationml/2006/main">
   <p:cSld>
     <p:spTree>
@@ -8471,7 +9703,7 @@
           <p:cNvPr id="3" name="圖片 2">
             <a:extLst>
               <a:ext uri="{FF2B5EF4-FFF2-40B4-BE49-F238E27FC236}">
-                <a16:creationId xmlns:a16="http://schemas.microsoft.com/office/drawing/2014/main" xmlns="" id="{480BF6C6-BC71-477D-B317-346FD878C65F}"/>
+                <a16:creationId xmlns="" xmlns:a16="http://schemas.microsoft.com/office/drawing/2014/main" id="{480BF6C6-BC71-477D-B317-346FD878C65F}"/>
               </a:ext>
             </a:extLst>
           </p:cNvPr>
@@ -8848,7 +10080,7 @@
 </p:sld>
 </file>
 
-<file path=ppt/slides/slide12.xml><?xml version="1.0" encoding="utf-8"?>
+<file path=ppt/slides/slide13.xml><?xml version="1.0" encoding="utf-8"?>
 <p:sld xmlns:a="http://schemas.openxmlformats.org/drawingml/2006/main" xmlns:r="http://schemas.openxmlformats.org/officeDocument/2006/relationships" xmlns:p="http://schemas.openxmlformats.org/presentationml/2006/main">
   <p:cSld>
     <p:spTree>
@@ -8870,7 +10102,7 @@
           <p:cNvPr id="22" name="矩形 3">
             <a:extLst>
               <a:ext uri="{FF2B5EF4-FFF2-40B4-BE49-F238E27FC236}">
-                <a16:creationId xmlns:a16="http://schemas.microsoft.com/office/drawing/2014/main" xmlns="" id="{AC167845-82AC-4B39-8198-B9E73F081CCD}"/>
+                <a16:creationId xmlns="" xmlns:a16="http://schemas.microsoft.com/office/drawing/2014/main" id="{AC167845-82AC-4B39-8198-B9E73F081CCD}"/>
               </a:ext>
             </a:extLst>
           </p:cNvPr>
@@ -8929,7 +10161,7 @@
           <p:cNvPr id="23" name="矩形 4">
             <a:extLst>
               <a:ext uri="{FF2B5EF4-FFF2-40B4-BE49-F238E27FC236}">
-                <a16:creationId xmlns:a16="http://schemas.microsoft.com/office/drawing/2014/main" xmlns="" id="{BFF19E05-7F0B-4D53-80A0-D5568C6C5E7E}"/>
+                <a16:creationId xmlns="" xmlns:a16="http://schemas.microsoft.com/office/drawing/2014/main" id="{BFF19E05-7F0B-4D53-80A0-D5568C6C5E7E}"/>
               </a:ext>
             </a:extLst>
           </p:cNvPr>
@@ -8981,7 +10213,7 @@
           <p:cNvPr id="24" name="文字方塊 5">
             <a:extLst>
               <a:ext uri="{FF2B5EF4-FFF2-40B4-BE49-F238E27FC236}">
-                <a16:creationId xmlns:a16="http://schemas.microsoft.com/office/drawing/2014/main" xmlns="" id="{345E91AF-1F31-4DE1-ABCD-8C0326089302}"/>
+                <a16:creationId xmlns="" xmlns:a16="http://schemas.microsoft.com/office/drawing/2014/main" id="{345E91AF-1F31-4DE1-ABCD-8C0326089302}"/>
               </a:ext>
             </a:extLst>
           </p:cNvPr>
@@ -9039,7 +10271,7 @@
           <p:cNvPr id="25" name="文字方塊 6">
             <a:extLst>
               <a:ext uri="{FF2B5EF4-FFF2-40B4-BE49-F238E27FC236}">
-                <a16:creationId xmlns:a16="http://schemas.microsoft.com/office/drawing/2014/main" xmlns="" id="{AFA5128D-FDC6-49CF-B065-490ED7618382}"/>
+                <a16:creationId xmlns="" xmlns:a16="http://schemas.microsoft.com/office/drawing/2014/main" id="{AFA5128D-FDC6-49CF-B065-490ED7618382}"/>
               </a:ext>
             </a:extLst>
           </p:cNvPr>
@@ -9116,7 +10348,7 @@
           <p:cNvPr id="26" name="文字方塊 7">
             <a:extLst>
               <a:ext uri="{FF2B5EF4-FFF2-40B4-BE49-F238E27FC236}">
-                <a16:creationId xmlns:a16="http://schemas.microsoft.com/office/drawing/2014/main" xmlns="" id="{500E8BF5-A714-4F7E-B7D2-041B71BE2C03}"/>
+                <a16:creationId xmlns="" xmlns:a16="http://schemas.microsoft.com/office/drawing/2014/main" id="{500E8BF5-A714-4F7E-B7D2-041B71BE2C03}"/>
               </a:ext>
             </a:extLst>
           </p:cNvPr>
@@ -9159,7 +10391,7 @@
           <p:cNvPr id="27" name="文字方塊 8">
             <a:extLst>
               <a:ext uri="{FF2B5EF4-FFF2-40B4-BE49-F238E27FC236}">
-                <a16:creationId xmlns:a16="http://schemas.microsoft.com/office/drawing/2014/main" xmlns="" id="{FFE8DD17-A16E-4199-9B5D-237044F47F7E}"/>
+                <a16:creationId xmlns="" xmlns:a16="http://schemas.microsoft.com/office/drawing/2014/main" id="{FFE8DD17-A16E-4199-9B5D-237044F47F7E}"/>
               </a:ext>
             </a:extLst>
           </p:cNvPr>
@@ -9202,7 +10434,7 @@
           <p:cNvPr id="28" name="文字方塊 9">
             <a:extLst>
               <a:ext uri="{FF2B5EF4-FFF2-40B4-BE49-F238E27FC236}">
-                <a16:creationId xmlns:a16="http://schemas.microsoft.com/office/drawing/2014/main" xmlns="" id="{8EB946F6-2EEC-44AF-B2BF-2AA8B4F2CBC4}"/>
+                <a16:creationId xmlns="" xmlns:a16="http://schemas.microsoft.com/office/drawing/2014/main" id="{8EB946F6-2EEC-44AF-B2BF-2AA8B4F2CBC4}"/>
               </a:ext>
             </a:extLst>
           </p:cNvPr>
@@ -9237,7 +10469,7 @@
           <p:cNvPr id="29" name="文字方塊 10">
             <a:extLst>
               <a:ext uri="{FF2B5EF4-FFF2-40B4-BE49-F238E27FC236}">
-                <a16:creationId xmlns:a16="http://schemas.microsoft.com/office/drawing/2014/main" xmlns="" id="{582EF791-130E-440F-A226-EA7E4EB5AC28}"/>
+                <a16:creationId xmlns="" xmlns:a16="http://schemas.microsoft.com/office/drawing/2014/main" id="{582EF791-130E-440F-A226-EA7E4EB5AC28}"/>
               </a:ext>
             </a:extLst>
           </p:cNvPr>
@@ -9331,7 +10563,7 @@
           <p:cNvPr id="30" name="文字方塊 12">
             <a:extLst>
               <a:ext uri="{FF2B5EF4-FFF2-40B4-BE49-F238E27FC236}">
-                <a16:creationId xmlns:a16="http://schemas.microsoft.com/office/drawing/2014/main" xmlns="" id="{0B05D7D0-BAE6-4995-934B-E00CFFD98FA0}"/>
+                <a16:creationId xmlns="" xmlns:a16="http://schemas.microsoft.com/office/drawing/2014/main" id="{0B05D7D0-BAE6-4995-934B-E00CFFD98FA0}"/>
               </a:ext>
             </a:extLst>
           </p:cNvPr>
@@ -9377,7 +10609,7 @@
           <p:cNvPr id="31" name="矩形 13">
             <a:extLst>
               <a:ext uri="{FF2B5EF4-FFF2-40B4-BE49-F238E27FC236}">
-                <a16:creationId xmlns:a16="http://schemas.microsoft.com/office/drawing/2014/main" xmlns="" id="{C47076D3-12F2-455B-91A6-C3C4BA991D9D}"/>
+                <a16:creationId xmlns="" xmlns:a16="http://schemas.microsoft.com/office/drawing/2014/main" id="{C47076D3-12F2-455B-91A6-C3C4BA991D9D}"/>
               </a:ext>
             </a:extLst>
           </p:cNvPr>
@@ -9431,7 +10663,7 @@
           <p:cNvPr id="32" name="矩形 15">
             <a:extLst>
               <a:ext uri="{FF2B5EF4-FFF2-40B4-BE49-F238E27FC236}">
-                <a16:creationId xmlns:a16="http://schemas.microsoft.com/office/drawing/2014/main" xmlns="" id="{14A1C11C-261E-440B-8C29-2C2422867D77}"/>
+                <a16:creationId xmlns="" xmlns:a16="http://schemas.microsoft.com/office/drawing/2014/main" id="{14A1C11C-261E-440B-8C29-2C2422867D77}"/>
               </a:ext>
             </a:extLst>
           </p:cNvPr>
@@ -9495,7 +10727,7 @@
           <p:cNvPr id="33" name="矩形 16">
             <a:extLst>
               <a:ext uri="{FF2B5EF4-FFF2-40B4-BE49-F238E27FC236}">
-                <a16:creationId xmlns:a16="http://schemas.microsoft.com/office/drawing/2014/main" xmlns="" id="{1E099F5A-27A1-4829-80DF-E9BA27A29F6A}"/>
+                <a16:creationId xmlns="" xmlns:a16="http://schemas.microsoft.com/office/drawing/2014/main" id="{1E099F5A-27A1-4829-80DF-E9BA27A29F6A}"/>
               </a:ext>
             </a:extLst>
           </p:cNvPr>
@@ -9567,7 +10799,7 @@
           <p:cNvPr id="34" name="矩形 17">
             <a:extLst>
               <a:ext uri="{FF2B5EF4-FFF2-40B4-BE49-F238E27FC236}">
-                <a16:creationId xmlns:a16="http://schemas.microsoft.com/office/drawing/2014/main" xmlns="" id="{C2F7121F-64BF-4D27-90CA-E3A5761DB752}"/>
+                <a16:creationId xmlns="" xmlns:a16="http://schemas.microsoft.com/office/drawing/2014/main" id="{C2F7121F-64BF-4D27-90CA-E3A5761DB752}"/>
               </a:ext>
             </a:extLst>
           </p:cNvPr>
@@ -9621,7 +10853,7 @@
           <p:cNvPr id="35" name="文字方塊 18">
             <a:extLst>
               <a:ext uri="{FF2B5EF4-FFF2-40B4-BE49-F238E27FC236}">
-                <a16:creationId xmlns:a16="http://schemas.microsoft.com/office/drawing/2014/main" xmlns="" id="{1D29CB4A-5938-486A-9B69-1C4863EBF835}"/>
+                <a16:creationId xmlns="" xmlns:a16="http://schemas.microsoft.com/office/drawing/2014/main" id="{1D29CB4A-5938-486A-9B69-1C4863EBF835}"/>
               </a:ext>
             </a:extLst>
           </p:cNvPr>
@@ -9709,7 +10941,7 @@
           <p:cNvPr id="36" name="文字方塊 19">
             <a:extLst>
               <a:ext uri="{FF2B5EF4-FFF2-40B4-BE49-F238E27FC236}">
-                <a16:creationId xmlns:a16="http://schemas.microsoft.com/office/drawing/2014/main" xmlns="" id="{5D01598A-BC8E-452D-99D7-9A19476E2209}"/>
+                <a16:creationId xmlns="" xmlns:a16="http://schemas.microsoft.com/office/drawing/2014/main" id="{5D01598A-BC8E-452D-99D7-9A19476E2209}"/>
               </a:ext>
             </a:extLst>
           </p:cNvPr>
@@ -9755,7 +10987,7 @@
           <p:cNvPr id="37" name="文字方塊 20">
             <a:extLst>
               <a:ext uri="{FF2B5EF4-FFF2-40B4-BE49-F238E27FC236}">
-                <a16:creationId xmlns:a16="http://schemas.microsoft.com/office/drawing/2014/main" xmlns="" id="{710C7FF3-F020-484B-AE3E-C742E1A1ECA1}"/>
+                <a16:creationId xmlns="" xmlns:a16="http://schemas.microsoft.com/office/drawing/2014/main" id="{710C7FF3-F020-484B-AE3E-C742E1A1ECA1}"/>
               </a:ext>
             </a:extLst>
           </p:cNvPr>
@@ -9801,7 +11033,7 @@
           <p:cNvPr id="39" name="文字方塊 21">
             <a:extLst>
               <a:ext uri="{FF2B5EF4-FFF2-40B4-BE49-F238E27FC236}">
-                <a16:creationId xmlns:a16="http://schemas.microsoft.com/office/drawing/2014/main" xmlns="" id="{868EF06B-C63A-4856-A7C5-B77CB5CD2DD6}"/>
+                <a16:creationId xmlns="" xmlns:a16="http://schemas.microsoft.com/office/drawing/2014/main" id="{868EF06B-C63A-4856-A7C5-B77CB5CD2DD6}"/>
               </a:ext>
             </a:extLst>
           </p:cNvPr>
@@ -9931,17 +11163,7 @@
                 <a:latin typeface="Consolas" panose="020B0609020204030204" pitchFamily="49" charset="0"/>
                 <a:ea typeface="Microsoft JhengHei UI Light" panose="020B0304030504040204" pitchFamily="34" charset="-120"/>
               </a:rPr>
-              <a:t>作品</a:t>
-            </a:r>
-            <a:r>
-              <a:rPr lang="zh-TW" altLang="en-US" sz="2000" dirty="0" smtClean="0">
-                <a:solidFill>
-                  <a:schemeClr val="bg1"/>
-                </a:solidFill>
-                <a:latin typeface="Consolas" panose="020B0609020204030204" pitchFamily="49" charset="0"/>
-                <a:ea typeface="Microsoft JhengHei UI Light" panose="020B0304030504040204" pitchFamily="34" charset="-120"/>
-              </a:rPr>
-              <a:t>自評分           </a:t>
+              <a:t>作品自評分           </a:t>
             </a:r>
             <a:r>
               <a:rPr lang="en-US" altLang="zh-TW" sz="2000" dirty="0" smtClean="0">
@@ -10337,17 +11559,7 @@
                 <a:latin typeface="Consolas" panose="020B0609020204030204" pitchFamily="49" charset="0"/>
                 <a:ea typeface="Microsoft JhengHei UI Light" panose="020B0304030504040204" pitchFamily="34" charset="-120"/>
               </a:rPr>
-              <a:t>	</a:t>
-            </a:r>
-            <a:r>
-              <a:rPr lang="en-US" altLang="zh-TW" sz="2000" dirty="0" smtClean="0">
-                <a:solidFill>
-                  <a:schemeClr val="bg1"/>
-                </a:solidFill>
-                <a:latin typeface="Consolas" panose="020B0609020204030204" pitchFamily="49" charset="0"/>
-                <a:ea typeface="Microsoft JhengHei UI Light" panose="020B0304030504040204" pitchFamily="34" charset="-120"/>
-              </a:rPr>
-              <a:t>	|</a:t>
+              <a:t>		|</a:t>
             </a:r>
             <a:endParaRPr lang="en-GB" altLang="zh-TW" sz="2000" dirty="0">
               <a:solidFill>
@@ -10478,7 +11690,7 @@
               <a:t>資料庫設計</a:t>
             </a:r>
             <a:r>
-              <a:rPr lang="en-GB" altLang="zh-TW" sz="2000" dirty="0" smtClean="0">
+              <a:rPr lang="en-GB" altLang="zh-TW" sz="2000" smtClean="0">
                 <a:solidFill>
                   <a:schemeClr val="bg1"/>
                 </a:solidFill>
@@ -10488,17 +11700,7 @@
               <a:t>|</a:t>
             </a:r>
             <a:r>
-              <a:rPr lang="zh-TW" altLang="en-US" sz="2000" dirty="0" smtClean="0">
-                <a:solidFill>
-                  <a:schemeClr val="bg1"/>
-                </a:solidFill>
-                <a:latin typeface="Consolas" panose="020B0609020204030204" pitchFamily="49" charset="0"/>
-                <a:ea typeface="Microsoft JhengHei UI Light" panose="020B0304030504040204" pitchFamily="34" charset="-120"/>
-              </a:rPr>
-              <a:t> </a:t>
-            </a:r>
-            <a:r>
-              <a:rPr lang="en-US" altLang="zh-TW" sz="2000" dirty="0" smtClean="0">
+              <a:rPr lang="en-US" altLang="zh-TW" sz="2000" smtClean="0">
                 <a:solidFill>
                   <a:schemeClr val="bg1"/>
                 </a:solidFill>
@@ -11055,7 +12257,7 @@
 </p:sld>
 </file>
 
-<file path=ppt/slides/slide13.xml><?xml version="1.0" encoding="utf-8"?>
+<file path=ppt/slides/slide14.xml><?xml version="1.0" encoding="utf-8"?>
 <p:sld xmlns:a="http://schemas.openxmlformats.org/drawingml/2006/main" xmlns:r="http://schemas.openxmlformats.org/officeDocument/2006/relationships" xmlns:p="http://schemas.openxmlformats.org/presentationml/2006/main">
   <p:cSld>
     <p:spTree>
@@ -11077,7 +12279,7 @@
           <p:cNvPr id="22" name="矩形 3">
             <a:extLst>
               <a:ext uri="{FF2B5EF4-FFF2-40B4-BE49-F238E27FC236}">
-                <a16:creationId xmlns:a16="http://schemas.microsoft.com/office/drawing/2014/main" xmlns="" id="{AC167845-82AC-4B39-8198-B9E73F081CCD}"/>
+                <a16:creationId xmlns="" xmlns:a16="http://schemas.microsoft.com/office/drawing/2014/main" id="{AC167845-82AC-4B39-8198-B9E73F081CCD}"/>
               </a:ext>
             </a:extLst>
           </p:cNvPr>
@@ -11136,7 +12338,7 @@
           <p:cNvPr id="23" name="矩形 4">
             <a:extLst>
               <a:ext uri="{FF2B5EF4-FFF2-40B4-BE49-F238E27FC236}">
-                <a16:creationId xmlns:a16="http://schemas.microsoft.com/office/drawing/2014/main" xmlns="" id="{BFF19E05-7F0B-4D53-80A0-D5568C6C5E7E}"/>
+                <a16:creationId xmlns="" xmlns:a16="http://schemas.microsoft.com/office/drawing/2014/main" id="{BFF19E05-7F0B-4D53-80A0-D5568C6C5E7E}"/>
               </a:ext>
             </a:extLst>
           </p:cNvPr>
@@ -11188,7 +12390,7 @@
           <p:cNvPr id="24" name="文字方塊 5">
             <a:extLst>
               <a:ext uri="{FF2B5EF4-FFF2-40B4-BE49-F238E27FC236}">
-                <a16:creationId xmlns:a16="http://schemas.microsoft.com/office/drawing/2014/main" xmlns="" id="{345E91AF-1F31-4DE1-ABCD-8C0326089302}"/>
+                <a16:creationId xmlns="" xmlns:a16="http://schemas.microsoft.com/office/drawing/2014/main" id="{345E91AF-1F31-4DE1-ABCD-8C0326089302}"/>
               </a:ext>
             </a:extLst>
           </p:cNvPr>
@@ -11246,7 +12448,7 @@
           <p:cNvPr id="25" name="文字方塊 6">
             <a:extLst>
               <a:ext uri="{FF2B5EF4-FFF2-40B4-BE49-F238E27FC236}">
-                <a16:creationId xmlns:a16="http://schemas.microsoft.com/office/drawing/2014/main" xmlns="" id="{AFA5128D-FDC6-49CF-B065-490ED7618382}"/>
+                <a16:creationId xmlns="" xmlns:a16="http://schemas.microsoft.com/office/drawing/2014/main" id="{AFA5128D-FDC6-49CF-B065-490ED7618382}"/>
               </a:ext>
             </a:extLst>
           </p:cNvPr>
@@ -11323,7 +12525,7 @@
           <p:cNvPr id="26" name="文字方塊 7">
             <a:extLst>
               <a:ext uri="{FF2B5EF4-FFF2-40B4-BE49-F238E27FC236}">
-                <a16:creationId xmlns:a16="http://schemas.microsoft.com/office/drawing/2014/main" xmlns="" id="{500E8BF5-A714-4F7E-B7D2-041B71BE2C03}"/>
+                <a16:creationId xmlns="" xmlns:a16="http://schemas.microsoft.com/office/drawing/2014/main" id="{500E8BF5-A714-4F7E-B7D2-041B71BE2C03}"/>
               </a:ext>
             </a:extLst>
           </p:cNvPr>
@@ -11366,7 +12568,7 @@
           <p:cNvPr id="27" name="文字方塊 8">
             <a:extLst>
               <a:ext uri="{FF2B5EF4-FFF2-40B4-BE49-F238E27FC236}">
-                <a16:creationId xmlns:a16="http://schemas.microsoft.com/office/drawing/2014/main" xmlns="" id="{FFE8DD17-A16E-4199-9B5D-237044F47F7E}"/>
+                <a16:creationId xmlns="" xmlns:a16="http://schemas.microsoft.com/office/drawing/2014/main" id="{FFE8DD17-A16E-4199-9B5D-237044F47F7E}"/>
               </a:ext>
             </a:extLst>
           </p:cNvPr>
@@ -11409,7 +12611,7 @@
           <p:cNvPr id="28" name="文字方塊 9">
             <a:extLst>
               <a:ext uri="{FF2B5EF4-FFF2-40B4-BE49-F238E27FC236}">
-                <a16:creationId xmlns:a16="http://schemas.microsoft.com/office/drawing/2014/main" xmlns="" id="{8EB946F6-2EEC-44AF-B2BF-2AA8B4F2CBC4}"/>
+                <a16:creationId xmlns="" xmlns:a16="http://schemas.microsoft.com/office/drawing/2014/main" id="{8EB946F6-2EEC-44AF-B2BF-2AA8B4F2CBC4}"/>
               </a:ext>
             </a:extLst>
           </p:cNvPr>
@@ -11444,7 +12646,7 @@
           <p:cNvPr id="29" name="文字方塊 10">
             <a:extLst>
               <a:ext uri="{FF2B5EF4-FFF2-40B4-BE49-F238E27FC236}">
-                <a16:creationId xmlns:a16="http://schemas.microsoft.com/office/drawing/2014/main" xmlns="" id="{582EF791-130E-440F-A226-EA7E4EB5AC28}"/>
+                <a16:creationId xmlns="" xmlns:a16="http://schemas.microsoft.com/office/drawing/2014/main" id="{582EF791-130E-440F-A226-EA7E4EB5AC28}"/>
               </a:ext>
             </a:extLst>
           </p:cNvPr>
@@ -11538,7 +12740,7 @@
           <p:cNvPr id="30" name="文字方塊 12">
             <a:extLst>
               <a:ext uri="{FF2B5EF4-FFF2-40B4-BE49-F238E27FC236}">
-                <a16:creationId xmlns:a16="http://schemas.microsoft.com/office/drawing/2014/main" xmlns="" id="{0B05D7D0-BAE6-4995-934B-E00CFFD98FA0}"/>
+                <a16:creationId xmlns="" xmlns:a16="http://schemas.microsoft.com/office/drawing/2014/main" id="{0B05D7D0-BAE6-4995-934B-E00CFFD98FA0}"/>
               </a:ext>
             </a:extLst>
           </p:cNvPr>
@@ -11584,7 +12786,7 @@
           <p:cNvPr id="31" name="矩形 13">
             <a:extLst>
               <a:ext uri="{FF2B5EF4-FFF2-40B4-BE49-F238E27FC236}">
-                <a16:creationId xmlns:a16="http://schemas.microsoft.com/office/drawing/2014/main" xmlns="" id="{C47076D3-12F2-455B-91A6-C3C4BA991D9D}"/>
+                <a16:creationId xmlns="" xmlns:a16="http://schemas.microsoft.com/office/drawing/2014/main" id="{C47076D3-12F2-455B-91A6-C3C4BA991D9D}"/>
               </a:ext>
             </a:extLst>
           </p:cNvPr>
@@ -11638,7 +12840,7 @@
           <p:cNvPr id="32" name="矩形 15">
             <a:extLst>
               <a:ext uri="{FF2B5EF4-FFF2-40B4-BE49-F238E27FC236}">
-                <a16:creationId xmlns:a16="http://schemas.microsoft.com/office/drawing/2014/main" xmlns="" id="{14A1C11C-261E-440B-8C29-2C2422867D77}"/>
+                <a16:creationId xmlns="" xmlns:a16="http://schemas.microsoft.com/office/drawing/2014/main" id="{14A1C11C-261E-440B-8C29-2C2422867D77}"/>
               </a:ext>
             </a:extLst>
           </p:cNvPr>
@@ -11702,7 +12904,7 @@
           <p:cNvPr id="33" name="矩形 16">
             <a:extLst>
               <a:ext uri="{FF2B5EF4-FFF2-40B4-BE49-F238E27FC236}">
-                <a16:creationId xmlns:a16="http://schemas.microsoft.com/office/drawing/2014/main" xmlns="" id="{1E099F5A-27A1-4829-80DF-E9BA27A29F6A}"/>
+                <a16:creationId xmlns="" xmlns:a16="http://schemas.microsoft.com/office/drawing/2014/main" id="{1E099F5A-27A1-4829-80DF-E9BA27A29F6A}"/>
               </a:ext>
             </a:extLst>
           </p:cNvPr>
@@ -11774,7 +12976,7 @@
           <p:cNvPr id="34" name="矩形 17">
             <a:extLst>
               <a:ext uri="{FF2B5EF4-FFF2-40B4-BE49-F238E27FC236}">
-                <a16:creationId xmlns:a16="http://schemas.microsoft.com/office/drawing/2014/main" xmlns="" id="{C2F7121F-64BF-4D27-90CA-E3A5761DB752}"/>
+                <a16:creationId xmlns="" xmlns:a16="http://schemas.microsoft.com/office/drawing/2014/main" id="{C2F7121F-64BF-4D27-90CA-E3A5761DB752}"/>
               </a:ext>
             </a:extLst>
           </p:cNvPr>
@@ -11828,7 +13030,7 @@
           <p:cNvPr id="35" name="文字方塊 18">
             <a:extLst>
               <a:ext uri="{FF2B5EF4-FFF2-40B4-BE49-F238E27FC236}">
-                <a16:creationId xmlns:a16="http://schemas.microsoft.com/office/drawing/2014/main" xmlns="" id="{1D29CB4A-5938-486A-9B69-1C4863EBF835}"/>
+                <a16:creationId xmlns="" xmlns:a16="http://schemas.microsoft.com/office/drawing/2014/main" id="{1D29CB4A-5938-486A-9B69-1C4863EBF835}"/>
               </a:ext>
             </a:extLst>
           </p:cNvPr>
@@ -11838,7 +13040,7 @@
         <p:spPr>
           <a:xfrm>
             <a:off x="1699377" y="1006459"/>
-            <a:ext cx="2073003" cy="307777"/>
+            <a:ext cx="2371162" cy="307777"/>
           </a:xfrm>
           <a:prstGeom prst="rect">
             <a:avLst/>
@@ -11852,14 +13054,14 @@
           <a:lstStyle/>
           <a:p>
             <a:r>
-              <a:rPr lang="en-GB" altLang="zh-TW" sz="1400" b="1" dirty="0" err="1">
+              <a:rPr lang="en-GB" altLang="zh-TW" sz="1400" b="1" dirty="0" smtClean="0">
                 <a:solidFill>
                   <a:schemeClr val="bg1"/>
                 </a:solidFill>
                 <a:latin typeface="Consolas" panose="020B0609020204030204" pitchFamily="49" charset="0"/>
                 <a:ea typeface="Microsoft JhengHei UI Light" panose="020B0304030504040204" pitchFamily="34" charset="-120"/>
               </a:rPr>
-              <a:t>Thanks_for_watching</a:t>
+              <a:t>The presentation ends.</a:t>
             </a:r>
             <a:endParaRPr lang="zh-TW" altLang="en-US" sz="1400" b="1" dirty="0">
               <a:solidFill>
@@ -11876,7 +13078,7 @@
           <p:cNvPr id="36" name="文字方塊 19">
             <a:extLst>
               <a:ext uri="{FF2B5EF4-FFF2-40B4-BE49-F238E27FC236}">
-                <a16:creationId xmlns:a16="http://schemas.microsoft.com/office/drawing/2014/main" xmlns="" id="{5D01598A-BC8E-452D-99D7-9A19476E2209}"/>
+                <a16:creationId xmlns="" xmlns:a16="http://schemas.microsoft.com/office/drawing/2014/main" id="{5D01598A-BC8E-452D-99D7-9A19476E2209}"/>
               </a:ext>
             </a:extLst>
           </p:cNvPr>
@@ -11885,7 +13087,7 @@
         </p:nvSpPr>
         <p:spPr>
           <a:xfrm>
-            <a:off x="3616728" y="944904"/>
+            <a:off x="3901635" y="960427"/>
             <a:ext cx="311304" cy="369332"/>
           </a:xfrm>
           <a:prstGeom prst="rect">
@@ -11913,6 +13115,66 @@
                 <a:schemeClr val="bg1"/>
               </a:solidFill>
               <a:latin typeface="Consolas" panose="020B0609020204030204" pitchFamily="49" charset="0"/>
+            </a:endParaRPr>
+          </a:p>
+        </p:txBody>
+      </p:sp>
+      <p:sp>
+        <p:nvSpPr>
+          <p:cNvPr id="2" name="文字方塊 1"/>
+          <p:cNvSpPr txBox="1"/>
+          <p:nvPr/>
+        </p:nvSpPr>
+        <p:spPr>
+          <a:xfrm>
+            <a:off x="137959" y="2035458"/>
+            <a:ext cx="11567450" cy="3046988"/>
+          </a:xfrm>
+          <a:prstGeom prst="rect">
+            <a:avLst/>
+          </a:prstGeom>
+          <a:noFill/>
+        </p:spPr>
+        <p:txBody>
+          <a:bodyPr wrap="square" rtlCol="0">
+            <a:spAutoFit/>
+          </a:bodyPr>
+          <a:lstStyle/>
+          <a:p>
+            <a:r>
+              <a:rPr lang="en-US" altLang="zh-TW" sz="9600" dirty="0" smtClean="0">
+                <a:solidFill>
+                  <a:schemeClr val="bg1"/>
+                </a:solidFill>
+                <a:latin typeface="Franklin Gothic Heavy" pitchFamily="34" charset="0"/>
+              </a:rPr>
+              <a:t>Thanks </a:t>
+            </a:r>
+          </a:p>
+          <a:p>
+            <a:r>
+              <a:rPr lang="en-US" altLang="zh-TW" sz="9600" dirty="0">
+                <a:solidFill>
+                  <a:schemeClr val="bg1"/>
+                </a:solidFill>
+                <a:latin typeface="Franklin Gothic Heavy" pitchFamily="34" charset="0"/>
+              </a:rPr>
+              <a:t>	</a:t>
+            </a:r>
+            <a:r>
+              <a:rPr lang="en-US" altLang="zh-TW" sz="9600" dirty="0" smtClean="0">
+                <a:solidFill>
+                  <a:schemeClr val="bg1"/>
+                </a:solidFill>
+                <a:latin typeface="Franklin Gothic Heavy" pitchFamily="34" charset="0"/>
+              </a:rPr>
+              <a:t>			For Watching</a:t>
+            </a:r>
+            <a:endParaRPr lang="zh-TW" altLang="en-US" sz="9600" dirty="0">
+              <a:solidFill>
+                <a:schemeClr val="bg1"/>
+              </a:solidFill>
+              <a:latin typeface="Franklin Gothic Heavy" pitchFamily="34" charset="0"/>
             </a:endParaRPr>
           </a:p>
         </p:txBody>
@@ -12139,6 +13401,50 @@
                             </p:childTnLst>
                           </p:cTn>
                         </p:par>
+                        <p:par>
+                          <p:cTn id="21" fill="hold">
+                            <p:stCondLst>
+                              <p:cond delay="2500"/>
+                            </p:stCondLst>
+                            <p:childTnLst>
+                              <p:par>
+                                <p:cTn id="22" presetID="22" presetClass="entr" presetSubtype="8" fill="hold" grpId="0" nodeType="afterEffect">
+                                  <p:stCondLst>
+                                    <p:cond delay="0"/>
+                                  </p:stCondLst>
+                                  <p:childTnLst>
+                                    <p:set>
+                                      <p:cBhvr>
+                                        <p:cTn id="23" dur="1" fill="hold">
+                                          <p:stCondLst>
+                                            <p:cond delay="0"/>
+                                          </p:stCondLst>
+                                        </p:cTn>
+                                        <p:tgtEl>
+                                          <p:spTgt spid="2"/>
+                                        </p:tgtEl>
+                                        <p:attrNameLst>
+                                          <p:attrName>style.visibility</p:attrName>
+                                        </p:attrNameLst>
+                                      </p:cBhvr>
+                                      <p:to>
+                                        <p:strVal val="visible"/>
+                                      </p:to>
+                                    </p:set>
+                                    <p:animEffect transition="in" filter="wipe(left)">
+                                      <p:cBhvr>
+                                        <p:cTn id="24" dur="500"/>
+                                        <p:tgtEl>
+                                          <p:spTgt spid="2"/>
+                                        </p:tgtEl>
+                                      </p:cBhvr>
+                                    </p:animEffect>
+                                  </p:childTnLst>
+                                </p:cTn>
+                              </p:par>
+                            </p:childTnLst>
+                          </p:cTn>
+                        </p:par>
                       </p:childTnLst>
                     </p:cTn>
                   </p:par>
@@ -12169,6 +13475,7 @@
       <p:bldP spid="35" grpId="0"/>
       <p:bldP spid="36" grpId="0"/>
       <p:bldP spid="36" grpId="1"/>
+      <p:bldP spid="2" grpId="0"/>
     </p:bldLst>
   </p:timing>
 </p:sld>
@@ -13018,7 +14325,7 @@
           <p:cNvPr id="12" name="圖片 11">
             <a:extLst>
               <a:ext uri="{FF2B5EF4-FFF2-40B4-BE49-F238E27FC236}">
-                <a16:creationId xmlns:a16="http://schemas.microsoft.com/office/drawing/2014/main" xmlns="" id="{B9DF6B5C-771F-47F3-86B1-8F20232752D4}"/>
+                <a16:creationId xmlns="" xmlns:a16="http://schemas.microsoft.com/office/drawing/2014/main" id="{B9DF6B5C-771F-47F3-86B1-8F20232752D4}"/>
               </a:ext>
             </a:extLst>
           </p:cNvPr>
@@ -13416,7 +14723,7 @@
           <p:cNvPr id="22" name="矩形 3">
             <a:extLst>
               <a:ext uri="{FF2B5EF4-FFF2-40B4-BE49-F238E27FC236}">
-                <a16:creationId xmlns:a16="http://schemas.microsoft.com/office/drawing/2014/main" xmlns="" id="{AC167845-82AC-4B39-8198-B9E73F081CCD}"/>
+                <a16:creationId xmlns="" xmlns:a16="http://schemas.microsoft.com/office/drawing/2014/main" id="{AC167845-82AC-4B39-8198-B9E73F081CCD}"/>
               </a:ext>
             </a:extLst>
           </p:cNvPr>
@@ -13475,7 +14782,7 @@
           <p:cNvPr id="23" name="矩形 4">
             <a:extLst>
               <a:ext uri="{FF2B5EF4-FFF2-40B4-BE49-F238E27FC236}">
-                <a16:creationId xmlns:a16="http://schemas.microsoft.com/office/drawing/2014/main" xmlns="" id="{BFF19E05-7F0B-4D53-80A0-D5568C6C5E7E}"/>
+                <a16:creationId xmlns="" xmlns:a16="http://schemas.microsoft.com/office/drawing/2014/main" id="{BFF19E05-7F0B-4D53-80A0-D5568C6C5E7E}"/>
               </a:ext>
             </a:extLst>
           </p:cNvPr>
@@ -13527,7 +14834,7 @@
           <p:cNvPr id="24" name="文字方塊 5">
             <a:extLst>
               <a:ext uri="{FF2B5EF4-FFF2-40B4-BE49-F238E27FC236}">
-                <a16:creationId xmlns:a16="http://schemas.microsoft.com/office/drawing/2014/main" xmlns="" id="{345E91AF-1F31-4DE1-ABCD-8C0326089302}"/>
+                <a16:creationId xmlns="" xmlns:a16="http://schemas.microsoft.com/office/drawing/2014/main" id="{345E91AF-1F31-4DE1-ABCD-8C0326089302}"/>
               </a:ext>
             </a:extLst>
           </p:cNvPr>
@@ -13585,7 +14892,7 @@
           <p:cNvPr id="25" name="文字方塊 6">
             <a:extLst>
               <a:ext uri="{FF2B5EF4-FFF2-40B4-BE49-F238E27FC236}">
-                <a16:creationId xmlns:a16="http://schemas.microsoft.com/office/drawing/2014/main" xmlns="" id="{AFA5128D-FDC6-49CF-B065-490ED7618382}"/>
+                <a16:creationId xmlns="" xmlns:a16="http://schemas.microsoft.com/office/drawing/2014/main" id="{AFA5128D-FDC6-49CF-B065-490ED7618382}"/>
               </a:ext>
             </a:extLst>
           </p:cNvPr>
@@ -13662,7 +14969,7 @@
           <p:cNvPr id="26" name="文字方塊 7">
             <a:extLst>
               <a:ext uri="{FF2B5EF4-FFF2-40B4-BE49-F238E27FC236}">
-                <a16:creationId xmlns:a16="http://schemas.microsoft.com/office/drawing/2014/main" xmlns="" id="{500E8BF5-A714-4F7E-B7D2-041B71BE2C03}"/>
+                <a16:creationId xmlns="" xmlns:a16="http://schemas.microsoft.com/office/drawing/2014/main" id="{500E8BF5-A714-4F7E-B7D2-041B71BE2C03}"/>
               </a:ext>
             </a:extLst>
           </p:cNvPr>
@@ -13705,7 +15012,7 @@
           <p:cNvPr id="27" name="文字方塊 8">
             <a:extLst>
               <a:ext uri="{FF2B5EF4-FFF2-40B4-BE49-F238E27FC236}">
-                <a16:creationId xmlns:a16="http://schemas.microsoft.com/office/drawing/2014/main" xmlns="" id="{FFE8DD17-A16E-4199-9B5D-237044F47F7E}"/>
+                <a16:creationId xmlns="" xmlns:a16="http://schemas.microsoft.com/office/drawing/2014/main" id="{FFE8DD17-A16E-4199-9B5D-237044F47F7E}"/>
               </a:ext>
             </a:extLst>
           </p:cNvPr>
@@ -13748,7 +15055,7 @@
           <p:cNvPr id="28" name="文字方塊 9">
             <a:extLst>
               <a:ext uri="{FF2B5EF4-FFF2-40B4-BE49-F238E27FC236}">
-                <a16:creationId xmlns:a16="http://schemas.microsoft.com/office/drawing/2014/main" xmlns="" id="{8EB946F6-2EEC-44AF-B2BF-2AA8B4F2CBC4}"/>
+                <a16:creationId xmlns="" xmlns:a16="http://schemas.microsoft.com/office/drawing/2014/main" id="{8EB946F6-2EEC-44AF-B2BF-2AA8B4F2CBC4}"/>
               </a:ext>
             </a:extLst>
           </p:cNvPr>
@@ -13783,7 +15090,7 @@
           <p:cNvPr id="29" name="文字方塊 10">
             <a:extLst>
               <a:ext uri="{FF2B5EF4-FFF2-40B4-BE49-F238E27FC236}">
-                <a16:creationId xmlns:a16="http://schemas.microsoft.com/office/drawing/2014/main" xmlns="" id="{582EF791-130E-440F-A226-EA7E4EB5AC28}"/>
+                <a16:creationId xmlns="" xmlns:a16="http://schemas.microsoft.com/office/drawing/2014/main" id="{582EF791-130E-440F-A226-EA7E4EB5AC28}"/>
               </a:ext>
             </a:extLst>
           </p:cNvPr>
@@ -13877,7 +15184,7 @@
           <p:cNvPr id="30" name="文字方塊 12">
             <a:extLst>
               <a:ext uri="{FF2B5EF4-FFF2-40B4-BE49-F238E27FC236}">
-                <a16:creationId xmlns:a16="http://schemas.microsoft.com/office/drawing/2014/main" xmlns="" id="{0B05D7D0-BAE6-4995-934B-E00CFFD98FA0}"/>
+                <a16:creationId xmlns="" xmlns:a16="http://schemas.microsoft.com/office/drawing/2014/main" id="{0B05D7D0-BAE6-4995-934B-E00CFFD98FA0}"/>
               </a:ext>
             </a:extLst>
           </p:cNvPr>
@@ -13923,7 +15230,7 @@
           <p:cNvPr id="31" name="矩形 13">
             <a:extLst>
               <a:ext uri="{FF2B5EF4-FFF2-40B4-BE49-F238E27FC236}">
-                <a16:creationId xmlns:a16="http://schemas.microsoft.com/office/drawing/2014/main" xmlns="" id="{C47076D3-12F2-455B-91A6-C3C4BA991D9D}"/>
+                <a16:creationId xmlns="" xmlns:a16="http://schemas.microsoft.com/office/drawing/2014/main" id="{C47076D3-12F2-455B-91A6-C3C4BA991D9D}"/>
               </a:ext>
             </a:extLst>
           </p:cNvPr>
@@ -13977,7 +15284,7 @@
           <p:cNvPr id="32" name="矩形 15">
             <a:extLst>
               <a:ext uri="{FF2B5EF4-FFF2-40B4-BE49-F238E27FC236}">
-                <a16:creationId xmlns:a16="http://schemas.microsoft.com/office/drawing/2014/main" xmlns="" id="{14A1C11C-261E-440B-8C29-2C2422867D77}"/>
+                <a16:creationId xmlns="" xmlns:a16="http://schemas.microsoft.com/office/drawing/2014/main" id="{14A1C11C-261E-440B-8C29-2C2422867D77}"/>
               </a:ext>
             </a:extLst>
           </p:cNvPr>
@@ -14041,7 +15348,7 @@
           <p:cNvPr id="33" name="矩形 16">
             <a:extLst>
               <a:ext uri="{FF2B5EF4-FFF2-40B4-BE49-F238E27FC236}">
-                <a16:creationId xmlns:a16="http://schemas.microsoft.com/office/drawing/2014/main" xmlns="" id="{1E099F5A-27A1-4829-80DF-E9BA27A29F6A}"/>
+                <a16:creationId xmlns="" xmlns:a16="http://schemas.microsoft.com/office/drawing/2014/main" id="{1E099F5A-27A1-4829-80DF-E9BA27A29F6A}"/>
               </a:ext>
             </a:extLst>
           </p:cNvPr>
@@ -14113,7 +15420,7 @@
           <p:cNvPr id="34" name="矩形 17">
             <a:extLst>
               <a:ext uri="{FF2B5EF4-FFF2-40B4-BE49-F238E27FC236}">
-                <a16:creationId xmlns:a16="http://schemas.microsoft.com/office/drawing/2014/main" xmlns="" id="{C2F7121F-64BF-4D27-90CA-E3A5761DB752}"/>
+                <a16:creationId xmlns="" xmlns:a16="http://schemas.microsoft.com/office/drawing/2014/main" id="{C2F7121F-64BF-4D27-90CA-E3A5761DB752}"/>
               </a:ext>
             </a:extLst>
           </p:cNvPr>
@@ -14167,7 +15474,7 @@
           <p:cNvPr id="35" name="文字方塊 18">
             <a:extLst>
               <a:ext uri="{FF2B5EF4-FFF2-40B4-BE49-F238E27FC236}">
-                <a16:creationId xmlns:a16="http://schemas.microsoft.com/office/drawing/2014/main" xmlns="" id="{1D29CB4A-5938-486A-9B69-1C4863EBF835}"/>
+                <a16:creationId xmlns="" xmlns:a16="http://schemas.microsoft.com/office/drawing/2014/main" id="{1D29CB4A-5938-486A-9B69-1C4863EBF835}"/>
               </a:ext>
             </a:extLst>
           </p:cNvPr>
@@ -14214,7 +15521,7 @@
           <p:cNvPr id="36" name="文字方塊 19">
             <a:extLst>
               <a:ext uri="{FF2B5EF4-FFF2-40B4-BE49-F238E27FC236}">
-                <a16:creationId xmlns:a16="http://schemas.microsoft.com/office/drawing/2014/main" xmlns="" id="{5D01598A-BC8E-452D-99D7-9A19476E2209}"/>
+                <a16:creationId xmlns="" xmlns:a16="http://schemas.microsoft.com/office/drawing/2014/main" id="{5D01598A-BC8E-452D-99D7-9A19476E2209}"/>
               </a:ext>
             </a:extLst>
           </p:cNvPr>
@@ -14260,7 +15567,7 @@
           <p:cNvPr id="37" name="文字方塊 20">
             <a:extLst>
               <a:ext uri="{FF2B5EF4-FFF2-40B4-BE49-F238E27FC236}">
-                <a16:creationId xmlns:a16="http://schemas.microsoft.com/office/drawing/2014/main" xmlns="" id="{710C7FF3-F020-484B-AE3E-C742E1A1ECA1}"/>
+                <a16:creationId xmlns="" xmlns:a16="http://schemas.microsoft.com/office/drawing/2014/main" id="{710C7FF3-F020-484B-AE3E-C742E1A1ECA1}"/>
               </a:ext>
             </a:extLst>
           </p:cNvPr>
@@ -14306,7 +15613,7 @@
           <p:cNvPr id="41" name="文字方塊 21">
             <a:extLst>
               <a:ext uri="{FF2B5EF4-FFF2-40B4-BE49-F238E27FC236}">
-                <a16:creationId xmlns:a16="http://schemas.microsoft.com/office/drawing/2014/main" xmlns="" id="{E44FE225-C03F-4FC4-AF79-884B9E2A38A6}"/>
+                <a16:creationId xmlns="" xmlns:a16="http://schemas.microsoft.com/office/drawing/2014/main" id="{E44FE225-C03F-4FC4-AF79-884B9E2A38A6}"/>
               </a:ext>
             </a:extLst>
           </p:cNvPr>
@@ -14413,7 +15720,7 @@
           <p:cNvPr id="42" name="文字方塊 20">
             <a:extLst>
               <a:ext uri="{FF2B5EF4-FFF2-40B4-BE49-F238E27FC236}">
-                <a16:creationId xmlns:a16="http://schemas.microsoft.com/office/drawing/2014/main" xmlns="" id="{4A52D2E5-6117-4902-9AC4-728FF7B5C906}"/>
+                <a16:creationId xmlns="" xmlns:a16="http://schemas.microsoft.com/office/drawing/2014/main" id="{4A52D2E5-6117-4902-9AC4-728FF7B5C906}"/>
               </a:ext>
             </a:extLst>
           </p:cNvPr>
@@ -14422,7 +15729,7 @@
         </p:nvSpPr>
         <p:spPr>
           <a:xfrm>
-            <a:off x="0" y="2664146"/>
+            <a:off x="72007" y="2862203"/>
             <a:ext cx="482824" cy="307777"/>
           </a:xfrm>
           <a:prstGeom prst="rect">
@@ -14450,54 +15757,6 @@
                 <a:schemeClr val="bg1"/>
               </a:solidFill>
               <a:latin typeface="Consolas" panose="020B0609020204030204" pitchFamily="49" charset="0"/>
-            </a:endParaRPr>
-          </a:p>
-        </p:txBody>
-      </p:sp>
-      <p:sp>
-        <p:nvSpPr>
-          <p:cNvPr id="43" name="文字方塊 21">
-            <a:extLst>
-              <a:ext uri="{FF2B5EF4-FFF2-40B4-BE49-F238E27FC236}">
-                <a16:creationId xmlns:a16="http://schemas.microsoft.com/office/drawing/2014/main" xmlns="" id="{5CD9B923-72F3-44D0-BBB7-F9B4509B796C}"/>
-              </a:ext>
-            </a:extLst>
-          </p:cNvPr>
-          <p:cNvSpPr txBox="1"/>
-          <p:nvPr/>
-        </p:nvSpPr>
-        <p:spPr>
-          <a:xfrm>
-            <a:off x="246897" y="2971923"/>
-            <a:ext cx="9385376" cy="707886"/>
-          </a:xfrm>
-          <a:prstGeom prst="rect">
-            <a:avLst/>
-          </a:prstGeom>
-          <a:noFill/>
-        </p:spPr>
-        <p:txBody>
-          <a:bodyPr wrap="square" rtlCol="0">
-            <a:spAutoFit/>
-          </a:bodyPr>
-          <a:lstStyle/>
-          <a:p>
-            <a:r>
-              <a:rPr lang="zh-TW" altLang="en-US" sz="2000" dirty="0">
-                <a:solidFill>
-                  <a:schemeClr val="bg1"/>
-                </a:solidFill>
-                <a:latin typeface="Consolas" panose="020B0609020204030204" pitchFamily="49" charset="0"/>
-                <a:ea typeface="Microsoft JhengHei UI Light" panose="020B0304030504040204" pitchFamily="34" charset="-120"/>
-              </a:rPr>
-              <a:t>碼農天堂，為了吸引程式大神加入這個社群，它將會是一個擁有獎勵制度的一個網站，其他人也可以在這邊製作程式筆記，供大家一起來討論。</a:t>
-            </a:r>
-            <a:endParaRPr lang="en-GB" altLang="zh-TW" sz="2000" dirty="0">
-              <a:solidFill>
-                <a:schemeClr val="bg1"/>
-              </a:solidFill>
-              <a:latin typeface="Consolas" panose="020B0609020204030204" pitchFamily="49" charset="0"/>
-              <a:ea typeface="Microsoft JhengHei UI Light" panose="020B0304030504040204" pitchFamily="34" charset="-120"/>
             </a:endParaRPr>
           </a:p>
         </p:txBody>
@@ -14822,50 +16081,6 @@
                             </p:childTnLst>
                           </p:cTn>
                         </p:par>
-                        <p:par>
-                          <p:cTn id="29" fill="hold">
-                            <p:stCondLst>
-                              <p:cond delay="4500"/>
-                            </p:stCondLst>
-                            <p:childTnLst>
-                              <p:par>
-                                <p:cTn id="30" presetID="22" presetClass="entr" presetSubtype="8" fill="hold" grpId="0" nodeType="afterEffect">
-                                  <p:stCondLst>
-                                    <p:cond delay="0"/>
-                                  </p:stCondLst>
-                                  <p:childTnLst>
-                                    <p:set>
-                                      <p:cBhvr>
-                                        <p:cTn id="31" dur="1" fill="hold">
-                                          <p:stCondLst>
-                                            <p:cond delay="0"/>
-                                          </p:stCondLst>
-                                        </p:cTn>
-                                        <p:tgtEl>
-                                          <p:spTgt spid="43"/>
-                                        </p:tgtEl>
-                                        <p:attrNameLst>
-                                          <p:attrName>style.visibility</p:attrName>
-                                        </p:attrNameLst>
-                                      </p:cBhvr>
-                                      <p:to>
-                                        <p:strVal val="visible"/>
-                                      </p:to>
-                                    </p:set>
-                                    <p:animEffect transition="in" filter="wipe(left)">
-                                      <p:cBhvr>
-                                        <p:cTn id="32" dur="500"/>
-                                        <p:tgtEl>
-                                          <p:spTgt spid="43"/>
-                                        </p:tgtEl>
-                                      </p:cBhvr>
-                                    </p:animEffect>
-                                  </p:childTnLst>
-                                </p:cTn>
-                              </p:par>
-                            </p:childTnLst>
-                          </p:cTn>
-                        </p:par>
                       </p:childTnLst>
                     </p:cTn>
                   </p:par>
@@ -14899,7 +16114,6 @@
       <p:bldP spid="37" grpId="0"/>
       <p:bldP spid="41" grpId="0"/>
       <p:bldP spid="42" grpId="0"/>
-      <p:bldP spid="43" grpId="0"/>
     </p:bldLst>
   </p:timing>
 </p:sld>
@@ -15749,7 +16963,7 @@
           <p:cNvPr id="2" name="圖片 1">
             <a:extLst>
               <a:ext uri="{FF2B5EF4-FFF2-40B4-BE49-F238E27FC236}">
-                <a16:creationId xmlns:a16="http://schemas.microsoft.com/office/drawing/2014/main" xmlns="" id="{0A0B0DF2-D706-4ED8-BD06-723163A1E969}"/>
+                <a16:creationId xmlns="" xmlns:a16="http://schemas.microsoft.com/office/drawing/2014/main" id="{0A0B0DF2-D706-4ED8-BD06-723163A1E969}"/>
               </a:ext>
             </a:extLst>
           </p:cNvPr>
@@ -16139,7 +17353,7 @@
           <p:cNvPr id="22" name="矩形 3">
             <a:extLst>
               <a:ext uri="{FF2B5EF4-FFF2-40B4-BE49-F238E27FC236}">
-                <a16:creationId xmlns:a16="http://schemas.microsoft.com/office/drawing/2014/main" xmlns="" id="{AC167845-82AC-4B39-8198-B9E73F081CCD}"/>
+                <a16:creationId xmlns="" xmlns:a16="http://schemas.microsoft.com/office/drawing/2014/main" id="{AC167845-82AC-4B39-8198-B9E73F081CCD}"/>
               </a:ext>
             </a:extLst>
           </p:cNvPr>
@@ -16198,7 +17412,7 @@
           <p:cNvPr id="23" name="矩形 4">
             <a:extLst>
               <a:ext uri="{FF2B5EF4-FFF2-40B4-BE49-F238E27FC236}">
-                <a16:creationId xmlns:a16="http://schemas.microsoft.com/office/drawing/2014/main" xmlns="" id="{BFF19E05-7F0B-4D53-80A0-D5568C6C5E7E}"/>
+                <a16:creationId xmlns="" xmlns:a16="http://schemas.microsoft.com/office/drawing/2014/main" id="{BFF19E05-7F0B-4D53-80A0-D5568C6C5E7E}"/>
               </a:ext>
             </a:extLst>
           </p:cNvPr>
@@ -16250,7 +17464,7 @@
           <p:cNvPr id="24" name="文字方塊 5">
             <a:extLst>
               <a:ext uri="{FF2B5EF4-FFF2-40B4-BE49-F238E27FC236}">
-                <a16:creationId xmlns:a16="http://schemas.microsoft.com/office/drawing/2014/main" xmlns="" id="{345E91AF-1F31-4DE1-ABCD-8C0326089302}"/>
+                <a16:creationId xmlns="" xmlns:a16="http://schemas.microsoft.com/office/drawing/2014/main" id="{345E91AF-1F31-4DE1-ABCD-8C0326089302}"/>
               </a:ext>
             </a:extLst>
           </p:cNvPr>
@@ -16308,7 +17522,7 @@
           <p:cNvPr id="25" name="文字方塊 6">
             <a:extLst>
               <a:ext uri="{FF2B5EF4-FFF2-40B4-BE49-F238E27FC236}">
-                <a16:creationId xmlns:a16="http://schemas.microsoft.com/office/drawing/2014/main" xmlns="" id="{AFA5128D-FDC6-49CF-B065-490ED7618382}"/>
+                <a16:creationId xmlns="" xmlns:a16="http://schemas.microsoft.com/office/drawing/2014/main" id="{AFA5128D-FDC6-49CF-B065-490ED7618382}"/>
               </a:ext>
             </a:extLst>
           </p:cNvPr>
@@ -16385,7 +17599,7 @@
           <p:cNvPr id="26" name="文字方塊 7">
             <a:extLst>
               <a:ext uri="{FF2B5EF4-FFF2-40B4-BE49-F238E27FC236}">
-                <a16:creationId xmlns:a16="http://schemas.microsoft.com/office/drawing/2014/main" xmlns="" id="{500E8BF5-A714-4F7E-B7D2-041B71BE2C03}"/>
+                <a16:creationId xmlns="" xmlns:a16="http://schemas.microsoft.com/office/drawing/2014/main" id="{500E8BF5-A714-4F7E-B7D2-041B71BE2C03}"/>
               </a:ext>
             </a:extLst>
           </p:cNvPr>
@@ -16428,7 +17642,7 @@
           <p:cNvPr id="27" name="文字方塊 8">
             <a:extLst>
               <a:ext uri="{FF2B5EF4-FFF2-40B4-BE49-F238E27FC236}">
-                <a16:creationId xmlns:a16="http://schemas.microsoft.com/office/drawing/2014/main" xmlns="" id="{FFE8DD17-A16E-4199-9B5D-237044F47F7E}"/>
+                <a16:creationId xmlns="" xmlns:a16="http://schemas.microsoft.com/office/drawing/2014/main" id="{FFE8DD17-A16E-4199-9B5D-237044F47F7E}"/>
               </a:ext>
             </a:extLst>
           </p:cNvPr>
@@ -16471,7 +17685,7 @@
           <p:cNvPr id="28" name="文字方塊 9">
             <a:extLst>
               <a:ext uri="{FF2B5EF4-FFF2-40B4-BE49-F238E27FC236}">
-                <a16:creationId xmlns:a16="http://schemas.microsoft.com/office/drawing/2014/main" xmlns="" id="{8EB946F6-2EEC-44AF-B2BF-2AA8B4F2CBC4}"/>
+                <a16:creationId xmlns="" xmlns:a16="http://schemas.microsoft.com/office/drawing/2014/main" id="{8EB946F6-2EEC-44AF-B2BF-2AA8B4F2CBC4}"/>
               </a:ext>
             </a:extLst>
           </p:cNvPr>
@@ -16506,7 +17720,7 @@
           <p:cNvPr id="29" name="文字方塊 10">
             <a:extLst>
               <a:ext uri="{FF2B5EF4-FFF2-40B4-BE49-F238E27FC236}">
-                <a16:creationId xmlns:a16="http://schemas.microsoft.com/office/drawing/2014/main" xmlns="" id="{582EF791-130E-440F-A226-EA7E4EB5AC28}"/>
+                <a16:creationId xmlns="" xmlns:a16="http://schemas.microsoft.com/office/drawing/2014/main" id="{582EF791-130E-440F-A226-EA7E4EB5AC28}"/>
               </a:ext>
             </a:extLst>
           </p:cNvPr>
@@ -16600,7 +17814,7 @@
           <p:cNvPr id="30" name="文字方塊 12">
             <a:extLst>
               <a:ext uri="{FF2B5EF4-FFF2-40B4-BE49-F238E27FC236}">
-                <a16:creationId xmlns:a16="http://schemas.microsoft.com/office/drawing/2014/main" xmlns="" id="{0B05D7D0-BAE6-4995-934B-E00CFFD98FA0}"/>
+                <a16:creationId xmlns="" xmlns:a16="http://schemas.microsoft.com/office/drawing/2014/main" id="{0B05D7D0-BAE6-4995-934B-E00CFFD98FA0}"/>
               </a:ext>
             </a:extLst>
           </p:cNvPr>
@@ -16646,7 +17860,7 @@
           <p:cNvPr id="31" name="矩形 13">
             <a:extLst>
               <a:ext uri="{FF2B5EF4-FFF2-40B4-BE49-F238E27FC236}">
-                <a16:creationId xmlns:a16="http://schemas.microsoft.com/office/drawing/2014/main" xmlns="" id="{C47076D3-12F2-455B-91A6-C3C4BA991D9D}"/>
+                <a16:creationId xmlns="" xmlns:a16="http://schemas.microsoft.com/office/drawing/2014/main" id="{C47076D3-12F2-455B-91A6-C3C4BA991D9D}"/>
               </a:ext>
             </a:extLst>
           </p:cNvPr>
@@ -16700,7 +17914,7 @@
           <p:cNvPr id="32" name="矩形 15">
             <a:extLst>
               <a:ext uri="{FF2B5EF4-FFF2-40B4-BE49-F238E27FC236}">
-                <a16:creationId xmlns:a16="http://schemas.microsoft.com/office/drawing/2014/main" xmlns="" id="{14A1C11C-261E-440B-8C29-2C2422867D77}"/>
+                <a16:creationId xmlns="" xmlns:a16="http://schemas.microsoft.com/office/drawing/2014/main" id="{14A1C11C-261E-440B-8C29-2C2422867D77}"/>
               </a:ext>
             </a:extLst>
           </p:cNvPr>
@@ -16764,7 +17978,7 @@
           <p:cNvPr id="33" name="矩形 16">
             <a:extLst>
               <a:ext uri="{FF2B5EF4-FFF2-40B4-BE49-F238E27FC236}">
-                <a16:creationId xmlns:a16="http://schemas.microsoft.com/office/drawing/2014/main" xmlns="" id="{1E099F5A-27A1-4829-80DF-E9BA27A29F6A}"/>
+                <a16:creationId xmlns="" xmlns:a16="http://schemas.microsoft.com/office/drawing/2014/main" id="{1E099F5A-27A1-4829-80DF-E9BA27A29F6A}"/>
               </a:ext>
             </a:extLst>
           </p:cNvPr>
@@ -16836,7 +18050,7 @@
           <p:cNvPr id="34" name="矩形 17">
             <a:extLst>
               <a:ext uri="{FF2B5EF4-FFF2-40B4-BE49-F238E27FC236}">
-                <a16:creationId xmlns:a16="http://schemas.microsoft.com/office/drawing/2014/main" xmlns="" id="{C2F7121F-64BF-4D27-90CA-E3A5761DB752}"/>
+                <a16:creationId xmlns="" xmlns:a16="http://schemas.microsoft.com/office/drawing/2014/main" id="{C2F7121F-64BF-4D27-90CA-E3A5761DB752}"/>
               </a:ext>
             </a:extLst>
           </p:cNvPr>
@@ -16890,7 +18104,7 @@
           <p:cNvPr id="35" name="文字方塊 18">
             <a:extLst>
               <a:ext uri="{FF2B5EF4-FFF2-40B4-BE49-F238E27FC236}">
-                <a16:creationId xmlns:a16="http://schemas.microsoft.com/office/drawing/2014/main" xmlns="" id="{1D29CB4A-5938-486A-9B69-1C4863EBF835}"/>
+                <a16:creationId xmlns="" xmlns:a16="http://schemas.microsoft.com/office/drawing/2014/main" id="{1D29CB4A-5938-486A-9B69-1C4863EBF835}"/>
               </a:ext>
             </a:extLst>
           </p:cNvPr>
@@ -16937,7 +18151,7 @@
           <p:cNvPr id="36" name="文字方塊 19">
             <a:extLst>
               <a:ext uri="{FF2B5EF4-FFF2-40B4-BE49-F238E27FC236}">
-                <a16:creationId xmlns:a16="http://schemas.microsoft.com/office/drawing/2014/main" xmlns="" id="{5D01598A-BC8E-452D-99D7-9A19476E2209}"/>
+                <a16:creationId xmlns="" xmlns:a16="http://schemas.microsoft.com/office/drawing/2014/main" id="{5D01598A-BC8E-452D-99D7-9A19476E2209}"/>
               </a:ext>
             </a:extLst>
           </p:cNvPr>
@@ -16983,7 +18197,7 @@
           <p:cNvPr id="37" name="文字方塊 20">
             <a:extLst>
               <a:ext uri="{FF2B5EF4-FFF2-40B4-BE49-F238E27FC236}">
-                <a16:creationId xmlns:a16="http://schemas.microsoft.com/office/drawing/2014/main" xmlns="" id="{710C7FF3-F020-484B-AE3E-C742E1A1ECA1}"/>
+                <a16:creationId xmlns="" xmlns:a16="http://schemas.microsoft.com/office/drawing/2014/main" id="{710C7FF3-F020-484B-AE3E-C742E1A1ECA1}"/>
               </a:ext>
             </a:extLst>
           </p:cNvPr>
@@ -17029,7 +18243,7 @@
           <p:cNvPr id="5" name="Group 4">
             <a:extLst>
               <a:ext uri="{FF2B5EF4-FFF2-40B4-BE49-F238E27FC236}">
-                <a16:creationId xmlns:a16="http://schemas.microsoft.com/office/drawing/2014/main" xmlns="" id="{046CB3DE-0C4C-4AA2-8F91-9AC21EE8EC24}"/>
+                <a16:creationId xmlns="" xmlns:a16="http://schemas.microsoft.com/office/drawing/2014/main" id="{046CB3DE-0C4C-4AA2-8F91-9AC21EE8EC24}"/>
               </a:ext>
             </a:extLst>
           </p:cNvPr>
@@ -17049,7 +18263,7 @@
             <p:cNvPr id="21" name="Google Shape;83;p16">
               <a:extLst>
                 <a:ext uri="{FF2B5EF4-FFF2-40B4-BE49-F238E27FC236}">
-                  <a16:creationId xmlns:a16="http://schemas.microsoft.com/office/drawing/2014/main" xmlns="" id="{8D1A771A-F97B-49E3-90A1-AE79093DC861}"/>
+                  <a16:creationId xmlns="" xmlns:a16="http://schemas.microsoft.com/office/drawing/2014/main" id="{8D1A771A-F97B-49E3-90A1-AE79093DC861}"/>
                 </a:ext>
               </a:extLst>
             </p:cNvPr>
@@ -17083,7 +18297,7 @@
             <p:cNvPr id="38" name="矩形 4">
               <a:extLst>
                 <a:ext uri="{FF2B5EF4-FFF2-40B4-BE49-F238E27FC236}">
-                  <a16:creationId xmlns:a16="http://schemas.microsoft.com/office/drawing/2014/main" xmlns="" id="{81712B43-F474-4202-9B8A-E15A20669DAA}"/>
+                  <a16:creationId xmlns="" xmlns:a16="http://schemas.microsoft.com/office/drawing/2014/main" id="{81712B43-F474-4202-9B8A-E15A20669DAA}"/>
                 </a:ext>
               </a:extLst>
             </p:cNvPr>
@@ -17137,7 +18351,7 @@
             <p:cNvPr id="40" name="文字方塊 6">
               <a:extLst>
                 <a:ext uri="{FF2B5EF4-FFF2-40B4-BE49-F238E27FC236}">
-                  <a16:creationId xmlns:a16="http://schemas.microsoft.com/office/drawing/2014/main" xmlns="" id="{01D20FCD-BA91-4B70-835D-3E1BDE452024}"/>
+                  <a16:creationId xmlns="" xmlns:a16="http://schemas.microsoft.com/office/drawing/2014/main" id="{01D20FCD-BA91-4B70-835D-3E1BDE452024}"/>
                 </a:ext>
               </a:extLst>
             </p:cNvPr>
@@ -17189,7 +18403,7 @@
             <p:cNvPr id="4" name="Picture 3">
               <a:extLst>
                 <a:ext uri="{FF2B5EF4-FFF2-40B4-BE49-F238E27FC236}">
-                  <a16:creationId xmlns:a16="http://schemas.microsoft.com/office/drawing/2014/main" xmlns="" id="{EF5B2090-F61C-4DC1-89B6-18D641C29427}"/>
+                  <a16:creationId xmlns="" xmlns:a16="http://schemas.microsoft.com/office/drawing/2014/main" id="{EF5B2090-F61C-4DC1-89B6-18D641C29427}"/>
                 </a:ext>
               </a:extLst>
             </p:cNvPr>
@@ -17566,7 +18780,7 @@
           <p:cNvPr id="22" name="矩形 3">
             <a:extLst>
               <a:ext uri="{FF2B5EF4-FFF2-40B4-BE49-F238E27FC236}">
-                <a16:creationId xmlns:a16="http://schemas.microsoft.com/office/drawing/2014/main" xmlns="" id="{AC167845-82AC-4B39-8198-B9E73F081CCD}"/>
+                <a16:creationId xmlns="" xmlns:a16="http://schemas.microsoft.com/office/drawing/2014/main" id="{AC167845-82AC-4B39-8198-B9E73F081CCD}"/>
               </a:ext>
             </a:extLst>
           </p:cNvPr>
@@ -17625,7 +18839,7 @@
           <p:cNvPr id="23" name="矩形 4">
             <a:extLst>
               <a:ext uri="{FF2B5EF4-FFF2-40B4-BE49-F238E27FC236}">
-                <a16:creationId xmlns:a16="http://schemas.microsoft.com/office/drawing/2014/main" xmlns="" id="{BFF19E05-7F0B-4D53-80A0-D5568C6C5E7E}"/>
+                <a16:creationId xmlns="" xmlns:a16="http://schemas.microsoft.com/office/drawing/2014/main" id="{BFF19E05-7F0B-4D53-80A0-D5568C6C5E7E}"/>
               </a:ext>
             </a:extLst>
           </p:cNvPr>
@@ -17677,7 +18891,7 @@
           <p:cNvPr id="24" name="文字方塊 5">
             <a:extLst>
               <a:ext uri="{FF2B5EF4-FFF2-40B4-BE49-F238E27FC236}">
-                <a16:creationId xmlns:a16="http://schemas.microsoft.com/office/drawing/2014/main" xmlns="" id="{345E91AF-1F31-4DE1-ABCD-8C0326089302}"/>
+                <a16:creationId xmlns="" xmlns:a16="http://schemas.microsoft.com/office/drawing/2014/main" id="{345E91AF-1F31-4DE1-ABCD-8C0326089302}"/>
               </a:ext>
             </a:extLst>
           </p:cNvPr>
@@ -17735,7 +18949,7 @@
           <p:cNvPr id="25" name="文字方塊 6">
             <a:extLst>
               <a:ext uri="{FF2B5EF4-FFF2-40B4-BE49-F238E27FC236}">
-                <a16:creationId xmlns:a16="http://schemas.microsoft.com/office/drawing/2014/main" xmlns="" id="{AFA5128D-FDC6-49CF-B065-490ED7618382}"/>
+                <a16:creationId xmlns="" xmlns:a16="http://schemas.microsoft.com/office/drawing/2014/main" id="{AFA5128D-FDC6-49CF-B065-490ED7618382}"/>
               </a:ext>
             </a:extLst>
           </p:cNvPr>
@@ -17812,7 +19026,7 @@
           <p:cNvPr id="26" name="文字方塊 7">
             <a:extLst>
               <a:ext uri="{FF2B5EF4-FFF2-40B4-BE49-F238E27FC236}">
-                <a16:creationId xmlns:a16="http://schemas.microsoft.com/office/drawing/2014/main" xmlns="" id="{500E8BF5-A714-4F7E-B7D2-041B71BE2C03}"/>
+                <a16:creationId xmlns="" xmlns:a16="http://schemas.microsoft.com/office/drawing/2014/main" id="{500E8BF5-A714-4F7E-B7D2-041B71BE2C03}"/>
               </a:ext>
             </a:extLst>
           </p:cNvPr>
@@ -17855,7 +19069,7 @@
           <p:cNvPr id="27" name="文字方塊 8">
             <a:extLst>
               <a:ext uri="{FF2B5EF4-FFF2-40B4-BE49-F238E27FC236}">
-                <a16:creationId xmlns:a16="http://schemas.microsoft.com/office/drawing/2014/main" xmlns="" id="{FFE8DD17-A16E-4199-9B5D-237044F47F7E}"/>
+                <a16:creationId xmlns="" xmlns:a16="http://schemas.microsoft.com/office/drawing/2014/main" id="{FFE8DD17-A16E-4199-9B5D-237044F47F7E}"/>
               </a:ext>
             </a:extLst>
           </p:cNvPr>
@@ -17898,7 +19112,7 @@
           <p:cNvPr id="28" name="文字方塊 9">
             <a:extLst>
               <a:ext uri="{FF2B5EF4-FFF2-40B4-BE49-F238E27FC236}">
-                <a16:creationId xmlns:a16="http://schemas.microsoft.com/office/drawing/2014/main" xmlns="" id="{8EB946F6-2EEC-44AF-B2BF-2AA8B4F2CBC4}"/>
+                <a16:creationId xmlns="" xmlns:a16="http://schemas.microsoft.com/office/drawing/2014/main" id="{8EB946F6-2EEC-44AF-B2BF-2AA8B4F2CBC4}"/>
               </a:ext>
             </a:extLst>
           </p:cNvPr>
@@ -17933,7 +19147,7 @@
           <p:cNvPr id="29" name="文字方塊 10">
             <a:extLst>
               <a:ext uri="{FF2B5EF4-FFF2-40B4-BE49-F238E27FC236}">
-                <a16:creationId xmlns:a16="http://schemas.microsoft.com/office/drawing/2014/main" xmlns="" id="{582EF791-130E-440F-A226-EA7E4EB5AC28}"/>
+                <a16:creationId xmlns="" xmlns:a16="http://schemas.microsoft.com/office/drawing/2014/main" id="{582EF791-130E-440F-A226-EA7E4EB5AC28}"/>
               </a:ext>
             </a:extLst>
           </p:cNvPr>
@@ -18027,7 +19241,7 @@
           <p:cNvPr id="30" name="文字方塊 12">
             <a:extLst>
               <a:ext uri="{FF2B5EF4-FFF2-40B4-BE49-F238E27FC236}">
-                <a16:creationId xmlns:a16="http://schemas.microsoft.com/office/drawing/2014/main" xmlns="" id="{0B05D7D0-BAE6-4995-934B-E00CFFD98FA0}"/>
+                <a16:creationId xmlns="" xmlns:a16="http://schemas.microsoft.com/office/drawing/2014/main" id="{0B05D7D0-BAE6-4995-934B-E00CFFD98FA0}"/>
               </a:ext>
             </a:extLst>
           </p:cNvPr>
@@ -18073,7 +19287,7 @@
           <p:cNvPr id="31" name="矩形 13">
             <a:extLst>
               <a:ext uri="{FF2B5EF4-FFF2-40B4-BE49-F238E27FC236}">
-                <a16:creationId xmlns:a16="http://schemas.microsoft.com/office/drawing/2014/main" xmlns="" id="{C47076D3-12F2-455B-91A6-C3C4BA991D9D}"/>
+                <a16:creationId xmlns="" xmlns:a16="http://schemas.microsoft.com/office/drawing/2014/main" id="{C47076D3-12F2-455B-91A6-C3C4BA991D9D}"/>
               </a:ext>
             </a:extLst>
           </p:cNvPr>
@@ -18127,7 +19341,7 @@
           <p:cNvPr id="32" name="矩形 15">
             <a:extLst>
               <a:ext uri="{FF2B5EF4-FFF2-40B4-BE49-F238E27FC236}">
-                <a16:creationId xmlns:a16="http://schemas.microsoft.com/office/drawing/2014/main" xmlns="" id="{14A1C11C-261E-440B-8C29-2C2422867D77}"/>
+                <a16:creationId xmlns="" xmlns:a16="http://schemas.microsoft.com/office/drawing/2014/main" id="{14A1C11C-261E-440B-8C29-2C2422867D77}"/>
               </a:ext>
             </a:extLst>
           </p:cNvPr>
@@ -18191,7 +19405,7 @@
           <p:cNvPr id="33" name="矩形 16">
             <a:extLst>
               <a:ext uri="{FF2B5EF4-FFF2-40B4-BE49-F238E27FC236}">
-                <a16:creationId xmlns:a16="http://schemas.microsoft.com/office/drawing/2014/main" xmlns="" id="{1E099F5A-27A1-4829-80DF-E9BA27A29F6A}"/>
+                <a16:creationId xmlns="" xmlns:a16="http://schemas.microsoft.com/office/drawing/2014/main" id="{1E099F5A-27A1-4829-80DF-E9BA27A29F6A}"/>
               </a:ext>
             </a:extLst>
           </p:cNvPr>
@@ -18263,7 +19477,7 @@
           <p:cNvPr id="34" name="矩形 17">
             <a:extLst>
               <a:ext uri="{FF2B5EF4-FFF2-40B4-BE49-F238E27FC236}">
-                <a16:creationId xmlns:a16="http://schemas.microsoft.com/office/drawing/2014/main" xmlns="" id="{C2F7121F-64BF-4D27-90CA-E3A5761DB752}"/>
+                <a16:creationId xmlns="" xmlns:a16="http://schemas.microsoft.com/office/drawing/2014/main" id="{C2F7121F-64BF-4D27-90CA-E3A5761DB752}"/>
               </a:ext>
             </a:extLst>
           </p:cNvPr>
@@ -18317,7 +19531,7 @@
           <p:cNvPr id="35" name="文字方塊 18">
             <a:extLst>
               <a:ext uri="{FF2B5EF4-FFF2-40B4-BE49-F238E27FC236}">
-                <a16:creationId xmlns:a16="http://schemas.microsoft.com/office/drawing/2014/main" xmlns="" id="{1D29CB4A-5938-486A-9B69-1C4863EBF835}"/>
+                <a16:creationId xmlns="" xmlns:a16="http://schemas.microsoft.com/office/drawing/2014/main" id="{1D29CB4A-5938-486A-9B69-1C4863EBF835}"/>
               </a:ext>
             </a:extLst>
           </p:cNvPr>
@@ -18364,7 +19578,7 @@
           <p:cNvPr id="36" name="文字方塊 19">
             <a:extLst>
               <a:ext uri="{FF2B5EF4-FFF2-40B4-BE49-F238E27FC236}">
-                <a16:creationId xmlns:a16="http://schemas.microsoft.com/office/drawing/2014/main" xmlns="" id="{5D01598A-BC8E-452D-99D7-9A19476E2209}"/>
+                <a16:creationId xmlns="" xmlns:a16="http://schemas.microsoft.com/office/drawing/2014/main" id="{5D01598A-BC8E-452D-99D7-9A19476E2209}"/>
               </a:ext>
             </a:extLst>
           </p:cNvPr>
@@ -18410,7 +19624,7 @@
           <p:cNvPr id="37" name="文字方塊 20">
             <a:extLst>
               <a:ext uri="{FF2B5EF4-FFF2-40B4-BE49-F238E27FC236}">
-                <a16:creationId xmlns:a16="http://schemas.microsoft.com/office/drawing/2014/main" xmlns="" id="{710C7FF3-F020-484B-AE3E-C742E1A1ECA1}"/>
+                <a16:creationId xmlns="" xmlns:a16="http://schemas.microsoft.com/office/drawing/2014/main" id="{710C7FF3-F020-484B-AE3E-C742E1A1ECA1}"/>
               </a:ext>
             </a:extLst>
           </p:cNvPr>
@@ -18470,7 +19684,7 @@
             <p:cNvPr id="5" name="Group 4">
               <a:extLst>
                 <a:ext uri="{FF2B5EF4-FFF2-40B4-BE49-F238E27FC236}">
-                  <a16:creationId xmlns:a16="http://schemas.microsoft.com/office/drawing/2014/main" xmlns="" id="{046CB3DE-0C4C-4AA2-8F91-9AC21EE8EC24}"/>
+                  <a16:creationId xmlns="" xmlns:a16="http://schemas.microsoft.com/office/drawing/2014/main" id="{046CB3DE-0C4C-4AA2-8F91-9AC21EE8EC24}"/>
                 </a:ext>
               </a:extLst>
             </p:cNvPr>
@@ -18490,7 +19704,7 @@
               <p:cNvPr id="38" name="矩形 4">
                 <a:extLst>
                   <a:ext uri="{FF2B5EF4-FFF2-40B4-BE49-F238E27FC236}">
-                    <a16:creationId xmlns:a16="http://schemas.microsoft.com/office/drawing/2014/main" xmlns="" id="{81712B43-F474-4202-9B8A-E15A20669DAA}"/>
+                    <a16:creationId xmlns="" xmlns:a16="http://schemas.microsoft.com/office/drawing/2014/main" id="{81712B43-F474-4202-9B8A-E15A20669DAA}"/>
                   </a:ext>
                 </a:extLst>
               </p:cNvPr>
@@ -18544,7 +19758,7 @@
               <p:cNvPr id="40" name="文字方塊 6">
                 <a:extLst>
                   <a:ext uri="{FF2B5EF4-FFF2-40B4-BE49-F238E27FC236}">
-                    <a16:creationId xmlns:a16="http://schemas.microsoft.com/office/drawing/2014/main" xmlns="" id="{01D20FCD-BA91-4B70-835D-3E1BDE452024}"/>
+                    <a16:creationId xmlns="" xmlns:a16="http://schemas.microsoft.com/office/drawing/2014/main" id="{01D20FCD-BA91-4B70-835D-3E1BDE452024}"/>
                   </a:ext>
                 </a:extLst>
               </p:cNvPr>
@@ -18596,7 +19810,7 @@
               <p:cNvPr id="4" name="Picture 3">
                 <a:extLst>
                   <a:ext uri="{FF2B5EF4-FFF2-40B4-BE49-F238E27FC236}">
-                    <a16:creationId xmlns:a16="http://schemas.microsoft.com/office/drawing/2014/main" xmlns="" id="{EF5B2090-F61C-4DC1-89B6-18D641C29427}"/>
+                    <a16:creationId xmlns="" xmlns:a16="http://schemas.microsoft.com/office/drawing/2014/main" id="{EF5B2090-F61C-4DC1-89B6-18D641C29427}"/>
                   </a:ext>
                 </a:extLst>
               </p:cNvPr>
@@ -19826,7 +21040,7 @@
           <p:cNvPr id="3" name="圖片 2">
             <a:extLst>
               <a:ext uri="{FF2B5EF4-FFF2-40B4-BE49-F238E27FC236}">
-                <a16:creationId xmlns:a16="http://schemas.microsoft.com/office/drawing/2014/main" xmlns="" id="{1745B14B-7C22-4B69-A242-D95F10627C71}"/>
+                <a16:creationId xmlns="" xmlns:a16="http://schemas.microsoft.com/office/drawing/2014/main" id="{1745B14B-7C22-4B69-A242-D95F10627C71}"/>
               </a:ext>
             </a:extLst>
           </p:cNvPr>
@@ -20225,7 +21439,7 @@
           <p:cNvPr id="22" name="矩形 3">
             <a:extLst>
               <a:ext uri="{FF2B5EF4-FFF2-40B4-BE49-F238E27FC236}">
-                <a16:creationId xmlns:a16="http://schemas.microsoft.com/office/drawing/2014/main" xmlns="" id="{AC167845-82AC-4B39-8198-B9E73F081CCD}"/>
+                <a16:creationId xmlns="" xmlns:a16="http://schemas.microsoft.com/office/drawing/2014/main" id="{AC167845-82AC-4B39-8198-B9E73F081CCD}"/>
               </a:ext>
             </a:extLst>
           </p:cNvPr>
@@ -20284,7 +21498,7 @@
           <p:cNvPr id="23" name="矩形 4">
             <a:extLst>
               <a:ext uri="{FF2B5EF4-FFF2-40B4-BE49-F238E27FC236}">
-                <a16:creationId xmlns:a16="http://schemas.microsoft.com/office/drawing/2014/main" xmlns="" id="{BFF19E05-7F0B-4D53-80A0-D5568C6C5E7E}"/>
+                <a16:creationId xmlns="" xmlns:a16="http://schemas.microsoft.com/office/drawing/2014/main" id="{BFF19E05-7F0B-4D53-80A0-D5568C6C5E7E}"/>
               </a:ext>
             </a:extLst>
           </p:cNvPr>
@@ -20336,7 +21550,7 @@
           <p:cNvPr id="24" name="文字方塊 5">
             <a:extLst>
               <a:ext uri="{FF2B5EF4-FFF2-40B4-BE49-F238E27FC236}">
-                <a16:creationId xmlns:a16="http://schemas.microsoft.com/office/drawing/2014/main" xmlns="" id="{345E91AF-1F31-4DE1-ABCD-8C0326089302}"/>
+                <a16:creationId xmlns="" xmlns:a16="http://schemas.microsoft.com/office/drawing/2014/main" id="{345E91AF-1F31-4DE1-ABCD-8C0326089302}"/>
               </a:ext>
             </a:extLst>
           </p:cNvPr>
@@ -20394,7 +21608,7 @@
           <p:cNvPr id="25" name="文字方塊 6">
             <a:extLst>
               <a:ext uri="{FF2B5EF4-FFF2-40B4-BE49-F238E27FC236}">
-                <a16:creationId xmlns:a16="http://schemas.microsoft.com/office/drawing/2014/main" xmlns="" id="{AFA5128D-FDC6-49CF-B065-490ED7618382}"/>
+                <a16:creationId xmlns="" xmlns:a16="http://schemas.microsoft.com/office/drawing/2014/main" id="{AFA5128D-FDC6-49CF-B065-490ED7618382}"/>
               </a:ext>
             </a:extLst>
           </p:cNvPr>
@@ -20471,7 +21685,7 @@
           <p:cNvPr id="26" name="文字方塊 7">
             <a:extLst>
               <a:ext uri="{FF2B5EF4-FFF2-40B4-BE49-F238E27FC236}">
-                <a16:creationId xmlns:a16="http://schemas.microsoft.com/office/drawing/2014/main" xmlns="" id="{500E8BF5-A714-4F7E-B7D2-041B71BE2C03}"/>
+                <a16:creationId xmlns="" xmlns:a16="http://schemas.microsoft.com/office/drawing/2014/main" id="{500E8BF5-A714-4F7E-B7D2-041B71BE2C03}"/>
               </a:ext>
             </a:extLst>
           </p:cNvPr>
@@ -20514,7 +21728,7 @@
           <p:cNvPr id="27" name="文字方塊 8">
             <a:extLst>
               <a:ext uri="{FF2B5EF4-FFF2-40B4-BE49-F238E27FC236}">
-                <a16:creationId xmlns:a16="http://schemas.microsoft.com/office/drawing/2014/main" xmlns="" id="{FFE8DD17-A16E-4199-9B5D-237044F47F7E}"/>
+                <a16:creationId xmlns="" xmlns:a16="http://schemas.microsoft.com/office/drawing/2014/main" id="{FFE8DD17-A16E-4199-9B5D-237044F47F7E}"/>
               </a:ext>
             </a:extLst>
           </p:cNvPr>
@@ -20557,7 +21771,7 @@
           <p:cNvPr id="28" name="文字方塊 9">
             <a:extLst>
               <a:ext uri="{FF2B5EF4-FFF2-40B4-BE49-F238E27FC236}">
-                <a16:creationId xmlns:a16="http://schemas.microsoft.com/office/drawing/2014/main" xmlns="" id="{8EB946F6-2EEC-44AF-B2BF-2AA8B4F2CBC4}"/>
+                <a16:creationId xmlns="" xmlns:a16="http://schemas.microsoft.com/office/drawing/2014/main" id="{8EB946F6-2EEC-44AF-B2BF-2AA8B4F2CBC4}"/>
               </a:ext>
             </a:extLst>
           </p:cNvPr>
@@ -20592,7 +21806,7 @@
           <p:cNvPr id="29" name="文字方塊 10">
             <a:extLst>
               <a:ext uri="{FF2B5EF4-FFF2-40B4-BE49-F238E27FC236}">
-                <a16:creationId xmlns:a16="http://schemas.microsoft.com/office/drawing/2014/main" xmlns="" id="{582EF791-130E-440F-A226-EA7E4EB5AC28}"/>
+                <a16:creationId xmlns="" xmlns:a16="http://schemas.microsoft.com/office/drawing/2014/main" id="{582EF791-130E-440F-A226-EA7E4EB5AC28}"/>
               </a:ext>
             </a:extLst>
           </p:cNvPr>
@@ -20686,7 +21900,7 @@
           <p:cNvPr id="31" name="矩形 13">
             <a:extLst>
               <a:ext uri="{FF2B5EF4-FFF2-40B4-BE49-F238E27FC236}">
-                <a16:creationId xmlns:a16="http://schemas.microsoft.com/office/drawing/2014/main" xmlns="" id="{C47076D3-12F2-455B-91A6-C3C4BA991D9D}"/>
+                <a16:creationId xmlns="" xmlns:a16="http://schemas.microsoft.com/office/drawing/2014/main" id="{C47076D3-12F2-455B-91A6-C3C4BA991D9D}"/>
               </a:ext>
             </a:extLst>
           </p:cNvPr>
@@ -20740,7 +21954,7 @@
           <p:cNvPr id="32" name="矩形 15">
             <a:extLst>
               <a:ext uri="{FF2B5EF4-FFF2-40B4-BE49-F238E27FC236}">
-                <a16:creationId xmlns:a16="http://schemas.microsoft.com/office/drawing/2014/main" xmlns="" id="{14A1C11C-261E-440B-8C29-2C2422867D77}"/>
+                <a16:creationId xmlns="" xmlns:a16="http://schemas.microsoft.com/office/drawing/2014/main" id="{14A1C11C-261E-440B-8C29-2C2422867D77}"/>
               </a:ext>
             </a:extLst>
           </p:cNvPr>
@@ -20804,7 +22018,7 @@
           <p:cNvPr id="33" name="矩形 16">
             <a:extLst>
               <a:ext uri="{FF2B5EF4-FFF2-40B4-BE49-F238E27FC236}">
-                <a16:creationId xmlns:a16="http://schemas.microsoft.com/office/drawing/2014/main" xmlns="" id="{1E099F5A-27A1-4829-80DF-E9BA27A29F6A}"/>
+                <a16:creationId xmlns="" xmlns:a16="http://schemas.microsoft.com/office/drawing/2014/main" id="{1E099F5A-27A1-4829-80DF-E9BA27A29F6A}"/>
               </a:ext>
             </a:extLst>
           </p:cNvPr>
@@ -20876,7 +22090,7 @@
           <p:cNvPr id="34" name="矩形 17">
             <a:extLst>
               <a:ext uri="{FF2B5EF4-FFF2-40B4-BE49-F238E27FC236}">
-                <a16:creationId xmlns:a16="http://schemas.microsoft.com/office/drawing/2014/main" xmlns="" id="{C2F7121F-64BF-4D27-90CA-E3A5761DB752}"/>
+                <a16:creationId xmlns="" xmlns:a16="http://schemas.microsoft.com/office/drawing/2014/main" id="{C2F7121F-64BF-4D27-90CA-E3A5761DB752}"/>
               </a:ext>
             </a:extLst>
           </p:cNvPr>
@@ -20930,7 +22144,7 @@
           <p:cNvPr id="35" name="文字方塊 18">
             <a:extLst>
               <a:ext uri="{FF2B5EF4-FFF2-40B4-BE49-F238E27FC236}">
-                <a16:creationId xmlns:a16="http://schemas.microsoft.com/office/drawing/2014/main" xmlns="" id="{1D29CB4A-5938-486A-9B69-1C4863EBF835}"/>
+                <a16:creationId xmlns="" xmlns:a16="http://schemas.microsoft.com/office/drawing/2014/main" id="{1D29CB4A-5938-486A-9B69-1C4863EBF835}"/>
               </a:ext>
             </a:extLst>
           </p:cNvPr>
@@ -20977,7 +22191,7 @@
           <p:cNvPr id="36" name="文字方塊 19">
             <a:extLst>
               <a:ext uri="{FF2B5EF4-FFF2-40B4-BE49-F238E27FC236}">
-                <a16:creationId xmlns:a16="http://schemas.microsoft.com/office/drawing/2014/main" xmlns="" id="{5D01598A-BC8E-452D-99D7-9A19476E2209}"/>
+                <a16:creationId xmlns="" xmlns:a16="http://schemas.microsoft.com/office/drawing/2014/main" id="{5D01598A-BC8E-452D-99D7-9A19476E2209}"/>
               </a:ext>
             </a:extLst>
           </p:cNvPr>
@@ -21106,7 +22320,7 @@
           <p:cNvPr id="39" name="文字方塊 19">
             <a:extLst>
               <a:ext uri="{FF2B5EF4-FFF2-40B4-BE49-F238E27FC236}">
-                <a16:creationId xmlns:a16="http://schemas.microsoft.com/office/drawing/2014/main" xmlns="" id="{5D01598A-BC8E-452D-99D7-9A19476E2209}"/>
+                <a16:creationId xmlns="" xmlns:a16="http://schemas.microsoft.com/office/drawing/2014/main" id="{5D01598A-BC8E-452D-99D7-9A19476E2209}"/>
               </a:ext>
             </a:extLst>
           </p:cNvPr>
@@ -21244,7 +22458,7 @@
           <p:cNvPr id="44" name="文字方塊 19">
             <a:extLst>
               <a:ext uri="{FF2B5EF4-FFF2-40B4-BE49-F238E27FC236}">
-                <a16:creationId xmlns:a16="http://schemas.microsoft.com/office/drawing/2014/main" xmlns="" id="{5D01598A-BC8E-452D-99D7-9A19476E2209}"/>
+                <a16:creationId xmlns="" xmlns:a16="http://schemas.microsoft.com/office/drawing/2014/main" id="{5D01598A-BC8E-452D-99D7-9A19476E2209}"/>
               </a:ext>
             </a:extLst>
           </p:cNvPr>
@@ -21382,7 +22596,7 @@
           <p:cNvPr id="47" name="文字方塊 19">
             <a:extLst>
               <a:ext uri="{FF2B5EF4-FFF2-40B4-BE49-F238E27FC236}">
-                <a16:creationId xmlns:a16="http://schemas.microsoft.com/office/drawing/2014/main" xmlns="" id="{5D01598A-BC8E-452D-99D7-9A19476E2209}"/>
+                <a16:creationId xmlns="" xmlns:a16="http://schemas.microsoft.com/office/drawing/2014/main" id="{5D01598A-BC8E-452D-99D7-9A19476E2209}"/>
               </a:ext>
             </a:extLst>
           </p:cNvPr>
@@ -21593,7 +22807,7 @@
           <p:cNvPr id="50" name="文字方塊 12">
             <a:extLst>
               <a:ext uri="{FF2B5EF4-FFF2-40B4-BE49-F238E27FC236}">
-                <a16:creationId xmlns:a16="http://schemas.microsoft.com/office/drawing/2014/main" xmlns="" id="{0B05D7D0-BAE6-4995-934B-E00CFFD98FA0}"/>
+                <a16:creationId xmlns="" xmlns:a16="http://schemas.microsoft.com/office/drawing/2014/main" id="{0B05D7D0-BAE6-4995-934B-E00CFFD98FA0}"/>
               </a:ext>
             </a:extLst>
           </p:cNvPr>
@@ -21639,7 +22853,7 @@
           <p:cNvPr id="51" name="文字方塊 12">
             <a:extLst>
               <a:ext uri="{FF2B5EF4-FFF2-40B4-BE49-F238E27FC236}">
-                <a16:creationId xmlns:a16="http://schemas.microsoft.com/office/drawing/2014/main" xmlns="" id="{0B05D7D0-BAE6-4995-934B-E00CFFD98FA0}"/>
+                <a16:creationId xmlns="" xmlns:a16="http://schemas.microsoft.com/office/drawing/2014/main" id="{0B05D7D0-BAE6-4995-934B-E00CFFD98FA0}"/>
               </a:ext>
             </a:extLst>
           </p:cNvPr>
@@ -21685,7 +22899,7 @@
           <p:cNvPr id="52" name="文字方塊 12">
             <a:extLst>
               <a:ext uri="{FF2B5EF4-FFF2-40B4-BE49-F238E27FC236}">
-                <a16:creationId xmlns:a16="http://schemas.microsoft.com/office/drawing/2014/main" xmlns="" id="{0B05D7D0-BAE6-4995-934B-E00CFFD98FA0}"/>
+                <a16:creationId xmlns="" xmlns:a16="http://schemas.microsoft.com/office/drawing/2014/main" id="{0B05D7D0-BAE6-4995-934B-E00CFFD98FA0}"/>
               </a:ext>
             </a:extLst>
           </p:cNvPr>
@@ -21731,7 +22945,7 @@
           <p:cNvPr id="53" name="文字方塊 12">
             <a:extLst>
               <a:ext uri="{FF2B5EF4-FFF2-40B4-BE49-F238E27FC236}">
-                <a16:creationId xmlns:a16="http://schemas.microsoft.com/office/drawing/2014/main" xmlns="" id="{0B05D7D0-BAE6-4995-934B-E00CFFD98FA0}"/>
+                <a16:creationId xmlns="" xmlns:a16="http://schemas.microsoft.com/office/drawing/2014/main" id="{0B05D7D0-BAE6-4995-934B-E00CFFD98FA0}"/>
               </a:ext>
             </a:extLst>
           </p:cNvPr>
@@ -21777,7 +22991,7 @@
           <p:cNvPr id="54" name="文字方塊 12">
             <a:extLst>
               <a:ext uri="{FF2B5EF4-FFF2-40B4-BE49-F238E27FC236}">
-                <a16:creationId xmlns:a16="http://schemas.microsoft.com/office/drawing/2014/main" xmlns="" id="{0B05D7D0-BAE6-4995-934B-E00CFFD98FA0}"/>
+                <a16:creationId xmlns="" xmlns:a16="http://schemas.microsoft.com/office/drawing/2014/main" id="{0B05D7D0-BAE6-4995-934B-E00CFFD98FA0}"/>
               </a:ext>
             </a:extLst>
           </p:cNvPr>
@@ -23572,8 +24786,8 @@
         </p:nvSpPr>
         <p:spPr>
           <a:xfrm>
-            <a:off x="1699377" y="1006459"/>
-            <a:ext cx="582211" cy="307777"/>
+            <a:off x="1699377" y="993207"/>
+            <a:ext cx="1476686" cy="307777"/>
           </a:xfrm>
           <a:prstGeom prst="rect">
             <a:avLst/>
@@ -23587,13 +24801,13 @@
           <a:lstStyle/>
           <a:p>
             <a:r>
-              <a:rPr lang="en-US" altLang="zh-TW" sz="1400" dirty="0">
-                <a:solidFill>
-                  <a:schemeClr val="bg1"/>
-                </a:solidFill>
-                <a:latin typeface="Consolas" panose="020B0609020204030204" pitchFamily="49" charset="0"/>
-              </a:rPr>
-              <a:t>next</a:t>
+              <a:rPr lang="en-US" altLang="zh-TW" sz="1400" dirty="0" err="1" smtClean="0">
+                <a:solidFill>
+                  <a:schemeClr val="bg1"/>
+                </a:solidFill>
+                <a:latin typeface="Consolas" panose="020B0609020204030204" pitchFamily="49" charset="0"/>
+              </a:rPr>
+              <a:t>In_the_Future</a:t>
             </a:r>
             <a:endParaRPr lang="zh-TW" altLang="en-US" sz="1400" b="1" dirty="0">
               <a:solidFill>
@@ -23613,7 +24827,7 @@
         </p:nvSpPr>
         <p:spPr>
           <a:xfrm>
-            <a:off x="2108645" y="936634"/>
+            <a:off x="3049537" y="949886"/>
             <a:ext cx="311304" cy="369332"/>
           </a:xfrm>
           <a:prstGeom prst="rect">
@@ -23717,51 +24931,276 @@
           </a:p>
         </p:txBody>
       </p:sp>
-      <p:pic>
-        <p:nvPicPr>
-          <p:cNvPr id="2" name="圖片 1">
+      <p:sp>
+        <p:nvSpPr>
+          <p:cNvPr id="12" name="文字方塊 11"/>
+          <p:cNvSpPr txBox="1"/>
+          <p:nvPr/>
+        </p:nvSpPr>
+        <p:spPr>
+          <a:xfrm>
+            <a:off x="675861" y="1692653"/>
+            <a:ext cx="8640417" cy="3416320"/>
+          </a:xfrm>
+          <a:prstGeom prst="rect">
+            <a:avLst/>
+          </a:prstGeom>
+          <a:noFill/>
+        </p:spPr>
+        <p:txBody>
+          <a:bodyPr wrap="square" rtlCol="0">
+            <a:spAutoFit/>
+          </a:bodyPr>
+          <a:lstStyle/>
+          <a:p>
+            <a:r>
+              <a:rPr lang="zh-TW" altLang="en-US" sz="2400" dirty="0">
+                <a:solidFill>
+                  <a:schemeClr val="bg1"/>
+                </a:solidFill>
+                <a:latin typeface="Consolas" panose="020B0609020204030204" pitchFamily="49" charset="0"/>
+                <a:ea typeface="Microsoft JhengHei UI Light" panose="020B0304030504040204" pitchFamily="34" charset="-120"/>
+              </a:rPr>
+              <a:t>碼農天堂，為了讓</a:t>
+            </a:r>
+            <a:r>
+              <a:rPr lang="zh-TW" altLang="en-US" sz="2400" dirty="0">
+                <a:solidFill>
+                  <a:schemeClr val="bg1"/>
+                </a:solidFill>
+                <a:latin typeface="Consolas" panose="020B0609020204030204" pitchFamily="49" charset="0"/>
+                <a:ea typeface="Microsoft JhengHei UI Light" panose="020B0304030504040204" pitchFamily="34" charset="-120"/>
+              </a:rPr>
+              <a:t>吸引夠多程式大神加入這個社群，在未來我們希望它成為一個有獎勵</a:t>
+            </a:r>
+            <a:r>
+              <a:rPr lang="zh-TW" altLang="en-US" sz="2400" dirty="0">
+                <a:solidFill>
+                  <a:schemeClr val="bg1"/>
+                </a:solidFill>
+                <a:latin typeface="Consolas" panose="020B0609020204030204" pitchFamily="49" charset="0"/>
+                <a:ea typeface="Microsoft JhengHei UI Light" panose="020B0304030504040204" pitchFamily="34" charset="-120"/>
+              </a:rPr>
+              <a:t>制度的網站，讓大神們在幫助別人的同時也可以透過獎勵還</a:t>
+            </a:r>
+            <a:r>
+              <a:rPr lang="zh-TW" altLang="en-US" sz="2400" dirty="0" smtClean="0">
+                <a:solidFill>
+                  <a:schemeClr val="bg1"/>
+                </a:solidFill>
+                <a:latin typeface="Consolas" panose="020B0609020204030204" pitchFamily="49" charset="0"/>
+                <a:ea typeface="Microsoft JhengHei UI Light" panose="020B0304030504040204" pitchFamily="34" charset="-120"/>
+              </a:rPr>
+              <a:t>得到</a:t>
+            </a:r>
+            <a:r>
+              <a:rPr lang="zh-TW" altLang="en-US" sz="2400" dirty="0">
+                <a:solidFill>
+                  <a:schemeClr val="bg1"/>
+                </a:solidFill>
+                <a:latin typeface="Consolas" panose="020B0609020204030204" pitchFamily="49" charset="0"/>
+                <a:ea typeface="Microsoft JhengHei UI Light" panose="020B0304030504040204" pitchFamily="34" charset="-120"/>
+              </a:rPr>
+              <a:t>額外的權限，例如：</a:t>
+            </a:r>
+            <a:r>
+              <a:rPr lang="en-US" altLang="zh-TW" sz="2400" dirty="0" smtClean="0">
+                <a:solidFill>
+                  <a:schemeClr val="bg1"/>
+                </a:solidFill>
+                <a:latin typeface="Consolas" panose="020B0609020204030204" pitchFamily="49" charset="0"/>
+                <a:ea typeface="Microsoft JhengHei UI Light" panose="020B0304030504040204" pitchFamily="34" charset="-120"/>
+              </a:rPr>
+              <a:t>VIP.</a:t>
+            </a:r>
+            <a:r>
+              <a:rPr lang="zh-TW" altLang="en-US" sz="2400" dirty="0" smtClean="0">
+                <a:solidFill>
+                  <a:schemeClr val="bg1"/>
+                </a:solidFill>
+                <a:latin typeface="Consolas" panose="020B0609020204030204" pitchFamily="49" charset="0"/>
+                <a:ea typeface="Microsoft JhengHei UI Light" panose="020B0304030504040204" pitchFamily="34" charset="-120"/>
+              </a:rPr>
+              <a:t>專屬</a:t>
+            </a:r>
+            <a:r>
+              <a:rPr lang="zh-TW" altLang="en-US" sz="2400" dirty="0">
+                <a:solidFill>
+                  <a:schemeClr val="bg1"/>
+                </a:solidFill>
+                <a:latin typeface="Consolas" panose="020B0609020204030204" pitchFamily="49" charset="0"/>
+                <a:ea typeface="Microsoft JhengHei UI Light" panose="020B0304030504040204" pitchFamily="34" charset="-120"/>
+              </a:rPr>
+              <a:t>資源分享</a:t>
+            </a:r>
+            <a:r>
+              <a:rPr lang="zh-TW" altLang="en-US" sz="2400" dirty="0" smtClean="0">
+                <a:solidFill>
+                  <a:schemeClr val="bg1"/>
+                </a:solidFill>
+                <a:latin typeface="Consolas" panose="020B0609020204030204" pitchFamily="49" charset="0"/>
+                <a:ea typeface="Microsoft JhengHei UI Light" panose="020B0304030504040204" pitchFamily="34" charset="-120"/>
+              </a:rPr>
+              <a:t>區</a:t>
+            </a:r>
+            <a:r>
+              <a:rPr lang="en-US" altLang="zh-TW" sz="2400" dirty="0" smtClean="0">
+                <a:solidFill>
+                  <a:schemeClr val="bg1"/>
+                </a:solidFill>
+                <a:latin typeface="Consolas" panose="020B0609020204030204" pitchFamily="49" charset="0"/>
+                <a:ea typeface="Microsoft JhengHei UI Light" panose="020B0304030504040204" pitchFamily="34" charset="-120"/>
+              </a:rPr>
+              <a:t>…</a:t>
+            </a:r>
+            <a:r>
+              <a:rPr lang="zh-TW" altLang="en-US" sz="2400" dirty="0" smtClean="0">
+                <a:solidFill>
+                  <a:schemeClr val="bg1"/>
+                </a:solidFill>
+                <a:latin typeface="Consolas" panose="020B0609020204030204" pitchFamily="49" charset="0"/>
+                <a:ea typeface="Microsoft JhengHei UI Light" panose="020B0304030504040204" pitchFamily="34" charset="-120"/>
+              </a:rPr>
+              <a:t>等，</a:t>
+            </a:r>
+            <a:r>
+              <a:rPr lang="zh-TW" altLang="en-US" sz="2400" dirty="0">
+                <a:solidFill>
+                  <a:schemeClr val="bg1"/>
+                </a:solidFill>
+                <a:latin typeface="Consolas" panose="020B0609020204030204" pitchFamily="49" charset="0"/>
+                <a:ea typeface="Microsoft JhengHei UI Light" panose="020B0304030504040204" pitchFamily="34" charset="-120"/>
+              </a:rPr>
+              <a:t>另外我們還會新增文章排序功能，使用這可選擇我們預設好的</a:t>
+            </a:r>
+            <a:r>
+              <a:rPr lang="zh-TW" altLang="en-US" sz="2400" dirty="0" smtClean="0">
+                <a:solidFill>
+                  <a:schemeClr val="bg1"/>
+                </a:solidFill>
+                <a:latin typeface="Consolas" panose="020B0609020204030204" pitchFamily="49" charset="0"/>
+                <a:ea typeface="Microsoft JhengHei UI Light" panose="020B0304030504040204" pitchFamily="34" charset="-120"/>
+              </a:rPr>
+              <a:t>幾種排序</a:t>
+            </a:r>
+            <a:r>
+              <a:rPr lang="zh-TW" altLang="en-US" sz="2400" dirty="0">
+                <a:solidFill>
+                  <a:schemeClr val="bg1"/>
+                </a:solidFill>
+                <a:latin typeface="Consolas" panose="020B0609020204030204" pitchFamily="49" charset="0"/>
+                <a:ea typeface="Microsoft JhengHei UI Light" panose="020B0304030504040204" pitchFamily="34" charset="-120"/>
+              </a:rPr>
+              <a:t>方式來找到他想要搜尋的文章或</a:t>
+            </a:r>
+            <a:r>
+              <a:rPr lang="zh-TW" altLang="en-US" sz="2400" dirty="0" smtClean="0">
+                <a:solidFill>
+                  <a:schemeClr val="bg1"/>
+                </a:solidFill>
+                <a:latin typeface="Consolas" panose="020B0609020204030204" pitchFamily="49" charset="0"/>
+                <a:ea typeface="Microsoft JhengHei UI Light" panose="020B0304030504040204" pitchFamily="34" charset="-120"/>
+              </a:rPr>
+              <a:t>問題</a:t>
+            </a:r>
+            <a:endParaRPr lang="en-US" altLang="zh-TW" sz="2400" dirty="0" smtClean="0">
+              <a:solidFill>
+                <a:schemeClr val="bg1"/>
+              </a:solidFill>
+              <a:latin typeface="Consolas" panose="020B0609020204030204" pitchFamily="49" charset="0"/>
+              <a:ea typeface="Microsoft JhengHei UI Light" panose="020B0304030504040204" pitchFamily="34" charset="-120"/>
+            </a:endParaRPr>
+          </a:p>
+          <a:p>
+            <a:endParaRPr lang="en-US" altLang="zh-TW" sz="2400" dirty="0" smtClean="0">
+              <a:solidFill>
+                <a:schemeClr val="bg1"/>
+              </a:solidFill>
+              <a:latin typeface="Consolas" panose="020B0609020204030204" pitchFamily="49" charset="0"/>
+              <a:ea typeface="Microsoft JhengHei UI Light" panose="020B0304030504040204" pitchFamily="34" charset="-120"/>
+            </a:endParaRPr>
+          </a:p>
+          <a:p>
+            <a:r>
+              <a:rPr lang="zh-TW" altLang="en-US" sz="2400" dirty="0" smtClean="0">
+                <a:solidFill>
+                  <a:schemeClr val="bg1"/>
+                </a:solidFill>
+                <a:latin typeface="Consolas" panose="020B0609020204030204" pitchFamily="49" charset="0"/>
+                <a:ea typeface="Microsoft JhengHei UI Light" panose="020B0304030504040204" pitchFamily="34" charset="-120"/>
+              </a:rPr>
+              <a:t>如果你是大神，我們期待你的加入，讓更多程式新手遇到問題時可以迎刃而解；相反的，如果你是新手，別害羞，來這邊找答案就對啦</a:t>
+            </a:r>
+            <a:r>
+              <a:rPr lang="en-US" altLang="zh-TW" sz="2400" dirty="0" smtClean="0">
+                <a:solidFill>
+                  <a:schemeClr val="bg1"/>
+                </a:solidFill>
+                <a:latin typeface="Consolas" panose="020B0609020204030204" pitchFamily="49" charset="0"/>
+                <a:ea typeface="Microsoft JhengHei UI Light" panose="020B0304030504040204" pitchFamily="34" charset="-120"/>
+              </a:rPr>
+              <a:t>!!!</a:t>
+            </a:r>
+            <a:endParaRPr lang="en-US" altLang="zh-TW" sz="2400" dirty="0">
+              <a:solidFill>
+                <a:schemeClr val="bg1"/>
+              </a:solidFill>
+              <a:latin typeface="Consolas" panose="020B0609020204030204" pitchFamily="49" charset="0"/>
+              <a:ea typeface="Microsoft JhengHei UI Light" panose="020B0304030504040204" pitchFamily="34" charset="-120"/>
+            </a:endParaRPr>
+          </a:p>
+        </p:txBody>
+      </p:sp>
+      <p:sp>
+        <p:nvSpPr>
+          <p:cNvPr id="23" name="文字方塊 20">
             <a:extLst>
               <a:ext uri="{FF2B5EF4-FFF2-40B4-BE49-F238E27FC236}">
-                <a16:creationId xmlns:a16="http://schemas.microsoft.com/office/drawing/2014/main" xmlns="" id="{E8B22EB0-87D9-4736-A052-C95EBDD10AB4}"/>
+                <a16:creationId xmlns="" xmlns:a16="http://schemas.microsoft.com/office/drawing/2014/main" id="{4A52D2E5-6117-4902-9AC4-728FF7B5C906}"/>
               </a:ext>
             </a:extLst>
           </p:cNvPr>
-          <p:cNvPicPr>
-            <a:picLocks noChangeAspect="1"/>
-          </p:cNvPicPr>
-          <p:nvPr/>
-        </p:nvPicPr>
-        <p:blipFill>
-          <a:blip r:embed="rId2">
-            <a:clrChange>
-              <a:clrFrom>
-                <a:srgbClr val="000000"/>
-              </a:clrFrom>
-              <a:clrTo>
-                <a:srgbClr val="000000">
-                  <a:alpha val="0"/>
-                </a:srgbClr>
-              </a:clrTo>
-            </a:clrChange>
-          </a:blip>
-          <a:stretch>
-            <a:fillRect/>
-          </a:stretch>
-        </p:blipFill>
-        <p:spPr>
-          <a:xfrm>
-            <a:off x="123092" y="1527126"/>
-            <a:ext cx="4638675" cy="1162050"/>
-          </a:xfrm>
-          <a:prstGeom prst="rect">
-            <a:avLst/>
-          </a:prstGeom>
-        </p:spPr>
-      </p:pic>
+          <p:cNvSpPr txBox="1"/>
+          <p:nvPr/>
+        </p:nvSpPr>
+        <p:spPr>
+          <a:xfrm>
+            <a:off x="63687" y="5270158"/>
+            <a:ext cx="482824" cy="307777"/>
+          </a:xfrm>
+          <a:prstGeom prst="rect">
+            <a:avLst/>
+          </a:prstGeom>
+          <a:noFill/>
+        </p:spPr>
+        <p:txBody>
+          <a:bodyPr wrap="none" rtlCol="0">
+            <a:spAutoFit/>
+          </a:bodyPr>
+          <a:lstStyle/>
+          <a:p>
+            <a:r>
+              <a:rPr lang="en-US" altLang="zh-TW" sz="1400" dirty="0">
+                <a:solidFill>
+                  <a:schemeClr val="bg1"/>
+                </a:solidFill>
+                <a:latin typeface="Consolas" panose="020B0609020204030204" pitchFamily="49" charset="0"/>
+              </a:rPr>
+              <a:t>&gt;&gt;&gt;</a:t>
+            </a:r>
+            <a:endParaRPr lang="zh-TW" altLang="en-US" sz="1400" dirty="0">
+              <a:solidFill>
+                <a:schemeClr val="bg1"/>
+              </a:solidFill>
+              <a:latin typeface="Consolas" panose="020B0609020204030204" pitchFamily="49" charset="0"/>
+            </a:endParaRPr>
+          </a:p>
+        </p:txBody>
+      </p:sp>
     </p:spTree>
     <p:extLst>
       <p:ext uri="{BB962C8B-B14F-4D97-AF65-F5344CB8AC3E}">
-        <p14:creationId xmlns:p14="http://schemas.microsoft.com/office/powerpoint/2010/main" val="2870464205"/>
+        <p14:creationId xmlns:p14="http://schemas.microsoft.com/office/powerpoint/2010/main" val="1358517420"/>
       </p:ext>
     </p:extLst>
   </p:cSld>
@@ -23963,7 +25402,7 @@
                             </p:stCondLst>
                             <p:childTnLst>
                               <p:par>
-                                <p:cTn id="19" presetID="1" presetClass="exit" presetSubtype="0" fill="hold" grpId="1" nodeType="afterEffect">
+                                <p:cTn id="19" presetID="1" presetClass="entr" presetSubtype="0" fill="hold" grpId="0" nodeType="afterEffect">
                                   <p:stCondLst>
                                     <p:cond delay="0"/>
                                   </p:stCondLst>
@@ -23971,6 +25410,33 @@
                                     <p:set>
                                       <p:cBhvr>
                                         <p:cTn id="20" dur="1" fill="hold">
+                                          <p:stCondLst>
+                                            <p:cond delay="0"/>
+                                          </p:stCondLst>
+                                        </p:cTn>
+                                        <p:tgtEl>
+                                          <p:spTgt spid="21"/>
+                                        </p:tgtEl>
+                                        <p:attrNameLst>
+                                          <p:attrName>style.visibility</p:attrName>
+                                        </p:attrNameLst>
+                                      </p:cBhvr>
+                                      <p:to>
+                                        <p:strVal val="visible"/>
+                                      </p:to>
+                                    </p:set>
+                                  </p:childTnLst>
+                                </p:cTn>
+                              </p:par>
+                              <p:par>
+                                <p:cTn id="21" presetID="1" presetClass="exit" presetSubtype="0" fill="hold" grpId="1" nodeType="withEffect">
+                                  <p:stCondLst>
+                                    <p:cond delay="0"/>
+                                  </p:stCondLst>
+                                  <p:childTnLst>
+                                    <p:set>
+                                      <p:cBhvr>
+                                        <p:cTn id="22" dur="1" fill="hold">
                                           <p:stCondLst>
                                             <p:cond delay="0"/>
                                           </p:stCondLst>
@@ -23989,46 +25455,19 @@
                                   </p:childTnLst>
                                 </p:cTn>
                               </p:par>
-                              <p:par>
-                                <p:cTn id="21" presetID="1" presetClass="entr" presetSubtype="0" fill="hold" grpId="0" nodeType="withEffect">
-                                  <p:stCondLst>
-                                    <p:cond delay="800"/>
-                                  </p:stCondLst>
-                                  <p:childTnLst>
-                                    <p:set>
-                                      <p:cBhvr>
-                                        <p:cTn id="22" dur="1" fill="hold">
-                                          <p:stCondLst>
-                                            <p:cond delay="0"/>
-                                          </p:stCondLst>
-                                        </p:cTn>
-                                        <p:tgtEl>
-                                          <p:spTgt spid="21"/>
-                                        </p:tgtEl>
-                                        <p:attrNameLst>
-                                          <p:attrName>style.visibility</p:attrName>
-                                        </p:attrNameLst>
-                                      </p:cBhvr>
-                                      <p:to>
-                                        <p:strVal val="visible"/>
-                                      </p:to>
-                                    </p:set>
-                                  </p:childTnLst>
-                                </p:cTn>
-                              </p:par>
                             </p:childTnLst>
                           </p:cTn>
                         </p:par>
                         <p:par>
                           <p:cTn id="23" fill="hold">
                             <p:stCondLst>
-                              <p:cond delay="3300"/>
+                              <p:cond delay="2500"/>
                             </p:stCondLst>
                             <p:childTnLst>
                               <p:par>
-                                <p:cTn id="24" presetID="22" presetClass="entr" presetSubtype="8" fill="hold" nodeType="afterEffect">
+                                <p:cTn id="24" presetID="22" presetClass="entr" presetSubtype="8" fill="hold" grpId="0" nodeType="afterEffect">
                                   <p:stCondLst>
-                                    <p:cond delay="700"/>
+                                    <p:cond delay="0"/>
                                   </p:stCondLst>
                                   <p:childTnLst>
                                     <p:set>
@@ -24039,7 +25478,7 @@
                                           </p:stCondLst>
                                         </p:cTn>
                                         <p:tgtEl>
-                                          <p:spTgt spid="2"/>
+                                          <p:spTgt spid="12"/>
                                         </p:tgtEl>
                                         <p:attrNameLst>
                                           <p:attrName>style.visibility</p:attrName>
@@ -24053,10 +25492,46 @@
                                       <p:cBhvr>
                                         <p:cTn id="26" dur="500"/>
                                         <p:tgtEl>
-                                          <p:spTgt spid="2"/>
+                                          <p:spTgt spid="12"/>
                                         </p:tgtEl>
                                       </p:cBhvr>
                                     </p:animEffect>
+                                  </p:childTnLst>
+                                </p:cTn>
+                              </p:par>
+                            </p:childTnLst>
+                          </p:cTn>
+                        </p:par>
+                        <p:par>
+                          <p:cTn id="27" fill="hold">
+                            <p:stCondLst>
+                              <p:cond delay="3000"/>
+                            </p:stCondLst>
+                            <p:childTnLst>
+                              <p:par>
+                                <p:cTn id="28" presetID="1" presetClass="entr" presetSubtype="0" fill="hold" grpId="0" nodeType="afterEffect">
+                                  <p:stCondLst>
+                                    <p:cond delay="0"/>
+                                  </p:stCondLst>
+                                  <p:childTnLst>
+                                    <p:set>
+                                      <p:cBhvr>
+                                        <p:cTn id="29" dur="1" fill="hold">
+                                          <p:stCondLst>
+                                            <p:cond delay="0"/>
+                                          </p:stCondLst>
+                                        </p:cTn>
+                                        <p:tgtEl>
+                                          <p:spTgt spid="23"/>
+                                        </p:tgtEl>
+                                        <p:attrNameLst>
+                                          <p:attrName>style.visibility</p:attrName>
+                                        </p:attrNameLst>
+                                      </p:cBhvr>
+                                      <p:to>
+                                        <p:strVal val="visible"/>
+                                      </p:to>
+                                    </p:set>
                                   </p:childTnLst>
                                 </p:cTn>
                               </p:par>
@@ -24094,6 +25569,8 @@
       <p:bldP spid="20" grpId="0"/>
       <p:bldP spid="20" grpId="1"/>
       <p:bldP spid="21" grpId="0"/>
+      <p:bldP spid="12" grpId="0"/>
+      <p:bldP spid="23" grpId="0"/>
     </p:bldLst>
   </p:timing>
 </p:sld>
@@ -24354,7 +25831,7 @@
   <a:extraClrSchemeLst/>
   <a:extLst>
     <a:ext uri="{05A4C25C-085E-4340-85A3-A5531E510DB2}">
-      <thm15:themeFamily xmlns:thm15="http://schemas.microsoft.com/office/thememl/2012/main" xmlns="" name="Office Theme" id="{62F939B6-93AF-4DB8-9C6B-D6C7DFDC589F}" vid="{4A3C46E8-61CC-4603-A589-7422A47A8E4A}"/>
+      <thm15:themeFamily xmlns="" xmlns:thm15="http://schemas.microsoft.com/office/thememl/2012/main" name="Office Theme" id="{62F939B6-93AF-4DB8-9C6B-D6C7DFDC589F}" vid="{4A3C46E8-61CC-4603-A589-7422A47A8E4A}"/>
     </a:ext>
   </a:extLst>
 </a:theme>
@@ -24615,7 +26092,7 @@
   <a:extraClrSchemeLst/>
   <a:extLst>
     <a:ext uri="{05A4C25C-085E-4340-85A3-A5531E510DB2}">
-      <thm15:themeFamily xmlns:thm15="http://schemas.microsoft.com/office/thememl/2012/main" xmlns="" name="Office Theme" id="{62F939B6-93AF-4DB8-9C6B-D6C7DFDC589F}" vid="{4A3C46E8-61CC-4603-A589-7422A47A8E4A}"/>
+      <thm15:themeFamily xmlns="" xmlns:thm15="http://schemas.microsoft.com/office/thememl/2012/main" name="Office Theme" id="{62F939B6-93AF-4DB8-9C6B-D6C7DFDC589F}" vid="{4A3C46E8-61CC-4603-A589-7422A47A8E4A}"/>
     </a:ext>
   </a:extLst>
 </a:theme>

--- a/期末報告第五組.pptx
+++ b/期末報告第五組.pptx
@@ -5,7 +5,7 @@
     <p:sldMasterId id="2147483648" r:id="rId1"/>
   </p:sldMasterIdLst>
   <p:notesMasterIdLst>
-    <p:notesMasterId r:id="rId16"/>
+    <p:notesMasterId r:id="rId17"/>
   </p:notesMasterIdLst>
   <p:sldIdLst>
     <p:sldId id="256" r:id="rId2"/>
@@ -16,12 +16,13 @@
     <p:sldId id="261" r:id="rId7"/>
     <p:sldId id="275" r:id="rId8"/>
     <p:sldId id="265" r:id="rId9"/>
-    <p:sldId id="278" r:id="rId10"/>
-    <p:sldId id="279" r:id="rId11"/>
-    <p:sldId id="263" r:id="rId12"/>
-    <p:sldId id="277" r:id="rId13"/>
-    <p:sldId id="262" r:id="rId14"/>
-    <p:sldId id="264" r:id="rId15"/>
+    <p:sldId id="280" r:id="rId10"/>
+    <p:sldId id="278" r:id="rId11"/>
+    <p:sldId id="279" r:id="rId12"/>
+    <p:sldId id="263" r:id="rId13"/>
+    <p:sldId id="277" r:id="rId14"/>
+    <p:sldId id="262" r:id="rId15"/>
+    <p:sldId id="264" r:id="rId16"/>
   </p:sldIdLst>
   <p:sldSz cx="12192000" cy="6858000"/>
   <p:notesSz cx="6858000" cy="9144000"/>
@@ -122,7 +123,7 @@
   </p:defaultTextStyle>
   <p:extLst>
     <p:ext uri="{EFAFB233-063F-42B5-8137-9DF3F51BA10A}">
-      <p15:sldGuideLst xmlns="" xmlns:p15="http://schemas.microsoft.com/office/powerpoint/2012/main">
+      <p15:sldGuideLst xmlns:p15="http://schemas.microsoft.com/office/powerpoint/2012/main">
         <p15:guide id="1" orient="horz" pos="2160">
           <p15:clr>
             <a:srgbClr val="A4A3A4"/>
@@ -1150,7 +1151,7 @@
           <a:p>
             <a:fld id="{A3F0A31E-9997-4900-8343-0FB571094D6D}" type="datetimeFigureOut">
               <a:rPr lang="zh-TW" altLang="en-US" smtClean="0"/>
-              <a:t>2019/6/4</a:t>
+              <a:t>2019/6/5</a:t>
             </a:fld>
             <a:endParaRPr lang="zh-TW" altLang="en-US"/>
           </a:p>
@@ -1546,7 +1547,7 @@
           <a:p>
             <a:fld id="{5B935B4F-CCB5-4F09-B007-AF46ABBE89BB}" type="datetime1">
               <a:rPr lang="zh-TW" altLang="en-US" smtClean="0"/>
-              <a:t>2019/6/4</a:t>
+              <a:t>2019/6/5</a:t>
             </a:fld>
             <a:endParaRPr lang="zh-TW" altLang="en-US"/>
           </a:p>
@@ -1718,7 +1719,7 @@
           <a:p>
             <a:fld id="{77A30EE7-5AC5-48F0-9A2F-D4D8445547DA}" type="datetime1">
               <a:rPr lang="zh-TW" altLang="en-US" smtClean="0"/>
-              <a:t>2019/6/4</a:t>
+              <a:t>2019/6/5</a:t>
             </a:fld>
             <a:endParaRPr lang="zh-TW" altLang="en-US"/>
           </a:p>
@@ -1900,7 +1901,7 @@
           <a:p>
             <a:fld id="{D7459EC4-46D0-4235-966A-71B255B3CB73}" type="datetime1">
               <a:rPr lang="zh-TW" altLang="en-US" smtClean="0"/>
-              <a:t>2019/6/4</a:t>
+              <a:t>2019/6/5</a:t>
             </a:fld>
             <a:endParaRPr lang="zh-TW" altLang="en-US"/>
           </a:p>
@@ -2072,7 +2073,7 @@
           <a:p>
             <a:fld id="{281829BA-3D8B-4CB8-8FD0-75A1BF38F160}" type="datetime1">
               <a:rPr lang="zh-TW" altLang="en-US" smtClean="0"/>
-              <a:t>2019/6/4</a:t>
+              <a:t>2019/6/5</a:t>
             </a:fld>
             <a:endParaRPr lang="zh-TW" altLang="en-US"/>
           </a:p>
@@ -2321,7 +2322,7 @@
           <a:p>
             <a:fld id="{05C3E2C0-7826-4062-A1D4-8B782CBBECBF}" type="datetime1">
               <a:rPr lang="zh-TW" altLang="en-US" smtClean="0"/>
-              <a:t>2019/6/4</a:t>
+              <a:t>2019/6/5</a:t>
             </a:fld>
             <a:endParaRPr lang="zh-TW" altLang="en-US"/>
           </a:p>
@@ -2554,7 +2555,7 @@
           <a:p>
             <a:fld id="{28BDC242-2F3F-4F02-A487-4894DFEB855B}" type="datetime1">
               <a:rPr lang="zh-TW" altLang="en-US" smtClean="0"/>
-              <a:t>2019/6/4</a:t>
+              <a:t>2019/6/5</a:t>
             </a:fld>
             <a:endParaRPr lang="zh-TW" altLang="en-US"/>
           </a:p>
@@ -2922,7 +2923,7 @@
           <a:p>
             <a:fld id="{68BCB3D7-7306-4806-82D3-F6F756568903}" type="datetime1">
               <a:rPr lang="zh-TW" altLang="en-US" smtClean="0"/>
-              <a:t>2019/6/4</a:t>
+              <a:t>2019/6/5</a:t>
             </a:fld>
             <a:endParaRPr lang="zh-TW" altLang="en-US"/>
           </a:p>
@@ -3043,7 +3044,7 @@
           <a:p>
             <a:fld id="{EC27F1C5-ACF3-42FB-95B9-62BEECAFEC03}" type="datetime1">
               <a:rPr lang="zh-TW" altLang="en-US" smtClean="0"/>
-              <a:t>2019/6/4</a:t>
+              <a:t>2019/6/5</a:t>
             </a:fld>
             <a:endParaRPr lang="zh-TW" altLang="en-US"/>
           </a:p>
@@ -3142,7 +3143,7 @@
           <a:p>
             <a:fld id="{B16E3A49-74FE-451B-8448-829F1F46DA70}" type="datetime1">
               <a:rPr lang="zh-TW" altLang="en-US" smtClean="0"/>
-              <a:t>2019/6/4</a:t>
+              <a:t>2019/6/5</a:t>
             </a:fld>
             <a:endParaRPr lang="zh-TW" altLang="en-US"/>
           </a:p>
@@ -3421,7 +3422,7 @@
           <a:p>
             <a:fld id="{B6E84B2B-1A5F-4F5B-A402-1348B775D722}" type="datetime1">
               <a:rPr lang="zh-TW" altLang="en-US" smtClean="0"/>
-              <a:t>2019/6/4</a:t>
+              <a:t>2019/6/5</a:t>
             </a:fld>
             <a:endParaRPr lang="zh-TW" altLang="en-US"/>
           </a:p>
@@ -3677,7 +3678,7 @@
           <a:p>
             <a:fld id="{E91665FE-3CC9-4EFD-905E-62831CD148E1}" type="datetime1">
               <a:rPr lang="zh-TW" altLang="en-US" smtClean="0"/>
-              <a:t>2019/6/4</a:t>
+              <a:t>2019/6/5</a:t>
             </a:fld>
             <a:endParaRPr lang="zh-TW" altLang="en-US"/>
           </a:p>
@@ -3892,7 +3893,7 @@
           <a:p>
             <a:fld id="{95902349-7EC9-4BCF-AEF7-B2BB50E13ECC}" type="datetime1">
               <a:rPr lang="zh-TW" altLang="en-US" smtClean="0"/>
-              <a:t>2019/6/4</a:t>
+              <a:t>2019/6/5</a:t>
             </a:fld>
             <a:endParaRPr lang="zh-TW" altLang="en-US"/>
           </a:p>
@@ -5132,7 +5133,7 @@
           <p:cNvPr id="23" name="文字方塊 21">
             <a:extLst>
               <a:ext uri="{FF2B5EF4-FFF2-40B4-BE49-F238E27FC236}">
-                <a16:creationId xmlns="" xmlns:a16="http://schemas.microsoft.com/office/drawing/2014/main" id="{3D9B36AE-58AD-4057-9A2E-208528ED6C65}"/>
+                <a16:creationId xmlns:a16="http://schemas.microsoft.com/office/drawing/2014/main" id="{3D9B36AE-58AD-4057-9A2E-208528ED6C65}"/>
               </a:ext>
             </a:extLst>
           </p:cNvPr>
@@ -5322,7 +5323,7 @@
           <p:cNvPr id="24" name="Picture 23">
             <a:extLst>
               <a:ext uri="{FF2B5EF4-FFF2-40B4-BE49-F238E27FC236}">
-                <a16:creationId xmlns="" xmlns:a16="http://schemas.microsoft.com/office/drawing/2014/main" id="{20762925-80B8-4714-8FA3-6D5F436302D1}"/>
+                <a16:creationId xmlns:a16="http://schemas.microsoft.com/office/drawing/2014/main" id="{20762925-80B8-4714-8FA3-6D5F436302D1}"/>
               </a:ext>
             </a:extLst>
           </p:cNvPr>
@@ -5377,7 +5378,7 @@
           <p:cNvPr id="25" name="文字方塊 20">
             <a:extLst>
               <a:ext uri="{FF2B5EF4-FFF2-40B4-BE49-F238E27FC236}">
-                <a16:creationId xmlns="" xmlns:a16="http://schemas.microsoft.com/office/drawing/2014/main" id="{B406FC50-9BD0-44E0-868E-A9C003F3010A}"/>
+                <a16:creationId xmlns:a16="http://schemas.microsoft.com/office/drawing/2014/main" id="{B406FC50-9BD0-44E0-868E-A9C003F3010A}"/>
               </a:ext>
             </a:extLst>
           </p:cNvPr>
@@ -5423,7 +5424,7 @@
           <p:cNvPr id="3" name="Picture 2">
             <a:extLst>
               <a:ext uri="{FF2B5EF4-FFF2-40B4-BE49-F238E27FC236}">
-                <a16:creationId xmlns="" xmlns:a16="http://schemas.microsoft.com/office/drawing/2014/main" id="{E0098788-F88C-498B-B9AE-0596277B0F25}"/>
+                <a16:creationId xmlns:a16="http://schemas.microsoft.com/office/drawing/2014/main" id="{E0098788-F88C-498B-B9AE-0596277B0F25}"/>
               </a:ext>
             </a:extLst>
           </p:cNvPr>
@@ -6674,8 +6675,8 @@
         </p:nvSpPr>
         <p:spPr>
           <a:xfrm>
-            <a:off x="1699377" y="1006459"/>
-            <a:ext cx="582211" cy="307777"/>
+            <a:off x="1699377" y="993207"/>
+            <a:ext cx="1476686" cy="307777"/>
           </a:xfrm>
           <a:prstGeom prst="rect">
             <a:avLst/>
@@ -6689,13 +6690,13 @@
           <a:lstStyle/>
           <a:p>
             <a:r>
-              <a:rPr lang="en-US" altLang="zh-TW" sz="1400" dirty="0">
-                <a:solidFill>
-                  <a:schemeClr val="bg1"/>
-                </a:solidFill>
-                <a:latin typeface="Consolas" panose="020B0609020204030204" pitchFamily="49" charset="0"/>
-              </a:rPr>
-              <a:t>next</a:t>
+              <a:rPr lang="en-US" altLang="zh-TW" sz="1400" dirty="0" err="1">
+                <a:solidFill>
+                  <a:schemeClr val="bg1"/>
+                </a:solidFill>
+                <a:latin typeface="Consolas" panose="020B0609020204030204" pitchFamily="49" charset="0"/>
+              </a:rPr>
+              <a:t>In_the_Future</a:t>
             </a:r>
             <a:endParaRPr lang="zh-TW" altLang="en-US" sz="1400" b="1" dirty="0">
               <a:solidFill>
@@ -6715,7 +6716,7 @@
         </p:nvSpPr>
         <p:spPr>
           <a:xfrm>
-            <a:off x="2108645" y="936634"/>
+            <a:off x="3049537" y="949886"/>
             <a:ext cx="311304" cy="369332"/>
           </a:xfrm>
           <a:prstGeom prst="rect">
@@ -6819,12 +6820,1389 @@
           </a:p>
         </p:txBody>
       </p:sp>
+      <p:sp>
+        <p:nvSpPr>
+          <p:cNvPr id="12" name="文字方塊 11"/>
+          <p:cNvSpPr txBox="1"/>
+          <p:nvPr/>
+        </p:nvSpPr>
+        <p:spPr>
+          <a:xfrm>
+            <a:off x="675861" y="1692653"/>
+            <a:ext cx="8640417" cy="3416320"/>
+          </a:xfrm>
+          <a:prstGeom prst="rect">
+            <a:avLst/>
+          </a:prstGeom>
+          <a:noFill/>
+        </p:spPr>
+        <p:txBody>
+          <a:bodyPr wrap="square" rtlCol="0">
+            <a:spAutoFit/>
+          </a:bodyPr>
+          <a:lstStyle/>
+          <a:p>
+            <a:r>
+              <a:rPr lang="zh-TW" altLang="en-US" sz="2400" dirty="0">
+                <a:solidFill>
+                  <a:schemeClr val="bg1"/>
+                </a:solidFill>
+                <a:latin typeface="Consolas" panose="020B0609020204030204" pitchFamily="49" charset="0"/>
+                <a:ea typeface="Microsoft JhengHei UI Light" panose="020B0304030504040204" pitchFamily="34" charset="-120"/>
+              </a:rPr>
+              <a:t>碼農天堂，為了讓吸引夠多程式大神加入這個社群，在未來我們希望它成為一個有獎勵制度的網站，讓大神們在幫助別人的同時也可以透過獎勵還得到額外的權限，例如：</a:t>
+            </a:r>
+            <a:r>
+              <a:rPr lang="en-US" altLang="zh-TW" sz="2400" dirty="0">
+                <a:solidFill>
+                  <a:schemeClr val="bg1"/>
+                </a:solidFill>
+                <a:latin typeface="Consolas" panose="020B0609020204030204" pitchFamily="49" charset="0"/>
+                <a:ea typeface="Microsoft JhengHei UI Light" panose="020B0304030504040204" pitchFamily="34" charset="-120"/>
+              </a:rPr>
+              <a:t>VIP.</a:t>
+            </a:r>
+            <a:r>
+              <a:rPr lang="zh-TW" altLang="en-US" sz="2400" dirty="0">
+                <a:solidFill>
+                  <a:schemeClr val="bg1"/>
+                </a:solidFill>
+                <a:latin typeface="Consolas" panose="020B0609020204030204" pitchFamily="49" charset="0"/>
+                <a:ea typeface="Microsoft JhengHei UI Light" panose="020B0304030504040204" pitchFamily="34" charset="-120"/>
+              </a:rPr>
+              <a:t>專屬資源分享區</a:t>
+            </a:r>
+            <a:r>
+              <a:rPr lang="en-US" altLang="zh-TW" sz="2400" dirty="0">
+                <a:solidFill>
+                  <a:schemeClr val="bg1"/>
+                </a:solidFill>
+                <a:latin typeface="Consolas" panose="020B0609020204030204" pitchFamily="49" charset="0"/>
+                <a:ea typeface="Microsoft JhengHei UI Light" panose="020B0304030504040204" pitchFamily="34" charset="-120"/>
+              </a:rPr>
+              <a:t>…</a:t>
+            </a:r>
+            <a:r>
+              <a:rPr lang="zh-TW" altLang="en-US" sz="2400" dirty="0">
+                <a:solidFill>
+                  <a:schemeClr val="bg1"/>
+                </a:solidFill>
+                <a:latin typeface="Consolas" panose="020B0609020204030204" pitchFamily="49" charset="0"/>
+                <a:ea typeface="Microsoft JhengHei UI Light" panose="020B0304030504040204" pitchFamily="34" charset="-120"/>
+              </a:rPr>
+              <a:t>等，另外我們還會新增文章排序功能，使用這可選擇我們預設好的幾種排序方式來找到他想要搜尋的文章或問題</a:t>
+            </a:r>
+            <a:endParaRPr lang="en-US" altLang="zh-TW" sz="2400" dirty="0">
+              <a:solidFill>
+                <a:schemeClr val="bg1"/>
+              </a:solidFill>
+              <a:latin typeface="Consolas" panose="020B0609020204030204" pitchFamily="49" charset="0"/>
+              <a:ea typeface="Microsoft JhengHei UI Light" panose="020B0304030504040204" pitchFamily="34" charset="-120"/>
+            </a:endParaRPr>
+          </a:p>
+          <a:p>
+            <a:endParaRPr lang="en-US" altLang="zh-TW" sz="2400" dirty="0">
+              <a:solidFill>
+                <a:schemeClr val="bg1"/>
+              </a:solidFill>
+              <a:latin typeface="Consolas" panose="020B0609020204030204" pitchFamily="49" charset="0"/>
+              <a:ea typeface="Microsoft JhengHei UI Light" panose="020B0304030504040204" pitchFamily="34" charset="-120"/>
+            </a:endParaRPr>
+          </a:p>
+          <a:p>
+            <a:r>
+              <a:rPr lang="zh-TW" altLang="en-US" sz="2400" dirty="0">
+                <a:solidFill>
+                  <a:schemeClr val="bg1"/>
+                </a:solidFill>
+                <a:latin typeface="Consolas" panose="020B0609020204030204" pitchFamily="49" charset="0"/>
+                <a:ea typeface="Microsoft JhengHei UI Light" panose="020B0304030504040204" pitchFamily="34" charset="-120"/>
+              </a:rPr>
+              <a:t>如果你是大神，我們期待你的加入，讓更多程式新手遇到問題時可以迎刃而解；相反的，如果你是新手，別害羞，來這邊找答案就對啦</a:t>
+            </a:r>
+            <a:r>
+              <a:rPr lang="en-US" altLang="zh-TW" sz="2400" dirty="0">
+                <a:solidFill>
+                  <a:schemeClr val="bg1"/>
+                </a:solidFill>
+                <a:latin typeface="Consolas" panose="020B0609020204030204" pitchFamily="49" charset="0"/>
+                <a:ea typeface="Microsoft JhengHei UI Light" panose="020B0304030504040204" pitchFamily="34" charset="-120"/>
+              </a:rPr>
+              <a:t>!!!</a:t>
+            </a:r>
+          </a:p>
+        </p:txBody>
+      </p:sp>
+      <p:sp>
+        <p:nvSpPr>
+          <p:cNvPr id="23" name="文字方塊 20">
+            <a:extLst>
+              <a:ext uri="{FF2B5EF4-FFF2-40B4-BE49-F238E27FC236}">
+                <a16:creationId xmlns:a16="http://schemas.microsoft.com/office/drawing/2014/main" id="{4A52D2E5-6117-4902-9AC4-728FF7B5C906}"/>
+              </a:ext>
+            </a:extLst>
+          </p:cNvPr>
+          <p:cNvSpPr txBox="1"/>
+          <p:nvPr/>
+        </p:nvSpPr>
+        <p:spPr>
+          <a:xfrm>
+            <a:off x="63687" y="5270158"/>
+            <a:ext cx="482824" cy="307777"/>
+          </a:xfrm>
+          <a:prstGeom prst="rect">
+            <a:avLst/>
+          </a:prstGeom>
+          <a:noFill/>
+        </p:spPr>
+        <p:txBody>
+          <a:bodyPr wrap="none" rtlCol="0">
+            <a:spAutoFit/>
+          </a:bodyPr>
+          <a:lstStyle/>
+          <a:p>
+            <a:r>
+              <a:rPr lang="en-US" altLang="zh-TW" sz="1400" dirty="0">
+                <a:solidFill>
+                  <a:schemeClr val="bg1"/>
+                </a:solidFill>
+                <a:latin typeface="Consolas" panose="020B0609020204030204" pitchFamily="49" charset="0"/>
+              </a:rPr>
+              <a:t>&gt;&gt;&gt;</a:t>
+            </a:r>
+            <a:endParaRPr lang="zh-TW" altLang="en-US" sz="1400" dirty="0">
+              <a:solidFill>
+                <a:schemeClr val="bg1"/>
+              </a:solidFill>
+              <a:latin typeface="Consolas" panose="020B0609020204030204" pitchFamily="49" charset="0"/>
+            </a:endParaRPr>
+          </a:p>
+        </p:txBody>
+      </p:sp>
+    </p:spTree>
+    <p:extLst>
+      <p:ext uri="{BB962C8B-B14F-4D97-AF65-F5344CB8AC3E}">
+        <p14:creationId xmlns:p14="http://schemas.microsoft.com/office/powerpoint/2010/main" val="1358517420"/>
+      </p:ext>
+    </p:extLst>
+  </p:cSld>
+  <p:clrMapOvr>
+    <a:masterClrMapping/>
+  </p:clrMapOvr>
+  <mc:AlternateContent xmlns:mc="http://schemas.openxmlformats.org/markup-compatibility/2006" xmlns:p14="http://schemas.microsoft.com/office/powerpoint/2010/main">
+    <mc:Choice Requires="p14">
+      <p:transition spd="med" p14:dur="700">
+        <p:fade/>
+      </p:transition>
+    </mc:Choice>
+    <mc:Fallback xmlns="">
+      <p:transition spd="med">
+        <p:fade/>
+      </p:transition>
+    </mc:Fallback>
+  </mc:AlternateContent>
+  <p:timing>
+    <p:tnLst>
+      <p:par>
+        <p:cTn id="1" dur="indefinite" restart="never" nodeType="tmRoot">
+          <p:childTnLst>
+            <p:seq concurrent="1" nextAc="seek">
+              <p:cTn id="2" dur="indefinite" nodeType="mainSeq">
+                <p:childTnLst>
+                  <p:par>
+                    <p:cTn id="3" fill="hold">
+                      <p:stCondLst>
+                        <p:cond delay="indefinite"/>
+                        <p:cond evt="onBegin" delay="0">
+                          <p:tn val="2"/>
+                        </p:cond>
+                      </p:stCondLst>
+                      <p:childTnLst>
+                        <p:par>
+                          <p:cTn id="4" fill="hold">
+                            <p:stCondLst>
+                              <p:cond delay="0"/>
+                            </p:stCondLst>
+                            <p:childTnLst>
+                              <p:par>
+                                <p:cTn id="5" presetID="10" presetClass="entr" presetSubtype="0" repeatCount="2000" fill="hold" grpId="0" nodeType="afterEffect">
+                                  <p:stCondLst>
+                                    <p:cond delay="0"/>
+                                  </p:stCondLst>
+                                  <p:childTnLst>
+                                    <p:set>
+                                      <p:cBhvr>
+                                        <p:cTn id="6" dur="1" fill="hold">
+                                          <p:stCondLst>
+                                            <p:cond delay="0"/>
+                                          </p:stCondLst>
+                                        </p:cTn>
+                                        <p:tgtEl>
+                                          <p:spTgt spid="13"/>
+                                        </p:tgtEl>
+                                        <p:attrNameLst>
+                                          <p:attrName>style.visibility</p:attrName>
+                                        </p:attrNameLst>
+                                      </p:cBhvr>
+                                      <p:to>
+                                        <p:strVal val="visible"/>
+                                      </p:to>
+                                    </p:set>
+                                    <p:animEffect transition="in" filter="fade">
+                                      <p:cBhvr>
+                                        <p:cTn id="7" dur="500"/>
+                                        <p:tgtEl>
+                                          <p:spTgt spid="13"/>
+                                        </p:tgtEl>
+                                      </p:cBhvr>
+                                    </p:animEffect>
+                                  </p:childTnLst>
+                                </p:cTn>
+                              </p:par>
+                            </p:childTnLst>
+                          </p:cTn>
+                        </p:par>
+                        <p:par>
+                          <p:cTn id="8" fill="hold">
+                            <p:stCondLst>
+                              <p:cond delay="1000"/>
+                            </p:stCondLst>
+                            <p:childTnLst>
+                              <p:par>
+                                <p:cTn id="9" presetID="22" presetClass="entr" presetSubtype="8" fill="hold" grpId="0" nodeType="afterEffect">
+                                  <p:stCondLst>
+                                    <p:cond delay="0"/>
+                                  </p:stCondLst>
+                                  <p:childTnLst>
+                                    <p:set>
+                                      <p:cBhvr>
+                                        <p:cTn id="10" dur="1" fill="hold">
+                                          <p:stCondLst>
+                                            <p:cond delay="0"/>
+                                          </p:stCondLst>
+                                        </p:cTn>
+                                        <p:tgtEl>
+                                          <p:spTgt spid="19"/>
+                                        </p:tgtEl>
+                                        <p:attrNameLst>
+                                          <p:attrName>style.visibility</p:attrName>
+                                        </p:attrNameLst>
+                                      </p:cBhvr>
+                                      <p:to>
+                                        <p:strVal val="visible"/>
+                                      </p:to>
+                                    </p:set>
+                                    <p:animEffect transition="in" filter="wipe(left)">
+                                      <p:cBhvr>
+                                        <p:cTn id="11" dur="500"/>
+                                        <p:tgtEl>
+                                          <p:spTgt spid="19"/>
+                                        </p:tgtEl>
+                                      </p:cBhvr>
+                                    </p:animEffect>
+                                  </p:childTnLst>
+                                </p:cTn>
+                              </p:par>
+                              <p:par>
+                                <p:cTn id="12" presetID="1" presetClass="exit" presetSubtype="0" fill="hold" grpId="1" nodeType="withEffect">
+                                  <p:stCondLst>
+                                    <p:cond delay="0"/>
+                                  </p:stCondLst>
+                                  <p:childTnLst>
+                                    <p:set>
+                                      <p:cBhvr>
+                                        <p:cTn id="13" dur="1" fill="hold">
+                                          <p:stCondLst>
+                                            <p:cond delay="0"/>
+                                          </p:stCondLst>
+                                        </p:cTn>
+                                        <p:tgtEl>
+                                          <p:spTgt spid="13"/>
+                                        </p:tgtEl>
+                                        <p:attrNameLst>
+                                          <p:attrName>style.visibility</p:attrName>
+                                        </p:attrNameLst>
+                                      </p:cBhvr>
+                                      <p:to>
+                                        <p:strVal val="hidden"/>
+                                      </p:to>
+                                    </p:set>
+                                  </p:childTnLst>
+                                </p:cTn>
+                              </p:par>
+                            </p:childTnLst>
+                          </p:cTn>
+                        </p:par>
+                        <p:par>
+                          <p:cTn id="14" fill="hold">
+                            <p:stCondLst>
+                              <p:cond delay="1500"/>
+                            </p:stCondLst>
+                            <p:childTnLst>
+                              <p:par>
+                                <p:cTn id="15" presetID="10" presetClass="entr" presetSubtype="0" repeatCount="2000" fill="hold" grpId="0" nodeType="afterEffect">
+                                  <p:stCondLst>
+                                    <p:cond delay="0"/>
+                                  </p:stCondLst>
+                                  <p:childTnLst>
+                                    <p:set>
+                                      <p:cBhvr>
+                                        <p:cTn id="16" dur="1" fill="hold">
+                                          <p:stCondLst>
+                                            <p:cond delay="0"/>
+                                          </p:stCondLst>
+                                        </p:cTn>
+                                        <p:tgtEl>
+                                          <p:spTgt spid="20"/>
+                                        </p:tgtEl>
+                                        <p:attrNameLst>
+                                          <p:attrName>style.visibility</p:attrName>
+                                        </p:attrNameLst>
+                                      </p:cBhvr>
+                                      <p:to>
+                                        <p:strVal val="visible"/>
+                                      </p:to>
+                                    </p:set>
+                                    <p:animEffect transition="in" filter="fade">
+                                      <p:cBhvr>
+                                        <p:cTn id="17" dur="500"/>
+                                        <p:tgtEl>
+                                          <p:spTgt spid="20"/>
+                                        </p:tgtEl>
+                                      </p:cBhvr>
+                                    </p:animEffect>
+                                  </p:childTnLst>
+                                </p:cTn>
+                              </p:par>
+                            </p:childTnLst>
+                          </p:cTn>
+                        </p:par>
+                        <p:par>
+                          <p:cTn id="18" fill="hold">
+                            <p:stCondLst>
+                              <p:cond delay="2500"/>
+                            </p:stCondLst>
+                            <p:childTnLst>
+                              <p:par>
+                                <p:cTn id="19" presetID="1" presetClass="entr" presetSubtype="0" fill="hold" grpId="0" nodeType="afterEffect">
+                                  <p:stCondLst>
+                                    <p:cond delay="0"/>
+                                  </p:stCondLst>
+                                  <p:childTnLst>
+                                    <p:set>
+                                      <p:cBhvr>
+                                        <p:cTn id="20" dur="1" fill="hold">
+                                          <p:stCondLst>
+                                            <p:cond delay="0"/>
+                                          </p:stCondLst>
+                                        </p:cTn>
+                                        <p:tgtEl>
+                                          <p:spTgt spid="21"/>
+                                        </p:tgtEl>
+                                        <p:attrNameLst>
+                                          <p:attrName>style.visibility</p:attrName>
+                                        </p:attrNameLst>
+                                      </p:cBhvr>
+                                      <p:to>
+                                        <p:strVal val="visible"/>
+                                      </p:to>
+                                    </p:set>
+                                  </p:childTnLst>
+                                </p:cTn>
+                              </p:par>
+                              <p:par>
+                                <p:cTn id="21" presetID="1" presetClass="exit" presetSubtype="0" fill="hold" grpId="1" nodeType="withEffect">
+                                  <p:stCondLst>
+                                    <p:cond delay="0"/>
+                                  </p:stCondLst>
+                                  <p:childTnLst>
+                                    <p:set>
+                                      <p:cBhvr>
+                                        <p:cTn id="22" dur="1" fill="hold">
+                                          <p:stCondLst>
+                                            <p:cond delay="0"/>
+                                          </p:stCondLst>
+                                        </p:cTn>
+                                        <p:tgtEl>
+                                          <p:spTgt spid="20"/>
+                                        </p:tgtEl>
+                                        <p:attrNameLst>
+                                          <p:attrName>style.visibility</p:attrName>
+                                        </p:attrNameLst>
+                                      </p:cBhvr>
+                                      <p:to>
+                                        <p:strVal val="hidden"/>
+                                      </p:to>
+                                    </p:set>
+                                  </p:childTnLst>
+                                </p:cTn>
+                              </p:par>
+                            </p:childTnLst>
+                          </p:cTn>
+                        </p:par>
+                        <p:par>
+                          <p:cTn id="23" fill="hold">
+                            <p:stCondLst>
+                              <p:cond delay="2500"/>
+                            </p:stCondLst>
+                            <p:childTnLst>
+                              <p:par>
+                                <p:cTn id="24" presetID="22" presetClass="entr" presetSubtype="8" fill="hold" grpId="0" nodeType="afterEffect">
+                                  <p:stCondLst>
+                                    <p:cond delay="0"/>
+                                  </p:stCondLst>
+                                  <p:childTnLst>
+                                    <p:set>
+                                      <p:cBhvr>
+                                        <p:cTn id="25" dur="1" fill="hold">
+                                          <p:stCondLst>
+                                            <p:cond delay="0"/>
+                                          </p:stCondLst>
+                                        </p:cTn>
+                                        <p:tgtEl>
+                                          <p:spTgt spid="12"/>
+                                        </p:tgtEl>
+                                        <p:attrNameLst>
+                                          <p:attrName>style.visibility</p:attrName>
+                                        </p:attrNameLst>
+                                      </p:cBhvr>
+                                      <p:to>
+                                        <p:strVal val="visible"/>
+                                      </p:to>
+                                    </p:set>
+                                    <p:animEffect transition="in" filter="wipe(left)">
+                                      <p:cBhvr>
+                                        <p:cTn id="26" dur="500"/>
+                                        <p:tgtEl>
+                                          <p:spTgt spid="12"/>
+                                        </p:tgtEl>
+                                      </p:cBhvr>
+                                    </p:animEffect>
+                                  </p:childTnLst>
+                                </p:cTn>
+                              </p:par>
+                            </p:childTnLst>
+                          </p:cTn>
+                        </p:par>
+                        <p:par>
+                          <p:cTn id="27" fill="hold">
+                            <p:stCondLst>
+                              <p:cond delay="3000"/>
+                            </p:stCondLst>
+                            <p:childTnLst>
+                              <p:par>
+                                <p:cTn id="28" presetID="1" presetClass="entr" presetSubtype="0" fill="hold" grpId="0" nodeType="afterEffect">
+                                  <p:stCondLst>
+                                    <p:cond delay="0"/>
+                                  </p:stCondLst>
+                                  <p:childTnLst>
+                                    <p:set>
+                                      <p:cBhvr>
+                                        <p:cTn id="29" dur="1" fill="hold">
+                                          <p:stCondLst>
+                                            <p:cond delay="0"/>
+                                          </p:stCondLst>
+                                        </p:cTn>
+                                        <p:tgtEl>
+                                          <p:spTgt spid="23"/>
+                                        </p:tgtEl>
+                                        <p:attrNameLst>
+                                          <p:attrName>style.visibility</p:attrName>
+                                        </p:attrNameLst>
+                                      </p:cBhvr>
+                                      <p:to>
+                                        <p:strVal val="visible"/>
+                                      </p:to>
+                                    </p:set>
+                                  </p:childTnLst>
+                                </p:cTn>
+                              </p:par>
+                            </p:childTnLst>
+                          </p:cTn>
+                        </p:par>
+                      </p:childTnLst>
+                    </p:cTn>
+                  </p:par>
+                </p:childTnLst>
+              </p:cTn>
+              <p:prevCondLst>
+                <p:cond evt="onPrev" delay="0">
+                  <p:tgtEl>
+                    <p:sldTgt/>
+                  </p:tgtEl>
+                </p:cond>
+              </p:prevCondLst>
+              <p:nextCondLst>
+                <p:cond evt="onNext" delay="0">
+                  <p:tgtEl>
+                    <p:sldTgt/>
+                  </p:tgtEl>
+                </p:cond>
+              </p:nextCondLst>
+            </p:seq>
+          </p:childTnLst>
+        </p:cTn>
+      </p:par>
+    </p:tnLst>
+    <p:bldLst>
+      <p:bldP spid="13" grpId="0"/>
+      <p:bldP spid="13" grpId="1"/>
+      <p:bldP spid="19" grpId="0"/>
+      <p:bldP spid="20" grpId="0"/>
+      <p:bldP spid="20" grpId="1"/>
+      <p:bldP spid="21" grpId="0"/>
+      <p:bldP spid="12" grpId="0"/>
+      <p:bldP spid="23" grpId="0"/>
+    </p:bldLst>
+  </p:timing>
+</p:sld>
+</file>
+
+<file path=ppt/slides/slide11.xml><?xml version="1.0" encoding="utf-8"?>
+<p:sld xmlns:a="http://schemas.openxmlformats.org/drawingml/2006/main" xmlns:r="http://schemas.openxmlformats.org/officeDocument/2006/relationships" xmlns:p="http://schemas.openxmlformats.org/presentationml/2006/main">
+  <p:cSld>
+    <p:spTree>
+      <p:nvGrpSpPr>
+        <p:cNvPr id="1" name=""/>
+        <p:cNvGrpSpPr/>
+        <p:nvPr/>
+      </p:nvGrpSpPr>
+      <p:grpSpPr>
+        <a:xfrm>
+          <a:off x="0" y="0"/>
+          <a:ext cx="0" cy="0"/>
+          <a:chOff x="0" y="0"/>
+          <a:chExt cx="0" cy="0"/>
+        </a:xfrm>
+      </p:grpSpPr>
+      <p:sp>
+        <p:nvSpPr>
+          <p:cNvPr id="4" name="矩形 3"/>
+          <p:cNvSpPr/>
+          <p:nvPr/>
+        </p:nvSpPr>
+        <p:spPr>
+          <a:xfrm>
+            <a:off x="7563" y="16552"/>
+            <a:ext cx="12192000" cy="6858000"/>
+          </a:xfrm>
+          <a:prstGeom prst="rect">
+            <a:avLst/>
+          </a:prstGeom>
+          <a:solidFill>
+            <a:schemeClr val="tx1">
+              <a:lumMod val="85000"/>
+              <a:lumOff val="15000"/>
+            </a:schemeClr>
+          </a:solidFill>
+          <a:ln>
+            <a:noFill/>
+          </a:ln>
+        </p:spPr>
+        <p:style>
+          <a:lnRef idx="2">
+            <a:schemeClr val="accent1">
+              <a:shade val="50000"/>
+            </a:schemeClr>
+          </a:lnRef>
+          <a:fillRef idx="1">
+            <a:schemeClr val="accent1"/>
+          </a:fillRef>
+          <a:effectRef idx="0">
+            <a:schemeClr val="accent1"/>
+          </a:effectRef>
+          <a:fontRef idx="minor">
+            <a:schemeClr val="lt1"/>
+          </a:fontRef>
+        </p:style>
+        <p:txBody>
+          <a:bodyPr rtlCol="0" anchor="ctr"/>
+          <a:lstStyle/>
+          <a:p>
+            <a:pPr algn="ctr"/>
+            <a:endParaRPr lang="zh-TW" altLang="en-US" dirty="0"/>
+          </a:p>
+        </p:txBody>
+      </p:sp>
+      <p:sp>
+        <p:nvSpPr>
+          <p:cNvPr id="5" name="矩形 4"/>
+          <p:cNvSpPr/>
+          <p:nvPr/>
+        </p:nvSpPr>
+        <p:spPr>
+          <a:xfrm>
+            <a:off x="0" y="0"/>
+            <a:ext cx="12192000" cy="369277"/>
+          </a:xfrm>
+          <a:prstGeom prst="rect">
+            <a:avLst/>
+          </a:prstGeom>
+          <a:solidFill>
+            <a:schemeClr val="bg1"/>
+          </a:solidFill>
+          <a:ln>
+            <a:noFill/>
+          </a:ln>
+        </p:spPr>
+        <p:style>
+          <a:lnRef idx="2">
+            <a:schemeClr val="accent1">
+              <a:shade val="50000"/>
+            </a:schemeClr>
+          </a:lnRef>
+          <a:fillRef idx="1">
+            <a:schemeClr val="accent1"/>
+          </a:fillRef>
+          <a:effectRef idx="0">
+            <a:schemeClr val="accent1"/>
+          </a:effectRef>
+          <a:fontRef idx="minor">
+            <a:schemeClr val="lt1"/>
+          </a:fontRef>
+        </p:style>
+        <p:txBody>
+          <a:bodyPr rtlCol="0" anchor="ctr"/>
+          <a:lstStyle/>
+          <a:p>
+            <a:pPr algn="ctr"/>
+            <a:endParaRPr lang="zh-TW" altLang="en-US"/>
+          </a:p>
+        </p:txBody>
+      </p:sp>
+      <p:sp>
+        <p:nvSpPr>
+          <p:cNvPr id="6" name="文字方塊 5"/>
+          <p:cNvSpPr txBox="1"/>
+          <p:nvPr/>
+        </p:nvSpPr>
+        <p:spPr>
+          <a:xfrm>
+            <a:off x="123092" y="61527"/>
+            <a:ext cx="396262" cy="246221"/>
+          </a:xfrm>
+          <a:prstGeom prst="rect">
+            <a:avLst/>
+          </a:prstGeom>
+          <a:solidFill>
+            <a:schemeClr val="tx1">
+              <a:lumMod val="85000"/>
+              <a:lumOff val="15000"/>
+            </a:schemeClr>
+          </a:solidFill>
+          <a:ln w="28575">
+            <a:solidFill>
+              <a:schemeClr val="bg1">
+                <a:lumMod val="65000"/>
+              </a:schemeClr>
+            </a:solidFill>
+          </a:ln>
+        </p:spPr>
+        <p:txBody>
+          <a:bodyPr wrap="none" rtlCol="0">
+            <a:spAutoFit/>
+          </a:bodyPr>
+          <a:lstStyle/>
+          <a:p>
+            <a:r>
+              <a:rPr lang="en-US" altLang="zh-TW" sz="1000" dirty="0">
+                <a:solidFill>
+                  <a:schemeClr val="bg1"/>
+                </a:solidFill>
+                <a:latin typeface="Consolas" panose="020B0609020204030204" pitchFamily="49" charset="0"/>
+              </a:rPr>
+              <a:t>CPP</a:t>
+            </a:r>
+            <a:endParaRPr lang="zh-TW" altLang="en-US" sz="1000" dirty="0">
+              <a:solidFill>
+                <a:schemeClr val="bg1"/>
+              </a:solidFill>
+              <a:latin typeface="Consolas" panose="020B0609020204030204" pitchFamily="49" charset="0"/>
+            </a:endParaRPr>
+          </a:p>
+        </p:txBody>
+      </p:sp>
+      <p:sp>
+        <p:nvSpPr>
+          <p:cNvPr id="7" name="文字方塊 6"/>
+          <p:cNvSpPr txBox="1"/>
+          <p:nvPr/>
+        </p:nvSpPr>
+        <p:spPr>
+          <a:xfrm>
+            <a:off x="525718" y="46137"/>
+            <a:ext cx="4198585" cy="276999"/>
+          </a:xfrm>
+          <a:prstGeom prst="rect">
+            <a:avLst/>
+          </a:prstGeom>
+          <a:noFill/>
+        </p:spPr>
+        <p:txBody>
+          <a:bodyPr wrap="none" rtlCol="0">
+            <a:spAutoFit/>
+          </a:bodyPr>
+          <a:lstStyle/>
+          <a:p>
+            <a:r>
+              <a:rPr lang="en-US" altLang="zh-TW" sz="1200" b="1" dirty="0">
+                <a:solidFill>
+                  <a:schemeClr val="tx1">
+                    <a:lumMod val="85000"/>
+                    <a:lumOff val="15000"/>
+                  </a:schemeClr>
+                </a:solidFill>
+                <a:latin typeface="Consolas" panose="020B0609020204030204" pitchFamily="49" charset="0"/>
+              </a:rPr>
+              <a:t>C:\NTUST\WebpagesDevelopment\Team05\</a:t>
+            </a:r>
+            <a:r>
+              <a:rPr lang="zh-TW" altLang="en-US" sz="1200" b="1" dirty="0">
+                <a:solidFill>
+                  <a:schemeClr val="tx1">
+                    <a:lumMod val="85000"/>
+                    <a:lumOff val="15000"/>
+                  </a:schemeClr>
+                </a:solidFill>
+                <a:latin typeface="Microsoft JhengHei UI Light" panose="020B0304030504040204" pitchFamily="34" charset="-120"/>
+                <a:ea typeface="Microsoft JhengHei UI Light" panose="020B0304030504040204" pitchFamily="34" charset="-120"/>
+              </a:rPr>
+              <a:t>碼農天堂</a:t>
+            </a:r>
+            <a:r>
+              <a:rPr lang="en-US" altLang="zh-TW" sz="1200" b="1" dirty="0">
+                <a:solidFill>
+                  <a:schemeClr val="tx1">
+                    <a:lumMod val="85000"/>
+                    <a:lumOff val="15000"/>
+                  </a:schemeClr>
+                </a:solidFill>
+                <a:latin typeface="Consolas" panose="020B0609020204030204" pitchFamily="49" charset="0"/>
+              </a:rPr>
+              <a:t>.exe</a:t>
+            </a:r>
+            <a:endParaRPr lang="zh-TW" altLang="en-US" sz="1200" b="1" dirty="0">
+              <a:solidFill>
+                <a:schemeClr val="tx1">
+                  <a:lumMod val="85000"/>
+                  <a:lumOff val="15000"/>
+                </a:schemeClr>
+              </a:solidFill>
+              <a:latin typeface="Consolas" panose="020B0609020204030204" pitchFamily="49" charset="0"/>
+            </a:endParaRPr>
+          </a:p>
+        </p:txBody>
+      </p:sp>
+      <p:sp>
+        <p:nvSpPr>
+          <p:cNvPr id="8" name="文字方塊 7"/>
+          <p:cNvSpPr txBox="1"/>
+          <p:nvPr/>
+        </p:nvSpPr>
+        <p:spPr>
+          <a:xfrm>
+            <a:off x="10598497" y="15389"/>
+            <a:ext cx="415498" cy="369332"/>
+          </a:xfrm>
+          <a:prstGeom prst="rect">
+            <a:avLst/>
+          </a:prstGeom>
+          <a:noFill/>
+        </p:spPr>
+        <p:txBody>
+          <a:bodyPr wrap="none" rtlCol="0">
+            <a:spAutoFit/>
+          </a:bodyPr>
+          <a:lstStyle/>
+          <a:p>
+            <a:r>
+              <a:rPr lang="zh-TW" altLang="en-US" b="1" dirty="0">
+                <a:solidFill>
+                  <a:schemeClr val="tx1">
+                    <a:lumMod val="85000"/>
+                    <a:lumOff val="15000"/>
+                  </a:schemeClr>
+                </a:solidFill>
+                <a:latin typeface="Consolas" panose="020B0609020204030204" pitchFamily="49" charset="0"/>
+              </a:rPr>
+              <a:t>☺</a:t>
+            </a:r>
+          </a:p>
+        </p:txBody>
+      </p:sp>
+      <p:sp>
+        <p:nvSpPr>
+          <p:cNvPr id="9" name="文字方塊 8"/>
+          <p:cNvSpPr txBox="1"/>
+          <p:nvPr/>
+        </p:nvSpPr>
+        <p:spPr>
+          <a:xfrm>
+            <a:off x="11151953" y="15389"/>
+            <a:ext cx="415498" cy="369332"/>
+          </a:xfrm>
+          <a:prstGeom prst="rect">
+            <a:avLst/>
+          </a:prstGeom>
+          <a:noFill/>
+        </p:spPr>
+        <p:txBody>
+          <a:bodyPr wrap="none" rtlCol="0">
+            <a:spAutoFit/>
+          </a:bodyPr>
+          <a:lstStyle/>
+          <a:p>
+            <a:r>
+              <a:rPr lang="zh-TW" altLang="en-US" b="1" dirty="0">
+                <a:solidFill>
+                  <a:schemeClr val="tx1">
+                    <a:lumMod val="85000"/>
+                    <a:lumOff val="15000"/>
+                  </a:schemeClr>
+                </a:solidFill>
+                <a:latin typeface="Consolas" panose="020B0609020204030204" pitchFamily="49" charset="0"/>
+              </a:rPr>
+              <a:t>☹</a:t>
+            </a:r>
+          </a:p>
+        </p:txBody>
+      </p:sp>
+      <p:sp>
+        <p:nvSpPr>
+          <p:cNvPr id="10" name="文字方塊 9"/>
+          <p:cNvSpPr txBox="1"/>
+          <p:nvPr/>
+        </p:nvSpPr>
+        <p:spPr>
+          <a:xfrm>
+            <a:off x="11705409" y="0"/>
+            <a:ext cx="441146" cy="400110"/>
+          </a:xfrm>
+          <a:prstGeom prst="rect">
+            <a:avLst/>
+          </a:prstGeom>
+          <a:noFill/>
+        </p:spPr>
+        <p:txBody>
+          <a:bodyPr wrap="none" rtlCol="0">
+            <a:spAutoFit/>
+          </a:bodyPr>
+          <a:lstStyle/>
+          <a:p>
+            <a:r>
+              <a:rPr lang="zh-TW" altLang="en-US" sz="2000" dirty="0"/>
+              <a:t>☻</a:t>
+            </a:r>
+          </a:p>
+        </p:txBody>
+      </p:sp>
+      <p:sp>
+        <p:nvSpPr>
+          <p:cNvPr id="11" name="文字方塊 10"/>
+          <p:cNvSpPr txBox="1"/>
+          <p:nvPr/>
+        </p:nvSpPr>
+        <p:spPr>
+          <a:xfrm>
+            <a:off x="0" y="369273"/>
+            <a:ext cx="4259499" cy="954107"/>
+          </a:xfrm>
+          <a:prstGeom prst="rect">
+            <a:avLst/>
+          </a:prstGeom>
+          <a:noFill/>
+        </p:spPr>
+        <p:txBody>
+          <a:bodyPr wrap="none" rtlCol="0">
+            <a:spAutoFit/>
+          </a:bodyPr>
+          <a:lstStyle/>
+          <a:p>
+            <a:r>
+              <a:rPr lang="en-US" altLang="zh-TW" sz="1400" dirty="0">
+                <a:solidFill>
+                  <a:schemeClr val="bg1"/>
+                </a:solidFill>
+                <a:latin typeface="Consolas" panose="020B0609020204030204" pitchFamily="49" charset="0"/>
+              </a:rPr>
+              <a:t>Webpages Development</a:t>
+            </a:r>
+            <a:r>
+              <a:rPr lang="zh-TW" altLang="en-US" sz="1400" dirty="0">
+                <a:solidFill>
+                  <a:schemeClr val="bg1"/>
+                </a:solidFill>
+                <a:latin typeface="Consolas" panose="020B0609020204030204" pitchFamily="49" charset="0"/>
+              </a:rPr>
+              <a:t> </a:t>
+            </a:r>
+            <a:r>
+              <a:rPr lang="en-US" altLang="zh-TW" sz="1400" dirty="0">
+                <a:solidFill>
+                  <a:schemeClr val="bg1"/>
+                </a:solidFill>
+                <a:latin typeface="Consolas" panose="020B0609020204030204" pitchFamily="49" charset="0"/>
+              </a:rPr>
+              <a:t>[Version 2019.04.19]</a:t>
+            </a:r>
+          </a:p>
+          <a:p>
+            <a:r>
+              <a:rPr lang="en-US" altLang="zh-TW" sz="1400" dirty="0">
+                <a:solidFill>
+                  <a:schemeClr val="bg1"/>
+                </a:solidFill>
+                <a:latin typeface="Consolas" panose="020B0609020204030204" pitchFamily="49" charset="0"/>
+              </a:rPr>
+              <a:t>(c) 2019 NTUST</a:t>
+            </a:r>
+          </a:p>
+          <a:p>
+            <a:endParaRPr lang="en-US" altLang="zh-TW" sz="1400" dirty="0">
+              <a:solidFill>
+                <a:schemeClr val="bg1"/>
+              </a:solidFill>
+              <a:latin typeface="Consolas" panose="020B0609020204030204" pitchFamily="49" charset="0"/>
+            </a:endParaRPr>
+          </a:p>
+          <a:p>
+            <a:r>
+              <a:rPr lang="en-US" altLang="zh-TW" sz="1400" dirty="0">
+                <a:solidFill>
+                  <a:schemeClr val="bg1"/>
+                </a:solidFill>
+                <a:latin typeface="Consolas" panose="020B0609020204030204" pitchFamily="49" charset="0"/>
+              </a:rPr>
+              <a:t>C:\Users\student&gt;</a:t>
+            </a:r>
+            <a:endParaRPr lang="zh-TW" altLang="en-US" sz="1400" dirty="0">
+              <a:solidFill>
+                <a:schemeClr val="bg1"/>
+              </a:solidFill>
+              <a:latin typeface="Consolas" panose="020B0609020204030204" pitchFamily="49" charset="0"/>
+            </a:endParaRPr>
+          </a:p>
+        </p:txBody>
+      </p:sp>
+      <p:sp>
+        <p:nvSpPr>
+          <p:cNvPr id="13" name="文字方塊 12"/>
+          <p:cNvSpPr txBox="1"/>
+          <p:nvPr/>
+        </p:nvSpPr>
+        <p:spPr>
+          <a:xfrm>
+            <a:off x="1699377" y="954048"/>
+            <a:ext cx="311304" cy="369332"/>
+          </a:xfrm>
+          <a:prstGeom prst="rect">
+            <a:avLst/>
+          </a:prstGeom>
+          <a:noFill/>
+        </p:spPr>
+        <p:txBody>
+          <a:bodyPr wrap="none" rtlCol="0">
+            <a:spAutoFit/>
+          </a:bodyPr>
+          <a:lstStyle/>
+          <a:p>
+            <a:r>
+              <a:rPr lang="en-US" altLang="zh-TW" b="1" dirty="0">
+                <a:solidFill>
+                  <a:schemeClr val="bg1"/>
+                </a:solidFill>
+                <a:latin typeface="Consolas" panose="020B0609020204030204" pitchFamily="49" charset="0"/>
+              </a:rPr>
+              <a:t>_</a:t>
+            </a:r>
+            <a:endParaRPr lang="zh-TW" altLang="en-US" b="1" dirty="0">
+              <a:solidFill>
+                <a:schemeClr val="bg1"/>
+              </a:solidFill>
+              <a:latin typeface="Consolas" panose="020B0609020204030204" pitchFamily="49" charset="0"/>
+            </a:endParaRPr>
+          </a:p>
+        </p:txBody>
+      </p:sp>
+      <p:sp>
+        <p:nvSpPr>
+          <p:cNvPr id="14" name="矩形 13"/>
+          <p:cNvSpPr/>
+          <p:nvPr/>
+        </p:nvSpPr>
+        <p:spPr>
+          <a:xfrm>
+            <a:off x="11925982" y="369273"/>
+            <a:ext cx="266018" cy="6488727"/>
+          </a:xfrm>
+          <a:prstGeom prst="rect">
+            <a:avLst/>
+          </a:prstGeom>
+          <a:solidFill>
+            <a:schemeClr val="bg1">
+              <a:lumMod val="95000"/>
+            </a:schemeClr>
+          </a:solidFill>
+          <a:ln>
+            <a:noFill/>
+          </a:ln>
+        </p:spPr>
+        <p:style>
+          <a:lnRef idx="2">
+            <a:schemeClr val="accent1">
+              <a:shade val="50000"/>
+            </a:schemeClr>
+          </a:lnRef>
+          <a:fillRef idx="1">
+            <a:schemeClr val="accent1"/>
+          </a:fillRef>
+          <a:effectRef idx="0">
+            <a:schemeClr val="accent1"/>
+          </a:effectRef>
+          <a:fontRef idx="minor">
+            <a:schemeClr val="lt1"/>
+          </a:fontRef>
+        </p:style>
+        <p:txBody>
+          <a:bodyPr rtlCol="0" anchor="ctr"/>
+          <a:lstStyle/>
+          <a:p>
+            <a:pPr algn="ctr"/>
+            <a:endParaRPr lang="zh-TW" altLang="en-US"/>
+          </a:p>
+        </p:txBody>
+      </p:sp>
+      <p:sp>
+        <p:nvSpPr>
+          <p:cNvPr id="16" name="矩形 15"/>
+          <p:cNvSpPr/>
+          <p:nvPr/>
+        </p:nvSpPr>
+        <p:spPr>
+          <a:xfrm>
+            <a:off x="11925982" y="369273"/>
+            <a:ext cx="266018" cy="261663"/>
+          </a:xfrm>
+          <a:prstGeom prst="rect">
+            <a:avLst/>
+          </a:prstGeom>
+          <a:solidFill>
+            <a:schemeClr val="bg1">
+              <a:lumMod val="95000"/>
+            </a:schemeClr>
+          </a:solidFill>
+          <a:ln>
+            <a:noFill/>
+          </a:ln>
+        </p:spPr>
+        <p:style>
+          <a:lnRef idx="2">
+            <a:schemeClr val="accent1">
+              <a:shade val="50000"/>
+            </a:schemeClr>
+          </a:lnRef>
+          <a:fillRef idx="1">
+            <a:schemeClr val="accent1"/>
+          </a:fillRef>
+          <a:effectRef idx="0">
+            <a:schemeClr val="accent1"/>
+          </a:effectRef>
+          <a:fontRef idx="minor">
+            <a:schemeClr val="lt1"/>
+          </a:fontRef>
+        </p:style>
+        <p:txBody>
+          <a:bodyPr rtlCol="0" anchor="ctr"/>
+          <a:lstStyle/>
+          <a:p>
+            <a:pPr algn="ctr"/>
+            <a:r>
+              <a:rPr lang="zh-TW" altLang="en-US" sz="1400" dirty="0">
+                <a:solidFill>
+                  <a:schemeClr val="tx1">
+                    <a:lumMod val="85000"/>
+                    <a:lumOff val="15000"/>
+                  </a:schemeClr>
+                </a:solidFill>
+              </a:rPr>
+              <a:t>▲</a:t>
+            </a:r>
+          </a:p>
+        </p:txBody>
+      </p:sp>
+      <p:sp>
+        <p:nvSpPr>
+          <p:cNvPr id="17" name="矩形 16"/>
+          <p:cNvSpPr/>
+          <p:nvPr/>
+        </p:nvSpPr>
+        <p:spPr>
+          <a:xfrm>
+            <a:off x="11925982" y="6578047"/>
+            <a:ext cx="266018" cy="261663"/>
+          </a:xfrm>
+          <a:prstGeom prst="rect">
+            <a:avLst/>
+          </a:prstGeom>
+          <a:solidFill>
+            <a:schemeClr val="bg1">
+              <a:lumMod val="95000"/>
+            </a:schemeClr>
+          </a:solidFill>
+          <a:ln>
+            <a:noFill/>
+          </a:ln>
+        </p:spPr>
+        <p:style>
+          <a:lnRef idx="2">
+            <a:schemeClr val="accent1">
+              <a:shade val="50000"/>
+            </a:schemeClr>
+          </a:lnRef>
+          <a:fillRef idx="1">
+            <a:schemeClr val="accent1"/>
+          </a:fillRef>
+          <a:effectRef idx="0">
+            <a:schemeClr val="accent1"/>
+          </a:effectRef>
+          <a:fontRef idx="minor">
+            <a:schemeClr val="lt1"/>
+          </a:fontRef>
+        </p:style>
+        <p:txBody>
+          <a:bodyPr rtlCol="0" anchor="ctr"/>
+          <a:lstStyle/>
+          <a:p>
+            <a:pPr algn="ctr"/>
+            <a:r>
+              <a:rPr lang="zh-TW" altLang="en-US" sz="1400" dirty="0">
+                <a:solidFill>
+                  <a:schemeClr val="tx1">
+                    <a:lumMod val="85000"/>
+                    <a:lumOff val="15000"/>
+                  </a:schemeClr>
+                </a:solidFill>
+              </a:rPr>
+              <a:t>▼</a:t>
+            </a:r>
+            <a:endParaRPr lang="zh-TW" altLang="en-US" sz="1100" dirty="0">
+              <a:solidFill>
+                <a:schemeClr val="tx1">
+                  <a:lumMod val="85000"/>
+                  <a:lumOff val="15000"/>
+                </a:schemeClr>
+              </a:solidFill>
+            </a:endParaRPr>
+          </a:p>
+        </p:txBody>
+      </p:sp>
+      <p:sp>
+        <p:nvSpPr>
+          <p:cNvPr id="18" name="矩形 17"/>
+          <p:cNvSpPr/>
+          <p:nvPr/>
+        </p:nvSpPr>
+        <p:spPr>
+          <a:xfrm>
+            <a:off x="11925982" y="630936"/>
+            <a:ext cx="266018" cy="507778"/>
+          </a:xfrm>
+          <a:prstGeom prst="rect">
+            <a:avLst/>
+          </a:prstGeom>
+          <a:solidFill>
+            <a:schemeClr val="bg1">
+              <a:lumMod val="75000"/>
+            </a:schemeClr>
+          </a:solidFill>
+          <a:ln>
+            <a:noFill/>
+          </a:ln>
+        </p:spPr>
+        <p:style>
+          <a:lnRef idx="2">
+            <a:schemeClr val="accent1">
+              <a:shade val="50000"/>
+            </a:schemeClr>
+          </a:lnRef>
+          <a:fillRef idx="1">
+            <a:schemeClr val="accent1"/>
+          </a:fillRef>
+          <a:effectRef idx="0">
+            <a:schemeClr val="accent1"/>
+          </a:effectRef>
+          <a:fontRef idx="minor">
+            <a:schemeClr val="lt1"/>
+          </a:fontRef>
+        </p:style>
+        <p:txBody>
+          <a:bodyPr rtlCol="0" anchor="ctr"/>
+          <a:lstStyle/>
+          <a:p>
+            <a:pPr algn="ctr"/>
+            <a:endParaRPr lang="zh-TW" altLang="en-US"/>
+          </a:p>
+        </p:txBody>
+      </p:sp>
+      <p:sp>
+        <p:nvSpPr>
+          <p:cNvPr id="19" name="文字方塊 18"/>
+          <p:cNvSpPr txBox="1"/>
+          <p:nvPr/>
+        </p:nvSpPr>
+        <p:spPr>
+          <a:xfrm>
+            <a:off x="1699377" y="1006459"/>
+            <a:ext cx="582211" cy="307777"/>
+          </a:xfrm>
+          <a:prstGeom prst="rect">
+            <a:avLst/>
+          </a:prstGeom>
+          <a:noFill/>
+        </p:spPr>
+        <p:txBody>
+          <a:bodyPr wrap="none" rtlCol="0">
+            <a:spAutoFit/>
+          </a:bodyPr>
+          <a:lstStyle/>
+          <a:p>
+            <a:r>
+              <a:rPr lang="en-US" altLang="zh-TW" sz="1400" dirty="0">
+                <a:solidFill>
+                  <a:schemeClr val="bg1"/>
+                </a:solidFill>
+                <a:latin typeface="Consolas" panose="020B0609020204030204" pitchFamily="49" charset="0"/>
+              </a:rPr>
+              <a:t>next</a:t>
+            </a:r>
+            <a:endParaRPr lang="zh-TW" altLang="en-US" sz="1400" b="1" dirty="0">
+              <a:solidFill>
+                <a:schemeClr val="bg1"/>
+              </a:solidFill>
+              <a:latin typeface="Microsoft JhengHei UI Light" panose="020B0304030504040204" pitchFamily="34" charset="-120"/>
+              <a:ea typeface="Microsoft JhengHei UI Light" panose="020B0304030504040204" pitchFamily="34" charset="-120"/>
+            </a:endParaRPr>
+          </a:p>
+        </p:txBody>
+      </p:sp>
+      <p:sp>
+        <p:nvSpPr>
+          <p:cNvPr id="20" name="文字方塊 19"/>
+          <p:cNvSpPr txBox="1"/>
+          <p:nvPr/>
+        </p:nvSpPr>
+        <p:spPr>
+          <a:xfrm>
+            <a:off x="2108645" y="936634"/>
+            <a:ext cx="311304" cy="369332"/>
+          </a:xfrm>
+          <a:prstGeom prst="rect">
+            <a:avLst/>
+          </a:prstGeom>
+          <a:noFill/>
+        </p:spPr>
+        <p:txBody>
+          <a:bodyPr wrap="none" rtlCol="0">
+            <a:spAutoFit/>
+          </a:bodyPr>
+          <a:lstStyle/>
+          <a:p>
+            <a:r>
+              <a:rPr lang="en-US" altLang="zh-TW" b="1" dirty="0">
+                <a:solidFill>
+                  <a:schemeClr val="bg1"/>
+                </a:solidFill>
+                <a:latin typeface="Consolas" panose="020B0609020204030204" pitchFamily="49" charset="0"/>
+              </a:rPr>
+              <a:t>_</a:t>
+            </a:r>
+            <a:endParaRPr lang="zh-TW" altLang="en-US" b="1" dirty="0">
+              <a:solidFill>
+                <a:schemeClr val="bg1"/>
+              </a:solidFill>
+              <a:latin typeface="Consolas" panose="020B0609020204030204" pitchFamily="49" charset="0"/>
+            </a:endParaRPr>
+          </a:p>
+        </p:txBody>
+      </p:sp>
+      <p:sp>
+        <p:nvSpPr>
+          <p:cNvPr id="21" name="文字方塊 20"/>
+          <p:cNvSpPr txBox="1"/>
+          <p:nvPr/>
+        </p:nvSpPr>
+        <p:spPr>
+          <a:xfrm>
+            <a:off x="0" y="1221872"/>
+            <a:ext cx="482824" cy="307777"/>
+          </a:xfrm>
+          <a:prstGeom prst="rect">
+            <a:avLst/>
+          </a:prstGeom>
+          <a:noFill/>
+        </p:spPr>
+        <p:txBody>
+          <a:bodyPr wrap="none" rtlCol="0">
+            <a:spAutoFit/>
+          </a:bodyPr>
+          <a:lstStyle/>
+          <a:p>
+            <a:r>
+              <a:rPr lang="en-US" altLang="zh-TW" sz="1400" dirty="0">
+                <a:solidFill>
+                  <a:schemeClr val="bg1"/>
+                </a:solidFill>
+                <a:latin typeface="Consolas" panose="020B0609020204030204" pitchFamily="49" charset="0"/>
+              </a:rPr>
+              <a:t>&gt;&gt;&gt;</a:t>
+            </a:r>
+            <a:endParaRPr lang="zh-TW" altLang="en-US" sz="1400" dirty="0">
+              <a:solidFill>
+                <a:schemeClr val="bg1"/>
+              </a:solidFill>
+              <a:latin typeface="Consolas" panose="020B0609020204030204" pitchFamily="49" charset="0"/>
+            </a:endParaRPr>
+          </a:p>
+        </p:txBody>
+      </p:sp>
+      <p:sp>
+        <p:nvSpPr>
+          <p:cNvPr id="22" name="文字方塊 21"/>
+          <p:cNvSpPr txBox="1"/>
+          <p:nvPr/>
+        </p:nvSpPr>
+        <p:spPr>
+          <a:xfrm>
+            <a:off x="123092" y="1692653"/>
+            <a:ext cx="184731" cy="830997"/>
+          </a:xfrm>
+          <a:prstGeom prst="rect">
+            <a:avLst/>
+          </a:prstGeom>
+          <a:noFill/>
+        </p:spPr>
+        <p:txBody>
+          <a:bodyPr wrap="none" rtlCol="0">
+            <a:spAutoFit/>
+          </a:bodyPr>
+          <a:lstStyle/>
+          <a:p>
+            <a:endParaRPr lang="zh-TW" altLang="en-US" sz="4800" b="1" dirty="0">
+              <a:solidFill>
+                <a:schemeClr val="bg1"/>
+              </a:solidFill>
+              <a:latin typeface="Microsoft JhengHei UI Light" panose="020B0304030504040204" pitchFamily="34" charset="-120"/>
+              <a:ea typeface="Microsoft JhengHei UI Light" panose="020B0304030504040204" pitchFamily="34" charset="-120"/>
+            </a:endParaRPr>
+          </a:p>
+        </p:txBody>
+      </p:sp>
       <p:pic>
         <p:nvPicPr>
           <p:cNvPr id="2" name="圖片 1">
             <a:extLst>
               <a:ext uri="{FF2B5EF4-FFF2-40B4-BE49-F238E27FC236}">
-                <a16:creationId xmlns="" xmlns:a16="http://schemas.microsoft.com/office/drawing/2014/main" id="{E8B22EB0-87D9-4736-A052-C95EBDD10AB4}"/>
+                <a16:creationId xmlns:a16="http://schemas.microsoft.com/office/drawing/2014/main" id="{E8B22EB0-87D9-4736-A052-C95EBDD10AB4}"/>
               </a:ext>
             </a:extLst>
           </p:cNvPr>
@@ -7201,7 +8579,7 @@
 </p:sld>
 </file>
 
-<file path=ppt/slides/slide11.xml><?xml version="1.0" encoding="utf-8"?>
+<file path=ppt/slides/slide12.xml><?xml version="1.0" encoding="utf-8"?>
 <p:sld xmlns:a="http://schemas.openxmlformats.org/drawingml/2006/main" xmlns:r="http://schemas.openxmlformats.org/officeDocument/2006/relationships" xmlns:p="http://schemas.openxmlformats.org/presentationml/2006/main">
   <p:cSld>
     <p:spTree>
@@ -7223,7 +8601,7 @@
           <p:cNvPr id="22" name="矩形 3">
             <a:extLst>
               <a:ext uri="{FF2B5EF4-FFF2-40B4-BE49-F238E27FC236}">
-                <a16:creationId xmlns="" xmlns:a16="http://schemas.microsoft.com/office/drawing/2014/main" id="{AC167845-82AC-4B39-8198-B9E73F081CCD}"/>
+                <a16:creationId xmlns:a16="http://schemas.microsoft.com/office/drawing/2014/main" id="{AC167845-82AC-4B39-8198-B9E73F081CCD}"/>
               </a:ext>
             </a:extLst>
           </p:cNvPr>
@@ -7282,7 +8660,7 @@
           <p:cNvPr id="23" name="矩形 4">
             <a:extLst>
               <a:ext uri="{FF2B5EF4-FFF2-40B4-BE49-F238E27FC236}">
-                <a16:creationId xmlns="" xmlns:a16="http://schemas.microsoft.com/office/drawing/2014/main" id="{BFF19E05-7F0B-4D53-80A0-D5568C6C5E7E}"/>
+                <a16:creationId xmlns:a16="http://schemas.microsoft.com/office/drawing/2014/main" id="{BFF19E05-7F0B-4D53-80A0-D5568C6C5E7E}"/>
               </a:ext>
             </a:extLst>
           </p:cNvPr>
@@ -7334,7 +8712,7 @@
           <p:cNvPr id="24" name="文字方塊 5">
             <a:extLst>
               <a:ext uri="{FF2B5EF4-FFF2-40B4-BE49-F238E27FC236}">
-                <a16:creationId xmlns="" xmlns:a16="http://schemas.microsoft.com/office/drawing/2014/main" id="{345E91AF-1F31-4DE1-ABCD-8C0326089302}"/>
+                <a16:creationId xmlns:a16="http://schemas.microsoft.com/office/drawing/2014/main" id="{345E91AF-1F31-4DE1-ABCD-8C0326089302}"/>
               </a:ext>
             </a:extLst>
           </p:cNvPr>
@@ -7392,7 +8770,7 @@
           <p:cNvPr id="25" name="文字方塊 6">
             <a:extLst>
               <a:ext uri="{FF2B5EF4-FFF2-40B4-BE49-F238E27FC236}">
-                <a16:creationId xmlns="" xmlns:a16="http://schemas.microsoft.com/office/drawing/2014/main" id="{AFA5128D-FDC6-49CF-B065-490ED7618382}"/>
+                <a16:creationId xmlns:a16="http://schemas.microsoft.com/office/drawing/2014/main" id="{AFA5128D-FDC6-49CF-B065-490ED7618382}"/>
               </a:ext>
             </a:extLst>
           </p:cNvPr>
@@ -7469,7 +8847,7 @@
           <p:cNvPr id="26" name="文字方塊 7">
             <a:extLst>
               <a:ext uri="{FF2B5EF4-FFF2-40B4-BE49-F238E27FC236}">
-                <a16:creationId xmlns="" xmlns:a16="http://schemas.microsoft.com/office/drawing/2014/main" id="{500E8BF5-A714-4F7E-B7D2-041B71BE2C03}"/>
+                <a16:creationId xmlns:a16="http://schemas.microsoft.com/office/drawing/2014/main" id="{500E8BF5-A714-4F7E-B7D2-041B71BE2C03}"/>
               </a:ext>
             </a:extLst>
           </p:cNvPr>
@@ -7512,7 +8890,7 @@
           <p:cNvPr id="27" name="文字方塊 8">
             <a:extLst>
               <a:ext uri="{FF2B5EF4-FFF2-40B4-BE49-F238E27FC236}">
-                <a16:creationId xmlns="" xmlns:a16="http://schemas.microsoft.com/office/drawing/2014/main" id="{FFE8DD17-A16E-4199-9B5D-237044F47F7E}"/>
+                <a16:creationId xmlns:a16="http://schemas.microsoft.com/office/drawing/2014/main" id="{FFE8DD17-A16E-4199-9B5D-237044F47F7E}"/>
               </a:ext>
             </a:extLst>
           </p:cNvPr>
@@ -7555,7 +8933,7 @@
           <p:cNvPr id="28" name="文字方塊 9">
             <a:extLst>
               <a:ext uri="{FF2B5EF4-FFF2-40B4-BE49-F238E27FC236}">
-                <a16:creationId xmlns="" xmlns:a16="http://schemas.microsoft.com/office/drawing/2014/main" id="{8EB946F6-2EEC-44AF-B2BF-2AA8B4F2CBC4}"/>
+                <a16:creationId xmlns:a16="http://schemas.microsoft.com/office/drawing/2014/main" id="{8EB946F6-2EEC-44AF-B2BF-2AA8B4F2CBC4}"/>
               </a:ext>
             </a:extLst>
           </p:cNvPr>
@@ -7590,7 +8968,7 @@
           <p:cNvPr id="29" name="文字方塊 10">
             <a:extLst>
               <a:ext uri="{FF2B5EF4-FFF2-40B4-BE49-F238E27FC236}">
-                <a16:creationId xmlns="" xmlns:a16="http://schemas.microsoft.com/office/drawing/2014/main" id="{582EF791-130E-440F-A226-EA7E4EB5AC28}"/>
+                <a16:creationId xmlns:a16="http://schemas.microsoft.com/office/drawing/2014/main" id="{582EF791-130E-440F-A226-EA7E4EB5AC28}"/>
               </a:ext>
             </a:extLst>
           </p:cNvPr>
@@ -7684,7 +9062,7 @@
           <p:cNvPr id="30" name="文字方塊 12">
             <a:extLst>
               <a:ext uri="{FF2B5EF4-FFF2-40B4-BE49-F238E27FC236}">
-                <a16:creationId xmlns="" xmlns:a16="http://schemas.microsoft.com/office/drawing/2014/main" id="{0B05D7D0-BAE6-4995-934B-E00CFFD98FA0}"/>
+                <a16:creationId xmlns:a16="http://schemas.microsoft.com/office/drawing/2014/main" id="{0B05D7D0-BAE6-4995-934B-E00CFFD98FA0}"/>
               </a:ext>
             </a:extLst>
           </p:cNvPr>
@@ -7730,7 +9108,7 @@
           <p:cNvPr id="31" name="矩形 13">
             <a:extLst>
               <a:ext uri="{FF2B5EF4-FFF2-40B4-BE49-F238E27FC236}">
-                <a16:creationId xmlns="" xmlns:a16="http://schemas.microsoft.com/office/drawing/2014/main" id="{C47076D3-12F2-455B-91A6-C3C4BA991D9D}"/>
+                <a16:creationId xmlns:a16="http://schemas.microsoft.com/office/drawing/2014/main" id="{C47076D3-12F2-455B-91A6-C3C4BA991D9D}"/>
               </a:ext>
             </a:extLst>
           </p:cNvPr>
@@ -7784,7 +9162,7 @@
           <p:cNvPr id="32" name="矩形 15">
             <a:extLst>
               <a:ext uri="{FF2B5EF4-FFF2-40B4-BE49-F238E27FC236}">
-                <a16:creationId xmlns="" xmlns:a16="http://schemas.microsoft.com/office/drawing/2014/main" id="{14A1C11C-261E-440B-8C29-2C2422867D77}"/>
+                <a16:creationId xmlns:a16="http://schemas.microsoft.com/office/drawing/2014/main" id="{14A1C11C-261E-440B-8C29-2C2422867D77}"/>
               </a:ext>
             </a:extLst>
           </p:cNvPr>
@@ -7848,7 +9226,7 @@
           <p:cNvPr id="33" name="矩形 16">
             <a:extLst>
               <a:ext uri="{FF2B5EF4-FFF2-40B4-BE49-F238E27FC236}">
-                <a16:creationId xmlns="" xmlns:a16="http://schemas.microsoft.com/office/drawing/2014/main" id="{1E099F5A-27A1-4829-80DF-E9BA27A29F6A}"/>
+                <a16:creationId xmlns:a16="http://schemas.microsoft.com/office/drawing/2014/main" id="{1E099F5A-27A1-4829-80DF-E9BA27A29F6A}"/>
               </a:ext>
             </a:extLst>
           </p:cNvPr>
@@ -7920,7 +9298,7 @@
           <p:cNvPr id="34" name="矩形 17">
             <a:extLst>
               <a:ext uri="{FF2B5EF4-FFF2-40B4-BE49-F238E27FC236}">
-                <a16:creationId xmlns="" xmlns:a16="http://schemas.microsoft.com/office/drawing/2014/main" id="{C2F7121F-64BF-4D27-90CA-E3A5761DB752}"/>
+                <a16:creationId xmlns:a16="http://schemas.microsoft.com/office/drawing/2014/main" id="{C2F7121F-64BF-4D27-90CA-E3A5761DB752}"/>
               </a:ext>
             </a:extLst>
           </p:cNvPr>
@@ -7974,7 +9352,7 @@
           <p:cNvPr id="35" name="文字方塊 18">
             <a:extLst>
               <a:ext uri="{FF2B5EF4-FFF2-40B4-BE49-F238E27FC236}">
-                <a16:creationId xmlns="" xmlns:a16="http://schemas.microsoft.com/office/drawing/2014/main" id="{1D29CB4A-5938-486A-9B69-1C4863EBF835}"/>
+                <a16:creationId xmlns:a16="http://schemas.microsoft.com/office/drawing/2014/main" id="{1D29CB4A-5938-486A-9B69-1C4863EBF835}"/>
               </a:ext>
             </a:extLst>
           </p:cNvPr>
@@ -8022,7 +9400,7 @@
           <p:cNvPr id="36" name="文字方塊 19">
             <a:extLst>
               <a:ext uri="{FF2B5EF4-FFF2-40B4-BE49-F238E27FC236}">
-                <a16:creationId xmlns="" xmlns:a16="http://schemas.microsoft.com/office/drawing/2014/main" id="{5D01598A-BC8E-452D-99D7-9A19476E2209}"/>
+                <a16:creationId xmlns:a16="http://schemas.microsoft.com/office/drawing/2014/main" id="{5D01598A-BC8E-452D-99D7-9A19476E2209}"/>
               </a:ext>
             </a:extLst>
           </p:cNvPr>
@@ -8068,7 +9446,7 @@
           <p:cNvPr id="37" name="文字方塊 20">
             <a:extLst>
               <a:ext uri="{FF2B5EF4-FFF2-40B4-BE49-F238E27FC236}">
-                <a16:creationId xmlns="" xmlns:a16="http://schemas.microsoft.com/office/drawing/2014/main" id="{710C7FF3-F020-484B-AE3E-C742E1A1ECA1}"/>
+                <a16:creationId xmlns:a16="http://schemas.microsoft.com/office/drawing/2014/main" id="{710C7FF3-F020-484B-AE3E-C742E1A1ECA1}"/>
               </a:ext>
             </a:extLst>
           </p:cNvPr>
@@ -8114,7 +9492,7 @@
           <p:cNvPr id="39" name="文字方塊 21">
             <a:extLst>
               <a:ext uri="{FF2B5EF4-FFF2-40B4-BE49-F238E27FC236}">
-                <a16:creationId xmlns="" xmlns:a16="http://schemas.microsoft.com/office/drawing/2014/main" id="{868EF06B-C63A-4856-A7C5-B77CB5CD2DD6}"/>
+                <a16:creationId xmlns:a16="http://schemas.microsoft.com/office/drawing/2014/main" id="{868EF06B-C63A-4856-A7C5-B77CB5CD2DD6}"/>
               </a:ext>
             </a:extLst>
           </p:cNvPr>
@@ -8225,19 +9603,9 @@
                 <a:latin typeface="Consolas" panose="020B0609020204030204" pitchFamily="49" charset="0"/>
                 <a:ea typeface="Microsoft JhengHei UI Light" panose="020B0304030504040204" pitchFamily="34" charset="-120"/>
               </a:rPr>
-              <a:t>前後端分別</a:t>
-            </a:r>
-            <a:r>
-              <a:rPr lang="zh-TW" altLang="en-US" sz="2000" dirty="0" smtClean="0">
-                <a:solidFill>
-                  <a:schemeClr val="bg1"/>
-                </a:solidFill>
-                <a:latin typeface="Consolas" panose="020B0609020204030204" pitchFamily="49" charset="0"/>
-                <a:ea typeface="Microsoft JhengHei UI Light" panose="020B0304030504040204" pitchFamily="34" charset="-120"/>
-              </a:rPr>
-              <a:t>開發完成</a:t>
-            </a:r>
-            <a:endParaRPr lang="en-GB" altLang="zh-TW" sz="2000" dirty="0" smtClean="0">
+              <a:t>前後端分別開發完成</a:t>
+            </a:r>
+            <a:endParaRPr lang="en-GB" altLang="zh-TW" sz="2000" dirty="0">
               <a:solidFill>
                 <a:schemeClr val="bg1"/>
               </a:solidFill>
@@ -8247,7 +9615,7 @@
           </a:p>
           <a:p>
             <a:r>
-              <a:rPr lang="en-GB" altLang="zh-TW" sz="2000" dirty="0" smtClean="0">
+              <a:rPr lang="en-GB" altLang="zh-TW" sz="2000" dirty="0">
                 <a:solidFill>
                   <a:schemeClr val="bg1"/>
                 </a:solidFill>
@@ -8257,7 +9625,7 @@
               <a:t>   2019/0</a:t>
             </a:r>
             <a:r>
-              <a:rPr lang="en-US" altLang="zh-TW" sz="2000" dirty="0" smtClean="0">
+              <a:rPr lang="en-US" altLang="zh-TW" sz="2000" dirty="0">
                 <a:solidFill>
                   <a:schemeClr val="bg1"/>
                 </a:solidFill>
@@ -8266,7 +9634,7 @@
               <a:t>3/12 </a:t>
             </a:r>
             <a:r>
-              <a:rPr lang="en-GB" altLang="zh-TW" sz="2000" dirty="0" smtClean="0">
+              <a:rPr lang="en-GB" altLang="zh-TW" sz="2000" dirty="0">
                 <a:solidFill>
                   <a:schemeClr val="bg1"/>
                 </a:solidFill>
@@ -8276,7 +9644,7 @@
               <a:t>	2019/0</a:t>
             </a:r>
             <a:r>
-              <a:rPr lang="en-US" altLang="zh-TW" sz="2000" dirty="0" smtClean="0">
+              <a:rPr lang="en-US" altLang="zh-TW" sz="2000" dirty="0">
                 <a:solidFill>
                   <a:schemeClr val="bg1"/>
                 </a:solidFill>
@@ -8285,7 +9653,7 @@
               <a:t>4/02 			</a:t>
             </a:r>
             <a:r>
-              <a:rPr lang="en-GB" altLang="zh-TW" sz="2000" dirty="0" smtClean="0">
+              <a:rPr lang="en-GB" altLang="zh-TW" sz="2000" dirty="0">
                 <a:solidFill>
                   <a:schemeClr val="bg1"/>
                 </a:solidFill>
@@ -8295,7 +9663,7 @@
               <a:t>2019/0</a:t>
             </a:r>
             <a:r>
-              <a:rPr lang="en-US" altLang="zh-TW" sz="2000" dirty="0" smtClean="0">
+              <a:rPr lang="en-US" altLang="zh-TW" sz="2000" dirty="0">
                 <a:solidFill>
                   <a:schemeClr val="bg1"/>
                 </a:solidFill>
@@ -8303,7 +9671,7 @@
               </a:rPr>
               <a:t>5/31 </a:t>
             </a:r>
-            <a:endParaRPr lang="en-GB" altLang="zh-TW" sz="2000" dirty="0" smtClean="0">
+            <a:endParaRPr lang="en-GB" altLang="zh-TW" sz="2000" dirty="0">
               <a:solidFill>
                 <a:schemeClr val="bg1"/>
               </a:solidFill>
@@ -8859,7 +10227,7 @@
 </p:sld>
 </file>
 
-<file path=ppt/slides/slide12.xml><?xml version="1.0" encoding="utf-8"?>
+<file path=ppt/slides/slide13.xml><?xml version="1.0" encoding="utf-8"?>
 <p:sld xmlns:a="http://schemas.openxmlformats.org/drawingml/2006/main" xmlns:r="http://schemas.openxmlformats.org/officeDocument/2006/relationships" xmlns:p="http://schemas.openxmlformats.org/presentationml/2006/main">
   <p:cSld>
     <p:spTree>
@@ -9703,7 +11071,7 @@
           <p:cNvPr id="3" name="圖片 2">
             <a:extLst>
               <a:ext uri="{FF2B5EF4-FFF2-40B4-BE49-F238E27FC236}">
-                <a16:creationId xmlns="" xmlns:a16="http://schemas.microsoft.com/office/drawing/2014/main" id="{480BF6C6-BC71-477D-B317-346FD878C65F}"/>
+                <a16:creationId xmlns:a16="http://schemas.microsoft.com/office/drawing/2014/main" id="{480BF6C6-BC71-477D-B317-346FD878C65F}"/>
               </a:ext>
             </a:extLst>
           </p:cNvPr>
@@ -10080,7 +11448,7 @@
 </p:sld>
 </file>
 
-<file path=ppt/slides/slide13.xml><?xml version="1.0" encoding="utf-8"?>
+<file path=ppt/slides/slide14.xml><?xml version="1.0" encoding="utf-8"?>
 <p:sld xmlns:a="http://schemas.openxmlformats.org/drawingml/2006/main" xmlns:r="http://schemas.openxmlformats.org/officeDocument/2006/relationships" xmlns:p="http://schemas.openxmlformats.org/presentationml/2006/main">
   <p:cSld>
     <p:spTree>
@@ -10102,7 +11470,7 @@
           <p:cNvPr id="22" name="矩形 3">
             <a:extLst>
               <a:ext uri="{FF2B5EF4-FFF2-40B4-BE49-F238E27FC236}">
-                <a16:creationId xmlns="" xmlns:a16="http://schemas.microsoft.com/office/drawing/2014/main" id="{AC167845-82AC-4B39-8198-B9E73F081CCD}"/>
+                <a16:creationId xmlns:a16="http://schemas.microsoft.com/office/drawing/2014/main" id="{AC167845-82AC-4B39-8198-B9E73F081CCD}"/>
               </a:ext>
             </a:extLst>
           </p:cNvPr>
@@ -10161,7 +11529,7 @@
           <p:cNvPr id="23" name="矩形 4">
             <a:extLst>
               <a:ext uri="{FF2B5EF4-FFF2-40B4-BE49-F238E27FC236}">
-                <a16:creationId xmlns="" xmlns:a16="http://schemas.microsoft.com/office/drawing/2014/main" id="{BFF19E05-7F0B-4D53-80A0-D5568C6C5E7E}"/>
+                <a16:creationId xmlns:a16="http://schemas.microsoft.com/office/drawing/2014/main" id="{BFF19E05-7F0B-4D53-80A0-D5568C6C5E7E}"/>
               </a:ext>
             </a:extLst>
           </p:cNvPr>
@@ -10213,7 +11581,7 @@
           <p:cNvPr id="24" name="文字方塊 5">
             <a:extLst>
               <a:ext uri="{FF2B5EF4-FFF2-40B4-BE49-F238E27FC236}">
-                <a16:creationId xmlns="" xmlns:a16="http://schemas.microsoft.com/office/drawing/2014/main" id="{345E91AF-1F31-4DE1-ABCD-8C0326089302}"/>
+                <a16:creationId xmlns:a16="http://schemas.microsoft.com/office/drawing/2014/main" id="{345E91AF-1F31-4DE1-ABCD-8C0326089302}"/>
               </a:ext>
             </a:extLst>
           </p:cNvPr>
@@ -10271,7 +11639,7 @@
           <p:cNvPr id="25" name="文字方塊 6">
             <a:extLst>
               <a:ext uri="{FF2B5EF4-FFF2-40B4-BE49-F238E27FC236}">
-                <a16:creationId xmlns="" xmlns:a16="http://schemas.microsoft.com/office/drawing/2014/main" id="{AFA5128D-FDC6-49CF-B065-490ED7618382}"/>
+                <a16:creationId xmlns:a16="http://schemas.microsoft.com/office/drawing/2014/main" id="{AFA5128D-FDC6-49CF-B065-490ED7618382}"/>
               </a:ext>
             </a:extLst>
           </p:cNvPr>
@@ -10348,7 +11716,7 @@
           <p:cNvPr id="26" name="文字方塊 7">
             <a:extLst>
               <a:ext uri="{FF2B5EF4-FFF2-40B4-BE49-F238E27FC236}">
-                <a16:creationId xmlns="" xmlns:a16="http://schemas.microsoft.com/office/drawing/2014/main" id="{500E8BF5-A714-4F7E-B7D2-041B71BE2C03}"/>
+                <a16:creationId xmlns:a16="http://schemas.microsoft.com/office/drawing/2014/main" id="{500E8BF5-A714-4F7E-B7D2-041B71BE2C03}"/>
               </a:ext>
             </a:extLst>
           </p:cNvPr>
@@ -10391,7 +11759,7 @@
           <p:cNvPr id="27" name="文字方塊 8">
             <a:extLst>
               <a:ext uri="{FF2B5EF4-FFF2-40B4-BE49-F238E27FC236}">
-                <a16:creationId xmlns="" xmlns:a16="http://schemas.microsoft.com/office/drawing/2014/main" id="{FFE8DD17-A16E-4199-9B5D-237044F47F7E}"/>
+                <a16:creationId xmlns:a16="http://schemas.microsoft.com/office/drawing/2014/main" id="{FFE8DD17-A16E-4199-9B5D-237044F47F7E}"/>
               </a:ext>
             </a:extLst>
           </p:cNvPr>
@@ -10434,7 +11802,7 @@
           <p:cNvPr id="28" name="文字方塊 9">
             <a:extLst>
               <a:ext uri="{FF2B5EF4-FFF2-40B4-BE49-F238E27FC236}">
-                <a16:creationId xmlns="" xmlns:a16="http://schemas.microsoft.com/office/drawing/2014/main" id="{8EB946F6-2EEC-44AF-B2BF-2AA8B4F2CBC4}"/>
+                <a16:creationId xmlns:a16="http://schemas.microsoft.com/office/drawing/2014/main" id="{8EB946F6-2EEC-44AF-B2BF-2AA8B4F2CBC4}"/>
               </a:ext>
             </a:extLst>
           </p:cNvPr>
@@ -10469,7 +11837,7 @@
           <p:cNvPr id="29" name="文字方塊 10">
             <a:extLst>
               <a:ext uri="{FF2B5EF4-FFF2-40B4-BE49-F238E27FC236}">
-                <a16:creationId xmlns="" xmlns:a16="http://schemas.microsoft.com/office/drawing/2014/main" id="{582EF791-130E-440F-A226-EA7E4EB5AC28}"/>
+                <a16:creationId xmlns:a16="http://schemas.microsoft.com/office/drawing/2014/main" id="{582EF791-130E-440F-A226-EA7E4EB5AC28}"/>
               </a:ext>
             </a:extLst>
           </p:cNvPr>
@@ -10563,7 +11931,7 @@
           <p:cNvPr id="30" name="文字方塊 12">
             <a:extLst>
               <a:ext uri="{FF2B5EF4-FFF2-40B4-BE49-F238E27FC236}">
-                <a16:creationId xmlns="" xmlns:a16="http://schemas.microsoft.com/office/drawing/2014/main" id="{0B05D7D0-BAE6-4995-934B-E00CFFD98FA0}"/>
+                <a16:creationId xmlns:a16="http://schemas.microsoft.com/office/drawing/2014/main" id="{0B05D7D0-BAE6-4995-934B-E00CFFD98FA0}"/>
               </a:ext>
             </a:extLst>
           </p:cNvPr>
@@ -10609,7 +11977,7 @@
           <p:cNvPr id="31" name="矩形 13">
             <a:extLst>
               <a:ext uri="{FF2B5EF4-FFF2-40B4-BE49-F238E27FC236}">
-                <a16:creationId xmlns="" xmlns:a16="http://schemas.microsoft.com/office/drawing/2014/main" id="{C47076D3-12F2-455B-91A6-C3C4BA991D9D}"/>
+                <a16:creationId xmlns:a16="http://schemas.microsoft.com/office/drawing/2014/main" id="{C47076D3-12F2-455B-91A6-C3C4BA991D9D}"/>
               </a:ext>
             </a:extLst>
           </p:cNvPr>
@@ -10663,7 +12031,7 @@
           <p:cNvPr id="32" name="矩形 15">
             <a:extLst>
               <a:ext uri="{FF2B5EF4-FFF2-40B4-BE49-F238E27FC236}">
-                <a16:creationId xmlns="" xmlns:a16="http://schemas.microsoft.com/office/drawing/2014/main" id="{14A1C11C-261E-440B-8C29-2C2422867D77}"/>
+                <a16:creationId xmlns:a16="http://schemas.microsoft.com/office/drawing/2014/main" id="{14A1C11C-261E-440B-8C29-2C2422867D77}"/>
               </a:ext>
             </a:extLst>
           </p:cNvPr>
@@ -10727,7 +12095,7 @@
           <p:cNvPr id="33" name="矩形 16">
             <a:extLst>
               <a:ext uri="{FF2B5EF4-FFF2-40B4-BE49-F238E27FC236}">
-                <a16:creationId xmlns="" xmlns:a16="http://schemas.microsoft.com/office/drawing/2014/main" id="{1E099F5A-27A1-4829-80DF-E9BA27A29F6A}"/>
+                <a16:creationId xmlns:a16="http://schemas.microsoft.com/office/drawing/2014/main" id="{1E099F5A-27A1-4829-80DF-E9BA27A29F6A}"/>
               </a:ext>
             </a:extLst>
           </p:cNvPr>
@@ -10799,7 +12167,7 @@
           <p:cNvPr id="34" name="矩形 17">
             <a:extLst>
               <a:ext uri="{FF2B5EF4-FFF2-40B4-BE49-F238E27FC236}">
-                <a16:creationId xmlns="" xmlns:a16="http://schemas.microsoft.com/office/drawing/2014/main" id="{C2F7121F-64BF-4D27-90CA-E3A5761DB752}"/>
+                <a16:creationId xmlns:a16="http://schemas.microsoft.com/office/drawing/2014/main" id="{C2F7121F-64BF-4D27-90CA-E3A5761DB752}"/>
               </a:ext>
             </a:extLst>
           </p:cNvPr>
@@ -10853,7 +12221,7 @@
           <p:cNvPr id="35" name="文字方塊 18">
             <a:extLst>
               <a:ext uri="{FF2B5EF4-FFF2-40B4-BE49-F238E27FC236}">
-                <a16:creationId xmlns="" xmlns:a16="http://schemas.microsoft.com/office/drawing/2014/main" id="{1D29CB4A-5938-486A-9B69-1C4863EBF835}"/>
+                <a16:creationId xmlns:a16="http://schemas.microsoft.com/office/drawing/2014/main" id="{1D29CB4A-5938-486A-9B69-1C4863EBF835}"/>
               </a:ext>
             </a:extLst>
           </p:cNvPr>
@@ -10877,7 +12245,7 @@
           <a:lstStyle/>
           <a:p>
             <a:r>
-              <a:rPr lang="en-GB" altLang="zh-TW" sz="1400" b="1" dirty="0" err="1" smtClean="0">
+              <a:rPr lang="en-GB" altLang="zh-TW" sz="1400" b="1" dirty="0" err="1">
                 <a:solidFill>
                   <a:schemeClr val="bg1"/>
                 </a:solidFill>
@@ -10887,7 +12255,7 @@
               <a:t>Division_of_work</a:t>
             </a:r>
             <a:r>
-              <a:rPr lang="zh-TW" altLang="en-US" sz="1400" b="1" dirty="0" smtClean="0">
+              <a:rPr lang="zh-TW" altLang="en-US" sz="1400" b="1" dirty="0">
                 <a:solidFill>
                   <a:schemeClr val="bg1"/>
                 </a:solidFill>
@@ -10897,7 +12265,7 @@
               <a:t> </a:t>
             </a:r>
             <a:r>
-              <a:rPr lang="en-US" altLang="zh-TW" sz="1400" b="1" dirty="0" smtClean="0">
+              <a:rPr lang="en-US" altLang="zh-TW" sz="1400" b="1" dirty="0">
                 <a:solidFill>
                   <a:schemeClr val="bg1"/>
                 </a:solidFill>
@@ -10907,7 +12275,7 @@
               <a:t>&amp;</a:t>
             </a:r>
             <a:r>
-              <a:rPr lang="zh-TW" altLang="en-US" sz="1400" b="1" dirty="0" smtClean="0">
+              <a:rPr lang="zh-TW" altLang="en-US" sz="1400" b="1" dirty="0">
                 <a:solidFill>
                   <a:schemeClr val="bg1"/>
                 </a:solidFill>
@@ -10917,7 +12285,7 @@
               <a:t> </a:t>
             </a:r>
             <a:r>
-              <a:rPr lang="en-US" altLang="zh-TW" sz="1400" b="1" dirty="0" err="1" smtClean="0">
+              <a:rPr lang="en-US" altLang="zh-TW" sz="1400" b="1" dirty="0" err="1">
                 <a:solidFill>
                   <a:schemeClr val="bg1"/>
                 </a:solidFill>
@@ -10941,7 +12309,7 @@
           <p:cNvPr id="36" name="文字方塊 19">
             <a:extLst>
               <a:ext uri="{FF2B5EF4-FFF2-40B4-BE49-F238E27FC236}">
-                <a16:creationId xmlns="" xmlns:a16="http://schemas.microsoft.com/office/drawing/2014/main" id="{5D01598A-BC8E-452D-99D7-9A19476E2209}"/>
+                <a16:creationId xmlns:a16="http://schemas.microsoft.com/office/drawing/2014/main" id="{5D01598A-BC8E-452D-99D7-9A19476E2209}"/>
               </a:ext>
             </a:extLst>
           </p:cNvPr>
@@ -10987,7 +12355,7 @@
           <p:cNvPr id="37" name="文字方塊 20">
             <a:extLst>
               <a:ext uri="{FF2B5EF4-FFF2-40B4-BE49-F238E27FC236}">
-                <a16:creationId xmlns="" xmlns:a16="http://schemas.microsoft.com/office/drawing/2014/main" id="{710C7FF3-F020-484B-AE3E-C742E1A1ECA1}"/>
+                <a16:creationId xmlns:a16="http://schemas.microsoft.com/office/drawing/2014/main" id="{710C7FF3-F020-484B-AE3E-C742E1A1ECA1}"/>
               </a:ext>
             </a:extLst>
           </p:cNvPr>
@@ -11033,7 +12401,7 @@
           <p:cNvPr id="39" name="文字方塊 21">
             <a:extLst>
               <a:ext uri="{FF2B5EF4-FFF2-40B4-BE49-F238E27FC236}">
-                <a16:creationId xmlns="" xmlns:a16="http://schemas.microsoft.com/office/drawing/2014/main" id="{868EF06B-C63A-4856-A7C5-B77CB5CD2DD6}"/>
+                <a16:creationId xmlns:a16="http://schemas.microsoft.com/office/drawing/2014/main" id="{868EF06B-C63A-4856-A7C5-B77CB5CD2DD6}"/>
               </a:ext>
             </a:extLst>
           </p:cNvPr>
@@ -11057,7 +12425,7 @@
           <a:lstStyle/>
           <a:p>
             <a:r>
-              <a:rPr lang="en-GB" altLang="zh-TW" sz="2000" dirty="0" smtClean="0">
+              <a:rPr lang="en-GB" altLang="zh-TW" sz="2000" dirty="0">
                 <a:solidFill>
                   <a:schemeClr val="bg1"/>
                 </a:solidFill>
@@ -11067,7 +12435,7 @@
               <a:t>--------------------------------------</a:t>
             </a:r>
             <a:r>
-              <a:rPr lang="en-US" altLang="zh-TW" sz="2000" dirty="0" smtClean="0">
+              <a:rPr lang="en-US" altLang="zh-TW" sz="2000" dirty="0">
                 <a:solidFill>
                   <a:schemeClr val="bg1"/>
                 </a:solidFill>
@@ -11146,7 +12514,7 @@
               <a:t>資料庫設計 </a:t>
             </a:r>
             <a:r>
-              <a:rPr lang="en-GB" altLang="zh-TW" sz="2000" dirty="0" smtClean="0">
+              <a:rPr lang="en-GB" altLang="zh-TW" sz="2000" dirty="0">
                 <a:solidFill>
                   <a:schemeClr val="bg1"/>
                 </a:solidFill>
@@ -11156,7 +12524,7 @@
               <a:t>|</a:t>
             </a:r>
             <a:r>
-              <a:rPr lang="zh-TW" altLang="en-US" sz="2000" dirty="0" smtClean="0">
+              <a:rPr lang="zh-TW" altLang="en-US" sz="2000" dirty="0">
                 <a:solidFill>
                   <a:schemeClr val="bg1"/>
                 </a:solidFill>
@@ -11166,7 +12534,7 @@
               <a:t>作品自評分           </a:t>
             </a:r>
             <a:r>
-              <a:rPr lang="en-US" altLang="zh-TW" sz="2000" dirty="0" smtClean="0">
+              <a:rPr lang="en-US" altLang="zh-TW" sz="2000" dirty="0">
                 <a:solidFill>
                   <a:schemeClr val="bg1"/>
                 </a:solidFill>
@@ -11185,7 +12553,7 @@
           </a:p>
           <a:p>
             <a:r>
-              <a:rPr lang="en-GB" altLang="zh-TW" sz="2000" dirty="0" smtClean="0">
+              <a:rPr lang="en-GB" altLang="zh-TW" sz="2000" dirty="0">
                 <a:solidFill>
                   <a:schemeClr val="bg1"/>
                 </a:solidFill>
@@ -11195,7 +12563,7 @@
               <a:t>|-------------------------------------</a:t>
             </a:r>
             <a:r>
-              <a:rPr lang="en-US" altLang="zh-TW" sz="2000" dirty="0" smtClean="0">
+              <a:rPr lang="en-US" altLang="zh-TW" sz="2000" dirty="0">
                 <a:solidFill>
                   <a:schemeClr val="bg1"/>
                 </a:solidFill>
@@ -11304,7 +12672,7 @@
               <a:t>資料庫設計</a:t>
             </a:r>
             <a:r>
-              <a:rPr lang="en-US" altLang="zh-TW" sz="2000" dirty="0" smtClean="0">
+              <a:rPr lang="en-US" altLang="zh-TW" sz="2000" dirty="0">
                 <a:solidFill>
                   <a:schemeClr val="bg1"/>
                 </a:solidFill>
@@ -11314,14 +12682,24 @@
               <a:t>|</a:t>
             </a:r>
             <a:r>
-              <a:rPr lang="zh-TW" altLang="en-US" sz="2000" dirty="0" smtClean="0">
+              <a:rPr lang="zh-TW" altLang="en-US" sz="2000" dirty="0">
                 <a:solidFill>
                   <a:schemeClr val="bg1"/>
                 </a:solidFill>
                 <a:latin typeface="Consolas" panose="020B0609020204030204" pitchFamily="49" charset="0"/>
                 <a:ea typeface="Microsoft JhengHei UI Light" panose="020B0304030504040204" pitchFamily="34" charset="-120"/>
               </a:rPr>
-              <a:t>我</a:t>
+              <a:t>我覺得</a:t>
+            </a:r>
+            <a:r>
+              <a:rPr lang="en-US" altLang="zh-TW" sz="2000" dirty="0">
+                <a:solidFill>
+                  <a:schemeClr val="bg1"/>
+                </a:solidFill>
+                <a:latin typeface="Consolas" panose="020B0609020204030204" pitchFamily="49" charset="0"/>
+                <a:ea typeface="Microsoft JhengHei UI Light" panose="020B0304030504040204" pitchFamily="34" charset="-120"/>
+              </a:rPr>
+              <a:t>90</a:t>
             </a:r>
             <a:r>
               <a:rPr lang="zh-TW" altLang="en-US" sz="2000" dirty="0">
@@ -11331,7 +12709,7 @@
                 <a:latin typeface="Consolas" panose="020B0609020204030204" pitchFamily="49" charset="0"/>
                 <a:ea typeface="Microsoft JhengHei UI Light" panose="020B0304030504040204" pitchFamily="34" charset="-120"/>
               </a:rPr>
-              <a:t>覺得</a:t>
+              <a:t>分再加</a:t>
             </a:r>
             <a:r>
               <a:rPr lang="en-US" altLang="zh-TW" sz="2000" dirty="0">
@@ -11341,225 +12719,27 @@
                 <a:latin typeface="Consolas" panose="020B0609020204030204" pitchFamily="49" charset="0"/>
                 <a:ea typeface="Microsoft JhengHei UI Light" panose="020B0304030504040204" pitchFamily="34" charset="-120"/>
               </a:rPr>
-              <a:t>90</a:t>
-            </a:r>
-            <a:r>
-              <a:rPr lang="zh-TW" altLang="en-US" sz="2000" dirty="0" smtClean="0">
+              <a:t>10</a:t>
+            </a:r>
+            <a:r>
+              <a:rPr lang="zh-TW" altLang="en-US" sz="2000" dirty="0">
                 <a:solidFill>
                   <a:schemeClr val="bg1"/>
                 </a:solidFill>
                 <a:latin typeface="Consolas" panose="020B0609020204030204" pitchFamily="49" charset="0"/>
                 <a:ea typeface="Microsoft JhengHei UI Light" panose="020B0304030504040204" pitchFamily="34" charset="-120"/>
               </a:rPr>
-              <a:t>分再加</a:t>
-            </a:r>
-            <a:r>
-              <a:rPr lang="en-US" altLang="zh-TW" sz="2000" dirty="0" smtClean="0">
+              <a:t>分    </a:t>
+            </a:r>
+            <a:r>
+              <a:rPr lang="en-US" altLang="zh-TW" sz="2000" dirty="0">
                 <a:solidFill>
                   <a:schemeClr val="bg1"/>
                 </a:solidFill>
                 <a:latin typeface="Consolas" panose="020B0609020204030204" pitchFamily="49" charset="0"/>
                 <a:ea typeface="Microsoft JhengHei UI Light" panose="020B0304030504040204" pitchFamily="34" charset="-120"/>
               </a:rPr>
-              <a:t>10</a:t>
-            </a:r>
-            <a:r>
-              <a:rPr lang="zh-TW" altLang="en-US" sz="2000" dirty="0" smtClean="0">
-                <a:solidFill>
-                  <a:schemeClr val="bg1"/>
-                </a:solidFill>
-                <a:latin typeface="Consolas" panose="020B0609020204030204" pitchFamily="49" charset="0"/>
-                <a:ea typeface="Microsoft JhengHei UI Light" panose="020B0304030504040204" pitchFamily="34" charset="-120"/>
-              </a:rPr>
-              <a:t>分    </a:t>
-            </a:r>
-            <a:r>
-              <a:rPr lang="en-US" altLang="zh-TW" sz="2000" dirty="0" smtClean="0">
-                <a:solidFill>
-                  <a:schemeClr val="bg1"/>
-                </a:solidFill>
-                <a:latin typeface="Consolas" panose="020B0609020204030204" pitchFamily="49" charset="0"/>
-                <a:ea typeface="Microsoft JhengHei UI Light" panose="020B0304030504040204" pitchFamily="34" charset="-120"/>
-              </a:rPr>
               <a:t>|</a:t>
-            </a:r>
-            <a:endParaRPr lang="en-GB" altLang="zh-TW" sz="2000" dirty="0" smtClean="0">
-              <a:solidFill>
-                <a:schemeClr val="bg1"/>
-              </a:solidFill>
-              <a:latin typeface="Consolas" panose="020B0609020204030204" pitchFamily="49" charset="0"/>
-              <a:ea typeface="Microsoft JhengHei UI Light" panose="020B0304030504040204" pitchFamily="34" charset="-120"/>
-            </a:endParaRPr>
-          </a:p>
-          <a:p>
-            <a:r>
-              <a:rPr lang="en-GB" altLang="zh-TW" sz="2000" dirty="0" smtClean="0">
-                <a:solidFill>
-                  <a:schemeClr val="bg1"/>
-                </a:solidFill>
-                <a:latin typeface="Consolas" panose="020B0609020204030204" pitchFamily="49" charset="0"/>
-                <a:ea typeface="Microsoft JhengHei UI Light" panose="020B0304030504040204" pitchFamily="34" charset="-120"/>
-              </a:rPr>
-              <a:t>|-------------------------------------</a:t>
-            </a:r>
-            <a:r>
-              <a:rPr lang="en-US" altLang="zh-TW" sz="2000" dirty="0" smtClean="0">
-                <a:solidFill>
-                  <a:schemeClr val="bg1"/>
-                </a:solidFill>
-                <a:latin typeface="Consolas" panose="020B0609020204030204" pitchFamily="49" charset="0"/>
-                <a:ea typeface="Microsoft JhengHei UI Light" panose="020B0304030504040204" pitchFamily="34" charset="-120"/>
-              </a:rPr>
-              <a:t>----------------------</a:t>
-            </a:r>
-            <a:endParaRPr lang="en-GB" altLang="zh-TW" sz="2000" dirty="0" smtClean="0">
-              <a:solidFill>
-                <a:schemeClr val="bg1"/>
-              </a:solidFill>
-              <a:latin typeface="Consolas" panose="020B0609020204030204" pitchFamily="49" charset="0"/>
-              <a:ea typeface="Microsoft JhengHei UI Light" panose="020B0304030504040204" pitchFamily="34" charset="-120"/>
-            </a:endParaRPr>
-          </a:p>
-          <a:p>
-            <a:r>
-              <a:rPr lang="en-GB" altLang="zh-TW" sz="2000" dirty="0" smtClean="0">
-                <a:solidFill>
-                  <a:schemeClr val="bg1"/>
-                </a:solidFill>
-                <a:latin typeface="Consolas" panose="020B0609020204030204" pitchFamily="49" charset="0"/>
-                <a:ea typeface="Microsoft JhengHei UI Light" panose="020B0304030504040204" pitchFamily="34" charset="-120"/>
-              </a:rPr>
-              <a:t>|</a:t>
-            </a:r>
-            <a:r>
-              <a:rPr lang="zh-TW" altLang="en-US" sz="2000" dirty="0">
-                <a:solidFill>
-                  <a:schemeClr val="bg1"/>
-                </a:solidFill>
-                <a:latin typeface="Consolas" panose="020B0609020204030204" pitchFamily="49" charset="0"/>
-                <a:ea typeface="Microsoft JhengHei UI Light" panose="020B0304030504040204" pitchFamily="34" charset="-120"/>
-              </a:rPr>
-              <a:t>彭鉅展 </a:t>
-            </a:r>
-            <a:r>
-              <a:rPr lang="en-GB" altLang="zh-TW" sz="2000" dirty="0">
-                <a:solidFill>
-                  <a:schemeClr val="bg1"/>
-                </a:solidFill>
-                <a:latin typeface="Consolas" panose="020B0609020204030204" pitchFamily="49" charset="0"/>
-                <a:ea typeface="Microsoft JhengHei UI Light" panose="020B0304030504040204" pitchFamily="34" charset="-120"/>
-              </a:rPr>
-              <a:t>|V</a:t>
-            </a:r>
-            <a:r>
-              <a:rPr lang="zh-TW" altLang="en-US" sz="2000" dirty="0">
-                <a:solidFill>
-                  <a:srgbClr val="262626"/>
-                </a:solidFill>
-                <a:latin typeface="Consolas" panose="020B0609020204030204" pitchFamily="49" charset="0"/>
-                <a:ea typeface="Microsoft JhengHei UI Light" panose="020B0304030504040204" pitchFamily="34" charset="-120"/>
-              </a:rPr>
-              <a:t>端設計  </a:t>
-            </a:r>
-            <a:r>
-              <a:rPr lang="en-US" altLang="zh-TW" sz="2000" dirty="0">
-                <a:solidFill>
-                  <a:schemeClr val="bg1"/>
-                </a:solidFill>
-                <a:latin typeface="Consolas" panose="020B0609020204030204" pitchFamily="49" charset="0"/>
-                <a:ea typeface="Microsoft JhengHei UI Light" panose="020B0304030504040204" pitchFamily="34" charset="-120"/>
-              </a:rPr>
-              <a:t>|</a:t>
-            </a:r>
-            <a:r>
-              <a:rPr lang="en-GB" altLang="zh-TW" sz="2000" dirty="0">
-                <a:solidFill>
-                  <a:schemeClr val="bg1"/>
-                </a:solidFill>
-                <a:latin typeface="Consolas" panose="020B0609020204030204" pitchFamily="49" charset="0"/>
-                <a:ea typeface="Microsoft JhengHei UI Light" panose="020B0304030504040204" pitchFamily="34" charset="-120"/>
-              </a:rPr>
-              <a:t>X</a:t>
-            </a:r>
-            <a:r>
-              <a:rPr lang="zh-TW" altLang="en-US" sz="2000" dirty="0">
-                <a:solidFill>
-                  <a:srgbClr val="262626"/>
-                </a:solidFill>
-                <a:latin typeface="Consolas" panose="020B0609020204030204" pitchFamily="49" charset="0"/>
-                <a:ea typeface="Microsoft JhengHei UI Light" panose="020B0304030504040204" pitchFamily="34" charset="-120"/>
-              </a:rPr>
-              <a:t>後端程式</a:t>
-            </a:r>
-            <a:r>
-              <a:rPr lang="en-US" altLang="zh-TW" sz="2000" dirty="0">
-                <a:solidFill>
-                  <a:schemeClr val="bg1"/>
-                </a:solidFill>
-                <a:latin typeface="Consolas" panose="020B0609020204030204" pitchFamily="49" charset="0"/>
-                <a:ea typeface="Microsoft JhengHei UI Light" panose="020B0304030504040204" pitchFamily="34" charset="-120"/>
-              </a:rPr>
-              <a:t>|V</a:t>
-            </a:r>
-            <a:r>
-              <a:rPr lang="zh-TW" altLang="en-US" sz="2000" dirty="0">
-                <a:solidFill>
-                  <a:srgbClr val="262626"/>
-                </a:solidFill>
-                <a:latin typeface="Consolas" panose="020B0609020204030204" pitchFamily="49" charset="0"/>
-                <a:ea typeface="Microsoft JhengHei UI Light" panose="020B0304030504040204" pitchFamily="34" charset="-120"/>
-              </a:rPr>
-              <a:t>資料庫設計</a:t>
-            </a:r>
-            <a:r>
-              <a:rPr lang="en-GB" altLang="zh-TW" sz="2000" dirty="0" smtClean="0">
-                <a:solidFill>
-                  <a:schemeClr val="bg1"/>
-                </a:solidFill>
-                <a:latin typeface="Consolas" panose="020B0609020204030204" pitchFamily="49" charset="0"/>
-                <a:ea typeface="Microsoft JhengHei UI Light" panose="020B0304030504040204" pitchFamily="34" charset="-120"/>
-              </a:rPr>
-              <a:t>|</a:t>
-            </a:r>
-            <a:r>
-              <a:rPr lang="zh-TW" altLang="en-US" sz="2000" dirty="0" smtClean="0">
-                <a:solidFill>
-                  <a:schemeClr val="bg1"/>
-                </a:solidFill>
-                <a:latin typeface="Consolas" panose="020B0609020204030204" pitchFamily="49" charset="0"/>
-                <a:ea typeface="Microsoft JhengHei UI Light" panose="020B0304030504040204" pitchFamily="34" charset="-120"/>
-              </a:rPr>
-              <a:t>這我給</a:t>
-            </a:r>
-            <a:r>
-              <a:rPr lang="en-US" altLang="zh-TW" sz="2000" dirty="0" smtClean="0">
-                <a:solidFill>
-                  <a:schemeClr val="bg1"/>
-                </a:solidFill>
-                <a:latin typeface="Consolas" panose="020B0609020204030204" pitchFamily="49" charset="0"/>
-                <a:ea typeface="Microsoft JhengHei UI Light" panose="020B0304030504040204" pitchFamily="34" charset="-120"/>
-              </a:rPr>
-              <a:t>99</a:t>
-            </a:r>
-            <a:r>
-              <a:rPr lang="zh-TW" altLang="en-US" sz="2000" dirty="0" smtClean="0">
-                <a:solidFill>
-                  <a:schemeClr val="bg1"/>
-                </a:solidFill>
-                <a:latin typeface="Consolas" panose="020B0609020204030204" pitchFamily="49" charset="0"/>
-                <a:ea typeface="Microsoft JhengHei UI Light" panose="020B0304030504040204" pitchFamily="34" charset="-120"/>
-              </a:rPr>
-              <a:t>分</a:t>
-            </a:r>
-            <a:r>
-              <a:rPr lang="en-US" altLang="zh-TW" sz="2000" dirty="0" smtClean="0">
-                <a:solidFill>
-                  <a:schemeClr val="bg1"/>
-                </a:solidFill>
-                <a:latin typeface="Consolas" panose="020B0609020204030204" pitchFamily="49" charset="0"/>
-                <a:ea typeface="Microsoft JhengHei UI Light" panose="020B0304030504040204" pitchFamily="34" charset="-120"/>
-              </a:rPr>
-              <a:t>		|</a:t>
             </a:r>
             <a:endParaRPr lang="en-GB" altLang="zh-TW" sz="2000" dirty="0">
               <a:solidFill>
@@ -11571,7 +12751,7 @@
           </a:p>
           <a:p>
             <a:r>
-              <a:rPr lang="en-GB" altLang="zh-TW" sz="2000" dirty="0" smtClean="0">
+              <a:rPr lang="en-GB" altLang="zh-TW" sz="2000" dirty="0">
                 <a:solidFill>
                   <a:schemeClr val="bg1"/>
                 </a:solidFill>
@@ -11581,7 +12761,7 @@
               <a:t>|-------------------------------------</a:t>
             </a:r>
             <a:r>
-              <a:rPr lang="en-US" altLang="zh-TW" sz="2000" dirty="0" smtClean="0">
+              <a:rPr lang="en-US" altLang="zh-TW" sz="2000" dirty="0">
                 <a:solidFill>
                   <a:schemeClr val="bg1"/>
                 </a:solidFill>
@@ -11617,7 +12797,7 @@
                 <a:latin typeface="Consolas" panose="020B0609020204030204" pitchFamily="49" charset="0"/>
                 <a:ea typeface="Microsoft JhengHei UI Light" panose="020B0304030504040204" pitchFamily="34" charset="-120"/>
               </a:rPr>
-              <a:t>陳明賢 </a:t>
+              <a:t>彭鉅展 </a:t>
             </a:r>
             <a:r>
               <a:rPr lang="en-GB" altLang="zh-TW" sz="2000" dirty="0">
@@ -11690,7 +12870,7 @@
               <a:t>資料庫設計</a:t>
             </a:r>
             <a:r>
-              <a:rPr lang="en-GB" altLang="zh-TW" sz="2000" smtClean="0">
+              <a:rPr lang="en-GB" altLang="zh-TW" sz="2000" dirty="0">
                 <a:solidFill>
                   <a:schemeClr val="bg1"/>
                 </a:solidFill>
@@ -11700,27 +12880,37 @@
               <a:t>|</a:t>
             </a:r>
             <a:r>
-              <a:rPr lang="en-US" altLang="zh-TW" sz="2000" smtClean="0">
+              <a:rPr lang="zh-TW" altLang="en-US" sz="2000" dirty="0">
                 <a:solidFill>
                   <a:schemeClr val="bg1"/>
                 </a:solidFill>
                 <a:latin typeface="Consolas" panose="020B0609020204030204" pitchFamily="49" charset="0"/>
                 <a:ea typeface="Microsoft JhengHei UI Light" panose="020B0304030504040204" pitchFamily="34" charset="-120"/>
               </a:rPr>
-              <a:t>70</a:t>
-            </a:r>
-            <a:r>
-              <a:rPr lang="zh-TW" altLang="en-US" sz="2000" dirty="0" smtClean="0">
+              <a:t>這我給</a:t>
+            </a:r>
+            <a:r>
+              <a:rPr lang="en-US" altLang="zh-TW" sz="2000" dirty="0">
                 <a:solidFill>
                   <a:schemeClr val="bg1"/>
                 </a:solidFill>
                 <a:latin typeface="Consolas" panose="020B0609020204030204" pitchFamily="49" charset="0"/>
                 <a:ea typeface="Microsoft JhengHei UI Light" panose="020B0304030504040204" pitchFamily="34" charset="-120"/>
               </a:rPr>
-              <a:t>         </a:t>
-            </a:r>
-            <a:r>
-              <a:rPr lang="en-US" altLang="zh-TW" sz="2000" dirty="0" smtClean="0">
+              <a:t>99</a:t>
+            </a:r>
+            <a:r>
+              <a:rPr lang="zh-TW" altLang="en-US" sz="2000" dirty="0">
+                <a:solidFill>
+                  <a:schemeClr val="bg1"/>
+                </a:solidFill>
+                <a:latin typeface="Consolas" panose="020B0609020204030204" pitchFamily="49" charset="0"/>
+                <a:ea typeface="Microsoft JhengHei UI Light" panose="020B0304030504040204" pitchFamily="34" charset="-120"/>
+              </a:rPr>
+              <a:t>分</a:t>
+            </a:r>
+            <a:r>
+              <a:rPr lang="en-US" altLang="zh-TW" sz="2000" dirty="0">
                 <a:solidFill>
                   <a:schemeClr val="bg1"/>
                 </a:solidFill>
@@ -11739,6 +12929,16 @@
           </a:p>
           <a:p>
             <a:r>
+              <a:rPr lang="en-GB" altLang="zh-TW" sz="2000" dirty="0">
+                <a:solidFill>
+                  <a:schemeClr val="bg1"/>
+                </a:solidFill>
+                <a:latin typeface="Consolas" panose="020B0609020204030204" pitchFamily="49" charset="0"/>
+                <a:ea typeface="Microsoft JhengHei UI Light" panose="020B0304030504040204" pitchFamily="34" charset="-120"/>
+              </a:rPr>
+              <a:t>|-------------------------------------</a:t>
+            </a:r>
+            <a:r>
               <a:rPr lang="en-US" altLang="zh-TW" sz="2000" dirty="0">
                 <a:solidFill>
                   <a:schemeClr val="bg1"/>
@@ -11746,156 +12946,7 @@
                 <a:latin typeface="Consolas" panose="020B0609020204030204" pitchFamily="49" charset="0"/>
                 <a:ea typeface="Microsoft JhengHei UI Light" panose="020B0304030504040204" pitchFamily="34" charset="-120"/>
               </a:rPr>
-              <a:t>|-------</a:t>
-            </a:r>
-            <a:r>
-              <a:rPr lang="en-GB" altLang="zh-TW" sz="2000" dirty="0" smtClean="0">
-                <a:solidFill>
-                  <a:schemeClr val="bg1"/>
-                </a:solidFill>
-                <a:latin typeface="Consolas" panose="020B0609020204030204" pitchFamily="49" charset="0"/>
-                <a:ea typeface="Microsoft JhengHei UI Light" panose="020B0304030504040204" pitchFamily="34" charset="-120"/>
-              </a:rPr>
-              <a:t>------------------------------</a:t>
-            </a:r>
-            <a:r>
-              <a:rPr lang="en-US" altLang="zh-TW" sz="2000" dirty="0" smtClean="0">
-                <a:solidFill>
-                  <a:schemeClr val="bg1"/>
-                </a:solidFill>
-                <a:latin typeface="Consolas" panose="020B0609020204030204" pitchFamily="49" charset="0"/>
-                <a:ea typeface="Microsoft JhengHei UI Light" panose="020B0304030504040204" pitchFamily="34" charset="-120"/>
-              </a:rPr>
               <a:t>----------------------</a:t>
-            </a:r>
-            <a:endParaRPr lang="en-US" altLang="zh-TW" sz="2000" dirty="0">
-              <a:solidFill>
-                <a:schemeClr val="bg1"/>
-              </a:solidFill>
-              <a:latin typeface="Consolas" panose="020B0609020204030204" pitchFamily="49" charset="0"/>
-              <a:ea typeface="Microsoft JhengHei UI Light" panose="020B0304030504040204" pitchFamily="34" charset="-120"/>
-            </a:endParaRPr>
-          </a:p>
-          <a:p>
-            <a:r>
-              <a:rPr lang="en-US" altLang="zh-TW" sz="2000" dirty="0">
-                <a:solidFill>
-                  <a:schemeClr val="bg1"/>
-                </a:solidFill>
-                <a:latin typeface="Consolas" panose="020B0609020204030204" pitchFamily="49" charset="0"/>
-                <a:ea typeface="Microsoft JhengHei UI Light" panose="020B0304030504040204" pitchFamily="34" charset="-120"/>
-              </a:rPr>
-              <a:t>|</a:t>
-            </a:r>
-            <a:r>
-              <a:rPr lang="zh-TW" altLang="en-US" sz="2000" dirty="0">
-                <a:solidFill>
-                  <a:schemeClr val="bg1"/>
-                </a:solidFill>
-                <a:latin typeface="Consolas" panose="020B0609020204030204" pitchFamily="49" charset="0"/>
-                <a:ea typeface="Microsoft JhengHei UI Light" panose="020B0304030504040204" pitchFamily="34" charset="-120"/>
-              </a:rPr>
-              <a:t>吳承翰 </a:t>
-            </a:r>
-            <a:r>
-              <a:rPr lang="en-GB" altLang="zh-TW" sz="2000" dirty="0">
-                <a:solidFill>
-                  <a:schemeClr val="bg1"/>
-                </a:solidFill>
-                <a:latin typeface="Consolas" panose="020B0609020204030204" pitchFamily="49" charset="0"/>
-                <a:ea typeface="Microsoft JhengHei UI Light" panose="020B0304030504040204" pitchFamily="34" charset="-120"/>
-              </a:rPr>
-              <a:t>|X</a:t>
-            </a:r>
-            <a:r>
-              <a:rPr lang="zh-TW" altLang="en-US" sz="2000" dirty="0">
-                <a:solidFill>
-                  <a:srgbClr val="262626"/>
-                </a:solidFill>
-                <a:latin typeface="Consolas" panose="020B0609020204030204" pitchFamily="49" charset="0"/>
-                <a:ea typeface="Microsoft JhengHei UI Light" panose="020B0304030504040204" pitchFamily="34" charset="-120"/>
-              </a:rPr>
-              <a:t>端設計  </a:t>
-            </a:r>
-            <a:r>
-              <a:rPr lang="en-US" altLang="zh-TW" sz="2000" dirty="0">
-                <a:solidFill>
-                  <a:schemeClr val="bg1"/>
-                </a:solidFill>
-                <a:latin typeface="Consolas" panose="020B0609020204030204" pitchFamily="49" charset="0"/>
-                <a:ea typeface="Microsoft JhengHei UI Light" panose="020B0304030504040204" pitchFamily="34" charset="-120"/>
-              </a:rPr>
-              <a:t>|</a:t>
-            </a:r>
-            <a:r>
-              <a:rPr lang="en-GB" altLang="zh-TW" sz="2000" dirty="0">
-                <a:solidFill>
-                  <a:schemeClr val="bg1"/>
-                </a:solidFill>
-                <a:latin typeface="Consolas" panose="020B0609020204030204" pitchFamily="49" charset="0"/>
-                <a:ea typeface="Microsoft JhengHei UI Light" panose="020B0304030504040204" pitchFamily="34" charset="-120"/>
-              </a:rPr>
-              <a:t>V</a:t>
-            </a:r>
-            <a:r>
-              <a:rPr lang="zh-TW" altLang="en-US" sz="2000" dirty="0">
-                <a:solidFill>
-                  <a:srgbClr val="262626"/>
-                </a:solidFill>
-                <a:latin typeface="Consolas" panose="020B0609020204030204" pitchFamily="49" charset="0"/>
-                <a:ea typeface="Microsoft JhengHei UI Light" panose="020B0304030504040204" pitchFamily="34" charset="-120"/>
-              </a:rPr>
-              <a:t>後端程式</a:t>
-            </a:r>
-            <a:r>
-              <a:rPr lang="en-US" altLang="zh-TW" sz="2000" dirty="0">
-                <a:solidFill>
-                  <a:schemeClr val="bg1"/>
-                </a:solidFill>
-                <a:latin typeface="Consolas" panose="020B0609020204030204" pitchFamily="49" charset="0"/>
-                <a:ea typeface="Microsoft JhengHei UI Light" panose="020B0304030504040204" pitchFamily="34" charset="-120"/>
-              </a:rPr>
-              <a:t>|V</a:t>
-            </a:r>
-            <a:r>
-              <a:rPr lang="zh-TW" altLang="en-US" sz="2000" dirty="0">
-                <a:solidFill>
-                  <a:srgbClr val="262626"/>
-                </a:solidFill>
-                <a:latin typeface="Consolas" panose="020B0609020204030204" pitchFamily="49" charset="0"/>
-                <a:ea typeface="Microsoft JhengHei UI Light" panose="020B0304030504040204" pitchFamily="34" charset="-120"/>
-              </a:rPr>
-              <a:t>資料庫設計</a:t>
-            </a:r>
-            <a:r>
-              <a:rPr lang="en-GB" altLang="zh-TW" sz="2000" dirty="0" smtClean="0">
-                <a:solidFill>
-                  <a:schemeClr val="bg1"/>
-                </a:solidFill>
-                <a:latin typeface="Consolas" panose="020B0609020204030204" pitchFamily="49" charset="0"/>
-                <a:ea typeface="Microsoft JhengHei UI Light" panose="020B0304030504040204" pitchFamily="34" charset="-120"/>
-              </a:rPr>
-              <a:t>|</a:t>
-            </a:r>
-            <a:r>
-              <a:rPr lang="zh-TW" altLang="en-US" sz="2000" dirty="0" smtClean="0">
-                <a:solidFill>
-                  <a:schemeClr val="bg1"/>
-                </a:solidFill>
-                <a:latin typeface="Consolas" panose="020B0609020204030204" pitchFamily="49" charset="0"/>
-                <a:ea typeface="Microsoft JhengHei UI Light" panose="020B0304030504040204" pitchFamily="34" charset="-120"/>
-              </a:rPr>
-              <a:t>            </a:t>
-            </a:r>
-            <a:r>
-              <a:rPr lang="en-US" altLang="zh-TW" sz="2000" dirty="0" smtClean="0">
-                <a:solidFill>
-                  <a:schemeClr val="bg1"/>
-                </a:solidFill>
-                <a:latin typeface="Consolas" panose="020B0609020204030204" pitchFamily="49" charset="0"/>
-                <a:ea typeface="Microsoft JhengHei UI Light" panose="020B0304030504040204" pitchFamily="34" charset="-120"/>
-              </a:rPr>
-              <a:t>		|</a:t>
             </a:r>
             <a:endParaRPr lang="en-GB" altLang="zh-TW" sz="2000" dirty="0">
               <a:solidFill>
@@ -11907,17 +12958,317 @@
           </a:p>
           <a:p>
             <a:r>
-              <a:rPr lang="en-GB" altLang="zh-TW" sz="2000" dirty="0" smtClean="0">
+              <a:rPr lang="en-GB" altLang="zh-TW" sz="2000" dirty="0">
                 <a:solidFill>
                   <a:schemeClr val="bg1"/>
                 </a:solidFill>
                 <a:latin typeface="Consolas" panose="020B0609020204030204" pitchFamily="49" charset="0"/>
                 <a:ea typeface="Microsoft JhengHei UI Light" panose="020B0304030504040204" pitchFamily="34" charset="-120"/>
               </a:rPr>
+              <a:t>|</a:t>
+            </a:r>
+            <a:r>
+              <a:rPr lang="zh-TW" altLang="en-US" sz="2000" dirty="0">
+                <a:solidFill>
+                  <a:schemeClr val="bg1"/>
+                </a:solidFill>
+                <a:latin typeface="Consolas" panose="020B0609020204030204" pitchFamily="49" charset="0"/>
+                <a:ea typeface="Microsoft JhengHei UI Light" panose="020B0304030504040204" pitchFamily="34" charset="-120"/>
+              </a:rPr>
+              <a:t>陳明賢 </a:t>
+            </a:r>
+            <a:r>
+              <a:rPr lang="en-GB" altLang="zh-TW" sz="2000" dirty="0">
+                <a:solidFill>
+                  <a:schemeClr val="bg1"/>
+                </a:solidFill>
+                <a:latin typeface="Consolas" panose="020B0609020204030204" pitchFamily="49" charset="0"/>
+                <a:ea typeface="Microsoft JhengHei UI Light" panose="020B0304030504040204" pitchFamily="34" charset="-120"/>
+              </a:rPr>
+              <a:t>|V</a:t>
+            </a:r>
+            <a:r>
+              <a:rPr lang="zh-TW" altLang="en-US" sz="2000" dirty="0">
+                <a:solidFill>
+                  <a:srgbClr val="262626"/>
+                </a:solidFill>
+                <a:latin typeface="Consolas" panose="020B0609020204030204" pitchFamily="49" charset="0"/>
+                <a:ea typeface="Microsoft JhengHei UI Light" panose="020B0304030504040204" pitchFamily="34" charset="-120"/>
+              </a:rPr>
+              <a:t>端設計  </a:t>
+            </a:r>
+            <a:r>
+              <a:rPr lang="en-US" altLang="zh-TW" sz="2000" dirty="0">
+                <a:solidFill>
+                  <a:schemeClr val="bg1"/>
+                </a:solidFill>
+                <a:latin typeface="Consolas" panose="020B0609020204030204" pitchFamily="49" charset="0"/>
+                <a:ea typeface="Microsoft JhengHei UI Light" panose="020B0304030504040204" pitchFamily="34" charset="-120"/>
+              </a:rPr>
+              <a:t>|</a:t>
+            </a:r>
+            <a:r>
+              <a:rPr lang="en-GB" altLang="zh-TW" sz="2000" dirty="0">
+                <a:solidFill>
+                  <a:schemeClr val="bg1"/>
+                </a:solidFill>
+                <a:latin typeface="Consolas" panose="020B0609020204030204" pitchFamily="49" charset="0"/>
+                <a:ea typeface="Microsoft JhengHei UI Light" panose="020B0304030504040204" pitchFamily="34" charset="-120"/>
+              </a:rPr>
+              <a:t>X</a:t>
+            </a:r>
+            <a:r>
+              <a:rPr lang="zh-TW" altLang="en-US" sz="2000" dirty="0">
+                <a:solidFill>
+                  <a:srgbClr val="262626"/>
+                </a:solidFill>
+                <a:latin typeface="Consolas" panose="020B0609020204030204" pitchFamily="49" charset="0"/>
+                <a:ea typeface="Microsoft JhengHei UI Light" panose="020B0304030504040204" pitchFamily="34" charset="-120"/>
+              </a:rPr>
+              <a:t>後端程式</a:t>
+            </a:r>
+            <a:r>
+              <a:rPr lang="en-US" altLang="zh-TW" sz="2000" dirty="0">
+                <a:solidFill>
+                  <a:schemeClr val="bg1"/>
+                </a:solidFill>
+                <a:latin typeface="Consolas" panose="020B0609020204030204" pitchFamily="49" charset="0"/>
+                <a:ea typeface="Microsoft JhengHei UI Light" panose="020B0304030504040204" pitchFamily="34" charset="-120"/>
+              </a:rPr>
+              <a:t>|V</a:t>
+            </a:r>
+            <a:r>
+              <a:rPr lang="zh-TW" altLang="en-US" sz="2000" dirty="0">
+                <a:solidFill>
+                  <a:srgbClr val="262626"/>
+                </a:solidFill>
+                <a:latin typeface="Consolas" panose="020B0609020204030204" pitchFamily="49" charset="0"/>
+                <a:ea typeface="Microsoft JhengHei UI Light" panose="020B0304030504040204" pitchFamily="34" charset="-120"/>
+              </a:rPr>
+              <a:t>資料庫設計</a:t>
+            </a:r>
+            <a:r>
+              <a:rPr lang="en-GB" altLang="zh-TW" sz="2000">
+                <a:solidFill>
+                  <a:schemeClr val="bg1"/>
+                </a:solidFill>
+                <a:latin typeface="Consolas" panose="020B0609020204030204" pitchFamily="49" charset="0"/>
+                <a:ea typeface="Microsoft JhengHei UI Light" panose="020B0304030504040204" pitchFamily="34" charset="-120"/>
+              </a:rPr>
+              <a:t>|</a:t>
+            </a:r>
+            <a:r>
+              <a:rPr lang="en-US" altLang="zh-TW" sz="2000">
+                <a:solidFill>
+                  <a:schemeClr val="bg1"/>
+                </a:solidFill>
+                <a:latin typeface="Consolas" panose="020B0609020204030204" pitchFamily="49" charset="0"/>
+                <a:ea typeface="Microsoft JhengHei UI Light" panose="020B0304030504040204" pitchFamily="34" charset="-120"/>
+              </a:rPr>
+              <a:t>70</a:t>
+            </a:r>
+            <a:r>
+              <a:rPr lang="zh-TW" altLang="en-US" sz="2000" dirty="0">
+                <a:solidFill>
+                  <a:schemeClr val="bg1"/>
+                </a:solidFill>
+                <a:latin typeface="Consolas" panose="020B0609020204030204" pitchFamily="49" charset="0"/>
+                <a:ea typeface="Microsoft JhengHei UI Light" panose="020B0304030504040204" pitchFamily="34" charset="-120"/>
+              </a:rPr>
+              <a:t>         </a:t>
+            </a:r>
+            <a:r>
+              <a:rPr lang="en-US" altLang="zh-TW" sz="2000" dirty="0">
+                <a:solidFill>
+                  <a:schemeClr val="bg1"/>
+                </a:solidFill>
+                <a:latin typeface="Consolas" panose="020B0609020204030204" pitchFamily="49" charset="0"/>
+                <a:ea typeface="Microsoft JhengHei UI Light" panose="020B0304030504040204" pitchFamily="34" charset="-120"/>
+              </a:rPr>
+              <a:t>		|</a:t>
+            </a:r>
+            <a:endParaRPr lang="en-GB" altLang="zh-TW" sz="2000" dirty="0">
+              <a:solidFill>
+                <a:schemeClr val="bg1"/>
+              </a:solidFill>
+              <a:latin typeface="Consolas" panose="020B0609020204030204" pitchFamily="49" charset="0"/>
+              <a:ea typeface="Microsoft JhengHei UI Light" panose="020B0304030504040204" pitchFamily="34" charset="-120"/>
+            </a:endParaRPr>
+          </a:p>
+          <a:p>
+            <a:r>
+              <a:rPr lang="en-US" altLang="zh-TW" sz="2000" dirty="0">
+                <a:solidFill>
+                  <a:schemeClr val="bg1"/>
+                </a:solidFill>
+                <a:latin typeface="Consolas" panose="020B0609020204030204" pitchFamily="49" charset="0"/>
+                <a:ea typeface="Microsoft JhengHei UI Light" panose="020B0304030504040204" pitchFamily="34" charset="-120"/>
+              </a:rPr>
+              <a:t>|-------</a:t>
+            </a:r>
+            <a:r>
+              <a:rPr lang="en-GB" altLang="zh-TW" sz="2000" dirty="0">
+                <a:solidFill>
+                  <a:schemeClr val="bg1"/>
+                </a:solidFill>
+                <a:latin typeface="Consolas" panose="020B0609020204030204" pitchFamily="49" charset="0"/>
+                <a:ea typeface="Microsoft JhengHei UI Light" panose="020B0304030504040204" pitchFamily="34" charset="-120"/>
+              </a:rPr>
+              <a:t>------------------------------</a:t>
+            </a:r>
+            <a:r>
+              <a:rPr lang="en-US" altLang="zh-TW" sz="2000" dirty="0">
+                <a:solidFill>
+                  <a:schemeClr val="bg1"/>
+                </a:solidFill>
+                <a:latin typeface="Consolas" panose="020B0609020204030204" pitchFamily="49" charset="0"/>
+                <a:ea typeface="Microsoft JhengHei UI Light" panose="020B0304030504040204" pitchFamily="34" charset="-120"/>
+              </a:rPr>
+              <a:t>----------------------</a:t>
+            </a:r>
+          </a:p>
+          <a:p>
+            <a:r>
+              <a:rPr lang="en-US" altLang="zh-TW" sz="2000" dirty="0">
+                <a:solidFill>
+                  <a:schemeClr val="bg1"/>
+                </a:solidFill>
+                <a:latin typeface="Consolas" panose="020B0609020204030204" pitchFamily="49" charset="0"/>
+                <a:ea typeface="Microsoft JhengHei UI Light" panose="020B0304030504040204" pitchFamily="34" charset="-120"/>
+              </a:rPr>
+              <a:t>|</a:t>
+            </a:r>
+            <a:r>
+              <a:rPr lang="zh-TW" altLang="en-US" sz="2000" dirty="0">
+                <a:solidFill>
+                  <a:schemeClr val="bg1"/>
+                </a:solidFill>
+                <a:latin typeface="Consolas" panose="020B0609020204030204" pitchFamily="49" charset="0"/>
+                <a:ea typeface="Microsoft JhengHei UI Light" panose="020B0304030504040204" pitchFamily="34" charset="-120"/>
+              </a:rPr>
+              <a:t>吳承翰 </a:t>
+            </a:r>
+            <a:r>
+              <a:rPr lang="en-GB" altLang="zh-TW" sz="2000" dirty="0">
+                <a:solidFill>
+                  <a:schemeClr val="bg1"/>
+                </a:solidFill>
+                <a:latin typeface="Consolas" panose="020B0609020204030204" pitchFamily="49" charset="0"/>
+                <a:ea typeface="Microsoft JhengHei UI Light" panose="020B0304030504040204" pitchFamily="34" charset="-120"/>
+              </a:rPr>
+              <a:t>|X</a:t>
+            </a:r>
+            <a:r>
+              <a:rPr lang="zh-TW" altLang="en-US" sz="2000" dirty="0">
+                <a:solidFill>
+                  <a:srgbClr val="262626"/>
+                </a:solidFill>
+                <a:latin typeface="Consolas" panose="020B0609020204030204" pitchFamily="49" charset="0"/>
+                <a:ea typeface="Microsoft JhengHei UI Light" panose="020B0304030504040204" pitchFamily="34" charset="-120"/>
+              </a:rPr>
+              <a:t>端設計  </a:t>
+            </a:r>
+            <a:r>
+              <a:rPr lang="en-US" altLang="zh-TW" sz="2000" dirty="0">
+                <a:solidFill>
+                  <a:schemeClr val="bg1"/>
+                </a:solidFill>
+                <a:latin typeface="Consolas" panose="020B0609020204030204" pitchFamily="49" charset="0"/>
+                <a:ea typeface="Microsoft JhengHei UI Light" panose="020B0304030504040204" pitchFamily="34" charset="-120"/>
+              </a:rPr>
+              <a:t>|</a:t>
+            </a:r>
+            <a:r>
+              <a:rPr lang="en-GB" altLang="zh-TW" sz="2000" dirty="0">
+                <a:solidFill>
+                  <a:schemeClr val="bg1"/>
+                </a:solidFill>
+                <a:latin typeface="Consolas" panose="020B0609020204030204" pitchFamily="49" charset="0"/>
+                <a:ea typeface="Microsoft JhengHei UI Light" panose="020B0304030504040204" pitchFamily="34" charset="-120"/>
+              </a:rPr>
+              <a:t>V</a:t>
+            </a:r>
+            <a:r>
+              <a:rPr lang="zh-TW" altLang="en-US" sz="2000" dirty="0">
+                <a:solidFill>
+                  <a:srgbClr val="262626"/>
+                </a:solidFill>
+                <a:latin typeface="Consolas" panose="020B0609020204030204" pitchFamily="49" charset="0"/>
+                <a:ea typeface="Microsoft JhengHei UI Light" panose="020B0304030504040204" pitchFamily="34" charset="-120"/>
+              </a:rPr>
+              <a:t>後端程式</a:t>
+            </a:r>
+            <a:r>
+              <a:rPr lang="en-US" altLang="zh-TW" sz="2000" dirty="0">
+                <a:solidFill>
+                  <a:schemeClr val="bg1"/>
+                </a:solidFill>
+                <a:latin typeface="Consolas" panose="020B0609020204030204" pitchFamily="49" charset="0"/>
+                <a:ea typeface="Microsoft JhengHei UI Light" panose="020B0304030504040204" pitchFamily="34" charset="-120"/>
+              </a:rPr>
+              <a:t>|V</a:t>
+            </a:r>
+            <a:r>
+              <a:rPr lang="zh-TW" altLang="en-US" sz="2000" dirty="0">
+                <a:solidFill>
+                  <a:srgbClr val="262626"/>
+                </a:solidFill>
+                <a:latin typeface="Consolas" panose="020B0609020204030204" pitchFamily="49" charset="0"/>
+                <a:ea typeface="Microsoft JhengHei UI Light" panose="020B0304030504040204" pitchFamily="34" charset="-120"/>
+              </a:rPr>
+              <a:t>資料庫設計</a:t>
+            </a:r>
+            <a:r>
+              <a:rPr lang="en-GB" altLang="zh-TW" sz="2000" dirty="0">
+                <a:solidFill>
+                  <a:schemeClr val="bg1"/>
+                </a:solidFill>
+                <a:latin typeface="Consolas" panose="020B0609020204030204" pitchFamily="49" charset="0"/>
+                <a:ea typeface="Microsoft JhengHei UI Light" panose="020B0304030504040204" pitchFamily="34" charset="-120"/>
+              </a:rPr>
+              <a:t>|</a:t>
+            </a:r>
+            <a:r>
+              <a:rPr lang="zh-TW" altLang="en-US" sz="2000" dirty="0">
+                <a:solidFill>
+                  <a:schemeClr val="bg1"/>
+                </a:solidFill>
+                <a:latin typeface="Consolas" panose="020B0609020204030204" pitchFamily="49" charset="0"/>
+                <a:ea typeface="Microsoft JhengHei UI Light" panose="020B0304030504040204" pitchFamily="34" charset="-120"/>
+              </a:rPr>
+              <a:t>            </a:t>
+            </a:r>
+            <a:r>
+              <a:rPr lang="en-US" altLang="zh-TW" sz="2000" dirty="0">
+                <a:solidFill>
+                  <a:schemeClr val="bg1"/>
+                </a:solidFill>
+                <a:latin typeface="Consolas" panose="020B0609020204030204" pitchFamily="49" charset="0"/>
+                <a:ea typeface="Microsoft JhengHei UI Light" panose="020B0304030504040204" pitchFamily="34" charset="-120"/>
+              </a:rPr>
+              <a:t>		|</a:t>
+            </a:r>
+            <a:endParaRPr lang="en-GB" altLang="zh-TW" sz="2000" dirty="0">
+              <a:solidFill>
+                <a:schemeClr val="bg1"/>
+              </a:solidFill>
+              <a:latin typeface="Consolas" panose="020B0609020204030204" pitchFamily="49" charset="0"/>
+              <a:ea typeface="Microsoft JhengHei UI Light" panose="020B0304030504040204" pitchFamily="34" charset="-120"/>
+            </a:endParaRPr>
+          </a:p>
+          <a:p>
+            <a:r>
+              <a:rPr lang="en-GB" altLang="zh-TW" sz="2000" dirty="0">
+                <a:solidFill>
+                  <a:schemeClr val="bg1"/>
+                </a:solidFill>
+                <a:latin typeface="Consolas" panose="020B0609020204030204" pitchFamily="49" charset="0"/>
+                <a:ea typeface="Microsoft JhengHei UI Light" panose="020B0304030504040204" pitchFamily="34" charset="-120"/>
+              </a:rPr>
               <a:t>|-------------------------------------</a:t>
             </a:r>
             <a:r>
-              <a:rPr lang="en-US" altLang="zh-TW" sz="2000" dirty="0" smtClean="0">
+              <a:rPr lang="en-US" altLang="zh-TW" sz="2000" dirty="0">
                 <a:solidFill>
                   <a:schemeClr val="bg1"/>
                 </a:solidFill>
@@ -12257,7 +13608,7 @@
 </p:sld>
 </file>
 
-<file path=ppt/slides/slide14.xml><?xml version="1.0" encoding="utf-8"?>
+<file path=ppt/slides/slide15.xml><?xml version="1.0" encoding="utf-8"?>
 <p:sld xmlns:a="http://schemas.openxmlformats.org/drawingml/2006/main" xmlns:r="http://schemas.openxmlformats.org/officeDocument/2006/relationships" xmlns:p="http://schemas.openxmlformats.org/presentationml/2006/main">
   <p:cSld>
     <p:spTree>
@@ -12279,7 +13630,7 @@
           <p:cNvPr id="22" name="矩形 3">
             <a:extLst>
               <a:ext uri="{FF2B5EF4-FFF2-40B4-BE49-F238E27FC236}">
-                <a16:creationId xmlns="" xmlns:a16="http://schemas.microsoft.com/office/drawing/2014/main" id="{AC167845-82AC-4B39-8198-B9E73F081CCD}"/>
+                <a16:creationId xmlns:a16="http://schemas.microsoft.com/office/drawing/2014/main" id="{AC167845-82AC-4B39-8198-B9E73F081CCD}"/>
               </a:ext>
             </a:extLst>
           </p:cNvPr>
@@ -12338,7 +13689,7 @@
           <p:cNvPr id="23" name="矩形 4">
             <a:extLst>
               <a:ext uri="{FF2B5EF4-FFF2-40B4-BE49-F238E27FC236}">
-                <a16:creationId xmlns="" xmlns:a16="http://schemas.microsoft.com/office/drawing/2014/main" id="{BFF19E05-7F0B-4D53-80A0-D5568C6C5E7E}"/>
+                <a16:creationId xmlns:a16="http://schemas.microsoft.com/office/drawing/2014/main" id="{BFF19E05-7F0B-4D53-80A0-D5568C6C5E7E}"/>
               </a:ext>
             </a:extLst>
           </p:cNvPr>
@@ -12390,7 +13741,7 @@
           <p:cNvPr id="24" name="文字方塊 5">
             <a:extLst>
               <a:ext uri="{FF2B5EF4-FFF2-40B4-BE49-F238E27FC236}">
-                <a16:creationId xmlns="" xmlns:a16="http://schemas.microsoft.com/office/drawing/2014/main" id="{345E91AF-1F31-4DE1-ABCD-8C0326089302}"/>
+                <a16:creationId xmlns:a16="http://schemas.microsoft.com/office/drawing/2014/main" id="{345E91AF-1F31-4DE1-ABCD-8C0326089302}"/>
               </a:ext>
             </a:extLst>
           </p:cNvPr>
@@ -12448,7 +13799,7 @@
           <p:cNvPr id="25" name="文字方塊 6">
             <a:extLst>
               <a:ext uri="{FF2B5EF4-FFF2-40B4-BE49-F238E27FC236}">
-                <a16:creationId xmlns="" xmlns:a16="http://schemas.microsoft.com/office/drawing/2014/main" id="{AFA5128D-FDC6-49CF-B065-490ED7618382}"/>
+                <a16:creationId xmlns:a16="http://schemas.microsoft.com/office/drawing/2014/main" id="{AFA5128D-FDC6-49CF-B065-490ED7618382}"/>
               </a:ext>
             </a:extLst>
           </p:cNvPr>
@@ -12525,7 +13876,7 @@
           <p:cNvPr id="26" name="文字方塊 7">
             <a:extLst>
               <a:ext uri="{FF2B5EF4-FFF2-40B4-BE49-F238E27FC236}">
-                <a16:creationId xmlns="" xmlns:a16="http://schemas.microsoft.com/office/drawing/2014/main" id="{500E8BF5-A714-4F7E-B7D2-041B71BE2C03}"/>
+                <a16:creationId xmlns:a16="http://schemas.microsoft.com/office/drawing/2014/main" id="{500E8BF5-A714-4F7E-B7D2-041B71BE2C03}"/>
               </a:ext>
             </a:extLst>
           </p:cNvPr>
@@ -12568,7 +13919,7 @@
           <p:cNvPr id="27" name="文字方塊 8">
             <a:extLst>
               <a:ext uri="{FF2B5EF4-FFF2-40B4-BE49-F238E27FC236}">
-                <a16:creationId xmlns="" xmlns:a16="http://schemas.microsoft.com/office/drawing/2014/main" id="{FFE8DD17-A16E-4199-9B5D-237044F47F7E}"/>
+                <a16:creationId xmlns:a16="http://schemas.microsoft.com/office/drawing/2014/main" id="{FFE8DD17-A16E-4199-9B5D-237044F47F7E}"/>
               </a:ext>
             </a:extLst>
           </p:cNvPr>
@@ -12611,7 +13962,7 @@
           <p:cNvPr id="28" name="文字方塊 9">
             <a:extLst>
               <a:ext uri="{FF2B5EF4-FFF2-40B4-BE49-F238E27FC236}">
-                <a16:creationId xmlns="" xmlns:a16="http://schemas.microsoft.com/office/drawing/2014/main" id="{8EB946F6-2EEC-44AF-B2BF-2AA8B4F2CBC4}"/>
+                <a16:creationId xmlns:a16="http://schemas.microsoft.com/office/drawing/2014/main" id="{8EB946F6-2EEC-44AF-B2BF-2AA8B4F2CBC4}"/>
               </a:ext>
             </a:extLst>
           </p:cNvPr>
@@ -12646,7 +13997,7 @@
           <p:cNvPr id="29" name="文字方塊 10">
             <a:extLst>
               <a:ext uri="{FF2B5EF4-FFF2-40B4-BE49-F238E27FC236}">
-                <a16:creationId xmlns="" xmlns:a16="http://schemas.microsoft.com/office/drawing/2014/main" id="{582EF791-130E-440F-A226-EA7E4EB5AC28}"/>
+                <a16:creationId xmlns:a16="http://schemas.microsoft.com/office/drawing/2014/main" id="{582EF791-130E-440F-A226-EA7E4EB5AC28}"/>
               </a:ext>
             </a:extLst>
           </p:cNvPr>
@@ -12740,7 +14091,7 @@
           <p:cNvPr id="30" name="文字方塊 12">
             <a:extLst>
               <a:ext uri="{FF2B5EF4-FFF2-40B4-BE49-F238E27FC236}">
-                <a16:creationId xmlns="" xmlns:a16="http://schemas.microsoft.com/office/drawing/2014/main" id="{0B05D7D0-BAE6-4995-934B-E00CFFD98FA0}"/>
+                <a16:creationId xmlns:a16="http://schemas.microsoft.com/office/drawing/2014/main" id="{0B05D7D0-BAE6-4995-934B-E00CFFD98FA0}"/>
               </a:ext>
             </a:extLst>
           </p:cNvPr>
@@ -12786,7 +14137,7 @@
           <p:cNvPr id="31" name="矩形 13">
             <a:extLst>
               <a:ext uri="{FF2B5EF4-FFF2-40B4-BE49-F238E27FC236}">
-                <a16:creationId xmlns="" xmlns:a16="http://schemas.microsoft.com/office/drawing/2014/main" id="{C47076D3-12F2-455B-91A6-C3C4BA991D9D}"/>
+                <a16:creationId xmlns:a16="http://schemas.microsoft.com/office/drawing/2014/main" id="{C47076D3-12F2-455B-91A6-C3C4BA991D9D}"/>
               </a:ext>
             </a:extLst>
           </p:cNvPr>
@@ -12840,7 +14191,7 @@
           <p:cNvPr id="32" name="矩形 15">
             <a:extLst>
               <a:ext uri="{FF2B5EF4-FFF2-40B4-BE49-F238E27FC236}">
-                <a16:creationId xmlns="" xmlns:a16="http://schemas.microsoft.com/office/drawing/2014/main" id="{14A1C11C-261E-440B-8C29-2C2422867D77}"/>
+                <a16:creationId xmlns:a16="http://schemas.microsoft.com/office/drawing/2014/main" id="{14A1C11C-261E-440B-8C29-2C2422867D77}"/>
               </a:ext>
             </a:extLst>
           </p:cNvPr>
@@ -12904,7 +14255,7 @@
           <p:cNvPr id="33" name="矩形 16">
             <a:extLst>
               <a:ext uri="{FF2B5EF4-FFF2-40B4-BE49-F238E27FC236}">
-                <a16:creationId xmlns="" xmlns:a16="http://schemas.microsoft.com/office/drawing/2014/main" id="{1E099F5A-27A1-4829-80DF-E9BA27A29F6A}"/>
+                <a16:creationId xmlns:a16="http://schemas.microsoft.com/office/drawing/2014/main" id="{1E099F5A-27A1-4829-80DF-E9BA27A29F6A}"/>
               </a:ext>
             </a:extLst>
           </p:cNvPr>
@@ -12976,7 +14327,7 @@
           <p:cNvPr id="34" name="矩形 17">
             <a:extLst>
               <a:ext uri="{FF2B5EF4-FFF2-40B4-BE49-F238E27FC236}">
-                <a16:creationId xmlns="" xmlns:a16="http://schemas.microsoft.com/office/drawing/2014/main" id="{C2F7121F-64BF-4D27-90CA-E3A5761DB752}"/>
+                <a16:creationId xmlns:a16="http://schemas.microsoft.com/office/drawing/2014/main" id="{C2F7121F-64BF-4D27-90CA-E3A5761DB752}"/>
               </a:ext>
             </a:extLst>
           </p:cNvPr>
@@ -13030,7 +14381,7 @@
           <p:cNvPr id="35" name="文字方塊 18">
             <a:extLst>
               <a:ext uri="{FF2B5EF4-FFF2-40B4-BE49-F238E27FC236}">
-                <a16:creationId xmlns="" xmlns:a16="http://schemas.microsoft.com/office/drawing/2014/main" id="{1D29CB4A-5938-486A-9B69-1C4863EBF835}"/>
+                <a16:creationId xmlns:a16="http://schemas.microsoft.com/office/drawing/2014/main" id="{1D29CB4A-5938-486A-9B69-1C4863EBF835}"/>
               </a:ext>
             </a:extLst>
           </p:cNvPr>
@@ -13054,7 +14405,7 @@
           <a:lstStyle/>
           <a:p>
             <a:r>
-              <a:rPr lang="en-GB" altLang="zh-TW" sz="1400" b="1" dirty="0" smtClean="0">
+              <a:rPr lang="en-GB" altLang="zh-TW" sz="1400" b="1" dirty="0">
                 <a:solidFill>
                   <a:schemeClr val="bg1"/>
                 </a:solidFill>
@@ -13078,7 +14429,7 @@
           <p:cNvPr id="36" name="文字方塊 19">
             <a:extLst>
               <a:ext uri="{FF2B5EF4-FFF2-40B4-BE49-F238E27FC236}">
-                <a16:creationId xmlns="" xmlns:a16="http://schemas.microsoft.com/office/drawing/2014/main" id="{5D01598A-BC8E-452D-99D7-9A19476E2209}"/>
+                <a16:creationId xmlns:a16="http://schemas.microsoft.com/office/drawing/2014/main" id="{5D01598A-BC8E-452D-99D7-9A19476E2209}"/>
               </a:ext>
             </a:extLst>
           </p:cNvPr>
@@ -13142,7 +14493,7 @@
           <a:lstStyle/>
           <a:p>
             <a:r>
-              <a:rPr lang="en-US" altLang="zh-TW" sz="9600" dirty="0" smtClean="0">
+              <a:rPr lang="en-US" altLang="zh-TW" sz="9600" dirty="0">
                 <a:solidFill>
                   <a:schemeClr val="bg1"/>
                 </a:solidFill>
@@ -13159,16 +14510,7 @@
                 </a:solidFill>
                 <a:latin typeface="Franklin Gothic Heavy" pitchFamily="34" charset="0"/>
               </a:rPr>
-              <a:t>	</a:t>
-            </a:r>
-            <a:r>
-              <a:rPr lang="en-US" altLang="zh-TW" sz="9600" dirty="0" smtClean="0">
-                <a:solidFill>
-                  <a:schemeClr val="bg1"/>
-                </a:solidFill>
-                <a:latin typeface="Franklin Gothic Heavy" pitchFamily="34" charset="0"/>
-              </a:rPr>
-              <a:t>			For Watching</a:t>
+              <a:t>				For Watching</a:t>
             </a:r>
             <a:endParaRPr lang="zh-TW" altLang="en-US" sz="9600" dirty="0">
               <a:solidFill>
@@ -14325,7 +15667,7 @@
           <p:cNvPr id="12" name="圖片 11">
             <a:extLst>
               <a:ext uri="{FF2B5EF4-FFF2-40B4-BE49-F238E27FC236}">
-                <a16:creationId xmlns="" xmlns:a16="http://schemas.microsoft.com/office/drawing/2014/main" id="{B9DF6B5C-771F-47F3-86B1-8F20232752D4}"/>
+                <a16:creationId xmlns:a16="http://schemas.microsoft.com/office/drawing/2014/main" id="{B9DF6B5C-771F-47F3-86B1-8F20232752D4}"/>
               </a:ext>
             </a:extLst>
           </p:cNvPr>
@@ -14723,7 +16065,7 @@
           <p:cNvPr id="22" name="矩形 3">
             <a:extLst>
               <a:ext uri="{FF2B5EF4-FFF2-40B4-BE49-F238E27FC236}">
-                <a16:creationId xmlns="" xmlns:a16="http://schemas.microsoft.com/office/drawing/2014/main" id="{AC167845-82AC-4B39-8198-B9E73F081CCD}"/>
+                <a16:creationId xmlns:a16="http://schemas.microsoft.com/office/drawing/2014/main" id="{AC167845-82AC-4B39-8198-B9E73F081CCD}"/>
               </a:ext>
             </a:extLst>
           </p:cNvPr>
@@ -14782,7 +16124,7 @@
           <p:cNvPr id="23" name="矩形 4">
             <a:extLst>
               <a:ext uri="{FF2B5EF4-FFF2-40B4-BE49-F238E27FC236}">
-                <a16:creationId xmlns="" xmlns:a16="http://schemas.microsoft.com/office/drawing/2014/main" id="{BFF19E05-7F0B-4D53-80A0-D5568C6C5E7E}"/>
+                <a16:creationId xmlns:a16="http://schemas.microsoft.com/office/drawing/2014/main" id="{BFF19E05-7F0B-4D53-80A0-D5568C6C5E7E}"/>
               </a:ext>
             </a:extLst>
           </p:cNvPr>
@@ -14834,7 +16176,7 @@
           <p:cNvPr id="24" name="文字方塊 5">
             <a:extLst>
               <a:ext uri="{FF2B5EF4-FFF2-40B4-BE49-F238E27FC236}">
-                <a16:creationId xmlns="" xmlns:a16="http://schemas.microsoft.com/office/drawing/2014/main" id="{345E91AF-1F31-4DE1-ABCD-8C0326089302}"/>
+                <a16:creationId xmlns:a16="http://schemas.microsoft.com/office/drawing/2014/main" id="{345E91AF-1F31-4DE1-ABCD-8C0326089302}"/>
               </a:ext>
             </a:extLst>
           </p:cNvPr>
@@ -14892,7 +16234,7 @@
           <p:cNvPr id="25" name="文字方塊 6">
             <a:extLst>
               <a:ext uri="{FF2B5EF4-FFF2-40B4-BE49-F238E27FC236}">
-                <a16:creationId xmlns="" xmlns:a16="http://schemas.microsoft.com/office/drawing/2014/main" id="{AFA5128D-FDC6-49CF-B065-490ED7618382}"/>
+                <a16:creationId xmlns:a16="http://schemas.microsoft.com/office/drawing/2014/main" id="{AFA5128D-FDC6-49CF-B065-490ED7618382}"/>
               </a:ext>
             </a:extLst>
           </p:cNvPr>
@@ -14969,7 +16311,7 @@
           <p:cNvPr id="26" name="文字方塊 7">
             <a:extLst>
               <a:ext uri="{FF2B5EF4-FFF2-40B4-BE49-F238E27FC236}">
-                <a16:creationId xmlns="" xmlns:a16="http://schemas.microsoft.com/office/drawing/2014/main" id="{500E8BF5-A714-4F7E-B7D2-041B71BE2C03}"/>
+                <a16:creationId xmlns:a16="http://schemas.microsoft.com/office/drawing/2014/main" id="{500E8BF5-A714-4F7E-B7D2-041B71BE2C03}"/>
               </a:ext>
             </a:extLst>
           </p:cNvPr>
@@ -15012,7 +16354,7 @@
           <p:cNvPr id="27" name="文字方塊 8">
             <a:extLst>
               <a:ext uri="{FF2B5EF4-FFF2-40B4-BE49-F238E27FC236}">
-                <a16:creationId xmlns="" xmlns:a16="http://schemas.microsoft.com/office/drawing/2014/main" id="{FFE8DD17-A16E-4199-9B5D-237044F47F7E}"/>
+                <a16:creationId xmlns:a16="http://schemas.microsoft.com/office/drawing/2014/main" id="{FFE8DD17-A16E-4199-9B5D-237044F47F7E}"/>
               </a:ext>
             </a:extLst>
           </p:cNvPr>
@@ -15055,7 +16397,7 @@
           <p:cNvPr id="28" name="文字方塊 9">
             <a:extLst>
               <a:ext uri="{FF2B5EF4-FFF2-40B4-BE49-F238E27FC236}">
-                <a16:creationId xmlns="" xmlns:a16="http://schemas.microsoft.com/office/drawing/2014/main" id="{8EB946F6-2EEC-44AF-B2BF-2AA8B4F2CBC4}"/>
+                <a16:creationId xmlns:a16="http://schemas.microsoft.com/office/drawing/2014/main" id="{8EB946F6-2EEC-44AF-B2BF-2AA8B4F2CBC4}"/>
               </a:ext>
             </a:extLst>
           </p:cNvPr>
@@ -15090,7 +16432,7 @@
           <p:cNvPr id="29" name="文字方塊 10">
             <a:extLst>
               <a:ext uri="{FF2B5EF4-FFF2-40B4-BE49-F238E27FC236}">
-                <a16:creationId xmlns="" xmlns:a16="http://schemas.microsoft.com/office/drawing/2014/main" id="{582EF791-130E-440F-A226-EA7E4EB5AC28}"/>
+                <a16:creationId xmlns:a16="http://schemas.microsoft.com/office/drawing/2014/main" id="{582EF791-130E-440F-A226-EA7E4EB5AC28}"/>
               </a:ext>
             </a:extLst>
           </p:cNvPr>
@@ -15184,7 +16526,7 @@
           <p:cNvPr id="30" name="文字方塊 12">
             <a:extLst>
               <a:ext uri="{FF2B5EF4-FFF2-40B4-BE49-F238E27FC236}">
-                <a16:creationId xmlns="" xmlns:a16="http://schemas.microsoft.com/office/drawing/2014/main" id="{0B05D7D0-BAE6-4995-934B-E00CFFD98FA0}"/>
+                <a16:creationId xmlns:a16="http://schemas.microsoft.com/office/drawing/2014/main" id="{0B05D7D0-BAE6-4995-934B-E00CFFD98FA0}"/>
               </a:ext>
             </a:extLst>
           </p:cNvPr>
@@ -15230,7 +16572,7 @@
           <p:cNvPr id="31" name="矩形 13">
             <a:extLst>
               <a:ext uri="{FF2B5EF4-FFF2-40B4-BE49-F238E27FC236}">
-                <a16:creationId xmlns="" xmlns:a16="http://schemas.microsoft.com/office/drawing/2014/main" id="{C47076D3-12F2-455B-91A6-C3C4BA991D9D}"/>
+                <a16:creationId xmlns:a16="http://schemas.microsoft.com/office/drawing/2014/main" id="{C47076D3-12F2-455B-91A6-C3C4BA991D9D}"/>
               </a:ext>
             </a:extLst>
           </p:cNvPr>
@@ -15284,7 +16626,7 @@
           <p:cNvPr id="32" name="矩形 15">
             <a:extLst>
               <a:ext uri="{FF2B5EF4-FFF2-40B4-BE49-F238E27FC236}">
-                <a16:creationId xmlns="" xmlns:a16="http://schemas.microsoft.com/office/drawing/2014/main" id="{14A1C11C-261E-440B-8C29-2C2422867D77}"/>
+                <a16:creationId xmlns:a16="http://schemas.microsoft.com/office/drawing/2014/main" id="{14A1C11C-261E-440B-8C29-2C2422867D77}"/>
               </a:ext>
             </a:extLst>
           </p:cNvPr>
@@ -15348,7 +16690,7 @@
           <p:cNvPr id="33" name="矩形 16">
             <a:extLst>
               <a:ext uri="{FF2B5EF4-FFF2-40B4-BE49-F238E27FC236}">
-                <a16:creationId xmlns="" xmlns:a16="http://schemas.microsoft.com/office/drawing/2014/main" id="{1E099F5A-27A1-4829-80DF-E9BA27A29F6A}"/>
+                <a16:creationId xmlns:a16="http://schemas.microsoft.com/office/drawing/2014/main" id="{1E099F5A-27A1-4829-80DF-E9BA27A29F6A}"/>
               </a:ext>
             </a:extLst>
           </p:cNvPr>
@@ -15420,7 +16762,7 @@
           <p:cNvPr id="34" name="矩形 17">
             <a:extLst>
               <a:ext uri="{FF2B5EF4-FFF2-40B4-BE49-F238E27FC236}">
-                <a16:creationId xmlns="" xmlns:a16="http://schemas.microsoft.com/office/drawing/2014/main" id="{C2F7121F-64BF-4D27-90CA-E3A5761DB752}"/>
+                <a16:creationId xmlns:a16="http://schemas.microsoft.com/office/drawing/2014/main" id="{C2F7121F-64BF-4D27-90CA-E3A5761DB752}"/>
               </a:ext>
             </a:extLst>
           </p:cNvPr>
@@ -15474,7 +16816,7 @@
           <p:cNvPr id="35" name="文字方塊 18">
             <a:extLst>
               <a:ext uri="{FF2B5EF4-FFF2-40B4-BE49-F238E27FC236}">
-                <a16:creationId xmlns="" xmlns:a16="http://schemas.microsoft.com/office/drawing/2014/main" id="{1D29CB4A-5938-486A-9B69-1C4863EBF835}"/>
+                <a16:creationId xmlns:a16="http://schemas.microsoft.com/office/drawing/2014/main" id="{1D29CB4A-5938-486A-9B69-1C4863EBF835}"/>
               </a:ext>
             </a:extLst>
           </p:cNvPr>
@@ -15521,7 +16863,7 @@
           <p:cNvPr id="36" name="文字方塊 19">
             <a:extLst>
               <a:ext uri="{FF2B5EF4-FFF2-40B4-BE49-F238E27FC236}">
-                <a16:creationId xmlns="" xmlns:a16="http://schemas.microsoft.com/office/drawing/2014/main" id="{5D01598A-BC8E-452D-99D7-9A19476E2209}"/>
+                <a16:creationId xmlns:a16="http://schemas.microsoft.com/office/drawing/2014/main" id="{5D01598A-BC8E-452D-99D7-9A19476E2209}"/>
               </a:ext>
             </a:extLst>
           </p:cNvPr>
@@ -15567,7 +16909,7 @@
           <p:cNvPr id="37" name="文字方塊 20">
             <a:extLst>
               <a:ext uri="{FF2B5EF4-FFF2-40B4-BE49-F238E27FC236}">
-                <a16:creationId xmlns="" xmlns:a16="http://schemas.microsoft.com/office/drawing/2014/main" id="{710C7FF3-F020-484B-AE3E-C742E1A1ECA1}"/>
+                <a16:creationId xmlns:a16="http://schemas.microsoft.com/office/drawing/2014/main" id="{710C7FF3-F020-484B-AE3E-C742E1A1ECA1}"/>
               </a:ext>
             </a:extLst>
           </p:cNvPr>
@@ -15613,7 +16955,7 @@
           <p:cNvPr id="41" name="文字方塊 21">
             <a:extLst>
               <a:ext uri="{FF2B5EF4-FFF2-40B4-BE49-F238E27FC236}">
-                <a16:creationId xmlns="" xmlns:a16="http://schemas.microsoft.com/office/drawing/2014/main" id="{E44FE225-C03F-4FC4-AF79-884B9E2A38A6}"/>
+                <a16:creationId xmlns:a16="http://schemas.microsoft.com/office/drawing/2014/main" id="{E44FE225-C03F-4FC4-AF79-884B9E2A38A6}"/>
               </a:ext>
             </a:extLst>
           </p:cNvPr>
@@ -15720,7 +17062,7 @@
           <p:cNvPr id="42" name="文字方塊 20">
             <a:extLst>
               <a:ext uri="{FF2B5EF4-FFF2-40B4-BE49-F238E27FC236}">
-                <a16:creationId xmlns="" xmlns:a16="http://schemas.microsoft.com/office/drawing/2014/main" id="{4A52D2E5-6117-4902-9AC4-728FF7B5C906}"/>
+                <a16:creationId xmlns:a16="http://schemas.microsoft.com/office/drawing/2014/main" id="{4A52D2E5-6117-4902-9AC4-728FF7B5C906}"/>
               </a:ext>
             </a:extLst>
           </p:cNvPr>
@@ -16963,7 +18305,7 @@
           <p:cNvPr id="2" name="圖片 1">
             <a:extLst>
               <a:ext uri="{FF2B5EF4-FFF2-40B4-BE49-F238E27FC236}">
-                <a16:creationId xmlns="" xmlns:a16="http://schemas.microsoft.com/office/drawing/2014/main" id="{0A0B0DF2-D706-4ED8-BD06-723163A1E969}"/>
+                <a16:creationId xmlns:a16="http://schemas.microsoft.com/office/drawing/2014/main" id="{0A0B0DF2-D706-4ED8-BD06-723163A1E969}"/>
               </a:ext>
             </a:extLst>
           </p:cNvPr>
@@ -17353,7 +18695,7 @@
           <p:cNvPr id="22" name="矩形 3">
             <a:extLst>
               <a:ext uri="{FF2B5EF4-FFF2-40B4-BE49-F238E27FC236}">
-                <a16:creationId xmlns="" xmlns:a16="http://schemas.microsoft.com/office/drawing/2014/main" id="{AC167845-82AC-4B39-8198-B9E73F081CCD}"/>
+                <a16:creationId xmlns:a16="http://schemas.microsoft.com/office/drawing/2014/main" id="{AC167845-82AC-4B39-8198-B9E73F081CCD}"/>
               </a:ext>
             </a:extLst>
           </p:cNvPr>
@@ -17412,7 +18754,7 @@
           <p:cNvPr id="23" name="矩形 4">
             <a:extLst>
               <a:ext uri="{FF2B5EF4-FFF2-40B4-BE49-F238E27FC236}">
-                <a16:creationId xmlns="" xmlns:a16="http://schemas.microsoft.com/office/drawing/2014/main" id="{BFF19E05-7F0B-4D53-80A0-D5568C6C5E7E}"/>
+                <a16:creationId xmlns:a16="http://schemas.microsoft.com/office/drawing/2014/main" id="{BFF19E05-7F0B-4D53-80A0-D5568C6C5E7E}"/>
               </a:ext>
             </a:extLst>
           </p:cNvPr>
@@ -17464,7 +18806,7 @@
           <p:cNvPr id="24" name="文字方塊 5">
             <a:extLst>
               <a:ext uri="{FF2B5EF4-FFF2-40B4-BE49-F238E27FC236}">
-                <a16:creationId xmlns="" xmlns:a16="http://schemas.microsoft.com/office/drawing/2014/main" id="{345E91AF-1F31-4DE1-ABCD-8C0326089302}"/>
+                <a16:creationId xmlns:a16="http://schemas.microsoft.com/office/drawing/2014/main" id="{345E91AF-1F31-4DE1-ABCD-8C0326089302}"/>
               </a:ext>
             </a:extLst>
           </p:cNvPr>
@@ -17522,7 +18864,7 @@
           <p:cNvPr id="25" name="文字方塊 6">
             <a:extLst>
               <a:ext uri="{FF2B5EF4-FFF2-40B4-BE49-F238E27FC236}">
-                <a16:creationId xmlns="" xmlns:a16="http://schemas.microsoft.com/office/drawing/2014/main" id="{AFA5128D-FDC6-49CF-B065-490ED7618382}"/>
+                <a16:creationId xmlns:a16="http://schemas.microsoft.com/office/drawing/2014/main" id="{AFA5128D-FDC6-49CF-B065-490ED7618382}"/>
               </a:ext>
             </a:extLst>
           </p:cNvPr>
@@ -17599,7 +18941,7 @@
           <p:cNvPr id="26" name="文字方塊 7">
             <a:extLst>
               <a:ext uri="{FF2B5EF4-FFF2-40B4-BE49-F238E27FC236}">
-                <a16:creationId xmlns="" xmlns:a16="http://schemas.microsoft.com/office/drawing/2014/main" id="{500E8BF5-A714-4F7E-B7D2-041B71BE2C03}"/>
+                <a16:creationId xmlns:a16="http://schemas.microsoft.com/office/drawing/2014/main" id="{500E8BF5-A714-4F7E-B7D2-041B71BE2C03}"/>
               </a:ext>
             </a:extLst>
           </p:cNvPr>
@@ -17642,7 +18984,7 @@
           <p:cNvPr id="27" name="文字方塊 8">
             <a:extLst>
               <a:ext uri="{FF2B5EF4-FFF2-40B4-BE49-F238E27FC236}">
-                <a16:creationId xmlns="" xmlns:a16="http://schemas.microsoft.com/office/drawing/2014/main" id="{FFE8DD17-A16E-4199-9B5D-237044F47F7E}"/>
+                <a16:creationId xmlns:a16="http://schemas.microsoft.com/office/drawing/2014/main" id="{FFE8DD17-A16E-4199-9B5D-237044F47F7E}"/>
               </a:ext>
             </a:extLst>
           </p:cNvPr>
@@ -17685,7 +19027,7 @@
           <p:cNvPr id="28" name="文字方塊 9">
             <a:extLst>
               <a:ext uri="{FF2B5EF4-FFF2-40B4-BE49-F238E27FC236}">
-                <a16:creationId xmlns="" xmlns:a16="http://schemas.microsoft.com/office/drawing/2014/main" id="{8EB946F6-2EEC-44AF-B2BF-2AA8B4F2CBC4}"/>
+                <a16:creationId xmlns:a16="http://schemas.microsoft.com/office/drawing/2014/main" id="{8EB946F6-2EEC-44AF-B2BF-2AA8B4F2CBC4}"/>
               </a:ext>
             </a:extLst>
           </p:cNvPr>
@@ -17720,7 +19062,7 @@
           <p:cNvPr id="29" name="文字方塊 10">
             <a:extLst>
               <a:ext uri="{FF2B5EF4-FFF2-40B4-BE49-F238E27FC236}">
-                <a16:creationId xmlns="" xmlns:a16="http://schemas.microsoft.com/office/drawing/2014/main" id="{582EF791-130E-440F-A226-EA7E4EB5AC28}"/>
+                <a16:creationId xmlns:a16="http://schemas.microsoft.com/office/drawing/2014/main" id="{582EF791-130E-440F-A226-EA7E4EB5AC28}"/>
               </a:ext>
             </a:extLst>
           </p:cNvPr>
@@ -17814,7 +19156,7 @@
           <p:cNvPr id="30" name="文字方塊 12">
             <a:extLst>
               <a:ext uri="{FF2B5EF4-FFF2-40B4-BE49-F238E27FC236}">
-                <a16:creationId xmlns="" xmlns:a16="http://schemas.microsoft.com/office/drawing/2014/main" id="{0B05D7D0-BAE6-4995-934B-E00CFFD98FA0}"/>
+                <a16:creationId xmlns:a16="http://schemas.microsoft.com/office/drawing/2014/main" id="{0B05D7D0-BAE6-4995-934B-E00CFFD98FA0}"/>
               </a:ext>
             </a:extLst>
           </p:cNvPr>
@@ -17860,7 +19202,7 @@
           <p:cNvPr id="31" name="矩形 13">
             <a:extLst>
               <a:ext uri="{FF2B5EF4-FFF2-40B4-BE49-F238E27FC236}">
-                <a16:creationId xmlns="" xmlns:a16="http://schemas.microsoft.com/office/drawing/2014/main" id="{C47076D3-12F2-455B-91A6-C3C4BA991D9D}"/>
+                <a16:creationId xmlns:a16="http://schemas.microsoft.com/office/drawing/2014/main" id="{C47076D3-12F2-455B-91A6-C3C4BA991D9D}"/>
               </a:ext>
             </a:extLst>
           </p:cNvPr>
@@ -17914,7 +19256,7 @@
           <p:cNvPr id="32" name="矩形 15">
             <a:extLst>
               <a:ext uri="{FF2B5EF4-FFF2-40B4-BE49-F238E27FC236}">
-                <a16:creationId xmlns="" xmlns:a16="http://schemas.microsoft.com/office/drawing/2014/main" id="{14A1C11C-261E-440B-8C29-2C2422867D77}"/>
+                <a16:creationId xmlns:a16="http://schemas.microsoft.com/office/drawing/2014/main" id="{14A1C11C-261E-440B-8C29-2C2422867D77}"/>
               </a:ext>
             </a:extLst>
           </p:cNvPr>
@@ -17978,7 +19320,7 @@
           <p:cNvPr id="33" name="矩形 16">
             <a:extLst>
               <a:ext uri="{FF2B5EF4-FFF2-40B4-BE49-F238E27FC236}">
-                <a16:creationId xmlns="" xmlns:a16="http://schemas.microsoft.com/office/drawing/2014/main" id="{1E099F5A-27A1-4829-80DF-E9BA27A29F6A}"/>
+                <a16:creationId xmlns:a16="http://schemas.microsoft.com/office/drawing/2014/main" id="{1E099F5A-27A1-4829-80DF-E9BA27A29F6A}"/>
               </a:ext>
             </a:extLst>
           </p:cNvPr>
@@ -18050,7 +19392,7 @@
           <p:cNvPr id="34" name="矩形 17">
             <a:extLst>
               <a:ext uri="{FF2B5EF4-FFF2-40B4-BE49-F238E27FC236}">
-                <a16:creationId xmlns="" xmlns:a16="http://schemas.microsoft.com/office/drawing/2014/main" id="{C2F7121F-64BF-4D27-90CA-E3A5761DB752}"/>
+                <a16:creationId xmlns:a16="http://schemas.microsoft.com/office/drawing/2014/main" id="{C2F7121F-64BF-4D27-90CA-E3A5761DB752}"/>
               </a:ext>
             </a:extLst>
           </p:cNvPr>
@@ -18104,7 +19446,7 @@
           <p:cNvPr id="35" name="文字方塊 18">
             <a:extLst>
               <a:ext uri="{FF2B5EF4-FFF2-40B4-BE49-F238E27FC236}">
-                <a16:creationId xmlns="" xmlns:a16="http://schemas.microsoft.com/office/drawing/2014/main" id="{1D29CB4A-5938-486A-9B69-1C4863EBF835}"/>
+                <a16:creationId xmlns:a16="http://schemas.microsoft.com/office/drawing/2014/main" id="{1D29CB4A-5938-486A-9B69-1C4863EBF835}"/>
               </a:ext>
             </a:extLst>
           </p:cNvPr>
@@ -18151,7 +19493,7 @@
           <p:cNvPr id="36" name="文字方塊 19">
             <a:extLst>
               <a:ext uri="{FF2B5EF4-FFF2-40B4-BE49-F238E27FC236}">
-                <a16:creationId xmlns="" xmlns:a16="http://schemas.microsoft.com/office/drawing/2014/main" id="{5D01598A-BC8E-452D-99D7-9A19476E2209}"/>
+                <a16:creationId xmlns:a16="http://schemas.microsoft.com/office/drawing/2014/main" id="{5D01598A-BC8E-452D-99D7-9A19476E2209}"/>
               </a:ext>
             </a:extLst>
           </p:cNvPr>
@@ -18197,7 +19539,7 @@
           <p:cNvPr id="37" name="文字方塊 20">
             <a:extLst>
               <a:ext uri="{FF2B5EF4-FFF2-40B4-BE49-F238E27FC236}">
-                <a16:creationId xmlns="" xmlns:a16="http://schemas.microsoft.com/office/drawing/2014/main" id="{710C7FF3-F020-484B-AE3E-C742E1A1ECA1}"/>
+                <a16:creationId xmlns:a16="http://schemas.microsoft.com/office/drawing/2014/main" id="{710C7FF3-F020-484B-AE3E-C742E1A1ECA1}"/>
               </a:ext>
             </a:extLst>
           </p:cNvPr>
@@ -18243,7 +19585,7 @@
           <p:cNvPr id="5" name="Group 4">
             <a:extLst>
               <a:ext uri="{FF2B5EF4-FFF2-40B4-BE49-F238E27FC236}">
-                <a16:creationId xmlns="" xmlns:a16="http://schemas.microsoft.com/office/drawing/2014/main" id="{046CB3DE-0C4C-4AA2-8F91-9AC21EE8EC24}"/>
+                <a16:creationId xmlns:a16="http://schemas.microsoft.com/office/drawing/2014/main" id="{046CB3DE-0C4C-4AA2-8F91-9AC21EE8EC24}"/>
               </a:ext>
             </a:extLst>
           </p:cNvPr>
@@ -18253,51 +19595,17 @@
         <p:grpSpPr>
           <a:xfrm>
             <a:off x="2999839" y="852595"/>
-            <a:ext cx="8452355" cy="5959267"/>
+            <a:ext cx="8452353" cy="369277"/>
             <a:chOff x="2999839" y="852595"/>
-            <a:chExt cx="8452355" cy="5959267"/>
+            <a:chExt cx="8452353" cy="369277"/>
           </a:xfrm>
         </p:grpSpPr>
-        <p:pic>
-          <p:nvPicPr>
-            <p:cNvPr id="21" name="Google Shape;83;p16">
-              <a:extLst>
-                <a:ext uri="{FF2B5EF4-FFF2-40B4-BE49-F238E27FC236}">
-                  <a16:creationId xmlns="" xmlns:a16="http://schemas.microsoft.com/office/drawing/2014/main" id="{8D1A771A-F97B-49E3-90A1-AE79093DC861}"/>
-                </a:ext>
-              </a:extLst>
-            </p:cNvPr>
-            <p:cNvPicPr preferRelativeResize="0"/>
-            <p:nvPr/>
-          </p:nvPicPr>
-          <p:blipFill>
-            <a:blip r:embed="rId2">
-              <a:alphaModFix/>
-            </a:blip>
-            <a:stretch>
-              <a:fillRect/>
-            </a:stretch>
-          </p:blipFill>
-          <p:spPr>
-            <a:xfrm>
-              <a:off x="2999840" y="1221871"/>
-              <a:ext cx="8452354" cy="5589991"/>
-            </a:xfrm>
-            <a:prstGeom prst="rect">
-              <a:avLst/>
-            </a:prstGeom>
-            <a:noFill/>
-            <a:ln>
-              <a:noFill/>
-            </a:ln>
-          </p:spPr>
-        </p:pic>
         <p:sp>
           <p:nvSpPr>
             <p:cNvPr id="38" name="矩形 4">
               <a:extLst>
                 <a:ext uri="{FF2B5EF4-FFF2-40B4-BE49-F238E27FC236}">
-                  <a16:creationId xmlns="" xmlns:a16="http://schemas.microsoft.com/office/drawing/2014/main" id="{81712B43-F474-4202-9B8A-E15A20669DAA}"/>
+                  <a16:creationId xmlns:a16="http://schemas.microsoft.com/office/drawing/2014/main" id="{81712B43-F474-4202-9B8A-E15A20669DAA}"/>
                 </a:ext>
               </a:extLst>
             </p:cNvPr>
@@ -18351,7 +19659,7 @@
             <p:cNvPr id="40" name="文字方塊 6">
               <a:extLst>
                 <a:ext uri="{FF2B5EF4-FFF2-40B4-BE49-F238E27FC236}">
-                  <a16:creationId xmlns="" xmlns:a16="http://schemas.microsoft.com/office/drawing/2014/main" id="{01D20FCD-BA91-4B70-835D-3E1BDE452024}"/>
+                  <a16:creationId xmlns:a16="http://schemas.microsoft.com/office/drawing/2014/main" id="{01D20FCD-BA91-4B70-835D-3E1BDE452024}"/>
                 </a:ext>
               </a:extLst>
             </p:cNvPr>
@@ -18403,7 +19711,7 @@
             <p:cNvPr id="4" name="Picture 3">
               <a:extLst>
                 <a:ext uri="{FF2B5EF4-FFF2-40B4-BE49-F238E27FC236}">
-                  <a16:creationId xmlns="" xmlns:a16="http://schemas.microsoft.com/office/drawing/2014/main" id="{EF5B2090-F61C-4DC1-89B6-18D641C29427}"/>
+                  <a16:creationId xmlns:a16="http://schemas.microsoft.com/office/drawing/2014/main" id="{EF5B2090-F61C-4DC1-89B6-18D641C29427}"/>
                 </a:ext>
               </a:extLst>
             </p:cNvPr>
@@ -18413,7 +19721,7 @@
             <p:nvPr/>
           </p:nvPicPr>
           <p:blipFill>
-            <a:blip r:embed="rId3"/>
+            <a:blip r:embed="rId2"/>
             <a:stretch>
               <a:fillRect/>
             </a:stretch>
@@ -18429,6 +19737,42 @@
           </p:spPr>
         </p:pic>
       </p:grpSp>
+      <p:pic>
+        <p:nvPicPr>
+          <p:cNvPr id="7" name="圖片 6">
+            <a:extLst>
+              <a:ext uri="{FF2B5EF4-FFF2-40B4-BE49-F238E27FC236}">
+                <a16:creationId xmlns:a16="http://schemas.microsoft.com/office/drawing/2014/main" id="{3652AA9F-277F-4E76-A4F7-08FAE445A097}"/>
+              </a:ext>
+            </a:extLst>
+          </p:cNvPr>
+          <p:cNvPicPr>
+            <a:picLocks noChangeAspect="1"/>
+          </p:cNvPicPr>
+          <p:nvPr/>
+        </p:nvPicPr>
+        <p:blipFill>
+          <a:blip r:embed="rId3">
+            <a:extLst>
+              <a:ext uri="{28A0092B-C50C-407E-A947-70E740481C1C}">
+                <a14:useLocalDpi xmlns:a14="http://schemas.microsoft.com/office/drawing/2010/main" val="0"/>
+              </a:ext>
+            </a:extLst>
+          </a:blip>
+          <a:stretch>
+            <a:fillRect/>
+          </a:stretch>
+        </p:blipFill>
+        <p:spPr>
+          <a:xfrm>
+            <a:off x="2999839" y="1221868"/>
+            <a:ext cx="8452353" cy="5286375"/>
+          </a:xfrm>
+          <a:prstGeom prst="rect">
+            <a:avLst/>
+          </a:prstGeom>
+        </p:spPr>
+      </p:pic>
     </p:spTree>
     <p:extLst>
       <p:ext uri="{BB962C8B-B14F-4D97-AF65-F5344CB8AC3E}">
@@ -18780,7 +20124,7 @@
           <p:cNvPr id="22" name="矩形 3">
             <a:extLst>
               <a:ext uri="{FF2B5EF4-FFF2-40B4-BE49-F238E27FC236}">
-                <a16:creationId xmlns="" xmlns:a16="http://schemas.microsoft.com/office/drawing/2014/main" id="{AC167845-82AC-4B39-8198-B9E73F081CCD}"/>
+                <a16:creationId xmlns:a16="http://schemas.microsoft.com/office/drawing/2014/main" id="{AC167845-82AC-4B39-8198-B9E73F081CCD}"/>
               </a:ext>
             </a:extLst>
           </p:cNvPr>
@@ -18839,7 +20183,7 @@
           <p:cNvPr id="23" name="矩形 4">
             <a:extLst>
               <a:ext uri="{FF2B5EF4-FFF2-40B4-BE49-F238E27FC236}">
-                <a16:creationId xmlns="" xmlns:a16="http://schemas.microsoft.com/office/drawing/2014/main" id="{BFF19E05-7F0B-4D53-80A0-D5568C6C5E7E}"/>
+                <a16:creationId xmlns:a16="http://schemas.microsoft.com/office/drawing/2014/main" id="{BFF19E05-7F0B-4D53-80A0-D5568C6C5E7E}"/>
               </a:ext>
             </a:extLst>
           </p:cNvPr>
@@ -18891,7 +20235,7 @@
           <p:cNvPr id="24" name="文字方塊 5">
             <a:extLst>
               <a:ext uri="{FF2B5EF4-FFF2-40B4-BE49-F238E27FC236}">
-                <a16:creationId xmlns="" xmlns:a16="http://schemas.microsoft.com/office/drawing/2014/main" id="{345E91AF-1F31-4DE1-ABCD-8C0326089302}"/>
+                <a16:creationId xmlns:a16="http://schemas.microsoft.com/office/drawing/2014/main" id="{345E91AF-1F31-4DE1-ABCD-8C0326089302}"/>
               </a:ext>
             </a:extLst>
           </p:cNvPr>
@@ -18949,7 +20293,7 @@
           <p:cNvPr id="25" name="文字方塊 6">
             <a:extLst>
               <a:ext uri="{FF2B5EF4-FFF2-40B4-BE49-F238E27FC236}">
-                <a16:creationId xmlns="" xmlns:a16="http://schemas.microsoft.com/office/drawing/2014/main" id="{AFA5128D-FDC6-49CF-B065-490ED7618382}"/>
+                <a16:creationId xmlns:a16="http://schemas.microsoft.com/office/drawing/2014/main" id="{AFA5128D-FDC6-49CF-B065-490ED7618382}"/>
               </a:ext>
             </a:extLst>
           </p:cNvPr>
@@ -19026,7 +20370,7 @@
           <p:cNvPr id="26" name="文字方塊 7">
             <a:extLst>
               <a:ext uri="{FF2B5EF4-FFF2-40B4-BE49-F238E27FC236}">
-                <a16:creationId xmlns="" xmlns:a16="http://schemas.microsoft.com/office/drawing/2014/main" id="{500E8BF5-A714-4F7E-B7D2-041B71BE2C03}"/>
+                <a16:creationId xmlns:a16="http://schemas.microsoft.com/office/drawing/2014/main" id="{500E8BF5-A714-4F7E-B7D2-041B71BE2C03}"/>
               </a:ext>
             </a:extLst>
           </p:cNvPr>
@@ -19069,7 +20413,7 @@
           <p:cNvPr id="27" name="文字方塊 8">
             <a:extLst>
               <a:ext uri="{FF2B5EF4-FFF2-40B4-BE49-F238E27FC236}">
-                <a16:creationId xmlns="" xmlns:a16="http://schemas.microsoft.com/office/drawing/2014/main" id="{FFE8DD17-A16E-4199-9B5D-237044F47F7E}"/>
+                <a16:creationId xmlns:a16="http://schemas.microsoft.com/office/drawing/2014/main" id="{FFE8DD17-A16E-4199-9B5D-237044F47F7E}"/>
               </a:ext>
             </a:extLst>
           </p:cNvPr>
@@ -19112,7 +20456,7 @@
           <p:cNvPr id="28" name="文字方塊 9">
             <a:extLst>
               <a:ext uri="{FF2B5EF4-FFF2-40B4-BE49-F238E27FC236}">
-                <a16:creationId xmlns="" xmlns:a16="http://schemas.microsoft.com/office/drawing/2014/main" id="{8EB946F6-2EEC-44AF-B2BF-2AA8B4F2CBC4}"/>
+                <a16:creationId xmlns:a16="http://schemas.microsoft.com/office/drawing/2014/main" id="{8EB946F6-2EEC-44AF-B2BF-2AA8B4F2CBC4}"/>
               </a:ext>
             </a:extLst>
           </p:cNvPr>
@@ -19147,7 +20491,7 @@
           <p:cNvPr id="29" name="文字方塊 10">
             <a:extLst>
               <a:ext uri="{FF2B5EF4-FFF2-40B4-BE49-F238E27FC236}">
-                <a16:creationId xmlns="" xmlns:a16="http://schemas.microsoft.com/office/drawing/2014/main" id="{582EF791-130E-440F-A226-EA7E4EB5AC28}"/>
+                <a16:creationId xmlns:a16="http://schemas.microsoft.com/office/drawing/2014/main" id="{582EF791-130E-440F-A226-EA7E4EB5AC28}"/>
               </a:ext>
             </a:extLst>
           </p:cNvPr>
@@ -19241,7 +20585,7 @@
           <p:cNvPr id="30" name="文字方塊 12">
             <a:extLst>
               <a:ext uri="{FF2B5EF4-FFF2-40B4-BE49-F238E27FC236}">
-                <a16:creationId xmlns="" xmlns:a16="http://schemas.microsoft.com/office/drawing/2014/main" id="{0B05D7D0-BAE6-4995-934B-E00CFFD98FA0}"/>
+                <a16:creationId xmlns:a16="http://schemas.microsoft.com/office/drawing/2014/main" id="{0B05D7D0-BAE6-4995-934B-E00CFFD98FA0}"/>
               </a:ext>
             </a:extLst>
           </p:cNvPr>
@@ -19287,7 +20631,7 @@
           <p:cNvPr id="31" name="矩形 13">
             <a:extLst>
               <a:ext uri="{FF2B5EF4-FFF2-40B4-BE49-F238E27FC236}">
-                <a16:creationId xmlns="" xmlns:a16="http://schemas.microsoft.com/office/drawing/2014/main" id="{C47076D3-12F2-455B-91A6-C3C4BA991D9D}"/>
+                <a16:creationId xmlns:a16="http://schemas.microsoft.com/office/drawing/2014/main" id="{C47076D3-12F2-455B-91A6-C3C4BA991D9D}"/>
               </a:ext>
             </a:extLst>
           </p:cNvPr>
@@ -19341,7 +20685,7 @@
           <p:cNvPr id="32" name="矩形 15">
             <a:extLst>
               <a:ext uri="{FF2B5EF4-FFF2-40B4-BE49-F238E27FC236}">
-                <a16:creationId xmlns="" xmlns:a16="http://schemas.microsoft.com/office/drawing/2014/main" id="{14A1C11C-261E-440B-8C29-2C2422867D77}"/>
+                <a16:creationId xmlns:a16="http://schemas.microsoft.com/office/drawing/2014/main" id="{14A1C11C-261E-440B-8C29-2C2422867D77}"/>
               </a:ext>
             </a:extLst>
           </p:cNvPr>
@@ -19405,7 +20749,7 @@
           <p:cNvPr id="33" name="矩形 16">
             <a:extLst>
               <a:ext uri="{FF2B5EF4-FFF2-40B4-BE49-F238E27FC236}">
-                <a16:creationId xmlns="" xmlns:a16="http://schemas.microsoft.com/office/drawing/2014/main" id="{1E099F5A-27A1-4829-80DF-E9BA27A29F6A}"/>
+                <a16:creationId xmlns:a16="http://schemas.microsoft.com/office/drawing/2014/main" id="{1E099F5A-27A1-4829-80DF-E9BA27A29F6A}"/>
               </a:ext>
             </a:extLst>
           </p:cNvPr>
@@ -19477,7 +20821,7 @@
           <p:cNvPr id="34" name="矩形 17">
             <a:extLst>
               <a:ext uri="{FF2B5EF4-FFF2-40B4-BE49-F238E27FC236}">
-                <a16:creationId xmlns="" xmlns:a16="http://schemas.microsoft.com/office/drawing/2014/main" id="{C2F7121F-64BF-4D27-90CA-E3A5761DB752}"/>
+                <a16:creationId xmlns:a16="http://schemas.microsoft.com/office/drawing/2014/main" id="{C2F7121F-64BF-4D27-90CA-E3A5761DB752}"/>
               </a:ext>
             </a:extLst>
           </p:cNvPr>
@@ -19531,7 +20875,7 @@
           <p:cNvPr id="35" name="文字方塊 18">
             <a:extLst>
               <a:ext uri="{FF2B5EF4-FFF2-40B4-BE49-F238E27FC236}">
-                <a16:creationId xmlns="" xmlns:a16="http://schemas.microsoft.com/office/drawing/2014/main" id="{1D29CB4A-5938-486A-9B69-1C4863EBF835}"/>
+                <a16:creationId xmlns:a16="http://schemas.microsoft.com/office/drawing/2014/main" id="{1D29CB4A-5938-486A-9B69-1C4863EBF835}"/>
               </a:ext>
             </a:extLst>
           </p:cNvPr>
@@ -19578,7 +20922,7 @@
           <p:cNvPr id="36" name="文字方塊 19">
             <a:extLst>
               <a:ext uri="{FF2B5EF4-FFF2-40B4-BE49-F238E27FC236}">
-                <a16:creationId xmlns="" xmlns:a16="http://schemas.microsoft.com/office/drawing/2014/main" id="{5D01598A-BC8E-452D-99D7-9A19476E2209}"/>
+                <a16:creationId xmlns:a16="http://schemas.microsoft.com/office/drawing/2014/main" id="{5D01598A-BC8E-452D-99D7-9A19476E2209}"/>
               </a:ext>
             </a:extLst>
           </p:cNvPr>
@@ -19624,7 +20968,7 @@
           <p:cNvPr id="37" name="文字方塊 20">
             <a:extLst>
               <a:ext uri="{FF2B5EF4-FFF2-40B4-BE49-F238E27FC236}">
-                <a16:creationId xmlns="" xmlns:a16="http://schemas.microsoft.com/office/drawing/2014/main" id="{710C7FF3-F020-484B-AE3E-C742E1A1ECA1}"/>
+                <a16:creationId xmlns:a16="http://schemas.microsoft.com/office/drawing/2014/main" id="{710C7FF3-F020-484B-AE3E-C742E1A1ECA1}"/>
               </a:ext>
             </a:extLst>
           </p:cNvPr>
@@ -19684,7 +21028,7 @@
             <p:cNvPr id="5" name="Group 4">
               <a:extLst>
                 <a:ext uri="{FF2B5EF4-FFF2-40B4-BE49-F238E27FC236}">
-                  <a16:creationId xmlns="" xmlns:a16="http://schemas.microsoft.com/office/drawing/2014/main" id="{046CB3DE-0C4C-4AA2-8F91-9AC21EE8EC24}"/>
+                  <a16:creationId xmlns:a16="http://schemas.microsoft.com/office/drawing/2014/main" id="{046CB3DE-0C4C-4AA2-8F91-9AC21EE8EC24}"/>
                 </a:ext>
               </a:extLst>
             </p:cNvPr>
@@ -19704,7 +21048,7 @@
               <p:cNvPr id="38" name="矩形 4">
                 <a:extLst>
                   <a:ext uri="{FF2B5EF4-FFF2-40B4-BE49-F238E27FC236}">
-                    <a16:creationId xmlns="" xmlns:a16="http://schemas.microsoft.com/office/drawing/2014/main" id="{81712B43-F474-4202-9B8A-E15A20669DAA}"/>
+                    <a16:creationId xmlns:a16="http://schemas.microsoft.com/office/drawing/2014/main" id="{81712B43-F474-4202-9B8A-E15A20669DAA}"/>
                   </a:ext>
                 </a:extLst>
               </p:cNvPr>
@@ -19758,7 +21102,7 @@
               <p:cNvPr id="40" name="文字方塊 6">
                 <a:extLst>
                   <a:ext uri="{FF2B5EF4-FFF2-40B4-BE49-F238E27FC236}">
-                    <a16:creationId xmlns="" xmlns:a16="http://schemas.microsoft.com/office/drawing/2014/main" id="{01D20FCD-BA91-4B70-835D-3E1BDE452024}"/>
+                    <a16:creationId xmlns:a16="http://schemas.microsoft.com/office/drawing/2014/main" id="{01D20FCD-BA91-4B70-835D-3E1BDE452024}"/>
                   </a:ext>
                 </a:extLst>
               </p:cNvPr>
@@ -19810,7 +21154,7 @@
               <p:cNvPr id="4" name="Picture 3">
                 <a:extLst>
                   <a:ext uri="{FF2B5EF4-FFF2-40B4-BE49-F238E27FC236}">
-                    <a16:creationId xmlns="" xmlns:a16="http://schemas.microsoft.com/office/drawing/2014/main" id="{EF5B2090-F61C-4DC1-89B6-18D641C29427}"/>
+                    <a16:creationId xmlns:a16="http://schemas.microsoft.com/office/drawing/2014/main" id="{EF5B2090-F61C-4DC1-89B6-18D641C29427}"/>
                   </a:ext>
                 </a:extLst>
               </p:cNvPr>
@@ -21040,7 +22384,7 @@
           <p:cNvPr id="3" name="圖片 2">
             <a:extLst>
               <a:ext uri="{FF2B5EF4-FFF2-40B4-BE49-F238E27FC236}">
-                <a16:creationId xmlns="" xmlns:a16="http://schemas.microsoft.com/office/drawing/2014/main" id="{1745B14B-7C22-4B69-A242-D95F10627C71}"/>
+                <a16:creationId xmlns:a16="http://schemas.microsoft.com/office/drawing/2014/main" id="{1745B14B-7C22-4B69-A242-D95F10627C71}"/>
               </a:ext>
             </a:extLst>
           </p:cNvPr>
@@ -21439,7 +22783,7 @@
           <p:cNvPr id="22" name="矩形 3">
             <a:extLst>
               <a:ext uri="{FF2B5EF4-FFF2-40B4-BE49-F238E27FC236}">
-                <a16:creationId xmlns="" xmlns:a16="http://schemas.microsoft.com/office/drawing/2014/main" id="{AC167845-82AC-4B39-8198-B9E73F081CCD}"/>
+                <a16:creationId xmlns:a16="http://schemas.microsoft.com/office/drawing/2014/main" id="{AC167845-82AC-4B39-8198-B9E73F081CCD}"/>
               </a:ext>
             </a:extLst>
           </p:cNvPr>
@@ -21498,7 +22842,7 @@
           <p:cNvPr id="23" name="矩形 4">
             <a:extLst>
               <a:ext uri="{FF2B5EF4-FFF2-40B4-BE49-F238E27FC236}">
-                <a16:creationId xmlns="" xmlns:a16="http://schemas.microsoft.com/office/drawing/2014/main" id="{BFF19E05-7F0B-4D53-80A0-D5568C6C5E7E}"/>
+                <a16:creationId xmlns:a16="http://schemas.microsoft.com/office/drawing/2014/main" id="{BFF19E05-7F0B-4D53-80A0-D5568C6C5E7E}"/>
               </a:ext>
             </a:extLst>
           </p:cNvPr>
@@ -21550,7 +22894,7 @@
           <p:cNvPr id="24" name="文字方塊 5">
             <a:extLst>
               <a:ext uri="{FF2B5EF4-FFF2-40B4-BE49-F238E27FC236}">
-                <a16:creationId xmlns="" xmlns:a16="http://schemas.microsoft.com/office/drawing/2014/main" id="{345E91AF-1F31-4DE1-ABCD-8C0326089302}"/>
+                <a16:creationId xmlns:a16="http://schemas.microsoft.com/office/drawing/2014/main" id="{345E91AF-1F31-4DE1-ABCD-8C0326089302}"/>
               </a:ext>
             </a:extLst>
           </p:cNvPr>
@@ -21608,7 +22952,7 @@
           <p:cNvPr id="25" name="文字方塊 6">
             <a:extLst>
               <a:ext uri="{FF2B5EF4-FFF2-40B4-BE49-F238E27FC236}">
-                <a16:creationId xmlns="" xmlns:a16="http://schemas.microsoft.com/office/drawing/2014/main" id="{AFA5128D-FDC6-49CF-B065-490ED7618382}"/>
+                <a16:creationId xmlns:a16="http://schemas.microsoft.com/office/drawing/2014/main" id="{AFA5128D-FDC6-49CF-B065-490ED7618382}"/>
               </a:ext>
             </a:extLst>
           </p:cNvPr>
@@ -21685,7 +23029,7 @@
           <p:cNvPr id="26" name="文字方塊 7">
             <a:extLst>
               <a:ext uri="{FF2B5EF4-FFF2-40B4-BE49-F238E27FC236}">
-                <a16:creationId xmlns="" xmlns:a16="http://schemas.microsoft.com/office/drawing/2014/main" id="{500E8BF5-A714-4F7E-B7D2-041B71BE2C03}"/>
+                <a16:creationId xmlns:a16="http://schemas.microsoft.com/office/drawing/2014/main" id="{500E8BF5-A714-4F7E-B7D2-041B71BE2C03}"/>
               </a:ext>
             </a:extLst>
           </p:cNvPr>
@@ -21728,7 +23072,7 @@
           <p:cNvPr id="27" name="文字方塊 8">
             <a:extLst>
               <a:ext uri="{FF2B5EF4-FFF2-40B4-BE49-F238E27FC236}">
-                <a16:creationId xmlns="" xmlns:a16="http://schemas.microsoft.com/office/drawing/2014/main" id="{FFE8DD17-A16E-4199-9B5D-237044F47F7E}"/>
+                <a16:creationId xmlns:a16="http://schemas.microsoft.com/office/drawing/2014/main" id="{FFE8DD17-A16E-4199-9B5D-237044F47F7E}"/>
               </a:ext>
             </a:extLst>
           </p:cNvPr>
@@ -21771,7 +23115,7 @@
           <p:cNvPr id="28" name="文字方塊 9">
             <a:extLst>
               <a:ext uri="{FF2B5EF4-FFF2-40B4-BE49-F238E27FC236}">
-                <a16:creationId xmlns="" xmlns:a16="http://schemas.microsoft.com/office/drawing/2014/main" id="{8EB946F6-2EEC-44AF-B2BF-2AA8B4F2CBC4}"/>
+                <a16:creationId xmlns:a16="http://schemas.microsoft.com/office/drawing/2014/main" id="{8EB946F6-2EEC-44AF-B2BF-2AA8B4F2CBC4}"/>
               </a:ext>
             </a:extLst>
           </p:cNvPr>
@@ -21806,7 +23150,7 @@
           <p:cNvPr id="29" name="文字方塊 10">
             <a:extLst>
               <a:ext uri="{FF2B5EF4-FFF2-40B4-BE49-F238E27FC236}">
-                <a16:creationId xmlns="" xmlns:a16="http://schemas.microsoft.com/office/drawing/2014/main" id="{582EF791-130E-440F-A226-EA7E4EB5AC28}"/>
+                <a16:creationId xmlns:a16="http://schemas.microsoft.com/office/drawing/2014/main" id="{582EF791-130E-440F-A226-EA7E4EB5AC28}"/>
               </a:ext>
             </a:extLst>
           </p:cNvPr>
@@ -21900,7 +23244,7 @@
           <p:cNvPr id="31" name="矩形 13">
             <a:extLst>
               <a:ext uri="{FF2B5EF4-FFF2-40B4-BE49-F238E27FC236}">
-                <a16:creationId xmlns="" xmlns:a16="http://schemas.microsoft.com/office/drawing/2014/main" id="{C47076D3-12F2-455B-91A6-C3C4BA991D9D}"/>
+                <a16:creationId xmlns:a16="http://schemas.microsoft.com/office/drawing/2014/main" id="{C47076D3-12F2-455B-91A6-C3C4BA991D9D}"/>
               </a:ext>
             </a:extLst>
           </p:cNvPr>
@@ -21954,7 +23298,7 @@
           <p:cNvPr id="32" name="矩形 15">
             <a:extLst>
               <a:ext uri="{FF2B5EF4-FFF2-40B4-BE49-F238E27FC236}">
-                <a16:creationId xmlns="" xmlns:a16="http://schemas.microsoft.com/office/drawing/2014/main" id="{14A1C11C-261E-440B-8C29-2C2422867D77}"/>
+                <a16:creationId xmlns:a16="http://schemas.microsoft.com/office/drawing/2014/main" id="{14A1C11C-261E-440B-8C29-2C2422867D77}"/>
               </a:ext>
             </a:extLst>
           </p:cNvPr>
@@ -22018,7 +23362,7 @@
           <p:cNvPr id="33" name="矩形 16">
             <a:extLst>
               <a:ext uri="{FF2B5EF4-FFF2-40B4-BE49-F238E27FC236}">
-                <a16:creationId xmlns="" xmlns:a16="http://schemas.microsoft.com/office/drawing/2014/main" id="{1E099F5A-27A1-4829-80DF-E9BA27A29F6A}"/>
+                <a16:creationId xmlns:a16="http://schemas.microsoft.com/office/drawing/2014/main" id="{1E099F5A-27A1-4829-80DF-E9BA27A29F6A}"/>
               </a:ext>
             </a:extLst>
           </p:cNvPr>
@@ -22090,7 +23434,7 @@
           <p:cNvPr id="34" name="矩形 17">
             <a:extLst>
               <a:ext uri="{FF2B5EF4-FFF2-40B4-BE49-F238E27FC236}">
-                <a16:creationId xmlns="" xmlns:a16="http://schemas.microsoft.com/office/drawing/2014/main" id="{C2F7121F-64BF-4D27-90CA-E3A5761DB752}"/>
+                <a16:creationId xmlns:a16="http://schemas.microsoft.com/office/drawing/2014/main" id="{C2F7121F-64BF-4D27-90CA-E3A5761DB752}"/>
               </a:ext>
             </a:extLst>
           </p:cNvPr>
@@ -22144,7 +23488,7 @@
           <p:cNvPr id="35" name="文字方塊 18">
             <a:extLst>
               <a:ext uri="{FF2B5EF4-FFF2-40B4-BE49-F238E27FC236}">
-                <a16:creationId xmlns="" xmlns:a16="http://schemas.microsoft.com/office/drawing/2014/main" id="{1D29CB4A-5938-486A-9B69-1C4863EBF835}"/>
+                <a16:creationId xmlns:a16="http://schemas.microsoft.com/office/drawing/2014/main" id="{1D29CB4A-5938-486A-9B69-1C4863EBF835}"/>
               </a:ext>
             </a:extLst>
           </p:cNvPr>
@@ -22191,7 +23535,7 @@
           <p:cNvPr id="36" name="文字方塊 19">
             <a:extLst>
               <a:ext uri="{FF2B5EF4-FFF2-40B4-BE49-F238E27FC236}">
-                <a16:creationId xmlns="" xmlns:a16="http://schemas.microsoft.com/office/drawing/2014/main" id="{5D01598A-BC8E-452D-99D7-9A19476E2209}"/>
+                <a16:creationId xmlns:a16="http://schemas.microsoft.com/office/drawing/2014/main" id="{5D01598A-BC8E-452D-99D7-9A19476E2209}"/>
               </a:ext>
             </a:extLst>
           </p:cNvPr>
@@ -22320,7 +23664,7 @@
           <p:cNvPr id="39" name="文字方塊 19">
             <a:extLst>
               <a:ext uri="{FF2B5EF4-FFF2-40B4-BE49-F238E27FC236}">
-                <a16:creationId xmlns="" xmlns:a16="http://schemas.microsoft.com/office/drawing/2014/main" id="{5D01598A-BC8E-452D-99D7-9A19476E2209}"/>
+                <a16:creationId xmlns:a16="http://schemas.microsoft.com/office/drawing/2014/main" id="{5D01598A-BC8E-452D-99D7-9A19476E2209}"/>
               </a:ext>
             </a:extLst>
           </p:cNvPr>
@@ -22458,7 +23802,7 @@
           <p:cNvPr id="44" name="文字方塊 19">
             <a:extLst>
               <a:ext uri="{FF2B5EF4-FFF2-40B4-BE49-F238E27FC236}">
-                <a16:creationId xmlns="" xmlns:a16="http://schemas.microsoft.com/office/drawing/2014/main" id="{5D01598A-BC8E-452D-99D7-9A19476E2209}"/>
+                <a16:creationId xmlns:a16="http://schemas.microsoft.com/office/drawing/2014/main" id="{5D01598A-BC8E-452D-99D7-9A19476E2209}"/>
               </a:ext>
             </a:extLst>
           </p:cNvPr>
@@ -22596,7 +23940,7 @@
           <p:cNvPr id="47" name="文字方塊 19">
             <a:extLst>
               <a:ext uri="{FF2B5EF4-FFF2-40B4-BE49-F238E27FC236}">
-                <a16:creationId xmlns="" xmlns:a16="http://schemas.microsoft.com/office/drawing/2014/main" id="{5D01598A-BC8E-452D-99D7-9A19476E2209}"/>
+                <a16:creationId xmlns:a16="http://schemas.microsoft.com/office/drawing/2014/main" id="{5D01598A-BC8E-452D-99D7-9A19476E2209}"/>
               </a:ext>
             </a:extLst>
           </p:cNvPr>
@@ -22807,7 +24151,7 @@
           <p:cNvPr id="50" name="文字方塊 12">
             <a:extLst>
               <a:ext uri="{FF2B5EF4-FFF2-40B4-BE49-F238E27FC236}">
-                <a16:creationId xmlns="" xmlns:a16="http://schemas.microsoft.com/office/drawing/2014/main" id="{0B05D7D0-BAE6-4995-934B-E00CFFD98FA0}"/>
+                <a16:creationId xmlns:a16="http://schemas.microsoft.com/office/drawing/2014/main" id="{0B05D7D0-BAE6-4995-934B-E00CFFD98FA0}"/>
               </a:ext>
             </a:extLst>
           </p:cNvPr>
@@ -22853,7 +24197,7 @@
           <p:cNvPr id="51" name="文字方塊 12">
             <a:extLst>
               <a:ext uri="{FF2B5EF4-FFF2-40B4-BE49-F238E27FC236}">
-                <a16:creationId xmlns="" xmlns:a16="http://schemas.microsoft.com/office/drawing/2014/main" id="{0B05D7D0-BAE6-4995-934B-E00CFFD98FA0}"/>
+                <a16:creationId xmlns:a16="http://schemas.microsoft.com/office/drawing/2014/main" id="{0B05D7D0-BAE6-4995-934B-E00CFFD98FA0}"/>
               </a:ext>
             </a:extLst>
           </p:cNvPr>
@@ -22899,7 +24243,7 @@
           <p:cNvPr id="52" name="文字方塊 12">
             <a:extLst>
               <a:ext uri="{FF2B5EF4-FFF2-40B4-BE49-F238E27FC236}">
-                <a16:creationId xmlns="" xmlns:a16="http://schemas.microsoft.com/office/drawing/2014/main" id="{0B05D7D0-BAE6-4995-934B-E00CFFD98FA0}"/>
+                <a16:creationId xmlns:a16="http://schemas.microsoft.com/office/drawing/2014/main" id="{0B05D7D0-BAE6-4995-934B-E00CFFD98FA0}"/>
               </a:ext>
             </a:extLst>
           </p:cNvPr>
@@ -22945,7 +24289,7 @@
           <p:cNvPr id="53" name="文字方塊 12">
             <a:extLst>
               <a:ext uri="{FF2B5EF4-FFF2-40B4-BE49-F238E27FC236}">
-                <a16:creationId xmlns="" xmlns:a16="http://schemas.microsoft.com/office/drawing/2014/main" id="{0B05D7D0-BAE6-4995-934B-E00CFFD98FA0}"/>
+                <a16:creationId xmlns:a16="http://schemas.microsoft.com/office/drawing/2014/main" id="{0B05D7D0-BAE6-4995-934B-E00CFFD98FA0}"/>
               </a:ext>
             </a:extLst>
           </p:cNvPr>
@@ -22991,7 +24335,7 @@
           <p:cNvPr id="54" name="文字方塊 12">
             <a:extLst>
               <a:ext uri="{FF2B5EF4-FFF2-40B4-BE49-F238E27FC236}">
-                <a16:creationId xmlns="" xmlns:a16="http://schemas.microsoft.com/office/drawing/2014/main" id="{0B05D7D0-BAE6-4995-934B-E00CFFD98FA0}"/>
+                <a16:creationId xmlns:a16="http://schemas.microsoft.com/office/drawing/2014/main" id="{0B05D7D0-BAE6-4995-934B-E00CFFD98FA0}"/>
               </a:ext>
             </a:extLst>
           </p:cNvPr>
@@ -24117,7 +25461,7 @@
         </p:nvSpPr>
         <p:spPr>
           <a:xfrm>
-            <a:off x="7563" y="16552"/>
+            <a:off x="-45445" y="46137"/>
             <a:ext cx="12192000" cy="6858000"/>
           </a:xfrm>
           <a:prstGeom prst="rect">
@@ -24786,8 +26130,8 @@
         </p:nvSpPr>
         <p:spPr>
           <a:xfrm>
-            <a:off x="1699377" y="993207"/>
-            <a:ext cx="1476686" cy="307777"/>
+            <a:off x="1699377" y="1006459"/>
+            <a:ext cx="582211" cy="307777"/>
           </a:xfrm>
           <a:prstGeom prst="rect">
             <a:avLst/>
@@ -24801,13 +26145,13 @@
           <a:lstStyle/>
           <a:p>
             <a:r>
-              <a:rPr lang="en-US" altLang="zh-TW" sz="1400" dirty="0" err="1" smtClean="0">
-                <a:solidFill>
-                  <a:schemeClr val="bg1"/>
-                </a:solidFill>
-                <a:latin typeface="Consolas" panose="020B0609020204030204" pitchFamily="49" charset="0"/>
-              </a:rPr>
-              <a:t>In_the_Future</a:t>
+              <a:rPr lang="en-US" altLang="zh-TW" sz="1400" dirty="0">
+                <a:solidFill>
+                  <a:schemeClr val="bg1"/>
+                </a:solidFill>
+                <a:latin typeface="Consolas" panose="020B0609020204030204" pitchFamily="49" charset="0"/>
+              </a:rPr>
+              <a:t>next</a:t>
             </a:r>
             <a:endParaRPr lang="zh-TW" altLang="en-US" sz="1400" b="1" dirty="0">
               <a:solidFill>
@@ -24827,7 +26171,7 @@
         </p:nvSpPr>
         <p:spPr>
           <a:xfrm>
-            <a:off x="3049537" y="949886"/>
+            <a:off x="2108645" y="936634"/>
             <a:ext cx="311304" cy="369332"/>
           </a:xfrm>
           <a:prstGeom prst="rect">
@@ -24931,276 +26275,51 @@
           </a:p>
         </p:txBody>
       </p:sp>
-      <p:sp>
-        <p:nvSpPr>
-          <p:cNvPr id="12" name="文字方塊 11"/>
-          <p:cNvSpPr txBox="1"/>
-          <p:nvPr/>
-        </p:nvSpPr>
-        <p:spPr>
-          <a:xfrm>
-            <a:off x="675861" y="1692653"/>
-            <a:ext cx="8640417" cy="3416320"/>
-          </a:xfrm>
-          <a:prstGeom prst="rect">
-            <a:avLst/>
-          </a:prstGeom>
-          <a:noFill/>
-        </p:spPr>
-        <p:txBody>
-          <a:bodyPr wrap="square" rtlCol="0">
-            <a:spAutoFit/>
-          </a:bodyPr>
-          <a:lstStyle/>
-          <a:p>
-            <a:r>
-              <a:rPr lang="zh-TW" altLang="en-US" sz="2400" dirty="0">
-                <a:solidFill>
-                  <a:schemeClr val="bg1"/>
-                </a:solidFill>
-                <a:latin typeface="Consolas" panose="020B0609020204030204" pitchFamily="49" charset="0"/>
-                <a:ea typeface="Microsoft JhengHei UI Light" panose="020B0304030504040204" pitchFamily="34" charset="-120"/>
-              </a:rPr>
-              <a:t>碼農天堂，為了讓</a:t>
-            </a:r>
-            <a:r>
-              <a:rPr lang="zh-TW" altLang="en-US" sz="2400" dirty="0">
-                <a:solidFill>
-                  <a:schemeClr val="bg1"/>
-                </a:solidFill>
-                <a:latin typeface="Consolas" panose="020B0609020204030204" pitchFamily="49" charset="0"/>
-                <a:ea typeface="Microsoft JhengHei UI Light" panose="020B0304030504040204" pitchFamily="34" charset="-120"/>
-              </a:rPr>
-              <a:t>吸引夠多程式大神加入這個社群，在未來我們希望它成為一個有獎勵</a:t>
-            </a:r>
-            <a:r>
-              <a:rPr lang="zh-TW" altLang="en-US" sz="2400" dirty="0">
-                <a:solidFill>
-                  <a:schemeClr val="bg1"/>
-                </a:solidFill>
-                <a:latin typeface="Consolas" panose="020B0609020204030204" pitchFamily="49" charset="0"/>
-                <a:ea typeface="Microsoft JhengHei UI Light" panose="020B0304030504040204" pitchFamily="34" charset="-120"/>
-              </a:rPr>
-              <a:t>制度的網站，讓大神們在幫助別人的同時也可以透過獎勵還</a:t>
-            </a:r>
-            <a:r>
-              <a:rPr lang="zh-TW" altLang="en-US" sz="2400" dirty="0" smtClean="0">
-                <a:solidFill>
-                  <a:schemeClr val="bg1"/>
-                </a:solidFill>
-                <a:latin typeface="Consolas" panose="020B0609020204030204" pitchFamily="49" charset="0"/>
-                <a:ea typeface="Microsoft JhengHei UI Light" panose="020B0304030504040204" pitchFamily="34" charset="-120"/>
-              </a:rPr>
-              <a:t>得到</a:t>
-            </a:r>
-            <a:r>
-              <a:rPr lang="zh-TW" altLang="en-US" sz="2400" dirty="0">
-                <a:solidFill>
-                  <a:schemeClr val="bg1"/>
-                </a:solidFill>
-                <a:latin typeface="Consolas" panose="020B0609020204030204" pitchFamily="49" charset="0"/>
-                <a:ea typeface="Microsoft JhengHei UI Light" panose="020B0304030504040204" pitchFamily="34" charset="-120"/>
-              </a:rPr>
-              <a:t>額外的權限，例如：</a:t>
-            </a:r>
-            <a:r>
-              <a:rPr lang="en-US" altLang="zh-TW" sz="2400" dirty="0" smtClean="0">
-                <a:solidFill>
-                  <a:schemeClr val="bg1"/>
-                </a:solidFill>
-                <a:latin typeface="Consolas" panose="020B0609020204030204" pitchFamily="49" charset="0"/>
-                <a:ea typeface="Microsoft JhengHei UI Light" panose="020B0304030504040204" pitchFamily="34" charset="-120"/>
-              </a:rPr>
-              <a:t>VIP.</a:t>
-            </a:r>
-            <a:r>
-              <a:rPr lang="zh-TW" altLang="en-US" sz="2400" dirty="0" smtClean="0">
-                <a:solidFill>
-                  <a:schemeClr val="bg1"/>
-                </a:solidFill>
-                <a:latin typeface="Consolas" panose="020B0609020204030204" pitchFamily="49" charset="0"/>
-                <a:ea typeface="Microsoft JhengHei UI Light" panose="020B0304030504040204" pitchFamily="34" charset="-120"/>
-              </a:rPr>
-              <a:t>專屬</a:t>
-            </a:r>
-            <a:r>
-              <a:rPr lang="zh-TW" altLang="en-US" sz="2400" dirty="0">
-                <a:solidFill>
-                  <a:schemeClr val="bg1"/>
-                </a:solidFill>
-                <a:latin typeface="Consolas" panose="020B0609020204030204" pitchFamily="49" charset="0"/>
-                <a:ea typeface="Microsoft JhengHei UI Light" panose="020B0304030504040204" pitchFamily="34" charset="-120"/>
-              </a:rPr>
-              <a:t>資源分享</a:t>
-            </a:r>
-            <a:r>
-              <a:rPr lang="zh-TW" altLang="en-US" sz="2400" dirty="0" smtClean="0">
-                <a:solidFill>
-                  <a:schemeClr val="bg1"/>
-                </a:solidFill>
-                <a:latin typeface="Consolas" panose="020B0609020204030204" pitchFamily="49" charset="0"/>
-                <a:ea typeface="Microsoft JhengHei UI Light" panose="020B0304030504040204" pitchFamily="34" charset="-120"/>
-              </a:rPr>
-              <a:t>區</a:t>
-            </a:r>
-            <a:r>
-              <a:rPr lang="en-US" altLang="zh-TW" sz="2400" dirty="0" smtClean="0">
-                <a:solidFill>
-                  <a:schemeClr val="bg1"/>
-                </a:solidFill>
-                <a:latin typeface="Consolas" panose="020B0609020204030204" pitchFamily="49" charset="0"/>
-                <a:ea typeface="Microsoft JhengHei UI Light" panose="020B0304030504040204" pitchFamily="34" charset="-120"/>
-              </a:rPr>
-              <a:t>…</a:t>
-            </a:r>
-            <a:r>
-              <a:rPr lang="zh-TW" altLang="en-US" sz="2400" dirty="0" smtClean="0">
-                <a:solidFill>
-                  <a:schemeClr val="bg1"/>
-                </a:solidFill>
-                <a:latin typeface="Consolas" panose="020B0609020204030204" pitchFamily="49" charset="0"/>
-                <a:ea typeface="Microsoft JhengHei UI Light" panose="020B0304030504040204" pitchFamily="34" charset="-120"/>
-              </a:rPr>
-              <a:t>等，</a:t>
-            </a:r>
-            <a:r>
-              <a:rPr lang="zh-TW" altLang="en-US" sz="2400" dirty="0">
-                <a:solidFill>
-                  <a:schemeClr val="bg1"/>
-                </a:solidFill>
-                <a:latin typeface="Consolas" panose="020B0609020204030204" pitchFamily="49" charset="0"/>
-                <a:ea typeface="Microsoft JhengHei UI Light" panose="020B0304030504040204" pitchFamily="34" charset="-120"/>
-              </a:rPr>
-              <a:t>另外我們還會新增文章排序功能，使用這可選擇我們預設好的</a:t>
-            </a:r>
-            <a:r>
-              <a:rPr lang="zh-TW" altLang="en-US" sz="2400" dirty="0" smtClean="0">
-                <a:solidFill>
-                  <a:schemeClr val="bg1"/>
-                </a:solidFill>
-                <a:latin typeface="Consolas" panose="020B0609020204030204" pitchFamily="49" charset="0"/>
-                <a:ea typeface="Microsoft JhengHei UI Light" panose="020B0304030504040204" pitchFamily="34" charset="-120"/>
-              </a:rPr>
-              <a:t>幾種排序</a:t>
-            </a:r>
-            <a:r>
-              <a:rPr lang="zh-TW" altLang="en-US" sz="2400" dirty="0">
-                <a:solidFill>
-                  <a:schemeClr val="bg1"/>
-                </a:solidFill>
-                <a:latin typeface="Consolas" panose="020B0609020204030204" pitchFamily="49" charset="0"/>
-                <a:ea typeface="Microsoft JhengHei UI Light" panose="020B0304030504040204" pitchFamily="34" charset="-120"/>
-              </a:rPr>
-              <a:t>方式來找到他想要搜尋的文章或</a:t>
-            </a:r>
-            <a:r>
-              <a:rPr lang="zh-TW" altLang="en-US" sz="2400" dirty="0" smtClean="0">
-                <a:solidFill>
-                  <a:schemeClr val="bg1"/>
-                </a:solidFill>
-                <a:latin typeface="Consolas" panose="020B0609020204030204" pitchFamily="49" charset="0"/>
-                <a:ea typeface="Microsoft JhengHei UI Light" panose="020B0304030504040204" pitchFamily="34" charset="-120"/>
-              </a:rPr>
-              <a:t>問題</a:t>
-            </a:r>
-            <a:endParaRPr lang="en-US" altLang="zh-TW" sz="2400" dirty="0" smtClean="0">
-              <a:solidFill>
-                <a:schemeClr val="bg1"/>
-              </a:solidFill>
-              <a:latin typeface="Consolas" panose="020B0609020204030204" pitchFamily="49" charset="0"/>
-              <a:ea typeface="Microsoft JhengHei UI Light" panose="020B0304030504040204" pitchFamily="34" charset="-120"/>
-            </a:endParaRPr>
-          </a:p>
-          <a:p>
-            <a:endParaRPr lang="en-US" altLang="zh-TW" sz="2400" dirty="0" smtClean="0">
-              <a:solidFill>
-                <a:schemeClr val="bg1"/>
-              </a:solidFill>
-              <a:latin typeface="Consolas" panose="020B0609020204030204" pitchFamily="49" charset="0"/>
-              <a:ea typeface="Microsoft JhengHei UI Light" panose="020B0304030504040204" pitchFamily="34" charset="-120"/>
-            </a:endParaRPr>
-          </a:p>
-          <a:p>
-            <a:r>
-              <a:rPr lang="zh-TW" altLang="en-US" sz="2400" dirty="0" smtClean="0">
-                <a:solidFill>
-                  <a:schemeClr val="bg1"/>
-                </a:solidFill>
-                <a:latin typeface="Consolas" panose="020B0609020204030204" pitchFamily="49" charset="0"/>
-                <a:ea typeface="Microsoft JhengHei UI Light" panose="020B0304030504040204" pitchFamily="34" charset="-120"/>
-              </a:rPr>
-              <a:t>如果你是大神，我們期待你的加入，讓更多程式新手遇到問題時可以迎刃而解；相反的，如果你是新手，別害羞，來這邊找答案就對啦</a:t>
-            </a:r>
-            <a:r>
-              <a:rPr lang="en-US" altLang="zh-TW" sz="2400" dirty="0" smtClean="0">
-                <a:solidFill>
-                  <a:schemeClr val="bg1"/>
-                </a:solidFill>
-                <a:latin typeface="Consolas" panose="020B0609020204030204" pitchFamily="49" charset="0"/>
-                <a:ea typeface="Microsoft JhengHei UI Light" panose="020B0304030504040204" pitchFamily="34" charset="-120"/>
-              </a:rPr>
-              <a:t>!!!</a:t>
-            </a:r>
-            <a:endParaRPr lang="en-US" altLang="zh-TW" sz="2400" dirty="0">
-              <a:solidFill>
-                <a:schemeClr val="bg1"/>
-              </a:solidFill>
-              <a:latin typeface="Consolas" panose="020B0609020204030204" pitchFamily="49" charset="0"/>
-              <a:ea typeface="Microsoft JhengHei UI Light" panose="020B0304030504040204" pitchFamily="34" charset="-120"/>
-            </a:endParaRPr>
-          </a:p>
-        </p:txBody>
-      </p:sp>
-      <p:sp>
-        <p:nvSpPr>
-          <p:cNvPr id="23" name="文字方塊 20">
+      <p:pic>
+        <p:nvPicPr>
+          <p:cNvPr id="2" name="圖片 1">
             <a:extLst>
               <a:ext uri="{FF2B5EF4-FFF2-40B4-BE49-F238E27FC236}">
-                <a16:creationId xmlns="" xmlns:a16="http://schemas.microsoft.com/office/drawing/2014/main" id="{4A52D2E5-6117-4902-9AC4-728FF7B5C906}"/>
+                <a16:creationId xmlns:a16="http://schemas.microsoft.com/office/drawing/2014/main" id="{746B9F4E-6372-48C5-8DF7-E3E2F64623F4}"/>
               </a:ext>
             </a:extLst>
           </p:cNvPr>
-          <p:cNvSpPr txBox="1"/>
-          <p:nvPr/>
-        </p:nvSpPr>
-        <p:spPr>
-          <a:xfrm>
-            <a:off x="63687" y="5270158"/>
-            <a:ext cx="482824" cy="307777"/>
-          </a:xfrm>
-          <a:prstGeom prst="rect">
-            <a:avLst/>
-          </a:prstGeom>
-          <a:noFill/>
-        </p:spPr>
-        <p:txBody>
-          <a:bodyPr wrap="none" rtlCol="0">
-            <a:spAutoFit/>
-          </a:bodyPr>
-          <a:lstStyle/>
-          <a:p>
-            <a:r>
-              <a:rPr lang="en-US" altLang="zh-TW" sz="1400" dirty="0">
-                <a:solidFill>
-                  <a:schemeClr val="bg1"/>
-                </a:solidFill>
-                <a:latin typeface="Consolas" panose="020B0609020204030204" pitchFamily="49" charset="0"/>
-              </a:rPr>
-              <a:t>&gt;&gt;&gt;</a:t>
-            </a:r>
-            <a:endParaRPr lang="zh-TW" altLang="en-US" sz="1400" dirty="0">
-              <a:solidFill>
-                <a:schemeClr val="bg1"/>
-              </a:solidFill>
-              <a:latin typeface="Consolas" panose="020B0609020204030204" pitchFamily="49" charset="0"/>
-            </a:endParaRPr>
-          </a:p>
-        </p:txBody>
-      </p:sp>
+          <p:cNvPicPr>
+            <a:picLocks noChangeAspect="1"/>
+          </p:cNvPicPr>
+          <p:nvPr/>
+        </p:nvPicPr>
+        <p:blipFill>
+          <a:blip r:embed="rId2">
+            <a:clrChange>
+              <a:clrFrom>
+                <a:srgbClr val="000000"/>
+              </a:clrFrom>
+              <a:clrTo>
+                <a:srgbClr val="000000">
+                  <a:alpha val="0"/>
+                </a:srgbClr>
+              </a:clrTo>
+            </a:clrChange>
+          </a:blip>
+          <a:stretch>
+            <a:fillRect/>
+          </a:stretch>
+        </p:blipFill>
+        <p:spPr>
+          <a:xfrm>
+            <a:off x="123092" y="1529649"/>
+            <a:ext cx="4638675" cy="1371600"/>
+          </a:xfrm>
+          <a:prstGeom prst="rect">
+            <a:avLst/>
+          </a:prstGeom>
+        </p:spPr>
+      </p:pic>
     </p:spTree>
     <p:extLst>
       <p:ext uri="{BB962C8B-B14F-4D97-AF65-F5344CB8AC3E}">
-        <p14:creationId xmlns:p14="http://schemas.microsoft.com/office/powerpoint/2010/main" val="1358517420"/>
+        <p14:creationId xmlns:p14="http://schemas.microsoft.com/office/powerpoint/2010/main" val="2017591047"/>
       </p:ext>
     </p:extLst>
   </p:cSld>
@@ -25402,7 +26521,7 @@
                             </p:stCondLst>
                             <p:childTnLst>
                               <p:par>
-                                <p:cTn id="19" presetID="1" presetClass="entr" presetSubtype="0" fill="hold" grpId="0" nodeType="afterEffect">
+                                <p:cTn id="19" presetID="1" presetClass="exit" presetSubtype="0" fill="hold" grpId="1" nodeType="afterEffect">
                                   <p:stCondLst>
                                     <p:cond delay="0"/>
                                   </p:stCondLst>
@@ -25410,6 +26529,33 @@
                                     <p:set>
                                       <p:cBhvr>
                                         <p:cTn id="20" dur="1" fill="hold">
+                                          <p:stCondLst>
+                                            <p:cond delay="0"/>
+                                          </p:stCondLst>
+                                        </p:cTn>
+                                        <p:tgtEl>
+                                          <p:spTgt spid="20"/>
+                                        </p:tgtEl>
+                                        <p:attrNameLst>
+                                          <p:attrName>style.visibility</p:attrName>
+                                        </p:attrNameLst>
+                                      </p:cBhvr>
+                                      <p:to>
+                                        <p:strVal val="hidden"/>
+                                      </p:to>
+                                    </p:set>
+                                  </p:childTnLst>
+                                </p:cTn>
+                              </p:par>
+                              <p:par>
+                                <p:cTn id="21" presetID="1" presetClass="entr" presetSubtype="0" fill="hold" grpId="0" nodeType="withEffect">
+                                  <p:stCondLst>
+                                    <p:cond delay="800"/>
+                                  </p:stCondLst>
+                                  <p:childTnLst>
+                                    <p:set>
+                                      <p:cBhvr>
+                                        <p:cTn id="22" dur="1" fill="hold">
                                           <p:stCondLst>
                                             <p:cond delay="0"/>
                                           </p:stCondLst>
@@ -25428,46 +26574,19 @@
                                   </p:childTnLst>
                                 </p:cTn>
                               </p:par>
-                              <p:par>
-                                <p:cTn id="21" presetID="1" presetClass="exit" presetSubtype="0" fill="hold" grpId="1" nodeType="withEffect">
-                                  <p:stCondLst>
-                                    <p:cond delay="0"/>
-                                  </p:stCondLst>
-                                  <p:childTnLst>
-                                    <p:set>
-                                      <p:cBhvr>
-                                        <p:cTn id="22" dur="1" fill="hold">
-                                          <p:stCondLst>
-                                            <p:cond delay="0"/>
-                                          </p:stCondLst>
-                                        </p:cTn>
-                                        <p:tgtEl>
-                                          <p:spTgt spid="20"/>
-                                        </p:tgtEl>
-                                        <p:attrNameLst>
-                                          <p:attrName>style.visibility</p:attrName>
-                                        </p:attrNameLst>
-                                      </p:cBhvr>
-                                      <p:to>
-                                        <p:strVal val="hidden"/>
-                                      </p:to>
-                                    </p:set>
-                                  </p:childTnLst>
-                                </p:cTn>
-                              </p:par>
                             </p:childTnLst>
                           </p:cTn>
                         </p:par>
                         <p:par>
                           <p:cTn id="23" fill="hold">
                             <p:stCondLst>
-                              <p:cond delay="2500"/>
+                              <p:cond delay="3300"/>
                             </p:stCondLst>
                             <p:childTnLst>
                               <p:par>
-                                <p:cTn id="24" presetID="22" presetClass="entr" presetSubtype="8" fill="hold" grpId="0" nodeType="afterEffect">
+                                <p:cTn id="24" presetID="22" presetClass="entr" presetSubtype="8" fill="hold" nodeType="afterEffect">
                                   <p:stCondLst>
-                                    <p:cond delay="0"/>
+                                    <p:cond delay="700"/>
                                   </p:stCondLst>
                                   <p:childTnLst>
                                     <p:set>
@@ -25478,7 +26597,7 @@
                                           </p:stCondLst>
                                         </p:cTn>
                                         <p:tgtEl>
-                                          <p:spTgt spid="12"/>
+                                          <p:spTgt spid="2"/>
                                         </p:tgtEl>
                                         <p:attrNameLst>
                                           <p:attrName>style.visibility</p:attrName>
@@ -25492,46 +26611,10 @@
                                       <p:cBhvr>
                                         <p:cTn id="26" dur="500"/>
                                         <p:tgtEl>
-                                          <p:spTgt spid="12"/>
+                                          <p:spTgt spid="2"/>
                                         </p:tgtEl>
                                       </p:cBhvr>
                                     </p:animEffect>
-                                  </p:childTnLst>
-                                </p:cTn>
-                              </p:par>
-                            </p:childTnLst>
-                          </p:cTn>
-                        </p:par>
-                        <p:par>
-                          <p:cTn id="27" fill="hold">
-                            <p:stCondLst>
-                              <p:cond delay="3000"/>
-                            </p:stCondLst>
-                            <p:childTnLst>
-                              <p:par>
-                                <p:cTn id="28" presetID="1" presetClass="entr" presetSubtype="0" fill="hold" grpId="0" nodeType="afterEffect">
-                                  <p:stCondLst>
-                                    <p:cond delay="0"/>
-                                  </p:stCondLst>
-                                  <p:childTnLst>
-                                    <p:set>
-                                      <p:cBhvr>
-                                        <p:cTn id="29" dur="1" fill="hold">
-                                          <p:stCondLst>
-                                            <p:cond delay="0"/>
-                                          </p:stCondLst>
-                                        </p:cTn>
-                                        <p:tgtEl>
-                                          <p:spTgt spid="23"/>
-                                        </p:tgtEl>
-                                        <p:attrNameLst>
-                                          <p:attrName>style.visibility</p:attrName>
-                                        </p:attrNameLst>
-                                      </p:cBhvr>
-                                      <p:to>
-                                        <p:strVal val="visible"/>
-                                      </p:to>
-                                    </p:set>
                                   </p:childTnLst>
                                 </p:cTn>
                               </p:par>
@@ -25569,8 +26652,6 @@
       <p:bldP spid="20" grpId="0"/>
       <p:bldP spid="20" grpId="1"/>
       <p:bldP spid="21" grpId="0"/>
-      <p:bldP spid="12" grpId="0"/>
-      <p:bldP spid="23" grpId="0"/>
     </p:bldLst>
   </p:timing>
 </p:sld>
@@ -25831,7 +26912,7 @@
   <a:extraClrSchemeLst/>
   <a:extLst>
     <a:ext uri="{05A4C25C-085E-4340-85A3-A5531E510DB2}">
-      <thm15:themeFamily xmlns="" xmlns:thm15="http://schemas.microsoft.com/office/thememl/2012/main" name="Office Theme" id="{62F939B6-93AF-4DB8-9C6B-D6C7DFDC589F}" vid="{4A3C46E8-61CC-4603-A589-7422A47A8E4A}"/>
+      <thm15:themeFamily xmlns:thm15="http://schemas.microsoft.com/office/thememl/2012/main" name="Office Theme" id="{62F939B6-93AF-4DB8-9C6B-D6C7DFDC589F}" vid="{4A3C46E8-61CC-4603-A589-7422A47A8E4A}"/>
     </a:ext>
   </a:extLst>
 </a:theme>
@@ -26092,7 +27173,7 @@
   <a:extraClrSchemeLst/>
   <a:extLst>
     <a:ext uri="{05A4C25C-085E-4340-85A3-A5531E510DB2}">
-      <thm15:themeFamily xmlns="" xmlns:thm15="http://schemas.microsoft.com/office/thememl/2012/main" name="Office Theme" id="{62F939B6-93AF-4DB8-9C6B-D6C7DFDC589F}" vid="{4A3C46E8-61CC-4603-A589-7422A47A8E4A}"/>
+      <thm15:themeFamily xmlns:thm15="http://schemas.microsoft.com/office/thememl/2012/main" name="Office Theme" id="{62F939B6-93AF-4DB8-9C6B-D6C7DFDC589F}" vid="{4A3C46E8-61CC-4603-A589-7422A47A8E4A}"/>
     </a:ext>
   </a:extLst>
 </a:theme>

--- a/期末報告第五組.pptx
+++ b/期末報告第五組.pptx
@@ -6829,7 +6829,7 @@
         <p:spPr>
           <a:xfrm>
             <a:off x="675861" y="1692653"/>
-            <a:ext cx="8640417" cy="3416320"/>
+            <a:ext cx="8640417" cy="3785652"/>
           </a:xfrm>
           <a:prstGeom prst="rect">
             <a:avLst/>
@@ -6890,7 +6890,7 @@
                 <a:latin typeface="Consolas" panose="020B0609020204030204" pitchFamily="49" charset="0"/>
                 <a:ea typeface="Microsoft JhengHei UI Light" panose="020B0304030504040204" pitchFamily="34" charset="-120"/>
               </a:rPr>
-              <a:t>等，另外我們還會新增文章排序功能，使用這可選擇我們預設好的幾種排序方式來找到他想要搜尋的文章或問題</a:t>
+              <a:t>等，另外我們還會新增文章排序功能，使用這可選擇我們預設好的幾種排序方式來找到他想要搜尋的文章和問題或是透過追蹤功能，追蹤大神或是想關注的文章。</a:t>
             </a:r>
             <a:endParaRPr lang="en-US" altLang="zh-TW" sz="2400" dirty="0">
               <a:solidFill>
@@ -11526,6 +11526,884 @@
       </p:sp>
       <p:sp>
         <p:nvSpPr>
+          <p:cNvPr id="39" name="文字方塊 21">
+            <a:extLst>
+              <a:ext uri="{FF2B5EF4-FFF2-40B4-BE49-F238E27FC236}">
+                <a16:creationId xmlns:a16="http://schemas.microsoft.com/office/drawing/2014/main" id="{868EF06B-C63A-4856-A7C5-B77CB5CD2DD6}"/>
+              </a:ext>
+            </a:extLst>
+          </p:cNvPr>
+          <p:cNvSpPr txBox="1"/>
+          <p:nvPr/>
+        </p:nvSpPr>
+        <p:spPr>
+          <a:xfrm>
+            <a:off x="260149" y="1692653"/>
+            <a:ext cx="9385376" cy="3600986"/>
+          </a:xfrm>
+          <a:prstGeom prst="rect">
+            <a:avLst/>
+          </a:prstGeom>
+          <a:noFill/>
+        </p:spPr>
+        <p:txBody>
+          <a:bodyPr wrap="square" rtlCol="0">
+            <a:spAutoFit/>
+          </a:bodyPr>
+          <a:lstStyle/>
+          <a:p>
+            <a:r>
+              <a:rPr lang="en-GB" altLang="zh-TW" sz="2000" dirty="0">
+                <a:solidFill>
+                  <a:schemeClr val="bg1"/>
+                </a:solidFill>
+                <a:latin typeface="Consolas" panose="020B0609020204030204" pitchFamily="49" charset="0"/>
+                <a:ea typeface="Microsoft JhengHei UI Light" panose="020B0304030504040204" pitchFamily="34" charset="-120"/>
+              </a:rPr>
+              <a:t>--------------------------------------</a:t>
+            </a:r>
+            <a:r>
+              <a:rPr lang="en-US" altLang="zh-TW" sz="2000" dirty="0">
+                <a:solidFill>
+                  <a:schemeClr val="bg1"/>
+                </a:solidFill>
+                <a:latin typeface="Consolas" panose="020B0609020204030204" pitchFamily="49" charset="0"/>
+                <a:ea typeface="Microsoft JhengHei UI Light" panose="020B0304030504040204" pitchFamily="34" charset="-120"/>
+              </a:rPr>
+              <a:t>----------------------</a:t>
+            </a:r>
+            <a:endParaRPr lang="en-GB" altLang="zh-TW" sz="2000" dirty="0">
+              <a:solidFill>
+                <a:schemeClr val="bg1"/>
+              </a:solidFill>
+              <a:latin typeface="Consolas" panose="020B0609020204030204" pitchFamily="49" charset="0"/>
+              <a:ea typeface="Microsoft JhengHei UI Light" panose="020B0304030504040204" pitchFamily="34" charset="-120"/>
+            </a:endParaRPr>
+          </a:p>
+          <a:p>
+            <a:r>
+              <a:rPr lang="en-GB" altLang="zh-TW" sz="2000" dirty="0">
+                <a:solidFill>
+                  <a:schemeClr val="bg1"/>
+                </a:solidFill>
+                <a:latin typeface="Consolas" panose="020B0609020204030204" pitchFamily="49" charset="0"/>
+                <a:ea typeface="Microsoft JhengHei UI Light" panose="020B0304030504040204" pitchFamily="34" charset="-120"/>
+              </a:rPr>
+              <a:t>|	 |</a:t>
+            </a:r>
+            <a:r>
+              <a:rPr lang="zh-TW" altLang="en-US" sz="2000" dirty="0">
+                <a:solidFill>
+                  <a:schemeClr val="bg1"/>
+                </a:solidFill>
+                <a:latin typeface="Consolas" panose="020B0609020204030204" pitchFamily="49" charset="0"/>
+                <a:ea typeface="Microsoft JhengHei UI Light" panose="020B0304030504040204" pitchFamily="34" charset="-120"/>
+              </a:rPr>
+              <a:t>前端設計 </a:t>
+            </a:r>
+            <a:r>
+              <a:rPr lang="en-GB" altLang="zh-TW" sz="2000" dirty="0">
+                <a:solidFill>
+                  <a:schemeClr val="bg1"/>
+                </a:solidFill>
+                <a:latin typeface="Consolas" panose="020B0609020204030204" pitchFamily="49" charset="0"/>
+                <a:ea typeface="Microsoft JhengHei UI Light" panose="020B0304030504040204" pitchFamily="34" charset="-120"/>
+              </a:rPr>
+              <a:t>|</a:t>
+            </a:r>
+            <a:r>
+              <a:rPr lang="zh-TW" altLang="en-US" sz="2000" dirty="0">
+                <a:solidFill>
+                  <a:schemeClr val="bg1"/>
+                </a:solidFill>
+                <a:latin typeface="Consolas" panose="020B0609020204030204" pitchFamily="49" charset="0"/>
+                <a:ea typeface="Microsoft JhengHei UI Light" panose="020B0304030504040204" pitchFamily="34" charset="-120"/>
+              </a:rPr>
+              <a:t>後端程式 </a:t>
+            </a:r>
+            <a:r>
+              <a:rPr lang="en-US" altLang="zh-TW" sz="2000" dirty="0">
+                <a:solidFill>
+                  <a:schemeClr val="bg1"/>
+                </a:solidFill>
+                <a:latin typeface="Consolas" panose="020B0609020204030204" pitchFamily="49" charset="0"/>
+                <a:ea typeface="Microsoft JhengHei UI Light" panose="020B0304030504040204" pitchFamily="34" charset="-120"/>
+              </a:rPr>
+              <a:t>|</a:t>
+            </a:r>
+            <a:r>
+              <a:rPr lang="zh-TW" altLang="en-US" sz="2000" dirty="0">
+                <a:solidFill>
+                  <a:schemeClr val="bg1"/>
+                </a:solidFill>
+                <a:latin typeface="Consolas" panose="020B0609020204030204" pitchFamily="49" charset="0"/>
+                <a:ea typeface="Microsoft JhengHei UI Light" panose="020B0304030504040204" pitchFamily="34" charset="-120"/>
+              </a:rPr>
+              <a:t>資料庫設計 </a:t>
+            </a:r>
+            <a:r>
+              <a:rPr lang="en-GB" altLang="zh-TW" sz="2000" dirty="0">
+                <a:solidFill>
+                  <a:schemeClr val="bg1"/>
+                </a:solidFill>
+                <a:latin typeface="Consolas" panose="020B0609020204030204" pitchFamily="49" charset="0"/>
+                <a:ea typeface="Microsoft JhengHei UI Light" panose="020B0304030504040204" pitchFamily="34" charset="-120"/>
+              </a:rPr>
+              <a:t>|</a:t>
+            </a:r>
+            <a:r>
+              <a:rPr lang="zh-TW" altLang="en-US" sz="2000" dirty="0">
+                <a:solidFill>
+                  <a:schemeClr val="bg1"/>
+                </a:solidFill>
+                <a:latin typeface="Consolas" panose="020B0609020204030204" pitchFamily="49" charset="0"/>
+                <a:ea typeface="Microsoft JhengHei UI Light" panose="020B0304030504040204" pitchFamily="34" charset="-120"/>
+              </a:rPr>
+              <a:t>作品自評分            </a:t>
+            </a:r>
+            <a:r>
+              <a:rPr lang="en-US" altLang="zh-TW" sz="2000" dirty="0">
+                <a:solidFill>
+                  <a:schemeClr val="bg1"/>
+                </a:solidFill>
+                <a:latin typeface="Consolas" panose="020B0609020204030204" pitchFamily="49" charset="0"/>
+                <a:ea typeface="Microsoft JhengHei UI Light" panose="020B0304030504040204" pitchFamily="34" charset="-120"/>
+              </a:rPr>
+              <a:t>|</a:t>
+            </a:r>
+            <a:endParaRPr lang="en-GB" altLang="zh-TW" sz="2000" dirty="0">
+              <a:solidFill>
+                <a:schemeClr val="bg1"/>
+              </a:solidFill>
+              <a:latin typeface="Consolas" panose="020B0609020204030204" pitchFamily="49" charset="0"/>
+              <a:ea typeface="Microsoft JhengHei UI Light" panose="020B0304030504040204" pitchFamily="34" charset="-120"/>
+            </a:endParaRPr>
+          </a:p>
+          <a:p>
+            <a:r>
+              <a:rPr lang="en-GB" altLang="zh-TW" sz="2000" dirty="0">
+                <a:solidFill>
+                  <a:schemeClr val="bg1"/>
+                </a:solidFill>
+                <a:latin typeface="Consolas" panose="020B0609020204030204" pitchFamily="49" charset="0"/>
+                <a:ea typeface="Microsoft JhengHei UI Light" panose="020B0304030504040204" pitchFamily="34" charset="-120"/>
+              </a:rPr>
+              <a:t>|-------------------------------------</a:t>
+            </a:r>
+            <a:r>
+              <a:rPr lang="en-US" altLang="zh-TW" sz="2000" dirty="0">
+                <a:solidFill>
+                  <a:schemeClr val="bg1"/>
+                </a:solidFill>
+                <a:latin typeface="Consolas" panose="020B0609020204030204" pitchFamily="49" charset="0"/>
+                <a:ea typeface="Microsoft JhengHei UI Light" panose="020B0304030504040204" pitchFamily="34" charset="-120"/>
+              </a:rPr>
+              <a:t>----------------------</a:t>
+            </a:r>
+            <a:endParaRPr lang="en-GB" altLang="zh-TW" sz="2000" dirty="0">
+              <a:solidFill>
+                <a:schemeClr val="bg1"/>
+              </a:solidFill>
+              <a:latin typeface="Consolas" panose="020B0609020204030204" pitchFamily="49" charset="0"/>
+              <a:ea typeface="Microsoft JhengHei UI Light" panose="020B0304030504040204" pitchFamily="34" charset="-120"/>
+            </a:endParaRPr>
+          </a:p>
+          <a:p>
+            <a:r>
+              <a:rPr lang="en-GB" altLang="zh-TW" sz="2000" dirty="0">
+                <a:solidFill>
+                  <a:schemeClr val="bg1"/>
+                </a:solidFill>
+                <a:latin typeface="Consolas" panose="020B0609020204030204" pitchFamily="49" charset="0"/>
+                <a:ea typeface="Microsoft JhengHei UI Light" panose="020B0304030504040204" pitchFamily="34" charset="-120"/>
+              </a:rPr>
+              <a:t>|</a:t>
+            </a:r>
+            <a:r>
+              <a:rPr lang="zh-TW" altLang="en-US" sz="2000" dirty="0">
+                <a:solidFill>
+                  <a:schemeClr val="bg1"/>
+                </a:solidFill>
+                <a:latin typeface="Consolas" panose="020B0609020204030204" pitchFamily="49" charset="0"/>
+                <a:ea typeface="Microsoft JhengHei UI Light" panose="020B0304030504040204" pitchFamily="34" charset="-120"/>
+              </a:rPr>
+              <a:t>郭訓佑 </a:t>
+            </a:r>
+            <a:r>
+              <a:rPr lang="en-GB" altLang="zh-TW" sz="2000" dirty="0">
+                <a:solidFill>
+                  <a:schemeClr val="bg1"/>
+                </a:solidFill>
+                <a:latin typeface="Consolas" panose="020B0609020204030204" pitchFamily="49" charset="0"/>
+                <a:ea typeface="Microsoft JhengHei UI Light" panose="020B0304030504040204" pitchFamily="34" charset="-120"/>
+              </a:rPr>
+              <a:t>|X</a:t>
+            </a:r>
+            <a:r>
+              <a:rPr lang="zh-TW" altLang="en-US" sz="2000" dirty="0">
+                <a:solidFill>
+                  <a:srgbClr val="262626"/>
+                </a:solidFill>
+                <a:latin typeface="Consolas" panose="020B0609020204030204" pitchFamily="49" charset="0"/>
+                <a:ea typeface="Microsoft JhengHei UI Light" panose="020B0304030504040204" pitchFamily="34" charset="-120"/>
+              </a:rPr>
+              <a:t>端設計  </a:t>
+            </a:r>
+            <a:r>
+              <a:rPr lang="en-US" altLang="zh-TW" sz="2000" dirty="0">
+                <a:solidFill>
+                  <a:schemeClr val="bg1"/>
+                </a:solidFill>
+                <a:latin typeface="Consolas" panose="020B0609020204030204" pitchFamily="49" charset="0"/>
+                <a:ea typeface="Microsoft JhengHei UI Light" panose="020B0304030504040204" pitchFamily="34" charset="-120"/>
+              </a:rPr>
+              <a:t>|</a:t>
+            </a:r>
+            <a:r>
+              <a:rPr lang="en-GB" altLang="zh-TW" sz="2000" dirty="0">
+                <a:solidFill>
+                  <a:schemeClr val="bg1"/>
+                </a:solidFill>
+                <a:latin typeface="Consolas" panose="020B0609020204030204" pitchFamily="49" charset="0"/>
+                <a:ea typeface="Microsoft JhengHei UI Light" panose="020B0304030504040204" pitchFamily="34" charset="-120"/>
+              </a:rPr>
+              <a:t>V</a:t>
+            </a:r>
+            <a:r>
+              <a:rPr lang="zh-TW" altLang="en-US" sz="2000" dirty="0">
+                <a:solidFill>
+                  <a:srgbClr val="262626"/>
+                </a:solidFill>
+                <a:latin typeface="Consolas" panose="020B0609020204030204" pitchFamily="49" charset="0"/>
+                <a:ea typeface="Microsoft JhengHei UI Light" panose="020B0304030504040204" pitchFamily="34" charset="-120"/>
+              </a:rPr>
+              <a:t>後端程式</a:t>
+            </a:r>
+            <a:r>
+              <a:rPr lang="en-US" altLang="zh-TW" sz="2000" dirty="0">
+                <a:solidFill>
+                  <a:schemeClr val="bg1"/>
+                </a:solidFill>
+                <a:latin typeface="Consolas" panose="020B0609020204030204" pitchFamily="49" charset="0"/>
+                <a:ea typeface="Microsoft JhengHei UI Light" panose="020B0304030504040204" pitchFamily="34" charset="-120"/>
+              </a:rPr>
+              <a:t>|V</a:t>
+            </a:r>
+            <a:r>
+              <a:rPr lang="zh-TW" altLang="en-US" sz="2000" dirty="0">
+                <a:solidFill>
+                  <a:srgbClr val="262626"/>
+                </a:solidFill>
+                <a:latin typeface="Consolas" panose="020B0609020204030204" pitchFamily="49" charset="0"/>
+                <a:ea typeface="Microsoft JhengHei UI Light" panose="020B0304030504040204" pitchFamily="34" charset="-120"/>
+              </a:rPr>
+              <a:t>資料庫設計</a:t>
+            </a:r>
+            <a:r>
+              <a:rPr lang="en-US" altLang="zh-TW" sz="2000" dirty="0">
+                <a:solidFill>
+                  <a:schemeClr val="bg1"/>
+                </a:solidFill>
+                <a:latin typeface="Consolas" panose="020B0609020204030204" pitchFamily="49" charset="0"/>
+                <a:ea typeface="Microsoft JhengHei UI Light" panose="020B0304030504040204" pitchFamily="34" charset="-120"/>
+              </a:rPr>
+              <a:t>|</a:t>
+            </a:r>
+            <a:r>
+              <a:rPr lang="zh-TW" altLang="en-US" sz="2000" dirty="0">
+                <a:solidFill>
+                  <a:schemeClr val="bg1"/>
+                </a:solidFill>
+                <a:latin typeface="Consolas" panose="020B0609020204030204" pitchFamily="49" charset="0"/>
+                <a:ea typeface="Microsoft JhengHei UI Light" panose="020B0304030504040204" pitchFamily="34" charset="-120"/>
+              </a:rPr>
+              <a:t>                     </a:t>
+            </a:r>
+            <a:r>
+              <a:rPr lang="en-US" altLang="zh-TW" sz="2000" dirty="0">
+                <a:solidFill>
+                  <a:schemeClr val="bg1"/>
+                </a:solidFill>
+                <a:latin typeface="Consolas" panose="020B0609020204030204" pitchFamily="49" charset="0"/>
+                <a:ea typeface="Microsoft JhengHei UI Light" panose="020B0304030504040204" pitchFamily="34" charset="-120"/>
+              </a:rPr>
+              <a:t>|</a:t>
+            </a:r>
+            <a:endParaRPr lang="en-GB" altLang="zh-TW" sz="2000" dirty="0">
+              <a:solidFill>
+                <a:schemeClr val="bg1"/>
+              </a:solidFill>
+              <a:latin typeface="Consolas" panose="020B0609020204030204" pitchFamily="49" charset="0"/>
+              <a:ea typeface="Microsoft JhengHei UI Light" panose="020B0304030504040204" pitchFamily="34" charset="-120"/>
+            </a:endParaRPr>
+          </a:p>
+          <a:p>
+            <a:r>
+              <a:rPr lang="en-GB" altLang="zh-TW" sz="2000" dirty="0">
+                <a:solidFill>
+                  <a:schemeClr val="bg1"/>
+                </a:solidFill>
+                <a:latin typeface="Consolas" panose="020B0609020204030204" pitchFamily="49" charset="0"/>
+                <a:ea typeface="Microsoft JhengHei UI Light" panose="020B0304030504040204" pitchFamily="34" charset="-120"/>
+              </a:rPr>
+              <a:t>|-------------------------------------</a:t>
+            </a:r>
+            <a:r>
+              <a:rPr lang="zh-TW" altLang="en-US" sz="2000" dirty="0">
+                <a:solidFill>
+                  <a:schemeClr val="bg1"/>
+                </a:solidFill>
+                <a:latin typeface="Consolas" panose="020B0609020204030204" pitchFamily="49" charset="0"/>
+                <a:ea typeface="Microsoft JhengHei UI Light" panose="020B0304030504040204" pitchFamily="34" charset="-120"/>
+              </a:rPr>
+              <a:t>                    </a:t>
+            </a:r>
+            <a:endParaRPr lang="en-GB" altLang="zh-TW" sz="2000" dirty="0">
+              <a:solidFill>
+                <a:schemeClr val="bg1"/>
+              </a:solidFill>
+              <a:latin typeface="Consolas" panose="020B0609020204030204" pitchFamily="49" charset="0"/>
+              <a:ea typeface="Microsoft JhengHei UI Light" panose="020B0304030504040204" pitchFamily="34" charset="-120"/>
+            </a:endParaRPr>
+          </a:p>
+          <a:p>
+            <a:r>
+              <a:rPr lang="en-GB" altLang="zh-TW" sz="2000" dirty="0">
+                <a:solidFill>
+                  <a:schemeClr val="bg1"/>
+                </a:solidFill>
+                <a:latin typeface="Consolas" panose="020B0609020204030204" pitchFamily="49" charset="0"/>
+                <a:ea typeface="Microsoft JhengHei UI Light" panose="020B0304030504040204" pitchFamily="34" charset="-120"/>
+              </a:rPr>
+              <a:t>|</a:t>
+            </a:r>
+            <a:r>
+              <a:rPr lang="zh-TW" altLang="en-US" sz="2000" dirty="0">
+                <a:solidFill>
+                  <a:schemeClr val="bg1"/>
+                </a:solidFill>
+                <a:latin typeface="Consolas" panose="020B0609020204030204" pitchFamily="49" charset="0"/>
+                <a:ea typeface="Microsoft JhengHei UI Light" panose="020B0304030504040204" pitchFamily="34" charset="-120"/>
+              </a:rPr>
+              <a:t>彭鉅展 </a:t>
+            </a:r>
+            <a:r>
+              <a:rPr lang="en-GB" altLang="zh-TW" sz="2000" dirty="0">
+                <a:solidFill>
+                  <a:schemeClr val="bg1"/>
+                </a:solidFill>
+                <a:latin typeface="Consolas" panose="020B0609020204030204" pitchFamily="49" charset="0"/>
+                <a:ea typeface="Microsoft JhengHei UI Light" panose="020B0304030504040204" pitchFamily="34" charset="-120"/>
+              </a:rPr>
+              <a:t>|V</a:t>
+            </a:r>
+            <a:r>
+              <a:rPr lang="zh-TW" altLang="en-US" sz="2000" dirty="0">
+                <a:solidFill>
+                  <a:srgbClr val="262626"/>
+                </a:solidFill>
+                <a:latin typeface="Consolas" panose="020B0609020204030204" pitchFamily="49" charset="0"/>
+                <a:ea typeface="Microsoft JhengHei UI Light" panose="020B0304030504040204" pitchFamily="34" charset="-120"/>
+              </a:rPr>
+              <a:t>端設計  </a:t>
+            </a:r>
+            <a:r>
+              <a:rPr lang="en-US" altLang="zh-TW" sz="2000" dirty="0">
+                <a:solidFill>
+                  <a:schemeClr val="bg1"/>
+                </a:solidFill>
+                <a:latin typeface="Consolas" panose="020B0609020204030204" pitchFamily="49" charset="0"/>
+                <a:ea typeface="Microsoft JhengHei UI Light" panose="020B0304030504040204" pitchFamily="34" charset="-120"/>
+              </a:rPr>
+              <a:t>|</a:t>
+            </a:r>
+            <a:r>
+              <a:rPr lang="en-GB" altLang="zh-TW" sz="2000" dirty="0">
+                <a:solidFill>
+                  <a:schemeClr val="bg1"/>
+                </a:solidFill>
+                <a:latin typeface="Consolas" panose="020B0609020204030204" pitchFamily="49" charset="0"/>
+                <a:ea typeface="Microsoft JhengHei UI Light" panose="020B0304030504040204" pitchFamily="34" charset="-120"/>
+              </a:rPr>
+              <a:t>X</a:t>
+            </a:r>
+            <a:r>
+              <a:rPr lang="zh-TW" altLang="en-US" sz="2000" dirty="0">
+                <a:solidFill>
+                  <a:srgbClr val="262626"/>
+                </a:solidFill>
+                <a:latin typeface="Consolas" panose="020B0609020204030204" pitchFamily="49" charset="0"/>
+                <a:ea typeface="Microsoft JhengHei UI Light" panose="020B0304030504040204" pitchFamily="34" charset="-120"/>
+              </a:rPr>
+              <a:t>後端程式</a:t>
+            </a:r>
+            <a:r>
+              <a:rPr lang="en-US" altLang="zh-TW" sz="2000" dirty="0">
+                <a:solidFill>
+                  <a:schemeClr val="bg1"/>
+                </a:solidFill>
+                <a:latin typeface="Consolas" panose="020B0609020204030204" pitchFamily="49" charset="0"/>
+                <a:ea typeface="Microsoft JhengHei UI Light" panose="020B0304030504040204" pitchFamily="34" charset="-120"/>
+              </a:rPr>
+              <a:t>|V</a:t>
+            </a:r>
+            <a:r>
+              <a:rPr lang="zh-TW" altLang="en-US" sz="2000" dirty="0">
+                <a:solidFill>
+                  <a:srgbClr val="262626"/>
+                </a:solidFill>
+                <a:latin typeface="Consolas" panose="020B0609020204030204" pitchFamily="49" charset="0"/>
+                <a:ea typeface="Microsoft JhengHei UI Light" panose="020B0304030504040204" pitchFamily="34" charset="-120"/>
+              </a:rPr>
+              <a:t>資料庫設計</a:t>
+            </a:r>
+            <a:r>
+              <a:rPr lang="en-GB" altLang="zh-TW" sz="2000" dirty="0">
+                <a:solidFill>
+                  <a:schemeClr val="bg1"/>
+                </a:solidFill>
+                <a:latin typeface="Consolas" panose="020B0609020204030204" pitchFamily="49" charset="0"/>
+                <a:ea typeface="Microsoft JhengHei UI Light" panose="020B0304030504040204" pitchFamily="34" charset="-120"/>
+              </a:rPr>
+              <a:t>|</a:t>
+            </a:r>
+            <a:r>
+              <a:rPr lang="zh-TW" altLang="en-US" sz="2000" dirty="0">
+                <a:solidFill>
+                  <a:schemeClr val="bg1"/>
+                </a:solidFill>
+                <a:latin typeface="Consolas" panose="020B0609020204030204" pitchFamily="49" charset="0"/>
+                <a:ea typeface="Microsoft JhengHei UI Light" panose="020B0304030504040204" pitchFamily="34" charset="-120"/>
+              </a:rPr>
+              <a:t>                     </a:t>
+            </a:r>
+            <a:r>
+              <a:rPr lang="en-US" altLang="zh-TW" sz="2000" dirty="0">
+                <a:solidFill>
+                  <a:schemeClr val="bg1"/>
+                </a:solidFill>
+                <a:latin typeface="Consolas" panose="020B0609020204030204" pitchFamily="49" charset="0"/>
+                <a:ea typeface="Microsoft JhengHei UI Light" panose="020B0304030504040204" pitchFamily="34" charset="-120"/>
+              </a:rPr>
+              <a:t>|</a:t>
+            </a:r>
+            <a:endParaRPr lang="en-GB" altLang="zh-TW" sz="2000" dirty="0">
+              <a:solidFill>
+                <a:schemeClr val="bg1"/>
+              </a:solidFill>
+              <a:latin typeface="Consolas" panose="020B0609020204030204" pitchFamily="49" charset="0"/>
+              <a:ea typeface="Microsoft JhengHei UI Light" panose="020B0304030504040204" pitchFamily="34" charset="-120"/>
+            </a:endParaRPr>
+          </a:p>
+          <a:p>
+            <a:r>
+              <a:rPr lang="en-GB" altLang="zh-TW" sz="2000" dirty="0">
+                <a:solidFill>
+                  <a:schemeClr val="bg1"/>
+                </a:solidFill>
+                <a:latin typeface="Consolas" panose="020B0609020204030204" pitchFamily="49" charset="0"/>
+                <a:ea typeface="Microsoft JhengHei UI Light" panose="020B0304030504040204" pitchFamily="34" charset="-120"/>
+              </a:rPr>
+              <a:t>|-------------------------------------</a:t>
+            </a:r>
+          </a:p>
+          <a:p>
+            <a:r>
+              <a:rPr lang="en-GB" altLang="zh-TW" sz="2000" dirty="0">
+                <a:solidFill>
+                  <a:schemeClr val="bg1"/>
+                </a:solidFill>
+                <a:latin typeface="Consolas" panose="020B0609020204030204" pitchFamily="49" charset="0"/>
+                <a:ea typeface="Microsoft JhengHei UI Light" panose="020B0304030504040204" pitchFamily="34" charset="-120"/>
+              </a:rPr>
+              <a:t>|</a:t>
+            </a:r>
+            <a:r>
+              <a:rPr lang="zh-TW" altLang="en-US" sz="2000" dirty="0">
+                <a:solidFill>
+                  <a:schemeClr val="bg1"/>
+                </a:solidFill>
+                <a:latin typeface="Consolas" panose="020B0609020204030204" pitchFamily="49" charset="0"/>
+                <a:ea typeface="Microsoft JhengHei UI Light" panose="020B0304030504040204" pitchFamily="34" charset="-120"/>
+              </a:rPr>
+              <a:t>陳明賢 </a:t>
+            </a:r>
+            <a:r>
+              <a:rPr lang="en-GB" altLang="zh-TW" sz="2000" dirty="0">
+                <a:solidFill>
+                  <a:schemeClr val="bg1"/>
+                </a:solidFill>
+                <a:latin typeface="Consolas" panose="020B0609020204030204" pitchFamily="49" charset="0"/>
+                <a:ea typeface="Microsoft JhengHei UI Light" panose="020B0304030504040204" pitchFamily="34" charset="-120"/>
+              </a:rPr>
+              <a:t>|V</a:t>
+            </a:r>
+            <a:r>
+              <a:rPr lang="zh-TW" altLang="en-US" sz="2000" dirty="0">
+                <a:solidFill>
+                  <a:srgbClr val="262626"/>
+                </a:solidFill>
+                <a:latin typeface="Consolas" panose="020B0609020204030204" pitchFamily="49" charset="0"/>
+                <a:ea typeface="Microsoft JhengHei UI Light" panose="020B0304030504040204" pitchFamily="34" charset="-120"/>
+              </a:rPr>
+              <a:t>端設計  </a:t>
+            </a:r>
+            <a:r>
+              <a:rPr lang="en-US" altLang="zh-TW" sz="2000" dirty="0">
+                <a:solidFill>
+                  <a:schemeClr val="bg1"/>
+                </a:solidFill>
+                <a:latin typeface="Consolas" panose="020B0609020204030204" pitchFamily="49" charset="0"/>
+                <a:ea typeface="Microsoft JhengHei UI Light" panose="020B0304030504040204" pitchFamily="34" charset="-120"/>
+              </a:rPr>
+              <a:t>|</a:t>
+            </a:r>
+            <a:r>
+              <a:rPr lang="en-GB" altLang="zh-TW" sz="2000" dirty="0">
+                <a:solidFill>
+                  <a:schemeClr val="bg1"/>
+                </a:solidFill>
+                <a:latin typeface="Consolas" panose="020B0609020204030204" pitchFamily="49" charset="0"/>
+                <a:ea typeface="Microsoft JhengHei UI Light" panose="020B0304030504040204" pitchFamily="34" charset="-120"/>
+              </a:rPr>
+              <a:t>X</a:t>
+            </a:r>
+            <a:r>
+              <a:rPr lang="zh-TW" altLang="en-US" sz="2000" dirty="0">
+                <a:solidFill>
+                  <a:srgbClr val="262626"/>
+                </a:solidFill>
+                <a:latin typeface="Consolas" panose="020B0609020204030204" pitchFamily="49" charset="0"/>
+                <a:ea typeface="Microsoft JhengHei UI Light" panose="020B0304030504040204" pitchFamily="34" charset="-120"/>
+              </a:rPr>
+              <a:t>後端程式</a:t>
+            </a:r>
+            <a:r>
+              <a:rPr lang="en-US" altLang="zh-TW" sz="2000" dirty="0">
+                <a:solidFill>
+                  <a:schemeClr val="bg1"/>
+                </a:solidFill>
+                <a:latin typeface="Consolas" panose="020B0609020204030204" pitchFamily="49" charset="0"/>
+                <a:ea typeface="Microsoft JhengHei UI Light" panose="020B0304030504040204" pitchFamily="34" charset="-120"/>
+              </a:rPr>
+              <a:t>|V</a:t>
+            </a:r>
+            <a:r>
+              <a:rPr lang="zh-TW" altLang="en-US" sz="2000" dirty="0">
+                <a:solidFill>
+                  <a:srgbClr val="262626"/>
+                </a:solidFill>
+                <a:latin typeface="Consolas" panose="020B0609020204030204" pitchFamily="49" charset="0"/>
+                <a:ea typeface="Microsoft JhengHei UI Light" panose="020B0304030504040204" pitchFamily="34" charset="-120"/>
+              </a:rPr>
+              <a:t>資料庫設計</a:t>
+            </a:r>
+            <a:r>
+              <a:rPr lang="en-GB" altLang="zh-TW" sz="2000" dirty="0">
+                <a:solidFill>
+                  <a:schemeClr val="bg1"/>
+                </a:solidFill>
+                <a:latin typeface="Consolas" panose="020B0609020204030204" pitchFamily="49" charset="0"/>
+                <a:ea typeface="Microsoft JhengHei UI Light" panose="020B0304030504040204" pitchFamily="34" charset="-120"/>
+              </a:rPr>
+              <a:t>|</a:t>
+            </a:r>
+            <a:r>
+              <a:rPr lang="zh-TW" altLang="en-US" sz="2000" dirty="0">
+                <a:solidFill>
+                  <a:schemeClr val="bg1"/>
+                </a:solidFill>
+                <a:latin typeface="Consolas" panose="020B0609020204030204" pitchFamily="49" charset="0"/>
+                <a:ea typeface="Microsoft JhengHei UI Light" panose="020B0304030504040204" pitchFamily="34" charset="-120"/>
+              </a:rPr>
+              <a:t>                     </a:t>
+            </a:r>
+            <a:r>
+              <a:rPr lang="en-US" altLang="zh-TW" sz="2000" dirty="0">
+                <a:solidFill>
+                  <a:schemeClr val="bg1"/>
+                </a:solidFill>
+                <a:latin typeface="Consolas" panose="020B0609020204030204" pitchFamily="49" charset="0"/>
+                <a:ea typeface="Microsoft JhengHei UI Light" panose="020B0304030504040204" pitchFamily="34" charset="-120"/>
+              </a:rPr>
+              <a:t>|</a:t>
+            </a:r>
+            <a:endParaRPr lang="en-GB" altLang="zh-TW" sz="2000" dirty="0">
+              <a:solidFill>
+                <a:schemeClr val="bg1"/>
+              </a:solidFill>
+              <a:latin typeface="Consolas" panose="020B0609020204030204" pitchFamily="49" charset="0"/>
+              <a:ea typeface="Microsoft JhengHei UI Light" panose="020B0304030504040204" pitchFamily="34" charset="-120"/>
+            </a:endParaRPr>
+          </a:p>
+          <a:p>
+            <a:r>
+              <a:rPr lang="en-US" altLang="zh-TW" sz="2000" dirty="0">
+                <a:solidFill>
+                  <a:schemeClr val="bg1"/>
+                </a:solidFill>
+                <a:latin typeface="Consolas" panose="020B0609020204030204" pitchFamily="49" charset="0"/>
+                <a:ea typeface="Microsoft JhengHei UI Light" panose="020B0304030504040204" pitchFamily="34" charset="-120"/>
+              </a:rPr>
+              <a:t>|-------</a:t>
+            </a:r>
+            <a:r>
+              <a:rPr lang="en-GB" altLang="zh-TW" sz="2000" dirty="0">
+                <a:solidFill>
+                  <a:schemeClr val="bg1"/>
+                </a:solidFill>
+                <a:latin typeface="Consolas" panose="020B0609020204030204" pitchFamily="49" charset="0"/>
+                <a:ea typeface="Microsoft JhengHei UI Light" panose="020B0304030504040204" pitchFamily="34" charset="-120"/>
+              </a:rPr>
+              <a:t>------------------------------</a:t>
+            </a:r>
+            <a:endParaRPr lang="en-US" altLang="zh-TW" sz="2000" dirty="0">
+              <a:solidFill>
+                <a:schemeClr val="bg1"/>
+              </a:solidFill>
+              <a:latin typeface="Consolas" panose="020B0609020204030204" pitchFamily="49" charset="0"/>
+              <a:ea typeface="Microsoft JhengHei UI Light" panose="020B0304030504040204" pitchFamily="34" charset="-120"/>
+            </a:endParaRPr>
+          </a:p>
+          <a:p>
+            <a:r>
+              <a:rPr lang="en-US" altLang="zh-TW" sz="2000" dirty="0">
+                <a:solidFill>
+                  <a:schemeClr val="bg1"/>
+                </a:solidFill>
+                <a:latin typeface="Consolas" panose="020B0609020204030204" pitchFamily="49" charset="0"/>
+                <a:ea typeface="Microsoft JhengHei UI Light" panose="020B0304030504040204" pitchFamily="34" charset="-120"/>
+              </a:rPr>
+              <a:t>|</a:t>
+            </a:r>
+            <a:r>
+              <a:rPr lang="zh-TW" altLang="en-US" sz="2000" dirty="0">
+                <a:solidFill>
+                  <a:schemeClr val="bg1"/>
+                </a:solidFill>
+                <a:latin typeface="Consolas" panose="020B0609020204030204" pitchFamily="49" charset="0"/>
+                <a:ea typeface="Microsoft JhengHei UI Light" panose="020B0304030504040204" pitchFamily="34" charset="-120"/>
+              </a:rPr>
+              <a:t>吳承翰 </a:t>
+            </a:r>
+            <a:r>
+              <a:rPr lang="en-GB" altLang="zh-TW" sz="2000" dirty="0">
+                <a:solidFill>
+                  <a:schemeClr val="bg1"/>
+                </a:solidFill>
+                <a:latin typeface="Consolas" panose="020B0609020204030204" pitchFamily="49" charset="0"/>
+                <a:ea typeface="Microsoft JhengHei UI Light" panose="020B0304030504040204" pitchFamily="34" charset="-120"/>
+              </a:rPr>
+              <a:t>|X</a:t>
+            </a:r>
+            <a:r>
+              <a:rPr lang="zh-TW" altLang="en-US" sz="2000" dirty="0">
+                <a:solidFill>
+                  <a:srgbClr val="262626"/>
+                </a:solidFill>
+                <a:latin typeface="Consolas" panose="020B0609020204030204" pitchFamily="49" charset="0"/>
+                <a:ea typeface="Microsoft JhengHei UI Light" panose="020B0304030504040204" pitchFamily="34" charset="-120"/>
+              </a:rPr>
+              <a:t>端設計  </a:t>
+            </a:r>
+            <a:r>
+              <a:rPr lang="en-US" altLang="zh-TW" sz="2000" dirty="0">
+                <a:solidFill>
+                  <a:schemeClr val="bg1"/>
+                </a:solidFill>
+                <a:latin typeface="Consolas" panose="020B0609020204030204" pitchFamily="49" charset="0"/>
+                <a:ea typeface="Microsoft JhengHei UI Light" panose="020B0304030504040204" pitchFamily="34" charset="-120"/>
+              </a:rPr>
+              <a:t>|</a:t>
+            </a:r>
+            <a:r>
+              <a:rPr lang="en-GB" altLang="zh-TW" sz="2000" dirty="0">
+                <a:solidFill>
+                  <a:schemeClr val="bg1"/>
+                </a:solidFill>
+                <a:latin typeface="Consolas" panose="020B0609020204030204" pitchFamily="49" charset="0"/>
+                <a:ea typeface="Microsoft JhengHei UI Light" panose="020B0304030504040204" pitchFamily="34" charset="-120"/>
+              </a:rPr>
+              <a:t>V</a:t>
+            </a:r>
+            <a:r>
+              <a:rPr lang="zh-TW" altLang="en-US" sz="2000" dirty="0">
+                <a:solidFill>
+                  <a:srgbClr val="262626"/>
+                </a:solidFill>
+                <a:latin typeface="Consolas" panose="020B0609020204030204" pitchFamily="49" charset="0"/>
+                <a:ea typeface="Microsoft JhengHei UI Light" panose="020B0304030504040204" pitchFamily="34" charset="-120"/>
+              </a:rPr>
+              <a:t>後端程式</a:t>
+            </a:r>
+            <a:r>
+              <a:rPr lang="en-US" altLang="zh-TW" sz="2000" dirty="0">
+                <a:solidFill>
+                  <a:schemeClr val="bg1"/>
+                </a:solidFill>
+                <a:latin typeface="Consolas" panose="020B0609020204030204" pitchFamily="49" charset="0"/>
+                <a:ea typeface="Microsoft JhengHei UI Light" panose="020B0304030504040204" pitchFamily="34" charset="-120"/>
+              </a:rPr>
+              <a:t>|V</a:t>
+            </a:r>
+            <a:r>
+              <a:rPr lang="zh-TW" altLang="en-US" sz="2000" dirty="0">
+                <a:solidFill>
+                  <a:srgbClr val="262626"/>
+                </a:solidFill>
+                <a:latin typeface="Consolas" panose="020B0609020204030204" pitchFamily="49" charset="0"/>
+                <a:ea typeface="Microsoft JhengHei UI Light" panose="020B0304030504040204" pitchFamily="34" charset="-120"/>
+              </a:rPr>
+              <a:t>資料庫設計</a:t>
+            </a:r>
+            <a:r>
+              <a:rPr lang="en-GB" altLang="zh-TW" sz="2000" dirty="0">
+                <a:solidFill>
+                  <a:schemeClr val="bg1"/>
+                </a:solidFill>
+                <a:latin typeface="Consolas" panose="020B0609020204030204" pitchFamily="49" charset="0"/>
+                <a:ea typeface="Microsoft JhengHei UI Light" panose="020B0304030504040204" pitchFamily="34" charset="-120"/>
+              </a:rPr>
+              <a:t>|</a:t>
+            </a:r>
+            <a:r>
+              <a:rPr lang="zh-TW" altLang="en-US" sz="2000" dirty="0">
+                <a:solidFill>
+                  <a:schemeClr val="bg1"/>
+                </a:solidFill>
+                <a:latin typeface="Consolas" panose="020B0609020204030204" pitchFamily="49" charset="0"/>
+                <a:ea typeface="Microsoft JhengHei UI Light" panose="020B0304030504040204" pitchFamily="34" charset="-120"/>
+              </a:rPr>
+              <a:t>                     </a:t>
+            </a:r>
+            <a:r>
+              <a:rPr lang="en-US" altLang="zh-TW" sz="2000" dirty="0">
+                <a:solidFill>
+                  <a:schemeClr val="bg1"/>
+                </a:solidFill>
+                <a:latin typeface="Consolas" panose="020B0609020204030204" pitchFamily="49" charset="0"/>
+                <a:ea typeface="Microsoft JhengHei UI Light" panose="020B0304030504040204" pitchFamily="34" charset="-120"/>
+              </a:rPr>
+              <a:t>|</a:t>
+            </a:r>
+            <a:endParaRPr lang="en-GB" altLang="zh-TW" sz="2000" dirty="0">
+              <a:solidFill>
+                <a:schemeClr val="bg1"/>
+              </a:solidFill>
+              <a:latin typeface="Consolas" panose="020B0609020204030204" pitchFamily="49" charset="0"/>
+              <a:ea typeface="Microsoft JhengHei UI Light" panose="020B0304030504040204" pitchFamily="34" charset="-120"/>
+            </a:endParaRPr>
+          </a:p>
+          <a:p>
+            <a:r>
+              <a:rPr lang="en-GB" altLang="zh-TW" sz="2000" dirty="0">
+                <a:solidFill>
+                  <a:schemeClr val="bg1"/>
+                </a:solidFill>
+                <a:latin typeface="Consolas" panose="020B0609020204030204" pitchFamily="49" charset="0"/>
+                <a:ea typeface="Microsoft JhengHei UI Light" panose="020B0304030504040204" pitchFamily="34" charset="-120"/>
+              </a:rPr>
+              <a:t>|-------------------------------------</a:t>
+            </a:r>
+            <a:r>
+              <a:rPr lang="en-US" altLang="zh-TW" sz="2000" dirty="0">
+                <a:solidFill>
+                  <a:schemeClr val="bg1"/>
+                </a:solidFill>
+                <a:latin typeface="Consolas" panose="020B0609020204030204" pitchFamily="49" charset="0"/>
+                <a:ea typeface="Microsoft JhengHei UI Light" panose="020B0304030504040204" pitchFamily="34" charset="-120"/>
+              </a:rPr>
+              <a:t>----------------------</a:t>
+            </a:r>
+            <a:endParaRPr lang="en-GB" altLang="zh-TW" sz="2000" dirty="0">
+              <a:solidFill>
+                <a:schemeClr val="bg1"/>
+              </a:solidFill>
+              <a:latin typeface="Consolas" panose="020B0609020204030204" pitchFamily="49" charset="0"/>
+              <a:ea typeface="Microsoft JhengHei UI Light" panose="020B0304030504040204" pitchFamily="34" charset="-120"/>
+            </a:endParaRPr>
+          </a:p>
+        </p:txBody>
+      </p:sp>
+      <p:sp>
+        <p:nvSpPr>
+          <p:cNvPr id="3" name="文字方塊 2">
+            <a:extLst>
+              <a:ext uri="{FF2B5EF4-FFF2-40B4-BE49-F238E27FC236}">
+                <a16:creationId xmlns:a16="http://schemas.microsoft.com/office/drawing/2014/main" id="{B54044F9-7A48-439A-8F18-D6DE5B6A13D7}"/>
+              </a:ext>
+            </a:extLst>
+          </p:cNvPr>
+          <p:cNvSpPr txBox="1"/>
+          <p:nvPr/>
+        </p:nvSpPr>
+        <p:spPr>
+          <a:xfrm>
+            <a:off x="5760104" y="3144872"/>
+            <a:ext cx="2965142" cy="1169551"/>
+          </a:xfrm>
+          <a:prstGeom prst="rect">
+            <a:avLst/>
+          </a:prstGeom>
+          <a:noFill/>
+        </p:spPr>
+        <p:txBody>
+          <a:bodyPr wrap="square" rtlCol="0">
+            <a:spAutoFit/>
+          </a:bodyPr>
+          <a:lstStyle/>
+          <a:p>
+            <a:r>
+              <a:rPr lang="zh-TW" altLang="en-US" sz="2800" dirty="0">
+                <a:solidFill>
+                  <a:schemeClr val="bg1"/>
+                </a:solidFill>
+              </a:rPr>
+              <a:t>滿分</a:t>
+            </a:r>
+            <a:r>
+              <a:rPr lang="en-US" altLang="zh-TW" sz="2800" dirty="0">
+                <a:solidFill>
+                  <a:schemeClr val="bg1"/>
+                </a:solidFill>
+              </a:rPr>
+              <a:t>100</a:t>
+            </a:r>
+            <a:r>
+              <a:rPr lang="zh-TW" altLang="en-US" sz="2800" dirty="0">
+                <a:solidFill>
+                  <a:schemeClr val="bg1"/>
+                </a:solidFill>
+              </a:rPr>
+              <a:t>的話</a:t>
+            </a:r>
+            <a:endParaRPr lang="en-US" altLang="zh-TW" sz="2800" dirty="0">
+              <a:solidFill>
+                <a:schemeClr val="bg1"/>
+              </a:solidFill>
+            </a:endParaRPr>
+          </a:p>
+          <a:p>
+            <a:endParaRPr lang="en-US" altLang="zh-TW" sz="1200" dirty="0">
+              <a:solidFill>
+                <a:schemeClr val="bg1"/>
+              </a:solidFill>
+            </a:endParaRPr>
+          </a:p>
+          <a:p>
+            <a:r>
+              <a:rPr lang="zh-TW" altLang="en-US" sz="2800" dirty="0">
+                <a:solidFill>
+                  <a:schemeClr val="bg1"/>
+                </a:solidFill>
+              </a:rPr>
+              <a:t>        我們給滿分。</a:t>
+            </a:r>
+          </a:p>
+        </p:txBody>
+      </p:sp>
+      <p:sp>
+        <p:nvSpPr>
           <p:cNvPr id="23" name="矩形 4">
             <a:extLst>
               <a:ext uri="{FF2B5EF4-FFF2-40B4-BE49-F238E27FC236}">
@@ -12398,10 +13276,10 @@
       </p:sp>
       <p:sp>
         <p:nvSpPr>
-          <p:cNvPr id="39" name="文字方塊 21">
+          <p:cNvPr id="5" name="文字方塊 4">
             <a:extLst>
               <a:ext uri="{FF2B5EF4-FFF2-40B4-BE49-F238E27FC236}">
-                <a16:creationId xmlns:a16="http://schemas.microsoft.com/office/drawing/2014/main" id="{868EF06B-C63A-4856-A7C5-B77CB5CD2DD6}"/>
+                <a16:creationId xmlns:a16="http://schemas.microsoft.com/office/drawing/2014/main" id="{86372FD3-19AE-4C0F-B1B8-F75F0FD3BD00}"/>
               </a:ext>
             </a:extLst>
           </p:cNvPr>
@@ -12410,8 +13288,8 @@
         </p:nvSpPr>
         <p:spPr>
           <a:xfrm>
-            <a:off x="260149" y="1692653"/>
-            <a:ext cx="9385376" cy="3477875"/>
+            <a:off x="8539755" y="2909305"/>
+            <a:ext cx="325730" cy="400110"/>
           </a:xfrm>
           <a:prstGeom prst="rect">
             <a:avLst/>
@@ -12419,870 +13297,117 @@
           <a:noFill/>
         </p:spPr>
         <p:txBody>
-          <a:bodyPr wrap="square" rtlCol="0">
+          <a:bodyPr wrap="none" rtlCol="0">
             <a:spAutoFit/>
           </a:bodyPr>
           <a:lstStyle/>
           <a:p>
             <a:r>
-              <a:rPr lang="en-GB" altLang="zh-TW" sz="2000" dirty="0">
-                <a:solidFill>
-                  <a:schemeClr val="bg1"/>
-                </a:solidFill>
-                <a:latin typeface="Consolas" panose="020B0609020204030204" pitchFamily="49" charset="0"/>
-                <a:ea typeface="Microsoft JhengHei UI Light" panose="020B0304030504040204" pitchFamily="34" charset="-120"/>
-              </a:rPr>
-              <a:t>--------------------------------------</a:t>
-            </a:r>
-            <a:r>
               <a:rPr lang="en-US" altLang="zh-TW" sz="2000" dirty="0">
                 <a:solidFill>
                   <a:schemeClr val="bg1"/>
                 </a:solidFill>
                 <a:latin typeface="Consolas" panose="020B0609020204030204" pitchFamily="49" charset="0"/>
-                <a:ea typeface="Microsoft JhengHei UI Light" panose="020B0304030504040204" pitchFamily="34" charset="-120"/>
-              </a:rPr>
-              <a:t>----------------------</a:t>
-            </a:r>
-            <a:endParaRPr lang="en-GB" altLang="zh-TW" sz="2000" dirty="0">
+              </a:rPr>
+              <a:t>|</a:t>
+            </a:r>
+            <a:endParaRPr lang="zh-TW" altLang="en-US" sz="2000" dirty="0">
               <a:solidFill>
                 <a:schemeClr val="bg1"/>
               </a:solidFill>
               <a:latin typeface="Consolas" panose="020B0609020204030204" pitchFamily="49" charset="0"/>
-              <a:ea typeface="Microsoft JhengHei UI Light" panose="020B0304030504040204" pitchFamily="34" charset="-120"/>
             </a:endParaRPr>
           </a:p>
-          <a:p>
-            <a:r>
-              <a:rPr lang="en-GB" altLang="zh-TW" sz="2000" dirty="0">
-                <a:solidFill>
-                  <a:schemeClr val="bg1"/>
-                </a:solidFill>
-                <a:latin typeface="Consolas" panose="020B0609020204030204" pitchFamily="49" charset="0"/>
-                <a:ea typeface="Microsoft JhengHei UI Light" panose="020B0304030504040204" pitchFamily="34" charset="-120"/>
-              </a:rPr>
-              <a:t>|	 |</a:t>
-            </a:r>
-            <a:r>
-              <a:rPr lang="zh-TW" altLang="en-US" sz="2000" dirty="0">
-                <a:solidFill>
-                  <a:schemeClr val="bg1"/>
-                </a:solidFill>
-                <a:latin typeface="Consolas" panose="020B0609020204030204" pitchFamily="49" charset="0"/>
-                <a:ea typeface="Microsoft JhengHei UI Light" panose="020B0304030504040204" pitchFamily="34" charset="-120"/>
-              </a:rPr>
-              <a:t>前端設計 </a:t>
-            </a:r>
-            <a:r>
-              <a:rPr lang="en-GB" altLang="zh-TW" sz="2000" dirty="0">
-                <a:solidFill>
-                  <a:schemeClr val="bg1"/>
-                </a:solidFill>
-                <a:latin typeface="Consolas" panose="020B0609020204030204" pitchFamily="49" charset="0"/>
-                <a:ea typeface="Microsoft JhengHei UI Light" panose="020B0304030504040204" pitchFamily="34" charset="-120"/>
+        </p:txBody>
+      </p:sp>
+      <p:sp>
+        <p:nvSpPr>
+          <p:cNvPr id="38" name="文字方塊 37">
+            <a:extLst>
+              <a:ext uri="{FF2B5EF4-FFF2-40B4-BE49-F238E27FC236}">
+                <a16:creationId xmlns:a16="http://schemas.microsoft.com/office/drawing/2014/main" id="{8B08E77A-A22E-431A-9146-981B9C69F25E}"/>
+              </a:ext>
+            </a:extLst>
+          </p:cNvPr>
+          <p:cNvSpPr txBox="1"/>
+          <p:nvPr/>
+        </p:nvSpPr>
+        <p:spPr>
+          <a:xfrm>
+            <a:off x="8539755" y="4137009"/>
+            <a:ext cx="325730" cy="400110"/>
+          </a:xfrm>
+          <a:prstGeom prst="rect">
+            <a:avLst/>
+          </a:prstGeom>
+          <a:noFill/>
+        </p:spPr>
+        <p:txBody>
+          <a:bodyPr wrap="none" rtlCol="0">
+            <a:spAutoFit/>
+          </a:bodyPr>
+          <a:lstStyle/>
+          <a:p>
+            <a:r>
+              <a:rPr lang="en-US" altLang="zh-TW" sz="2000" dirty="0">
+                <a:solidFill>
+                  <a:schemeClr val="bg1"/>
+                </a:solidFill>
+                <a:latin typeface="Consolas" panose="020B0609020204030204" pitchFamily="49" charset="0"/>
               </a:rPr>
               <a:t>|</a:t>
             </a:r>
-            <a:r>
-              <a:rPr lang="zh-TW" altLang="en-US" sz="2000" dirty="0">
-                <a:solidFill>
-                  <a:schemeClr val="bg1"/>
-                </a:solidFill>
-                <a:latin typeface="Consolas" panose="020B0609020204030204" pitchFamily="49" charset="0"/>
-                <a:ea typeface="Microsoft JhengHei UI Light" panose="020B0304030504040204" pitchFamily="34" charset="-120"/>
-              </a:rPr>
-              <a:t>後端程式 </a:t>
-            </a:r>
-            <a:r>
-              <a:rPr lang="en-US" altLang="zh-TW" sz="2000" dirty="0">
-                <a:solidFill>
-                  <a:schemeClr val="bg1"/>
-                </a:solidFill>
-                <a:latin typeface="Consolas" panose="020B0609020204030204" pitchFamily="49" charset="0"/>
-                <a:ea typeface="Microsoft JhengHei UI Light" panose="020B0304030504040204" pitchFamily="34" charset="-120"/>
-              </a:rPr>
-              <a:t>|</a:t>
-            </a:r>
-            <a:r>
-              <a:rPr lang="zh-TW" altLang="en-US" sz="2000" dirty="0">
-                <a:solidFill>
-                  <a:schemeClr val="bg1"/>
-                </a:solidFill>
-                <a:latin typeface="Consolas" panose="020B0609020204030204" pitchFamily="49" charset="0"/>
-                <a:ea typeface="Microsoft JhengHei UI Light" panose="020B0304030504040204" pitchFamily="34" charset="-120"/>
-              </a:rPr>
-              <a:t>資料庫設計 </a:t>
-            </a:r>
-            <a:r>
-              <a:rPr lang="en-GB" altLang="zh-TW" sz="2000" dirty="0">
-                <a:solidFill>
-                  <a:schemeClr val="bg1"/>
-                </a:solidFill>
-                <a:latin typeface="Consolas" panose="020B0609020204030204" pitchFamily="49" charset="0"/>
-                <a:ea typeface="Microsoft JhengHei UI Light" panose="020B0304030504040204" pitchFamily="34" charset="-120"/>
-              </a:rPr>
-              <a:t>|</a:t>
-            </a:r>
-            <a:r>
-              <a:rPr lang="zh-TW" altLang="en-US" sz="2000" dirty="0">
-                <a:solidFill>
-                  <a:schemeClr val="bg1"/>
-                </a:solidFill>
-                <a:latin typeface="Consolas" panose="020B0609020204030204" pitchFamily="49" charset="0"/>
-                <a:ea typeface="Microsoft JhengHei UI Light" panose="020B0304030504040204" pitchFamily="34" charset="-120"/>
-              </a:rPr>
-              <a:t>作品自評分           </a:t>
-            </a:r>
-            <a:r>
-              <a:rPr lang="en-US" altLang="zh-TW" sz="2000" dirty="0">
-                <a:solidFill>
-                  <a:schemeClr val="bg1"/>
-                </a:solidFill>
-                <a:latin typeface="Consolas" panose="020B0609020204030204" pitchFamily="49" charset="0"/>
-                <a:ea typeface="Microsoft JhengHei UI Light" panose="020B0304030504040204" pitchFamily="34" charset="-120"/>
-              </a:rPr>
-              <a:t>	|</a:t>
-            </a:r>
-            <a:endParaRPr lang="en-GB" altLang="zh-TW" sz="2000" dirty="0">
+            <a:endParaRPr lang="zh-TW" altLang="en-US" sz="2000" dirty="0">
               <a:solidFill>
                 <a:schemeClr val="bg1"/>
               </a:solidFill>
               <a:latin typeface="Consolas" panose="020B0609020204030204" pitchFamily="49" charset="0"/>
-              <a:ea typeface="Microsoft JhengHei UI Light" panose="020B0304030504040204" pitchFamily="34" charset="-120"/>
             </a:endParaRPr>
           </a:p>
-          <a:p>
-            <a:r>
-              <a:rPr lang="en-GB" altLang="zh-TW" sz="2000" dirty="0">
-                <a:solidFill>
-                  <a:schemeClr val="bg1"/>
-                </a:solidFill>
-                <a:latin typeface="Consolas" panose="020B0609020204030204" pitchFamily="49" charset="0"/>
-                <a:ea typeface="Microsoft JhengHei UI Light" panose="020B0304030504040204" pitchFamily="34" charset="-120"/>
-              </a:rPr>
-              <a:t>|-------------------------------------</a:t>
-            </a:r>
+        </p:txBody>
+      </p:sp>
+      <p:sp>
+        <p:nvSpPr>
+          <p:cNvPr id="40" name="文字方塊 39">
+            <a:extLst>
+              <a:ext uri="{FF2B5EF4-FFF2-40B4-BE49-F238E27FC236}">
+                <a16:creationId xmlns:a16="http://schemas.microsoft.com/office/drawing/2014/main" id="{60E25198-7857-4AB7-A26B-35D124B657F0}"/>
+              </a:ext>
+            </a:extLst>
+          </p:cNvPr>
+          <p:cNvSpPr txBox="1"/>
+          <p:nvPr/>
+        </p:nvSpPr>
+        <p:spPr>
+          <a:xfrm>
+            <a:off x="8544625" y="3525703"/>
+            <a:ext cx="325730" cy="400110"/>
+          </a:xfrm>
+          <a:prstGeom prst="rect">
+            <a:avLst/>
+          </a:prstGeom>
+          <a:noFill/>
+        </p:spPr>
+        <p:txBody>
+          <a:bodyPr wrap="none" rtlCol="0">
+            <a:spAutoFit/>
+          </a:bodyPr>
+          <a:lstStyle/>
+          <a:p>
             <a:r>
               <a:rPr lang="en-US" altLang="zh-TW" sz="2000" dirty="0">
                 <a:solidFill>
                   <a:schemeClr val="bg1"/>
                 </a:solidFill>
                 <a:latin typeface="Consolas" panose="020B0609020204030204" pitchFamily="49" charset="0"/>
-                <a:ea typeface="Microsoft JhengHei UI Light" panose="020B0304030504040204" pitchFamily="34" charset="-120"/>
-              </a:rPr>
-              <a:t>----------------------</a:t>
-            </a:r>
-            <a:endParaRPr lang="en-GB" altLang="zh-TW" sz="2000" dirty="0">
+              </a:rPr>
+              <a:t>|</a:t>
+            </a:r>
+            <a:endParaRPr lang="zh-TW" altLang="en-US" sz="2000" dirty="0">
               <a:solidFill>
                 <a:schemeClr val="bg1"/>
               </a:solidFill>
               <a:latin typeface="Consolas" panose="020B0609020204030204" pitchFamily="49" charset="0"/>
-              <a:ea typeface="Microsoft JhengHei UI Light" panose="020B0304030504040204" pitchFamily="34" charset="-120"/>
-            </a:endParaRPr>
-          </a:p>
-          <a:p>
-            <a:r>
-              <a:rPr lang="en-GB" altLang="zh-TW" sz="2000" dirty="0">
-                <a:solidFill>
-                  <a:schemeClr val="bg1"/>
-                </a:solidFill>
-                <a:latin typeface="Consolas" panose="020B0609020204030204" pitchFamily="49" charset="0"/>
-                <a:ea typeface="Microsoft JhengHei UI Light" panose="020B0304030504040204" pitchFamily="34" charset="-120"/>
-              </a:rPr>
-              <a:t>|</a:t>
-            </a:r>
-            <a:r>
-              <a:rPr lang="zh-TW" altLang="en-US" sz="2000" dirty="0">
-                <a:solidFill>
-                  <a:schemeClr val="bg1"/>
-                </a:solidFill>
-                <a:latin typeface="Consolas" panose="020B0609020204030204" pitchFamily="49" charset="0"/>
-                <a:ea typeface="Microsoft JhengHei UI Light" panose="020B0304030504040204" pitchFamily="34" charset="-120"/>
-              </a:rPr>
-              <a:t>郭訓佑 </a:t>
-            </a:r>
-            <a:r>
-              <a:rPr lang="en-GB" altLang="zh-TW" sz="2000" dirty="0">
-                <a:solidFill>
-                  <a:schemeClr val="bg1"/>
-                </a:solidFill>
-                <a:latin typeface="Consolas" panose="020B0609020204030204" pitchFamily="49" charset="0"/>
-                <a:ea typeface="Microsoft JhengHei UI Light" panose="020B0304030504040204" pitchFamily="34" charset="-120"/>
-              </a:rPr>
-              <a:t>|X</a:t>
-            </a:r>
-            <a:r>
-              <a:rPr lang="zh-TW" altLang="en-US" sz="2000" dirty="0">
-                <a:solidFill>
-                  <a:srgbClr val="262626"/>
-                </a:solidFill>
-                <a:latin typeface="Consolas" panose="020B0609020204030204" pitchFamily="49" charset="0"/>
-                <a:ea typeface="Microsoft JhengHei UI Light" panose="020B0304030504040204" pitchFamily="34" charset="-120"/>
-              </a:rPr>
-              <a:t>端設計  </a:t>
-            </a:r>
-            <a:r>
-              <a:rPr lang="en-US" altLang="zh-TW" sz="2000" dirty="0">
-                <a:solidFill>
-                  <a:schemeClr val="bg1"/>
-                </a:solidFill>
-                <a:latin typeface="Consolas" panose="020B0609020204030204" pitchFamily="49" charset="0"/>
-                <a:ea typeface="Microsoft JhengHei UI Light" panose="020B0304030504040204" pitchFamily="34" charset="-120"/>
-              </a:rPr>
-              <a:t>|</a:t>
-            </a:r>
-            <a:r>
-              <a:rPr lang="en-GB" altLang="zh-TW" sz="2000" dirty="0">
-                <a:solidFill>
-                  <a:schemeClr val="bg1"/>
-                </a:solidFill>
-                <a:latin typeface="Consolas" panose="020B0609020204030204" pitchFamily="49" charset="0"/>
-                <a:ea typeface="Microsoft JhengHei UI Light" panose="020B0304030504040204" pitchFamily="34" charset="-120"/>
-              </a:rPr>
-              <a:t>V</a:t>
-            </a:r>
-            <a:r>
-              <a:rPr lang="zh-TW" altLang="en-US" sz="2000" dirty="0">
-                <a:solidFill>
-                  <a:srgbClr val="262626"/>
-                </a:solidFill>
-                <a:latin typeface="Consolas" panose="020B0609020204030204" pitchFamily="49" charset="0"/>
-                <a:ea typeface="Microsoft JhengHei UI Light" panose="020B0304030504040204" pitchFamily="34" charset="-120"/>
-              </a:rPr>
-              <a:t>後端程式</a:t>
-            </a:r>
-            <a:r>
-              <a:rPr lang="en-US" altLang="zh-TW" sz="2000" dirty="0">
-                <a:solidFill>
-                  <a:schemeClr val="bg1"/>
-                </a:solidFill>
-                <a:latin typeface="Consolas" panose="020B0609020204030204" pitchFamily="49" charset="0"/>
-                <a:ea typeface="Microsoft JhengHei UI Light" panose="020B0304030504040204" pitchFamily="34" charset="-120"/>
-              </a:rPr>
-              <a:t>|V</a:t>
-            </a:r>
-            <a:r>
-              <a:rPr lang="zh-TW" altLang="en-US" sz="2000" dirty="0">
-                <a:solidFill>
-                  <a:srgbClr val="262626"/>
-                </a:solidFill>
-                <a:latin typeface="Consolas" panose="020B0609020204030204" pitchFamily="49" charset="0"/>
-                <a:ea typeface="Microsoft JhengHei UI Light" panose="020B0304030504040204" pitchFamily="34" charset="-120"/>
-              </a:rPr>
-              <a:t>資料庫設計</a:t>
-            </a:r>
-            <a:r>
-              <a:rPr lang="en-US" altLang="zh-TW" sz="2000" dirty="0">
-                <a:solidFill>
-                  <a:schemeClr val="bg1"/>
-                </a:solidFill>
-                <a:latin typeface="Consolas" panose="020B0609020204030204" pitchFamily="49" charset="0"/>
-                <a:ea typeface="Microsoft JhengHei UI Light" panose="020B0304030504040204" pitchFamily="34" charset="-120"/>
-              </a:rPr>
-              <a:t>|</a:t>
-            </a:r>
-            <a:r>
-              <a:rPr lang="zh-TW" altLang="en-US" sz="2000" dirty="0">
-                <a:solidFill>
-                  <a:schemeClr val="bg1"/>
-                </a:solidFill>
-                <a:latin typeface="Consolas" panose="020B0609020204030204" pitchFamily="49" charset="0"/>
-                <a:ea typeface="Microsoft JhengHei UI Light" panose="020B0304030504040204" pitchFamily="34" charset="-120"/>
-              </a:rPr>
-              <a:t>我覺得</a:t>
-            </a:r>
-            <a:r>
-              <a:rPr lang="en-US" altLang="zh-TW" sz="2000" dirty="0">
-                <a:solidFill>
-                  <a:schemeClr val="bg1"/>
-                </a:solidFill>
-                <a:latin typeface="Consolas" panose="020B0609020204030204" pitchFamily="49" charset="0"/>
-                <a:ea typeface="Microsoft JhengHei UI Light" panose="020B0304030504040204" pitchFamily="34" charset="-120"/>
-              </a:rPr>
-              <a:t>90</a:t>
-            </a:r>
-            <a:r>
-              <a:rPr lang="zh-TW" altLang="en-US" sz="2000" dirty="0">
-                <a:solidFill>
-                  <a:schemeClr val="bg1"/>
-                </a:solidFill>
-                <a:latin typeface="Consolas" panose="020B0609020204030204" pitchFamily="49" charset="0"/>
-                <a:ea typeface="Microsoft JhengHei UI Light" panose="020B0304030504040204" pitchFamily="34" charset="-120"/>
-              </a:rPr>
-              <a:t>分再加</a:t>
-            </a:r>
-            <a:r>
-              <a:rPr lang="en-US" altLang="zh-TW" sz="2000" dirty="0">
-                <a:solidFill>
-                  <a:schemeClr val="bg1"/>
-                </a:solidFill>
-                <a:latin typeface="Consolas" panose="020B0609020204030204" pitchFamily="49" charset="0"/>
-                <a:ea typeface="Microsoft JhengHei UI Light" panose="020B0304030504040204" pitchFamily="34" charset="-120"/>
-              </a:rPr>
-              <a:t>10</a:t>
-            </a:r>
-            <a:r>
-              <a:rPr lang="zh-TW" altLang="en-US" sz="2000" dirty="0">
-                <a:solidFill>
-                  <a:schemeClr val="bg1"/>
-                </a:solidFill>
-                <a:latin typeface="Consolas" panose="020B0609020204030204" pitchFamily="49" charset="0"/>
-                <a:ea typeface="Microsoft JhengHei UI Light" panose="020B0304030504040204" pitchFamily="34" charset="-120"/>
-              </a:rPr>
-              <a:t>分    </a:t>
-            </a:r>
-            <a:r>
-              <a:rPr lang="en-US" altLang="zh-TW" sz="2000" dirty="0">
-                <a:solidFill>
-                  <a:schemeClr val="bg1"/>
-                </a:solidFill>
-                <a:latin typeface="Consolas" panose="020B0609020204030204" pitchFamily="49" charset="0"/>
-                <a:ea typeface="Microsoft JhengHei UI Light" panose="020B0304030504040204" pitchFamily="34" charset="-120"/>
-              </a:rPr>
-              <a:t>|</a:t>
-            </a:r>
-            <a:endParaRPr lang="en-GB" altLang="zh-TW" sz="2000" dirty="0">
-              <a:solidFill>
-                <a:schemeClr val="bg1"/>
-              </a:solidFill>
-              <a:latin typeface="Consolas" panose="020B0609020204030204" pitchFamily="49" charset="0"/>
-              <a:ea typeface="Microsoft JhengHei UI Light" panose="020B0304030504040204" pitchFamily="34" charset="-120"/>
-            </a:endParaRPr>
-          </a:p>
-          <a:p>
-            <a:r>
-              <a:rPr lang="en-GB" altLang="zh-TW" sz="2000" dirty="0">
-                <a:solidFill>
-                  <a:schemeClr val="bg1"/>
-                </a:solidFill>
-                <a:latin typeface="Consolas" panose="020B0609020204030204" pitchFamily="49" charset="0"/>
-                <a:ea typeface="Microsoft JhengHei UI Light" panose="020B0304030504040204" pitchFamily="34" charset="-120"/>
-              </a:rPr>
-              <a:t>|-------------------------------------</a:t>
-            </a:r>
-            <a:r>
-              <a:rPr lang="en-US" altLang="zh-TW" sz="2000" dirty="0">
-                <a:solidFill>
-                  <a:schemeClr val="bg1"/>
-                </a:solidFill>
-                <a:latin typeface="Consolas" panose="020B0609020204030204" pitchFamily="49" charset="0"/>
-                <a:ea typeface="Microsoft JhengHei UI Light" panose="020B0304030504040204" pitchFamily="34" charset="-120"/>
-              </a:rPr>
-              <a:t>----------------------</a:t>
-            </a:r>
-            <a:endParaRPr lang="en-GB" altLang="zh-TW" sz="2000" dirty="0">
-              <a:solidFill>
-                <a:schemeClr val="bg1"/>
-              </a:solidFill>
-              <a:latin typeface="Consolas" panose="020B0609020204030204" pitchFamily="49" charset="0"/>
-              <a:ea typeface="Microsoft JhengHei UI Light" panose="020B0304030504040204" pitchFamily="34" charset="-120"/>
-            </a:endParaRPr>
-          </a:p>
-          <a:p>
-            <a:r>
-              <a:rPr lang="en-GB" altLang="zh-TW" sz="2000" dirty="0">
-                <a:solidFill>
-                  <a:schemeClr val="bg1"/>
-                </a:solidFill>
-                <a:latin typeface="Consolas" panose="020B0609020204030204" pitchFamily="49" charset="0"/>
-                <a:ea typeface="Microsoft JhengHei UI Light" panose="020B0304030504040204" pitchFamily="34" charset="-120"/>
-              </a:rPr>
-              <a:t>|</a:t>
-            </a:r>
-            <a:r>
-              <a:rPr lang="zh-TW" altLang="en-US" sz="2000" dirty="0">
-                <a:solidFill>
-                  <a:schemeClr val="bg1"/>
-                </a:solidFill>
-                <a:latin typeface="Consolas" panose="020B0609020204030204" pitchFamily="49" charset="0"/>
-                <a:ea typeface="Microsoft JhengHei UI Light" panose="020B0304030504040204" pitchFamily="34" charset="-120"/>
-              </a:rPr>
-              <a:t>彭鉅展 </a:t>
-            </a:r>
-            <a:r>
-              <a:rPr lang="en-GB" altLang="zh-TW" sz="2000" dirty="0">
-                <a:solidFill>
-                  <a:schemeClr val="bg1"/>
-                </a:solidFill>
-                <a:latin typeface="Consolas" panose="020B0609020204030204" pitchFamily="49" charset="0"/>
-                <a:ea typeface="Microsoft JhengHei UI Light" panose="020B0304030504040204" pitchFamily="34" charset="-120"/>
-              </a:rPr>
-              <a:t>|V</a:t>
-            </a:r>
-            <a:r>
-              <a:rPr lang="zh-TW" altLang="en-US" sz="2000" dirty="0">
-                <a:solidFill>
-                  <a:srgbClr val="262626"/>
-                </a:solidFill>
-                <a:latin typeface="Consolas" panose="020B0609020204030204" pitchFamily="49" charset="0"/>
-                <a:ea typeface="Microsoft JhengHei UI Light" panose="020B0304030504040204" pitchFamily="34" charset="-120"/>
-              </a:rPr>
-              <a:t>端設計  </a:t>
-            </a:r>
-            <a:r>
-              <a:rPr lang="en-US" altLang="zh-TW" sz="2000" dirty="0">
-                <a:solidFill>
-                  <a:schemeClr val="bg1"/>
-                </a:solidFill>
-                <a:latin typeface="Consolas" panose="020B0609020204030204" pitchFamily="49" charset="0"/>
-                <a:ea typeface="Microsoft JhengHei UI Light" panose="020B0304030504040204" pitchFamily="34" charset="-120"/>
-              </a:rPr>
-              <a:t>|</a:t>
-            </a:r>
-            <a:r>
-              <a:rPr lang="en-GB" altLang="zh-TW" sz="2000" dirty="0">
-                <a:solidFill>
-                  <a:schemeClr val="bg1"/>
-                </a:solidFill>
-                <a:latin typeface="Consolas" panose="020B0609020204030204" pitchFamily="49" charset="0"/>
-                <a:ea typeface="Microsoft JhengHei UI Light" panose="020B0304030504040204" pitchFamily="34" charset="-120"/>
-              </a:rPr>
-              <a:t>X</a:t>
-            </a:r>
-            <a:r>
-              <a:rPr lang="zh-TW" altLang="en-US" sz="2000" dirty="0">
-                <a:solidFill>
-                  <a:srgbClr val="262626"/>
-                </a:solidFill>
-                <a:latin typeface="Consolas" panose="020B0609020204030204" pitchFamily="49" charset="0"/>
-                <a:ea typeface="Microsoft JhengHei UI Light" panose="020B0304030504040204" pitchFamily="34" charset="-120"/>
-              </a:rPr>
-              <a:t>後端程式</a:t>
-            </a:r>
-            <a:r>
-              <a:rPr lang="en-US" altLang="zh-TW" sz="2000" dirty="0">
-                <a:solidFill>
-                  <a:schemeClr val="bg1"/>
-                </a:solidFill>
-                <a:latin typeface="Consolas" panose="020B0609020204030204" pitchFamily="49" charset="0"/>
-                <a:ea typeface="Microsoft JhengHei UI Light" panose="020B0304030504040204" pitchFamily="34" charset="-120"/>
-              </a:rPr>
-              <a:t>|V</a:t>
-            </a:r>
-            <a:r>
-              <a:rPr lang="zh-TW" altLang="en-US" sz="2000" dirty="0">
-                <a:solidFill>
-                  <a:srgbClr val="262626"/>
-                </a:solidFill>
-                <a:latin typeface="Consolas" panose="020B0609020204030204" pitchFamily="49" charset="0"/>
-                <a:ea typeface="Microsoft JhengHei UI Light" panose="020B0304030504040204" pitchFamily="34" charset="-120"/>
-              </a:rPr>
-              <a:t>資料庫設計</a:t>
-            </a:r>
-            <a:r>
-              <a:rPr lang="en-GB" altLang="zh-TW" sz="2000" dirty="0">
-                <a:solidFill>
-                  <a:schemeClr val="bg1"/>
-                </a:solidFill>
-                <a:latin typeface="Consolas" panose="020B0609020204030204" pitchFamily="49" charset="0"/>
-                <a:ea typeface="Microsoft JhengHei UI Light" panose="020B0304030504040204" pitchFamily="34" charset="-120"/>
-              </a:rPr>
-              <a:t>|</a:t>
-            </a:r>
-            <a:r>
-              <a:rPr lang="zh-TW" altLang="en-US" sz="2000" dirty="0">
-                <a:solidFill>
-                  <a:schemeClr val="bg1"/>
-                </a:solidFill>
-                <a:latin typeface="Consolas" panose="020B0609020204030204" pitchFamily="49" charset="0"/>
-                <a:ea typeface="Microsoft JhengHei UI Light" panose="020B0304030504040204" pitchFamily="34" charset="-120"/>
-              </a:rPr>
-              <a:t>這我給</a:t>
-            </a:r>
-            <a:r>
-              <a:rPr lang="en-US" altLang="zh-TW" sz="2000" dirty="0">
-                <a:solidFill>
-                  <a:schemeClr val="bg1"/>
-                </a:solidFill>
-                <a:latin typeface="Consolas" panose="020B0609020204030204" pitchFamily="49" charset="0"/>
-                <a:ea typeface="Microsoft JhengHei UI Light" panose="020B0304030504040204" pitchFamily="34" charset="-120"/>
-              </a:rPr>
-              <a:t>99</a:t>
-            </a:r>
-            <a:r>
-              <a:rPr lang="zh-TW" altLang="en-US" sz="2000" dirty="0">
-                <a:solidFill>
-                  <a:schemeClr val="bg1"/>
-                </a:solidFill>
-                <a:latin typeface="Consolas" panose="020B0609020204030204" pitchFamily="49" charset="0"/>
-                <a:ea typeface="Microsoft JhengHei UI Light" panose="020B0304030504040204" pitchFamily="34" charset="-120"/>
-              </a:rPr>
-              <a:t>分</a:t>
-            </a:r>
-            <a:r>
-              <a:rPr lang="en-US" altLang="zh-TW" sz="2000" dirty="0">
-                <a:solidFill>
-                  <a:schemeClr val="bg1"/>
-                </a:solidFill>
-                <a:latin typeface="Consolas" panose="020B0609020204030204" pitchFamily="49" charset="0"/>
-                <a:ea typeface="Microsoft JhengHei UI Light" panose="020B0304030504040204" pitchFamily="34" charset="-120"/>
-              </a:rPr>
-              <a:t>		|</a:t>
-            </a:r>
-            <a:endParaRPr lang="en-GB" altLang="zh-TW" sz="2000" dirty="0">
-              <a:solidFill>
-                <a:schemeClr val="bg1"/>
-              </a:solidFill>
-              <a:latin typeface="Consolas" panose="020B0609020204030204" pitchFamily="49" charset="0"/>
-              <a:ea typeface="Microsoft JhengHei UI Light" panose="020B0304030504040204" pitchFamily="34" charset="-120"/>
-            </a:endParaRPr>
-          </a:p>
-          <a:p>
-            <a:r>
-              <a:rPr lang="en-GB" altLang="zh-TW" sz="2000" dirty="0">
-                <a:solidFill>
-                  <a:schemeClr val="bg1"/>
-                </a:solidFill>
-                <a:latin typeface="Consolas" panose="020B0609020204030204" pitchFamily="49" charset="0"/>
-                <a:ea typeface="Microsoft JhengHei UI Light" panose="020B0304030504040204" pitchFamily="34" charset="-120"/>
-              </a:rPr>
-              <a:t>|-------------------------------------</a:t>
-            </a:r>
-            <a:r>
-              <a:rPr lang="en-US" altLang="zh-TW" sz="2000" dirty="0">
-                <a:solidFill>
-                  <a:schemeClr val="bg1"/>
-                </a:solidFill>
-                <a:latin typeface="Consolas" panose="020B0609020204030204" pitchFamily="49" charset="0"/>
-                <a:ea typeface="Microsoft JhengHei UI Light" panose="020B0304030504040204" pitchFamily="34" charset="-120"/>
-              </a:rPr>
-              <a:t>----------------------</a:t>
-            </a:r>
-            <a:endParaRPr lang="en-GB" altLang="zh-TW" sz="2000" dirty="0">
-              <a:solidFill>
-                <a:schemeClr val="bg1"/>
-              </a:solidFill>
-              <a:latin typeface="Consolas" panose="020B0609020204030204" pitchFamily="49" charset="0"/>
-              <a:ea typeface="Microsoft JhengHei UI Light" panose="020B0304030504040204" pitchFamily="34" charset="-120"/>
-            </a:endParaRPr>
-          </a:p>
-          <a:p>
-            <a:r>
-              <a:rPr lang="en-GB" altLang="zh-TW" sz="2000" dirty="0">
-                <a:solidFill>
-                  <a:schemeClr val="bg1"/>
-                </a:solidFill>
-                <a:latin typeface="Consolas" panose="020B0609020204030204" pitchFamily="49" charset="0"/>
-                <a:ea typeface="Microsoft JhengHei UI Light" panose="020B0304030504040204" pitchFamily="34" charset="-120"/>
-              </a:rPr>
-              <a:t>|</a:t>
-            </a:r>
-            <a:r>
-              <a:rPr lang="zh-TW" altLang="en-US" sz="2000" dirty="0">
-                <a:solidFill>
-                  <a:schemeClr val="bg1"/>
-                </a:solidFill>
-                <a:latin typeface="Consolas" panose="020B0609020204030204" pitchFamily="49" charset="0"/>
-                <a:ea typeface="Microsoft JhengHei UI Light" panose="020B0304030504040204" pitchFamily="34" charset="-120"/>
-              </a:rPr>
-              <a:t>陳明賢 </a:t>
-            </a:r>
-            <a:r>
-              <a:rPr lang="en-GB" altLang="zh-TW" sz="2000" dirty="0">
-                <a:solidFill>
-                  <a:schemeClr val="bg1"/>
-                </a:solidFill>
-                <a:latin typeface="Consolas" panose="020B0609020204030204" pitchFamily="49" charset="0"/>
-                <a:ea typeface="Microsoft JhengHei UI Light" panose="020B0304030504040204" pitchFamily="34" charset="-120"/>
-              </a:rPr>
-              <a:t>|V</a:t>
-            </a:r>
-            <a:r>
-              <a:rPr lang="zh-TW" altLang="en-US" sz="2000" dirty="0">
-                <a:solidFill>
-                  <a:srgbClr val="262626"/>
-                </a:solidFill>
-                <a:latin typeface="Consolas" panose="020B0609020204030204" pitchFamily="49" charset="0"/>
-                <a:ea typeface="Microsoft JhengHei UI Light" panose="020B0304030504040204" pitchFamily="34" charset="-120"/>
-              </a:rPr>
-              <a:t>端設計  </a:t>
-            </a:r>
-            <a:r>
-              <a:rPr lang="en-US" altLang="zh-TW" sz="2000" dirty="0">
-                <a:solidFill>
-                  <a:schemeClr val="bg1"/>
-                </a:solidFill>
-                <a:latin typeface="Consolas" panose="020B0609020204030204" pitchFamily="49" charset="0"/>
-                <a:ea typeface="Microsoft JhengHei UI Light" panose="020B0304030504040204" pitchFamily="34" charset="-120"/>
-              </a:rPr>
-              <a:t>|</a:t>
-            </a:r>
-            <a:r>
-              <a:rPr lang="en-GB" altLang="zh-TW" sz="2000" dirty="0">
-                <a:solidFill>
-                  <a:schemeClr val="bg1"/>
-                </a:solidFill>
-                <a:latin typeface="Consolas" panose="020B0609020204030204" pitchFamily="49" charset="0"/>
-                <a:ea typeface="Microsoft JhengHei UI Light" panose="020B0304030504040204" pitchFamily="34" charset="-120"/>
-              </a:rPr>
-              <a:t>X</a:t>
-            </a:r>
-            <a:r>
-              <a:rPr lang="zh-TW" altLang="en-US" sz="2000" dirty="0">
-                <a:solidFill>
-                  <a:srgbClr val="262626"/>
-                </a:solidFill>
-                <a:latin typeface="Consolas" panose="020B0609020204030204" pitchFamily="49" charset="0"/>
-                <a:ea typeface="Microsoft JhengHei UI Light" panose="020B0304030504040204" pitchFamily="34" charset="-120"/>
-              </a:rPr>
-              <a:t>後端程式</a:t>
-            </a:r>
-            <a:r>
-              <a:rPr lang="en-US" altLang="zh-TW" sz="2000" dirty="0">
-                <a:solidFill>
-                  <a:schemeClr val="bg1"/>
-                </a:solidFill>
-                <a:latin typeface="Consolas" panose="020B0609020204030204" pitchFamily="49" charset="0"/>
-                <a:ea typeface="Microsoft JhengHei UI Light" panose="020B0304030504040204" pitchFamily="34" charset="-120"/>
-              </a:rPr>
-              <a:t>|V</a:t>
-            </a:r>
-            <a:r>
-              <a:rPr lang="zh-TW" altLang="en-US" sz="2000" dirty="0">
-                <a:solidFill>
-                  <a:srgbClr val="262626"/>
-                </a:solidFill>
-                <a:latin typeface="Consolas" panose="020B0609020204030204" pitchFamily="49" charset="0"/>
-                <a:ea typeface="Microsoft JhengHei UI Light" panose="020B0304030504040204" pitchFamily="34" charset="-120"/>
-              </a:rPr>
-              <a:t>資料庫設計</a:t>
-            </a:r>
-            <a:r>
-              <a:rPr lang="en-GB" altLang="zh-TW" sz="2000">
-                <a:solidFill>
-                  <a:schemeClr val="bg1"/>
-                </a:solidFill>
-                <a:latin typeface="Consolas" panose="020B0609020204030204" pitchFamily="49" charset="0"/>
-                <a:ea typeface="Microsoft JhengHei UI Light" panose="020B0304030504040204" pitchFamily="34" charset="-120"/>
-              </a:rPr>
-              <a:t>|</a:t>
-            </a:r>
-            <a:r>
-              <a:rPr lang="en-US" altLang="zh-TW" sz="2000">
-                <a:solidFill>
-                  <a:schemeClr val="bg1"/>
-                </a:solidFill>
-                <a:latin typeface="Consolas" panose="020B0609020204030204" pitchFamily="49" charset="0"/>
-                <a:ea typeface="Microsoft JhengHei UI Light" panose="020B0304030504040204" pitchFamily="34" charset="-120"/>
-              </a:rPr>
-              <a:t>70</a:t>
-            </a:r>
-            <a:r>
-              <a:rPr lang="zh-TW" altLang="en-US" sz="2000" dirty="0">
-                <a:solidFill>
-                  <a:schemeClr val="bg1"/>
-                </a:solidFill>
-                <a:latin typeface="Consolas" panose="020B0609020204030204" pitchFamily="49" charset="0"/>
-                <a:ea typeface="Microsoft JhengHei UI Light" panose="020B0304030504040204" pitchFamily="34" charset="-120"/>
-              </a:rPr>
-              <a:t>         </a:t>
-            </a:r>
-            <a:r>
-              <a:rPr lang="en-US" altLang="zh-TW" sz="2000" dirty="0">
-                <a:solidFill>
-                  <a:schemeClr val="bg1"/>
-                </a:solidFill>
-                <a:latin typeface="Consolas" panose="020B0609020204030204" pitchFamily="49" charset="0"/>
-                <a:ea typeface="Microsoft JhengHei UI Light" panose="020B0304030504040204" pitchFamily="34" charset="-120"/>
-              </a:rPr>
-              <a:t>		|</a:t>
-            </a:r>
-            <a:endParaRPr lang="en-GB" altLang="zh-TW" sz="2000" dirty="0">
-              <a:solidFill>
-                <a:schemeClr val="bg1"/>
-              </a:solidFill>
-              <a:latin typeface="Consolas" panose="020B0609020204030204" pitchFamily="49" charset="0"/>
-              <a:ea typeface="Microsoft JhengHei UI Light" panose="020B0304030504040204" pitchFamily="34" charset="-120"/>
-            </a:endParaRPr>
-          </a:p>
-          <a:p>
-            <a:r>
-              <a:rPr lang="en-US" altLang="zh-TW" sz="2000" dirty="0">
-                <a:solidFill>
-                  <a:schemeClr val="bg1"/>
-                </a:solidFill>
-                <a:latin typeface="Consolas" panose="020B0609020204030204" pitchFamily="49" charset="0"/>
-                <a:ea typeface="Microsoft JhengHei UI Light" panose="020B0304030504040204" pitchFamily="34" charset="-120"/>
-              </a:rPr>
-              <a:t>|-------</a:t>
-            </a:r>
-            <a:r>
-              <a:rPr lang="en-GB" altLang="zh-TW" sz="2000" dirty="0">
-                <a:solidFill>
-                  <a:schemeClr val="bg1"/>
-                </a:solidFill>
-                <a:latin typeface="Consolas" panose="020B0609020204030204" pitchFamily="49" charset="0"/>
-                <a:ea typeface="Microsoft JhengHei UI Light" panose="020B0304030504040204" pitchFamily="34" charset="-120"/>
-              </a:rPr>
-              <a:t>------------------------------</a:t>
-            </a:r>
-            <a:r>
-              <a:rPr lang="en-US" altLang="zh-TW" sz="2000" dirty="0">
-                <a:solidFill>
-                  <a:schemeClr val="bg1"/>
-                </a:solidFill>
-                <a:latin typeface="Consolas" panose="020B0609020204030204" pitchFamily="49" charset="0"/>
-                <a:ea typeface="Microsoft JhengHei UI Light" panose="020B0304030504040204" pitchFamily="34" charset="-120"/>
-              </a:rPr>
-              <a:t>----------------------</a:t>
-            </a:r>
-          </a:p>
-          <a:p>
-            <a:r>
-              <a:rPr lang="en-US" altLang="zh-TW" sz="2000" dirty="0">
-                <a:solidFill>
-                  <a:schemeClr val="bg1"/>
-                </a:solidFill>
-                <a:latin typeface="Consolas" panose="020B0609020204030204" pitchFamily="49" charset="0"/>
-                <a:ea typeface="Microsoft JhengHei UI Light" panose="020B0304030504040204" pitchFamily="34" charset="-120"/>
-              </a:rPr>
-              <a:t>|</a:t>
-            </a:r>
-            <a:r>
-              <a:rPr lang="zh-TW" altLang="en-US" sz="2000" dirty="0">
-                <a:solidFill>
-                  <a:schemeClr val="bg1"/>
-                </a:solidFill>
-                <a:latin typeface="Consolas" panose="020B0609020204030204" pitchFamily="49" charset="0"/>
-                <a:ea typeface="Microsoft JhengHei UI Light" panose="020B0304030504040204" pitchFamily="34" charset="-120"/>
-              </a:rPr>
-              <a:t>吳承翰 </a:t>
-            </a:r>
-            <a:r>
-              <a:rPr lang="en-GB" altLang="zh-TW" sz="2000" dirty="0">
-                <a:solidFill>
-                  <a:schemeClr val="bg1"/>
-                </a:solidFill>
-                <a:latin typeface="Consolas" panose="020B0609020204030204" pitchFamily="49" charset="0"/>
-                <a:ea typeface="Microsoft JhengHei UI Light" panose="020B0304030504040204" pitchFamily="34" charset="-120"/>
-              </a:rPr>
-              <a:t>|X</a:t>
-            </a:r>
-            <a:r>
-              <a:rPr lang="zh-TW" altLang="en-US" sz="2000" dirty="0">
-                <a:solidFill>
-                  <a:srgbClr val="262626"/>
-                </a:solidFill>
-                <a:latin typeface="Consolas" panose="020B0609020204030204" pitchFamily="49" charset="0"/>
-                <a:ea typeface="Microsoft JhengHei UI Light" panose="020B0304030504040204" pitchFamily="34" charset="-120"/>
-              </a:rPr>
-              <a:t>端設計  </a:t>
-            </a:r>
-            <a:r>
-              <a:rPr lang="en-US" altLang="zh-TW" sz="2000" dirty="0">
-                <a:solidFill>
-                  <a:schemeClr val="bg1"/>
-                </a:solidFill>
-                <a:latin typeface="Consolas" panose="020B0609020204030204" pitchFamily="49" charset="0"/>
-                <a:ea typeface="Microsoft JhengHei UI Light" panose="020B0304030504040204" pitchFamily="34" charset="-120"/>
-              </a:rPr>
-              <a:t>|</a:t>
-            </a:r>
-            <a:r>
-              <a:rPr lang="en-GB" altLang="zh-TW" sz="2000" dirty="0">
-                <a:solidFill>
-                  <a:schemeClr val="bg1"/>
-                </a:solidFill>
-                <a:latin typeface="Consolas" panose="020B0609020204030204" pitchFamily="49" charset="0"/>
-                <a:ea typeface="Microsoft JhengHei UI Light" panose="020B0304030504040204" pitchFamily="34" charset="-120"/>
-              </a:rPr>
-              <a:t>V</a:t>
-            </a:r>
-            <a:r>
-              <a:rPr lang="zh-TW" altLang="en-US" sz="2000" dirty="0">
-                <a:solidFill>
-                  <a:srgbClr val="262626"/>
-                </a:solidFill>
-                <a:latin typeface="Consolas" panose="020B0609020204030204" pitchFamily="49" charset="0"/>
-                <a:ea typeface="Microsoft JhengHei UI Light" panose="020B0304030504040204" pitchFamily="34" charset="-120"/>
-              </a:rPr>
-              <a:t>後端程式</a:t>
-            </a:r>
-            <a:r>
-              <a:rPr lang="en-US" altLang="zh-TW" sz="2000" dirty="0">
-                <a:solidFill>
-                  <a:schemeClr val="bg1"/>
-                </a:solidFill>
-                <a:latin typeface="Consolas" panose="020B0609020204030204" pitchFamily="49" charset="0"/>
-                <a:ea typeface="Microsoft JhengHei UI Light" panose="020B0304030504040204" pitchFamily="34" charset="-120"/>
-              </a:rPr>
-              <a:t>|V</a:t>
-            </a:r>
-            <a:r>
-              <a:rPr lang="zh-TW" altLang="en-US" sz="2000" dirty="0">
-                <a:solidFill>
-                  <a:srgbClr val="262626"/>
-                </a:solidFill>
-                <a:latin typeface="Consolas" panose="020B0609020204030204" pitchFamily="49" charset="0"/>
-                <a:ea typeface="Microsoft JhengHei UI Light" panose="020B0304030504040204" pitchFamily="34" charset="-120"/>
-              </a:rPr>
-              <a:t>資料庫設計</a:t>
-            </a:r>
-            <a:r>
-              <a:rPr lang="en-GB" altLang="zh-TW" sz="2000" dirty="0">
-                <a:solidFill>
-                  <a:schemeClr val="bg1"/>
-                </a:solidFill>
-                <a:latin typeface="Consolas" panose="020B0609020204030204" pitchFamily="49" charset="0"/>
-                <a:ea typeface="Microsoft JhengHei UI Light" panose="020B0304030504040204" pitchFamily="34" charset="-120"/>
-              </a:rPr>
-              <a:t>|</a:t>
-            </a:r>
-            <a:r>
-              <a:rPr lang="zh-TW" altLang="en-US" sz="2000" dirty="0">
-                <a:solidFill>
-                  <a:schemeClr val="bg1"/>
-                </a:solidFill>
-                <a:latin typeface="Consolas" panose="020B0609020204030204" pitchFamily="49" charset="0"/>
-                <a:ea typeface="Microsoft JhengHei UI Light" panose="020B0304030504040204" pitchFamily="34" charset="-120"/>
-              </a:rPr>
-              <a:t>            </a:t>
-            </a:r>
-            <a:r>
-              <a:rPr lang="en-US" altLang="zh-TW" sz="2000" dirty="0">
-                <a:solidFill>
-                  <a:schemeClr val="bg1"/>
-                </a:solidFill>
-                <a:latin typeface="Consolas" panose="020B0609020204030204" pitchFamily="49" charset="0"/>
-                <a:ea typeface="Microsoft JhengHei UI Light" panose="020B0304030504040204" pitchFamily="34" charset="-120"/>
-              </a:rPr>
-              <a:t>		|</a:t>
-            </a:r>
-            <a:endParaRPr lang="en-GB" altLang="zh-TW" sz="2000" dirty="0">
-              <a:solidFill>
-                <a:schemeClr val="bg1"/>
-              </a:solidFill>
-              <a:latin typeface="Consolas" panose="020B0609020204030204" pitchFamily="49" charset="0"/>
-              <a:ea typeface="Microsoft JhengHei UI Light" panose="020B0304030504040204" pitchFamily="34" charset="-120"/>
-            </a:endParaRPr>
-          </a:p>
-          <a:p>
-            <a:r>
-              <a:rPr lang="en-GB" altLang="zh-TW" sz="2000" dirty="0">
-                <a:solidFill>
-                  <a:schemeClr val="bg1"/>
-                </a:solidFill>
-                <a:latin typeface="Consolas" panose="020B0609020204030204" pitchFamily="49" charset="0"/>
-                <a:ea typeface="Microsoft JhengHei UI Light" panose="020B0304030504040204" pitchFamily="34" charset="-120"/>
-              </a:rPr>
-              <a:t>|-------------------------------------</a:t>
-            </a:r>
-            <a:r>
-              <a:rPr lang="en-US" altLang="zh-TW" sz="2000" dirty="0">
-                <a:solidFill>
-                  <a:schemeClr val="bg1"/>
-                </a:solidFill>
-                <a:latin typeface="Consolas" panose="020B0609020204030204" pitchFamily="49" charset="0"/>
-                <a:ea typeface="Microsoft JhengHei UI Light" panose="020B0304030504040204" pitchFamily="34" charset="-120"/>
-              </a:rPr>
-              <a:t>----------------------</a:t>
-            </a:r>
-            <a:endParaRPr lang="en-GB" altLang="zh-TW" sz="2000" dirty="0">
-              <a:solidFill>
-                <a:schemeClr val="bg1"/>
-              </a:solidFill>
-              <a:latin typeface="Consolas" panose="020B0609020204030204" pitchFamily="49" charset="0"/>
-              <a:ea typeface="Microsoft JhengHei UI Light" panose="020B0304030504040204" pitchFamily="34" charset="-120"/>
             </a:endParaRPr>
           </a:p>
         </p:txBody>
@@ -13568,6 +13693,146 @@
                                   </p:childTnLst>
                                 </p:cTn>
                               </p:par>
+                              <p:par>
+                                <p:cTn id="26" presetID="22" presetClass="entr" presetSubtype="8" fill="hold" grpId="0" nodeType="withEffect">
+                                  <p:stCondLst>
+                                    <p:cond delay="1500"/>
+                                  </p:stCondLst>
+                                  <p:childTnLst>
+                                    <p:set>
+                                      <p:cBhvr>
+                                        <p:cTn id="27" dur="1" fill="hold">
+                                          <p:stCondLst>
+                                            <p:cond delay="0"/>
+                                          </p:stCondLst>
+                                        </p:cTn>
+                                        <p:tgtEl>
+                                          <p:spTgt spid="3"/>
+                                        </p:tgtEl>
+                                        <p:attrNameLst>
+                                          <p:attrName>style.visibility</p:attrName>
+                                        </p:attrNameLst>
+                                      </p:cBhvr>
+                                      <p:to>
+                                        <p:strVal val="visible"/>
+                                      </p:to>
+                                    </p:set>
+                                    <p:animEffect transition="in" filter="wipe(left)">
+                                      <p:cBhvr>
+                                        <p:cTn id="28" dur="500"/>
+                                        <p:tgtEl>
+                                          <p:spTgt spid="3"/>
+                                        </p:tgtEl>
+                                      </p:cBhvr>
+                                    </p:animEffect>
+                                  </p:childTnLst>
+                                </p:cTn>
+                              </p:par>
+                              <p:par>
+                                <p:cTn id="29" presetID="22" presetClass="entr" presetSubtype="8" fill="hold" grpId="0" nodeType="withEffect">
+                                  <p:stCondLst>
+                                    <p:cond delay="1500"/>
+                                  </p:stCondLst>
+                                  <p:childTnLst>
+                                    <p:set>
+                                      <p:cBhvr>
+                                        <p:cTn id="30" dur="1" fill="hold">
+                                          <p:stCondLst>
+                                            <p:cond delay="0"/>
+                                          </p:stCondLst>
+                                        </p:cTn>
+                                        <p:tgtEl>
+                                          <p:spTgt spid="5"/>
+                                        </p:tgtEl>
+                                        <p:attrNameLst>
+                                          <p:attrName>style.visibility</p:attrName>
+                                        </p:attrNameLst>
+                                      </p:cBhvr>
+                                      <p:to>
+                                        <p:strVal val="visible"/>
+                                      </p:to>
+                                    </p:set>
+                                    <p:animEffect transition="in" filter="wipe(left)">
+                                      <p:cBhvr>
+                                        <p:cTn id="31" dur="500"/>
+                                        <p:tgtEl>
+                                          <p:spTgt spid="5"/>
+                                        </p:tgtEl>
+                                      </p:cBhvr>
+                                    </p:animEffect>
+                                  </p:childTnLst>
+                                </p:cTn>
+                              </p:par>
+                              <p:par>
+                                <p:cTn id="32" presetID="22" presetClass="entr" presetSubtype="8" fill="hold" grpId="0" nodeType="withEffect">
+                                  <p:stCondLst>
+                                    <p:cond delay="1500"/>
+                                  </p:stCondLst>
+                                  <p:childTnLst>
+                                    <p:set>
+                                      <p:cBhvr>
+                                        <p:cTn id="33" dur="1" fill="hold">
+                                          <p:stCondLst>
+                                            <p:cond delay="0"/>
+                                          </p:stCondLst>
+                                        </p:cTn>
+                                        <p:tgtEl>
+                                          <p:spTgt spid="40"/>
+                                        </p:tgtEl>
+                                        <p:attrNameLst>
+                                          <p:attrName>style.visibility</p:attrName>
+                                        </p:attrNameLst>
+                                      </p:cBhvr>
+                                      <p:to>
+                                        <p:strVal val="visible"/>
+                                      </p:to>
+                                    </p:set>
+                                    <p:animEffect transition="in" filter="wipe(left)">
+                                      <p:cBhvr>
+                                        <p:cTn id="34" dur="500"/>
+                                        <p:tgtEl>
+                                          <p:spTgt spid="40"/>
+                                        </p:tgtEl>
+                                      </p:cBhvr>
+                                    </p:animEffect>
+                                  </p:childTnLst>
+                                </p:cTn>
+                              </p:par>
+                              <p:par>
+                                <p:cTn id="35" presetID="22" presetClass="entr" presetSubtype="8" fill="hold" grpId="0" nodeType="withEffect">
+                                  <p:stCondLst>
+                                    <p:cond delay="1500"/>
+                                  </p:stCondLst>
+                                  <p:childTnLst>
+                                    <p:set>
+                                      <p:cBhvr>
+                                        <p:cTn id="36" dur="1" fill="hold">
+                                          <p:stCondLst>
+                                            <p:cond delay="0"/>
+                                          </p:stCondLst>
+                                        </p:cTn>
+                                        <p:tgtEl>
+                                          <p:spTgt spid="38"/>
+                                        </p:tgtEl>
+                                        <p:attrNameLst>
+                                          <p:attrName>style.visibility</p:attrName>
+                                        </p:attrNameLst>
+                                      </p:cBhvr>
+                                      <p:to>
+                                        <p:strVal val="visible"/>
+                                      </p:to>
+                                    </p:set>
+                                    <p:animEffect transition="in" filter="wipe(left)">
+                                      <p:cBhvr>
+                                        <p:cTn id="37" dur="500"/>
+                                        <p:tgtEl>
+                                          <p:spTgt spid="38"/>
+                                        </p:tgtEl>
+                                      </p:cBhvr>
+                                    </p:animEffect>
+                                  </p:childTnLst>
+                                </p:cTn>
+                              </p:par>
                             </p:childTnLst>
                           </p:cTn>
                         </p:par>
@@ -13596,13 +13861,17 @@
       </p:par>
     </p:tnLst>
     <p:bldLst>
+      <p:bldP spid="39" grpId="0"/>
+      <p:bldP spid="3" grpId="0"/>
       <p:bldP spid="30" grpId="0"/>
       <p:bldP spid="30" grpId="1"/>
       <p:bldP spid="35" grpId="0"/>
       <p:bldP spid="36" grpId="0"/>
       <p:bldP spid="36" grpId="1"/>
       <p:bldP spid="37" grpId="0"/>
-      <p:bldP spid="39" grpId="0"/>
+      <p:bldP spid="5" grpId="0"/>
+      <p:bldP spid="38" grpId="0"/>
+      <p:bldP spid="40" grpId="0"/>
     </p:bldLst>
   </p:timing>
 </p:sld>
